--- a/BaoCao.pptx
+++ b/BaoCao.pptx
@@ -5,25 +5,27 @@
     <p:sldMasterId id="2147483684" r:id="rId1"/>
   </p:sldMasterIdLst>
   <p:notesMasterIdLst>
-    <p:notesMasterId r:id="rId18"/>
+    <p:notesMasterId r:id="rId20"/>
   </p:notesMasterIdLst>
   <p:sldIdLst>
     <p:sldId id="256" r:id="rId2"/>
     <p:sldId id="257" r:id="rId3"/>
     <p:sldId id="260" r:id="rId4"/>
     <p:sldId id="258" r:id="rId5"/>
-    <p:sldId id="259" r:id="rId6"/>
-    <p:sldId id="261" r:id="rId7"/>
-    <p:sldId id="270" r:id="rId8"/>
-    <p:sldId id="269" r:id="rId9"/>
-    <p:sldId id="262" r:id="rId10"/>
-    <p:sldId id="265" r:id="rId11"/>
-    <p:sldId id="266" r:id="rId12"/>
-    <p:sldId id="267" r:id="rId13"/>
-    <p:sldId id="271" r:id="rId14"/>
-    <p:sldId id="272" r:id="rId15"/>
-    <p:sldId id="273" r:id="rId16"/>
-    <p:sldId id="268" r:id="rId17"/>
+    <p:sldId id="275" r:id="rId6"/>
+    <p:sldId id="259" r:id="rId7"/>
+    <p:sldId id="261" r:id="rId8"/>
+    <p:sldId id="270" r:id="rId9"/>
+    <p:sldId id="274" r:id="rId10"/>
+    <p:sldId id="269" r:id="rId11"/>
+    <p:sldId id="265" r:id="rId12"/>
+    <p:sldId id="262" r:id="rId13"/>
+    <p:sldId id="266" r:id="rId14"/>
+    <p:sldId id="267" r:id="rId15"/>
+    <p:sldId id="271" r:id="rId16"/>
+    <p:sldId id="272" r:id="rId17"/>
+    <p:sldId id="273" r:id="rId18"/>
+    <p:sldId id="268" r:id="rId19"/>
   </p:sldIdLst>
   <p:sldSz cx="9144000" cy="5143500" type="screen16x9"/>
   <p:notesSz cx="9144000" cy="6858000"/>
@@ -3323,104 +3325,6 @@
         </a:p>
       </dgm:t>
     </dgm:pt>
-    <dgm:pt modelId="{4DDE5098-AE1A-48A5-A808-582E92E3D1F4}">
-      <dgm:prSet phldrT="[Text]"/>
-      <dgm:spPr/>
-      <dgm:t>
-        <a:bodyPr/>
-        <a:lstStyle/>
-        <a:p>
-          <a:r>
-            <a:rPr lang="en-US" dirty="0" smtClean="0"/>
-            <a:t>3</a:t>
-          </a:r>
-          <a:endParaRPr lang="en-US" dirty="0"/>
-        </a:p>
-      </dgm:t>
-    </dgm:pt>
-    <dgm:pt modelId="{FD105251-BE59-41C8-869D-E9152B25473B}" type="parTrans" cxnId="{425CBD6E-B973-4B1A-A3DA-1E31B8E1A65D}">
-      <dgm:prSet/>
-      <dgm:spPr/>
-      <dgm:t>
-        <a:bodyPr/>
-        <a:lstStyle/>
-        <a:p>
-          <a:endParaRPr lang="en-US"/>
-        </a:p>
-      </dgm:t>
-    </dgm:pt>
-    <dgm:pt modelId="{F164BB7E-BF1E-44DA-ACFB-34C3ADE3B989}" type="sibTrans" cxnId="{425CBD6E-B973-4B1A-A3DA-1E31B8E1A65D}">
-      <dgm:prSet/>
-      <dgm:spPr/>
-      <dgm:t>
-        <a:bodyPr/>
-        <a:lstStyle/>
-        <a:p>
-          <a:endParaRPr lang="en-US"/>
-        </a:p>
-      </dgm:t>
-    </dgm:pt>
-    <dgm:pt modelId="{0A0044B0-D407-48E4-8E67-81C110FF390F}">
-      <dgm:prSet phldrT="[Text]"/>
-      <dgm:spPr/>
-      <dgm:t>
-        <a:bodyPr/>
-        <a:lstStyle/>
-        <a:p>
-          <a:r>
-            <a:rPr lang="en-US" dirty="0" err="1" smtClean="0"/>
-            <a:t>Phương</a:t>
-          </a:r>
-          <a:r>
-            <a:rPr lang="en-US" dirty="0" smtClean="0"/>
-            <a:t> </a:t>
-          </a:r>
-          <a:r>
-            <a:rPr lang="en-US" dirty="0" err="1" smtClean="0"/>
-            <a:t>pháp</a:t>
-          </a:r>
-          <a:r>
-            <a:rPr lang="en-US" dirty="0" smtClean="0"/>
-            <a:t> </a:t>
-          </a:r>
-          <a:r>
-            <a:rPr lang="en-US" dirty="0" err="1" smtClean="0"/>
-            <a:t>nghiên</a:t>
-          </a:r>
-          <a:r>
-            <a:rPr lang="en-US" dirty="0" smtClean="0"/>
-            <a:t> </a:t>
-          </a:r>
-          <a:r>
-            <a:rPr lang="en-US" dirty="0" err="1" smtClean="0"/>
-            <a:t>cứu</a:t>
-          </a:r>
-          <a:endParaRPr lang="en-US" dirty="0"/>
-        </a:p>
-      </dgm:t>
-    </dgm:pt>
-    <dgm:pt modelId="{BFA5A0C7-B5BD-42A3-837A-DC414FCBB640}" type="parTrans" cxnId="{9D478BA1-154C-4909-9C9B-C9CB29BEE7A5}">
-      <dgm:prSet/>
-      <dgm:spPr/>
-      <dgm:t>
-        <a:bodyPr/>
-        <a:lstStyle/>
-        <a:p>
-          <a:endParaRPr lang="en-US"/>
-        </a:p>
-      </dgm:t>
-    </dgm:pt>
-    <dgm:pt modelId="{5114EE2F-611D-49CC-8C09-31965F604745}" type="sibTrans" cxnId="{9D478BA1-154C-4909-9C9B-C9CB29BEE7A5}">
-      <dgm:prSet/>
-      <dgm:spPr/>
-      <dgm:t>
-        <a:bodyPr/>
-        <a:lstStyle/>
-        <a:p>
-          <a:endParaRPr lang="en-US"/>
-        </a:p>
-      </dgm:t>
-    </dgm:pt>
     <dgm:pt modelId="{C0287E85-2246-4229-A112-E72CC5572AF6}">
       <dgm:prSet phldrT="[Text]"/>
       <dgm:spPr/>
@@ -3430,7 +3334,7 @@
         <a:p>
           <a:r>
             <a:rPr lang="en-US" dirty="0" smtClean="0"/>
-            <a:t>6</a:t>
+            <a:t>5</a:t>
           </a:r>
           <a:endParaRPr lang="en-US" dirty="0"/>
         </a:p>
@@ -3467,7 +3371,7 @@
         <a:p>
           <a:r>
             <a:rPr lang="en-US" dirty="0" smtClean="0"/>
-            <a:t>4</a:t>
+            <a:t>3</a:t>
           </a:r>
           <a:endParaRPr lang="en-US" dirty="0"/>
         </a:p>
@@ -3565,7 +3469,7 @@
         <a:p>
           <a:r>
             <a:rPr lang="en-US" dirty="0" smtClean="0"/>
-            <a:t>5</a:t>
+            <a:t>4</a:t>
           </a:r>
           <a:endParaRPr lang="en-US" dirty="0"/>
         </a:p>
@@ -3736,7 +3640,7 @@
       </dgm:t>
     </dgm:pt>
     <dgm:pt modelId="{9C2CBAB0-1189-46EC-9A1C-7DB977A51911}" type="pres">
-      <dgm:prSet presAssocID="{30C07769-5F1C-4050-81D5-45C8861E3D2C}" presName="parentText" presStyleLbl="alignNode1" presStyleIdx="0" presStyleCnt="6">
+      <dgm:prSet presAssocID="{30C07769-5F1C-4050-81D5-45C8861E3D2C}" presName="parentText" presStyleLbl="alignNode1" presStyleIdx="0" presStyleCnt="5">
         <dgm:presLayoutVars>
           <dgm:chMax val="1"/>
           <dgm:bulletEnabled val="1"/>
@@ -3752,7 +3656,7 @@
       </dgm:t>
     </dgm:pt>
     <dgm:pt modelId="{3D9ED7D8-C565-4F0B-9FCA-2ECB5AAC7227}" type="pres">
-      <dgm:prSet presAssocID="{30C07769-5F1C-4050-81D5-45C8861E3D2C}" presName="descendantText" presStyleLbl="alignAcc1" presStyleIdx="0" presStyleCnt="6">
+      <dgm:prSet presAssocID="{30C07769-5F1C-4050-81D5-45C8861E3D2C}" presName="descendantText" presStyleLbl="alignAcc1" presStyleIdx="0" presStyleCnt="5">
         <dgm:presLayoutVars>
           <dgm:bulletEnabled val="1"/>
         </dgm:presLayoutVars>
@@ -3789,7 +3693,7 @@
       </dgm:t>
     </dgm:pt>
     <dgm:pt modelId="{99688ECA-8FA5-4607-94F1-CC07A0BA0860}" type="pres">
-      <dgm:prSet presAssocID="{00CAE60C-AF69-42C6-9BC9-299C90CE63D4}" presName="parentText" presStyleLbl="alignNode1" presStyleIdx="1" presStyleCnt="6">
+      <dgm:prSet presAssocID="{00CAE60C-AF69-42C6-9BC9-299C90CE63D4}" presName="parentText" presStyleLbl="alignNode1" presStyleIdx="1" presStyleCnt="5">
         <dgm:presLayoutVars>
           <dgm:chMax val="1"/>
           <dgm:bulletEnabled val="1"/>
@@ -3805,7 +3709,7 @@
       </dgm:t>
     </dgm:pt>
     <dgm:pt modelId="{F58EB6E1-C2A1-4929-9B82-A347EB9586A7}" type="pres">
-      <dgm:prSet presAssocID="{00CAE60C-AF69-42C6-9BC9-299C90CE63D4}" presName="descendantText" presStyleLbl="alignAcc1" presStyleIdx="1" presStyleCnt="6">
+      <dgm:prSet presAssocID="{00CAE60C-AF69-42C6-9BC9-299C90CE63D4}" presName="descendantText" presStyleLbl="alignAcc1" presStyleIdx="1" presStyleCnt="5">
         <dgm:presLayoutVars>
           <dgm:bulletEnabled val="1"/>
         </dgm:presLayoutVars>
@@ -3830,59 +3734,6 @@
         </a:p>
       </dgm:t>
     </dgm:pt>
-    <dgm:pt modelId="{66B50FB9-D380-4CB0-A7C0-87704EC532FE}" type="pres">
-      <dgm:prSet presAssocID="{4DDE5098-AE1A-48A5-A808-582E92E3D1F4}" presName="composite" presStyleCnt="0"/>
-      <dgm:spPr/>
-      <dgm:t>
-        <a:bodyPr/>
-        <a:lstStyle/>
-        <a:p>
-          <a:endParaRPr lang="en-US"/>
-        </a:p>
-      </dgm:t>
-    </dgm:pt>
-    <dgm:pt modelId="{7151E4B3-5B04-4497-A693-E5BBA4C0EDA6}" type="pres">
-      <dgm:prSet presAssocID="{4DDE5098-AE1A-48A5-A808-582E92E3D1F4}" presName="parentText" presStyleLbl="alignNode1" presStyleIdx="2" presStyleCnt="6">
-        <dgm:presLayoutVars>
-          <dgm:chMax val="1"/>
-          <dgm:bulletEnabled val="1"/>
-        </dgm:presLayoutVars>
-      </dgm:prSet>
-      <dgm:spPr/>
-      <dgm:t>
-        <a:bodyPr/>
-        <a:lstStyle/>
-        <a:p>
-          <a:endParaRPr lang="en-US"/>
-        </a:p>
-      </dgm:t>
-    </dgm:pt>
-    <dgm:pt modelId="{5CD3FFF4-B0B4-40AE-B575-8C73B9ECA958}" type="pres">
-      <dgm:prSet presAssocID="{4DDE5098-AE1A-48A5-A808-582E92E3D1F4}" presName="descendantText" presStyleLbl="alignAcc1" presStyleIdx="2" presStyleCnt="6">
-        <dgm:presLayoutVars>
-          <dgm:bulletEnabled val="1"/>
-        </dgm:presLayoutVars>
-      </dgm:prSet>
-      <dgm:spPr/>
-      <dgm:t>
-        <a:bodyPr/>
-        <a:lstStyle/>
-        <a:p>
-          <a:endParaRPr lang="en-US"/>
-        </a:p>
-      </dgm:t>
-    </dgm:pt>
-    <dgm:pt modelId="{57DC7F04-DEFE-476F-B29E-B919C4B856EA}" type="pres">
-      <dgm:prSet presAssocID="{F164BB7E-BF1E-44DA-ACFB-34C3ADE3B989}" presName="sp" presStyleCnt="0"/>
-      <dgm:spPr/>
-      <dgm:t>
-        <a:bodyPr/>
-        <a:lstStyle/>
-        <a:p>
-          <a:endParaRPr lang="en-US"/>
-        </a:p>
-      </dgm:t>
-    </dgm:pt>
     <dgm:pt modelId="{89D834BB-E0CD-4116-A5E6-8D3F78C7AE5B}" type="pres">
       <dgm:prSet presAssocID="{364B9A37-5270-4EAC-A0BB-0CDAC65A4626}" presName="composite" presStyleCnt="0"/>
       <dgm:spPr/>
@@ -3895,7 +3746,7 @@
       </dgm:t>
     </dgm:pt>
     <dgm:pt modelId="{9A99D0FF-5868-43CF-95F2-1E817500C822}" type="pres">
-      <dgm:prSet presAssocID="{364B9A37-5270-4EAC-A0BB-0CDAC65A4626}" presName="parentText" presStyleLbl="alignNode1" presStyleIdx="3" presStyleCnt="6">
+      <dgm:prSet presAssocID="{364B9A37-5270-4EAC-A0BB-0CDAC65A4626}" presName="parentText" presStyleLbl="alignNode1" presStyleIdx="2" presStyleCnt="5">
         <dgm:presLayoutVars>
           <dgm:chMax val="1"/>
           <dgm:bulletEnabled val="1"/>
@@ -3911,7 +3762,7 @@
       </dgm:t>
     </dgm:pt>
     <dgm:pt modelId="{CC23FC61-5C58-4DDA-AF56-567B69758437}" type="pres">
-      <dgm:prSet presAssocID="{364B9A37-5270-4EAC-A0BB-0CDAC65A4626}" presName="descendantText" presStyleLbl="alignAcc1" presStyleIdx="3" presStyleCnt="6">
+      <dgm:prSet presAssocID="{364B9A37-5270-4EAC-A0BB-0CDAC65A4626}" presName="descendantText" presStyleLbl="alignAcc1" presStyleIdx="2" presStyleCnt="5">
         <dgm:presLayoutVars>
           <dgm:bulletEnabled val="1"/>
         </dgm:presLayoutVars>
@@ -3948,7 +3799,7 @@
       </dgm:t>
     </dgm:pt>
     <dgm:pt modelId="{BCB60E09-B4F6-42A9-87A9-BCC61689526D}" type="pres">
-      <dgm:prSet presAssocID="{A71B0E61-B7B4-4A1B-89D3-0B949F1DB433}" presName="parentText" presStyleLbl="alignNode1" presStyleIdx="4" presStyleCnt="6">
+      <dgm:prSet presAssocID="{A71B0E61-B7B4-4A1B-89D3-0B949F1DB433}" presName="parentText" presStyleLbl="alignNode1" presStyleIdx="3" presStyleCnt="5">
         <dgm:presLayoutVars>
           <dgm:chMax val="1"/>
           <dgm:bulletEnabled val="1"/>
@@ -3964,7 +3815,7 @@
       </dgm:t>
     </dgm:pt>
     <dgm:pt modelId="{AD67D1D3-D645-410F-B62F-B3AE6F7D1CFF}" type="pres">
-      <dgm:prSet presAssocID="{A71B0E61-B7B4-4A1B-89D3-0B949F1DB433}" presName="descendantText" presStyleLbl="alignAcc1" presStyleIdx="4" presStyleCnt="6">
+      <dgm:prSet presAssocID="{A71B0E61-B7B4-4A1B-89D3-0B949F1DB433}" presName="descendantText" presStyleLbl="alignAcc1" presStyleIdx="3" presStyleCnt="5">
         <dgm:presLayoutVars>
           <dgm:bulletEnabled val="1"/>
         </dgm:presLayoutVars>
@@ -4001,7 +3852,7 @@
       </dgm:t>
     </dgm:pt>
     <dgm:pt modelId="{86E00DC5-05B7-4F6C-8577-7733C0F49E30}" type="pres">
-      <dgm:prSet presAssocID="{C0287E85-2246-4229-A112-E72CC5572AF6}" presName="parentText" presStyleLbl="alignNode1" presStyleIdx="5" presStyleCnt="6">
+      <dgm:prSet presAssocID="{C0287E85-2246-4229-A112-E72CC5572AF6}" presName="parentText" presStyleLbl="alignNode1" presStyleIdx="4" presStyleCnt="5">
         <dgm:presLayoutVars>
           <dgm:chMax val="1"/>
           <dgm:bulletEnabled val="1"/>
@@ -4017,7 +3868,7 @@
       </dgm:t>
     </dgm:pt>
     <dgm:pt modelId="{24CA085D-3821-4B05-BB22-E2171B4FF232}" type="pres">
-      <dgm:prSet presAssocID="{C0287E85-2246-4229-A112-E72CC5572AF6}" presName="descendantText" presStyleLbl="alignAcc1" presStyleIdx="5" presStyleCnt="6">
+      <dgm:prSet presAssocID="{C0287E85-2246-4229-A112-E72CC5572AF6}" presName="descendantText" presStyleLbl="alignAcc1" presStyleIdx="4" presStyleCnt="5">
         <dgm:presLayoutVars>
           <dgm:bulletEnabled val="1"/>
         </dgm:presLayoutVars>
@@ -4034,7 +3885,6 @@
   </dgm:ptLst>
   <dgm:cxnLst>
     <dgm:cxn modelId="{2C843210-992E-4471-A12E-CFB1C880BC34}" type="presOf" srcId="{5F27A6FC-9D2F-4081-8FE8-C00367BF781E}" destId="{AD67D1D3-D645-410F-B62F-B3AE6F7D1CFF}" srcOrd="0" destOrd="0" presId="urn:microsoft.com/office/officeart/2005/8/layout/chevron2"/>
-    <dgm:cxn modelId="{D4956AA7-692D-4EA7-BFF3-7448E5E1603F}" type="presOf" srcId="{0A0044B0-D407-48E4-8E67-81C110FF390F}" destId="{5CD3FFF4-B0B4-40AE-B575-8C73B9ECA958}" srcOrd="0" destOrd="0" presId="urn:microsoft.com/office/officeart/2005/8/layout/chevron2"/>
     <dgm:cxn modelId="{D89E04F8-4A91-48EA-A556-2D93331BC758}" srcId="{A71B0E61-B7B4-4A1B-89D3-0B949F1DB433}" destId="{5F27A6FC-9D2F-4081-8FE8-C00367BF781E}" srcOrd="0" destOrd="0" parTransId="{05AD139B-481E-475E-AC3C-46A834EAD859}" sibTransId="{CAA3BC17-B6F6-427D-91E1-B773C68CC3A3}"/>
     <dgm:cxn modelId="{A565B25D-1AC1-415C-B7D6-C76730DEB582}" srcId="{573FA4BB-2249-4952-88BF-CDA9028FFACC}" destId="{00CAE60C-AF69-42C6-9BC9-299C90CE63D4}" srcOrd="1" destOrd="0" parTransId="{0BDB0446-9538-4A12-B928-8374D265CFCE}" sibTransId="{3AFF97DA-555D-4BB3-8370-18900D93095D}"/>
     <dgm:cxn modelId="{8F2D5623-C7E2-4C28-9C62-1A631F2C25D6}" srcId="{00CAE60C-AF69-42C6-9BC9-299C90CE63D4}" destId="{4EA7789C-60B3-482B-9BCB-F47D087853A0}" srcOrd="0" destOrd="0" parTransId="{4D0D3ADE-FDB7-4B71-AF4E-DC4B17A24BAB}" sibTransId="{50EE48A5-FFC4-4B6B-AF3C-E52BFD8BCC9F}"/>
@@ -4048,16 +3898,13 @@
     <dgm:cxn modelId="{51745B59-5984-4755-A6CF-6BFCC32E2399}" type="presOf" srcId="{A71B0E61-B7B4-4A1B-89D3-0B949F1DB433}" destId="{BCB60E09-B4F6-42A9-87A9-BCC61689526D}" srcOrd="0" destOrd="0" presId="urn:microsoft.com/office/officeart/2005/8/layout/chevron2"/>
     <dgm:cxn modelId="{A0405C19-D397-4C25-82A1-B556B3CD4118}" srcId="{C0287E85-2246-4229-A112-E72CC5572AF6}" destId="{7A81E98A-5ABA-4DCD-B090-77E16C4FDE6D}" srcOrd="0" destOrd="0" parTransId="{D56204C5-1D1D-464B-842D-3798ACDADDBF}" sibTransId="{9C46F7B2-7F2E-4D52-8902-583412606928}"/>
     <dgm:cxn modelId="{4B8A596B-5983-4F69-81FE-08F53674C4C8}" type="presOf" srcId="{00CAE60C-AF69-42C6-9BC9-299C90CE63D4}" destId="{99688ECA-8FA5-4607-94F1-CC07A0BA0860}" srcOrd="0" destOrd="0" presId="urn:microsoft.com/office/officeart/2005/8/layout/chevron2"/>
-    <dgm:cxn modelId="{8D843D8D-5B07-4F2B-9800-FBD69272B2D0}" srcId="{573FA4BB-2249-4952-88BF-CDA9028FFACC}" destId="{C0287E85-2246-4229-A112-E72CC5572AF6}" srcOrd="5" destOrd="0" parTransId="{4D16A38F-D7A3-488A-AE50-9BE2225C7249}" sibTransId="{6C67477D-481F-4E76-8740-C9C2048B5F3F}"/>
-    <dgm:cxn modelId="{9D478BA1-154C-4909-9C9B-C9CB29BEE7A5}" srcId="{4DDE5098-AE1A-48A5-A808-582E92E3D1F4}" destId="{0A0044B0-D407-48E4-8E67-81C110FF390F}" srcOrd="0" destOrd="0" parTransId="{BFA5A0C7-B5BD-42A3-837A-DC414FCBB640}" sibTransId="{5114EE2F-611D-49CC-8C09-31965F604745}"/>
-    <dgm:cxn modelId="{A5B330A3-3567-4572-9349-C3134A1A3DEE}" type="presOf" srcId="{4DDE5098-AE1A-48A5-A808-582E92E3D1F4}" destId="{7151E4B3-5B04-4497-A693-E5BBA4C0EDA6}" srcOrd="0" destOrd="0" presId="urn:microsoft.com/office/officeart/2005/8/layout/chevron2"/>
+    <dgm:cxn modelId="{8D843D8D-5B07-4F2B-9800-FBD69272B2D0}" srcId="{573FA4BB-2249-4952-88BF-CDA9028FFACC}" destId="{C0287E85-2246-4229-A112-E72CC5572AF6}" srcOrd="4" destOrd="0" parTransId="{4D16A38F-D7A3-488A-AE50-9BE2225C7249}" sibTransId="{6C67477D-481F-4E76-8740-C9C2048B5F3F}"/>
     <dgm:cxn modelId="{5F2E137B-E7CC-4164-8173-50A64FC60553}" type="presOf" srcId="{B66483C8-54BB-4C25-B808-81981C6B1EAA}" destId="{CC23FC61-5C58-4DDA-AF56-567B69758437}" srcOrd="0" destOrd="0" presId="urn:microsoft.com/office/officeart/2005/8/layout/chevron2"/>
-    <dgm:cxn modelId="{425CBD6E-B973-4B1A-A3DA-1E31B8E1A65D}" srcId="{573FA4BB-2249-4952-88BF-CDA9028FFACC}" destId="{4DDE5098-AE1A-48A5-A808-582E92E3D1F4}" srcOrd="2" destOrd="0" parTransId="{FD105251-BE59-41C8-869D-E9152B25473B}" sibTransId="{F164BB7E-BF1E-44DA-ACFB-34C3ADE3B989}"/>
     <dgm:cxn modelId="{93C5834D-4082-441C-94AD-B599BFA64DD2}" type="presOf" srcId="{30C07769-5F1C-4050-81D5-45C8861E3D2C}" destId="{9C2CBAB0-1189-46EC-9A1C-7DB977A51911}" srcOrd="0" destOrd="0" presId="urn:microsoft.com/office/officeart/2005/8/layout/chevron2"/>
     <dgm:cxn modelId="{133A96DB-0EEC-4709-BFC7-B2B4617C6867}" type="presOf" srcId="{4EA7789C-60B3-482B-9BCB-F47D087853A0}" destId="{F58EB6E1-C2A1-4929-9B82-A347EB9586A7}" srcOrd="0" destOrd="0" presId="urn:microsoft.com/office/officeart/2005/8/layout/chevron2"/>
-    <dgm:cxn modelId="{09DBBA30-762A-4D09-BE74-AA2C5D3A9575}" srcId="{573FA4BB-2249-4952-88BF-CDA9028FFACC}" destId="{A71B0E61-B7B4-4A1B-89D3-0B949F1DB433}" srcOrd="4" destOrd="0" parTransId="{C8D59D49-E573-4CEE-9F11-38C44F4B6D44}" sibTransId="{CC0F7FC3-4121-4B11-9243-7C9907B2C8B1}"/>
+    <dgm:cxn modelId="{09DBBA30-762A-4D09-BE74-AA2C5D3A9575}" srcId="{573FA4BB-2249-4952-88BF-CDA9028FFACC}" destId="{A71B0E61-B7B4-4A1B-89D3-0B949F1DB433}" srcOrd="3" destOrd="0" parTransId="{C8D59D49-E573-4CEE-9F11-38C44F4B6D44}" sibTransId="{CC0F7FC3-4121-4B11-9243-7C9907B2C8B1}"/>
     <dgm:cxn modelId="{903EDB4C-B165-445D-B2AB-755162D8FD76}" type="presOf" srcId="{364B9A37-5270-4EAC-A0BB-0CDAC65A4626}" destId="{9A99D0FF-5868-43CF-95F2-1E817500C822}" srcOrd="0" destOrd="0" presId="urn:microsoft.com/office/officeart/2005/8/layout/chevron2"/>
-    <dgm:cxn modelId="{C370DA88-0EC8-4035-8149-BE56CCF4273B}" srcId="{573FA4BB-2249-4952-88BF-CDA9028FFACC}" destId="{364B9A37-5270-4EAC-A0BB-0CDAC65A4626}" srcOrd="3" destOrd="0" parTransId="{F4DE6BED-5F1D-470A-A09C-ABD712AD58F5}" sibTransId="{4929FC34-33BA-4CB5-AD05-C2199FD0B462}"/>
+    <dgm:cxn modelId="{C370DA88-0EC8-4035-8149-BE56CCF4273B}" srcId="{573FA4BB-2249-4952-88BF-CDA9028FFACC}" destId="{364B9A37-5270-4EAC-A0BB-0CDAC65A4626}" srcOrd="2" destOrd="0" parTransId="{F4DE6BED-5F1D-470A-A09C-ABD712AD58F5}" sibTransId="{4929FC34-33BA-4CB5-AD05-C2199FD0B462}"/>
     <dgm:cxn modelId="{D8FF592B-E356-405F-8B36-2E29E70D2CC8}" type="presParOf" srcId="{8B98A07B-003D-434C-B671-52C26222EE73}" destId="{A8234E02-72F2-48CA-9BAD-D36DEC23A3AA}" srcOrd="0" destOrd="0" presId="urn:microsoft.com/office/officeart/2005/8/layout/chevron2"/>
     <dgm:cxn modelId="{5BC90669-4739-47BA-AA81-E62E65BD5FD2}" type="presParOf" srcId="{A8234E02-72F2-48CA-9BAD-D36DEC23A3AA}" destId="{9C2CBAB0-1189-46EC-9A1C-7DB977A51911}" srcOrd="0" destOrd="0" presId="urn:microsoft.com/office/officeart/2005/8/layout/chevron2"/>
     <dgm:cxn modelId="{25AE8F25-46A2-449E-BFA1-89D80313E41C}" type="presParOf" srcId="{A8234E02-72F2-48CA-9BAD-D36DEC23A3AA}" destId="{3D9ED7D8-C565-4F0B-9FCA-2ECB5AAC7227}" srcOrd="1" destOrd="0" presId="urn:microsoft.com/office/officeart/2005/8/layout/chevron2"/>
@@ -4066,19 +3913,15 @@
     <dgm:cxn modelId="{97E022A9-06CF-4DE3-8CB5-BB7CF4C0F7D1}" type="presParOf" srcId="{F812B5E2-F00E-4164-BE9C-F8777DCEFCE8}" destId="{99688ECA-8FA5-4607-94F1-CC07A0BA0860}" srcOrd="0" destOrd="0" presId="urn:microsoft.com/office/officeart/2005/8/layout/chevron2"/>
     <dgm:cxn modelId="{54859D29-591F-48E3-83A7-6A1CE8CB2ADF}" type="presParOf" srcId="{F812B5E2-F00E-4164-BE9C-F8777DCEFCE8}" destId="{F58EB6E1-C2A1-4929-9B82-A347EB9586A7}" srcOrd="1" destOrd="0" presId="urn:microsoft.com/office/officeart/2005/8/layout/chevron2"/>
     <dgm:cxn modelId="{929892DB-FC98-4B0B-8910-3C84624A4260}" type="presParOf" srcId="{8B98A07B-003D-434C-B671-52C26222EE73}" destId="{DAC3B3BB-BB61-4DBB-B446-6493EA7C14A2}" srcOrd="3" destOrd="0" presId="urn:microsoft.com/office/officeart/2005/8/layout/chevron2"/>
-    <dgm:cxn modelId="{1A849492-7D79-4BCC-ABC8-3BC8C8AE23EF}" type="presParOf" srcId="{8B98A07B-003D-434C-B671-52C26222EE73}" destId="{66B50FB9-D380-4CB0-A7C0-87704EC532FE}" srcOrd="4" destOrd="0" presId="urn:microsoft.com/office/officeart/2005/8/layout/chevron2"/>
-    <dgm:cxn modelId="{165FA874-5CC8-4684-BE17-456526BEEEC9}" type="presParOf" srcId="{66B50FB9-D380-4CB0-A7C0-87704EC532FE}" destId="{7151E4B3-5B04-4497-A693-E5BBA4C0EDA6}" srcOrd="0" destOrd="0" presId="urn:microsoft.com/office/officeart/2005/8/layout/chevron2"/>
-    <dgm:cxn modelId="{E08E5FAB-A3DC-4A72-812F-010A38E890D7}" type="presParOf" srcId="{66B50FB9-D380-4CB0-A7C0-87704EC532FE}" destId="{5CD3FFF4-B0B4-40AE-B575-8C73B9ECA958}" srcOrd="1" destOrd="0" presId="urn:microsoft.com/office/officeart/2005/8/layout/chevron2"/>
-    <dgm:cxn modelId="{184DBFAD-FDAC-4249-81C9-29F4C90E66E2}" type="presParOf" srcId="{8B98A07B-003D-434C-B671-52C26222EE73}" destId="{57DC7F04-DEFE-476F-B29E-B919C4B856EA}" srcOrd="5" destOrd="0" presId="urn:microsoft.com/office/officeart/2005/8/layout/chevron2"/>
-    <dgm:cxn modelId="{D0710A03-3146-4EDD-9707-5BF6E21A531D}" type="presParOf" srcId="{8B98A07B-003D-434C-B671-52C26222EE73}" destId="{89D834BB-E0CD-4116-A5E6-8D3F78C7AE5B}" srcOrd="6" destOrd="0" presId="urn:microsoft.com/office/officeart/2005/8/layout/chevron2"/>
+    <dgm:cxn modelId="{D0710A03-3146-4EDD-9707-5BF6E21A531D}" type="presParOf" srcId="{8B98A07B-003D-434C-B671-52C26222EE73}" destId="{89D834BB-E0CD-4116-A5E6-8D3F78C7AE5B}" srcOrd="4" destOrd="0" presId="urn:microsoft.com/office/officeart/2005/8/layout/chevron2"/>
     <dgm:cxn modelId="{A570B1EA-74F1-48DE-9698-8700A9327EA7}" type="presParOf" srcId="{89D834BB-E0CD-4116-A5E6-8D3F78C7AE5B}" destId="{9A99D0FF-5868-43CF-95F2-1E817500C822}" srcOrd="0" destOrd="0" presId="urn:microsoft.com/office/officeart/2005/8/layout/chevron2"/>
     <dgm:cxn modelId="{D3A73F6D-2807-4953-AFE0-31D26A1D5C15}" type="presParOf" srcId="{89D834BB-E0CD-4116-A5E6-8D3F78C7AE5B}" destId="{CC23FC61-5C58-4DDA-AF56-567B69758437}" srcOrd="1" destOrd="0" presId="urn:microsoft.com/office/officeart/2005/8/layout/chevron2"/>
-    <dgm:cxn modelId="{81921BD3-125D-4C6C-9E34-00FD4591AB0D}" type="presParOf" srcId="{8B98A07B-003D-434C-B671-52C26222EE73}" destId="{14A2F60E-4954-4B33-9192-E2DD8DD8F720}" srcOrd="7" destOrd="0" presId="urn:microsoft.com/office/officeart/2005/8/layout/chevron2"/>
-    <dgm:cxn modelId="{BD11EE6E-A1C4-44CB-B15F-B572A987A365}" type="presParOf" srcId="{8B98A07B-003D-434C-B671-52C26222EE73}" destId="{0B04605D-307D-4808-BDA8-42FF1FB2C823}" srcOrd="8" destOrd="0" presId="urn:microsoft.com/office/officeart/2005/8/layout/chevron2"/>
+    <dgm:cxn modelId="{81921BD3-125D-4C6C-9E34-00FD4591AB0D}" type="presParOf" srcId="{8B98A07B-003D-434C-B671-52C26222EE73}" destId="{14A2F60E-4954-4B33-9192-E2DD8DD8F720}" srcOrd="5" destOrd="0" presId="urn:microsoft.com/office/officeart/2005/8/layout/chevron2"/>
+    <dgm:cxn modelId="{BD11EE6E-A1C4-44CB-B15F-B572A987A365}" type="presParOf" srcId="{8B98A07B-003D-434C-B671-52C26222EE73}" destId="{0B04605D-307D-4808-BDA8-42FF1FB2C823}" srcOrd="6" destOrd="0" presId="urn:microsoft.com/office/officeart/2005/8/layout/chevron2"/>
     <dgm:cxn modelId="{92A32DAB-3A5E-48FF-A58D-0200590410FE}" type="presParOf" srcId="{0B04605D-307D-4808-BDA8-42FF1FB2C823}" destId="{BCB60E09-B4F6-42A9-87A9-BCC61689526D}" srcOrd="0" destOrd="0" presId="urn:microsoft.com/office/officeart/2005/8/layout/chevron2"/>
     <dgm:cxn modelId="{FD63E66D-CB5F-4F99-87DF-3CC75B813983}" type="presParOf" srcId="{0B04605D-307D-4808-BDA8-42FF1FB2C823}" destId="{AD67D1D3-D645-410F-B62F-B3AE6F7D1CFF}" srcOrd="1" destOrd="0" presId="urn:microsoft.com/office/officeart/2005/8/layout/chevron2"/>
-    <dgm:cxn modelId="{82FB3577-D828-4DA6-8EA2-78F8F28E303D}" type="presParOf" srcId="{8B98A07B-003D-434C-B671-52C26222EE73}" destId="{62BA5F18-7FC4-4F34-AB0C-96EA7053B9B7}" srcOrd="9" destOrd="0" presId="urn:microsoft.com/office/officeart/2005/8/layout/chevron2"/>
-    <dgm:cxn modelId="{906150DF-62C3-455A-8B7B-3D69B0CF6052}" type="presParOf" srcId="{8B98A07B-003D-434C-B671-52C26222EE73}" destId="{8F5254D4-2CC4-47CA-8F3B-04BDC9338BA0}" srcOrd="10" destOrd="0" presId="urn:microsoft.com/office/officeart/2005/8/layout/chevron2"/>
+    <dgm:cxn modelId="{82FB3577-D828-4DA6-8EA2-78F8F28E303D}" type="presParOf" srcId="{8B98A07B-003D-434C-B671-52C26222EE73}" destId="{62BA5F18-7FC4-4F34-AB0C-96EA7053B9B7}" srcOrd="7" destOrd="0" presId="urn:microsoft.com/office/officeart/2005/8/layout/chevron2"/>
+    <dgm:cxn modelId="{906150DF-62C3-455A-8B7B-3D69B0CF6052}" type="presParOf" srcId="{8B98A07B-003D-434C-B671-52C26222EE73}" destId="{8F5254D4-2CC4-47CA-8F3B-04BDC9338BA0}" srcOrd="8" destOrd="0" presId="urn:microsoft.com/office/officeart/2005/8/layout/chevron2"/>
     <dgm:cxn modelId="{5C7E75DE-F95B-4465-BB67-07E32EB2842D}" type="presParOf" srcId="{8F5254D4-2CC4-47CA-8F3B-04BDC9338BA0}" destId="{86E00DC5-05B7-4F6C-8577-7733C0F49E30}" srcOrd="0" destOrd="0" presId="urn:microsoft.com/office/officeart/2005/8/layout/chevron2"/>
     <dgm:cxn modelId="{6A8B697F-31DE-4522-BE8A-269972A37F8C}" type="presParOf" srcId="{8F5254D4-2CC4-47CA-8F3B-04BDC9338BA0}" destId="{24CA085D-3821-4B05-BB22-E2171B4FF232}" srcOrd="1" destOrd="0" presId="urn:microsoft.com/office/officeart/2005/8/layout/chevron2"/>
   </dgm:cxnLst>
@@ -4099,91 +3942,6 @@
       <dgm:prSet loTypeId="urn:microsoft.com/office/officeart/2005/8/layout/vList3" loCatId="list" qsTypeId="urn:microsoft.com/office/officeart/2005/8/quickstyle/simple1" qsCatId="simple" csTypeId="urn:microsoft.com/office/officeart/2005/8/colors/accent1_2" csCatId="accent1" phldr="1"/>
       <dgm:spPr/>
     </dgm:pt>
-    <dgm:pt modelId="{6BD7B688-D222-4B32-96A8-386B7E3F508F}">
-      <dgm:prSet phldrT="[Text]"/>
-      <dgm:spPr/>
-      <dgm:t>
-        <a:bodyPr/>
-        <a:lstStyle/>
-        <a:p>
-          <a:r>
-            <a:rPr lang="en-US" dirty="0" err="1" smtClean="0"/>
-            <a:t>Giảm</a:t>
-          </a:r>
-          <a:r>
-            <a:rPr lang="en-US" dirty="0" smtClean="0"/>
-            <a:t> </a:t>
-          </a:r>
-          <a:r>
-            <a:rPr lang="en-US" dirty="0" err="1" smtClean="0"/>
-            <a:t>bớt</a:t>
-          </a:r>
-          <a:r>
-            <a:rPr lang="en-US" dirty="0" smtClean="0"/>
-            <a:t> </a:t>
-          </a:r>
-          <a:r>
-            <a:rPr lang="en-US" dirty="0" err="1" smtClean="0"/>
-            <a:t>thủ</a:t>
-          </a:r>
-          <a:r>
-            <a:rPr lang="en-US" dirty="0" smtClean="0"/>
-            <a:t> </a:t>
-          </a:r>
-          <a:r>
-            <a:rPr lang="en-US" dirty="0" err="1" smtClean="0"/>
-            <a:t>tục</a:t>
-          </a:r>
-          <a:r>
-            <a:rPr lang="en-US" dirty="0" smtClean="0"/>
-            <a:t> </a:t>
-          </a:r>
-          <a:r>
-            <a:rPr lang="en-US" dirty="0" err="1" smtClean="0"/>
-            <a:t>và</a:t>
-          </a:r>
-          <a:r>
-            <a:rPr lang="en-US" dirty="0" smtClean="0"/>
-            <a:t> </a:t>
-          </a:r>
-          <a:r>
-            <a:rPr lang="en-US" dirty="0" err="1" smtClean="0"/>
-            <a:t>giấy</a:t>
-          </a:r>
-          <a:r>
-            <a:rPr lang="en-US" dirty="0" smtClean="0"/>
-            <a:t> </a:t>
-          </a:r>
-          <a:r>
-            <a:rPr lang="en-US" dirty="0" err="1" smtClean="0"/>
-            <a:t>tờ</a:t>
-          </a:r>
-          <a:endParaRPr lang="en-US" dirty="0"/>
-        </a:p>
-      </dgm:t>
-    </dgm:pt>
-    <dgm:pt modelId="{7DD3790C-C151-40CE-B7CB-85DBBFEEABB2}" type="parTrans" cxnId="{67F11FE4-7EF3-4E28-9376-17815990B5C6}">
-      <dgm:prSet/>
-      <dgm:spPr/>
-      <dgm:t>
-        <a:bodyPr/>
-        <a:lstStyle/>
-        <a:p>
-          <a:endParaRPr lang="en-US"/>
-        </a:p>
-      </dgm:t>
-    </dgm:pt>
-    <dgm:pt modelId="{F0A2B618-2EE4-4E50-AB5B-3070C67953E7}" type="sibTrans" cxnId="{67F11FE4-7EF3-4E28-9376-17815990B5C6}">
-      <dgm:prSet/>
-      <dgm:spPr/>
-      <dgm:t>
-        <a:bodyPr/>
-        <a:lstStyle/>
-        <a:p>
-          <a:endParaRPr lang="en-US"/>
-        </a:p>
-      </dgm:t>
-    </dgm:pt>
     <dgm:pt modelId="{5A8F350A-9A07-4026-9D93-0C50A0BFFEDE}">
       <dgm:prSet phldrT="[Text]"/>
       <dgm:spPr/>
@@ -4193,7 +3951,7 @@
         <a:p>
           <a:r>
             <a:rPr lang="en-US" dirty="0" err="1" smtClean="0"/>
-            <a:t>Nhân</a:t>
+            <a:t>Hệ</a:t>
           </a:r>
           <a:r>
             <a:rPr lang="en-US" dirty="0" smtClean="0"/>
@@ -4201,7 +3959,7 @@
           </a:r>
           <a:r>
             <a:rPr lang="en-US" dirty="0" err="1" smtClean="0"/>
-            <a:t>viên</a:t>
+            <a:t>thống</a:t>
           </a:r>
           <a:r>
             <a:rPr lang="en-US" dirty="0" smtClean="0"/>
@@ -4209,7 +3967,7 @@
           </a:r>
           <a:r>
             <a:rPr lang="en-US" dirty="0" err="1" smtClean="0"/>
-            <a:t>thông</a:t>
+            <a:t>quá</a:t>
           </a:r>
           <a:r>
             <a:rPr lang="en-US" dirty="0" smtClean="0"/>
@@ -4217,7 +3975,15 @@
           </a:r>
           <a:r>
             <a:rPr lang="en-US" dirty="0" err="1" smtClean="0"/>
-            <a:t>suốt</a:t>
+            <a:t>dữ</a:t>
+          </a:r>
+          <a:r>
+            <a:rPr lang="en-US" dirty="0" smtClean="0"/>
+            <a:t> </a:t>
+          </a:r>
+          <a:r>
+            <a:rPr lang="en-US" dirty="0" err="1" smtClean="0"/>
+            <a:t>liệu</a:t>
           </a:r>
           <a:endParaRPr lang="en-US" dirty="0"/>
         </a:p>
@@ -4320,6 +4086,91 @@
       </dgm:t>
     </dgm:pt>
     <dgm:pt modelId="{0A413827-F64D-4177-896A-6F3943134DD3}" type="sibTrans" cxnId="{959CF03D-EF59-4E06-9AEA-4B16B4F9F28C}">
+      <dgm:prSet/>
+      <dgm:spPr/>
+      <dgm:t>
+        <a:bodyPr/>
+        <a:lstStyle/>
+        <a:p>
+          <a:endParaRPr lang="en-US"/>
+        </a:p>
+      </dgm:t>
+    </dgm:pt>
+    <dgm:pt modelId="{6BD7B688-D222-4B32-96A8-386B7E3F508F}">
+      <dgm:prSet phldrT="[Text]"/>
+      <dgm:spPr/>
+      <dgm:t>
+        <a:bodyPr/>
+        <a:lstStyle/>
+        <a:p>
+          <a:r>
+            <a:rPr lang="en-US" dirty="0" err="1" smtClean="0"/>
+            <a:t>Giảm</a:t>
+          </a:r>
+          <a:r>
+            <a:rPr lang="en-US" dirty="0" smtClean="0"/>
+            <a:t> </a:t>
+          </a:r>
+          <a:r>
+            <a:rPr lang="en-US" dirty="0" err="1" smtClean="0"/>
+            <a:t>bớt</a:t>
+          </a:r>
+          <a:r>
+            <a:rPr lang="en-US" dirty="0" smtClean="0"/>
+            <a:t> </a:t>
+          </a:r>
+          <a:r>
+            <a:rPr lang="en-US" dirty="0" err="1" smtClean="0"/>
+            <a:t>thủ</a:t>
+          </a:r>
+          <a:r>
+            <a:rPr lang="en-US" dirty="0" smtClean="0"/>
+            <a:t> </a:t>
+          </a:r>
+          <a:r>
+            <a:rPr lang="en-US" dirty="0" err="1" smtClean="0"/>
+            <a:t>tục</a:t>
+          </a:r>
+          <a:r>
+            <a:rPr lang="en-US" dirty="0" smtClean="0"/>
+            <a:t> </a:t>
+          </a:r>
+          <a:r>
+            <a:rPr lang="en-US" dirty="0" err="1" smtClean="0"/>
+            <a:t>và</a:t>
+          </a:r>
+          <a:r>
+            <a:rPr lang="en-US" dirty="0" smtClean="0"/>
+            <a:t> </a:t>
+          </a:r>
+          <a:r>
+            <a:rPr lang="en-US" dirty="0" err="1" smtClean="0"/>
+            <a:t>giấy</a:t>
+          </a:r>
+          <a:r>
+            <a:rPr lang="en-US" dirty="0" smtClean="0"/>
+            <a:t> </a:t>
+          </a:r>
+          <a:r>
+            <a:rPr lang="en-US" dirty="0" err="1" smtClean="0"/>
+            <a:t>tờ</a:t>
+          </a:r>
+          <a:endParaRPr lang="en-US" dirty="0"/>
+        </a:p>
+      </dgm:t>
+    </dgm:pt>
+    <dgm:pt modelId="{F0A2B618-2EE4-4E50-AB5B-3070C67953E7}" type="sibTrans" cxnId="{67F11FE4-7EF3-4E28-9376-17815990B5C6}">
+      <dgm:prSet/>
+      <dgm:spPr/>
+      <dgm:t>
+        <a:bodyPr/>
+        <a:lstStyle/>
+        <a:p>
+          <a:endParaRPr lang="en-US"/>
+        </a:p>
+      </dgm:t>
+    </dgm:pt>
+    <dgm:pt modelId="{7DD3790C-C151-40CE-B7CB-85DBBFEEABB2}" type="parTrans" cxnId="{67F11FE4-7EF3-4E28-9376-17815990B5C6}">
       <dgm:prSet/>
       <dgm:spPr/>
       <dgm:t>
@@ -4460,13 +4311,13 @@
     </dgm:pt>
   </dgm:ptLst>
   <dgm:cxnLst>
+    <dgm:cxn modelId="{3541B9CC-3615-4AAE-8705-3A2B5AB0B640}" type="presOf" srcId="{6BD7B688-D222-4B32-96A8-386B7E3F508F}" destId="{600CFBC2-6743-48DC-BB51-B920BBD02363}" srcOrd="0" destOrd="0" presId="urn:microsoft.com/office/officeart/2005/8/layout/vList3"/>
+    <dgm:cxn modelId="{67F11FE4-7EF3-4E28-9376-17815990B5C6}" srcId="{189088A6-6029-412C-AF3D-B7F0C4945AAC}" destId="{6BD7B688-D222-4B32-96A8-386B7E3F508F}" srcOrd="0" destOrd="0" parTransId="{7DD3790C-C151-40CE-B7CB-85DBBFEEABB2}" sibTransId="{F0A2B618-2EE4-4E50-AB5B-3070C67953E7}"/>
+    <dgm:cxn modelId="{ADC48C58-A562-4CC5-9EED-09727C1FA1FF}" type="presOf" srcId="{B6F62356-7202-4EAA-BC3D-034E71D99625}" destId="{99522EE8-58BF-49A3-8292-8D31A743AD5A}" srcOrd="0" destOrd="0" presId="urn:microsoft.com/office/officeart/2005/8/layout/vList3"/>
+    <dgm:cxn modelId="{C77C700B-8337-4625-BFEF-6EBDBCAFD739}" type="presOf" srcId="{189088A6-6029-412C-AF3D-B7F0C4945AAC}" destId="{3FF89C90-507C-486F-8A99-BE71F91478EE}" srcOrd="0" destOrd="0" presId="urn:microsoft.com/office/officeart/2005/8/layout/vList3"/>
     <dgm:cxn modelId="{E1498D48-D801-42AE-8B5B-5FFD0AF6736C}" srcId="{189088A6-6029-412C-AF3D-B7F0C4945AAC}" destId="{5A8F350A-9A07-4026-9D93-0C50A0BFFEDE}" srcOrd="1" destOrd="0" parTransId="{43CFFB22-951F-4FF4-878F-631E2C439F01}" sibTransId="{68DEC7C2-5A9B-40DE-88FC-BD75400C09D2}"/>
+    <dgm:cxn modelId="{382F9859-0D34-4D59-87DA-3D9E033B5980}" type="presOf" srcId="{5A8F350A-9A07-4026-9D93-0C50A0BFFEDE}" destId="{E4701F4B-5D7D-4C11-8D06-03B70A490982}" srcOrd="0" destOrd="0" presId="urn:microsoft.com/office/officeart/2005/8/layout/vList3"/>
     <dgm:cxn modelId="{959CF03D-EF59-4E06-9AEA-4B16B4F9F28C}" srcId="{189088A6-6029-412C-AF3D-B7F0C4945AAC}" destId="{B6F62356-7202-4EAA-BC3D-034E71D99625}" srcOrd="2" destOrd="0" parTransId="{B618364A-E457-4653-A802-FEF37A902DB2}" sibTransId="{0A413827-F64D-4177-896A-6F3943134DD3}"/>
-    <dgm:cxn modelId="{67F11FE4-7EF3-4E28-9376-17815990B5C6}" srcId="{189088A6-6029-412C-AF3D-B7F0C4945AAC}" destId="{6BD7B688-D222-4B32-96A8-386B7E3F508F}" srcOrd="0" destOrd="0" parTransId="{7DD3790C-C151-40CE-B7CB-85DBBFEEABB2}" sibTransId="{F0A2B618-2EE4-4E50-AB5B-3070C67953E7}"/>
-    <dgm:cxn modelId="{3541B9CC-3615-4AAE-8705-3A2B5AB0B640}" type="presOf" srcId="{6BD7B688-D222-4B32-96A8-386B7E3F508F}" destId="{600CFBC2-6743-48DC-BB51-B920BBD02363}" srcOrd="0" destOrd="0" presId="urn:microsoft.com/office/officeart/2005/8/layout/vList3"/>
-    <dgm:cxn modelId="{C77C700B-8337-4625-BFEF-6EBDBCAFD739}" type="presOf" srcId="{189088A6-6029-412C-AF3D-B7F0C4945AAC}" destId="{3FF89C90-507C-486F-8A99-BE71F91478EE}" srcOrd="0" destOrd="0" presId="urn:microsoft.com/office/officeart/2005/8/layout/vList3"/>
-    <dgm:cxn modelId="{ADC48C58-A562-4CC5-9EED-09727C1FA1FF}" type="presOf" srcId="{B6F62356-7202-4EAA-BC3D-034E71D99625}" destId="{99522EE8-58BF-49A3-8292-8D31A743AD5A}" srcOrd="0" destOrd="0" presId="urn:microsoft.com/office/officeart/2005/8/layout/vList3"/>
-    <dgm:cxn modelId="{382F9859-0D34-4D59-87DA-3D9E033B5980}" type="presOf" srcId="{5A8F350A-9A07-4026-9D93-0C50A0BFFEDE}" destId="{E4701F4B-5D7D-4C11-8D06-03B70A490982}" srcOrd="0" destOrd="0" presId="urn:microsoft.com/office/officeart/2005/8/layout/vList3"/>
     <dgm:cxn modelId="{66E72081-AC7E-40C7-AB2D-3B1DD4AD6C15}" type="presParOf" srcId="{3FF89C90-507C-486F-8A99-BE71F91478EE}" destId="{A60241B5-2AC0-4533-82C4-EBF00BEE116B}" srcOrd="0" destOrd="0" presId="urn:microsoft.com/office/officeart/2005/8/layout/vList3"/>
     <dgm:cxn modelId="{F20FDD36-DF23-4E1B-82C0-FA72D1505F17}" type="presParOf" srcId="{A60241B5-2AC0-4533-82C4-EBF00BEE116B}" destId="{5B1959FF-6967-482A-AEE5-A020FB7483FD}" srcOrd="0" destOrd="0" presId="urn:microsoft.com/office/officeart/2005/8/layout/vList3"/>
     <dgm:cxn modelId="{3DE0E2CE-8513-4AFB-8FC9-6F6FB980B998}" type="presParOf" srcId="{A60241B5-2AC0-4533-82C4-EBF00BEE116B}" destId="{600CFBC2-6743-48DC-BB51-B920BBD02363}" srcOrd="1" destOrd="0" presId="urn:microsoft.com/office/officeart/2005/8/layout/vList3"/>
@@ -4503,7 +4354,7 @@
         </a:p>
       </dgm:t>
     </dgm:pt>
-    <dgm:pt modelId="{0FB6E4B4-7D39-434B-B2FC-69A1CAB2D1A3}">
+    <dgm:pt modelId="{1CE19EB2-DBEA-47D4-81E0-78A2812366E7}">
       <dgm:prSet phldrT="[Text]" custT="1"/>
       <dgm:spPr/>
       <dgm:t>
@@ -4511,99 +4362,10 @@
         <a:lstStyle/>
         <a:p>
           <a:r>
-            <a:rPr lang="en-US" sz="2000" dirty="0" err="1" smtClean="0"/>
-            <a:t>Thiết</a:t>
+            <a:rPr lang="en-US" sz="2200" b="1" dirty="0" smtClean="0"/>
+            <a:t>A</a:t>
           </a:r>
-          <a:r>
-            <a:rPr lang="en-US" sz="2000" dirty="0" smtClean="0"/>
-            <a:t> </a:t>
-          </a:r>
-          <a:r>
-            <a:rPr lang="en-US" sz="2000" dirty="0" err="1" smtClean="0"/>
-            <a:t>kế</a:t>
-          </a:r>
-          <a:r>
-            <a:rPr lang="en-US" sz="2000" dirty="0" smtClean="0"/>
-            <a:t> </a:t>
-          </a:r>
-          <a:r>
-            <a:rPr lang="en-US" sz="2000" dirty="0" err="1" smtClean="0"/>
-            <a:t>giao</a:t>
-          </a:r>
-          <a:r>
-            <a:rPr lang="en-US" sz="2000" dirty="0" smtClean="0"/>
-            <a:t> </a:t>
-          </a:r>
-          <a:r>
-            <a:rPr lang="en-US" sz="2000" dirty="0" err="1" smtClean="0"/>
-            <a:t>diện</a:t>
-          </a:r>
-          <a:r>
-            <a:rPr lang="en-US" sz="2000" dirty="0" smtClean="0"/>
-            <a:t> </a:t>
-          </a:r>
-          <a:r>
-            <a:rPr lang="en-US" sz="2000" dirty="0" err="1" smtClean="0"/>
-            <a:t>tương</a:t>
-          </a:r>
-          <a:r>
-            <a:rPr lang="en-US" sz="2000" dirty="0" smtClean="0"/>
-            <a:t> </a:t>
-          </a:r>
-          <a:r>
-            <a:rPr lang="en-US" sz="2000" dirty="0" err="1" smtClean="0"/>
-            <a:t>tác</a:t>
-          </a:r>
-          <a:r>
-            <a:rPr lang="en-US" sz="2000" dirty="0" smtClean="0"/>
-            <a:t> </a:t>
-          </a:r>
-          <a:r>
-            <a:rPr lang="en-US" sz="2000" dirty="0" err="1" smtClean="0"/>
-            <a:t>với</a:t>
-          </a:r>
-          <a:r>
-            <a:rPr lang="en-US" sz="2000" dirty="0" smtClean="0"/>
-            <a:t> User</a:t>
-          </a:r>
-          <a:endParaRPr lang="en-US" sz="2000" dirty="0"/>
-        </a:p>
-      </dgm:t>
-    </dgm:pt>
-    <dgm:pt modelId="{3385A539-B73D-41A2-B661-21B4281FD55D}" type="parTrans" cxnId="{5FA43C4A-E510-4601-8CC7-A8F6DD88470A}">
-      <dgm:prSet/>
-      <dgm:spPr/>
-      <dgm:t>
-        <a:bodyPr/>
-        <a:lstStyle/>
-        <a:p>
-          <a:endParaRPr lang="en-US"/>
-        </a:p>
-      </dgm:t>
-    </dgm:pt>
-    <dgm:pt modelId="{E63EE504-3835-458D-B330-876C73735F1A}" type="sibTrans" cxnId="{5FA43C4A-E510-4601-8CC7-A8F6DD88470A}">
-      <dgm:prSet/>
-      <dgm:spPr/>
-      <dgm:t>
-        <a:bodyPr/>
-        <a:lstStyle/>
-        <a:p>
-          <a:endParaRPr lang="en-US"/>
-        </a:p>
-      </dgm:t>
-    </dgm:pt>
-    <dgm:pt modelId="{1CE19EB2-DBEA-47D4-81E0-78A2812366E7}">
-      <dgm:prSet phldrT="[Text]"/>
-      <dgm:spPr/>
-      <dgm:t>
-        <a:bodyPr/>
-        <a:lstStyle/>
-        <a:p>
-          <a:r>
-            <a:rPr lang="en-US" b="1" dirty="0" smtClean="0"/>
-            <a:t>B</a:t>
-          </a:r>
-          <a:endParaRPr lang="en-US" b="1" dirty="0"/>
+          <a:endParaRPr lang="en-US" sz="2200" b="1" dirty="0"/>
         </a:p>
       </dgm:t>
     </dgm:pt>
@@ -4629,22 +4391,22 @@
         </a:p>
       </dgm:t>
     </dgm:pt>
-    <dgm:pt modelId="{F78BB12E-DC1C-4835-B317-BC4EACEBDDF6}">
-      <dgm:prSet phldrT="[Text]"/>
+    <dgm:pt modelId="{0CC4A9CD-0973-405F-85CA-08D68CC7974A}">
+      <dgm:prSet phldrT="[Text]" custT="1"/>
       <dgm:spPr/>
       <dgm:t>
         <a:bodyPr/>
         <a:lstStyle/>
         <a:p>
           <a:r>
-            <a:rPr lang="en-US" b="1" dirty="0" smtClean="0"/>
+            <a:rPr lang="en-US" sz="2200" b="1" dirty="0" smtClean="0"/>
             <a:t>C</a:t>
           </a:r>
-          <a:endParaRPr lang="en-US" b="1" dirty="0"/>
+          <a:endParaRPr lang="en-US" sz="2200" b="1" dirty="0"/>
         </a:p>
       </dgm:t>
     </dgm:pt>
-    <dgm:pt modelId="{223E1BF3-D2AA-40AE-BB68-F6BE36F64ED2}" type="parTrans" cxnId="{F38AB9EA-8C6F-43B1-B944-8C6007C32520}">
+    <dgm:pt modelId="{8DC2367D-D16B-4A1F-A85F-B415F87496A0}" type="parTrans" cxnId="{411B12D0-DD0F-4494-8FBF-6C30BA4DC8FB}">
       <dgm:prSet/>
       <dgm:spPr/>
       <dgm:t>
@@ -4655,7 +4417,7 @@
         </a:p>
       </dgm:t>
     </dgm:pt>
-    <dgm:pt modelId="{2A091E4E-3FE7-4449-A988-7D621E88984B}" type="sibTrans" cxnId="{F38AB9EA-8C6F-43B1-B944-8C6007C32520}">
+    <dgm:pt modelId="{8FDBEEF5-BE24-4DD9-8293-5AEDAFB98AB2}" type="sibTrans" cxnId="{411B12D0-DD0F-4494-8FBF-6C30BA4DC8FB}">
       <dgm:prSet/>
       <dgm:spPr/>
       <dgm:t>
@@ -4666,7 +4428,7 @@
         </a:p>
       </dgm:t>
     </dgm:pt>
-    <dgm:pt modelId="{4E3402E7-D354-40EC-8FCC-6DB2A5B21965}">
+    <dgm:pt modelId="{65A8D14D-7C64-4905-93E0-1000947E0E87}">
       <dgm:prSet phldrT="[Text]" custT="1"/>
       <dgm:spPr/>
       <dgm:t>
@@ -4674,62 +4436,14 @@
         <a:lstStyle/>
         <a:p>
           <a:r>
-            <a:rPr lang="en-US" sz="2000" dirty="0" err="1" smtClean="0"/>
-            <a:t>Thiết</a:t>
+            <a:rPr lang="en-US" sz="2200" b="1" dirty="0" smtClean="0"/>
+            <a:t>B</a:t>
           </a:r>
-          <a:r>
-            <a:rPr lang="en-US" sz="2000" dirty="0" smtClean="0"/>
-            <a:t> </a:t>
-          </a:r>
-          <a:r>
-            <a:rPr lang="en-US" sz="2000" dirty="0" err="1" smtClean="0"/>
-            <a:t>kế</a:t>
-          </a:r>
-          <a:r>
-            <a:rPr lang="en-US" sz="2000" dirty="0" smtClean="0"/>
-            <a:t> </a:t>
-          </a:r>
-          <a:r>
-            <a:rPr lang="en-US" sz="2000" dirty="0" err="1" smtClean="0"/>
-            <a:t>các</a:t>
-          </a:r>
-          <a:r>
-            <a:rPr lang="en-US" sz="2000" dirty="0" smtClean="0"/>
-            <a:t> </a:t>
-          </a:r>
-          <a:r>
-            <a:rPr lang="en-US" sz="2000" dirty="0" err="1" smtClean="0"/>
-            <a:t>tính</a:t>
-          </a:r>
-          <a:r>
-            <a:rPr lang="en-US" sz="2000" dirty="0" smtClean="0"/>
-            <a:t> </a:t>
-          </a:r>
-          <a:r>
-            <a:rPr lang="en-US" sz="2000" dirty="0" err="1" smtClean="0"/>
-            <a:t>toán</a:t>
-          </a:r>
-          <a:r>
-            <a:rPr lang="en-US" sz="2000" dirty="0" smtClean="0"/>
-            <a:t> </a:t>
-          </a:r>
-          <a:r>
-            <a:rPr lang="en-US" sz="2000" dirty="0" err="1" smtClean="0"/>
-            <a:t>nghiệp</a:t>
-          </a:r>
-          <a:r>
-            <a:rPr lang="en-US" sz="2000" dirty="0" smtClean="0"/>
-            <a:t> </a:t>
-          </a:r>
-          <a:r>
-            <a:rPr lang="en-US" sz="2000" dirty="0" err="1" smtClean="0"/>
-            <a:t>vụ</a:t>
-          </a:r>
-          <a:endParaRPr lang="en-US" sz="2000" dirty="0"/>
+          <a:endParaRPr lang="en-US" sz="2200" b="1" dirty="0"/>
         </a:p>
       </dgm:t>
     </dgm:pt>
-    <dgm:pt modelId="{2A270E47-F4D2-4ACD-AE33-F418E7134E21}" type="parTrans" cxnId="{904BE680-140F-4705-A978-BBF342CE987D}">
+    <dgm:pt modelId="{25E21468-54CB-4CB7-BC7E-E36241F0FA3F}" type="parTrans" cxnId="{DE9F8675-9647-4FE8-80CE-856A9FB770EE}">
       <dgm:prSet/>
       <dgm:spPr/>
       <dgm:t>
@@ -4740,7 +4454,7 @@
         </a:p>
       </dgm:t>
     </dgm:pt>
-    <dgm:pt modelId="{14111CC8-F25B-4773-BD59-606121E43620}" type="sibTrans" cxnId="{904BE680-140F-4705-A978-BBF342CE987D}">
+    <dgm:pt modelId="{523D7289-AFEF-47B1-960A-643919716CBE}" type="sibTrans" cxnId="{DE9F8675-9647-4FE8-80CE-856A9FB770EE}">
       <dgm:prSet/>
       <dgm:spPr/>
       <dgm:t>
@@ -4751,22 +4465,75 @@
         </a:p>
       </dgm:t>
     </dgm:pt>
-    <dgm:pt modelId="{18142564-A7F5-44E5-8342-F62C56A4E987}">
-      <dgm:prSet phldrT="[Text]"/>
+    <dgm:pt modelId="{DA86DC67-EA83-4BFA-B25B-D4420098D860}">
+      <dgm:prSet phldrT="[Text]" custT="1"/>
       <dgm:spPr/>
       <dgm:t>
         <a:bodyPr/>
         <a:lstStyle/>
         <a:p>
+          <a:pPr algn="l"/>
           <a:r>
-            <a:rPr lang="en-US" b="1" dirty="0" smtClean="0"/>
-            <a:t>A</a:t>
+            <a:rPr lang="en-US" dirty="0" err="1" smtClean="0"/>
+            <a:t>Thiết</a:t>
           </a:r>
-          <a:endParaRPr lang="en-US" b="1" dirty="0"/>
+          <a:r>
+            <a:rPr lang="en-US" dirty="0" smtClean="0"/>
+            <a:t> </a:t>
+          </a:r>
+          <a:r>
+            <a:rPr lang="en-US" dirty="0" err="1" smtClean="0"/>
+            <a:t>kế</a:t>
+          </a:r>
+          <a:r>
+            <a:rPr lang="en-US" dirty="0" smtClean="0"/>
+            <a:t> </a:t>
+          </a:r>
+          <a:r>
+            <a:rPr lang="en-US" dirty="0" err="1" smtClean="0"/>
+            <a:t>giao</a:t>
+          </a:r>
+          <a:r>
+            <a:rPr lang="en-US" dirty="0" smtClean="0"/>
+            <a:t> </a:t>
+          </a:r>
+          <a:r>
+            <a:rPr lang="en-US" dirty="0" err="1" smtClean="0"/>
+            <a:t>diện</a:t>
+          </a:r>
+          <a:r>
+            <a:rPr lang="en-US" dirty="0" smtClean="0"/>
+            <a:t> </a:t>
+          </a:r>
+          <a:r>
+            <a:rPr lang="en-US" dirty="0" err="1" smtClean="0"/>
+            <a:t>tương</a:t>
+          </a:r>
+          <a:r>
+            <a:rPr lang="en-US" dirty="0" smtClean="0"/>
+            <a:t> </a:t>
+          </a:r>
+          <a:r>
+            <a:rPr lang="en-US" dirty="0" err="1" smtClean="0"/>
+            <a:t>tác</a:t>
+          </a:r>
+          <a:r>
+            <a:rPr lang="en-US" dirty="0" smtClean="0"/>
+            <a:t> </a:t>
+          </a:r>
+          <a:r>
+            <a:rPr lang="en-US" dirty="0" err="1" smtClean="0"/>
+            <a:t>với</a:t>
+          </a:r>
+          <a:r>
+            <a:rPr lang="en-US" dirty="0" smtClean="0"/>
+            <a:t> User</a:t>
+          </a:r>
+          <a:endParaRPr lang="en-US" sz="2400" dirty="0"/>
         </a:p>
       </dgm:t>
     </dgm:pt>
-    <dgm:pt modelId="{C37FD7DD-6D72-4665-A17B-78C33210C210}" type="sibTrans" cxnId="{58140D89-196F-4C05-8B98-9BF72924B8F4}">
+    <dgm:pt modelId="{D0ACB851-EACA-41C4-BEFC-019252423287}" type="parTrans" cxnId="{D7CF5092-E5D0-46B4-9743-BDBBCFC9DC59}">
       <dgm:prSet/>
       <dgm:spPr/>
       <dgm:t>
@@ -4777,7 +4544,7 @@
         </a:p>
       </dgm:t>
     </dgm:pt>
-    <dgm:pt modelId="{873534EF-3CC0-4AE1-AEB1-5932EEB7D6BD}" type="parTrans" cxnId="{58140D89-196F-4C05-8B98-9BF72924B8F4}">
+    <dgm:pt modelId="{BE86C971-EBF8-4715-8A2D-0FEF2278B6E2}" type="sibTrans" cxnId="{D7CF5092-E5D0-46B4-9743-BDBBCFC9DC59}">
       <dgm:prSet/>
       <dgm:spPr/>
       <dgm:t>
@@ -4788,34 +4555,22 @@
         </a:p>
       </dgm:t>
     </dgm:pt>
-    <dgm:pt modelId="{92D71878-35EB-47D7-8917-367887074C2F}">
-      <dgm:prSet custT="1"/>
+    <dgm:pt modelId="{D5491404-1363-4B7A-A6E6-1AECBF73F343}">
+      <dgm:prSet phldrT="[Text]" custT="1"/>
       <dgm:spPr/>
       <dgm:t>
         <a:bodyPr/>
         <a:lstStyle/>
         <a:p>
           <a:r>
-            <a:rPr lang="en-US" sz="2400" dirty="0" err="1" smtClean="0"/>
-            <a:t>Xây</a:t>
+            <a:rPr lang="en-US" sz="1800" smtClean="0"/>
+            <a:t>Xây dựng Database</a:t>
           </a:r>
-          <a:r>
-            <a:rPr lang="en-US" sz="2400" dirty="0" smtClean="0"/>
-            <a:t> </a:t>
-          </a:r>
-          <a:r>
-            <a:rPr lang="en-US" sz="2400" dirty="0" err="1" smtClean="0"/>
-            <a:t>dựng</a:t>
-          </a:r>
-          <a:r>
-            <a:rPr lang="en-US" sz="2400" dirty="0" smtClean="0"/>
-            <a:t> Database</a:t>
-          </a:r>
-          <a:endParaRPr lang="en-US" sz="2400" dirty="0"/>
+          <a:endParaRPr lang="en-US" b="1" dirty="0"/>
         </a:p>
       </dgm:t>
     </dgm:pt>
-    <dgm:pt modelId="{DDFF0939-8E12-45B8-8751-55D6F2719D95}" type="parTrans" cxnId="{BB47F00C-C924-47D9-A9AD-5B7E627ECBF7}">
+    <dgm:pt modelId="{C889F034-0DF3-4FCC-81C8-39A075745BFF}" type="parTrans" cxnId="{AFAE8ACF-601F-4A79-AB8B-2B21CE84C122}">
       <dgm:prSet/>
       <dgm:spPr/>
       <dgm:t>
@@ -4826,7 +4581,44 @@
         </a:p>
       </dgm:t>
     </dgm:pt>
-    <dgm:pt modelId="{31C49542-D077-4615-BA07-213645C8A4AE}" type="sibTrans" cxnId="{BB47F00C-C924-47D9-A9AD-5B7E627ECBF7}">
+    <dgm:pt modelId="{FE880C84-552B-478D-819C-8F200752CEB7}" type="sibTrans" cxnId="{AFAE8ACF-601F-4A79-AB8B-2B21CE84C122}">
+      <dgm:prSet/>
+      <dgm:spPr/>
+      <dgm:t>
+        <a:bodyPr/>
+        <a:lstStyle/>
+        <a:p>
+          <a:endParaRPr lang="en-US"/>
+        </a:p>
+      </dgm:t>
+    </dgm:pt>
+    <dgm:pt modelId="{1C4193AE-2241-4C93-A86B-72EDC243F8CC}">
+      <dgm:prSet phldrT="[Text]" custT="1"/>
+      <dgm:spPr/>
+      <dgm:t>
+        <a:bodyPr/>
+        <a:lstStyle/>
+        <a:p>
+          <a:r>
+            <a:rPr lang="en-US" sz="1800" smtClean="0"/>
+            <a:t>Thiết kế các tính toán nghiệp vụ</a:t>
+          </a:r>
+          <a:endParaRPr lang="en-US" sz="2200" b="1" dirty="0"/>
+        </a:p>
+      </dgm:t>
+    </dgm:pt>
+    <dgm:pt modelId="{C099F252-C4EA-4FDD-884B-96AD75116430}" type="parTrans" cxnId="{CEADFFD5-B76F-4A63-99EC-52F71BEF25D9}">
+      <dgm:prSet/>
+      <dgm:spPr/>
+      <dgm:t>
+        <a:bodyPr/>
+        <a:lstStyle/>
+        <a:p>
+          <a:endParaRPr lang="en-US"/>
+        </a:p>
+      </dgm:t>
+    </dgm:pt>
+    <dgm:pt modelId="{FB92A429-97A2-42E1-9B2F-04E458B5CFF0}" type="sibTrans" cxnId="{CEADFFD5-B76F-4A63-99EC-52F71BEF25D9}">
       <dgm:prSet/>
       <dgm:spPr/>
       <dgm:t>
@@ -4854,51 +4646,12 @@
         </a:p>
       </dgm:t>
     </dgm:pt>
-    <dgm:pt modelId="{C0A1731D-394A-425C-A74B-D5A746DC2055}" type="pres">
-      <dgm:prSet presAssocID="{18142564-A7F5-44E5-8342-F62C56A4E987}" presName="composite" presStyleCnt="0"/>
-      <dgm:spPr/>
-    </dgm:pt>
-    <dgm:pt modelId="{56BCDC24-0D36-4734-A0A9-43476DD5108B}" type="pres">
-      <dgm:prSet presAssocID="{18142564-A7F5-44E5-8342-F62C56A4E987}" presName="parentText" presStyleLbl="alignNode1" presStyleIdx="0" presStyleCnt="3">
-        <dgm:presLayoutVars>
-          <dgm:chMax val="1"/>
-          <dgm:bulletEnabled val="1"/>
-        </dgm:presLayoutVars>
-      </dgm:prSet>
-      <dgm:spPr/>
-      <dgm:t>
-        <a:bodyPr/>
-        <a:lstStyle/>
-        <a:p>
-          <a:endParaRPr lang="en-US"/>
-        </a:p>
-      </dgm:t>
-    </dgm:pt>
-    <dgm:pt modelId="{C6F09409-03DD-49D6-9337-52549033DDF5}" type="pres">
-      <dgm:prSet presAssocID="{18142564-A7F5-44E5-8342-F62C56A4E987}" presName="descendantText" presStyleLbl="alignAcc1" presStyleIdx="0" presStyleCnt="3">
-        <dgm:presLayoutVars>
-          <dgm:bulletEnabled val="1"/>
-        </dgm:presLayoutVars>
-      </dgm:prSet>
-      <dgm:spPr/>
-      <dgm:t>
-        <a:bodyPr/>
-        <a:lstStyle/>
-        <a:p>
-          <a:endParaRPr lang="en-US"/>
-        </a:p>
-      </dgm:t>
-    </dgm:pt>
-    <dgm:pt modelId="{75ACDCC0-D37F-4AE8-8C5F-2F4C32EC2894}" type="pres">
-      <dgm:prSet presAssocID="{C37FD7DD-6D72-4665-A17B-78C33210C210}" presName="sp" presStyleCnt="0"/>
-      <dgm:spPr/>
-    </dgm:pt>
     <dgm:pt modelId="{FBAC7F95-BE01-4659-AB2C-E7364534FD3E}" type="pres">
       <dgm:prSet presAssocID="{1CE19EB2-DBEA-47D4-81E0-78A2812366E7}" presName="composite" presStyleCnt="0"/>
       <dgm:spPr/>
     </dgm:pt>
     <dgm:pt modelId="{C6D69278-CE40-4D64-B3F1-40C5A68AF9D4}" type="pres">
-      <dgm:prSet presAssocID="{1CE19EB2-DBEA-47D4-81E0-78A2812366E7}" presName="parentText" presStyleLbl="alignNode1" presStyleIdx="1" presStyleCnt="3">
+      <dgm:prSet presAssocID="{1CE19EB2-DBEA-47D4-81E0-78A2812366E7}" presName="parentText" presStyleLbl="alignNode1" presStyleIdx="0" presStyleCnt="3">
         <dgm:presLayoutVars>
           <dgm:chMax val="1"/>
           <dgm:bulletEnabled val="1"/>
@@ -4914,7 +4667,7 @@
       </dgm:t>
     </dgm:pt>
     <dgm:pt modelId="{855FFCB4-9CB3-4483-A020-626E4F31A07B}" type="pres">
-      <dgm:prSet presAssocID="{1CE19EB2-DBEA-47D4-81E0-78A2812366E7}" presName="descendantText" presStyleLbl="alignAcc1" presStyleIdx="1" presStyleCnt="3">
+      <dgm:prSet presAssocID="{1CE19EB2-DBEA-47D4-81E0-78A2812366E7}" presName="descendantText" presStyleLbl="alignAcc1" presStyleIdx="0" presStyleCnt="3">
         <dgm:presLayoutVars>
           <dgm:bulletEnabled val="1"/>
         </dgm:presLayoutVars>
@@ -4932,12 +4685,12 @@
       <dgm:prSet presAssocID="{57BD5BB4-C34F-4F26-99F3-5DD82A5184CE}" presName="sp" presStyleCnt="0"/>
       <dgm:spPr/>
     </dgm:pt>
-    <dgm:pt modelId="{206FC657-32A5-4093-A9A0-810834F484EB}" type="pres">
-      <dgm:prSet presAssocID="{F78BB12E-DC1C-4835-B317-BC4EACEBDDF6}" presName="composite" presStyleCnt="0"/>
+    <dgm:pt modelId="{49E8B97E-D952-4A5B-BE0C-AD8C3DCE4312}" type="pres">
+      <dgm:prSet presAssocID="{65A8D14D-7C64-4905-93E0-1000947E0E87}" presName="composite" presStyleCnt="0"/>
       <dgm:spPr/>
     </dgm:pt>
-    <dgm:pt modelId="{3F2025DD-95FE-4073-A9DE-893A74C101F4}" type="pres">
-      <dgm:prSet presAssocID="{F78BB12E-DC1C-4835-B317-BC4EACEBDDF6}" presName="parentText" presStyleLbl="alignNode1" presStyleIdx="2" presStyleCnt="3">
+    <dgm:pt modelId="{87F4067F-155E-4FC0-A6DF-76EF306AD637}" type="pres">
+      <dgm:prSet presAssocID="{65A8D14D-7C64-4905-93E0-1000947E0E87}" presName="parentText" presStyleLbl="alignNode1" presStyleIdx="1" presStyleCnt="3">
         <dgm:presLayoutVars>
           <dgm:chMax val="1"/>
           <dgm:bulletEnabled val="1"/>
@@ -4952,8 +4705,47 @@
         </a:p>
       </dgm:t>
     </dgm:pt>
-    <dgm:pt modelId="{0A9FBA5C-B33B-424E-BA30-9A3FDFDDA7DC}" type="pres">
-      <dgm:prSet presAssocID="{F78BB12E-DC1C-4835-B317-BC4EACEBDDF6}" presName="descendantText" presStyleLbl="alignAcc1" presStyleIdx="2" presStyleCnt="3">
+    <dgm:pt modelId="{90CDE7F8-497E-4116-AE3A-878A849BDFAF}" type="pres">
+      <dgm:prSet presAssocID="{65A8D14D-7C64-4905-93E0-1000947E0E87}" presName="descendantText" presStyleLbl="alignAcc1" presStyleIdx="1" presStyleCnt="3">
+        <dgm:presLayoutVars>
+          <dgm:bulletEnabled val="1"/>
+        </dgm:presLayoutVars>
+      </dgm:prSet>
+      <dgm:spPr/>
+      <dgm:t>
+        <a:bodyPr/>
+        <a:lstStyle/>
+        <a:p>
+          <a:endParaRPr lang="en-US"/>
+        </a:p>
+      </dgm:t>
+    </dgm:pt>
+    <dgm:pt modelId="{2D8A3DD0-793C-4222-86B3-5ED78640AFDE}" type="pres">
+      <dgm:prSet presAssocID="{523D7289-AFEF-47B1-960A-643919716CBE}" presName="sp" presStyleCnt="0"/>
+      <dgm:spPr/>
+    </dgm:pt>
+    <dgm:pt modelId="{45BBDB9B-8271-4FA6-9AE8-6B1C9C366B46}" type="pres">
+      <dgm:prSet presAssocID="{0CC4A9CD-0973-405F-85CA-08D68CC7974A}" presName="composite" presStyleCnt="0"/>
+      <dgm:spPr/>
+    </dgm:pt>
+    <dgm:pt modelId="{9D2B7B2E-ECC0-46B1-BE21-DB0DD3389B55}" type="pres">
+      <dgm:prSet presAssocID="{0CC4A9CD-0973-405F-85CA-08D68CC7974A}" presName="parentText" presStyleLbl="alignNode1" presStyleIdx="2" presStyleCnt="3">
+        <dgm:presLayoutVars>
+          <dgm:chMax val="1"/>
+          <dgm:bulletEnabled val="1"/>
+        </dgm:presLayoutVars>
+      </dgm:prSet>
+      <dgm:spPr/>
+      <dgm:t>
+        <a:bodyPr/>
+        <a:lstStyle/>
+        <a:p>
+          <a:endParaRPr lang="en-US"/>
+        </a:p>
+      </dgm:t>
+    </dgm:pt>
+    <dgm:pt modelId="{273533B1-BBC4-42E4-A9DF-AD6DA4B02E54}" type="pres">
+      <dgm:prSet presAssocID="{0CC4A9CD-0973-405F-85CA-08D68CC7974A}" presName="descendantText" presStyleLbl="alignAcc1" presStyleIdx="2" presStyleCnt="3">
         <dgm:presLayoutVars>
           <dgm:bulletEnabled val="1"/>
         </dgm:presLayoutVars>
@@ -4969,30 +4761,30 @@
     </dgm:pt>
   </dgm:ptLst>
   <dgm:cxnLst>
-    <dgm:cxn modelId="{58140D89-196F-4C05-8B98-9BF72924B8F4}" srcId="{8B567355-A72B-4F0F-909C-166C9993AB30}" destId="{18142564-A7F5-44E5-8342-F62C56A4E987}" srcOrd="0" destOrd="0" parTransId="{873534EF-3CC0-4AE1-AEB1-5932EEB7D6BD}" sibTransId="{C37FD7DD-6D72-4665-A17B-78C33210C210}"/>
-    <dgm:cxn modelId="{E38BC44C-9381-418E-B0AA-643FDDD13B17}" type="presOf" srcId="{0FB6E4B4-7D39-434B-B2FC-69A1CAB2D1A3}" destId="{C6F09409-03DD-49D6-9337-52549033DDF5}" srcOrd="0" destOrd="0" presId="urn:microsoft.com/office/officeart/2005/8/layout/chevron2"/>
-    <dgm:cxn modelId="{065B0A6F-9E21-4C0B-B03F-D9E62BF1790B}" srcId="{8B567355-A72B-4F0F-909C-166C9993AB30}" destId="{1CE19EB2-DBEA-47D4-81E0-78A2812366E7}" srcOrd="1" destOrd="0" parTransId="{66A3BADC-7884-417C-95C8-9455A24BA365}" sibTransId="{57BD5BB4-C34F-4F26-99F3-5DD82A5184CE}"/>
-    <dgm:cxn modelId="{904BE680-140F-4705-A978-BBF342CE987D}" srcId="{1CE19EB2-DBEA-47D4-81E0-78A2812366E7}" destId="{4E3402E7-D354-40EC-8FCC-6DB2A5B21965}" srcOrd="0" destOrd="0" parTransId="{2A270E47-F4D2-4ACD-AE33-F418E7134E21}" sibTransId="{14111CC8-F25B-4773-BD59-606121E43620}"/>
-    <dgm:cxn modelId="{F38AB9EA-8C6F-43B1-B944-8C6007C32520}" srcId="{8B567355-A72B-4F0F-909C-166C9993AB30}" destId="{F78BB12E-DC1C-4835-B317-BC4EACEBDDF6}" srcOrd="2" destOrd="0" parTransId="{223E1BF3-D2AA-40AE-BB68-F6BE36F64ED2}" sibTransId="{2A091E4E-3FE7-4449-A988-7D621E88984B}"/>
-    <dgm:cxn modelId="{5FA43C4A-E510-4601-8CC7-A8F6DD88470A}" srcId="{18142564-A7F5-44E5-8342-F62C56A4E987}" destId="{0FB6E4B4-7D39-434B-B2FC-69A1CAB2D1A3}" srcOrd="0" destOrd="0" parTransId="{3385A539-B73D-41A2-B661-21B4281FD55D}" sibTransId="{E63EE504-3835-458D-B330-876C73735F1A}"/>
-    <dgm:cxn modelId="{FCBA33C0-6171-42AC-A852-A81CD7971A7A}" type="presOf" srcId="{92D71878-35EB-47D7-8917-367887074C2F}" destId="{0A9FBA5C-B33B-424E-BA30-9A3FDFDDA7DC}" srcOrd="0" destOrd="0" presId="urn:microsoft.com/office/officeart/2005/8/layout/chevron2"/>
-    <dgm:cxn modelId="{C4591218-675A-4E5A-85E1-D9F3F4221520}" type="presOf" srcId="{F78BB12E-DC1C-4835-B317-BC4EACEBDDF6}" destId="{3F2025DD-95FE-4073-A9DE-893A74C101F4}" srcOrd="0" destOrd="0" presId="urn:microsoft.com/office/officeart/2005/8/layout/chevron2"/>
-    <dgm:cxn modelId="{B09115CE-A69B-4EDC-A7D2-3C3009D67522}" type="presOf" srcId="{18142564-A7F5-44E5-8342-F62C56A4E987}" destId="{56BCDC24-0D36-4734-A0A9-43476DD5108B}" srcOrd="0" destOrd="0" presId="urn:microsoft.com/office/officeart/2005/8/layout/chevron2"/>
+    <dgm:cxn modelId="{AFAE8ACF-601F-4A79-AB8B-2B21CE84C122}" srcId="{1CE19EB2-DBEA-47D4-81E0-78A2812366E7}" destId="{D5491404-1363-4B7A-A6E6-1AECBF73F343}" srcOrd="0" destOrd="0" parTransId="{C889F034-0DF3-4FCC-81C8-39A075745BFF}" sibTransId="{FE880C84-552B-478D-819C-8F200752CEB7}"/>
+    <dgm:cxn modelId="{09AE2D4D-ED3F-4E19-9D6C-0E6D5CFF90BA}" type="presOf" srcId="{1C4193AE-2241-4C93-A86B-72EDC243F8CC}" destId="{90CDE7F8-497E-4116-AE3A-878A849BDFAF}" srcOrd="0" destOrd="0" presId="urn:microsoft.com/office/officeart/2005/8/layout/chevron2"/>
+    <dgm:cxn modelId="{411B12D0-DD0F-4494-8FBF-6C30BA4DC8FB}" srcId="{8B567355-A72B-4F0F-909C-166C9993AB30}" destId="{0CC4A9CD-0973-405F-85CA-08D68CC7974A}" srcOrd="2" destOrd="0" parTransId="{8DC2367D-D16B-4A1F-A85F-B415F87496A0}" sibTransId="{8FDBEEF5-BE24-4DD9-8293-5AEDAFB98AB2}"/>
+    <dgm:cxn modelId="{065B0A6F-9E21-4C0B-B03F-D9E62BF1790B}" srcId="{8B567355-A72B-4F0F-909C-166C9993AB30}" destId="{1CE19EB2-DBEA-47D4-81E0-78A2812366E7}" srcOrd="0" destOrd="0" parTransId="{66A3BADC-7884-417C-95C8-9455A24BA365}" sibTransId="{57BD5BB4-C34F-4F26-99F3-5DD82A5184CE}"/>
+    <dgm:cxn modelId="{596A4C4E-245F-45BE-BB3B-59019CFD07F7}" type="presOf" srcId="{65A8D14D-7C64-4905-93E0-1000947E0E87}" destId="{87F4067F-155E-4FC0-A6DF-76EF306AD637}" srcOrd="0" destOrd="0" presId="urn:microsoft.com/office/officeart/2005/8/layout/chevron2"/>
     <dgm:cxn modelId="{4DE45B53-003B-4DA6-94C1-57A86B6C784B}" type="presOf" srcId="{1CE19EB2-DBEA-47D4-81E0-78A2812366E7}" destId="{C6D69278-CE40-4D64-B3F1-40C5A68AF9D4}" srcOrd="0" destOrd="0" presId="urn:microsoft.com/office/officeart/2005/8/layout/chevron2"/>
-    <dgm:cxn modelId="{DBCE6E16-0942-415C-8CFF-789A64F4C30C}" type="presOf" srcId="{4E3402E7-D354-40EC-8FCC-6DB2A5B21965}" destId="{855FFCB4-9CB3-4483-A020-626E4F31A07B}" srcOrd="0" destOrd="0" presId="urn:microsoft.com/office/officeart/2005/8/layout/chevron2"/>
+    <dgm:cxn modelId="{2C9CFC80-F6B1-4FBA-957C-FC259896A587}" type="presOf" srcId="{D5491404-1363-4B7A-A6E6-1AECBF73F343}" destId="{855FFCB4-9CB3-4483-A020-626E4F31A07B}" srcOrd="0" destOrd="0" presId="urn:microsoft.com/office/officeart/2005/8/layout/chevron2"/>
+    <dgm:cxn modelId="{2814071B-7E9A-4407-8192-3A88E94BCF13}" type="presOf" srcId="{DA86DC67-EA83-4BFA-B25B-D4420098D860}" destId="{273533B1-BBC4-42E4-A9DF-AD6DA4B02E54}" srcOrd="0" destOrd="0" presId="urn:microsoft.com/office/officeart/2005/8/layout/chevron2"/>
+    <dgm:cxn modelId="{07CC9C67-061C-4D9D-8B68-B5119374702A}" type="presOf" srcId="{0CC4A9CD-0973-405F-85CA-08D68CC7974A}" destId="{9D2B7B2E-ECC0-46B1-BE21-DB0DD3389B55}" srcOrd="0" destOrd="0" presId="urn:microsoft.com/office/officeart/2005/8/layout/chevron2"/>
     <dgm:cxn modelId="{426F5952-A031-4BCD-8A53-1FB20EF4CFFF}" type="presOf" srcId="{8B567355-A72B-4F0F-909C-166C9993AB30}" destId="{3B67350C-F593-4BBF-A224-C7C97576EC4B}" srcOrd="0" destOrd="0" presId="urn:microsoft.com/office/officeart/2005/8/layout/chevron2"/>
-    <dgm:cxn modelId="{BB47F00C-C924-47D9-A9AD-5B7E627ECBF7}" srcId="{F78BB12E-DC1C-4835-B317-BC4EACEBDDF6}" destId="{92D71878-35EB-47D7-8917-367887074C2F}" srcOrd="0" destOrd="0" parTransId="{DDFF0939-8E12-45B8-8751-55D6F2719D95}" sibTransId="{31C49542-D077-4615-BA07-213645C8A4AE}"/>
-    <dgm:cxn modelId="{0AE2B01E-486B-44AE-A469-CDA00C88CA7B}" type="presParOf" srcId="{3B67350C-F593-4BBF-A224-C7C97576EC4B}" destId="{C0A1731D-394A-425C-A74B-D5A746DC2055}" srcOrd="0" destOrd="0" presId="urn:microsoft.com/office/officeart/2005/8/layout/chevron2"/>
-    <dgm:cxn modelId="{792FF193-48C9-4760-9D14-87A50D55404C}" type="presParOf" srcId="{C0A1731D-394A-425C-A74B-D5A746DC2055}" destId="{56BCDC24-0D36-4734-A0A9-43476DD5108B}" srcOrd="0" destOrd="0" presId="urn:microsoft.com/office/officeart/2005/8/layout/chevron2"/>
-    <dgm:cxn modelId="{919DEB86-D24A-4533-BE5A-7DA0D0DA3ECC}" type="presParOf" srcId="{C0A1731D-394A-425C-A74B-D5A746DC2055}" destId="{C6F09409-03DD-49D6-9337-52549033DDF5}" srcOrd="1" destOrd="0" presId="urn:microsoft.com/office/officeart/2005/8/layout/chevron2"/>
-    <dgm:cxn modelId="{76A7966A-E082-4AAB-BA15-C68AC8809B7A}" type="presParOf" srcId="{3B67350C-F593-4BBF-A224-C7C97576EC4B}" destId="{75ACDCC0-D37F-4AE8-8C5F-2F4C32EC2894}" srcOrd="1" destOrd="0" presId="urn:microsoft.com/office/officeart/2005/8/layout/chevron2"/>
-    <dgm:cxn modelId="{6E10FAAD-3A29-49C9-B670-AE6FF017E324}" type="presParOf" srcId="{3B67350C-F593-4BBF-A224-C7C97576EC4B}" destId="{FBAC7F95-BE01-4659-AB2C-E7364534FD3E}" srcOrd="2" destOrd="0" presId="urn:microsoft.com/office/officeart/2005/8/layout/chevron2"/>
+    <dgm:cxn modelId="{CEADFFD5-B76F-4A63-99EC-52F71BEF25D9}" srcId="{65A8D14D-7C64-4905-93E0-1000947E0E87}" destId="{1C4193AE-2241-4C93-A86B-72EDC243F8CC}" srcOrd="0" destOrd="0" parTransId="{C099F252-C4EA-4FDD-884B-96AD75116430}" sibTransId="{FB92A429-97A2-42E1-9B2F-04E458B5CFF0}"/>
+    <dgm:cxn modelId="{D7CF5092-E5D0-46B4-9743-BDBBCFC9DC59}" srcId="{0CC4A9CD-0973-405F-85CA-08D68CC7974A}" destId="{DA86DC67-EA83-4BFA-B25B-D4420098D860}" srcOrd="0" destOrd="0" parTransId="{D0ACB851-EACA-41C4-BEFC-019252423287}" sibTransId="{BE86C971-EBF8-4715-8A2D-0FEF2278B6E2}"/>
+    <dgm:cxn modelId="{DE9F8675-9647-4FE8-80CE-856A9FB770EE}" srcId="{8B567355-A72B-4F0F-909C-166C9993AB30}" destId="{65A8D14D-7C64-4905-93E0-1000947E0E87}" srcOrd="1" destOrd="0" parTransId="{25E21468-54CB-4CB7-BC7E-E36241F0FA3F}" sibTransId="{523D7289-AFEF-47B1-960A-643919716CBE}"/>
+    <dgm:cxn modelId="{6E10FAAD-3A29-49C9-B670-AE6FF017E324}" type="presParOf" srcId="{3B67350C-F593-4BBF-A224-C7C97576EC4B}" destId="{FBAC7F95-BE01-4659-AB2C-E7364534FD3E}" srcOrd="0" destOrd="0" presId="urn:microsoft.com/office/officeart/2005/8/layout/chevron2"/>
     <dgm:cxn modelId="{C454B716-2789-4B12-9AF4-791A0C910393}" type="presParOf" srcId="{FBAC7F95-BE01-4659-AB2C-E7364534FD3E}" destId="{C6D69278-CE40-4D64-B3F1-40C5A68AF9D4}" srcOrd="0" destOrd="0" presId="urn:microsoft.com/office/officeart/2005/8/layout/chevron2"/>
     <dgm:cxn modelId="{77A8630D-C97F-4554-B5E9-A041F2E45A33}" type="presParOf" srcId="{FBAC7F95-BE01-4659-AB2C-E7364534FD3E}" destId="{855FFCB4-9CB3-4483-A020-626E4F31A07B}" srcOrd="1" destOrd="0" presId="urn:microsoft.com/office/officeart/2005/8/layout/chevron2"/>
-    <dgm:cxn modelId="{303D26D2-2A2F-4AC0-AA8D-C8E9E2FC6C6A}" type="presParOf" srcId="{3B67350C-F593-4BBF-A224-C7C97576EC4B}" destId="{BB4BC469-83B0-4E08-854A-1DDE31032F66}" srcOrd="3" destOrd="0" presId="urn:microsoft.com/office/officeart/2005/8/layout/chevron2"/>
-    <dgm:cxn modelId="{6880856B-8650-4DD0-B6E8-EE9184C6F46A}" type="presParOf" srcId="{3B67350C-F593-4BBF-A224-C7C97576EC4B}" destId="{206FC657-32A5-4093-A9A0-810834F484EB}" srcOrd="4" destOrd="0" presId="urn:microsoft.com/office/officeart/2005/8/layout/chevron2"/>
-    <dgm:cxn modelId="{64F3B3B1-99DA-4717-9950-46FB75611CC5}" type="presParOf" srcId="{206FC657-32A5-4093-A9A0-810834F484EB}" destId="{3F2025DD-95FE-4073-A9DE-893A74C101F4}" srcOrd="0" destOrd="0" presId="urn:microsoft.com/office/officeart/2005/8/layout/chevron2"/>
-    <dgm:cxn modelId="{0541D2CB-00EE-46CF-B1ED-499A53B0AE61}" type="presParOf" srcId="{206FC657-32A5-4093-A9A0-810834F484EB}" destId="{0A9FBA5C-B33B-424E-BA30-9A3FDFDDA7DC}" srcOrd="1" destOrd="0" presId="urn:microsoft.com/office/officeart/2005/8/layout/chevron2"/>
+    <dgm:cxn modelId="{303D26D2-2A2F-4AC0-AA8D-C8E9E2FC6C6A}" type="presParOf" srcId="{3B67350C-F593-4BBF-A224-C7C97576EC4B}" destId="{BB4BC469-83B0-4E08-854A-1DDE31032F66}" srcOrd="1" destOrd="0" presId="urn:microsoft.com/office/officeart/2005/8/layout/chevron2"/>
+    <dgm:cxn modelId="{3303FEC9-1286-4876-A6F4-6A86C391BA22}" type="presParOf" srcId="{3B67350C-F593-4BBF-A224-C7C97576EC4B}" destId="{49E8B97E-D952-4A5B-BE0C-AD8C3DCE4312}" srcOrd="2" destOrd="0" presId="urn:microsoft.com/office/officeart/2005/8/layout/chevron2"/>
+    <dgm:cxn modelId="{6AD7EE43-880D-4446-A753-979F98C39CB3}" type="presParOf" srcId="{49E8B97E-D952-4A5B-BE0C-AD8C3DCE4312}" destId="{87F4067F-155E-4FC0-A6DF-76EF306AD637}" srcOrd="0" destOrd="0" presId="urn:microsoft.com/office/officeart/2005/8/layout/chevron2"/>
+    <dgm:cxn modelId="{A40BA92A-C3E8-4AFA-88FD-4710EE07EC93}" type="presParOf" srcId="{49E8B97E-D952-4A5B-BE0C-AD8C3DCE4312}" destId="{90CDE7F8-497E-4116-AE3A-878A849BDFAF}" srcOrd="1" destOrd="0" presId="urn:microsoft.com/office/officeart/2005/8/layout/chevron2"/>
+    <dgm:cxn modelId="{20A57B86-7113-4D2A-82A7-21BDD791BBDD}" type="presParOf" srcId="{3B67350C-F593-4BBF-A224-C7C97576EC4B}" destId="{2D8A3DD0-793C-4222-86B3-5ED78640AFDE}" srcOrd="3" destOrd="0" presId="urn:microsoft.com/office/officeart/2005/8/layout/chevron2"/>
+    <dgm:cxn modelId="{0BC3ABE4-E3F0-4DBA-A245-F46E56EA8D47}" type="presParOf" srcId="{3B67350C-F593-4BBF-A224-C7C97576EC4B}" destId="{45BBDB9B-8271-4FA6-9AE8-6B1C9C366B46}" srcOrd="4" destOrd="0" presId="urn:microsoft.com/office/officeart/2005/8/layout/chevron2"/>
+    <dgm:cxn modelId="{5160F66A-BE28-4C6D-B889-1D9FA2E16973}" type="presParOf" srcId="{45BBDB9B-8271-4FA6-9AE8-6B1C9C366B46}" destId="{9D2B7B2E-ECC0-46B1-BE21-DB0DD3389B55}" srcOrd="0" destOrd="0" presId="urn:microsoft.com/office/officeart/2005/8/layout/chevron2"/>
+    <dgm:cxn modelId="{930C3712-64B2-4AE2-870A-447D03548FF9}" type="presParOf" srcId="{45BBDB9B-8271-4FA6-9AE8-6B1C9C366B46}" destId="{273533B1-BBC4-42E4-A9DF-AD6DA4B02E54}" srcOrd="1" destOrd="0" presId="urn:microsoft.com/office/officeart/2005/8/layout/chevron2"/>
   </dgm:cxnLst>
   <dgm:bg/>
   <dgm:whole/>
@@ -5304,8 +5096,8 @@
     <dgm:cxn modelId="{A4C10893-8098-4453-805F-73060029E7A4}" type="presOf" srcId="{FE9A5AE8-2067-4040-84AA-10E1BFE8CD7C}" destId="{09087A55-524B-4921-8B5F-BB905B2FB6AB}" srcOrd="0" destOrd="0" presId="urn:microsoft.com/office/officeart/2005/8/layout/gear1"/>
     <dgm:cxn modelId="{DC6DC596-1BF9-4460-89F7-13CFBCEA18B5}" type="presOf" srcId="{AE528707-D4DF-4196-A4E9-692EE3A161A4}" destId="{01A0A183-F75B-49BE-B928-78AFF0273F77}" srcOrd="0" destOrd="0" presId="urn:microsoft.com/office/officeart/2005/8/layout/gear1"/>
     <dgm:cxn modelId="{8FA80E96-B431-40FB-B3C9-DC5F8EA1DB53}" type="presOf" srcId="{16B538C6-9D48-4074-8A32-B0A7D6CD2612}" destId="{97B20F31-71C6-4937-9230-9B7562DC73FD}" srcOrd="1" destOrd="0" presId="urn:microsoft.com/office/officeart/2005/8/layout/gear1"/>
+    <dgm:cxn modelId="{726632AA-4A5D-417F-AD6D-D140DF2A3926}" srcId="{AE528707-D4DF-4196-A4E9-692EE3A161A4}" destId="{16B538C6-9D48-4074-8A32-B0A7D6CD2612}" srcOrd="0" destOrd="0" parTransId="{319A7764-102F-476D-86BE-4EAC988DAC5A}" sibTransId="{1286F462-9413-46D6-8AC1-9FFA3A6421AA}"/>
     <dgm:cxn modelId="{0DF0A5F4-2F69-4746-BBC9-DFEFA700E42C}" type="presOf" srcId="{16B538C6-9D48-4074-8A32-B0A7D6CD2612}" destId="{C55812C2-5E89-4FFE-AC70-C63D02789ADC}" srcOrd="2" destOrd="0" presId="urn:microsoft.com/office/officeart/2005/8/layout/gear1"/>
-    <dgm:cxn modelId="{726632AA-4A5D-417F-AD6D-D140DF2A3926}" srcId="{AE528707-D4DF-4196-A4E9-692EE3A161A4}" destId="{16B538C6-9D48-4074-8A32-B0A7D6CD2612}" srcOrd="0" destOrd="0" parTransId="{319A7764-102F-476D-86BE-4EAC988DAC5A}" sibTransId="{1286F462-9413-46D6-8AC1-9FFA3A6421AA}"/>
     <dgm:cxn modelId="{52EDDBE6-8C03-431D-AE68-3780AF53B11E}" type="presOf" srcId="{1286F462-9413-46D6-8AC1-9FFA3A6421AA}" destId="{2E4B0C8F-8AB1-4552-8B50-A4BE1BED4425}" srcOrd="0" destOrd="0" presId="urn:microsoft.com/office/officeart/2005/8/layout/gear1"/>
     <dgm:cxn modelId="{06B92BFC-BE6C-4F50-BC31-D4A34116E05B}" type="presOf" srcId="{BF5A2988-F64B-4AFC-B736-E22956E9D8AC}" destId="{C550B2D3-D262-46A0-BA8F-9144DC298A45}" srcOrd="1" destOrd="0" presId="urn:microsoft.com/office/officeart/2005/8/layout/gear1"/>
     <dgm:cxn modelId="{B558166A-1B3A-4159-B80D-AFA69DDC1164}" type="presOf" srcId="{53CEAADD-4EB2-4CE7-B4D1-A037D48D5793}" destId="{FAC9C855-E720-47C9-956A-AC249672B1D5}" srcOrd="0" destOrd="0" presId="urn:microsoft.com/office/officeart/2005/8/layout/gear1"/>
@@ -5348,8 +5140,8 @@
       </dsp:nvSpPr>
       <dsp:spPr>
         <a:xfrm rot="5400000">
-          <a:off x="-100380" y="101041"/>
-          <a:ext cx="669205" cy="468443"/>
+          <a:off x="-119763" y="120337"/>
+          <a:ext cx="798425" cy="558897"/>
         </a:xfrm>
         <a:prstGeom prst="chevron">
           <a:avLst/>
@@ -5395,12 +5187,12 @@
         </a:fontRef>
       </dsp:style>
       <dsp:txBody>
-        <a:bodyPr spcFirstLastPara="0" vert="horz" wrap="square" lIns="8255" tIns="8255" rIns="8255" bIns="8255" numCol="1" spcCol="1270" anchor="ctr" anchorCtr="0">
+        <a:bodyPr spcFirstLastPara="0" vert="horz" wrap="square" lIns="9525" tIns="9525" rIns="9525" bIns="9525" numCol="1" spcCol="1270" anchor="ctr" anchorCtr="0">
           <a:noAutofit/>
         </a:bodyPr>
         <a:lstStyle/>
         <a:p>
-          <a:pPr lvl="0" algn="ctr" defTabSz="577850">
+          <a:pPr lvl="0" algn="ctr" defTabSz="666750">
             <a:lnSpc>
               <a:spcPct val="90000"/>
             </a:lnSpc>
@@ -5412,15 +5204,15 @@
             </a:spcAft>
           </a:pPr>
           <a:r>
-            <a:rPr lang="en-US" sz="1300" kern="1200" dirty="0" smtClean="0"/>
+            <a:rPr lang="en-US" sz="1500" kern="1200" dirty="0" smtClean="0"/>
             <a:t>1</a:t>
           </a:r>
-          <a:endParaRPr lang="en-US" sz="1300" kern="1200" dirty="0"/>
+          <a:endParaRPr lang="en-US" sz="1500" kern="1200" dirty="0"/>
         </a:p>
       </dsp:txBody>
       <dsp:txXfrm rot="-5400000">
-        <a:off x="2" y="234882"/>
-        <a:ext cx="468443" cy="200762"/>
+        <a:off x="2" y="280022"/>
+        <a:ext cx="558897" cy="239528"/>
       </dsp:txXfrm>
     </dsp:sp>
     <dsp:sp modelId="{3D9ED7D8-C565-4F0B-9FCA-2ECB5AAC7227}">
@@ -5430,8 +5222,8 @@
       </dsp:nvSpPr>
       <dsp:spPr>
         <a:xfrm rot="5400000">
-          <a:off x="3483830" y="-3014725"/>
-          <a:ext cx="434983" cy="6465756"/>
+          <a:off x="3487060" y="-2927589"/>
+          <a:ext cx="518976" cy="6375302"/>
         </a:xfrm>
         <a:prstGeom prst="round2SameRect">
           <a:avLst/>
@@ -5472,12 +5264,12 @@
         <a:fontRef idx="minor"/>
       </dsp:style>
       <dsp:txBody>
-        <a:bodyPr spcFirstLastPara="0" vert="horz" wrap="square" lIns="177800" tIns="15875" rIns="15875" bIns="15875" numCol="1" spcCol="1270" anchor="ctr" anchorCtr="0">
+        <a:bodyPr spcFirstLastPara="0" vert="horz" wrap="square" lIns="213360" tIns="19050" rIns="19050" bIns="19050" numCol="1" spcCol="1270" anchor="ctr" anchorCtr="0">
           <a:noAutofit/>
         </a:bodyPr>
         <a:lstStyle/>
         <a:p>
-          <a:pPr marL="228600" lvl="1" indent="-228600" algn="l" defTabSz="1111250">
+          <a:pPr marL="285750" lvl="1" indent="-285750" algn="l" defTabSz="1333500">
             <a:lnSpc>
               <a:spcPct val="90000"/>
             </a:lnSpc>
@@ -5490,39 +5282,39 @@
             <a:buChar char="••"/>
           </a:pPr>
           <a:r>
-            <a:rPr lang="en-US" sz="2500" kern="1200" dirty="0" err="1" smtClean="0"/>
+            <a:rPr lang="en-US" sz="3000" kern="1200" dirty="0" err="1" smtClean="0"/>
             <a:t>Tổng</a:t>
           </a:r>
           <a:r>
-            <a:rPr lang="en-US" sz="2500" kern="1200" dirty="0" smtClean="0"/>
+            <a:rPr lang="en-US" sz="3000" kern="1200" dirty="0" smtClean="0"/>
             <a:t> </a:t>
           </a:r>
           <a:r>
-            <a:rPr lang="en-US" sz="2500" kern="1200" dirty="0" err="1" smtClean="0"/>
+            <a:rPr lang="en-US" sz="3000" kern="1200" dirty="0" err="1" smtClean="0"/>
             <a:t>quan</a:t>
           </a:r>
           <a:r>
-            <a:rPr lang="en-US" sz="2500" kern="1200" dirty="0" smtClean="0"/>
+            <a:rPr lang="en-US" sz="3000" kern="1200" dirty="0" smtClean="0"/>
             <a:t> </a:t>
           </a:r>
           <a:r>
-            <a:rPr lang="en-US" sz="2500" kern="1200" dirty="0" err="1" smtClean="0"/>
+            <a:rPr lang="en-US" sz="3000" kern="1200" dirty="0" err="1" smtClean="0"/>
             <a:t>đề</a:t>
           </a:r>
           <a:r>
-            <a:rPr lang="en-US" sz="2500" kern="1200" dirty="0" smtClean="0"/>
+            <a:rPr lang="en-US" sz="3000" kern="1200" dirty="0" smtClean="0"/>
             <a:t> </a:t>
           </a:r>
           <a:r>
-            <a:rPr lang="en-US" sz="2500" kern="1200" dirty="0" err="1" smtClean="0"/>
+            <a:rPr lang="en-US" sz="3000" kern="1200" dirty="0" err="1" smtClean="0"/>
             <a:t>tài</a:t>
           </a:r>
-          <a:endParaRPr lang="en-US" sz="2500" kern="1200" dirty="0"/>
+          <a:endParaRPr lang="en-US" sz="3000" kern="1200" dirty="0"/>
         </a:p>
       </dsp:txBody>
       <dsp:txXfrm rot="-5400000">
-        <a:off x="468444" y="21895"/>
-        <a:ext cx="6444522" cy="392515"/>
+        <a:off x="558897" y="25908"/>
+        <a:ext cx="6349968" cy="468308"/>
       </dsp:txXfrm>
     </dsp:sp>
     <dsp:sp modelId="{99688ECA-8FA5-4607-94F1-CC07A0BA0860}">
@@ -5532,8 +5324,8 @@
       </dsp:nvSpPr>
       <dsp:spPr>
         <a:xfrm rot="5400000">
-          <a:off x="-100380" y="667975"/>
-          <a:ext cx="669205" cy="468443"/>
+          <a:off x="-119763" y="796744"/>
+          <a:ext cx="798425" cy="558897"/>
         </a:xfrm>
         <a:prstGeom prst="chevron">
           <a:avLst/>
@@ -5579,12 +5371,12 @@
         </a:fontRef>
       </dsp:style>
       <dsp:txBody>
-        <a:bodyPr spcFirstLastPara="0" vert="horz" wrap="square" lIns="8255" tIns="8255" rIns="8255" bIns="8255" numCol="1" spcCol="1270" anchor="ctr" anchorCtr="0">
+        <a:bodyPr spcFirstLastPara="0" vert="horz" wrap="square" lIns="9525" tIns="9525" rIns="9525" bIns="9525" numCol="1" spcCol="1270" anchor="ctr" anchorCtr="0">
           <a:noAutofit/>
         </a:bodyPr>
         <a:lstStyle/>
         <a:p>
-          <a:pPr lvl="0" algn="ctr" defTabSz="577850">
+          <a:pPr lvl="0" algn="ctr" defTabSz="666750">
             <a:lnSpc>
               <a:spcPct val="90000"/>
             </a:lnSpc>
@@ -5596,15 +5388,15 @@
             </a:spcAft>
           </a:pPr>
           <a:r>
-            <a:rPr lang="en-US" sz="1300" kern="1200" dirty="0" smtClean="0"/>
+            <a:rPr lang="en-US" sz="1500" kern="1200" dirty="0" smtClean="0"/>
             <a:t>2</a:t>
           </a:r>
-          <a:endParaRPr lang="en-US" sz="1300" kern="1200" dirty="0"/>
+          <a:endParaRPr lang="en-US" sz="1500" kern="1200" dirty="0"/>
         </a:p>
       </dsp:txBody>
       <dsp:txXfrm rot="-5400000">
-        <a:off x="2" y="801816"/>
-        <a:ext cx="468443" cy="200762"/>
+        <a:off x="2" y="956429"/>
+        <a:ext cx="558897" cy="239528"/>
       </dsp:txXfrm>
     </dsp:sp>
     <dsp:sp modelId="{F58EB6E1-C2A1-4929-9B82-A347EB9586A7}">
@@ -5614,8 +5406,8 @@
       </dsp:nvSpPr>
       <dsp:spPr>
         <a:xfrm rot="5400000">
-          <a:off x="3483830" y="-2447791"/>
-          <a:ext cx="434983" cy="6465756"/>
+          <a:off x="3487060" y="-2251182"/>
+          <a:ext cx="518976" cy="6375302"/>
         </a:xfrm>
         <a:prstGeom prst="round2SameRect">
           <a:avLst/>
@@ -5656,12 +5448,12 @@
         <a:fontRef idx="minor"/>
       </dsp:style>
       <dsp:txBody>
-        <a:bodyPr spcFirstLastPara="0" vert="horz" wrap="square" lIns="177800" tIns="15875" rIns="15875" bIns="15875" numCol="1" spcCol="1270" anchor="ctr" anchorCtr="0">
+        <a:bodyPr spcFirstLastPara="0" vert="horz" wrap="square" lIns="213360" tIns="19050" rIns="19050" bIns="19050" numCol="1" spcCol="1270" anchor="ctr" anchorCtr="0">
           <a:noAutofit/>
         </a:bodyPr>
         <a:lstStyle/>
         <a:p>
-          <a:pPr marL="228600" lvl="1" indent="-228600" algn="l" defTabSz="1111250">
+          <a:pPr marL="285750" lvl="1" indent="-285750" algn="l" defTabSz="1333500">
             <a:lnSpc>
               <a:spcPct val="90000"/>
             </a:lnSpc>
@@ -5674,50 +5466,50 @@
             <a:buChar char="••"/>
           </a:pPr>
           <a:r>
-            <a:rPr lang="en-US" sz="2500" kern="1200" dirty="0" err="1" smtClean="0"/>
+            <a:rPr lang="en-US" sz="3000" kern="1200" dirty="0" err="1" smtClean="0"/>
             <a:t>Mục</a:t>
           </a:r>
           <a:r>
-            <a:rPr lang="en-US" sz="2500" kern="1200" dirty="0" smtClean="0"/>
+            <a:rPr lang="en-US" sz="3000" kern="1200" dirty="0" smtClean="0"/>
             <a:t> </a:t>
           </a:r>
           <a:r>
-            <a:rPr lang="en-US" sz="2500" kern="1200" dirty="0" err="1" smtClean="0"/>
+            <a:rPr lang="en-US" sz="3000" kern="1200" dirty="0" err="1" smtClean="0"/>
             <a:t>tiêu</a:t>
           </a:r>
           <a:r>
-            <a:rPr lang="en-US" sz="2500" kern="1200" dirty="0" smtClean="0"/>
+            <a:rPr lang="en-US" sz="3000" kern="1200" dirty="0" smtClean="0"/>
             <a:t> </a:t>
           </a:r>
           <a:r>
-            <a:rPr lang="en-US" sz="2500" kern="1200" dirty="0" err="1" smtClean="0"/>
+            <a:rPr lang="en-US" sz="3000" kern="1200" dirty="0" err="1" smtClean="0"/>
             <a:t>đề</a:t>
           </a:r>
           <a:r>
-            <a:rPr lang="en-US" sz="2500" kern="1200" dirty="0" smtClean="0"/>
+            <a:rPr lang="en-US" sz="3000" kern="1200" dirty="0" smtClean="0"/>
             <a:t> </a:t>
           </a:r>
           <a:r>
-            <a:rPr lang="en-US" sz="2500" kern="1200" dirty="0" err="1" smtClean="0"/>
+            <a:rPr lang="en-US" sz="3000" kern="1200" dirty="0" err="1" smtClean="0"/>
             <a:t>tài</a:t>
           </a:r>
-          <a:endParaRPr lang="en-US" sz="2500" kern="1200" dirty="0"/>
+          <a:endParaRPr lang="en-US" sz="3000" kern="1200" dirty="0"/>
         </a:p>
       </dsp:txBody>
       <dsp:txXfrm rot="-5400000">
-        <a:off x="468444" y="588829"/>
-        <a:ext cx="6444522" cy="392515"/>
+        <a:off x="558897" y="702315"/>
+        <a:ext cx="6349968" cy="468308"/>
       </dsp:txXfrm>
     </dsp:sp>
-    <dsp:sp modelId="{7151E4B3-5B04-4497-A693-E5BBA4C0EDA6}">
+    <dsp:sp modelId="{9A99D0FF-5868-43CF-95F2-1E817500C822}">
       <dsp:nvSpPr>
         <dsp:cNvPr id="0" name=""/>
         <dsp:cNvSpPr/>
       </dsp:nvSpPr>
       <dsp:spPr>
         <a:xfrm rot="5400000">
-          <a:off x="-100380" y="1234910"/>
-          <a:ext cx="669205" cy="468443"/>
+          <a:off x="-119763" y="1473151"/>
+          <a:ext cx="798425" cy="558897"/>
         </a:xfrm>
         <a:prstGeom prst="chevron">
           <a:avLst/>
@@ -5763,12 +5555,12 @@
         </a:fontRef>
       </dsp:style>
       <dsp:txBody>
-        <a:bodyPr spcFirstLastPara="0" vert="horz" wrap="square" lIns="8255" tIns="8255" rIns="8255" bIns="8255" numCol="1" spcCol="1270" anchor="ctr" anchorCtr="0">
+        <a:bodyPr spcFirstLastPara="0" vert="horz" wrap="square" lIns="9525" tIns="9525" rIns="9525" bIns="9525" numCol="1" spcCol="1270" anchor="ctr" anchorCtr="0">
           <a:noAutofit/>
         </a:bodyPr>
         <a:lstStyle/>
         <a:p>
-          <a:pPr lvl="0" algn="ctr" defTabSz="577850">
+          <a:pPr lvl="0" algn="ctr" defTabSz="666750">
             <a:lnSpc>
               <a:spcPct val="90000"/>
             </a:lnSpc>
@@ -5780,26 +5572,26 @@
             </a:spcAft>
           </a:pPr>
           <a:r>
-            <a:rPr lang="en-US" sz="1300" kern="1200" dirty="0" smtClean="0"/>
+            <a:rPr lang="en-US" sz="1500" kern="1200" dirty="0" smtClean="0"/>
             <a:t>3</a:t>
           </a:r>
-          <a:endParaRPr lang="en-US" sz="1300" kern="1200" dirty="0"/>
+          <a:endParaRPr lang="en-US" sz="1500" kern="1200" dirty="0"/>
         </a:p>
       </dsp:txBody>
       <dsp:txXfrm rot="-5400000">
-        <a:off x="2" y="1368751"/>
-        <a:ext cx="468443" cy="200762"/>
+        <a:off x="2" y="1632836"/>
+        <a:ext cx="558897" cy="239528"/>
       </dsp:txXfrm>
     </dsp:sp>
-    <dsp:sp modelId="{5CD3FFF4-B0B4-40AE-B575-8C73B9ECA958}">
+    <dsp:sp modelId="{CC23FC61-5C58-4DDA-AF56-567B69758437}">
       <dsp:nvSpPr>
         <dsp:cNvPr id="0" name=""/>
         <dsp:cNvSpPr/>
       </dsp:nvSpPr>
       <dsp:spPr>
         <a:xfrm rot="5400000">
-          <a:off x="3483830" y="-1880856"/>
-          <a:ext cx="434983" cy="6465756"/>
+          <a:off x="3487060" y="-1574775"/>
+          <a:ext cx="518976" cy="6375302"/>
         </a:xfrm>
         <a:prstGeom prst="round2SameRect">
           <a:avLst/>
@@ -5840,12 +5632,12 @@
         <a:fontRef idx="minor"/>
       </dsp:style>
       <dsp:txBody>
-        <a:bodyPr spcFirstLastPara="0" vert="horz" wrap="square" lIns="177800" tIns="15875" rIns="15875" bIns="15875" numCol="1" spcCol="1270" anchor="ctr" anchorCtr="0">
+        <a:bodyPr spcFirstLastPara="0" vert="horz" wrap="square" lIns="213360" tIns="19050" rIns="19050" bIns="19050" numCol="1" spcCol="1270" anchor="ctr" anchorCtr="0">
           <a:noAutofit/>
         </a:bodyPr>
         <a:lstStyle/>
         <a:p>
-          <a:pPr marL="228600" lvl="1" indent="-228600" algn="l" defTabSz="1111250">
+          <a:pPr marL="285750" lvl="1" indent="-285750" algn="l" defTabSz="1333500">
             <a:lnSpc>
               <a:spcPct val="90000"/>
             </a:lnSpc>
@@ -5858,50 +5650,50 @@
             <a:buChar char="••"/>
           </a:pPr>
           <a:r>
-            <a:rPr lang="en-US" sz="2500" kern="1200" dirty="0" err="1" smtClean="0"/>
-            <a:t>Phương</a:t>
+            <a:rPr lang="en-US" sz="3000" kern="1200" dirty="0" err="1" smtClean="0"/>
+            <a:t>Hiện</a:t>
           </a:r>
           <a:r>
-            <a:rPr lang="en-US" sz="2500" kern="1200" dirty="0" smtClean="0"/>
+            <a:rPr lang="en-US" sz="3000" kern="1200" dirty="0" smtClean="0"/>
             <a:t> </a:t>
           </a:r>
           <a:r>
-            <a:rPr lang="en-US" sz="2500" kern="1200" dirty="0" err="1" smtClean="0"/>
-            <a:t>pháp</a:t>
+            <a:rPr lang="en-US" sz="3000" kern="1200" dirty="0" err="1" smtClean="0"/>
+            <a:t>thực</a:t>
           </a:r>
           <a:r>
-            <a:rPr lang="en-US" sz="2500" kern="1200" dirty="0" smtClean="0"/>
+            <a:rPr lang="en-US" sz="3000" kern="1200" dirty="0" smtClean="0"/>
             <a:t> </a:t>
           </a:r>
           <a:r>
-            <a:rPr lang="en-US" sz="2500" kern="1200" dirty="0" err="1" smtClean="0"/>
-            <a:t>nghiên</a:t>
+            <a:rPr lang="en-US" sz="3000" kern="1200" dirty="0" err="1" smtClean="0"/>
+            <a:t>hệ</a:t>
           </a:r>
           <a:r>
-            <a:rPr lang="en-US" sz="2500" kern="1200" dirty="0" smtClean="0"/>
+            <a:rPr lang="en-US" sz="3000" kern="1200" dirty="0" smtClean="0"/>
             <a:t> </a:t>
           </a:r>
           <a:r>
-            <a:rPr lang="en-US" sz="2500" kern="1200" dirty="0" err="1" smtClean="0"/>
-            <a:t>cứu</a:t>
+            <a:rPr lang="en-US" sz="3000" kern="1200" dirty="0" err="1" smtClean="0"/>
+            <a:t>thống</a:t>
           </a:r>
-          <a:endParaRPr lang="en-US" sz="2500" kern="1200" dirty="0"/>
+          <a:endParaRPr lang="en-US" sz="3000" kern="1200" dirty="0"/>
         </a:p>
       </dsp:txBody>
       <dsp:txXfrm rot="-5400000">
-        <a:off x="468444" y="1155764"/>
-        <a:ext cx="6444522" cy="392515"/>
+        <a:off x="558897" y="1378722"/>
+        <a:ext cx="6349968" cy="468308"/>
       </dsp:txXfrm>
     </dsp:sp>
-    <dsp:sp modelId="{9A99D0FF-5868-43CF-95F2-1E817500C822}">
+    <dsp:sp modelId="{BCB60E09-B4F6-42A9-87A9-BCC61689526D}">
       <dsp:nvSpPr>
         <dsp:cNvPr id="0" name=""/>
         <dsp:cNvSpPr/>
       </dsp:nvSpPr>
       <dsp:spPr>
         <a:xfrm rot="5400000">
-          <a:off x="-100380" y="1801845"/>
-          <a:ext cx="669205" cy="468443"/>
+          <a:off x="-119763" y="2149557"/>
+          <a:ext cx="798425" cy="558897"/>
         </a:xfrm>
         <a:prstGeom prst="chevron">
           <a:avLst/>
@@ -5947,12 +5739,12 @@
         </a:fontRef>
       </dsp:style>
       <dsp:txBody>
-        <a:bodyPr spcFirstLastPara="0" vert="horz" wrap="square" lIns="8255" tIns="8255" rIns="8255" bIns="8255" numCol="1" spcCol="1270" anchor="ctr" anchorCtr="0">
+        <a:bodyPr spcFirstLastPara="0" vert="horz" wrap="square" lIns="9525" tIns="9525" rIns="9525" bIns="9525" numCol="1" spcCol="1270" anchor="ctr" anchorCtr="0">
           <a:noAutofit/>
         </a:bodyPr>
         <a:lstStyle/>
         <a:p>
-          <a:pPr lvl="0" algn="ctr" defTabSz="577850">
+          <a:pPr lvl="0" algn="ctr" defTabSz="666750">
             <a:lnSpc>
               <a:spcPct val="90000"/>
             </a:lnSpc>
@@ -5964,26 +5756,26 @@
             </a:spcAft>
           </a:pPr>
           <a:r>
-            <a:rPr lang="en-US" sz="1300" kern="1200" dirty="0" smtClean="0"/>
+            <a:rPr lang="en-US" sz="1500" kern="1200" dirty="0" smtClean="0"/>
             <a:t>4</a:t>
           </a:r>
-          <a:endParaRPr lang="en-US" sz="1300" kern="1200" dirty="0"/>
+          <a:endParaRPr lang="en-US" sz="1500" kern="1200" dirty="0"/>
         </a:p>
       </dsp:txBody>
       <dsp:txXfrm rot="-5400000">
-        <a:off x="2" y="1935686"/>
-        <a:ext cx="468443" cy="200762"/>
+        <a:off x="2" y="2309242"/>
+        <a:ext cx="558897" cy="239528"/>
       </dsp:txXfrm>
     </dsp:sp>
-    <dsp:sp modelId="{CC23FC61-5C58-4DDA-AF56-567B69758437}">
+    <dsp:sp modelId="{AD67D1D3-D645-410F-B62F-B3AE6F7D1CFF}">
       <dsp:nvSpPr>
         <dsp:cNvPr id="0" name=""/>
         <dsp:cNvSpPr/>
       </dsp:nvSpPr>
       <dsp:spPr>
         <a:xfrm rot="5400000">
-          <a:off x="3483830" y="-1313921"/>
-          <a:ext cx="434983" cy="6465756"/>
+          <a:off x="3487060" y="-898368"/>
+          <a:ext cx="518976" cy="6375302"/>
         </a:xfrm>
         <a:prstGeom prst="round2SameRect">
           <a:avLst/>
@@ -6024,12 +5816,12 @@
         <a:fontRef idx="minor"/>
       </dsp:style>
       <dsp:txBody>
-        <a:bodyPr spcFirstLastPara="0" vert="horz" wrap="square" lIns="177800" tIns="15875" rIns="15875" bIns="15875" numCol="1" spcCol="1270" anchor="ctr" anchorCtr="0">
+        <a:bodyPr spcFirstLastPara="0" vert="horz" wrap="square" lIns="213360" tIns="19050" rIns="19050" bIns="19050" numCol="1" spcCol="1270" anchor="ctr" anchorCtr="0">
           <a:noAutofit/>
         </a:bodyPr>
         <a:lstStyle/>
         <a:p>
-          <a:pPr marL="228600" lvl="1" indent="-228600" algn="l" defTabSz="1111250">
+          <a:pPr marL="285750" lvl="1" indent="-285750" algn="l" defTabSz="1333500">
             <a:lnSpc>
               <a:spcPct val="90000"/>
             </a:lnSpc>
@@ -6042,50 +5834,58 @@
             <a:buChar char="••"/>
           </a:pPr>
           <a:r>
-            <a:rPr lang="en-US" sz="2500" kern="1200" dirty="0" err="1" smtClean="0"/>
-            <a:t>Hiện</a:t>
+            <a:rPr lang="en-US" sz="3000" kern="1200" dirty="0" err="1" smtClean="0"/>
+            <a:t>Cải</a:t>
           </a:r>
           <a:r>
-            <a:rPr lang="en-US" sz="2500" kern="1200" dirty="0" smtClean="0"/>
+            <a:rPr lang="en-US" sz="3000" kern="1200" dirty="0" smtClean="0"/>
             <a:t> </a:t>
           </a:r>
           <a:r>
-            <a:rPr lang="en-US" sz="2500" kern="1200" dirty="0" err="1" smtClean="0"/>
-            <a:t>thực</a:t>
+            <a:rPr lang="en-US" sz="3000" kern="1200" dirty="0" err="1" smtClean="0"/>
+            <a:t>tiến</a:t>
           </a:r>
           <a:r>
-            <a:rPr lang="en-US" sz="2500" kern="1200" dirty="0" smtClean="0"/>
+            <a:rPr lang="en-US" sz="3000" kern="1200" dirty="0" smtClean="0"/>
             <a:t> </a:t>
           </a:r>
           <a:r>
-            <a:rPr lang="en-US" sz="2500" kern="1200" dirty="0" err="1" smtClean="0"/>
-            <a:t>hệ</a:t>
+            <a:rPr lang="en-US" sz="3000" kern="1200" dirty="0" err="1" smtClean="0"/>
+            <a:t>và</a:t>
           </a:r>
           <a:r>
-            <a:rPr lang="en-US" sz="2500" kern="1200" dirty="0" smtClean="0"/>
+            <a:rPr lang="en-US" sz="3000" kern="1200" dirty="0" smtClean="0"/>
             <a:t> </a:t>
           </a:r>
           <a:r>
-            <a:rPr lang="en-US" sz="2500" kern="1200" dirty="0" err="1" smtClean="0"/>
-            <a:t>thống</a:t>
+            <a:rPr lang="en-US" sz="3000" kern="1200" dirty="0" err="1" smtClean="0"/>
+            <a:t>pháp</a:t>
           </a:r>
-          <a:endParaRPr lang="en-US" sz="2500" kern="1200" dirty="0"/>
+          <a:r>
+            <a:rPr lang="en-US" sz="3000" kern="1200" dirty="0" smtClean="0"/>
+            <a:t> </a:t>
+          </a:r>
+          <a:r>
+            <a:rPr lang="en-US" sz="3000" kern="1200" dirty="0" err="1" smtClean="0"/>
+            <a:t>triển</a:t>
+          </a:r>
+          <a:endParaRPr lang="en-US" sz="3000" kern="1200" dirty="0"/>
         </a:p>
       </dsp:txBody>
       <dsp:txXfrm rot="-5400000">
-        <a:off x="468444" y="1722699"/>
-        <a:ext cx="6444522" cy="392515"/>
+        <a:off x="558897" y="2055129"/>
+        <a:ext cx="6349968" cy="468308"/>
       </dsp:txXfrm>
     </dsp:sp>
-    <dsp:sp modelId="{BCB60E09-B4F6-42A9-87A9-BCC61689526D}">
+    <dsp:sp modelId="{86E00DC5-05B7-4F6C-8577-7733C0F49E30}">
       <dsp:nvSpPr>
         <dsp:cNvPr id="0" name=""/>
         <dsp:cNvSpPr/>
       </dsp:nvSpPr>
       <dsp:spPr>
         <a:xfrm rot="5400000">
-          <a:off x="-100380" y="2368780"/>
-          <a:ext cx="669205" cy="468443"/>
+          <a:off x="-119763" y="2825964"/>
+          <a:ext cx="798425" cy="558897"/>
         </a:xfrm>
         <a:prstGeom prst="chevron">
           <a:avLst/>
@@ -6131,12 +5931,12 @@
         </a:fontRef>
       </dsp:style>
       <dsp:txBody>
-        <a:bodyPr spcFirstLastPara="0" vert="horz" wrap="square" lIns="8255" tIns="8255" rIns="8255" bIns="8255" numCol="1" spcCol="1270" anchor="ctr" anchorCtr="0">
+        <a:bodyPr spcFirstLastPara="0" vert="horz" wrap="square" lIns="9525" tIns="9525" rIns="9525" bIns="9525" numCol="1" spcCol="1270" anchor="ctr" anchorCtr="0">
           <a:noAutofit/>
         </a:bodyPr>
         <a:lstStyle/>
         <a:p>
-          <a:pPr lvl="0" algn="ctr" defTabSz="577850">
+          <a:pPr lvl="0" algn="ctr" defTabSz="666750">
             <a:lnSpc>
               <a:spcPct val="90000"/>
             </a:lnSpc>
@@ -6148,26 +5948,26 @@
             </a:spcAft>
           </a:pPr>
           <a:r>
-            <a:rPr lang="en-US" sz="1300" kern="1200" dirty="0" smtClean="0"/>
+            <a:rPr lang="en-US" sz="1500" kern="1200" dirty="0" smtClean="0"/>
             <a:t>5</a:t>
           </a:r>
-          <a:endParaRPr lang="en-US" sz="1300" kern="1200" dirty="0"/>
+          <a:endParaRPr lang="en-US" sz="1500" kern="1200" dirty="0"/>
         </a:p>
       </dsp:txBody>
       <dsp:txXfrm rot="-5400000">
-        <a:off x="2" y="2502621"/>
-        <a:ext cx="468443" cy="200762"/>
+        <a:off x="2" y="2985649"/>
+        <a:ext cx="558897" cy="239528"/>
       </dsp:txXfrm>
     </dsp:sp>
-    <dsp:sp modelId="{AD67D1D3-D645-410F-B62F-B3AE6F7D1CFF}">
+    <dsp:sp modelId="{24CA085D-3821-4B05-BB22-E2171B4FF232}">
       <dsp:nvSpPr>
         <dsp:cNvPr id="0" name=""/>
         <dsp:cNvSpPr/>
       </dsp:nvSpPr>
       <dsp:spPr>
         <a:xfrm rot="5400000">
-          <a:off x="3483830" y="-746986"/>
-          <a:ext cx="434983" cy="6465756"/>
+          <a:off x="3487060" y="-221961"/>
+          <a:ext cx="518976" cy="6375302"/>
         </a:xfrm>
         <a:prstGeom prst="round2SameRect">
           <a:avLst/>
@@ -6208,12 +6008,12 @@
         <a:fontRef idx="minor"/>
       </dsp:style>
       <dsp:txBody>
-        <a:bodyPr spcFirstLastPara="0" vert="horz" wrap="square" lIns="177800" tIns="15875" rIns="15875" bIns="15875" numCol="1" spcCol="1270" anchor="ctr" anchorCtr="0">
+        <a:bodyPr spcFirstLastPara="0" vert="horz" wrap="square" lIns="213360" tIns="19050" rIns="19050" bIns="19050" numCol="1" spcCol="1270" anchor="ctr" anchorCtr="0">
           <a:noAutofit/>
         </a:bodyPr>
         <a:lstStyle/>
         <a:p>
-          <a:pPr marL="228600" lvl="1" indent="-228600" algn="l" defTabSz="1111250">
+          <a:pPr marL="285750" lvl="1" indent="-285750" algn="l" defTabSz="1333500">
             <a:lnSpc>
               <a:spcPct val="90000"/>
             </a:lnSpc>
@@ -6226,215 +6026,23 @@
             <a:buChar char="••"/>
           </a:pPr>
           <a:r>
-            <a:rPr lang="en-US" sz="2500" kern="1200" dirty="0" err="1" smtClean="0"/>
-            <a:t>Cải</a:t>
+            <a:rPr lang="en-US" sz="3000" kern="1200" dirty="0" err="1" smtClean="0"/>
+            <a:t>Đóng</a:t>
           </a:r>
           <a:r>
-            <a:rPr lang="en-US" sz="2500" kern="1200" dirty="0" smtClean="0"/>
+            <a:rPr lang="en-US" sz="3000" kern="1200" dirty="0" smtClean="0"/>
             <a:t> </a:t>
           </a:r>
           <a:r>
-            <a:rPr lang="en-US" sz="2500" kern="1200" dirty="0" err="1" smtClean="0"/>
-            <a:t>tiến</a:t>
+            <a:rPr lang="en-US" sz="3000" kern="1200" dirty="0" err="1" smtClean="0"/>
+            <a:t>góp</a:t>
           </a:r>
-          <a:r>
-            <a:rPr lang="en-US" sz="2500" kern="1200" dirty="0" smtClean="0"/>
-            <a:t> </a:t>
-          </a:r>
-          <a:r>
-            <a:rPr lang="en-US" sz="2500" kern="1200" dirty="0" err="1" smtClean="0"/>
-            <a:t>và</a:t>
-          </a:r>
-          <a:r>
-            <a:rPr lang="en-US" sz="2500" kern="1200" dirty="0" smtClean="0"/>
-            <a:t> </a:t>
-          </a:r>
-          <a:r>
-            <a:rPr lang="en-US" sz="2500" kern="1200" dirty="0" err="1" smtClean="0"/>
-            <a:t>pháp</a:t>
-          </a:r>
-          <a:r>
-            <a:rPr lang="en-US" sz="2500" kern="1200" dirty="0" smtClean="0"/>
-            <a:t> </a:t>
-          </a:r>
-          <a:r>
-            <a:rPr lang="en-US" sz="2500" kern="1200" dirty="0" err="1" smtClean="0"/>
-            <a:t>triển</a:t>
-          </a:r>
-          <a:endParaRPr lang="en-US" sz="2500" kern="1200" dirty="0"/>
+          <a:endParaRPr lang="en-US" sz="3000" kern="1200" dirty="0"/>
         </a:p>
       </dsp:txBody>
       <dsp:txXfrm rot="-5400000">
-        <a:off x="468444" y="2289634"/>
-        <a:ext cx="6444522" cy="392515"/>
-      </dsp:txXfrm>
-    </dsp:sp>
-    <dsp:sp modelId="{86E00DC5-05B7-4F6C-8577-7733C0F49E30}">
-      <dsp:nvSpPr>
-        <dsp:cNvPr id="0" name=""/>
-        <dsp:cNvSpPr/>
-      </dsp:nvSpPr>
-      <dsp:spPr>
-        <a:xfrm rot="5400000">
-          <a:off x="-100380" y="2935714"/>
-          <a:ext cx="669205" cy="468443"/>
-        </a:xfrm>
-        <a:prstGeom prst="chevron">
-          <a:avLst/>
-        </a:prstGeom>
-        <a:solidFill>
-          <a:schemeClr val="accent1">
-            <a:hueOff val="0"/>
-            <a:satOff val="0"/>
-            <a:lumOff val="0"/>
-            <a:alphaOff val="0"/>
-          </a:schemeClr>
-        </a:solidFill>
-        <a:ln w="9525" cap="flat" cmpd="sng" algn="ctr">
-          <a:solidFill>
-            <a:schemeClr val="accent1">
-              <a:hueOff val="0"/>
-              <a:satOff val="0"/>
-              <a:lumOff val="0"/>
-              <a:alphaOff val="0"/>
-            </a:schemeClr>
-          </a:solidFill>
-          <a:prstDash val="solid"/>
-        </a:ln>
-        <a:effectLst/>
-        <a:sp3d extrusionH="381000" contourW="38100" prstMaterial="matte">
-          <a:contourClr>
-            <a:schemeClr val="lt1"/>
-          </a:contourClr>
-        </a:sp3d>
-      </dsp:spPr>
-      <dsp:style>
-        <a:lnRef idx="1">
-          <a:scrgbClr r="0" g="0" b="0"/>
-        </a:lnRef>
-        <a:fillRef idx="1">
-          <a:scrgbClr r="0" g="0" b="0"/>
-        </a:fillRef>
-        <a:effectRef idx="0">
-          <a:scrgbClr r="0" g="0" b="0"/>
-        </a:effectRef>
-        <a:fontRef idx="minor">
-          <a:schemeClr val="lt1"/>
-        </a:fontRef>
-      </dsp:style>
-      <dsp:txBody>
-        <a:bodyPr spcFirstLastPara="0" vert="horz" wrap="square" lIns="8255" tIns="8255" rIns="8255" bIns="8255" numCol="1" spcCol="1270" anchor="ctr" anchorCtr="0">
-          <a:noAutofit/>
-        </a:bodyPr>
-        <a:lstStyle/>
-        <a:p>
-          <a:pPr lvl="0" algn="ctr" defTabSz="577850">
-            <a:lnSpc>
-              <a:spcPct val="90000"/>
-            </a:lnSpc>
-            <a:spcBef>
-              <a:spcPct val="0"/>
-            </a:spcBef>
-            <a:spcAft>
-              <a:spcPct val="35000"/>
-            </a:spcAft>
-          </a:pPr>
-          <a:r>
-            <a:rPr lang="en-US" sz="1300" kern="1200" dirty="0" smtClean="0"/>
-            <a:t>6</a:t>
-          </a:r>
-          <a:endParaRPr lang="en-US" sz="1300" kern="1200" dirty="0"/>
-        </a:p>
-      </dsp:txBody>
-      <dsp:txXfrm rot="-5400000">
-        <a:off x="2" y="3069555"/>
-        <a:ext cx="468443" cy="200762"/>
-      </dsp:txXfrm>
-    </dsp:sp>
-    <dsp:sp modelId="{24CA085D-3821-4B05-BB22-E2171B4FF232}">
-      <dsp:nvSpPr>
-        <dsp:cNvPr id="0" name=""/>
-        <dsp:cNvSpPr/>
-      </dsp:nvSpPr>
-      <dsp:spPr>
-        <a:xfrm rot="5400000">
-          <a:off x="3483830" y="-180052"/>
-          <a:ext cx="434983" cy="6465756"/>
-        </a:xfrm>
-        <a:prstGeom prst="round2SameRect">
-          <a:avLst/>
-        </a:prstGeom>
-        <a:solidFill>
-          <a:schemeClr val="lt1">
-            <a:alpha val="90000"/>
-            <a:hueOff val="0"/>
-            <a:satOff val="0"/>
-            <a:lumOff val="0"/>
-            <a:alphaOff val="0"/>
-          </a:schemeClr>
-        </a:solidFill>
-        <a:ln w="9525" cap="flat" cmpd="sng" algn="ctr">
-          <a:solidFill>
-            <a:schemeClr val="accent1">
-              <a:hueOff val="0"/>
-              <a:satOff val="0"/>
-              <a:lumOff val="0"/>
-              <a:alphaOff val="0"/>
-            </a:schemeClr>
-          </a:solidFill>
-          <a:prstDash val="solid"/>
-        </a:ln>
-        <a:effectLst/>
-        <a:sp3d z="-60000" extrusionH="63500" prstMaterial="matte"/>
-      </dsp:spPr>
-      <dsp:style>
-        <a:lnRef idx="1">
-          <a:scrgbClr r="0" g="0" b="0"/>
-        </a:lnRef>
-        <a:fillRef idx="1">
-          <a:scrgbClr r="0" g="0" b="0"/>
-        </a:fillRef>
-        <a:effectRef idx="0">
-          <a:scrgbClr r="0" g="0" b="0"/>
-        </a:effectRef>
-        <a:fontRef idx="minor"/>
-      </dsp:style>
-      <dsp:txBody>
-        <a:bodyPr spcFirstLastPara="0" vert="horz" wrap="square" lIns="177800" tIns="15875" rIns="15875" bIns="15875" numCol="1" spcCol="1270" anchor="ctr" anchorCtr="0">
-          <a:noAutofit/>
-        </a:bodyPr>
-        <a:lstStyle/>
-        <a:p>
-          <a:pPr marL="228600" lvl="1" indent="-228600" algn="l" defTabSz="1111250">
-            <a:lnSpc>
-              <a:spcPct val="90000"/>
-            </a:lnSpc>
-            <a:spcBef>
-              <a:spcPct val="0"/>
-            </a:spcBef>
-            <a:spcAft>
-              <a:spcPct val="15000"/>
-            </a:spcAft>
-            <a:buChar char="••"/>
-          </a:pPr>
-          <a:r>
-            <a:rPr lang="en-US" sz="2500" kern="1200" dirty="0" err="1" smtClean="0"/>
-            <a:t>Đóng</a:t>
-          </a:r>
-          <a:r>
-            <a:rPr lang="en-US" sz="2500" kern="1200" dirty="0" smtClean="0"/>
-            <a:t> </a:t>
-          </a:r>
-          <a:r>
-            <a:rPr lang="en-US" sz="2500" kern="1200" dirty="0" err="1" smtClean="0"/>
-            <a:t>góp</a:t>
-          </a:r>
-          <a:endParaRPr lang="en-US" sz="2500" kern="1200" dirty="0"/>
-        </a:p>
-      </dsp:txBody>
-      <dsp:txXfrm rot="-5400000">
-        <a:off x="468444" y="2856568"/>
-        <a:ext cx="6444522" cy="392515"/>
+        <a:off x="558897" y="2731536"/>
+        <a:ext cx="6349968" cy="468308"/>
       </dsp:txXfrm>
     </dsp:sp>
   </dsp:spTree>
@@ -6456,8 +6064,8 @@
       </dsp:nvSpPr>
       <dsp:spPr>
         <a:xfrm rot="10800000">
-          <a:off x="1263951" y="1441"/>
-          <a:ext cx="4205859" cy="818322"/>
+          <a:off x="1048389" y="4"/>
+          <a:ext cx="3496437" cy="670831"/>
         </a:xfrm>
         <a:prstGeom prst="homePlate">
           <a:avLst/>
@@ -6498,12 +6106,12 @@
         </a:fontRef>
       </dsp:style>
       <dsp:txBody>
-        <a:bodyPr spcFirstLastPara="0" vert="horz" wrap="square" lIns="360857" tIns="87630" rIns="163576" bIns="87630" numCol="1" spcCol="1270" anchor="ctr" anchorCtr="0">
+        <a:bodyPr spcFirstLastPara="0" vert="horz" wrap="square" lIns="295818" tIns="68580" rIns="128016" bIns="68580" numCol="1" spcCol="1270" anchor="ctr" anchorCtr="0">
           <a:noAutofit/>
         </a:bodyPr>
         <a:lstStyle/>
         <a:p>
-          <a:pPr lvl="0" algn="ctr" defTabSz="1022350">
+          <a:pPr lvl="0" algn="ctr" defTabSz="800100">
             <a:lnSpc>
               <a:spcPct val="90000"/>
             </a:lnSpc>
@@ -6515,63 +6123,63 @@
             </a:spcAft>
           </a:pPr>
           <a:r>
-            <a:rPr lang="en-US" sz="2300" kern="1200" dirty="0" err="1" smtClean="0"/>
+            <a:rPr lang="en-US" sz="1800" kern="1200" dirty="0" err="1" smtClean="0"/>
             <a:t>Giảm</a:t>
           </a:r>
           <a:r>
-            <a:rPr lang="en-US" sz="2300" kern="1200" dirty="0" smtClean="0"/>
+            <a:rPr lang="en-US" sz="1800" kern="1200" dirty="0" smtClean="0"/>
             <a:t> </a:t>
           </a:r>
           <a:r>
-            <a:rPr lang="en-US" sz="2300" kern="1200" dirty="0" err="1" smtClean="0"/>
+            <a:rPr lang="en-US" sz="1800" kern="1200" dirty="0" err="1" smtClean="0"/>
             <a:t>bớt</a:t>
           </a:r>
           <a:r>
-            <a:rPr lang="en-US" sz="2300" kern="1200" dirty="0" smtClean="0"/>
+            <a:rPr lang="en-US" sz="1800" kern="1200" dirty="0" smtClean="0"/>
             <a:t> </a:t>
           </a:r>
           <a:r>
-            <a:rPr lang="en-US" sz="2300" kern="1200" dirty="0" err="1" smtClean="0"/>
+            <a:rPr lang="en-US" sz="1800" kern="1200" dirty="0" err="1" smtClean="0"/>
             <a:t>thủ</a:t>
           </a:r>
           <a:r>
-            <a:rPr lang="en-US" sz="2300" kern="1200" dirty="0" smtClean="0"/>
+            <a:rPr lang="en-US" sz="1800" kern="1200" dirty="0" smtClean="0"/>
             <a:t> </a:t>
           </a:r>
           <a:r>
-            <a:rPr lang="en-US" sz="2300" kern="1200" dirty="0" err="1" smtClean="0"/>
+            <a:rPr lang="en-US" sz="1800" kern="1200" dirty="0" err="1" smtClean="0"/>
             <a:t>tục</a:t>
           </a:r>
           <a:r>
-            <a:rPr lang="en-US" sz="2300" kern="1200" dirty="0" smtClean="0"/>
+            <a:rPr lang="en-US" sz="1800" kern="1200" dirty="0" smtClean="0"/>
             <a:t> </a:t>
           </a:r>
           <a:r>
-            <a:rPr lang="en-US" sz="2300" kern="1200" dirty="0" err="1" smtClean="0"/>
+            <a:rPr lang="en-US" sz="1800" kern="1200" dirty="0" err="1" smtClean="0"/>
             <a:t>và</a:t>
           </a:r>
           <a:r>
-            <a:rPr lang="en-US" sz="2300" kern="1200" dirty="0" smtClean="0"/>
+            <a:rPr lang="en-US" sz="1800" kern="1200" dirty="0" smtClean="0"/>
             <a:t> </a:t>
           </a:r>
           <a:r>
-            <a:rPr lang="en-US" sz="2300" kern="1200" dirty="0" err="1" smtClean="0"/>
+            <a:rPr lang="en-US" sz="1800" kern="1200" dirty="0" err="1" smtClean="0"/>
             <a:t>giấy</a:t>
           </a:r>
           <a:r>
-            <a:rPr lang="en-US" sz="2300" kern="1200" dirty="0" smtClean="0"/>
+            <a:rPr lang="en-US" sz="1800" kern="1200" dirty="0" smtClean="0"/>
             <a:t> </a:t>
           </a:r>
           <a:r>
-            <a:rPr lang="en-US" sz="2300" kern="1200" dirty="0" err="1" smtClean="0"/>
+            <a:rPr lang="en-US" sz="1800" kern="1200" dirty="0" err="1" smtClean="0"/>
             <a:t>tờ</a:t>
           </a:r>
-          <a:endParaRPr lang="en-US" sz="2300" kern="1200" dirty="0"/>
+          <a:endParaRPr lang="en-US" sz="1800" kern="1200" dirty="0"/>
         </a:p>
       </dsp:txBody>
       <dsp:txXfrm rot="10800000">
-        <a:off x="1468531" y="1441"/>
-        <a:ext cx="4001279" cy="818322"/>
+        <a:off x="1216097" y="4"/>
+        <a:ext cx="3328729" cy="670831"/>
       </dsp:txXfrm>
     </dsp:sp>
     <dsp:sp modelId="{5B1959FF-6967-482A-AEE5-A020FB7483FD}">
@@ -6581,8 +6189,8 @@
       </dsp:nvSpPr>
       <dsp:spPr>
         <a:xfrm>
-          <a:off x="854789" y="1441"/>
-          <a:ext cx="818322" cy="818322"/>
+          <a:off x="712973" y="4"/>
+          <a:ext cx="670831" cy="670831"/>
         </a:xfrm>
         <a:prstGeom prst="ellipse">
           <a:avLst/>
@@ -6633,8 +6241,8 @@
       </dsp:nvSpPr>
       <dsp:spPr>
         <a:xfrm rot="10800000">
-          <a:off x="1263951" y="1064038"/>
-          <a:ext cx="4205859" cy="818322"/>
+          <a:off x="1048389" y="871084"/>
+          <a:ext cx="3496437" cy="670831"/>
         </a:xfrm>
         <a:prstGeom prst="homePlate">
           <a:avLst/>
@@ -6675,12 +6283,12 @@
         </a:fontRef>
       </dsp:style>
       <dsp:txBody>
-        <a:bodyPr spcFirstLastPara="0" vert="horz" wrap="square" lIns="360857" tIns="87630" rIns="163576" bIns="87630" numCol="1" spcCol="1270" anchor="ctr" anchorCtr="0">
+        <a:bodyPr spcFirstLastPara="0" vert="horz" wrap="square" lIns="295818" tIns="68580" rIns="128016" bIns="68580" numCol="1" spcCol="1270" anchor="ctr" anchorCtr="0">
           <a:noAutofit/>
         </a:bodyPr>
         <a:lstStyle/>
         <a:p>
-          <a:pPr lvl="0" algn="ctr" defTabSz="1022350">
+          <a:pPr lvl="0" algn="ctr" defTabSz="800100">
             <a:lnSpc>
               <a:spcPct val="90000"/>
             </a:lnSpc>
@@ -6692,39 +6300,47 @@
             </a:spcAft>
           </a:pPr>
           <a:r>
-            <a:rPr lang="en-US" sz="2300" kern="1200" dirty="0" err="1" smtClean="0"/>
-            <a:t>Nhân</a:t>
+            <a:rPr lang="en-US" sz="1800" kern="1200" dirty="0" err="1" smtClean="0"/>
+            <a:t>Hệ</a:t>
           </a:r>
           <a:r>
-            <a:rPr lang="en-US" sz="2300" kern="1200" dirty="0" smtClean="0"/>
+            <a:rPr lang="en-US" sz="1800" kern="1200" dirty="0" smtClean="0"/>
             <a:t> </a:t>
           </a:r>
           <a:r>
-            <a:rPr lang="en-US" sz="2300" kern="1200" dirty="0" err="1" smtClean="0"/>
-            <a:t>viên</a:t>
+            <a:rPr lang="en-US" sz="1800" kern="1200" dirty="0" err="1" smtClean="0"/>
+            <a:t>thống</a:t>
           </a:r>
           <a:r>
-            <a:rPr lang="en-US" sz="2300" kern="1200" dirty="0" smtClean="0"/>
+            <a:rPr lang="en-US" sz="1800" kern="1200" dirty="0" smtClean="0"/>
             <a:t> </a:t>
           </a:r>
           <a:r>
-            <a:rPr lang="en-US" sz="2300" kern="1200" dirty="0" err="1" smtClean="0"/>
-            <a:t>thông</a:t>
+            <a:rPr lang="en-US" sz="1800" kern="1200" dirty="0" err="1" smtClean="0"/>
+            <a:t>quá</a:t>
           </a:r>
           <a:r>
-            <a:rPr lang="en-US" sz="2300" kern="1200" dirty="0" smtClean="0"/>
+            <a:rPr lang="en-US" sz="1800" kern="1200" dirty="0" smtClean="0"/>
             <a:t> </a:t>
           </a:r>
           <a:r>
-            <a:rPr lang="en-US" sz="2300" kern="1200" dirty="0" err="1" smtClean="0"/>
-            <a:t>suốt</a:t>
+            <a:rPr lang="en-US" sz="1800" kern="1200" dirty="0" err="1" smtClean="0"/>
+            <a:t>dữ</a:t>
           </a:r>
-          <a:endParaRPr lang="en-US" sz="2300" kern="1200" dirty="0"/>
+          <a:r>
+            <a:rPr lang="en-US" sz="1800" kern="1200" dirty="0" smtClean="0"/>
+            <a:t> </a:t>
+          </a:r>
+          <a:r>
+            <a:rPr lang="en-US" sz="1800" kern="1200" dirty="0" err="1" smtClean="0"/>
+            <a:t>liệu</a:t>
+          </a:r>
+          <a:endParaRPr lang="en-US" sz="1800" kern="1200" dirty="0"/>
         </a:p>
       </dsp:txBody>
       <dsp:txXfrm rot="10800000">
-        <a:off x="1468531" y="1064038"/>
-        <a:ext cx="4001279" cy="818322"/>
+        <a:off x="1216097" y="871084"/>
+        <a:ext cx="3328729" cy="670831"/>
       </dsp:txXfrm>
     </dsp:sp>
     <dsp:sp modelId="{B21A502A-7D23-4A18-97ED-653CA75501E6}">
@@ -6734,8 +6350,8 @@
       </dsp:nvSpPr>
       <dsp:spPr>
         <a:xfrm>
-          <a:off x="854789" y="1064038"/>
-          <a:ext cx="818322" cy="818322"/>
+          <a:off x="712973" y="871084"/>
+          <a:ext cx="670831" cy="670831"/>
         </a:xfrm>
         <a:prstGeom prst="ellipse">
           <a:avLst/>
@@ -6786,8 +6402,8 @@
       </dsp:nvSpPr>
       <dsp:spPr>
         <a:xfrm rot="10800000">
-          <a:off x="1263951" y="2126636"/>
-          <a:ext cx="4205859" cy="818322"/>
+          <a:off x="1048389" y="1742164"/>
+          <a:ext cx="3496437" cy="670831"/>
         </a:xfrm>
         <a:prstGeom prst="homePlate">
           <a:avLst/>
@@ -6828,12 +6444,12 @@
         </a:fontRef>
       </dsp:style>
       <dsp:txBody>
-        <a:bodyPr spcFirstLastPara="0" vert="horz" wrap="square" lIns="360857" tIns="87630" rIns="163576" bIns="87630" numCol="1" spcCol="1270" anchor="ctr" anchorCtr="0">
+        <a:bodyPr spcFirstLastPara="0" vert="horz" wrap="square" lIns="295818" tIns="68580" rIns="128016" bIns="68580" numCol="1" spcCol="1270" anchor="ctr" anchorCtr="0">
           <a:noAutofit/>
         </a:bodyPr>
         <a:lstStyle/>
         <a:p>
-          <a:pPr lvl="0" algn="ctr" defTabSz="1022350">
+          <a:pPr lvl="0" algn="ctr" defTabSz="800100">
             <a:lnSpc>
               <a:spcPct val="90000"/>
             </a:lnSpc>
@@ -6845,63 +6461,63 @@
             </a:spcAft>
           </a:pPr>
           <a:r>
-            <a:rPr lang="en-US" sz="2300" kern="1200" dirty="0" err="1" smtClean="0"/>
+            <a:rPr lang="en-US" sz="1800" kern="1200" dirty="0" err="1" smtClean="0"/>
             <a:t>Tiết</a:t>
           </a:r>
           <a:r>
-            <a:rPr lang="en-US" sz="2300" kern="1200" dirty="0" smtClean="0"/>
+            <a:rPr lang="en-US" sz="1800" kern="1200" dirty="0" smtClean="0"/>
             <a:t> </a:t>
           </a:r>
           <a:r>
-            <a:rPr lang="en-US" sz="2300" kern="1200" dirty="0" err="1" smtClean="0"/>
+            <a:rPr lang="en-US" sz="1800" kern="1200" dirty="0" err="1" smtClean="0"/>
             <a:t>kiệm</a:t>
           </a:r>
           <a:r>
-            <a:rPr lang="en-US" sz="2300" kern="1200" dirty="0" smtClean="0"/>
+            <a:rPr lang="en-US" sz="1800" kern="1200" dirty="0" smtClean="0"/>
             <a:t> </a:t>
           </a:r>
           <a:r>
-            <a:rPr lang="en-US" sz="2300" kern="1200" dirty="0" err="1" smtClean="0"/>
+            <a:rPr lang="en-US" sz="1800" kern="1200" dirty="0" err="1" smtClean="0"/>
             <a:t>tài</a:t>
           </a:r>
           <a:r>
-            <a:rPr lang="en-US" sz="2300" kern="1200" dirty="0" smtClean="0"/>
+            <a:rPr lang="en-US" sz="1800" kern="1200" dirty="0" smtClean="0"/>
             <a:t> </a:t>
           </a:r>
           <a:r>
-            <a:rPr lang="en-US" sz="2300" kern="1200" dirty="0" err="1" smtClean="0"/>
+            <a:rPr lang="en-US" sz="1800" kern="1200" dirty="0" err="1" smtClean="0"/>
             <a:t>nguyên</a:t>
           </a:r>
           <a:r>
-            <a:rPr lang="en-US" sz="2300" kern="1200" dirty="0" smtClean="0"/>
+            <a:rPr lang="en-US" sz="1800" kern="1200" dirty="0" smtClean="0"/>
             <a:t> </a:t>
           </a:r>
           <a:r>
-            <a:rPr lang="en-US" sz="2300" kern="1200" dirty="0" err="1" smtClean="0"/>
+            <a:rPr lang="en-US" sz="1800" kern="1200" dirty="0" err="1" smtClean="0"/>
             <a:t>và</a:t>
           </a:r>
           <a:r>
-            <a:rPr lang="en-US" sz="2300" kern="1200" dirty="0" smtClean="0"/>
+            <a:rPr lang="en-US" sz="1800" kern="1200" dirty="0" smtClean="0"/>
             <a:t> </a:t>
           </a:r>
           <a:r>
-            <a:rPr lang="en-US" sz="2300" kern="1200" dirty="0" err="1" smtClean="0"/>
+            <a:rPr lang="en-US" sz="1800" kern="1200" dirty="0" err="1" smtClean="0"/>
             <a:t>nhân</a:t>
           </a:r>
           <a:r>
-            <a:rPr lang="en-US" sz="2300" kern="1200" dirty="0" smtClean="0"/>
+            <a:rPr lang="en-US" sz="1800" kern="1200" dirty="0" smtClean="0"/>
             <a:t> </a:t>
           </a:r>
           <a:r>
-            <a:rPr lang="en-US" sz="2300" kern="1200" dirty="0" err="1" smtClean="0"/>
+            <a:rPr lang="en-US" sz="1800" kern="1200" dirty="0" err="1" smtClean="0"/>
             <a:t>lực</a:t>
           </a:r>
-          <a:endParaRPr lang="en-US" sz="2300" kern="1200" dirty="0"/>
+          <a:endParaRPr lang="en-US" sz="1800" kern="1200" dirty="0"/>
         </a:p>
       </dsp:txBody>
       <dsp:txXfrm rot="10800000">
-        <a:off x="1468531" y="2126636"/>
-        <a:ext cx="4001279" cy="818322"/>
+        <a:off x="1216097" y="1742164"/>
+        <a:ext cx="3328729" cy="670831"/>
       </dsp:txXfrm>
     </dsp:sp>
     <dsp:sp modelId="{58E6AF23-00E1-42CA-AB03-FDC5223EA445}">
@@ -6911,8 +6527,8 @@
       </dsp:nvSpPr>
       <dsp:spPr>
         <a:xfrm>
-          <a:off x="854789" y="2126636"/>
-          <a:ext cx="818322" cy="818322"/>
+          <a:off x="712973" y="1742164"/>
+          <a:ext cx="670831" cy="670831"/>
         </a:xfrm>
         <a:prstGeom prst="ellipse">
           <a:avLst/>
@@ -6968,7 +6584,7 @@
       <dsp:cNvGrpSpPr/>
     </dsp:nvGrpSpPr>
     <dsp:grpSpPr/>
-    <dsp:sp modelId="{56BCDC24-0D36-4734-A0A9-43476DD5108B}">
+    <dsp:sp modelId="{C6D69278-CE40-4D64-B3F1-40C5A68AF9D4}">
       <dsp:nvSpPr>
         <dsp:cNvPr id="0" name=""/>
         <dsp:cNvSpPr/>
@@ -7077,7 +6693,7 @@
         <a:ext cx="805308" cy="345133"/>
       </dsp:txXfrm>
     </dsp:sp>
-    <dsp:sp modelId="{C6F09409-03DD-49D6-9337-52549033DDF5}">
+    <dsp:sp modelId="{855FFCB4-9CB3-4483-A020-626E4F31A07B}">
       <dsp:nvSpPr>
         <dsp:cNvPr id="0" name=""/>
         <dsp:cNvSpPr/>
@@ -7138,12 +6754,12 @@
         <a:fontRef idx="minor"/>
       </dsp:style>
       <dsp:txBody>
-        <a:bodyPr spcFirstLastPara="0" vert="horz" wrap="square" lIns="142240" tIns="12700" rIns="12700" bIns="12700" numCol="1" spcCol="1270" anchor="ctr" anchorCtr="0">
+        <a:bodyPr spcFirstLastPara="0" vert="horz" wrap="square" lIns="128016" tIns="11430" rIns="11430" bIns="11430" numCol="1" spcCol="1270" anchor="ctr" anchorCtr="0">
           <a:noAutofit/>
         </a:bodyPr>
         <a:lstStyle/>
         <a:p>
-          <a:pPr marL="228600" lvl="1" indent="-228600" algn="l" defTabSz="889000">
+          <a:pPr marL="171450" lvl="1" indent="-171450" algn="l" defTabSz="800100">
             <a:lnSpc>
               <a:spcPct val="90000"/>
             </a:lnSpc>
@@ -7156,62 +6772,10 @@
             <a:buChar char="••"/>
           </a:pPr>
           <a:r>
-            <a:rPr lang="en-US" sz="2000" kern="1200" dirty="0" err="1" smtClean="0"/>
-            <a:t>Thiết</a:t>
+            <a:rPr lang="en-US" sz="1800" kern="1200" smtClean="0"/>
+            <a:t>Xây dựng Database</a:t>
           </a:r>
-          <a:r>
-            <a:rPr lang="en-US" sz="2000" kern="1200" dirty="0" smtClean="0"/>
-            <a:t> </a:t>
-          </a:r>
-          <a:r>
-            <a:rPr lang="en-US" sz="2000" kern="1200" dirty="0" err="1" smtClean="0"/>
-            <a:t>kế</a:t>
-          </a:r>
-          <a:r>
-            <a:rPr lang="en-US" sz="2000" kern="1200" dirty="0" smtClean="0"/>
-            <a:t> </a:t>
-          </a:r>
-          <a:r>
-            <a:rPr lang="en-US" sz="2000" kern="1200" dirty="0" err="1" smtClean="0"/>
-            <a:t>giao</a:t>
-          </a:r>
-          <a:r>
-            <a:rPr lang="en-US" sz="2000" kern="1200" dirty="0" smtClean="0"/>
-            <a:t> </a:t>
-          </a:r>
-          <a:r>
-            <a:rPr lang="en-US" sz="2000" kern="1200" dirty="0" err="1" smtClean="0"/>
-            <a:t>diện</a:t>
-          </a:r>
-          <a:r>
-            <a:rPr lang="en-US" sz="2000" kern="1200" dirty="0" smtClean="0"/>
-            <a:t> </a:t>
-          </a:r>
-          <a:r>
-            <a:rPr lang="en-US" sz="2000" kern="1200" dirty="0" err="1" smtClean="0"/>
-            <a:t>tương</a:t>
-          </a:r>
-          <a:r>
-            <a:rPr lang="en-US" sz="2000" kern="1200" dirty="0" smtClean="0"/>
-            <a:t> </a:t>
-          </a:r>
-          <a:r>
-            <a:rPr lang="en-US" sz="2000" kern="1200" dirty="0" err="1" smtClean="0"/>
-            <a:t>tác</a:t>
-          </a:r>
-          <a:r>
-            <a:rPr lang="en-US" sz="2000" kern="1200" dirty="0" smtClean="0"/>
-            <a:t> </a:t>
-          </a:r>
-          <a:r>
-            <a:rPr lang="en-US" sz="2000" kern="1200" dirty="0" err="1" smtClean="0"/>
-            <a:t>với</a:t>
-          </a:r>
-          <a:r>
-            <a:rPr lang="en-US" sz="2000" kern="1200" dirty="0" smtClean="0"/>
-            <a:t> User</a:t>
-          </a:r>
-          <a:endParaRPr lang="en-US" sz="2000" kern="1200" dirty="0"/>
+          <a:endParaRPr lang="en-US" b="1" kern="1200" dirty="0"/>
         </a:p>
       </dsp:txBody>
       <dsp:txXfrm rot="-5400000">
@@ -7219,7 +6783,7 @@
         <a:ext cx="4568387" cy="674778"/>
       </dsp:txXfrm>
     </dsp:sp>
-    <dsp:sp modelId="{C6D69278-CE40-4D64-B3F1-40C5A68AF9D4}">
+    <dsp:sp modelId="{87F4067F-155E-4FC0-A6DF-76EF306AD637}">
       <dsp:nvSpPr>
         <dsp:cNvPr id="0" name=""/>
         <dsp:cNvSpPr/>
@@ -7328,7 +6892,7 @@
         <a:ext cx="805308" cy="345133"/>
       </dsp:txXfrm>
     </dsp:sp>
-    <dsp:sp modelId="{855FFCB4-9CB3-4483-A020-626E4F31A07B}">
+    <dsp:sp modelId="{90CDE7F8-497E-4116-AE3A-878A849BDFAF}">
       <dsp:nvSpPr>
         <dsp:cNvPr id="0" name=""/>
         <dsp:cNvSpPr/>
@@ -7389,12 +6953,12 @@
         <a:fontRef idx="minor"/>
       </dsp:style>
       <dsp:txBody>
-        <a:bodyPr spcFirstLastPara="0" vert="horz" wrap="square" lIns="142240" tIns="12700" rIns="12700" bIns="12700" numCol="1" spcCol="1270" anchor="ctr" anchorCtr="0">
+        <a:bodyPr spcFirstLastPara="0" vert="horz" wrap="square" lIns="128016" tIns="11430" rIns="11430" bIns="11430" numCol="1" spcCol="1270" anchor="ctr" anchorCtr="0">
           <a:noAutofit/>
         </a:bodyPr>
         <a:lstStyle/>
         <a:p>
-          <a:pPr marL="228600" lvl="1" indent="-228600" algn="l" defTabSz="889000">
+          <a:pPr marL="171450" lvl="1" indent="-171450" algn="l" defTabSz="800100">
             <a:lnSpc>
               <a:spcPct val="90000"/>
             </a:lnSpc>
@@ -7407,58 +6971,10 @@
             <a:buChar char="••"/>
           </a:pPr>
           <a:r>
-            <a:rPr lang="en-US" sz="2000" kern="1200" dirty="0" err="1" smtClean="0"/>
-            <a:t>Thiết</a:t>
+            <a:rPr lang="en-US" sz="1800" kern="1200" smtClean="0"/>
+            <a:t>Thiết kế các tính toán nghiệp vụ</a:t>
           </a:r>
-          <a:r>
-            <a:rPr lang="en-US" sz="2000" kern="1200" dirty="0" smtClean="0"/>
-            <a:t> </a:t>
-          </a:r>
-          <a:r>
-            <a:rPr lang="en-US" sz="2000" kern="1200" dirty="0" err="1" smtClean="0"/>
-            <a:t>kế</a:t>
-          </a:r>
-          <a:r>
-            <a:rPr lang="en-US" sz="2000" kern="1200" dirty="0" smtClean="0"/>
-            <a:t> </a:t>
-          </a:r>
-          <a:r>
-            <a:rPr lang="en-US" sz="2000" kern="1200" dirty="0" err="1" smtClean="0"/>
-            <a:t>các</a:t>
-          </a:r>
-          <a:r>
-            <a:rPr lang="en-US" sz="2000" kern="1200" dirty="0" smtClean="0"/>
-            <a:t> </a:t>
-          </a:r>
-          <a:r>
-            <a:rPr lang="en-US" sz="2000" kern="1200" dirty="0" err="1" smtClean="0"/>
-            <a:t>tính</a:t>
-          </a:r>
-          <a:r>
-            <a:rPr lang="en-US" sz="2000" kern="1200" dirty="0" smtClean="0"/>
-            <a:t> </a:t>
-          </a:r>
-          <a:r>
-            <a:rPr lang="en-US" sz="2000" kern="1200" dirty="0" err="1" smtClean="0"/>
-            <a:t>toán</a:t>
-          </a:r>
-          <a:r>
-            <a:rPr lang="en-US" sz="2000" kern="1200" dirty="0" smtClean="0"/>
-            <a:t> </a:t>
-          </a:r>
-          <a:r>
-            <a:rPr lang="en-US" sz="2000" kern="1200" dirty="0" err="1" smtClean="0"/>
-            <a:t>nghiệp</a:t>
-          </a:r>
-          <a:r>
-            <a:rPr lang="en-US" sz="2000" kern="1200" dirty="0" smtClean="0"/>
-            <a:t> </a:t>
-          </a:r>
-          <a:r>
-            <a:rPr lang="en-US" sz="2000" kern="1200" dirty="0" err="1" smtClean="0"/>
-            <a:t>vụ</a:t>
-          </a:r>
-          <a:endParaRPr lang="en-US" sz="2000" kern="1200" dirty="0"/>
+          <a:endParaRPr lang="en-US" sz="2200" b="1" kern="1200" dirty="0"/>
         </a:p>
       </dsp:txBody>
       <dsp:txXfrm rot="-5400000">
@@ -7466,7 +6982,7 @@
         <a:ext cx="4568387" cy="674778"/>
       </dsp:txXfrm>
     </dsp:sp>
-    <dsp:sp modelId="{3F2025DD-95FE-4073-A9DE-893A74C101F4}">
+    <dsp:sp modelId="{9D2B7B2E-ECC0-46B1-BE21-DB0DD3389B55}">
       <dsp:nvSpPr>
         <dsp:cNvPr id="0" name=""/>
         <dsp:cNvSpPr/>
@@ -7575,7 +7091,7 @@
         <a:ext cx="805308" cy="345133"/>
       </dsp:txXfrm>
     </dsp:sp>
-    <dsp:sp modelId="{0A9FBA5C-B33B-424E-BA30-9A3FDFDDA7DC}">
+    <dsp:sp modelId="{273533B1-BBC4-42E4-A9DF-AD6DA4B02E54}">
       <dsp:nvSpPr>
         <dsp:cNvPr id="0" name=""/>
         <dsp:cNvSpPr/>
@@ -7636,12 +7152,12 @@
         <a:fontRef idx="minor"/>
       </dsp:style>
       <dsp:txBody>
-        <a:bodyPr spcFirstLastPara="0" vert="horz" wrap="square" lIns="170688" tIns="15240" rIns="15240" bIns="15240" numCol="1" spcCol="1270" anchor="ctr" anchorCtr="0">
+        <a:bodyPr spcFirstLastPara="0" vert="horz" wrap="square" lIns="256032" tIns="22860" rIns="22860" bIns="22860" numCol="1" spcCol="1270" anchor="ctr" anchorCtr="0">
           <a:noAutofit/>
         </a:bodyPr>
         <a:lstStyle/>
         <a:p>
-          <a:pPr marL="228600" lvl="1" indent="-228600" algn="l" defTabSz="1066800">
+          <a:pPr marL="285750" lvl="1" indent="-285750" algn="l" defTabSz="1600200">
             <a:lnSpc>
               <a:spcPct val="90000"/>
             </a:lnSpc>
@@ -7654,20 +7170,60 @@
             <a:buChar char="••"/>
           </a:pPr>
           <a:r>
-            <a:rPr lang="en-US" sz="2400" kern="1200" dirty="0" err="1" smtClean="0"/>
-            <a:t>Xây</a:t>
+            <a:rPr lang="en-US" kern="1200" dirty="0" err="1" smtClean="0"/>
+            <a:t>Thiết</a:t>
           </a:r>
           <a:r>
-            <a:rPr lang="en-US" sz="2400" kern="1200" dirty="0" smtClean="0"/>
+            <a:rPr lang="en-US" kern="1200" dirty="0" smtClean="0"/>
             <a:t> </a:t>
           </a:r>
           <a:r>
-            <a:rPr lang="en-US" sz="2400" kern="1200" dirty="0" err="1" smtClean="0"/>
-            <a:t>dựng</a:t>
+            <a:rPr lang="en-US" kern="1200" dirty="0" err="1" smtClean="0"/>
+            <a:t>kế</a:t>
           </a:r>
           <a:r>
-            <a:rPr lang="en-US" sz="2400" kern="1200" dirty="0" smtClean="0"/>
-            <a:t> Database</a:t>
+            <a:rPr lang="en-US" kern="1200" dirty="0" smtClean="0"/>
+            <a:t> </a:t>
+          </a:r>
+          <a:r>
+            <a:rPr lang="en-US" kern="1200" dirty="0" err="1" smtClean="0"/>
+            <a:t>giao</a:t>
+          </a:r>
+          <a:r>
+            <a:rPr lang="en-US" kern="1200" dirty="0" smtClean="0"/>
+            <a:t> </a:t>
+          </a:r>
+          <a:r>
+            <a:rPr lang="en-US" kern="1200" dirty="0" err="1" smtClean="0"/>
+            <a:t>diện</a:t>
+          </a:r>
+          <a:r>
+            <a:rPr lang="en-US" kern="1200" dirty="0" smtClean="0"/>
+            <a:t> </a:t>
+          </a:r>
+          <a:r>
+            <a:rPr lang="en-US" kern="1200" dirty="0" err="1" smtClean="0"/>
+            <a:t>tương</a:t>
+          </a:r>
+          <a:r>
+            <a:rPr lang="en-US" kern="1200" dirty="0" smtClean="0"/>
+            <a:t> </a:t>
+          </a:r>
+          <a:r>
+            <a:rPr lang="en-US" kern="1200" dirty="0" err="1" smtClean="0"/>
+            <a:t>tác</a:t>
+          </a:r>
+          <a:r>
+            <a:rPr lang="en-US" kern="1200" dirty="0" smtClean="0"/>
+            <a:t> </a:t>
+          </a:r>
+          <a:r>
+            <a:rPr lang="en-US" kern="1200" dirty="0" err="1" smtClean="0"/>
+            <a:t>với</a:t>
+          </a:r>
+          <a:r>
+            <a:rPr lang="en-US" kern="1200" dirty="0" smtClean="0"/>
+            <a:t> User</a:t>
           </a:r>
           <a:endParaRPr lang="en-US" sz="2400" kern="1200" dirty="0"/>
         </a:p>
@@ -28837,7 +28393,7 @@
           </a:stretch>
         </p:blipFill>
         <p:spPr bwMode="auto">
-          <a:xfrm rot="21112660">
+          <a:xfrm rot="1196461">
             <a:off x="5349058" y="2196751"/>
             <a:ext cx="1243016" cy="1822719"/>
           </a:xfrm>
@@ -29009,6 +28565,129 @@
             <p:ph type="title"/>
           </p:nvPr>
         </p:nvSpPr>
+        <p:spPr/>
+        <p:txBody>
+          <a:bodyPr/>
+          <a:lstStyle/>
+          <a:p>
+            <a:r>
+              <a:rPr lang="en-US" dirty="0" smtClean="0"/>
+              <a:t>MỤC TIÊU ĐỀ TÀI</a:t>
+            </a:r>
+            <a:endParaRPr lang="en-US" dirty="0"/>
+          </a:p>
+        </p:txBody>
+      </p:sp>
+      <p:graphicFrame>
+        <p:nvGraphicFramePr>
+          <p:cNvPr id="4" name="Diagram 3"/>
+          <p:cNvGraphicFramePr/>
+          <p:nvPr>
+            <p:extLst>
+              <p:ext uri="{D42A27DB-BD31-4B8C-83A1-F6EECF244321}">
+                <p14:modId xmlns:p14="http://schemas.microsoft.com/office/powerpoint/2010/main" val="1326078800"/>
+              </p:ext>
+            </p:extLst>
+          </p:nvPr>
+        </p:nvGraphicFramePr>
+        <p:xfrm>
+          <a:off x="3733800" y="1962150"/>
+          <a:ext cx="5257800" cy="2413000"/>
+        </p:xfrm>
+        <a:graphic>
+          <a:graphicData uri="http://schemas.openxmlformats.org/drawingml/2006/diagram">
+            <dgm:relIds xmlns:dgm="http://schemas.openxmlformats.org/drawingml/2006/diagram" xmlns:r="http://schemas.openxmlformats.org/officeDocument/2006/relationships" r:dm="rId2" r:lo="rId3" r:qs="rId4" r:cs="rId5"/>
+          </a:graphicData>
+        </a:graphic>
+      </p:graphicFrame>
+      <p:pic>
+        <p:nvPicPr>
+          <p:cNvPr id="2050" name="Picture 2" descr="http://d2t1d7q4hvqel5.cloudfront.net/wp-content/uploads/2015/06/Costs-down-efficiency-up.jpg"/>
+          <p:cNvPicPr>
+            <a:picLocks noChangeAspect="1" noChangeArrowheads="1"/>
+          </p:cNvPicPr>
+          <p:nvPr/>
+        </p:nvPicPr>
+        <p:blipFill>
+          <a:blip r:embed="rId7">
+            <a:extLst>
+              <a:ext uri="{28A0092B-C50C-407E-A947-70E740481C1C}">
+                <a14:useLocalDpi xmlns:a14="http://schemas.microsoft.com/office/drawing/2010/main" val="0"/>
+              </a:ext>
+            </a:extLst>
+          </a:blip>
+          <a:srcRect/>
+          <a:stretch>
+            <a:fillRect/>
+          </a:stretch>
+        </p:blipFill>
+        <p:spPr bwMode="auto">
+          <a:xfrm>
+            <a:off x="533400" y="1962150"/>
+            <a:ext cx="3476625" cy="2381250"/>
+          </a:xfrm>
+          <a:prstGeom prst="rect">
+            <a:avLst/>
+          </a:prstGeom>
+          <a:noFill/>
+          <a:extLst>
+            <a:ext uri="{909E8E84-426E-40DD-AFC4-6F175D3DCCD1}">
+              <a14:hiddenFill xmlns:a14="http://schemas.microsoft.com/office/drawing/2010/main">
+                <a:solidFill>
+                  <a:srgbClr val="FFFFFF"/>
+                </a:solidFill>
+              </a14:hiddenFill>
+            </a:ext>
+          </a:extLst>
+        </p:spPr>
+      </p:pic>
+    </p:spTree>
+    <p:extLst>
+      <p:ext uri="{BB962C8B-B14F-4D97-AF65-F5344CB8AC3E}">
+        <p14:creationId xmlns:p14="http://schemas.microsoft.com/office/powerpoint/2010/main" val="3250442140"/>
+      </p:ext>
+    </p:extLst>
+  </p:cSld>
+  <p:clrMapOvr>
+    <a:masterClrMapping/>
+  </p:clrMapOvr>
+  <p:timing>
+    <p:tnLst>
+      <p:par>
+        <p:cTn id="1" dur="indefinite" restart="never" nodeType="tmRoot"/>
+      </p:par>
+    </p:tnLst>
+  </p:timing>
+</p:sld>
+</file>
+
+<file path=ppt/slides/slide11.xml><?xml version="1.0" encoding="utf-8"?>
+<p:sld xmlns:a="http://schemas.openxmlformats.org/drawingml/2006/main" xmlns:r="http://schemas.openxmlformats.org/officeDocument/2006/relationships" xmlns:p="http://schemas.openxmlformats.org/presentationml/2006/main">
+  <p:cSld>
+    <p:spTree>
+      <p:nvGrpSpPr>
+        <p:cNvPr id="1" name=""/>
+        <p:cNvGrpSpPr/>
+        <p:nvPr/>
+      </p:nvGrpSpPr>
+      <p:grpSpPr>
+        <a:xfrm>
+          <a:off x="0" y="0"/>
+          <a:ext cx="0" cy="0"/>
+          <a:chOff x="0" y="0"/>
+          <a:chExt cx="0" cy="0"/>
+        </a:xfrm>
+      </p:grpSpPr>
+      <p:sp>
+        <p:nvSpPr>
+          <p:cNvPr id="3" name="Title 2"/>
+          <p:cNvSpPr>
+            <a:spLocks noGrp="1"/>
+          </p:cNvSpPr>
+          <p:nvPr>
+            <p:ph type="title"/>
+          </p:nvPr>
+        </p:nvSpPr>
         <p:spPr>
           <a:xfrm>
             <a:off x="533400" y="2286000"/>
@@ -29057,7 +28736,295 @@
 </p:sld>
 </file>
 
-<file path=ppt/slides/slide11.xml><?xml version="1.0" encoding="utf-8"?>
+<file path=ppt/slides/slide12.xml><?xml version="1.0" encoding="utf-8"?>
+<p:sld xmlns:a="http://schemas.openxmlformats.org/drawingml/2006/main" xmlns:r="http://schemas.openxmlformats.org/officeDocument/2006/relationships" xmlns:p="http://schemas.openxmlformats.org/presentationml/2006/main">
+  <p:cSld>
+    <p:spTree>
+      <p:nvGrpSpPr>
+        <p:cNvPr id="1" name=""/>
+        <p:cNvGrpSpPr/>
+        <p:nvPr/>
+      </p:nvGrpSpPr>
+      <p:grpSpPr>
+        <a:xfrm>
+          <a:off x="0" y="0"/>
+          <a:ext cx="0" cy="0"/>
+          <a:chOff x="0" y="0"/>
+          <a:chExt cx="0" cy="0"/>
+        </a:xfrm>
+      </p:grpSpPr>
+      <p:sp>
+        <p:nvSpPr>
+          <p:cNvPr id="3" name="Title 2"/>
+          <p:cNvSpPr>
+            <a:spLocks noGrp="1"/>
+          </p:cNvSpPr>
+          <p:nvPr>
+            <p:ph type="title"/>
+          </p:nvPr>
+        </p:nvSpPr>
+        <p:spPr/>
+        <p:txBody>
+          <a:bodyPr/>
+          <a:lstStyle/>
+          <a:p>
+            <a:r>
+              <a:rPr lang="en-US" dirty="0" smtClean="0"/>
+              <a:t>HIỆN THỰC HỆ THỐNG</a:t>
+            </a:r>
+            <a:endParaRPr lang="en-US" dirty="0"/>
+          </a:p>
+        </p:txBody>
+      </p:sp>
+      <p:graphicFrame>
+        <p:nvGraphicFramePr>
+          <p:cNvPr id="18" name="Diagram 17"/>
+          <p:cNvGraphicFramePr/>
+          <p:nvPr>
+            <p:extLst>
+              <p:ext uri="{D42A27DB-BD31-4B8C-83A1-F6EECF244321}">
+                <p14:modId xmlns:p14="http://schemas.microsoft.com/office/powerpoint/2010/main" val="752525357"/>
+              </p:ext>
+            </p:extLst>
+          </p:nvPr>
+        </p:nvGraphicFramePr>
+        <p:xfrm>
+          <a:off x="3276600" y="1581150"/>
+          <a:ext cx="5410200" cy="3048000"/>
+        </p:xfrm>
+        <a:graphic>
+          <a:graphicData uri="http://schemas.openxmlformats.org/drawingml/2006/diagram">
+            <dgm:relIds xmlns:dgm="http://schemas.openxmlformats.org/drawingml/2006/diagram" xmlns:r="http://schemas.openxmlformats.org/officeDocument/2006/relationships" r:dm="rId2" r:lo="rId3" r:qs="rId4" r:cs="rId5"/>
+          </a:graphicData>
+        </a:graphic>
+      </p:graphicFrame>
+      <p:sp>
+        <p:nvSpPr>
+          <p:cNvPr id="2" name="Rounded Rectangle 1"/>
+          <p:cNvSpPr/>
+          <p:nvPr/>
+        </p:nvSpPr>
+        <p:spPr>
+          <a:xfrm>
+            <a:off x="457200" y="1787492"/>
+            <a:ext cx="2133600" cy="609600"/>
+          </a:xfrm>
+          <a:prstGeom prst="roundRect">
+            <a:avLst/>
+          </a:prstGeom>
+        </p:spPr>
+        <p:style>
+          <a:lnRef idx="2">
+            <a:schemeClr val="accent1">
+              <a:shade val="50000"/>
+            </a:schemeClr>
+          </a:lnRef>
+          <a:fillRef idx="1">
+            <a:schemeClr val="accent1"/>
+          </a:fillRef>
+          <a:effectRef idx="0">
+            <a:schemeClr val="accent1"/>
+          </a:effectRef>
+          <a:fontRef idx="minor">
+            <a:schemeClr val="lt1"/>
+          </a:fontRef>
+        </p:style>
+        <p:txBody>
+          <a:bodyPr rtlCol="0" anchor="ctr"/>
+          <a:lstStyle/>
+          <a:p>
+            <a:pPr algn="ctr"/>
+            <a:r>
+              <a:rPr lang="en-US" dirty="0" smtClean="0"/>
+              <a:t>Database</a:t>
+            </a:r>
+            <a:endParaRPr lang="en-US" dirty="0"/>
+          </a:p>
+        </p:txBody>
+      </p:sp>
+      <p:sp>
+        <p:nvSpPr>
+          <p:cNvPr id="9" name="Rounded Rectangle 8"/>
+          <p:cNvSpPr/>
+          <p:nvPr/>
+        </p:nvSpPr>
+        <p:spPr>
+          <a:xfrm>
+            <a:off x="457200" y="2724150"/>
+            <a:ext cx="2133600" cy="609600"/>
+          </a:xfrm>
+          <a:prstGeom prst="roundRect">
+            <a:avLst/>
+          </a:prstGeom>
+        </p:spPr>
+        <p:style>
+          <a:lnRef idx="2">
+            <a:schemeClr val="accent1">
+              <a:shade val="50000"/>
+            </a:schemeClr>
+          </a:lnRef>
+          <a:fillRef idx="1">
+            <a:schemeClr val="accent1"/>
+          </a:fillRef>
+          <a:effectRef idx="0">
+            <a:schemeClr val="accent1"/>
+          </a:effectRef>
+          <a:fontRef idx="minor">
+            <a:schemeClr val="lt1"/>
+          </a:fontRef>
+        </p:style>
+        <p:txBody>
+          <a:bodyPr rtlCol="0" anchor="ctr"/>
+          <a:lstStyle/>
+          <a:p>
+            <a:pPr algn="ctr"/>
+            <a:r>
+              <a:rPr lang="en-US" dirty="0" smtClean="0"/>
+              <a:t>Business</a:t>
+            </a:r>
+            <a:endParaRPr lang="en-US" dirty="0"/>
+          </a:p>
+        </p:txBody>
+      </p:sp>
+      <p:sp>
+        <p:nvSpPr>
+          <p:cNvPr id="10" name="Rounded Rectangle 9"/>
+          <p:cNvSpPr/>
+          <p:nvPr/>
+        </p:nvSpPr>
+        <p:spPr>
+          <a:xfrm>
+            <a:off x="457200" y="3638550"/>
+            <a:ext cx="2133600" cy="609600"/>
+          </a:xfrm>
+          <a:prstGeom prst="roundRect">
+            <a:avLst/>
+          </a:prstGeom>
+        </p:spPr>
+        <p:style>
+          <a:lnRef idx="2">
+            <a:schemeClr val="accent1">
+              <a:shade val="50000"/>
+            </a:schemeClr>
+          </a:lnRef>
+          <a:fillRef idx="1">
+            <a:schemeClr val="accent1"/>
+          </a:fillRef>
+          <a:effectRef idx="0">
+            <a:schemeClr val="accent1"/>
+          </a:effectRef>
+          <a:fontRef idx="minor">
+            <a:schemeClr val="lt1"/>
+          </a:fontRef>
+        </p:style>
+        <p:txBody>
+          <a:bodyPr rtlCol="0" anchor="ctr"/>
+          <a:lstStyle/>
+          <a:p>
+            <a:pPr algn="ctr"/>
+            <a:r>
+              <a:rPr lang="en-US" dirty="0" smtClean="0"/>
+              <a:t>Presentation</a:t>
+            </a:r>
+            <a:endParaRPr lang="en-US" dirty="0"/>
+          </a:p>
+        </p:txBody>
+      </p:sp>
+      <p:cxnSp>
+        <p:nvCxnSpPr>
+          <p:cNvPr id="12" name="Straight Arrow Connector 11"/>
+          <p:cNvCxnSpPr>
+            <a:stCxn id="2" idx="2"/>
+            <a:endCxn id="9" idx="0"/>
+          </p:cNvCxnSpPr>
+          <p:nvPr/>
+        </p:nvCxnSpPr>
+        <p:spPr>
+          <a:xfrm>
+            <a:off x="1524000" y="2397092"/>
+            <a:ext cx="0" cy="327058"/>
+          </a:xfrm>
+          <a:prstGeom prst="straightConnector1">
+            <a:avLst/>
+          </a:prstGeom>
+          <a:ln w="25400">
+            <a:headEnd type="arrow" w="sm" len="sm"/>
+            <a:tailEnd type="arrow" w="sm" len="sm"/>
+          </a:ln>
+        </p:spPr>
+        <p:style>
+          <a:lnRef idx="1">
+            <a:schemeClr val="accent1"/>
+          </a:lnRef>
+          <a:fillRef idx="0">
+            <a:schemeClr val="accent1"/>
+          </a:fillRef>
+          <a:effectRef idx="0">
+            <a:schemeClr val="accent1"/>
+          </a:effectRef>
+          <a:fontRef idx="minor">
+            <a:schemeClr val="tx1"/>
+          </a:fontRef>
+        </p:style>
+      </p:cxnSp>
+      <p:cxnSp>
+        <p:nvCxnSpPr>
+          <p:cNvPr id="14" name="Straight Arrow Connector 13"/>
+          <p:cNvCxnSpPr>
+            <a:stCxn id="9" idx="2"/>
+            <a:endCxn id="10" idx="0"/>
+          </p:cNvCxnSpPr>
+          <p:nvPr/>
+        </p:nvCxnSpPr>
+        <p:spPr>
+          <a:xfrm>
+            <a:off x="1524000" y="3333750"/>
+            <a:ext cx="0" cy="304800"/>
+          </a:xfrm>
+          <a:prstGeom prst="straightConnector1">
+            <a:avLst/>
+          </a:prstGeom>
+          <a:ln w="25400">
+            <a:headEnd type="arrow" w="sm" len="sm"/>
+            <a:tailEnd type="arrow" w="sm" len="sm"/>
+          </a:ln>
+        </p:spPr>
+        <p:style>
+          <a:lnRef idx="1">
+            <a:schemeClr val="accent1"/>
+          </a:lnRef>
+          <a:fillRef idx="0">
+            <a:schemeClr val="accent1"/>
+          </a:fillRef>
+          <a:effectRef idx="0">
+            <a:schemeClr val="accent1"/>
+          </a:effectRef>
+          <a:fontRef idx="minor">
+            <a:schemeClr val="tx1"/>
+          </a:fontRef>
+        </p:style>
+      </p:cxnSp>
+    </p:spTree>
+    <p:extLst>
+      <p:ext uri="{BB962C8B-B14F-4D97-AF65-F5344CB8AC3E}">
+        <p14:creationId xmlns:p14="http://schemas.microsoft.com/office/powerpoint/2010/main" val="2448920553"/>
+      </p:ext>
+    </p:extLst>
+  </p:cSld>
+  <p:clrMapOvr>
+    <a:masterClrMapping/>
+  </p:clrMapOvr>
+  <p:timing>
+    <p:tnLst>
+      <p:par>
+        <p:cTn id="1" dur="indefinite" restart="never" nodeType="tmRoot"/>
+      </p:par>
+    </p:tnLst>
+  </p:timing>
+</p:sld>
+</file>
+
+<file path=ppt/slides/slide13.xml><?xml version="1.0" encoding="utf-8"?>
 <p:sld xmlns:a="http://schemas.openxmlformats.org/drawingml/2006/main" xmlns:r="http://schemas.openxmlformats.org/officeDocument/2006/relationships" xmlns:p="http://schemas.openxmlformats.org/presentationml/2006/main">
   <p:cSld>
     <p:spTree>
@@ -29189,7 +29156,6 @@
               <a:rPr lang="en-US" dirty="0" smtClean="0"/>
               <a:t>:</a:t>
             </a:r>
-            <a:endParaRPr lang="en-US" dirty="0" smtClean="0"/>
           </a:p>
           <a:p>
             <a:r>
@@ -29275,7 +29241,6 @@
               <a:rPr lang="en-US" dirty="0" smtClean="0"/>
               <a:t>.</a:t>
             </a:r>
-            <a:endParaRPr lang="en-US" dirty="0" smtClean="0"/>
           </a:p>
           <a:p>
             <a:pPr marL="342900" indent="-342900">
@@ -29353,7 +29318,6 @@
               <a:rPr lang="en-US" dirty="0" smtClean="0"/>
               <a:t>.</a:t>
             </a:r>
-            <a:endParaRPr lang="en-US" dirty="0" smtClean="0"/>
           </a:p>
           <a:p>
             <a:pPr marL="342900" indent="-342900">
@@ -29471,7 +29435,6 @@
               <a:rPr lang="en-US" dirty="0" smtClean="0"/>
               <a:t>.</a:t>
             </a:r>
-            <a:endParaRPr lang="en-US" dirty="0" smtClean="0"/>
           </a:p>
         </p:txBody>
       </p:sp>
@@ -29495,7 +29458,7 @@
 </p:sld>
 </file>
 
-<file path=ppt/slides/slide12.xml><?xml version="1.0" encoding="utf-8"?>
+<file path=ppt/slides/slide14.xml><?xml version="1.0" encoding="utf-8"?>
 <p:sld xmlns:a="http://schemas.openxmlformats.org/drawingml/2006/main" xmlns:r="http://schemas.openxmlformats.org/officeDocument/2006/relationships" xmlns:p="http://schemas.openxmlformats.org/presentationml/2006/main">
   <p:cSld>
     <p:spTree>
@@ -29976,7 +29939,7 @@
 </p:sld>
 </file>
 
-<file path=ppt/slides/slide13.xml><?xml version="1.0" encoding="utf-8"?>
+<file path=ppt/slides/slide15.xml><?xml version="1.0" encoding="utf-8"?>
 <p:sld xmlns:a="http://schemas.openxmlformats.org/drawingml/2006/main" xmlns:r="http://schemas.openxmlformats.org/officeDocument/2006/relationships" xmlns:p="http://schemas.openxmlformats.org/presentationml/2006/main">
   <p:cSld>
     <p:spTree>
@@ -30055,10 +30018,17 @@
   <p:clrMapOvr>
     <a:masterClrMapping/>
   </p:clrMapOvr>
+  <p:timing>
+    <p:tnLst>
+      <p:par>
+        <p:cTn id="1" dur="indefinite" restart="never" nodeType="tmRoot"/>
+      </p:par>
+    </p:tnLst>
+  </p:timing>
 </p:sld>
 </file>
 
-<file path=ppt/slides/slide14.xml><?xml version="1.0" encoding="utf-8"?>
+<file path=ppt/slides/slide16.xml><?xml version="1.0" encoding="utf-8"?>
 <p:sld xmlns:a="http://schemas.openxmlformats.org/drawingml/2006/main" xmlns:r="http://schemas.openxmlformats.org/officeDocument/2006/relationships" xmlns:p="http://schemas.openxmlformats.org/presentationml/2006/main">
   <p:cSld>
     <p:spTree>
@@ -30137,10 +30107,17 @@
   <p:clrMapOvr>
     <a:masterClrMapping/>
   </p:clrMapOvr>
+  <p:timing>
+    <p:tnLst>
+      <p:par>
+        <p:cTn id="1" dur="indefinite" restart="never" nodeType="tmRoot"/>
+      </p:par>
+    </p:tnLst>
+  </p:timing>
 </p:sld>
 </file>
 
-<file path=ppt/slides/slide15.xml><?xml version="1.0" encoding="utf-8"?>
+<file path=ppt/slides/slide17.xml><?xml version="1.0" encoding="utf-8"?>
 <p:sld xmlns:a="http://schemas.openxmlformats.org/drawingml/2006/main" xmlns:r="http://schemas.openxmlformats.org/officeDocument/2006/relationships" xmlns:p="http://schemas.openxmlformats.org/presentationml/2006/main">
   <p:cSld>
     <p:spTree>
@@ -30219,10 +30196,17 @@
   <p:clrMapOvr>
     <a:masterClrMapping/>
   </p:clrMapOvr>
+  <p:timing>
+    <p:tnLst>
+      <p:par>
+        <p:cTn id="1" dur="indefinite" restart="never" nodeType="tmRoot"/>
+      </p:par>
+    </p:tnLst>
+  </p:timing>
 </p:sld>
 </file>
 
-<file path=ppt/slides/slide16.xml><?xml version="1.0" encoding="utf-8"?>
+<file path=ppt/slides/slide18.xml><?xml version="1.0" encoding="utf-8"?>
 <p:sld xmlns:a="http://schemas.openxmlformats.org/drawingml/2006/main" xmlns:r="http://schemas.openxmlformats.org/officeDocument/2006/relationships" xmlns:p="http://schemas.openxmlformats.org/presentationml/2006/main">
   <p:cSld>
     <p:spTree>
@@ -30345,7 +30329,7 @@
           <p:nvPr>
             <p:extLst>
               <p:ext uri="{D42A27DB-BD31-4B8C-83A1-F6EECF244321}">
-                <p14:modId xmlns:p14="http://schemas.microsoft.com/office/powerpoint/2010/main" val="2837755303"/>
+                <p14:modId xmlns:p14="http://schemas.microsoft.com/office/powerpoint/2010/main" val="623381431"/>
               </p:ext>
             </p:extLst>
           </p:nvPr>
@@ -30495,388 +30479,267 @@
           </a:p>
         </p:txBody>
       </p:sp>
-      <p:pic>
-        <p:nvPicPr>
-          <p:cNvPr id="1044" name="Picture 20" descr="Confused-Man.png (250×200)"/>
-          <p:cNvPicPr>
-            <a:picLocks noChangeAspect="1" noChangeArrowheads="1"/>
-          </p:cNvPicPr>
+      <p:grpSp>
+        <p:nvGrpSpPr>
+          <p:cNvPr id="5" name="Group 4"/>
+          <p:cNvGrpSpPr/>
           <p:nvPr/>
-        </p:nvPicPr>
-        <p:blipFill>
-          <a:blip r:embed="rId3">
+        </p:nvGrpSpPr>
+        <p:grpSpPr>
+          <a:xfrm>
+            <a:off x="155575" y="1399087"/>
+            <a:ext cx="2819400" cy="2097293"/>
+            <a:chOff x="-12424" y="1399087"/>
+            <a:chExt cx="2819400" cy="2097293"/>
+          </a:xfrm>
+        </p:grpSpPr>
+        <p:pic>
+          <p:nvPicPr>
+            <p:cNvPr id="1048" name="Picture 24" descr="http://www.erptraining9.com/1/Free-sap-training-material-download/Free-sap-training-material-download.jpg"/>
+            <p:cNvPicPr>
+              <a:picLocks noChangeAspect="1" noChangeArrowheads="1"/>
+            </p:cNvPicPr>
+            <p:nvPr/>
+          </p:nvPicPr>
+          <p:blipFill>
+            <a:blip r:embed="rId3">
+              <a:extLst>
+                <a:ext uri="{28A0092B-C50C-407E-A947-70E740481C1C}">
+                  <a14:useLocalDpi xmlns:a14="http://schemas.microsoft.com/office/drawing/2010/main" val="0"/>
+                </a:ext>
+              </a:extLst>
+            </a:blip>
+            <a:srcRect/>
+            <a:stretch>
+              <a:fillRect/>
+            </a:stretch>
+          </p:blipFill>
+          <p:spPr bwMode="auto">
+            <a:xfrm>
+              <a:off x="387626" y="1399087"/>
+              <a:ext cx="2019300" cy="1700213"/>
+            </a:xfrm>
+            <a:prstGeom prst="rect">
+              <a:avLst/>
+            </a:prstGeom>
+            <a:noFill/>
             <a:extLst>
-              <a:ext uri="{28A0092B-C50C-407E-A947-70E740481C1C}">
-                <a14:useLocalDpi xmlns:a14="http://schemas.microsoft.com/office/drawing/2010/main" val="0"/>
+              <a:ext uri="{909E8E84-426E-40DD-AFC4-6F175D3DCCD1}">
+                <a14:hiddenFill xmlns:a14="http://schemas.microsoft.com/office/drawing/2010/main">
+                  <a:solidFill>
+                    <a:srgbClr val="FFFFFF"/>
+                  </a:solidFill>
+                </a14:hiddenFill>
               </a:ext>
             </a:extLst>
-          </a:blip>
-          <a:srcRect/>
-          <a:stretch>
-            <a:fillRect/>
-          </a:stretch>
-        </p:blipFill>
-        <p:spPr bwMode="auto">
+          </p:spPr>
+        </p:pic>
+        <p:sp>
+          <p:nvSpPr>
+            <p:cNvPr id="30" name="TextBox 29"/>
+            <p:cNvSpPr txBox="1"/>
+            <p:nvPr/>
+          </p:nvSpPr>
+          <p:spPr>
+            <a:xfrm>
+              <a:off x="-12424" y="3127048"/>
+              <a:ext cx="2819400" cy="369332"/>
+            </a:xfrm>
+            <a:prstGeom prst="rect">
+              <a:avLst/>
+            </a:prstGeom>
+            <a:noFill/>
+          </p:spPr>
+          <p:txBody>
+            <a:bodyPr wrap="square" rtlCol="0">
+              <a:spAutoFit/>
+            </a:bodyPr>
+            <a:lstStyle/>
+            <a:p>
+              <a:r>
+                <a:rPr lang="en-US" dirty="0" err="1" smtClean="0"/>
+                <a:t>Quá</a:t>
+              </a:r>
+              <a:r>
+                <a:rPr lang="en-US" dirty="0" smtClean="0"/>
+                <a:t> </a:t>
+              </a:r>
+              <a:r>
+                <a:rPr lang="en-US" dirty="0" err="1" smtClean="0"/>
+                <a:t>nhiều</a:t>
+              </a:r>
+              <a:r>
+                <a:rPr lang="en-US" dirty="0" smtClean="0"/>
+                <a:t> </a:t>
+              </a:r>
+              <a:r>
+                <a:rPr lang="en-US" dirty="0" err="1" smtClean="0"/>
+                <a:t>giá</a:t>
+              </a:r>
+              <a:r>
+                <a:rPr lang="en-US" dirty="0" smtClean="0"/>
+                <a:t> </a:t>
+              </a:r>
+              <a:r>
+                <a:rPr lang="en-US" dirty="0" err="1" smtClean="0"/>
+                <a:t>tờ</a:t>
+              </a:r>
+              <a:r>
+                <a:rPr lang="en-US" dirty="0" smtClean="0"/>
+                <a:t> </a:t>
+              </a:r>
+              <a:r>
+                <a:rPr lang="en-US" dirty="0" err="1" smtClean="0"/>
+                <a:t>và</a:t>
+              </a:r>
+              <a:r>
+                <a:rPr lang="en-US" dirty="0" smtClean="0"/>
+                <a:t> </a:t>
+              </a:r>
+              <a:r>
+                <a:rPr lang="en-US" dirty="0" err="1" smtClean="0"/>
+                <a:t>thủ</a:t>
+              </a:r>
+              <a:r>
+                <a:rPr lang="en-US" dirty="0" smtClean="0"/>
+                <a:t> </a:t>
+              </a:r>
+              <a:r>
+                <a:rPr lang="en-US" dirty="0" err="1" smtClean="0"/>
+                <a:t>tục</a:t>
+              </a:r>
+              <a:endParaRPr lang="en-US" dirty="0"/>
+            </a:p>
+          </p:txBody>
+        </p:sp>
+      </p:grpSp>
+      <p:grpSp>
+        <p:nvGrpSpPr>
+          <p:cNvPr id="2" name="Group 1"/>
+          <p:cNvGrpSpPr/>
+          <p:nvPr/>
+        </p:nvGrpSpPr>
+        <p:grpSpPr>
           <a:xfrm>
-            <a:off x="3553239" y="3190293"/>
-            <a:ext cx="2057400" cy="1564481"/>
+            <a:off x="3484493" y="2487599"/>
+            <a:ext cx="2194892" cy="2176182"/>
+            <a:chOff x="3484493" y="2487599"/>
+            <a:chExt cx="2194892" cy="2176182"/>
           </a:xfrm>
-          <a:prstGeom prst="rect">
-            <a:avLst/>
-          </a:prstGeom>
-          <a:noFill/>
-          <a:extLst>
-            <a:ext uri="{909E8E84-426E-40DD-AFC4-6F175D3DCCD1}">
-              <a14:hiddenFill xmlns:a14="http://schemas.microsoft.com/office/drawing/2010/main">
-                <a:solidFill>
-                  <a:srgbClr val="FFFFFF"/>
-                </a:solidFill>
-              </a14:hiddenFill>
-            </a:ext>
-          </a:extLst>
-        </p:spPr>
-      </p:pic>
-      <p:pic>
-        <p:nvPicPr>
-          <p:cNvPr id="58" name="Picture 8" descr="http://1.bp.blogspot.com/-WjxsNJPRRTc/T60pFwJz2WI/AAAAAAAAABc/5xL7bho1QDA/s1600/waiting-time.png"/>
-          <p:cNvPicPr>
-            <a:picLocks noChangeAspect="1" noChangeArrowheads="1"/>
-          </p:cNvPicPr>
-          <p:nvPr/>
-        </p:nvPicPr>
-        <p:blipFill>
-          <a:blip r:embed="rId4" cstate="print">
+        </p:grpSpPr>
+        <p:pic>
+          <p:nvPicPr>
+            <p:cNvPr id="1044" name="Picture 20" descr="Confused-Man.png (250×200)"/>
+            <p:cNvPicPr>
+              <a:picLocks noChangeAspect="1" noChangeArrowheads="1"/>
+            </p:cNvPicPr>
+            <p:nvPr/>
+          </p:nvPicPr>
+          <p:blipFill>
+            <a:blip r:embed="rId4">
+              <a:extLst>
+                <a:ext uri="{28A0092B-C50C-407E-A947-70E740481C1C}">
+                  <a14:useLocalDpi xmlns:a14="http://schemas.microsoft.com/office/drawing/2010/main" val="0"/>
+                </a:ext>
+              </a:extLst>
+            </a:blip>
+            <a:srcRect/>
+            <a:stretch>
+              <a:fillRect/>
+            </a:stretch>
+          </p:blipFill>
+          <p:spPr bwMode="auto">
+            <a:xfrm>
+              <a:off x="3553239" y="3099300"/>
+              <a:ext cx="2057400" cy="1564481"/>
+            </a:xfrm>
+            <a:prstGeom prst="rect">
+              <a:avLst/>
+            </a:prstGeom>
+            <a:noFill/>
             <a:extLst>
-              <a:ext uri="{28A0092B-C50C-407E-A947-70E740481C1C}">
-                <a14:useLocalDpi xmlns:a14="http://schemas.microsoft.com/office/drawing/2010/main" val="0"/>
+              <a:ext uri="{909E8E84-426E-40DD-AFC4-6F175D3DCCD1}">
+                <a14:hiddenFill xmlns:a14="http://schemas.microsoft.com/office/drawing/2010/main">
+                  <a:solidFill>
+                    <a:srgbClr val="FFFFFF"/>
+                  </a:solidFill>
+                </a14:hiddenFill>
               </a:ext>
             </a:extLst>
-          </a:blip>
-          <a:srcRect/>
-          <a:stretch>
-            <a:fillRect/>
-          </a:stretch>
-        </p:blipFill>
-        <p:spPr bwMode="auto">
-          <a:xfrm>
-            <a:off x="7620000" y="2124178"/>
-            <a:ext cx="990600" cy="742950"/>
-          </a:xfrm>
-          <a:prstGeom prst="rect">
-            <a:avLst/>
-          </a:prstGeom>
-          <a:noFill/>
-          <a:extLst>
-            <a:ext uri="{909E8E84-426E-40DD-AFC4-6F175D3DCCD1}">
-              <a14:hiddenFill xmlns:a14="http://schemas.microsoft.com/office/drawing/2010/main">
-                <a:solidFill>
-                  <a:srgbClr val="FFFFFF"/>
-                </a:solidFill>
-              </a14:hiddenFill>
-            </a:ext>
-          </a:extLst>
-        </p:spPr>
-      </p:pic>
-      <p:pic>
-        <p:nvPicPr>
-          <p:cNvPr id="1048" name="Picture 24" descr="http://www.erptraining9.com/1/Free-sap-training-material-download/Free-sap-training-material-download.jpg"/>
-          <p:cNvPicPr>
-            <a:picLocks noChangeAspect="1" noChangeArrowheads="1"/>
-          </p:cNvPicPr>
-          <p:nvPr/>
-        </p:nvPicPr>
-        <p:blipFill>
-          <a:blip r:embed="rId5">
-            <a:extLst>
-              <a:ext uri="{28A0092B-C50C-407E-A947-70E740481C1C}">
-                <a14:useLocalDpi xmlns:a14="http://schemas.microsoft.com/office/drawing/2010/main" val="0"/>
-              </a:ext>
-            </a:extLst>
-          </a:blip>
-          <a:srcRect/>
-          <a:stretch>
-            <a:fillRect/>
-          </a:stretch>
-        </p:blipFill>
-        <p:spPr bwMode="auto">
-          <a:xfrm>
-            <a:off x="387626" y="1399087"/>
-            <a:ext cx="2019300" cy="1700213"/>
-          </a:xfrm>
-          <a:prstGeom prst="rect">
-            <a:avLst/>
-          </a:prstGeom>
-          <a:noFill/>
-          <a:extLst>
-            <a:ext uri="{909E8E84-426E-40DD-AFC4-6F175D3DCCD1}">
-              <a14:hiddenFill xmlns:a14="http://schemas.microsoft.com/office/drawing/2010/main">
-                <a:solidFill>
-                  <a:srgbClr val="FFFFFF"/>
-                </a:solidFill>
-              </a14:hiddenFill>
-            </a:ext>
-          </a:extLst>
-        </p:spPr>
-      </p:pic>
-      <p:sp>
-        <p:nvSpPr>
-          <p:cNvPr id="30" name="TextBox 29"/>
-          <p:cNvSpPr txBox="1"/>
-          <p:nvPr/>
-        </p:nvSpPr>
-        <p:spPr>
-          <a:xfrm>
-            <a:off x="152400" y="3200400"/>
-            <a:ext cx="2819400" cy="369332"/>
-          </a:xfrm>
-          <a:prstGeom prst="rect">
-            <a:avLst/>
-          </a:prstGeom>
-          <a:noFill/>
-        </p:spPr>
-        <p:txBody>
-          <a:bodyPr wrap="square" rtlCol="0">
-            <a:spAutoFit/>
-          </a:bodyPr>
-          <a:lstStyle/>
-          <a:p>
-            <a:r>
-              <a:rPr lang="en-US" dirty="0" err="1" smtClean="0"/>
-              <a:t>Quá</a:t>
-            </a:r>
-            <a:r>
-              <a:rPr lang="en-US" dirty="0" smtClean="0"/>
-              <a:t> </a:t>
-            </a:r>
-            <a:r>
-              <a:rPr lang="en-US" dirty="0" err="1" smtClean="0"/>
-              <a:t>nhiều</a:t>
-            </a:r>
-            <a:r>
-              <a:rPr lang="en-US" dirty="0" smtClean="0"/>
-              <a:t> </a:t>
-            </a:r>
-            <a:r>
-              <a:rPr lang="en-US" dirty="0" err="1" smtClean="0"/>
-              <a:t>giá</a:t>
-            </a:r>
-            <a:r>
-              <a:rPr lang="en-US" dirty="0" smtClean="0"/>
-              <a:t> </a:t>
-            </a:r>
-            <a:r>
-              <a:rPr lang="en-US" dirty="0" err="1" smtClean="0"/>
-              <a:t>tờ</a:t>
-            </a:r>
-            <a:r>
-              <a:rPr lang="en-US" dirty="0" smtClean="0"/>
-              <a:t> </a:t>
-            </a:r>
-            <a:r>
-              <a:rPr lang="en-US" dirty="0" err="1" smtClean="0"/>
-              <a:t>và</a:t>
-            </a:r>
-            <a:r>
-              <a:rPr lang="en-US" dirty="0" smtClean="0"/>
-              <a:t> </a:t>
-            </a:r>
-            <a:r>
-              <a:rPr lang="en-US" dirty="0" err="1" smtClean="0"/>
-              <a:t>thủ</a:t>
-            </a:r>
-            <a:r>
-              <a:rPr lang="en-US" dirty="0" smtClean="0"/>
-              <a:t> </a:t>
-            </a:r>
-            <a:r>
-              <a:rPr lang="en-US" dirty="0" err="1" smtClean="0"/>
-              <a:t>tục</a:t>
-            </a:r>
-            <a:endParaRPr lang="en-US" dirty="0"/>
-          </a:p>
-        </p:txBody>
-      </p:sp>
-      <p:sp>
-        <p:nvSpPr>
-          <p:cNvPr id="31" name="TextBox 30"/>
-          <p:cNvSpPr txBox="1"/>
-          <p:nvPr/>
-        </p:nvSpPr>
-        <p:spPr>
-          <a:xfrm>
-            <a:off x="3362738" y="2543962"/>
-            <a:ext cx="2580861" cy="369332"/>
-          </a:xfrm>
-          <a:prstGeom prst="rect">
-            <a:avLst/>
-          </a:prstGeom>
-          <a:noFill/>
-        </p:spPr>
-        <p:txBody>
-          <a:bodyPr wrap="square" rtlCol="0">
-            <a:spAutoFit/>
-          </a:bodyPr>
-          <a:lstStyle/>
-          <a:p>
-            <a:r>
-              <a:rPr lang="en-US" dirty="0" err="1" smtClean="0"/>
-              <a:t>Nhân</a:t>
-            </a:r>
-            <a:r>
-              <a:rPr lang="en-US" dirty="0" smtClean="0"/>
-              <a:t> </a:t>
-            </a:r>
-            <a:r>
-              <a:rPr lang="en-US" dirty="0" err="1" smtClean="0"/>
-              <a:t>viên</a:t>
-            </a:r>
-            <a:r>
-              <a:rPr lang="en-US" dirty="0" smtClean="0"/>
-              <a:t> </a:t>
-            </a:r>
-            <a:r>
-              <a:rPr lang="en-US" dirty="0" err="1" smtClean="0"/>
-              <a:t>thấy</a:t>
-            </a:r>
-            <a:r>
-              <a:rPr lang="en-US" dirty="0" smtClean="0"/>
-              <a:t> </a:t>
-            </a:r>
-            <a:r>
-              <a:rPr lang="en-US" dirty="0" err="1" smtClean="0"/>
-              <a:t>rối</a:t>
-            </a:r>
-            <a:r>
-              <a:rPr lang="en-US" dirty="0" smtClean="0"/>
-              <a:t> </a:t>
-            </a:r>
-            <a:r>
-              <a:rPr lang="en-US" dirty="0" err="1" smtClean="0"/>
-              <a:t>rắm</a:t>
-            </a:r>
-            <a:endParaRPr lang="en-US" dirty="0"/>
-          </a:p>
-        </p:txBody>
-      </p:sp>
-      <p:sp>
-        <p:nvSpPr>
-          <p:cNvPr id="32" name="TextBox 31"/>
-          <p:cNvSpPr txBox="1"/>
-          <p:nvPr/>
-        </p:nvSpPr>
-        <p:spPr>
-          <a:xfrm>
-            <a:off x="6362700" y="3099300"/>
-            <a:ext cx="2514599" cy="660988"/>
-          </a:xfrm>
-          <a:prstGeom prst="rect">
-            <a:avLst/>
-          </a:prstGeom>
-          <a:noFill/>
-        </p:spPr>
-        <p:txBody>
-          <a:bodyPr wrap="square" rtlCol="0">
-            <a:spAutoFit/>
-          </a:bodyPr>
-          <a:lstStyle/>
-          <a:p>
-            <a:r>
-              <a:rPr lang="en-US" dirty="0" err="1" smtClean="0"/>
-              <a:t>Hao</a:t>
-            </a:r>
-            <a:r>
-              <a:rPr lang="en-US" dirty="0" smtClean="0"/>
-              <a:t> </a:t>
-            </a:r>
-            <a:r>
-              <a:rPr lang="en-US" dirty="0" err="1" smtClean="0"/>
-              <a:t>tốn</a:t>
-            </a:r>
-            <a:r>
-              <a:rPr lang="en-US" dirty="0" smtClean="0"/>
-              <a:t> </a:t>
-            </a:r>
-            <a:r>
-              <a:rPr lang="en-US" dirty="0" err="1" smtClean="0"/>
-              <a:t>tài</a:t>
-            </a:r>
-            <a:r>
-              <a:rPr lang="en-US" dirty="0" smtClean="0"/>
-              <a:t> </a:t>
-            </a:r>
-            <a:r>
-              <a:rPr lang="en-US" dirty="0" err="1" smtClean="0"/>
-              <a:t>nguyên</a:t>
-            </a:r>
-            <a:r>
-              <a:rPr lang="en-US" dirty="0" smtClean="0"/>
-              <a:t> </a:t>
-            </a:r>
-            <a:r>
-              <a:rPr lang="en-US" dirty="0" err="1" smtClean="0"/>
-              <a:t>và</a:t>
-            </a:r>
-            <a:r>
-              <a:rPr lang="en-US" dirty="0" smtClean="0"/>
-              <a:t> </a:t>
-            </a:r>
-            <a:r>
-              <a:rPr lang="en-US" dirty="0" err="1" smtClean="0"/>
-              <a:t>nhân</a:t>
-            </a:r>
-            <a:r>
-              <a:rPr lang="en-US" dirty="0" smtClean="0"/>
-              <a:t> </a:t>
-            </a:r>
-            <a:r>
-              <a:rPr lang="en-US" dirty="0" err="1" smtClean="0"/>
-              <a:t>lực</a:t>
-            </a:r>
-            <a:endParaRPr lang="en-US" dirty="0"/>
-          </a:p>
-        </p:txBody>
-      </p:sp>
-      <p:pic>
-        <p:nvPicPr>
-          <p:cNvPr id="1050" name="Picture 26" descr="save-money-icon-money_icon.png (255×190)"/>
-          <p:cNvPicPr>
-            <a:picLocks noChangeAspect="1" noChangeArrowheads="1"/>
-          </p:cNvPicPr>
-          <p:nvPr/>
-        </p:nvPicPr>
-        <p:blipFill>
-          <a:blip r:embed="rId6">
-            <a:extLst>
-              <a:ext uri="{28A0092B-C50C-407E-A947-70E740481C1C}">
-                <a14:useLocalDpi xmlns:a14="http://schemas.microsoft.com/office/drawing/2010/main" val="0"/>
-              </a:ext>
-            </a:extLst>
-          </a:blip>
-          <a:srcRect/>
-          <a:stretch>
-            <a:fillRect/>
-          </a:stretch>
-        </p:blipFill>
-        <p:spPr bwMode="auto">
-          <a:xfrm>
-            <a:off x="6828527" y="1399087"/>
-            <a:ext cx="1328186" cy="989610"/>
-          </a:xfrm>
-          <a:prstGeom prst="rect">
-            <a:avLst/>
-          </a:prstGeom>
-          <a:noFill/>
-          <a:extLst>
-            <a:ext uri="{909E8E84-426E-40DD-AFC4-6F175D3DCCD1}">
-              <a14:hiddenFill xmlns:a14="http://schemas.microsoft.com/office/drawing/2010/main">
-                <a:solidFill>
-                  <a:srgbClr val="FFFFFF"/>
-                </a:solidFill>
-              </a14:hiddenFill>
-            </a:ext>
-          </a:extLst>
-        </p:spPr>
-      </p:pic>
+          </p:spPr>
+        </p:pic>
+        <p:sp>
+          <p:nvSpPr>
+            <p:cNvPr id="31" name="TextBox 30"/>
+            <p:cNvSpPr txBox="1"/>
+            <p:nvPr/>
+          </p:nvSpPr>
+          <p:spPr>
+            <a:xfrm>
+              <a:off x="3484493" y="2487599"/>
+              <a:ext cx="2194892" cy="646331"/>
+            </a:xfrm>
+            <a:prstGeom prst="rect">
+              <a:avLst/>
+            </a:prstGeom>
+            <a:noFill/>
+          </p:spPr>
+          <p:txBody>
+            <a:bodyPr wrap="square" rtlCol="0">
+              <a:spAutoFit/>
+            </a:bodyPr>
+            <a:lstStyle/>
+            <a:p>
+              <a:pPr algn="ctr"/>
+              <a:r>
+                <a:rPr lang="en-US" dirty="0" err="1" smtClean="0"/>
+                <a:t>Quá</a:t>
+              </a:r>
+              <a:r>
+                <a:rPr lang="en-US" dirty="0" smtClean="0"/>
+                <a:t> </a:t>
+              </a:r>
+              <a:r>
+                <a:rPr lang="en-US" dirty="0" err="1" smtClean="0"/>
+                <a:t>trình</a:t>
+              </a:r>
+              <a:r>
+                <a:rPr lang="en-US" dirty="0" smtClean="0"/>
+                <a:t> </a:t>
+              </a:r>
+              <a:r>
+                <a:rPr lang="en-US" dirty="0" err="1" smtClean="0"/>
+                <a:t>làm</a:t>
+              </a:r>
+              <a:r>
+                <a:rPr lang="en-US" dirty="0" smtClean="0"/>
+                <a:t> </a:t>
+              </a:r>
+              <a:r>
+                <a:rPr lang="en-US" dirty="0" err="1" smtClean="0"/>
+                <a:t>việc</a:t>
+              </a:r>
+              <a:r>
+                <a:rPr lang="en-US" dirty="0" smtClean="0"/>
+                <a:t> </a:t>
+              </a:r>
+              <a:r>
+                <a:rPr lang="en-US" dirty="0" err="1" smtClean="0"/>
+                <a:t>phức</a:t>
+              </a:r>
+              <a:r>
+                <a:rPr lang="en-US" dirty="0" smtClean="0"/>
+                <a:t> </a:t>
+              </a:r>
+              <a:r>
+                <a:rPr lang="en-US" dirty="0" err="1" smtClean="0"/>
+                <a:t>tạp</a:t>
+              </a:r>
+              <a:endParaRPr lang="en-US" dirty="0"/>
+            </a:p>
+          </p:txBody>
+        </p:sp>
+      </p:grpSp>
       <p:sp>
         <p:nvSpPr>
           <p:cNvPr id="33" name="AutoShape 30" descr="Phones Conference call.ico (256×256)"/>
@@ -31033,47 +30896,222 @@
           </a:p>
         </p:txBody>
       </p:sp>
-      <p:pic>
-        <p:nvPicPr>
-          <p:cNvPr id="1063" name="Picture 39" descr="people-psd-icon1.png (409×380)"/>
-          <p:cNvPicPr>
-            <a:picLocks noChangeAspect="1" noChangeArrowheads="1"/>
-          </p:cNvPicPr>
+      <p:grpSp>
+        <p:nvGrpSpPr>
+          <p:cNvPr id="4" name="Group 3"/>
+          <p:cNvGrpSpPr/>
           <p:nvPr/>
-        </p:nvPicPr>
-        <p:blipFill>
-          <a:blip r:embed="rId7" cstate="print">
+        </p:nvGrpSpPr>
+        <p:grpSpPr>
+          <a:xfrm>
+            <a:off x="6362699" y="1399087"/>
+            <a:ext cx="2514599" cy="2316473"/>
+            <a:chOff x="6362699" y="1399087"/>
+            <a:chExt cx="2514599" cy="2316473"/>
+          </a:xfrm>
+        </p:grpSpPr>
+        <p:pic>
+          <p:nvPicPr>
+            <p:cNvPr id="58" name="Picture 8" descr="http://1.bp.blogspot.com/-WjxsNJPRRTc/T60pFwJz2WI/AAAAAAAAABc/5xL7bho1QDA/s1600/waiting-time.png"/>
+            <p:cNvPicPr>
+              <a:picLocks noChangeAspect="1" noChangeArrowheads="1"/>
+            </p:cNvPicPr>
+            <p:nvPr/>
+          </p:nvPicPr>
+          <p:blipFill>
+            <a:blip r:embed="rId5" cstate="print">
+              <a:extLst>
+                <a:ext uri="{28A0092B-C50C-407E-A947-70E740481C1C}">
+                  <a14:useLocalDpi xmlns:a14="http://schemas.microsoft.com/office/drawing/2010/main" val="0"/>
+                </a:ext>
+              </a:extLst>
+            </a:blip>
+            <a:srcRect/>
+            <a:stretch>
+              <a:fillRect/>
+            </a:stretch>
+          </p:blipFill>
+          <p:spPr bwMode="auto">
+            <a:xfrm>
+              <a:off x="7620000" y="2124178"/>
+              <a:ext cx="990600" cy="742950"/>
+            </a:xfrm>
+            <a:prstGeom prst="rect">
+              <a:avLst/>
+            </a:prstGeom>
+            <a:noFill/>
             <a:extLst>
-              <a:ext uri="{28A0092B-C50C-407E-A947-70E740481C1C}">
-                <a14:useLocalDpi xmlns:a14="http://schemas.microsoft.com/office/drawing/2010/main" val="0"/>
+              <a:ext uri="{909E8E84-426E-40DD-AFC4-6F175D3DCCD1}">
+                <a14:hiddenFill xmlns:a14="http://schemas.microsoft.com/office/drawing/2010/main">
+                  <a:solidFill>
+                    <a:srgbClr val="FFFFFF"/>
+                  </a:solidFill>
+                </a14:hiddenFill>
               </a:ext>
             </a:extLst>
-          </a:blip>
-          <a:srcRect/>
-          <a:stretch>
-            <a:fillRect/>
-          </a:stretch>
-        </p:blipFill>
-        <p:spPr bwMode="auto">
-          <a:xfrm>
-            <a:off x="6477000" y="2113352"/>
-            <a:ext cx="1289733" cy="1198362"/>
-          </a:xfrm>
-          <a:prstGeom prst="rect">
-            <a:avLst/>
-          </a:prstGeom>
-          <a:noFill/>
-          <a:extLst>
-            <a:ext uri="{909E8E84-426E-40DD-AFC4-6F175D3DCCD1}">
-              <a14:hiddenFill xmlns:a14="http://schemas.microsoft.com/office/drawing/2010/main">
-                <a:solidFill>
-                  <a:srgbClr val="FFFFFF"/>
-                </a:solidFill>
-              </a14:hiddenFill>
-            </a:ext>
-          </a:extLst>
-        </p:spPr>
-      </p:pic>
+          </p:spPr>
+        </p:pic>
+        <p:sp>
+          <p:nvSpPr>
+            <p:cNvPr id="32" name="TextBox 31"/>
+            <p:cNvSpPr txBox="1"/>
+            <p:nvPr/>
+          </p:nvSpPr>
+          <p:spPr>
+            <a:xfrm>
+              <a:off x="6362699" y="3054572"/>
+              <a:ext cx="2514599" cy="660988"/>
+            </a:xfrm>
+            <a:prstGeom prst="rect">
+              <a:avLst/>
+            </a:prstGeom>
+            <a:noFill/>
+          </p:spPr>
+          <p:txBody>
+            <a:bodyPr wrap="square" rtlCol="0">
+              <a:spAutoFit/>
+            </a:bodyPr>
+            <a:lstStyle/>
+            <a:p>
+              <a:r>
+                <a:rPr lang="en-US" dirty="0" err="1" smtClean="0"/>
+                <a:t>Hao</a:t>
+              </a:r>
+              <a:r>
+                <a:rPr lang="en-US" dirty="0" smtClean="0"/>
+                <a:t> </a:t>
+              </a:r>
+              <a:r>
+                <a:rPr lang="en-US" dirty="0" err="1" smtClean="0"/>
+                <a:t>tốn</a:t>
+              </a:r>
+              <a:r>
+                <a:rPr lang="en-US" dirty="0" smtClean="0"/>
+                <a:t> </a:t>
+              </a:r>
+              <a:r>
+                <a:rPr lang="en-US" dirty="0" err="1" smtClean="0"/>
+                <a:t>tài</a:t>
+              </a:r>
+              <a:r>
+                <a:rPr lang="en-US" dirty="0" smtClean="0"/>
+                <a:t> </a:t>
+              </a:r>
+              <a:r>
+                <a:rPr lang="en-US" dirty="0" err="1" smtClean="0"/>
+                <a:t>nguyên</a:t>
+              </a:r>
+              <a:r>
+                <a:rPr lang="en-US" dirty="0" smtClean="0"/>
+                <a:t> </a:t>
+              </a:r>
+              <a:r>
+                <a:rPr lang="en-US" dirty="0" err="1" smtClean="0"/>
+                <a:t>và</a:t>
+              </a:r>
+              <a:r>
+                <a:rPr lang="en-US" dirty="0" smtClean="0"/>
+                <a:t> </a:t>
+              </a:r>
+              <a:r>
+                <a:rPr lang="en-US" dirty="0" err="1" smtClean="0"/>
+                <a:t>nhân</a:t>
+              </a:r>
+              <a:r>
+                <a:rPr lang="en-US" dirty="0" smtClean="0"/>
+                <a:t> </a:t>
+              </a:r>
+              <a:r>
+                <a:rPr lang="en-US" dirty="0" err="1" smtClean="0"/>
+                <a:t>lực</a:t>
+              </a:r>
+              <a:endParaRPr lang="en-US" dirty="0"/>
+            </a:p>
+          </p:txBody>
+        </p:sp>
+        <p:pic>
+          <p:nvPicPr>
+            <p:cNvPr id="1050" name="Picture 26" descr="save-money-icon-money_icon.png (255×190)"/>
+            <p:cNvPicPr>
+              <a:picLocks noChangeAspect="1" noChangeArrowheads="1"/>
+            </p:cNvPicPr>
+            <p:nvPr/>
+          </p:nvPicPr>
+          <p:blipFill>
+            <a:blip r:embed="rId6">
+              <a:extLst>
+                <a:ext uri="{28A0092B-C50C-407E-A947-70E740481C1C}">
+                  <a14:useLocalDpi xmlns:a14="http://schemas.microsoft.com/office/drawing/2010/main" val="0"/>
+                </a:ext>
+              </a:extLst>
+            </a:blip>
+            <a:srcRect/>
+            <a:stretch>
+              <a:fillRect/>
+            </a:stretch>
+          </p:blipFill>
+          <p:spPr bwMode="auto">
+            <a:xfrm>
+              <a:off x="6828527" y="1399087"/>
+              <a:ext cx="1328186" cy="989610"/>
+            </a:xfrm>
+            <a:prstGeom prst="rect">
+              <a:avLst/>
+            </a:prstGeom>
+            <a:noFill/>
+            <a:extLst>
+              <a:ext uri="{909E8E84-426E-40DD-AFC4-6F175D3DCCD1}">
+                <a14:hiddenFill xmlns:a14="http://schemas.microsoft.com/office/drawing/2010/main">
+                  <a:solidFill>
+                    <a:srgbClr val="FFFFFF"/>
+                  </a:solidFill>
+                </a14:hiddenFill>
+              </a:ext>
+            </a:extLst>
+          </p:spPr>
+        </p:pic>
+        <p:pic>
+          <p:nvPicPr>
+            <p:cNvPr id="1063" name="Picture 39" descr="people-psd-icon1.png (409×380)"/>
+            <p:cNvPicPr>
+              <a:picLocks noChangeAspect="1" noChangeArrowheads="1"/>
+            </p:cNvPicPr>
+            <p:nvPr/>
+          </p:nvPicPr>
+          <p:blipFill>
+            <a:blip r:embed="rId7" cstate="print">
+              <a:extLst>
+                <a:ext uri="{28A0092B-C50C-407E-A947-70E740481C1C}">
+                  <a14:useLocalDpi xmlns:a14="http://schemas.microsoft.com/office/drawing/2010/main" val="0"/>
+                </a:ext>
+              </a:extLst>
+            </a:blip>
+            <a:srcRect/>
+            <a:stretch>
+              <a:fillRect/>
+            </a:stretch>
+          </p:blipFill>
+          <p:spPr bwMode="auto">
+            <a:xfrm>
+              <a:off x="6477000" y="2113352"/>
+              <a:ext cx="1289733" cy="1198362"/>
+            </a:xfrm>
+            <a:prstGeom prst="rect">
+              <a:avLst/>
+            </a:prstGeom>
+            <a:noFill/>
+            <a:extLst>
+              <a:ext uri="{909E8E84-426E-40DD-AFC4-6F175D3DCCD1}">
+                <a14:hiddenFill xmlns:a14="http://schemas.microsoft.com/office/drawing/2010/main">
+                  <a:solidFill>
+                    <a:srgbClr val="FFFFFF"/>
+                  </a:solidFill>
+                </a14:hiddenFill>
+              </a:ext>
+            </a:extLst>
+          </p:spPr>
+        </p:pic>
+      </p:grpSp>
     </p:spTree>
     <p:extLst>
       <p:ext uri="{BB962C8B-B14F-4D97-AF65-F5344CB8AC3E}">
@@ -31095,6 +31133,405 @@
 </file>
 
 <file path=ppt/slides/slide5.xml><?xml version="1.0" encoding="utf-8"?>
+<p:sld xmlns:a="http://schemas.openxmlformats.org/drawingml/2006/main" xmlns:r="http://schemas.openxmlformats.org/officeDocument/2006/relationships" xmlns:p="http://schemas.openxmlformats.org/presentationml/2006/main">
+  <p:cSld>
+    <p:spTree>
+      <p:nvGrpSpPr>
+        <p:cNvPr id="1" name=""/>
+        <p:cNvGrpSpPr/>
+        <p:nvPr/>
+      </p:nvGrpSpPr>
+      <p:grpSpPr>
+        <a:xfrm>
+          <a:off x="0" y="0"/>
+          <a:ext cx="0" cy="0"/>
+          <a:chOff x="0" y="0"/>
+          <a:chExt cx="0" cy="0"/>
+        </a:xfrm>
+      </p:grpSpPr>
+      <p:sp>
+        <p:nvSpPr>
+          <p:cNvPr id="3" name="Title 2"/>
+          <p:cNvSpPr>
+            <a:spLocks noGrp="1"/>
+          </p:cNvSpPr>
+          <p:nvPr>
+            <p:ph type="title"/>
+          </p:nvPr>
+        </p:nvSpPr>
+        <p:spPr/>
+        <p:txBody>
+          <a:bodyPr/>
+          <a:lstStyle/>
+          <a:p>
+            <a:r>
+              <a:rPr lang="en-US" dirty="0" smtClean="0"/>
+              <a:t>HỆ QUẢ</a:t>
+            </a:r>
+            <a:endParaRPr lang="en-US" dirty="0"/>
+          </a:p>
+        </p:txBody>
+      </p:sp>
+      <p:sp>
+        <p:nvSpPr>
+          <p:cNvPr id="4" name="Rectangle 3"/>
+          <p:cNvSpPr/>
+          <p:nvPr/>
+        </p:nvSpPr>
+        <p:spPr>
+          <a:xfrm>
+            <a:off x="3211213" y="3790950"/>
+            <a:ext cx="1208388" cy="369332"/>
+          </a:xfrm>
+          <a:prstGeom prst="rect">
+            <a:avLst/>
+          </a:prstGeom>
+          <a:noFill/>
+        </p:spPr>
+        <p:txBody>
+          <a:bodyPr wrap="square" lIns="91440" tIns="45720" rIns="91440" bIns="45720">
+            <a:spAutoFit/>
+          </a:bodyPr>
+          <a:lstStyle/>
+          <a:p>
+            <a:pPr algn="ctr"/>
+            <a:endParaRPr lang="en-US" b="1" cap="none" spc="0" dirty="0">
+              <a:ln w="18000">
+                <a:solidFill>
+                  <a:schemeClr val="accent2">
+                    <a:satMod val="140000"/>
+                  </a:schemeClr>
+                </a:solidFill>
+                <a:prstDash val="solid"/>
+                <a:miter lim="800000"/>
+              </a:ln>
+              <a:noFill/>
+              <a:effectLst>
+                <a:outerShdw blurRad="25500" dist="23000" dir="7020000" algn="tl">
+                  <a:srgbClr val="000000">
+                    <a:alpha val="50000"/>
+                  </a:srgbClr>
+                </a:outerShdw>
+              </a:effectLst>
+            </a:endParaRPr>
+          </a:p>
+        </p:txBody>
+      </p:sp>
+      <p:pic>
+        <p:nvPicPr>
+          <p:cNvPr id="1028" name="Picture 4"/>
+          <p:cNvPicPr>
+            <a:picLocks noChangeAspect="1" noChangeArrowheads="1"/>
+          </p:cNvPicPr>
+          <p:nvPr/>
+        </p:nvPicPr>
+        <p:blipFill rotWithShape="1">
+          <a:blip r:embed="rId2">
+            <a:extLst>
+              <a:ext uri="{28A0092B-C50C-407E-A947-70E740481C1C}">
+                <a14:useLocalDpi xmlns:a14="http://schemas.microsoft.com/office/drawing/2010/main" val="0"/>
+              </a:ext>
+            </a:extLst>
+          </a:blip>
+          <a:srcRect l="6016" t="16349" r="10965" b="6974"/>
+          <a:stretch/>
+        </p:blipFill>
+        <p:spPr bwMode="auto">
+          <a:xfrm>
+            <a:off x="2286000" y="1733550"/>
+            <a:ext cx="4427512" cy="2057400"/>
+          </a:xfrm>
+          <a:prstGeom prst="rect">
+            <a:avLst/>
+          </a:prstGeom>
+          <a:noFill/>
+          <a:ln>
+            <a:noFill/>
+          </a:ln>
+          <a:effectLst/>
+          <a:extLst>
+            <a:ext uri="{909E8E84-426E-40DD-AFC4-6F175D3DCCD1}">
+              <a14:hiddenFill xmlns:a14="http://schemas.microsoft.com/office/drawing/2010/main">
+                <a:solidFill>
+                  <a:schemeClr val="accent1"/>
+                </a:solidFill>
+              </a14:hiddenFill>
+            </a:ext>
+            <a:ext uri="{91240B29-F687-4F45-9708-019B960494DF}">
+              <a14:hiddenLine xmlns:a14="http://schemas.microsoft.com/office/drawing/2010/main" w="9525">
+                <a:solidFill>
+                  <a:schemeClr val="tx1"/>
+                </a:solidFill>
+                <a:miter lim="800000"/>
+                <a:headEnd/>
+                <a:tailEnd/>
+              </a14:hiddenLine>
+            </a:ext>
+            <a:ext uri="{AF507438-7753-43E0-B8FC-AC1667EBCBE1}">
+              <a14:hiddenEffects xmlns:a14="http://schemas.microsoft.com/office/drawing/2010/main">
+                <a:effectLst>
+                  <a:outerShdw dist="35921" dir="2700000" algn="ctr" rotWithShape="0">
+                    <a:schemeClr val="bg2"/>
+                  </a:outerShdw>
+                </a:effectLst>
+              </a14:hiddenEffects>
+            </a:ext>
+          </a:extLst>
+        </p:spPr>
+      </p:pic>
+      <p:grpSp>
+        <p:nvGrpSpPr>
+          <p:cNvPr id="9" name="Group 8"/>
+          <p:cNvGrpSpPr/>
+          <p:nvPr/>
+        </p:nvGrpSpPr>
+        <p:grpSpPr>
+          <a:xfrm>
+            <a:off x="1961156" y="4062036"/>
+            <a:ext cx="2172723" cy="441159"/>
+            <a:chOff x="1642684" y="4062036"/>
+            <a:chExt cx="2172723" cy="441159"/>
+          </a:xfrm>
+        </p:grpSpPr>
+        <p:pic>
+          <p:nvPicPr>
+            <p:cNvPr id="1030" name="Picture 6" descr="256-256-c7eba42ce12ae9b26d5e8379b73dd86b-Refuse.png (256×256)"/>
+            <p:cNvPicPr>
+              <a:picLocks noChangeAspect="1" noChangeArrowheads="1"/>
+            </p:cNvPicPr>
+            <p:nvPr/>
+          </p:nvPicPr>
+          <p:blipFill>
+            <a:blip r:embed="rId3" cstate="print">
+              <a:extLst>
+                <a:ext uri="{28A0092B-C50C-407E-A947-70E740481C1C}">
+                  <a14:useLocalDpi xmlns:a14="http://schemas.microsoft.com/office/drawing/2010/main" val="0"/>
+                </a:ext>
+              </a:extLst>
+            </a:blip>
+            <a:srcRect/>
+            <a:stretch>
+              <a:fillRect/>
+            </a:stretch>
+          </p:blipFill>
+          <p:spPr bwMode="auto">
+            <a:xfrm>
+              <a:off x="1642684" y="4062036"/>
+              <a:ext cx="441159" cy="441159"/>
+            </a:xfrm>
+            <a:prstGeom prst="rect">
+              <a:avLst/>
+            </a:prstGeom>
+            <a:noFill/>
+            <a:ln>
+              <a:noFill/>
+            </a:ln>
+            <a:extLst>
+              <a:ext uri="{909E8E84-426E-40DD-AFC4-6F175D3DCCD1}">
+                <a14:hiddenFill xmlns:a14="http://schemas.microsoft.com/office/drawing/2010/main">
+                  <a:solidFill>
+                    <a:srgbClr val="FFFFFF"/>
+                  </a:solidFill>
+                </a14:hiddenFill>
+              </a:ext>
+            </a:extLst>
+          </p:spPr>
+        </p:pic>
+        <p:sp>
+          <p:nvSpPr>
+            <p:cNvPr id="7" name="TextBox 6"/>
+            <p:cNvSpPr txBox="1"/>
+            <p:nvPr/>
+          </p:nvSpPr>
+          <p:spPr>
+            <a:xfrm>
+              <a:off x="2059798" y="4097949"/>
+              <a:ext cx="1755609" cy="369332"/>
+            </a:xfrm>
+            <a:prstGeom prst="rect">
+              <a:avLst/>
+            </a:prstGeom>
+            <a:noFill/>
+          </p:spPr>
+          <p:txBody>
+            <a:bodyPr wrap="none" rtlCol="0">
+              <a:spAutoFit/>
+            </a:bodyPr>
+            <a:lstStyle/>
+            <a:p>
+              <a:pPr algn="ctr"/>
+              <a:r>
+                <a:rPr lang="en-US" b="1" i="1" dirty="0" smtClean="0"/>
+                <a:t>Chi </a:t>
+              </a:r>
+              <a:r>
+                <a:rPr lang="en-US" b="1" i="1" dirty="0" err="1" smtClean="0"/>
+                <a:t>phí</a:t>
+              </a:r>
+              <a:r>
+                <a:rPr lang="en-US" b="1" i="1" dirty="0" smtClean="0"/>
+                <a:t> </a:t>
+              </a:r>
+              <a:r>
+                <a:rPr lang="en-US" b="1" i="1" dirty="0" err="1" smtClean="0"/>
+                <a:t>tăng</a:t>
+              </a:r>
+              <a:r>
+                <a:rPr lang="en-US" b="1" i="1" dirty="0" smtClean="0"/>
+                <a:t> </a:t>
+              </a:r>
+              <a:r>
+                <a:rPr lang="en-US" b="1" i="1" dirty="0" err="1" smtClean="0"/>
+                <a:t>cao</a:t>
+              </a:r>
+              <a:endParaRPr lang="en-US" b="1" i="1" dirty="0"/>
+            </a:p>
+          </p:txBody>
+        </p:sp>
+      </p:grpSp>
+      <p:grpSp>
+        <p:nvGrpSpPr>
+          <p:cNvPr id="8" name="Group 7"/>
+          <p:cNvGrpSpPr/>
+          <p:nvPr/>
+        </p:nvGrpSpPr>
+        <p:grpSpPr>
+          <a:xfrm>
+            <a:off x="4958590" y="4064786"/>
+            <a:ext cx="2875182" cy="441159"/>
+            <a:chOff x="4832340" y="4075744"/>
+            <a:chExt cx="2875182" cy="441159"/>
+          </a:xfrm>
+        </p:grpSpPr>
+        <p:sp>
+          <p:nvSpPr>
+            <p:cNvPr id="6" name="TextBox 5"/>
+            <p:cNvSpPr txBox="1"/>
+            <p:nvPr/>
+          </p:nvSpPr>
+          <p:spPr>
+            <a:xfrm>
+              <a:off x="5206516" y="4097949"/>
+              <a:ext cx="2501006" cy="369332"/>
+            </a:xfrm>
+            <a:prstGeom prst="rect">
+              <a:avLst/>
+            </a:prstGeom>
+            <a:noFill/>
+          </p:spPr>
+          <p:txBody>
+            <a:bodyPr wrap="none" rtlCol="0">
+              <a:spAutoFit/>
+            </a:bodyPr>
+            <a:lstStyle/>
+            <a:p>
+              <a:pPr algn="ctr"/>
+              <a:r>
+                <a:rPr lang="en-US" b="1" i="1" dirty="0" err="1" smtClean="0"/>
+                <a:t>Hiệu</a:t>
+              </a:r>
+              <a:r>
+                <a:rPr lang="en-US" b="1" i="1" dirty="0" smtClean="0"/>
+                <a:t> </a:t>
+              </a:r>
+              <a:r>
+                <a:rPr lang="en-US" b="1" i="1" dirty="0" err="1" smtClean="0"/>
+                <a:t>suất</a:t>
+              </a:r>
+              <a:r>
+                <a:rPr lang="en-US" b="1" i="1" dirty="0" smtClean="0"/>
+                <a:t> </a:t>
+              </a:r>
+              <a:r>
+                <a:rPr lang="en-US" b="1" i="1" dirty="0" err="1" smtClean="0"/>
+                <a:t>làm</a:t>
+              </a:r>
+              <a:r>
+                <a:rPr lang="en-US" b="1" i="1" dirty="0" smtClean="0"/>
+                <a:t> </a:t>
+              </a:r>
+              <a:r>
+                <a:rPr lang="en-US" b="1" i="1" dirty="0" err="1" smtClean="0"/>
+                <a:t>việc</a:t>
+              </a:r>
+              <a:r>
+                <a:rPr lang="en-US" b="1" i="1" dirty="0" smtClean="0"/>
+                <a:t> </a:t>
+              </a:r>
+              <a:r>
+                <a:rPr lang="en-US" b="1" i="1" dirty="0" err="1" smtClean="0"/>
+                <a:t>giảm</a:t>
+              </a:r>
+              <a:endParaRPr lang="en-US" b="1" i="1" dirty="0"/>
+            </a:p>
+          </p:txBody>
+        </p:sp>
+        <p:pic>
+          <p:nvPicPr>
+            <p:cNvPr id="13" name="Picture 6" descr="256-256-c7eba42ce12ae9b26d5e8379b73dd86b-Refuse.png (256×256)"/>
+            <p:cNvPicPr>
+              <a:picLocks noChangeAspect="1" noChangeArrowheads="1"/>
+            </p:cNvPicPr>
+            <p:nvPr/>
+          </p:nvPicPr>
+          <p:blipFill>
+            <a:blip r:embed="rId3" cstate="print">
+              <a:extLst>
+                <a:ext uri="{28A0092B-C50C-407E-A947-70E740481C1C}">
+                  <a14:useLocalDpi xmlns:a14="http://schemas.microsoft.com/office/drawing/2010/main" val="0"/>
+                </a:ext>
+              </a:extLst>
+            </a:blip>
+            <a:srcRect/>
+            <a:stretch>
+              <a:fillRect/>
+            </a:stretch>
+          </p:blipFill>
+          <p:spPr bwMode="auto">
+            <a:xfrm>
+              <a:off x="4832340" y="4075744"/>
+              <a:ext cx="441159" cy="441159"/>
+            </a:xfrm>
+            <a:prstGeom prst="rect">
+              <a:avLst/>
+            </a:prstGeom>
+            <a:noFill/>
+            <a:ln>
+              <a:noFill/>
+            </a:ln>
+            <a:extLst>
+              <a:ext uri="{909E8E84-426E-40DD-AFC4-6F175D3DCCD1}">
+                <a14:hiddenFill xmlns:a14="http://schemas.microsoft.com/office/drawing/2010/main">
+                  <a:solidFill>
+                    <a:srgbClr val="FFFFFF"/>
+                  </a:solidFill>
+                </a14:hiddenFill>
+              </a:ext>
+            </a:extLst>
+          </p:spPr>
+        </p:pic>
+      </p:grpSp>
+    </p:spTree>
+    <p:extLst>
+      <p:ext uri="{BB962C8B-B14F-4D97-AF65-F5344CB8AC3E}">
+        <p14:creationId xmlns:p14="http://schemas.microsoft.com/office/powerpoint/2010/main" val="3047783371"/>
+      </p:ext>
+    </p:extLst>
+  </p:cSld>
+  <p:clrMapOvr>
+    <a:masterClrMapping/>
+  </p:clrMapOvr>
+  <p:timing>
+    <p:tnLst>
+      <p:par>
+        <p:cTn id="1" dur="indefinite" restart="never" nodeType="tmRoot"/>
+      </p:par>
+    </p:tnLst>
+  </p:timing>
+</p:sld>
+</file>
+
+<file path=ppt/slides/slide6.xml><?xml version="1.0" encoding="utf-8"?>
 <p:sld xmlns:a="http://schemas.openxmlformats.org/drawingml/2006/main" xmlns:r="http://schemas.openxmlformats.org/officeDocument/2006/relationships" xmlns:p="http://schemas.openxmlformats.org/presentationml/2006/main">
   <p:cSld>
     <p:spTree>
@@ -31325,7 +31762,7 @@
 </p:sld>
 </file>
 
-<file path=ppt/slides/slide6.xml><?xml version="1.0" encoding="utf-8"?>
+<file path=ppt/slides/slide7.xml><?xml version="1.0" encoding="utf-8"?>
 <p:sld xmlns:a="http://schemas.openxmlformats.org/drawingml/2006/main" xmlns:r="http://schemas.openxmlformats.org/officeDocument/2006/relationships" xmlns:p="http://schemas.openxmlformats.org/presentationml/2006/main">
   <p:cSld>
     <p:spTree>
@@ -31781,7 +32218,7 @@
 </p:sld>
 </file>
 
-<file path=ppt/slides/slide7.xml><?xml version="1.0" encoding="utf-8"?>
+<file path=ppt/slides/slide8.xml><?xml version="1.0" encoding="utf-8"?>
 <p:sld xmlns:a="http://schemas.openxmlformats.org/drawingml/2006/main" xmlns:r="http://schemas.openxmlformats.org/officeDocument/2006/relationships" xmlns:p="http://schemas.openxmlformats.org/presentationml/2006/main">
   <p:cSld>
     <p:spTree>
@@ -31827,122 +32264,13 @@
       </p:sp>
       <p:grpSp>
         <p:nvGrpSpPr>
-          <p:cNvPr id="4" name="Group 3"/>
-          <p:cNvGrpSpPr/>
-          <p:nvPr/>
-        </p:nvGrpSpPr>
-        <p:grpSpPr>
-          <a:xfrm>
-            <a:off x="3221476" y="1893564"/>
-            <a:ext cx="2112661" cy="2499371"/>
-            <a:chOff x="3221476" y="1504950"/>
-            <a:chExt cx="2112661" cy="2499371"/>
-          </a:xfrm>
-        </p:grpSpPr>
-        <p:sp>
-          <p:nvSpPr>
-            <p:cNvPr id="2" name="TextBox 1"/>
-            <p:cNvSpPr txBox="1"/>
-            <p:nvPr/>
-          </p:nvSpPr>
-          <p:spPr>
-            <a:xfrm>
-              <a:off x="3221476" y="3634989"/>
-              <a:ext cx="2112661" cy="369332"/>
-            </a:xfrm>
-            <a:prstGeom prst="rect">
-              <a:avLst/>
-            </a:prstGeom>
-            <a:noFill/>
-          </p:spPr>
-          <p:txBody>
-            <a:bodyPr wrap="square" rtlCol="0">
-              <a:spAutoFit/>
-            </a:bodyPr>
-            <a:lstStyle/>
-            <a:p>
-              <a:pPr algn="ctr"/>
-              <a:r>
-                <a:rPr lang="en-US" dirty="0" err="1" smtClean="0"/>
-                <a:t>Báo</a:t>
-              </a:r>
-              <a:r>
-                <a:rPr lang="en-US" dirty="0" smtClean="0"/>
-                <a:t> </a:t>
-              </a:r>
-              <a:r>
-                <a:rPr lang="en-US" dirty="0" err="1" smtClean="0"/>
-                <a:t>cáo</a:t>
-              </a:r>
-              <a:r>
-                <a:rPr lang="en-US" dirty="0" smtClean="0"/>
-                <a:t> </a:t>
-              </a:r>
-              <a:r>
-                <a:rPr lang="en-US" dirty="0" err="1" smtClean="0"/>
-                <a:t>hiệu</a:t>
-              </a:r>
-              <a:r>
-                <a:rPr lang="en-US" dirty="0" smtClean="0"/>
-                <a:t> </a:t>
-              </a:r>
-              <a:r>
-                <a:rPr lang="en-US" dirty="0" err="1" smtClean="0"/>
-                <a:t>quả</a:t>
-              </a:r>
-              <a:endParaRPr lang="en-US" dirty="0" smtClean="0"/>
-            </a:p>
-          </p:txBody>
-        </p:sp>
-        <p:pic>
-          <p:nvPicPr>
-            <p:cNvPr id="1028" name="Picture 4" descr="http://ec.europa.eu/environment/waste/reporting/images/173649127.jpg"/>
-            <p:cNvPicPr>
-              <a:picLocks noChangeAspect="1" noChangeArrowheads="1"/>
-            </p:cNvPicPr>
-            <p:nvPr/>
-          </p:nvPicPr>
-          <p:blipFill rotWithShape="1">
-            <a:blip r:embed="rId2">
-              <a:extLst>
-                <a:ext uri="{28A0092B-C50C-407E-A947-70E740481C1C}">
-                  <a14:useLocalDpi xmlns:a14="http://schemas.microsoft.com/office/drawing/2010/main" val="0"/>
-                </a:ext>
-              </a:extLst>
-            </a:blip>
-            <a:srcRect l="8267" t="8248" r="8734" b="8010"/>
-            <a:stretch/>
-          </p:blipFill>
-          <p:spPr bwMode="auto">
-            <a:xfrm>
-              <a:off x="3221476" y="1504950"/>
-              <a:ext cx="2112661" cy="2131574"/>
-            </a:xfrm>
-            <a:prstGeom prst="rect">
-              <a:avLst/>
-            </a:prstGeom>
-            <a:noFill/>
-            <a:extLst>
-              <a:ext uri="{909E8E84-426E-40DD-AFC4-6F175D3DCCD1}">
-                <a14:hiddenFill xmlns:a14="http://schemas.microsoft.com/office/drawing/2010/main">
-                  <a:solidFill>
-                    <a:srgbClr val="FFFFFF"/>
-                  </a:solidFill>
-                </a14:hiddenFill>
-              </a:ext>
-            </a:extLst>
-          </p:spPr>
-        </p:pic>
-      </p:grpSp>
-      <p:grpSp>
-        <p:nvGrpSpPr>
           <p:cNvPr id="6" name="Group 5"/>
           <p:cNvGrpSpPr/>
           <p:nvPr/>
         </p:nvGrpSpPr>
         <p:grpSpPr>
           <a:xfrm>
-            <a:off x="162981" y="1504950"/>
+            <a:off x="372936" y="1521568"/>
             <a:ext cx="2188637" cy="2094131"/>
             <a:chOff x="162981" y="1504950"/>
             <a:chExt cx="2188637" cy="2094131"/>
@@ -32050,7 +32378,7 @@
               <p:nvPr/>
             </p:nvPicPr>
             <p:blipFill rotWithShape="1">
-              <a:blip r:embed="rId3">
+              <a:blip r:embed="rId2">
                 <a:extLst>
                   <a:ext uri="{28A0092B-C50C-407E-A947-70E740481C1C}">
                     <a14:useLocalDpi xmlns:a14="http://schemas.microsoft.com/office/drawing/2010/main" val="0"/>
@@ -32095,7 +32423,7 @@
                 <a:avLst/>
               </a:prstGeom>
               <a:solidFill>
-                <a:srgbClr val="FFFF00"/>
+                <a:schemeClr val="accent1"/>
               </a:solidFill>
               <a:ln>
                 <a:solidFill>
@@ -32134,13 +32462,478 @@
       </p:grpSp>
       <p:grpSp>
         <p:nvGrpSpPr>
-          <p:cNvPr id="5" name="Group 4"/>
+          <p:cNvPr id="15" name="Group 14"/>
           <p:cNvGrpSpPr/>
           <p:nvPr/>
         </p:nvGrpSpPr>
         <p:grpSpPr>
           <a:xfrm>
-            <a:off x="6581572" y="2634897"/>
+            <a:off x="2743200" y="1518451"/>
+            <a:ext cx="2885868" cy="2533711"/>
+            <a:chOff x="1071873" y="1472803"/>
+            <a:chExt cx="2885868" cy="2533711"/>
+          </a:xfrm>
+        </p:grpSpPr>
+        <p:grpSp>
+          <p:nvGrpSpPr>
+            <p:cNvPr id="16" name="Group 15"/>
+            <p:cNvGrpSpPr/>
+            <p:nvPr/>
+          </p:nvGrpSpPr>
+          <p:grpSpPr>
+            <a:xfrm>
+              <a:off x="1793780" y="1472803"/>
+              <a:ext cx="1442055" cy="2084785"/>
+              <a:chOff x="533400" y="1453753"/>
+              <a:chExt cx="1442055" cy="2084785"/>
+            </a:xfrm>
+          </p:grpSpPr>
+          <p:pic>
+            <p:nvPicPr>
+              <p:cNvPr id="18" name="Picture 4" descr="https://hr.mst.edu/media/administrative/hr/images/icons/group_icon.png"/>
+              <p:cNvPicPr>
+                <a:picLocks noChangeAspect="1" noChangeArrowheads="1"/>
+              </p:cNvPicPr>
+              <p:nvPr/>
+            </p:nvPicPr>
+            <p:blipFill rotWithShape="1">
+              <a:blip r:embed="rId3">
+                <a:extLst>
+                  <a:ext uri="{28A0092B-C50C-407E-A947-70E740481C1C}">
+                    <a14:useLocalDpi xmlns:a14="http://schemas.microsoft.com/office/drawing/2010/main" val="0"/>
+                  </a:ext>
+                </a:extLst>
+              </a:blip>
+              <a:srcRect l="12376" t="9706" r="12376" b="16176"/>
+              <a:stretch/>
+            </p:blipFill>
+            <p:spPr bwMode="auto">
+              <a:xfrm>
+                <a:off x="533400" y="2343150"/>
+                <a:ext cx="1442055" cy="1195388"/>
+              </a:xfrm>
+              <a:prstGeom prst="rect">
+                <a:avLst/>
+              </a:prstGeom>
+              <a:noFill/>
+              <a:extLst>
+                <a:ext uri="{909E8E84-426E-40DD-AFC4-6F175D3DCCD1}">
+                  <a14:hiddenFill xmlns:a14="http://schemas.microsoft.com/office/drawing/2010/main">
+                    <a:solidFill>
+                      <a:srgbClr val="FFFFFF"/>
+                    </a:solidFill>
+                  </a14:hiddenFill>
+                </a:ext>
+              </a:extLst>
+            </p:spPr>
+          </p:pic>
+          <p:pic>
+            <p:nvPicPr>
+              <p:cNvPr id="19" name="Picture 6" descr="http://www.iconsdb.com/icons/preview/caribbean-blue/eye-3-xxl.png"/>
+              <p:cNvPicPr>
+                <a:picLocks noChangeAspect="1" noChangeArrowheads="1"/>
+              </p:cNvPicPr>
+              <p:nvPr/>
+            </p:nvPicPr>
+            <p:blipFill>
+              <a:blip r:embed="rId4" cstate="print">
+                <a:extLst>
+                  <a:ext uri="{28A0092B-C50C-407E-A947-70E740481C1C}">
+                    <a14:useLocalDpi xmlns:a14="http://schemas.microsoft.com/office/drawing/2010/main" val="0"/>
+                  </a:ext>
+                </a:extLst>
+              </a:blip>
+              <a:srcRect/>
+              <a:stretch>
+                <a:fillRect/>
+              </a:stretch>
+            </p:blipFill>
+            <p:spPr bwMode="auto">
+              <a:xfrm>
+                <a:off x="803180" y="1453753"/>
+                <a:ext cx="902494" cy="902494"/>
+              </a:xfrm>
+              <a:prstGeom prst="rect">
+                <a:avLst/>
+              </a:prstGeom>
+              <a:noFill/>
+              <a:scene3d>
+                <a:camera prst="isometricTopUp"/>
+                <a:lightRig rig="threePt" dir="t"/>
+              </a:scene3d>
+              <a:extLst>
+                <a:ext uri="{909E8E84-426E-40DD-AFC4-6F175D3DCCD1}">
+                  <a14:hiddenFill xmlns:a14="http://schemas.microsoft.com/office/drawing/2010/main">
+                    <a:solidFill>
+                      <a:srgbClr val="FFFFFF"/>
+                    </a:solidFill>
+                  </a14:hiddenFill>
+                </a:ext>
+              </a:extLst>
+            </p:spPr>
+          </p:pic>
+        </p:grpSp>
+        <p:sp>
+          <p:nvSpPr>
+            <p:cNvPr id="17" name="TextBox 16"/>
+            <p:cNvSpPr txBox="1"/>
+            <p:nvPr/>
+          </p:nvSpPr>
+          <p:spPr>
+            <a:xfrm>
+              <a:off x="1071873" y="3606404"/>
+              <a:ext cx="2885868" cy="400110"/>
+            </a:xfrm>
+            <a:prstGeom prst="rect">
+              <a:avLst/>
+            </a:prstGeom>
+            <a:noFill/>
+          </p:spPr>
+          <p:txBody>
+            <a:bodyPr wrap="square" rtlCol="0">
+              <a:spAutoFit/>
+            </a:bodyPr>
+            <a:lstStyle/>
+            <a:p>
+              <a:pPr algn="ctr"/>
+              <a:r>
+                <a:rPr lang="en-US" sz="2000" dirty="0" err="1" smtClean="0"/>
+                <a:t>Giám</a:t>
+              </a:r>
+              <a:r>
+                <a:rPr lang="en-US" sz="2000" dirty="0" smtClean="0"/>
+                <a:t> </a:t>
+              </a:r>
+              <a:r>
+                <a:rPr lang="en-US" sz="2000" dirty="0" err="1" smtClean="0"/>
+                <a:t>sát</a:t>
+              </a:r>
+              <a:r>
+                <a:rPr lang="en-US" sz="2000" dirty="0" smtClean="0"/>
+                <a:t> </a:t>
+              </a:r>
+              <a:r>
+                <a:rPr lang="en-US" sz="2000" dirty="0" err="1" smtClean="0"/>
+                <a:t>chặc</a:t>
+              </a:r>
+              <a:r>
+                <a:rPr lang="en-US" sz="2000" dirty="0" smtClean="0"/>
+                <a:t> </a:t>
+              </a:r>
+              <a:r>
+                <a:rPr lang="en-US" sz="2000" dirty="0" err="1" smtClean="0"/>
+                <a:t>chẽ</a:t>
+              </a:r>
+              <a:r>
+                <a:rPr lang="en-US" sz="2000" dirty="0" smtClean="0"/>
+                <a:t> </a:t>
+              </a:r>
+              <a:r>
+                <a:rPr lang="en-US" sz="2000" dirty="0" err="1" smtClean="0"/>
+                <a:t>tài</a:t>
+              </a:r>
+              <a:r>
+                <a:rPr lang="en-US" sz="2000" dirty="0" smtClean="0"/>
+                <a:t> </a:t>
+              </a:r>
+              <a:r>
+                <a:rPr lang="en-US" sz="2000" dirty="0" err="1" smtClean="0"/>
+                <a:t>xế</a:t>
+              </a:r>
+              <a:endParaRPr lang="en-US" sz="2000" dirty="0"/>
+            </a:p>
+          </p:txBody>
+        </p:sp>
+      </p:grpSp>
+      <p:grpSp>
+        <p:nvGrpSpPr>
+          <p:cNvPr id="20" name="Group 19"/>
+          <p:cNvGrpSpPr/>
+          <p:nvPr/>
+        </p:nvGrpSpPr>
+        <p:grpSpPr>
+          <a:xfrm>
+            <a:off x="6187264" y="1994900"/>
+            <a:ext cx="2438400" cy="2595266"/>
+            <a:chOff x="5391150" y="1472803"/>
+            <a:chExt cx="2438400" cy="2595266"/>
+          </a:xfrm>
+        </p:grpSpPr>
+        <p:pic>
+          <p:nvPicPr>
+            <p:cNvPr id="21" name="Picture 8" descr="http://icons.iconarchive.com/icons/paomedia/small-n-flat/1024/shield-icon.png"/>
+            <p:cNvPicPr>
+              <a:picLocks noChangeAspect="1" noChangeArrowheads="1"/>
+            </p:cNvPicPr>
+            <p:nvPr/>
+          </p:nvPicPr>
+          <p:blipFill>
+            <a:blip r:embed="rId5" cstate="print">
+              <a:extLst>
+                <a:ext uri="{28A0092B-C50C-407E-A947-70E740481C1C}">
+                  <a14:useLocalDpi xmlns:a14="http://schemas.microsoft.com/office/drawing/2010/main" val="0"/>
+                </a:ext>
+              </a:extLst>
+            </a:blip>
+            <a:srcRect/>
+            <a:stretch>
+              <a:fillRect/>
+            </a:stretch>
+          </p:blipFill>
+          <p:spPr bwMode="auto">
+            <a:xfrm>
+              <a:off x="5562600" y="1472803"/>
+              <a:ext cx="2133600" cy="2133601"/>
+            </a:xfrm>
+            <a:prstGeom prst="rect">
+              <a:avLst/>
+            </a:prstGeom>
+            <a:noFill/>
+            <a:extLst>
+              <a:ext uri="{909E8E84-426E-40DD-AFC4-6F175D3DCCD1}">
+                <a14:hiddenFill xmlns:a14="http://schemas.microsoft.com/office/drawing/2010/main">
+                  <a:solidFill>
+                    <a:srgbClr val="FFFFFF"/>
+                  </a:solidFill>
+                </a14:hiddenFill>
+              </a:ext>
+            </a:extLst>
+          </p:spPr>
+        </p:pic>
+        <p:sp>
+          <p:nvSpPr>
+            <p:cNvPr id="22" name="TextBox 21"/>
+            <p:cNvSpPr txBox="1"/>
+            <p:nvPr/>
+          </p:nvSpPr>
+          <p:spPr>
+            <a:xfrm>
+              <a:off x="5391150" y="3606404"/>
+              <a:ext cx="2438400" cy="461665"/>
+            </a:xfrm>
+            <a:prstGeom prst="rect">
+              <a:avLst/>
+            </a:prstGeom>
+            <a:noFill/>
+          </p:spPr>
+          <p:txBody>
+            <a:bodyPr wrap="square" rtlCol="0">
+              <a:spAutoFit/>
+            </a:bodyPr>
+            <a:lstStyle/>
+            <a:p>
+              <a:pPr algn="r"/>
+              <a:r>
+                <a:rPr lang="en-US" sz="2400" dirty="0" err="1" smtClean="0"/>
+                <a:t>Bảo</a:t>
+              </a:r>
+              <a:r>
+                <a:rPr lang="en-US" sz="2400" dirty="0" smtClean="0"/>
+                <a:t> </a:t>
+              </a:r>
+              <a:r>
+                <a:rPr lang="en-US" sz="2400" dirty="0" err="1" smtClean="0"/>
+                <a:t>mật</a:t>
+              </a:r>
+              <a:r>
+                <a:rPr lang="en-US" sz="2400" dirty="0" smtClean="0"/>
+                <a:t> </a:t>
+              </a:r>
+              <a:r>
+                <a:rPr lang="en-US" sz="2400" dirty="0" err="1" smtClean="0"/>
+                <a:t>dữ</a:t>
+              </a:r>
+              <a:r>
+                <a:rPr lang="en-US" sz="2400" dirty="0" smtClean="0"/>
+                <a:t> </a:t>
+              </a:r>
+              <a:r>
+                <a:rPr lang="en-US" sz="2400" dirty="0" err="1" smtClean="0"/>
+                <a:t>liệu</a:t>
+              </a:r>
+              <a:endParaRPr lang="en-US" sz="2400" dirty="0"/>
+            </a:p>
+          </p:txBody>
+        </p:sp>
+      </p:grpSp>
+    </p:spTree>
+    <p:extLst>
+      <p:ext uri="{BB962C8B-B14F-4D97-AF65-F5344CB8AC3E}">
+        <p14:creationId xmlns:p14="http://schemas.microsoft.com/office/powerpoint/2010/main" val="3361453668"/>
+      </p:ext>
+    </p:extLst>
+  </p:cSld>
+  <p:clrMapOvr>
+    <a:masterClrMapping/>
+  </p:clrMapOvr>
+  <p:timing>
+    <p:tnLst>
+      <p:par>
+        <p:cTn id="1" dur="indefinite" restart="never" nodeType="tmRoot"/>
+      </p:par>
+    </p:tnLst>
+  </p:timing>
+</p:sld>
+</file>
+
+<file path=ppt/slides/slide9.xml><?xml version="1.0" encoding="utf-8"?>
+<p:sld xmlns:a="http://schemas.openxmlformats.org/drawingml/2006/main" xmlns:r="http://schemas.openxmlformats.org/officeDocument/2006/relationships" xmlns:p="http://schemas.openxmlformats.org/presentationml/2006/main">
+  <p:cSld>
+    <p:spTree>
+      <p:nvGrpSpPr>
+        <p:cNvPr id="1" name=""/>
+        <p:cNvGrpSpPr/>
+        <p:nvPr/>
+      </p:nvGrpSpPr>
+      <p:grpSpPr>
+        <a:xfrm>
+          <a:off x="0" y="0"/>
+          <a:ext cx="0" cy="0"/>
+          <a:chOff x="0" y="0"/>
+          <a:chExt cx="0" cy="0"/>
+        </a:xfrm>
+      </p:grpSpPr>
+      <p:sp>
+        <p:nvSpPr>
+          <p:cNvPr id="3" name="Title 2"/>
+          <p:cNvSpPr>
+            <a:spLocks noGrp="1"/>
+          </p:cNvSpPr>
+          <p:nvPr>
+            <p:ph type="title"/>
+          </p:nvPr>
+        </p:nvSpPr>
+        <p:spPr/>
+        <p:txBody>
+          <a:bodyPr/>
+          <a:lstStyle/>
+          <a:p>
+            <a:r>
+              <a:rPr lang="en-US" dirty="0" smtClean="0"/>
+              <a:t>MỤC TIÊU ĐỀ TÀI</a:t>
+            </a:r>
+            <a:endParaRPr lang="en-US" dirty="0"/>
+          </a:p>
+        </p:txBody>
+      </p:sp>
+      <p:grpSp>
+        <p:nvGrpSpPr>
+          <p:cNvPr id="14" name="Group 13"/>
+          <p:cNvGrpSpPr/>
+          <p:nvPr/>
+        </p:nvGrpSpPr>
+        <p:grpSpPr>
+          <a:xfrm>
+            <a:off x="1447800" y="1550041"/>
+            <a:ext cx="2112661" cy="2499371"/>
+            <a:chOff x="3221476" y="1504950"/>
+            <a:chExt cx="2112661" cy="2499371"/>
+          </a:xfrm>
+        </p:grpSpPr>
+        <p:sp>
+          <p:nvSpPr>
+            <p:cNvPr id="15" name="TextBox 14"/>
+            <p:cNvSpPr txBox="1"/>
+            <p:nvPr/>
+          </p:nvSpPr>
+          <p:spPr>
+            <a:xfrm>
+              <a:off x="3221476" y="3634989"/>
+              <a:ext cx="2112661" cy="369332"/>
+            </a:xfrm>
+            <a:prstGeom prst="rect">
+              <a:avLst/>
+            </a:prstGeom>
+            <a:noFill/>
+          </p:spPr>
+          <p:txBody>
+            <a:bodyPr wrap="square" rtlCol="0">
+              <a:spAutoFit/>
+            </a:bodyPr>
+            <a:lstStyle/>
+            <a:p>
+              <a:pPr algn="ctr"/>
+              <a:r>
+                <a:rPr lang="en-US" dirty="0" err="1" smtClean="0"/>
+                <a:t>Báo</a:t>
+              </a:r>
+              <a:r>
+                <a:rPr lang="en-US" dirty="0" smtClean="0"/>
+                <a:t> </a:t>
+              </a:r>
+              <a:r>
+                <a:rPr lang="en-US" dirty="0" err="1" smtClean="0"/>
+                <a:t>cáo</a:t>
+              </a:r>
+              <a:r>
+                <a:rPr lang="en-US" dirty="0" smtClean="0"/>
+                <a:t> </a:t>
+              </a:r>
+              <a:r>
+                <a:rPr lang="en-US" dirty="0" err="1" smtClean="0"/>
+                <a:t>hiệu</a:t>
+              </a:r>
+              <a:r>
+                <a:rPr lang="en-US" dirty="0" smtClean="0"/>
+                <a:t> </a:t>
+              </a:r>
+              <a:r>
+                <a:rPr lang="en-US" dirty="0" err="1" smtClean="0"/>
+                <a:t>quả</a:t>
+              </a:r>
+              <a:endParaRPr lang="en-US" dirty="0" smtClean="0"/>
+            </a:p>
+          </p:txBody>
+        </p:sp>
+        <p:pic>
+          <p:nvPicPr>
+            <p:cNvPr id="16" name="Picture 4" descr="http://ec.europa.eu/environment/waste/reporting/images/173649127.jpg"/>
+            <p:cNvPicPr>
+              <a:picLocks noChangeAspect="1" noChangeArrowheads="1"/>
+            </p:cNvPicPr>
+            <p:nvPr/>
+          </p:nvPicPr>
+          <p:blipFill rotWithShape="1">
+            <a:blip r:embed="rId2">
+              <a:extLst>
+                <a:ext uri="{28A0092B-C50C-407E-A947-70E740481C1C}">
+                  <a14:useLocalDpi xmlns:a14="http://schemas.microsoft.com/office/drawing/2010/main" val="0"/>
+                </a:ext>
+              </a:extLst>
+            </a:blip>
+            <a:srcRect l="8267" t="8248" r="8734" b="8010"/>
+            <a:stretch/>
+          </p:blipFill>
+          <p:spPr bwMode="auto">
+            <a:xfrm>
+              <a:off x="3221476" y="1504950"/>
+              <a:ext cx="2112661" cy="2131574"/>
+            </a:xfrm>
+            <a:prstGeom prst="rect">
+              <a:avLst/>
+            </a:prstGeom>
+            <a:noFill/>
+            <a:extLst>
+              <a:ext uri="{909E8E84-426E-40DD-AFC4-6F175D3DCCD1}">
+                <a14:hiddenFill xmlns:a14="http://schemas.microsoft.com/office/drawing/2010/main">
+                  <a:solidFill>
+                    <a:srgbClr val="FFFFFF"/>
+                  </a:solidFill>
+                </a14:hiddenFill>
+              </a:ext>
+            </a:extLst>
+          </p:spPr>
+        </p:pic>
+      </p:grpSp>
+      <p:grpSp>
+        <p:nvGrpSpPr>
+          <p:cNvPr id="17" name="Group 16"/>
+          <p:cNvGrpSpPr/>
+          <p:nvPr/>
+        </p:nvGrpSpPr>
+        <p:grpSpPr>
+          <a:xfrm>
+            <a:off x="5510943" y="1937715"/>
             <a:ext cx="1906621" cy="2093357"/>
             <a:chOff x="6581572" y="2170646"/>
             <a:chExt cx="1906621" cy="2093357"/>
@@ -32148,14 +32941,14 @@
         </p:grpSpPr>
         <p:pic>
           <p:nvPicPr>
-            <p:cNvPr id="1030" name="Picture 6" descr="guider.jpg (200×181)"/>
+            <p:cNvPr id="18" name="Picture 6" descr="guider.jpg (200×181)"/>
             <p:cNvPicPr>
               <a:picLocks noChangeAspect="1" noChangeArrowheads="1"/>
             </p:cNvPicPr>
             <p:nvPr/>
           </p:nvPicPr>
           <p:blipFill>
-            <a:blip r:embed="rId4">
+            <a:blip r:embed="rId3">
               <a:extLst>
                 <a:ext uri="{28A0092B-C50C-407E-A947-70E740481C1C}">
                   <a14:useLocalDpi xmlns:a14="http://schemas.microsoft.com/office/drawing/2010/main" val="0"/>
@@ -32189,7 +32982,7 @@
         </p:pic>
         <p:sp>
           <p:nvSpPr>
-            <p:cNvPr id="11" name="TextBox 10"/>
+            <p:cNvPr id="19" name="TextBox 18"/>
             <p:cNvSpPr txBox="1"/>
             <p:nvPr/>
           </p:nvSpPr>
@@ -32243,7 +33036,7 @@
         </p:sp>
         <p:sp>
           <p:nvSpPr>
-            <p:cNvPr id="13" name="Down Arrow 12"/>
+            <p:cNvPr id="20" name="Down Arrow 19"/>
             <p:cNvSpPr/>
             <p:nvPr/>
           </p:nvSpPr>
@@ -32289,227 +33082,18 @@
           </p:txBody>
         </p:sp>
       </p:grpSp>
-    </p:spTree>
-    <p:extLst>
-      <p:ext uri="{BB962C8B-B14F-4D97-AF65-F5344CB8AC3E}">
-        <p14:creationId xmlns:p14="http://schemas.microsoft.com/office/powerpoint/2010/main" val="3361453668"/>
-      </p:ext>
-    </p:extLst>
-  </p:cSld>
-  <p:clrMapOvr>
-    <a:masterClrMapping/>
-  </p:clrMapOvr>
-  <p:timing>
-    <p:tnLst>
-      <p:par>
-        <p:cTn id="1" dur="indefinite" restart="never" nodeType="tmRoot"/>
-      </p:par>
-    </p:tnLst>
-  </p:timing>
-</p:sld>
-</file>
-
-<file path=ppt/slides/slide8.xml><?xml version="1.0" encoding="utf-8"?>
-<p:sld xmlns:a="http://schemas.openxmlformats.org/drawingml/2006/main" xmlns:r="http://schemas.openxmlformats.org/officeDocument/2006/relationships" xmlns:p="http://schemas.openxmlformats.org/presentationml/2006/main">
-  <p:cSld>
-    <p:spTree>
-      <p:nvGrpSpPr>
-        <p:cNvPr id="1" name=""/>
-        <p:cNvGrpSpPr/>
-        <p:nvPr/>
-      </p:nvGrpSpPr>
-      <p:grpSpPr>
-        <a:xfrm>
-          <a:off x="0" y="0"/>
-          <a:ext cx="0" cy="0"/>
-          <a:chOff x="0" y="0"/>
-          <a:chExt cx="0" cy="0"/>
-        </a:xfrm>
-      </p:grpSpPr>
       <p:sp>
         <p:nvSpPr>
-          <p:cNvPr id="3" name="Title 2"/>
-          <p:cNvSpPr>
-            <a:spLocks noGrp="1"/>
-          </p:cNvSpPr>
-          <p:nvPr>
-            <p:ph type="title"/>
-          </p:nvPr>
-        </p:nvSpPr>
-        <p:spPr/>
-        <p:txBody>
-          <a:bodyPr/>
-          <a:lstStyle/>
-          <a:p>
-            <a:r>
-              <a:rPr lang="en-US" dirty="0" smtClean="0"/>
-              <a:t>MỤC TIÊU ĐỀ TÀI</a:t>
-            </a:r>
-            <a:endParaRPr lang="en-US" dirty="0"/>
-          </a:p>
-        </p:txBody>
-      </p:sp>
-      <p:graphicFrame>
-        <p:nvGraphicFramePr>
-          <p:cNvPr id="4" name="Diagram 3"/>
-          <p:cNvGraphicFramePr/>
-          <p:nvPr>
-            <p:extLst>
-              <p:ext uri="{D42A27DB-BD31-4B8C-83A1-F6EECF244321}">
-                <p14:modId xmlns:p14="http://schemas.microsoft.com/office/powerpoint/2010/main" val="3005323061"/>
-              </p:ext>
-            </p:extLst>
-          </p:nvPr>
-        </p:nvGraphicFramePr>
-        <p:xfrm>
-          <a:off x="2590800" y="1657350"/>
-          <a:ext cx="6324600" cy="2946400"/>
-        </p:xfrm>
-        <a:graphic>
-          <a:graphicData uri="http://schemas.openxmlformats.org/drawingml/2006/diagram">
-            <dgm:relIds xmlns:dgm="http://schemas.openxmlformats.org/drawingml/2006/diagram" xmlns:r="http://schemas.openxmlformats.org/officeDocument/2006/relationships" r:dm="rId2" r:lo="rId3" r:qs="rId4" r:cs="rId5"/>
-          </a:graphicData>
-        </a:graphic>
-      </p:graphicFrame>
-      <p:pic>
-        <p:nvPicPr>
-          <p:cNvPr id="5" name="Picture 6" descr="http://www.raawee.com/img/happy-employee.jpg"/>
-          <p:cNvPicPr>
-            <a:picLocks noChangeAspect="1" noChangeArrowheads="1"/>
-          </p:cNvPicPr>
-          <p:nvPr/>
-        </p:nvPicPr>
-        <p:blipFill>
-          <a:blip r:embed="rId7">
-            <a:extLst>
-              <a:ext uri="{28A0092B-C50C-407E-A947-70E740481C1C}">
-                <a14:useLocalDpi xmlns:a14="http://schemas.microsoft.com/office/drawing/2010/main" val="0"/>
-              </a:ext>
-            </a:extLst>
-          </a:blip>
-          <a:srcRect/>
-          <a:stretch>
-            <a:fillRect/>
-          </a:stretch>
-        </p:blipFill>
-        <p:spPr bwMode="auto">
-          <a:xfrm>
-            <a:off x="380999" y="1962150"/>
-            <a:ext cx="2941367" cy="2209800"/>
-          </a:xfrm>
-          <a:prstGeom prst="rect">
-            <a:avLst/>
-          </a:prstGeom>
-          <a:noFill/>
-          <a:extLst>
-            <a:ext uri="{909E8E84-426E-40DD-AFC4-6F175D3DCCD1}">
-              <a14:hiddenFill xmlns:a14="http://schemas.microsoft.com/office/drawing/2010/main">
-                <a:solidFill>
-                  <a:srgbClr val="FFFFFF"/>
-                </a:solidFill>
-              </a14:hiddenFill>
-            </a:ext>
-          </a:extLst>
-        </p:spPr>
-      </p:pic>
-    </p:spTree>
-    <p:extLst>
-      <p:ext uri="{BB962C8B-B14F-4D97-AF65-F5344CB8AC3E}">
-        <p14:creationId xmlns:p14="http://schemas.microsoft.com/office/powerpoint/2010/main" val="3250442140"/>
-      </p:ext>
-    </p:extLst>
-  </p:cSld>
-  <p:clrMapOvr>
-    <a:masterClrMapping/>
-  </p:clrMapOvr>
-  <p:timing>
-    <p:tnLst>
-      <p:par>
-        <p:cTn id="1" dur="indefinite" restart="never" nodeType="tmRoot"/>
-      </p:par>
-    </p:tnLst>
-  </p:timing>
-</p:sld>
-</file>
-
-<file path=ppt/slides/slide9.xml><?xml version="1.0" encoding="utf-8"?>
-<p:sld xmlns:a="http://schemas.openxmlformats.org/drawingml/2006/main" xmlns:r="http://schemas.openxmlformats.org/officeDocument/2006/relationships" xmlns:p="http://schemas.openxmlformats.org/presentationml/2006/main">
-  <p:cSld>
-    <p:spTree>
-      <p:nvGrpSpPr>
-        <p:cNvPr id="1" name=""/>
-        <p:cNvGrpSpPr/>
-        <p:nvPr/>
-      </p:nvGrpSpPr>
-      <p:grpSpPr>
-        <a:xfrm>
-          <a:off x="0" y="0"/>
-          <a:ext cx="0" cy="0"/>
-          <a:chOff x="0" y="0"/>
-          <a:chExt cx="0" cy="0"/>
-        </a:xfrm>
-      </p:grpSpPr>
-      <p:sp>
-        <p:nvSpPr>
-          <p:cNvPr id="3" name="Title 2"/>
-          <p:cNvSpPr>
-            <a:spLocks noGrp="1"/>
-          </p:cNvSpPr>
-          <p:nvPr>
-            <p:ph type="title"/>
-          </p:nvPr>
-        </p:nvSpPr>
-        <p:spPr/>
-        <p:txBody>
-          <a:bodyPr/>
-          <a:lstStyle/>
-          <a:p>
-            <a:r>
-              <a:rPr lang="en-US" dirty="0">
-                <a:solidFill>
-                  <a:schemeClr val="bg1"/>
-                </a:solidFill>
-              </a:rPr>
-              <a:t>MỤC TIÊU ĐỀ TÀI</a:t>
-            </a:r>
-            <a:endParaRPr lang="en-US" dirty="0"/>
-          </a:p>
-        </p:txBody>
-      </p:sp>
-      <p:graphicFrame>
-        <p:nvGraphicFramePr>
-          <p:cNvPr id="18" name="Diagram 17"/>
-          <p:cNvGraphicFramePr/>
-          <p:nvPr>
-            <p:extLst>
-              <p:ext uri="{D42A27DB-BD31-4B8C-83A1-F6EECF244321}">
-                <p14:modId xmlns:p14="http://schemas.microsoft.com/office/powerpoint/2010/main" val="416391241"/>
-              </p:ext>
-            </p:extLst>
-          </p:nvPr>
-        </p:nvGraphicFramePr>
-        <p:xfrm>
-          <a:off x="3276600" y="1581150"/>
-          <a:ext cx="5410200" cy="3048000"/>
-        </p:xfrm>
-        <a:graphic>
-          <a:graphicData uri="http://schemas.openxmlformats.org/drawingml/2006/diagram">
-            <dgm:relIds xmlns:dgm="http://schemas.openxmlformats.org/drawingml/2006/diagram" xmlns:r="http://schemas.openxmlformats.org/officeDocument/2006/relationships" r:dm="rId2" r:lo="rId3" r:qs="rId4" r:cs="rId5"/>
-          </a:graphicData>
-        </a:graphic>
-      </p:graphicFrame>
-      <p:sp>
-        <p:nvSpPr>
-          <p:cNvPr id="2" name="Rounded Rectangle 1"/>
+          <p:cNvPr id="9" name="Right Arrow 8"/>
           <p:cNvSpPr/>
           <p:nvPr/>
         </p:nvSpPr>
         <p:spPr>
           <a:xfrm>
-            <a:off x="457200" y="1787492"/>
-            <a:ext cx="2133600" cy="609600"/>
+            <a:off x="3962400" y="2615828"/>
+            <a:ext cx="1066800" cy="641722"/>
           </a:xfrm>
-          <a:prstGeom prst="roundRect">
+          <a:prstGeom prst="rightArrow">
             <a:avLst/>
           </a:prstGeom>
         </p:spPr>
@@ -32534,180 +33118,14 @@
           <a:lstStyle/>
           <a:p>
             <a:pPr algn="ctr"/>
-            <a:r>
-              <a:rPr lang="en-US" dirty="0" smtClean="0"/>
-              <a:t>Presentation</a:t>
-            </a:r>
-            <a:endParaRPr lang="en-US" dirty="0"/>
+            <a:endParaRPr lang="en-US"/>
           </a:p>
         </p:txBody>
       </p:sp>
-      <p:sp>
-        <p:nvSpPr>
-          <p:cNvPr id="9" name="Rounded Rectangle 8"/>
-          <p:cNvSpPr/>
-          <p:nvPr/>
-        </p:nvSpPr>
-        <p:spPr>
-          <a:xfrm>
-            <a:off x="457200" y="2724150"/>
-            <a:ext cx="2133600" cy="609600"/>
-          </a:xfrm>
-          <a:prstGeom prst="roundRect">
-            <a:avLst/>
-          </a:prstGeom>
-        </p:spPr>
-        <p:style>
-          <a:lnRef idx="2">
-            <a:schemeClr val="accent1">
-              <a:shade val="50000"/>
-            </a:schemeClr>
-          </a:lnRef>
-          <a:fillRef idx="1">
-            <a:schemeClr val="accent1"/>
-          </a:fillRef>
-          <a:effectRef idx="0">
-            <a:schemeClr val="accent1"/>
-          </a:effectRef>
-          <a:fontRef idx="minor">
-            <a:schemeClr val="lt1"/>
-          </a:fontRef>
-        </p:style>
-        <p:txBody>
-          <a:bodyPr rtlCol="0" anchor="ctr"/>
-          <a:lstStyle/>
-          <a:p>
-            <a:pPr algn="ctr"/>
-            <a:r>
-              <a:rPr lang="en-US" dirty="0" smtClean="0"/>
-              <a:t>Business</a:t>
-            </a:r>
-            <a:endParaRPr lang="en-US" dirty="0"/>
-          </a:p>
-        </p:txBody>
-      </p:sp>
-      <p:sp>
-        <p:nvSpPr>
-          <p:cNvPr id="10" name="Rounded Rectangle 9"/>
-          <p:cNvSpPr/>
-          <p:nvPr/>
-        </p:nvSpPr>
-        <p:spPr>
-          <a:xfrm>
-            <a:off x="457200" y="3638550"/>
-            <a:ext cx="2133600" cy="609600"/>
-          </a:xfrm>
-          <a:prstGeom prst="roundRect">
-            <a:avLst/>
-          </a:prstGeom>
-        </p:spPr>
-        <p:style>
-          <a:lnRef idx="2">
-            <a:schemeClr val="accent1">
-              <a:shade val="50000"/>
-            </a:schemeClr>
-          </a:lnRef>
-          <a:fillRef idx="1">
-            <a:schemeClr val="accent1"/>
-          </a:fillRef>
-          <a:effectRef idx="0">
-            <a:schemeClr val="accent1"/>
-          </a:effectRef>
-          <a:fontRef idx="minor">
-            <a:schemeClr val="lt1"/>
-          </a:fontRef>
-        </p:style>
-        <p:txBody>
-          <a:bodyPr rtlCol="0" anchor="ctr"/>
-          <a:lstStyle/>
-          <a:p>
-            <a:pPr algn="ctr"/>
-            <a:r>
-              <a:rPr lang="en-US" dirty="0" smtClean="0"/>
-              <a:t>Database</a:t>
-            </a:r>
-            <a:endParaRPr lang="en-US" dirty="0"/>
-          </a:p>
-        </p:txBody>
-      </p:sp>
-      <p:cxnSp>
-        <p:nvCxnSpPr>
-          <p:cNvPr id="12" name="Straight Arrow Connector 11"/>
-          <p:cNvCxnSpPr>
-            <a:stCxn id="2" idx="2"/>
-            <a:endCxn id="9" idx="0"/>
-          </p:cNvCxnSpPr>
-          <p:nvPr/>
-        </p:nvCxnSpPr>
-        <p:spPr>
-          <a:xfrm>
-            <a:off x="1524000" y="2397092"/>
-            <a:ext cx="0" cy="327058"/>
-          </a:xfrm>
-          <a:prstGeom prst="straightConnector1">
-            <a:avLst/>
-          </a:prstGeom>
-          <a:ln w="25400">
-            <a:headEnd type="arrow" w="sm" len="sm"/>
-            <a:tailEnd type="arrow" w="sm" len="sm"/>
-          </a:ln>
-        </p:spPr>
-        <p:style>
-          <a:lnRef idx="1">
-            <a:schemeClr val="accent1"/>
-          </a:lnRef>
-          <a:fillRef idx="0">
-            <a:schemeClr val="accent1"/>
-          </a:fillRef>
-          <a:effectRef idx="0">
-            <a:schemeClr val="accent1"/>
-          </a:effectRef>
-          <a:fontRef idx="minor">
-            <a:schemeClr val="tx1"/>
-          </a:fontRef>
-        </p:style>
-      </p:cxnSp>
-      <p:cxnSp>
-        <p:nvCxnSpPr>
-          <p:cNvPr id="14" name="Straight Arrow Connector 13"/>
-          <p:cNvCxnSpPr>
-            <a:stCxn id="9" idx="2"/>
-            <a:endCxn id="10" idx="0"/>
-          </p:cNvCxnSpPr>
-          <p:nvPr/>
-        </p:nvCxnSpPr>
-        <p:spPr>
-          <a:xfrm>
-            <a:off x="1524000" y="3333750"/>
-            <a:ext cx="0" cy="304800"/>
-          </a:xfrm>
-          <a:prstGeom prst="straightConnector1">
-            <a:avLst/>
-          </a:prstGeom>
-          <a:ln w="25400">
-            <a:headEnd type="arrow" w="sm" len="sm"/>
-            <a:tailEnd type="arrow" w="sm" len="sm"/>
-          </a:ln>
-        </p:spPr>
-        <p:style>
-          <a:lnRef idx="1">
-            <a:schemeClr val="accent1"/>
-          </a:lnRef>
-          <a:fillRef idx="0">
-            <a:schemeClr val="accent1"/>
-          </a:fillRef>
-          <a:effectRef idx="0">
-            <a:schemeClr val="accent1"/>
-          </a:effectRef>
-          <a:fontRef idx="minor">
-            <a:schemeClr val="tx1"/>
-          </a:fontRef>
-        </p:style>
-      </p:cxnSp>
     </p:spTree>
     <p:extLst>
       <p:ext uri="{BB962C8B-B14F-4D97-AF65-F5344CB8AC3E}">
-        <p14:creationId xmlns:p14="http://schemas.microsoft.com/office/powerpoint/2010/main" val="2448920553"/>
+        <p14:creationId xmlns:p14="http://schemas.microsoft.com/office/powerpoint/2010/main" val="1332570013"/>
       </p:ext>
     </p:extLst>
   </p:cSld>

--- a/BaoCao.pptx
+++ b/BaoCao.pptx
@@ -2369,6 +2369,753 @@
 </file>
 
 <file path=ppt/diagrams/colors4.xml><?xml version="1.0" encoding="utf-8"?>
+<dgm:colorsDef xmlns:dgm="http://schemas.openxmlformats.org/drawingml/2006/diagram" xmlns:a="http://schemas.openxmlformats.org/drawingml/2006/main" uniqueId="urn:microsoft.com/office/officeart/2005/8/colors/accent1_2">
+  <dgm:title val=""/>
+  <dgm:desc val=""/>
+  <dgm:catLst>
+    <dgm:cat type="accent1" pri="11200"/>
+  </dgm:catLst>
+  <dgm:styleLbl name="node0">
+    <dgm:fillClrLst meth="repeat">
+      <a:schemeClr val="accent1"/>
+    </dgm:fillClrLst>
+    <dgm:linClrLst meth="repeat">
+      <a:schemeClr val="lt1"/>
+    </dgm:linClrLst>
+    <dgm:effectClrLst/>
+    <dgm:txLinClrLst/>
+    <dgm:txFillClrLst/>
+    <dgm:txEffectClrLst/>
+  </dgm:styleLbl>
+  <dgm:styleLbl name="alignNode1">
+    <dgm:fillClrLst meth="repeat">
+      <a:schemeClr val="accent1"/>
+    </dgm:fillClrLst>
+    <dgm:linClrLst meth="repeat">
+      <a:schemeClr val="accent1"/>
+    </dgm:linClrLst>
+    <dgm:effectClrLst/>
+    <dgm:txLinClrLst/>
+    <dgm:txFillClrLst/>
+    <dgm:txEffectClrLst/>
+  </dgm:styleLbl>
+  <dgm:styleLbl name="node1">
+    <dgm:fillClrLst meth="repeat">
+      <a:schemeClr val="accent1"/>
+    </dgm:fillClrLst>
+    <dgm:linClrLst meth="repeat">
+      <a:schemeClr val="lt1"/>
+    </dgm:linClrLst>
+    <dgm:effectClrLst/>
+    <dgm:txLinClrLst/>
+    <dgm:txFillClrLst/>
+    <dgm:txEffectClrLst/>
+  </dgm:styleLbl>
+  <dgm:styleLbl name="lnNode1">
+    <dgm:fillClrLst meth="repeat">
+      <a:schemeClr val="accent1"/>
+    </dgm:fillClrLst>
+    <dgm:linClrLst meth="repeat">
+      <a:schemeClr val="lt1"/>
+    </dgm:linClrLst>
+    <dgm:effectClrLst/>
+    <dgm:txLinClrLst/>
+    <dgm:txFillClrLst/>
+    <dgm:txEffectClrLst/>
+  </dgm:styleLbl>
+  <dgm:styleLbl name="vennNode1">
+    <dgm:fillClrLst meth="repeat">
+      <a:schemeClr val="accent1">
+        <a:alpha val="50000"/>
+      </a:schemeClr>
+    </dgm:fillClrLst>
+    <dgm:linClrLst meth="repeat">
+      <a:schemeClr val="lt1"/>
+    </dgm:linClrLst>
+    <dgm:effectClrLst/>
+    <dgm:txLinClrLst/>
+    <dgm:txFillClrLst/>
+    <dgm:txEffectClrLst/>
+  </dgm:styleLbl>
+  <dgm:styleLbl name="node2">
+    <dgm:fillClrLst meth="repeat">
+      <a:schemeClr val="accent1"/>
+    </dgm:fillClrLst>
+    <dgm:linClrLst meth="repeat">
+      <a:schemeClr val="lt1"/>
+    </dgm:linClrLst>
+    <dgm:effectClrLst/>
+    <dgm:txLinClrLst/>
+    <dgm:txFillClrLst/>
+    <dgm:txEffectClrLst/>
+  </dgm:styleLbl>
+  <dgm:styleLbl name="node3">
+    <dgm:fillClrLst meth="repeat">
+      <a:schemeClr val="accent1"/>
+    </dgm:fillClrLst>
+    <dgm:linClrLst meth="repeat">
+      <a:schemeClr val="lt1"/>
+    </dgm:linClrLst>
+    <dgm:effectClrLst/>
+    <dgm:txLinClrLst/>
+    <dgm:txFillClrLst/>
+    <dgm:txEffectClrLst/>
+  </dgm:styleLbl>
+  <dgm:styleLbl name="node4">
+    <dgm:fillClrLst meth="repeat">
+      <a:schemeClr val="accent1"/>
+    </dgm:fillClrLst>
+    <dgm:linClrLst meth="repeat">
+      <a:schemeClr val="lt1"/>
+    </dgm:linClrLst>
+    <dgm:effectClrLst/>
+    <dgm:txLinClrLst/>
+    <dgm:txFillClrLst/>
+    <dgm:txEffectClrLst/>
+  </dgm:styleLbl>
+  <dgm:styleLbl name="fgImgPlace1">
+    <dgm:fillClrLst meth="repeat">
+      <a:schemeClr val="accent1">
+        <a:tint val="50000"/>
+      </a:schemeClr>
+    </dgm:fillClrLst>
+    <dgm:linClrLst meth="repeat">
+      <a:schemeClr val="lt1"/>
+    </dgm:linClrLst>
+    <dgm:effectClrLst/>
+    <dgm:txLinClrLst/>
+    <dgm:txFillClrLst meth="repeat">
+      <a:schemeClr val="lt1"/>
+    </dgm:txFillClrLst>
+    <dgm:txEffectClrLst/>
+  </dgm:styleLbl>
+  <dgm:styleLbl name="alignImgPlace1">
+    <dgm:fillClrLst meth="repeat">
+      <a:schemeClr val="accent1">
+        <a:tint val="50000"/>
+      </a:schemeClr>
+    </dgm:fillClrLst>
+    <dgm:linClrLst meth="repeat">
+      <a:schemeClr val="lt1"/>
+    </dgm:linClrLst>
+    <dgm:effectClrLst/>
+    <dgm:txLinClrLst/>
+    <dgm:txFillClrLst meth="repeat">
+      <a:schemeClr val="lt1"/>
+    </dgm:txFillClrLst>
+    <dgm:txEffectClrLst/>
+  </dgm:styleLbl>
+  <dgm:styleLbl name="bgImgPlace1">
+    <dgm:fillClrLst meth="repeat">
+      <a:schemeClr val="accent1">
+        <a:tint val="50000"/>
+      </a:schemeClr>
+    </dgm:fillClrLst>
+    <dgm:linClrLst meth="repeat">
+      <a:schemeClr val="lt1"/>
+    </dgm:linClrLst>
+    <dgm:effectClrLst/>
+    <dgm:txLinClrLst/>
+    <dgm:txFillClrLst meth="repeat">
+      <a:schemeClr val="lt1"/>
+    </dgm:txFillClrLst>
+    <dgm:txEffectClrLst/>
+  </dgm:styleLbl>
+  <dgm:styleLbl name="sibTrans2D1">
+    <dgm:fillClrLst meth="repeat">
+      <a:schemeClr val="accent1">
+        <a:tint val="60000"/>
+      </a:schemeClr>
+    </dgm:fillClrLst>
+    <dgm:linClrLst meth="repeat">
+      <a:schemeClr val="accent1">
+        <a:tint val="60000"/>
+      </a:schemeClr>
+    </dgm:linClrLst>
+    <dgm:effectClrLst/>
+    <dgm:txLinClrLst/>
+    <dgm:txFillClrLst/>
+    <dgm:txEffectClrLst/>
+  </dgm:styleLbl>
+  <dgm:styleLbl name="fgSibTrans2D1">
+    <dgm:fillClrLst meth="repeat">
+      <a:schemeClr val="accent1">
+        <a:tint val="60000"/>
+      </a:schemeClr>
+    </dgm:fillClrLst>
+    <dgm:linClrLst meth="repeat">
+      <a:schemeClr val="accent1">
+        <a:tint val="60000"/>
+      </a:schemeClr>
+    </dgm:linClrLst>
+    <dgm:effectClrLst/>
+    <dgm:txLinClrLst/>
+    <dgm:txFillClrLst/>
+    <dgm:txEffectClrLst/>
+  </dgm:styleLbl>
+  <dgm:styleLbl name="bgSibTrans2D1">
+    <dgm:fillClrLst meth="repeat">
+      <a:schemeClr val="accent1">
+        <a:tint val="60000"/>
+      </a:schemeClr>
+    </dgm:fillClrLst>
+    <dgm:linClrLst meth="repeat">
+      <a:schemeClr val="accent1">
+        <a:tint val="60000"/>
+      </a:schemeClr>
+    </dgm:linClrLst>
+    <dgm:effectClrLst/>
+    <dgm:txLinClrLst/>
+    <dgm:txFillClrLst/>
+    <dgm:txEffectClrLst/>
+  </dgm:styleLbl>
+  <dgm:styleLbl name="sibTrans1D1">
+    <dgm:fillClrLst meth="repeat">
+      <a:schemeClr val="accent1"/>
+    </dgm:fillClrLst>
+    <dgm:linClrLst meth="repeat">
+      <a:schemeClr val="accent1"/>
+    </dgm:linClrLst>
+    <dgm:effectClrLst/>
+    <dgm:txLinClrLst/>
+    <dgm:txFillClrLst meth="repeat">
+      <a:schemeClr val="tx1"/>
+    </dgm:txFillClrLst>
+    <dgm:txEffectClrLst/>
+  </dgm:styleLbl>
+  <dgm:styleLbl name="callout">
+    <dgm:fillClrLst meth="repeat">
+      <a:schemeClr val="accent1"/>
+    </dgm:fillClrLst>
+    <dgm:linClrLst meth="repeat">
+      <a:schemeClr val="accent1">
+        <a:tint val="50000"/>
+      </a:schemeClr>
+    </dgm:linClrLst>
+    <dgm:effectClrLst/>
+    <dgm:txLinClrLst/>
+    <dgm:txFillClrLst meth="repeat">
+      <a:schemeClr val="tx1"/>
+    </dgm:txFillClrLst>
+    <dgm:txEffectClrLst/>
+  </dgm:styleLbl>
+  <dgm:styleLbl name="asst0">
+    <dgm:fillClrLst meth="repeat">
+      <a:schemeClr val="accent1"/>
+    </dgm:fillClrLst>
+    <dgm:linClrLst meth="repeat">
+      <a:schemeClr val="lt1"/>
+    </dgm:linClrLst>
+    <dgm:effectClrLst/>
+    <dgm:txLinClrLst/>
+    <dgm:txFillClrLst/>
+    <dgm:txEffectClrLst/>
+  </dgm:styleLbl>
+  <dgm:styleLbl name="asst1">
+    <dgm:fillClrLst meth="repeat">
+      <a:schemeClr val="accent1"/>
+    </dgm:fillClrLst>
+    <dgm:linClrLst meth="repeat">
+      <a:schemeClr val="lt1"/>
+    </dgm:linClrLst>
+    <dgm:effectClrLst/>
+    <dgm:txLinClrLst/>
+    <dgm:txFillClrLst/>
+    <dgm:txEffectClrLst/>
+  </dgm:styleLbl>
+  <dgm:styleLbl name="asst2">
+    <dgm:fillClrLst meth="repeat">
+      <a:schemeClr val="accent1"/>
+    </dgm:fillClrLst>
+    <dgm:linClrLst meth="repeat">
+      <a:schemeClr val="lt1"/>
+    </dgm:linClrLst>
+    <dgm:effectClrLst/>
+    <dgm:txLinClrLst/>
+    <dgm:txFillClrLst/>
+    <dgm:txEffectClrLst/>
+  </dgm:styleLbl>
+  <dgm:styleLbl name="asst3">
+    <dgm:fillClrLst meth="repeat">
+      <a:schemeClr val="accent1"/>
+    </dgm:fillClrLst>
+    <dgm:linClrLst meth="repeat">
+      <a:schemeClr val="lt1"/>
+    </dgm:linClrLst>
+    <dgm:effectClrLst/>
+    <dgm:txLinClrLst/>
+    <dgm:txFillClrLst/>
+    <dgm:txEffectClrLst/>
+  </dgm:styleLbl>
+  <dgm:styleLbl name="asst4">
+    <dgm:fillClrLst meth="repeat">
+      <a:schemeClr val="accent1"/>
+    </dgm:fillClrLst>
+    <dgm:linClrLst meth="repeat">
+      <a:schemeClr val="lt1"/>
+    </dgm:linClrLst>
+    <dgm:effectClrLst/>
+    <dgm:txLinClrLst/>
+    <dgm:txFillClrLst/>
+    <dgm:txEffectClrLst/>
+  </dgm:styleLbl>
+  <dgm:styleLbl name="parChTrans2D1">
+    <dgm:fillClrLst meth="repeat">
+      <a:schemeClr val="accent1">
+        <a:tint val="60000"/>
+      </a:schemeClr>
+    </dgm:fillClrLst>
+    <dgm:linClrLst meth="repeat">
+      <a:schemeClr val="accent1">
+        <a:tint val="60000"/>
+      </a:schemeClr>
+    </dgm:linClrLst>
+    <dgm:effectClrLst/>
+    <dgm:txLinClrLst/>
+    <dgm:txFillClrLst meth="repeat">
+      <a:schemeClr val="lt1"/>
+    </dgm:txFillClrLst>
+    <dgm:txEffectClrLst/>
+  </dgm:styleLbl>
+  <dgm:styleLbl name="parChTrans2D2">
+    <dgm:fillClrLst meth="repeat">
+      <a:schemeClr val="accent1"/>
+    </dgm:fillClrLst>
+    <dgm:linClrLst meth="repeat">
+      <a:schemeClr val="accent1"/>
+    </dgm:linClrLst>
+    <dgm:effectClrLst/>
+    <dgm:txLinClrLst/>
+    <dgm:txFillClrLst meth="repeat">
+      <a:schemeClr val="lt1"/>
+    </dgm:txFillClrLst>
+    <dgm:txEffectClrLst/>
+  </dgm:styleLbl>
+  <dgm:styleLbl name="parChTrans2D3">
+    <dgm:fillClrLst meth="repeat">
+      <a:schemeClr val="accent1"/>
+    </dgm:fillClrLst>
+    <dgm:linClrLst meth="repeat">
+      <a:schemeClr val="accent1"/>
+    </dgm:linClrLst>
+    <dgm:effectClrLst/>
+    <dgm:txLinClrLst/>
+    <dgm:txFillClrLst meth="repeat">
+      <a:schemeClr val="lt1"/>
+    </dgm:txFillClrLst>
+    <dgm:txEffectClrLst/>
+  </dgm:styleLbl>
+  <dgm:styleLbl name="parChTrans2D4">
+    <dgm:fillClrLst meth="repeat">
+      <a:schemeClr val="accent1"/>
+    </dgm:fillClrLst>
+    <dgm:linClrLst meth="repeat">
+      <a:schemeClr val="accent1"/>
+    </dgm:linClrLst>
+    <dgm:effectClrLst/>
+    <dgm:txLinClrLst/>
+    <dgm:txFillClrLst meth="repeat">
+      <a:schemeClr val="lt1"/>
+    </dgm:txFillClrLst>
+    <dgm:txEffectClrLst/>
+  </dgm:styleLbl>
+  <dgm:styleLbl name="parChTrans1D1">
+    <dgm:fillClrLst meth="repeat">
+      <a:schemeClr val="accent1"/>
+    </dgm:fillClrLst>
+    <dgm:linClrLst meth="repeat">
+      <a:schemeClr val="accent1">
+        <a:shade val="60000"/>
+      </a:schemeClr>
+    </dgm:linClrLst>
+    <dgm:effectClrLst/>
+    <dgm:txLinClrLst/>
+    <dgm:txFillClrLst meth="repeat">
+      <a:schemeClr val="tx1"/>
+    </dgm:txFillClrLst>
+    <dgm:txEffectClrLst/>
+  </dgm:styleLbl>
+  <dgm:styleLbl name="parChTrans1D2">
+    <dgm:fillClrLst meth="repeat">
+      <a:schemeClr val="accent1"/>
+    </dgm:fillClrLst>
+    <dgm:linClrLst meth="repeat">
+      <a:schemeClr val="accent1">
+        <a:shade val="60000"/>
+      </a:schemeClr>
+    </dgm:linClrLst>
+    <dgm:effectClrLst/>
+    <dgm:txLinClrLst/>
+    <dgm:txFillClrLst meth="repeat">
+      <a:schemeClr val="tx1"/>
+    </dgm:txFillClrLst>
+    <dgm:txEffectClrLst/>
+  </dgm:styleLbl>
+  <dgm:styleLbl name="parChTrans1D3">
+    <dgm:fillClrLst meth="repeat">
+      <a:schemeClr val="accent1"/>
+    </dgm:fillClrLst>
+    <dgm:linClrLst meth="repeat">
+      <a:schemeClr val="accent1">
+        <a:shade val="80000"/>
+      </a:schemeClr>
+    </dgm:linClrLst>
+    <dgm:effectClrLst/>
+    <dgm:txLinClrLst/>
+    <dgm:txFillClrLst meth="repeat">
+      <a:schemeClr val="tx1"/>
+    </dgm:txFillClrLst>
+    <dgm:txEffectClrLst/>
+  </dgm:styleLbl>
+  <dgm:styleLbl name="parChTrans1D4">
+    <dgm:fillClrLst meth="repeat">
+      <a:schemeClr val="accent1"/>
+    </dgm:fillClrLst>
+    <dgm:linClrLst meth="repeat">
+      <a:schemeClr val="accent1">
+        <a:shade val="80000"/>
+      </a:schemeClr>
+    </dgm:linClrLst>
+    <dgm:effectClrLst/>
+    <dgm:txLinClrLst/>
+    <dgm:txFillClrLst meth="repeat">
+      <a:schemeClr val="tx1"/>
+    </dgm:txFillClrLst>
+    <dgm:txEffectClrLst/>
+  </dgm:styleLbl>
+  <dgm:styleLbl name="fgAcc1">
+    <dgm:fillClrLst meth="repeat">
+      <a:schemeClr val="lt1">
+        <a:alpha val="90000"/>
+      </a:schemeClr>
+    </dgm:fillClrLst>
+    <dgm:linClrLst meth="repeat">
+      <a:schemeClr val="accent1"/>
+    </dgm:linClrLst>
+    <dgm:effectClrLst/>
+    <dgm:txLinClrLst/>
+    <dgm:txFillClrLst meth="repeat">
+      <a:schemeClr val="dk1"/>
+    </dgm:txFillClrLst>
+    <dgm:txEffectClrLst/>
+  </dgm:styleLbl>
+  <dgm:styleLbl name="conFgAcc1">
+    <dgm:fillClrLst meth="repeat">
+      <a:schemeClr val="lt1">
+        <a:alpha val="90000"/>
+      </a:schemeClr>
+    </dgm:fillClrLst>
+    <dgm:linClrLst meth="repeat">
+      <a:schemeClr val="accent1"/>
+    </dgm:linClrLst>
+    <dgm:effectClrLst/>
+    <dgm:txLinClrLst/>
+    <dgm:txFillClrLst meth="repeat">
+      <a:schemeClr val="dk1"/>
+    </dgm:txFillClrLst>
+    <dgm:txEffectClrLst/>
+  </dgm:styleLbl>
+  <dgm:styleLbl name="alignAcc1">
+    <dgm:fillClrLst meth="repeat">
+      <a:schemeClr val="lt1">
+        <a:alpha val="90000"/>
+      </a:schemeClr>
+    </dgm:fillClrLst>
+    <dgm:linClrLst meth="repeat">
+      <a:schemeClr val="accent1"/>
+    </dgm:linClrLst>
+    <dgm:effectClrLst/>
+    <dgm:txLinClrLst/>
+    <dgm:txFillClrLst meth="repeat">
+      <a:schemeClr val="dk1"/>
+    </dgm:txFillClrLst>
+    <dgm:txEffectClrLst/>
+  </dgm:styleLbl>
+  <dgm:styleLbl name="trAlignAcc1">
+    <dgm:fillClrLst meth="repeat">
+      <a:schemeClr val="lt1">
+        <a:alpha val="40000"/>
+      </a:schemeClr>
+    </dgm:fillClrLst>
+    <dgm:linClrLst meth="repeat">
+      <a:schemeClr val="accent1"/>
+    </dgm:linClrLst>
+    <dgm:effectClrLst/>
+    <dgm:txLinClrLst/>
+    <dgm:txFillClrLst meth="repeat">
+      <a:schemeClr val="dk1"/>
+    </dgm:txFillClrLst>
+    <dgm:txEffectClrLst/>
+  </dgm:styleLbl>
+  <dgm:styleLbl name="bgAcc1">
+    <dgm:fillClrLst meth="repeat">
+      <a:schemeClr val="lt1">
+        <a:alpha val="90000"/>
+      </a:schemeClr>
+    </dgm:fillClrLst>
+    <dgm:linClrLst meth="repeat">
+      <a:schemeClr val="accent1"/>
+    </dgm:linClrLst>
+    <dgm:effectClrLst/>
+    <dgm:txLinClrLst/>
+    <dgm:txFillClrLst meth="repeat">
+      <a:schemeClr val="dk1"/>
+    </dgm:txFillClrLst>
+    <dgm:txEffectClrLst/>
+  </dgm:styleLbl>
+  <dgm:styleLbl name="solidFgAcc1">
+    <dgm:fillClrLst meth="repeat">
+      <a:schemeClr val="lt1"/>
+    </dgm:fillClrLst>
+    <dgm:linClrLst meth="repeat">
+      <a:schemeClr val="accent1"/>
+    </dgm:linClrLst>
+    <dgm:effectClrLst/>
+    <dgm:txLinClrLst/>
+    <dgm:txFillClrLst meth="repeat">
+      <a:schemeClr val="dk1"/>
+    </dgm:txFillClrLst>
+    <dgm:txEffectClrLst/>
+  </dgm:styleLbl>
+  <dgm:styleLbl name="solidAlignAcc1">
+    <dgm:fillClrLst meth="repeat">
+      <a:schemeClr val="lt1"/>
+    </dgm:fillClrLst>
+    <dgm:linClrLst meth="repeat">
+      <a:schemeClr val="accent1"/>
+    </dgm:linClrLst>
+    <dgm:effectClrLst/>
+    <dgm:txLinClrLst/>
+    <dgm:txFillClrLst meth="repeat">
+      <a:schemeClr val="dk1"/>
+    </dgm:txFillClrLst>
+    <dgm:txEffectClrLst/>
+  </dgm:styleLbl>
+  <dgm:styleLbl name="solidBgAcc1">
+    <dgm:fillClrLst meth="repeat">
+      <a:schemeClr val="lt1"/>
+    </dgm:fillClrLst>
+    <dgm:linClrLst meth="repeat">
+      <a:schemeClr val="accent1"/>
+    </dgm:linClrLst>
+    <dgm:effectClrLst/>
+    <dgm:txLinClrLst/>
+    <dgm:txFillClrLst meth="repeat">
+      <a:schemeClr val="dk1"/>
+    </dgm:txFillClrLst>
+    <dgm:txEffectClrLst/>
+  </dgm:styleLbl>
+  <dgm:styleLbl name="fgAccFollowNode1">
+    <dgm:fillClrLst meth="repeat">
+      <a:schemeClr val="accent1">
+        <a:alpha val="90000"/>
+        <a:tint val="40000"/>
+      </a:schemeClr>
+    </dgm:fillClrLst>
+    <dgm:linClrLst meth="repeat">
+      <a:schemeClr val="accent1">
+        <a:alpha val="90000"/>
+        <a:tint val="40000"/>
+      </a:schemeClr>
+    </dgm:linClrLst>
+    <dgm:effectClrLst/>
+    <dgm:txLinClrLst/>
+    <dgm:txFillClrLst meth="repeat">
+      <a:schemeClr val="dk1"/>
+    </dgm:txFillClrLst>
+    <dgm:txEffectClrLst/>
+  </dgm:styleLbl>
+  <dgm:styleLbl name="alignAccFollowNode1">
+    <dgm:fillClrLst meth="repeat">
+      <a:schemeClr val="accent1">
+        <a:alpha val="90000"/>
+        <a:tint val="40000"/>
+      </a:schemeClr>
+    </dgm:fillClrLst>
+    <dgm:linClrLst meth="repeat">
+      <a:schemeClr val="accent1">
+        <a:alpha val="90000"/>
+        <a:tint val="40000"/>
+      </a:schemeClr>
+    </dgm:linClrLst>
+    <dgm:effectClrLst/>
+    <dgm:txLinClrLst/>
+    <dgm:txFillClrLst meth="repeat">
+      <a:schemeClr val="dk1"/>
+    </dgm:txFillClrLst>
+    <dgm:txEffectClrLst/>
+  </dgm:styleLbl>
+  <dgm:styleLbl name="bgAccFollowNode1">
+    <dgm:fillClrLst meth="repeat">
+      <a:schemeClr val="accent1">
+        <a:alpha val="90000"/>
+        <a:tint val="40000"/>
+      </a:schemeClr>
+    </dgm:fillClrLst>
+    <dgm:linClrLst meth="repeat">
+      <a:schemeClr val="accent1">
+        <a:alpha val="90000"/>
+        <a:tint val="40000"/>
+      </a:schemeClr>
+    </dgm:linClrLst>
+    <dgm:effectClrLst/>
+    <dgm:txLinClrLst/>
+    <dgm:txFillClrLst meth="repeat">
+      <a:schemeClr val="dk1"/>
+    </dgm:txFillClrLst>
+    <dgm:txEffectClrLst/>
+  </dgm:styleLbl>
+  <dgm:styleLbl name="fgAcc0">
+    <dgm:fillClrLst meth="repeat">
+      <a:schemeClr val="lt1">
+        <a:alpha val="90000"/>
+      </a:schemeClr>
+    </dgm:fillClrLst>
+    <dgm:linClrLst meth="repeat">
+      <a:schemeClr val="accent1"/>
+    </dgm:linClrLst>
+    <dgm:effectClrLst/>
+    <dgm:txLinClrLst/>
+    <dgm:txFillClrLst meth="repeat">
+      <a:schemeClr val="dk1"/>
+    </dgm:txFillClrLst>
+    <dgm:txEffectClrLst/>
+  </dgm:styleLbl>
+  <dgm:styleLbl name="fgAcc2">
+    <dgm:fillClrLst meth="repeat">
+      <a:schemeClr val="lt1">
+        <a:alpha val="90000"/>
+      </a:schemeClr>
+    </dgm:fillClrLst>
+    <dgm:linClrLst meth="repeat">
+      <a:schemeClr val="accent1"/>
+    </dgm:linClrLst>
+    <dgm:effectClrLst/>
+    <dgm:txLinClrLst/>
+    <dgm:txFillClrLst meth="repeat">
+      <a:schemeClr val="dk1"/>
+    </dgm:txFillClrLst>
+    <dgm:txEffectClrLst/>
+  </dgm:styleLbl>
+  <dgm:styleLbl name="fgAcc3">
+    <dgm:fillClrLst meth="repeat">
+      <a:schemeClr val="lt1">
+        <a:alpha val="90000"/>
+      </a:schemeClr>
+    </dgm:fillClrLst>
+    <dgm:linClrLst meth="repeat">
+      <a:schemeClr val="accent1"/>
+    </dgm:linClrLst>
+    <dgm:effectClrLst/>
+    <dgm:txLinClrLst/>
+    <dgm:txFillClrLst meth="repeat">
+      <a:schemeClr val="dk1"/>
+    </dgm:txFillClrLst>
+    <dgm:txEffectClrLst/>
+  </dgm:styleLbl>
+  <dgm:styleLbl name="fgAcc4">
+    <dgm:fillClrLst meth="repeat">
+      <a:schemeClr val="lt1">
+        <a:alpha val="90000"/>
+      </a:schemeClr>
+    </dgm:fillClrLst>
+    <dgm:linClrLst meth="repeat">
+      <a:schemeClr val="accent1"/>
+    </dgm:linClrLst>
+    <dgm:effectClrLst/>
+    <dgm:txLinClrLst/>
+    <dgm:txFillClrLst meth="repeat">
+      <a:schemeClr val="dk1"/>
+    </dgm:txFillClrLst>
+    <dgm:txEffectClrLst/>
+  </dgm:styleLbl>
+  <dgm:styleLbl name="bgShp">
+    <dgm:fillClrLst meth="repeat">
+      <a:schemeClr val="accent1">
+        <a:tint val="40000"/>
+      </a:schemeClr>
+    </dgm:fillClrLst>
+    <dgm:linClrLst meth="repeat">
+      <a:schemeClr val="accent1"/>
+    </dgm:linClrLst>
+    <dgm:effectClrLst/>
+    <dgm:txLinClrLst/>
+    <dgm:txFillClrLst meth="repeat">
+      <a:schemeClr val="dk1"/>
+    </dgm:txFillClrLst>
+    <dgm:txEffectClrLst/>
+  </dgm:styleLbl>
+  <dgm:styleLbl name="dkBgShp">
+    <dgm:fillClrLst meth="repeat">
+      <a:schemeClr val="accent1">
+        <a:shade val="80000"/>
+      </a:schemeClr>
+    </dgm:fillClrLst>
+    <dgm:linClrLst meth="repeat">
+      <a:schemeClr val="accent1"/>
+    </dgm:linClrLst>
+    <dgm:effectClrLst/>
+    <dgm:txLinClrLst/>
+    <dgm:txFillClrLst meth="repeat">
+      <a:schemeClr val="lt1"/>
+    </dgm:txFillClrLst>
+    <dgm:txEffectClrLst/>
+  </dgm:styleLbl>
+  <dgm:styleLbl name="trBgShp">
+    <dgm:fillClrLst meth="repeat">
+      <a:schemeClr val="accent1">
+        <a:tint val="50000"/>
+        <a:alpha val="40000"/>
+      </a:schemeClr>
+    </dgm:fillClrLst>
+    <dgm:linClrLst meth="repeat">
+      <a:schemeClr val="accent1"/>
+    </dgm:linClrLst>
+    <dgm:effectClrLst/>
+    <dgm:txLinClrLst/>
+    <dgm:txFillClrLst meth="repeat">
+      <a:schemeClr val="lt1"/>
+    </dgm:txFillClrLst>
+    <dgm:txEffectClrLst/>
+  </dgm:styleLbl>
+  <dgm:styleLbl name="fgShp">
+    <dgm:fillClrLst meth="repeat">
+      <a:schemeClr val="accent1">
+        <a:tint val="60000"/>
+      </a:schemeClr>
+    </dgm:fillClrLst>
+    <dgm:linClrLst meth="repeat">
+      <a:schemeClr val="lt1"/>
+    </dgm:linClrLst>
+    <dgm:effectClrLst/>
+    <dgm:txLinClrLst/>
+    <dgm:txFillClrLst meth="repeat">
+      <a:schemeClr val="dk1"/>
+    </dgm:txFillClrLst>
+    <dgm:txEffectClrLst/>
+  </dgm:styleLbl>
+  <dgm:styleLbl name="revTx">
+    <dgm:fillClrLst meth="repeat">
+      <a:schemeClr val="lt1">
+        <a:alpha val="0"/>
+      </a:schemeClr>
+    </dgm:fillClrLst>
+    <dgm:linClrLst meth="repeat">
+      <a:schemeClr val="dk1">
+        <a:alpha val="0"/>
+      </a:schemeClr>
+    </dgm:linClrLst>
+    <dgm:effectClrLst/>
+    <dgm:txLinClrLst/>
+    <dgm:txFillClrLst meth="repeat">
+      <a:schemeClr val="tx1"/>
+    </dgm:txFillClrLst>
+    <dgm:txEffectClrLst/>
+  </dgm:styleLbl>
+</dgm:colorsDef>
+</file>
+
+<file path=ppt/diagrams/colors5.xml><?xml version="1.0" encoding="utf-8"?>
 <dgm:colorsDef xmlns:dgm="http://schemas.openxmlformats.org/drawingml/2006/diagram" xmlns:a="http://schemas.openxmlformats.org/drawingml/2006/main" uniqueId="urn:microsoft.com/office/officeart/2005/8/colors/accent1_2">
   <dgm:title val=""/>
   <dgm:desc val=""/>
@@ -4311,13 +5058,13 @@
     </dgm:pt>
   </dgm:ptLst>
   <dgm:cxnLst>
+    <dgm:cxn modelId="{E1498D48-D801-42AE-8B5B-5FFD0AF6736C}" srcId="{189088A6-6029-412C-AF3D-B7F0C4945AAC}" destId="{5A8F350A-9A07-4026-9D93-0C50A0BFFEDE}" srcOrd="1" destOrd="0" parTransId="{43CFFB22-951F-4FF4-878F-631E2C439F01}" sibTransId="{68DEC7C2-5A9B-40DE-88FC-BD75400C09D2}"/>
+    <dgm:cxn modelId="{959CF03D-EF59-4E06-9AEA-4B16B4F9F28C}" srcId="{189088A6-6029-412C-AF3D-B7F0C4945AAC}" destId="{B6F62356-7202-4EAA-BC3D-034E71D99625}" srcOrd="2" destOrd="0" parTransId="{B618364A-E457-4653-A802-FEF37A902DB2}" sibTransId="{0A413827-F64D-4177-896A-6F3943134DD3}"/>
+    <dgm:cxn modelId="{67F11FE4-7EF3-4E28-9376-17815990B5C6}" srcId="{189088A6-6029-412C-AF3D-B7F0C4945AAC}" destId="{6BD7B688-D222-4B32-96A8-386B7E3F508F}" srcOrd="0" destOrd="0" parTransId="{7DD3790C-C151-40CE-B7CB-85DBBFEEABB2}" sibTransId="{F0A2B618-2EE4-4E50-AB5B-3070C67953E7}"/>
     <dgm:cxn modelId="{3541B9CC-3615-4AAE-8705-3A2B5AB0B640}" type="presOf" srcId="{6BD7B688-D222-4B32-96A8-386B7E3F508F}" destId="{600CFBC2-6743-48DC-BB51-B920BBD02363}" srcOrd="0" destOrd="0" presId="urn:microsoft.com/office/officeart/2005/8/layout/vList3"/>
-    <dgm:cxn modelId="{67F11FE4-7EF3-4E28-9376-17815990B5C6}" srcId="{189088A6-6029-412C-AF3D-B7F0C4945AAC}" destId="{6BD7B688-D222-4B32-96A8-386B7E3F508F}" srcOrd="0" destOrd="0" parTransId="{7DD3790C-C151-40CE-B7CB-85DBBFEEABB2}" sibTransId="{F0A2B618-2EE4-4E50-AB5B-3070C67953E7}"/>
+    <dgm:cxn modelId="{C77C700B-8337-4625-BFEF-6EBDBCAFD739}" type="presOf" srcId="{189088A6-6029-412C-AF3D-B7F0C4945AAC}" destId="{3FF89C90-507C-486F-8A99-BE71F91478EE}" srcOrd="0" destOrd="0" presId="urn:microsoft.com/office/officeart/2005/8/layout/vList3"/>
     <dgm:cxn modelId="{ADC48C58-A562-4CC5-9EED-09727C1FA1FF}" type="presOf" srcId="{B6F62356-7202-4EAA-BC3D-034E71D99625}" destId="{99522EE8-58BF-49A3-8292-8D31A743AD5A}" srcOrd="0" destOrd="0" presId="urn:microsoft.com/office/officeart/2005/8/layout/vList3"/>
-    <dgm:cxn modelId="{C77C700B-8337-4625-BFEF-6EBDBCAFD739}" type="presOf" srcId="{189088A6-6029-412C-AF3D-B7F0C4945AAC}" destId="{3FF89C90-507C-486F-8A99-BE71F91478EE}" srcOrd="0" destOrd="0" presId="urn:microsoft.com/office/officeart/2005/8/layout/vList3"/>
-    <dgm:cxn modelId="{E1498D48-D801-42AE-8B5B-5FFD0AF6736C}" srcId="{189088A6-6029-412C-AF3D-B7F0C4945AAC}" destId="{5A8F350A-9A07-4026-9D93-0C50A0BFFEDE}" srcOrd="1" destOrd="0" parTransId="{43CFFB22-951F-4FF4-878F-631E2C439F01}" sibTransId="{68DEC7C2-5A9B-40DE-88FC-BD75400C09D2}"/>
     <dgm:cxn modelId="{382F9859-0D34-4D59-87DA-3D9E033B5980}" type="presOf" srcId="{5A8F350A-9A07-4026-9D93-0C50A0BFFEDE}" destId="{E4701F4B-5D7D-4C11-8D06-03B70A490982}" srcOrd="0" destOrd="0" presId="urn:microsoft.com/office/officeart/2005/8/layout/vList3"/>
-    <dgm:cxn modelId="{959CF03D-EF59-4E06-9AEA-4B16B4F9F28C}" srcId="{189088A6-6029-412C-AF3D-B7F0C4945AAC}" destId="{B6F62356-7202-4EAA-BC3D-034E71D99625}" srcOrd="2" destOrd="0" parTransId="{B618364A-E457-4653-A802-FEF37A902DB2}" sibTransId="{0A413827-F64D-4177-896A-6F3943134DD3}"/>
     <dgm:cxn modelId="{66E72081-AC7E-40C7-AB2D-3B1DD4AD6C15}" type="presParOf" srcId="{3FF89C90-507C-486F-8A99-BE71F91478EE}" destId="{A60241B5-2AC0-4533-82C4-EBF00BEE116B}" srcOrd="0" destOrd="0" presId="urn:microsoft.com/office/officeart/2005/8/layout/vList3"/>
     <dgm:cxn modelId="{F20FDD36-DF23-4E1B-82C0-FA72D1505F17}" type="presParOf" srcId="{A60241B5-2AC0-4533-82C4-EBF00BEE116B}" destId="{5B1959FF-6967-482A-AEE5-A020FB7483FD}" srcOrd="0" destOrd="0" presId="urn:microsoft.com/office/officeart/2005/8/layout/vList3"/>
     <dgm:cxn modelId="{3DE0E2CE-8513-4AFB-8FC9-6F6FB980B998}" type="presParOf" srcId="{A60241B5-2AC0-4533-82C4-EBF00BEE116B}" destId="{600CFBC2-6743-48DC-BB51-B920BBD02363}" srcOrd="1" destOrd="0" presId="urn:microsoft.com/office/officeart/2005/8/layout/vList3"/>
@@ -5084,23 +5831,23 @@
     </dgm:pt>
   </dgm:ptLst>
   <dgm:cxnLst>
+    <dgm:cxn modelId="{489023AD-AF26-4F16-85E7-AD84A6F03781}" type="presOf" srcId="{16B538C6-9D48-4074-8A32-B0A7D6CD2612}" destId="{473AE54B-7632-44EA-92B4-6B5C0BFD7ABB}" srcOrd="0" destOrd="0" presId="urn:microsoft.com/office/officeart/2005/8/layout/gear1"/>
+    <dgm:cxn modelId="{B558166A-1B3A-4159-B80D-AFA69DDC1164}" type="presOf" srcId="{53CEAADD-4EB2-4CE7-B4D1-A037D48D5793}" destId="{FAC9C855-E720-47C9-956A-AC249672B1D5}" srcOrd="0" destOrd="0" presId="urn:microsoft.com/office/officeart/2005/8/layout/gear1"/>
+    <dgm:cxn modelId="{8FA80E96-B431-40FB-B3C9-DC5F8EA1DB53}" type="presOf" srcId="{16B538C6-9D48-4074-8A32-B0A7D6CD2612}" destId="{97B20F31-71C6-4937-9230-9B7562DC73FD}" srcOrd="1" destOrd="0" presId="urn:microsoft.com/office/officeart/2005/8/layout/gear1"/>
+    <dgm:cxn modelId="{665F1E75-E7EE-4A86-902F-A3427F63B328}" type="presOf" srcId="{BF5A2988-F64B-4AFC-B736-E22956E9D8AC}" destId="{C38685B0-85E9-469D-93DB-5302C413EA0B}" srcOrd="0" destOrd="0" presId="urn:microsoft.com/office/officeart/2005/8/layout/gear1"/>
+    <dgm:cxn modelId="{A5CBC35F-4B0A-41BB-9B30-E42576278E17}" type="presOf" srcId="{3EBE44F1-222F-4141-85CA-8B5F3B15EF7D}" destId="{40B760AE-7C75-45E2-8999-DC6342DBAEC9}" srcOrd="0" destOrd="0" presId="urn:microsoft.com/office/officeart/2005/8/layout/gear1"/>
+    <dgm:cxn modelId="{52EDDBE6-8C03-431D-AE68-3780AF53B11E}" type="presOf" srcId="{1286F462-9413-46D6-8AC1-9FFA3A6421AA}" destId="{2E4B0C8F-8AB1-4552-8B50-A4BE1BED4425}" srcOrd="0" destOrd="0" presId="urn:microsoft.com/office/officeart/2005/8/layout/gear1"/>
+    <dgm:cxn modelId="{E38BE99B-06AE-4C7F-A5D6-C1A1C1098689}" srcId="{AE528707-D4DF-4196-A4E9-692EE3A161A4}" destId="{BF5A2988-F64B-4AFC-B736-E22956E9D8AC}" srcOrd="1" destOrd="0" parTransId="{595CC658-B749-40B5-A6C3-25366A92F64E}" sibTransId="{3EBE44F1-222F-4141-85CA-8B5F3B15EF7D}"/>
+    <dgm:cxn modelId="{2F3ABC0D-81B2-4A04-A27D-D5632C0A0F08}" type="presOf" srcId="{53CEAADD-4EB2-4CE7-B4D1-A037D48D5793}" destId="{0A0923BA-C845-40C0-B46F-3C71D0F6716F}" srcOrd="2" destOrd="0" presId="urn:microsoft.com/office/officeart/2005/8/layout/gear1"/>
+    <dgm:cxn modelId="{726632AA-4A5D-417F-AD6D-D140DF2A3926}" srcId="{AE528707-D4DF-4196-A4E9-692EE3A161A4}" destId="{16B538C6-9D48-4074-8A32-B0A7D6CD2612}" srcOrd="0" destOrd="0" parTransId="{319A7764-102F-476D-86BE-4EAC988DAC5A}" sibTransId="{1286F462-9413-46D6-8AC1-9FFA3A6421AA}"/>
+    <dgm:cxn modelId="{0DF0A5F4-2F69-4746-BBC9-DFEFA700E42C}" type="presOf" srcId="{16B538C6-9D48-4074-8A32-B0A7D6CD2612}" destId="{C55812C2-5E89-4FFE-AC70-C63D02789ADC}" srcOrd="2" destOrd="0" presId="urn:microsoft.com/office/officeart/2005/8/layout/gear1"/>
+    <dgm:cxn modelId="{A4C10893-8098-4453-805F-73060029E7A4}" type="presOf" srcId="{FE9A5AE8-2067-4040-84AA-10E1BFE8CD7C}" destId="{09087A55-524B-4921-8B5F-BB905B2FB6AB}" srcOrd="0" destOrd="0" presId="urn:microsoft.com/office/officeart/2005/8/layout/gear1"/>
+    <dgm:cxn modelId="{06B92BFC-BE6C-4F50-BC31-D4A34116E05B}" type="presOf" srcId="{BF5A2988-F64B-4AFC-B736-E22956E9D8AC}" destId="{C550B2D3-D262-46A0-BA8F-9144DC298A45}" srcOrd="1" destOrd="0" presId="urn:microsoft.com/office/officeart/2005/8/layout/gear1"/>
+    <dgm:cxn modelId="{571D6EFC-32AB-444F-B188-33A4AFC5EB6A}" srcId="{AE528707-D4DF-4196-A4E9-692EE3A161A4}" destId="{53CEAADD-4EB2-4CE7-B4D1-A037D48D5793}" srcOrd="2" destOrd="0" parTransId="{DB4D930F-7A32-4E4B-9A59-BD0ACFF49C95}" sibTransId="{FE9A5AE8-2067-4040-84AA-10E1BFE8CD7C}"/>
     <dgm:cxn modelId="{CBA81FF0-A1BD-4AA4-B38F-F8FE00BD876B}" type="presOf" srcId="{53CEAADD-4EB2-4CE7-B4D1-A037D48D5793}" destId="{BBDBCD52-8786-4B9E-8A43-2383B6C376C5}" srcOrd="1" destOrd="0" presId="urn:microsoft.com/office/officeart/2005/8/layout/gear1"/>
     <dgm:cxn modelId="{FCD5BE2B-3347-4DA7-8D5C-CF6DF14AADC2}" type="presOf" srcId="{53CEAADD-4EB2-4CE7-B4D1-A037D48D5793}" destId="{2655A7B7-5846-4512-B636-ED91F3FF926F}" srcOrd="3" destOrd="0" presId="urn:microsoft.com/office/officeart/2005/8/layout/gear1"/>
-    <dgm:cxn modelId="{665F1E75-E7EE-4A86-902F-A3427F63B328}" type="presOf" srcId="{BF5A2988-F64B-4AFC-B736-E22956E9D8AC}" destId="{C38685B0-85E9-469D-93DB-5302C413EA0B}" srcOrd="0" destOrd="0" presId="urn:microsoft.com/office/officeart/2005/8/layout/gear1"/>
-    <dgm:cxn modelId="{2F3ABC0D-81B2-4A04-A27D-D5632C0A0F08}" type="presOf" srcId="{53CEAADD-4EB2-4CE7-B4D1-A037D48D5793}" destId="{0A0923BA-C845-40C0-B46F-3C71D0F6716F}" srcOrd="2" destOrd="0" presId="urn:microsoft.com/office/officeart/2005/8/layout/gear1"/>
-    <dgm:cxn modelId="{571D6EFC-32AB-444F-B188-33A4AFC5EB6A}" srcId="{AE528707-D4DF-4196-A4E9-692EE3A161A4}" destId="{53CEAADD-4EB2-4CE7-B4D1-A037D48D5793}" srcOrd="2" destOrd="0" parTransId="{DB4D930F-7A32-4E4B-9A59-BD0ACFF49C95}" sibTransId="{FE9A5AE8-2067-4040-84AA-10E1BFE8CD7C}"/>
+    <dgm:cxn modelId="{DC6DC596-1BF9-4460-89F7-13CFBCEA18B5}" type="presOf" srcId="{AE528707-D4DF-4196-A4E9-692EE3A161A4}" destId="{01A0A183-F75B-49BE-B928-78AFF0273F77}" srcOrd="0" destOrd="0" presId="urn:microsoft.com/office/officeart/2005/8/layout/gear1"/>
     <dgm:cxn modelId="{E403665D-4BDC-4290-8BF7-ED9EE356C521}" type="presOf" srcId="{BF5A2988-F64B-4AFC-B736-E22956E9D8AC}" destId="{83D7B1B2-E216-49C0-A017-363ADD501863}" srcOrd="2" destOrd="0" presId="urn:microsoft.com/office/officeart/2005/8/layout/gear1"/>
-    <dgm:cxn modelId="{A5CBC35F-4B0A-41BB-9B30-E42576278E17}" type="presOf" srcId="{3EBE44F1-222F-4141-85CA-8B5F3B15EF7D}" destId="{40B760AE-7C75-45E2-8999-DC6342DBAEC9}" srcOrd="0" destOrd="0" presId="urn:microsoft.com/office/officeart/2005/8/layout/gear1"/>
-    <dgm:cxn modelId="{489023AD-AF26-4F16-85E7-AD84A6F03781}" type="presOf" srcId="{16B538C6-9D48-4074-8A32-B0A7D6CD2612}" destId="{473AE54B-7632-44EA-92B4-6B5C0BFD7ABB}" srcOrd="0" destOrd="0" presId="urn:microsoft.com/office/officeart/2005/8/layout/gear1"/>
-    <dgm:cxn modelId="{E38BE99B-06AE-4C7F-A5D6-C1A1C1098689}" srcId="{AE528707-D4DF-4196-A4E9-692EE3A161A4}" destId="{BF5A2988-F64B-4AFC-B736-E22956E9D8AC}" srcOrd="1" destOrd="0" parTransId="{595CC658-B749-40B5-A6C3-25366A92F64E}" sibTransId="{3EBE44F1-222F-4141-85CA-8B5F3B15EF7D}"/>
-    <dgm:cxn modelId="{A4C10893-8098-4453-805F-73060029E7A4}" type="presOf" srcId="{FE9A5AE8-2067-4040-84AA-10E1BFE8CD7C}" destId="{09087A55-524B-4921-8B5F-BB905B2FB6AB}" srcOrd="0" destOrd="0" presId="urn:microsoft.com/office/officeart/2005/8/layout/gear1"/>
-    <dgm:cxn modelId="{DC6DC596-1BF9-4460-89F7-13CFBCEA18B5}" type="presOf" srcId="{AE528707-D4DF-4196-A4E9-692EE3A161A4}" destId="{01A0A183-F75B-49BE-B928-78AFF0273F77}" srcOrd="0" destOrd="0" presId="urn:microsoft.com/office/officeart/2005/8/layout/gear1"/>
-    <dgm:cxn modelId="{8FA80E96-B431-40FB-B3C9-DC5F8EA1DB53}" type="presOf" srcId="{16B538C6-9D48-4074-8A32-B0A7D6CD2612}" destId="{97B20F31-71C6-4937-9230-9B7562DC73FD}" srcOrd="1" destOrd="0" presId="urn:microsoft.com/office/officeart/2005/8/layout/gear1"/>
-    <dgm:cxn modelId="{726632AA-4A5D-417F-AD6D-D140DF2A3926}" srcId="{AE528707-D4DF-4196-A4E9-692EE3A161A4}" destId="{16B538C6-9D48-4074-8A32-B0A7D6CD2612}" srcOrd="0" destOrd="0" parTransId="{319A7764-102F-476D-86BE-4EAC988DAC5A}" sibTransId="{1286F462-9413-46D6-8AC1-9FFA3A6421AA}"/>
-    <dgm:cxn modelId="{0DF0A5F4-2F69-4746-BBC9-DFEFA700E42C}" type="presOf" srcId="{16B538C6-9D48-4074-8A32-B0A7D6CD2612}" destId="{C55812C2-5E89-4FFE-AC70-C63D02789ADC}" srcOrd="2" destOrd="0" presId="urn:microsoft.com/office/officeart/2005/8/layout/gear1"/>
-    <dgm:cxn modelId="{52EDDBE6-8C03-431D-AE68-3780AF53B11E}" type="presOf" srcId="{1286F462-9413-46D6-8AC1-9FFA3A6421AA}" destId="{2E4B0C8F-8AB1-4552-8B50-A4BE1BED4425}" srcOrd="0" destOrd="0" presId="urn:microsoft.com/office/officeart/2005/8/layout/gear1"/>
-    <dgm:cxn modelId="{06B92BFC-BE6C-4F50-BC31-D4A34116E05B}" type="presOf" srcId="{BF5A2988-F64B-4AFC-B736-E22956E9D8AC}" destId="{C550B2D3-D262-46A0-BA8F-9144DC298A45}" srcOrd="1" destOrd="0" presId="urn:microsoft.com/office/officeart/2005/8/layout/gear1"/>
-    <dgm:cxn modelId="{B558166A-1B3A-4159-B80D-AFA69DDC1164}" type="presOf" srcId="{53CEAADD-4EB2-4CE7-B4D1-A037D48D5793}" destId="{FAC9C855-E720-47C9-956A-AC249672B1D5}" srcOrd="0" destOrd="0" presId="urn:microsoft.com/office/officeart/2005/8/layout/gear1"/>
     <dgm:cxn modelId="{D180DBD3-A0E6-40CD-80C4-BADA24B7D1D6}" type="presParOf" srcId="{01A0A183-F75B-49BE-B928-78AFF0273F77}" destId="{473AE54B-7632-44EA-92B4-6B5C0BFD7ABB}" srcOrd="0" destOrd="0" presId="urn:microsoft.com/office/officeart/2005/8/layout/gear1"/>
     <dgm:cxn modelId="{F5DE331A-FA8B-4916-8BF7-FB51F3C6D5BC}" type="presParOf" srcId="{01A0A183-F75B-49BE-B928-78AFF0273F77}" destId="{97B20F31-71C6-4937-9230-9B7562DC73FD}" srcOrd="1" destOrd="0" presId="urn:microsoft.com/office/officeart/2005/8/layout/gear1"/>
     <dgm:cxn modelId="{2811ADFD-9ED3-4F00-9AA2-58051E3CB8FB}" type="presParOf" srcId="{01A0A183-F75B-49BE-B928-78AFF0273F77}" destId="{C55812C2-5E89-4FFE-AC70-C63D02789ADC}" srcOrd="2" destOrd="0" presId="urn:microsoft.com/office/officeart/2005/8/layout/gear1"/>
@@ -5120,6 +5867,961 @@
   <dgm:extLst>
     <a:ext uri="http://schemas.microsoft.com/office/drawing/2008/diagram">
       <dsp:dataModelExt xmlns:dsp="http://schemas.microsoft.com/office/drawing/2008/diagram" relId="rId6" minVer="http://schemas.openxmlformats.org/drawingml/2006/diagram"/>
+    </a:ext>
+  </dgm:extLst>
+</dgm:dataModel>
+</file>
+
+<file path=ppt/diagrams/data5.xml><?xml version="1.0" encoding="utf-8"?>
+<dgm:dataModel xmlns:dgm="http://schemas.openxmlformats.org/drawingml/2006/diagram" xmlns:a="http://schemas.openxmlformats.org/drawingml/2006/main">
+  <dgm:ptLst>
+    <dgm:pt modelId="{6B437A72-0934-4C24-825C-BF232426D980}" type="doc">
+      <dgm:prSet loTypeId="urn:microsoft.com/office/officeart/2005/8/layout/list1" loCatId="list" qsTypeId="urn:microsoft.com/office/officeart/2005/8/quickstyle/simple5" qsCatId="simple" csTypeId="urn:microsoft.com/office/officeart/2005/8/colors/accent1_2" csCatId="accent1" phldr="1"/>
+      <dgm:spPr/>
+      <dgm:t>
+        <a:bodyPr/>
+        <a:lstStyle/>
+        <a:p>
+          <a:endParaRPr lang="en-US"/>
+        </a:p>
+      </dgm:t>
+    </dgm:pt>
+    <dgm:pt modelId="{1AB065B4-F95D-4170-8DF3-2696E993B48D}">
+      <dgm:prSet phldrT="[Text]" custT="1"/>
+      <dgm:spPr/>
+      <dgm:t>
+        <a:bodyPr/>
+        <a:lstStyle/>
+        <a:p>
+          <a:r>
+            <a:rPr lang="en-US" sz="1800" b="1" dirty="0" smtClean="0"/>
+            <a:t>1</a:t>
+          </a:r>
+        </a:p>
+      </dgm:t>
+    </dgm:pt>
+    <dgm:pt modelId="{882C69E3-BF50-4426-BB85-37A03659E516}" type="parTrans" cxnId="{6A33F8BB-6F1A-43E0-92E1-04BD9C3EB8EE}">
+      <dgm:prSet/>
+      <dgm:spPr/>
+      <dgm:t>
+        <a:bodyPr/>
+        <a:lstStyle/>
+        <a:p>
+          <a:endParaRPr lang="en-US"/>
+        </a:p>
+      </dgm:t>
+    </dgm:pt>
+    <dgm:pt modelId="{1F75D1D1-7E70-46D6-9089-597C7F9E1E8F}" type="sibTrans" cxnId="{6A33F8BB-6F1A-43E0-92E1-04BD9C3EB8EE}">
+      <dgm:prSet/>
+      <dgm:spPr/>
+      <dgm:t>
+        <a:bodyPr/>
+        <a:lstStyle/>
+        <a:p>
+          <a:endParaRPr lang="en-US"/>
+        </a:p>
+      </dgm:t>
+    </dgm:pt>
+    <dgm:pt modelId="{1BD5F2D6-F967-4157-8BA9-411C34AEE9B5}">
+      <dgm:prSet phldrT="[Text]" custT="1"/>
+      <dgm:spPr/>
+      <dgm:t>
+        <a:bodyPr/>
+        <a:lstStyle/>
+        <a:p>
+          <a:r>
+            <a:rPr lang="en-US" sz="1800" b="1" dirty="0" smtClean="0"/>
+            <a:t>2</a:t>
+          </a:r>
+          <a:endParaRPr lang="en-US" sz="1800" b="1" dirty="0"/>
+        </a:p>
+      </dgm:t>
+    </dgm:pt>
+    <dgm:pt modelId="{DFFD898D-112C-4A50-B2E9-2E9D4157A2F6}" type="sibTrans" cxnId="{CAD3274B-BB37-433C-A632-48C4303D53BE}">
+      <dgm:prSet/>
+      <dgm:spPr/>
+      <dgm:t>
+        <a:bodyPr/>
+        <a:lstStyle/>
+        <a:p>
+          <a:endParaRPr lang="en-US"/>
+        </a:p>
+      </dgm:t>
+    </dgm:pt>
+    <dgm:pt modelId="{263ECF04-54D5-4C07-BC8C-89D5047E01D6}" type="parTrans" cxnId="{CAD3274B-BB37-433C-A632-48C4303D53BE}">
+      <dgm:prSet/>
+      <dgm:spPr/>
+      <dgm:t>
+        <a:bodyPr/>
+        <a:lstStyle/>
+        <a:p>
+          <a:endParaRPr lang="en-US"/>
+        </a:p>
+      </dgm:t>
+    </dgm:pt>
+    <dgm:pt modelId="{B0153280-07EB-40BA-984B-ADB15C1F4B6A}">
+      <dgm:prSet phldrT="[Text]" custT="1"/>
+      <dgm:spPr/>
+      <dgm:t>
+        <a:bodyPr/>
+        <a:lstStyle/>
+        <a:p>
+          <a:r>
+            <a:rPr lang="en-US" sz="1800" b="1" dirty="0" smtClean="0"/>
+            <a:t>3</a:t>
+          </a:r>
+          <a:endParaRPr lang="en-US" sz="1800" b="1" dirty="0"/>
+        </a:p>
+      </dgm:t>
+    </dgm:pt>
+    <dgm:pt modelId="{9ED8EC30-B815-4386-82B2-7682A798DAE0}" type="parTrans" cxnId="{3F789107-9931-4231-AD1D-89D603975B66}">
+      <dgm:prSet/>
+      <dgm:spPr/>
+      <dgm:t>
+        <a:bodyPr/>
+        <a:lstStyle/>
+        <a:p>
+          <a:endParaRPr lang="en-US"/>
+        </a:p>
+      </dgm:t>
+    </dgm:pt>
+    <dgm:pt modelId="{5AC956D2-9018-4A13-813D-70FF955E1CCA}" type="sibTrans" cxnId="{3F789107-9931-4231-AD1D-89D603975B66}">
+      <dgm:prSet/>
+      <dgm:spPr/>
+      <dgm:t>
+        <a:bodyPr/>
+        <a:lstStyle/>
+        <a:p>
+          <a:endParaRPr lang="en-US"/>
+        </a:p>
+      </dgm:t>
+    </dgm:pt>
+    <dgm:pt modelId="{718B5F25-A647-4166-AC48-9ABDCD322C30}">
+      <dgm:prSet phldrT="[Text]" custT="1"/>
+      <dgm:spPr/>
+      <dgm:t>
+        <a:bodyPr/>
+        <a:lstStyle/>
+        <a:p>
+          <a:r>
+            <a:rPr lang="en-US" sz="1800" b="1" dirty="0" smtClean="0"/>
+            <a:t>4</a:t>
+          </a:r>
+          <a:endParaRPr lang="en-US" sz="1800" b="1" dirty="0"/>
+        </a:p>
+      </dgm:t>
+    </dgm:pt>
+    <dgm:pt modelId="{2D3B3DF5-67F1-4313-9110-2062ABD318C1}" type="parTrans" cxnId="{8D37DC63-F2D3-41F1-8D92-949EEE8E5065}">
+      <dgm:prSet/>
+      <dgm:spPr/>
+      <dgm:t>
+        <a:bodyPr/>
+        <a:lstStyle/>
+        <a:p>
+          <a:endParaRPr lang="en-US"/>
+        </a:p>
+      </dgm:t>
+    </dgm:pt>
+    <dgm:pt modelId="{9FEA9859-90C0-469D-9C59-B80B83CBFB9C}" type="sibTrans" cxnId="{8D37DC63-F2D3-41F1-8D92-949EEE8E5065}">
+      <dgm:prSet/>
+      <dgm:spPr/>
+      <dgm:t>
+        <a:bodyPr/>
+        <a:lstStyle/>
+        <a:p>
+          <a:endParaRPr lang="en-US"/>
+        </a:p>
+      </dgm:t>
+    </dgm:pt>
+    <dgm:pt modelId="{4D04B307-9954-4A45-8CF4-DC4A795A8570}">
+      <dgm:prSet phldrT="[Text]" custT="1"/>
+      <dgm:spPr/>
+      <dgm:t>
+        <a:bodyPr/>
+        <a:lstStyle/>
+        <a:p>
+          <a:r>
+            <a:rPr lang="en-US" sz="1800" b="1" dirty="0" smtClean="0"/>
+            <a:t>5</a:t>
+          </a:r>
+          <a:endParaRPr lang="en-US" sz="1800" b="1" dirty="0"/>
+        </a:p>
+      </dgm:t>
+    </dgm:pt>
+    <dgm:pt modelId="{34B2BBD3-46C6-4F53-B7E0-D9AE8543800C}" type="parTrans" cxnId="{4BF86358-85EC-43C7-8B88-8A4B4F50D964}">
+      <dgm:prSet/>
+      <dgm:spPr/>
+      <dgm:t>
+        <a:bodyPr/>
+        <a:lstStyle/>
+        <a:p>
+          <a:endParaRPr lang="en-US"/>
+        </a:p>
+      </dgm:t>
+    </dgm:pt>
+    <dgm:pt modelId="{D892CCE9-9028-45A2-9D0B-BADEA90A3F25}" type="sibTrans" cxnId="{4BF86358-85EC-43C7-8B88-8A4B4F50D964}">
+      <dgm:prSet/>
+      <dgm:spPr/>
+      <dgm:t>
+        <a:bodyPr/>
+        <a:lstStyle/>
+        <a:p>
+          <a:endParaRPr lang="en-US"/>
+        </a:p>
+      </dgm:t>
+    </dgm:pt>
+    <dgm:pt modelId="{DF33A3C3-AFCA-41F5-8E0E-6135691C914D}">
+      <dgm:prSet phldrT="[Text]" custT="1"/>
+      <dgm:spPr/>
+      <dgm:t>
+        <a:bodyPr/>
+        <a:lstStyle/>
+        <a:p>
+          <a:r>
+            <a:rPr lang="en-US" sz="1300" dirty="0" err="1" smtClean="0"/>
+            <a:t>Tìm</a:t>
+          </a:r>
+          <a:r>
+            <a:rPr lang="en-US" sz="1300" dirty="0" smtClean="0"/>
+            <a:t> </a:t>
+          </a:r>
+          <a:r>
+            <a:rPr lang="en-US" sz="1300" dirty="0" err="1" smtClean="0"/>
+            <a:t>kiếm</a:t>
+          </a:r>
+          <a:r>
+            <a:rPr lang="en-US" sz="1300" dirty="0" smtClean="0"/>
+            <a:t> </a:t>
+          </a:r>
+          <a:r>
+            <a:rPr lang="en-US" sz="1300" dirty="0" err="1" smtClean="0"/>
+            <a:t>một</a:t>
+          </a:r>
+          <a:r>
+            <a:rPr lang="en-US" sz="1300" dirty="0" smtClean="0"/>
+            <a:t> </a:t>
+          </a:r>
+          <a:r>
+            <a:rPr lang="en-US" sz="1300" dirty="0" err="1" smtClean="0"/>
+            <a:t>Tài</a:t>
+          </a:r>
+          <a:r>
+            <a:rPr lang="en-US" sz="1300" dirty="0" smtClean="0"/>
+            <a:t> </a:t>
+          </a:r>
+          <a:r>
+            <a:rPr lang="en-US" sz="1300" dirty="0" err="1" smtClean="0"/>
+            <a:t>Xế</a:t>
+          </a:r>
+          <a:r>
+            <a:rPr lang="en-US" sz="1300" dirty="0" smtClean="0"/>
+            <a:t> </a:t>
+          </a:r>
+          <a:endParaRPr lang="en-US" sz="1300" b="1" dirty="0" smtClean="0"/>
+        </a:p>
+      </dgm:t>
+    </dgm:pt>
+    <dgm:pt modelId="{E2804D2D-A495-499D-AC12-E53F4BD0DE89}" type="parTrans" cxnId="{7A4AAD7D-6F77-44CA-B763-85DEB8E88D98}">
+      <dgm:prSet/>
+      <dgm:spPr/>
+      <dgm:t>
+        <a:bodyPr/>
+        <a:lstStyle/>
+        <a:p>
+          <a:endParaRPr lang="en-US"/>
+        </a:p>
+      </dgm:t>
+    </dgm:pt>
+    <dgm:pt modelId="{5BF386F3-6F07-4778-94A1-79914F2CD528}" type="sibTrans" cxnId="{7A4AAD7D-6F77-44CA-B763-85DEB8E88D98}">
+      <dgm:prSet/>
+      <dgm:spPr/>
+      <dgm:t>
+        <a:bodyPr/>
+        <a:lstStyle/>
+        <a:p>
+          <a:endParaRPr lang="en-US"/>
+        </a:p>
+      </dgm:t>
+    </dgm:pt>
+    <dgm:pt modelId="{18400216-BC7B-4FF7-952A-FF0FC308D875}">
+      <dgm:prSet phldrT="[Text]" custT="1"/>
+      <dgm:spPr/>
+      <dgm:t>
+        <a:bodyPr/>
+        <a:lstStyle/>
+        <a:p>
+          <a:r>
+            <a:rPr lang="en-US" sz="1300" dirty="0" err="1" smtClean="0"/>
+            <a:t>Hiển</a:t>
+          </a:r>
+          <a:r>
+            <a:rPr lang="en-US" sz="1300" dirty="0" smtClean="0"/>
+            <a:t> </a:t>
+          </a:r>
+          <a:r>
+            <a:rPr lang="en-US" sz="1300" dirty="0" err="1" smtClean="0"/>
+            <a:t>thị</a:t>
+          </a:r>
+          <a:r>
+            <a:rPr lang="en-US" sz="1300" dirty="0" smtClean="0"/>
+            <a:t> </a:t>
+          </a:r>
+          <a:r>
+            <a:rPr lang="en-US" sz="1300" dirty="0" err="1" smtClean="0"/>
+            <a:t>thông</a:t>
+          </a:r>
+          <a:r>
+            <a:rPr lang="en-US" sz="1300" dirty="0" smtClean="0"/>
+            <a:t> tin chi </a:t>
+          </a:r>
+          <a:r>
+            <a:rPr lang="en-US" sz="1300" dirty="0" err="1" smtClean="0"/>
+            <a:t>tiết</a:t>
+          </a:r>
+          <a:r>
+            <a:rPr lang="en-US" sz="1300" dirty="0" smtClean="0"/>
+            <a:t> </a:t>
+          </a:r>
+          <a:r>
+            <a:rPr lang="en-US" sz="1300" dirty="0" err="1" smtClean="0"/>
+            <a:t>một</a:t>
+          </a:r>
+          <a:r>
+            <a:rPr lang="en-US" sz="1300" dirty="0" smtClean="0"/>
+            <a:t> </a:t>
+          </a:r>
+          <a:r>
+            <a:rPr lang="en-US" sz="1300" dirty="0" err="1" smtClean="0"/>
+            <a:t>Tài</a:t>
+          </a:r>
+          <a:r>
+            <a:rPr lang="en-US" sz="1300" dirty="0" smtClean="0"/>
+            <a:t> </a:t>
+          </a:r>
+          <a:r>
+            <a:rPr lang="en-US" sz="1300" dirty="0" err="1" smtClean="0"/>
+            <a:t>Xế</a:t>
+          </a:r>
+          <a:r>
+            <a:rPr lang="en-US" sz="1300" dirty="0" smtClean="0"/>
+            <a:t> </a:t>
+          </a:r>
+          <a:r>
+            <a:rPr lang="en-US" sz="1300" dirty="0" err="1" smtClean="0"/>
+            <a:t>được</a:t>
+          </a:r>
+          <a:r>
+            <a:rPr lang="en-US" sz="1300" dirty="0" smtClean="0"/>
+            <a:t> </a:t>
+          </a:r>
+          <a:r>
+            <a:rPr lang="en-US" sz="1300" dirty="0" err="1" smtClean="0"/>
+            <a:t>chọn</a:t>
+          </a:r>
+          <a:r>
+            <a:rPr lang="en-US" sz="1300" dirty="0" smtClean="0"/>
+            <a:t> </a:t>
+          </a:r>
+          <a:endParaRPr lang="en-US" sz="1300" b="1" dirty="0"/>
+        </a:p>
+      </dgm:t>
+    </dgm:pt>
+    <dgm:pt modelId="{BE66D603-9357-4FD2-A85C-36FBF54423AA}" type="parTrans" cxnId="{B4368D10-2E7D-45F0-9FD2-4C64F11D46C3}">
+      <dgm:prSet/>
+      <dgm:spPr/>
+      <dgm:t>
+        <a:bodyPr/>
+        <a:lstStyle/>
+        <a:p>
+          <a:endParaRPr lang="en-US"/>
+        </a:p>
+      </dgm:t>
+    </dgm:pt>
+    <dgm:pt modelId="{5ACAD922-60F6-4033-BCD3-5ADBDE5BC323}" type="sibTrans" cxnId="{B4368D10-2E7D-45F0-9FD2-4C64F11D46C3}">
+      <dgm:prSet/>
+      <dgm:spPr/>
+      <dgm:t>
+        <a:bodyPr/>
+        <a:lstStyle/>
+        <a:p>
+          <a:endParaRPr lang="en-US"/>
+        </a:p>
+      </dgm:t>
+    </dgm:pt>
+    <dgm:pt modelId="{F9E8E87B-FD91-418C-A663-54D914016F5C}">
+      <dgm:prSet phldrT="[Text]" custT="1"/>
+      <dgm:spPr/>
+      <dgm:t>
+        <a:bodyPr/>
+        <a:lstStyle/>
+        <a:p>
+          <a:r>
+            <a:rPr lang="en-US" sz="1300" dirty="0" err="1" smtClean="0"/>
+            <a:t>Hiển</a:t>
+          </a:r>
+          <a:r>
+            <a:rPr lang="en-US" sz="1300" dirty="0" smtClean="0"/>
+            <a:t> </a:t>
+          </a:r>
+          <a:r>
+            <a:rPr lang="en-US" sz="1300" dirty="0" err="1" smtClean="0"/>
+            <a:t>thị</a:t>
+          </a:r>
+          <a:r>
+            <a:rPr lang="en-US" sz="1300" dirty="0" smtClean="0"/>
+            <a:t> </a:t>
+          </a:r>
+          <a:r>
+            <a:rPr lang="en-US" sz="1300" dirty="0" err="1" smtClean="0"/>
+            <a:t>danh</a:t>
+          </a:r>
+          <a:r>
+            <a:rPr lang="en-US" sz="1300" dirty="0" smtClean="0"/>
+            <a:t> </a:t>
+          </a:r>
+          <a:r>
+            <a:rPr lang="en-US" sz="1300" dirty="0" err="1" smtClean="0"/>
+            <a:t>sách</a:t>
+          </a:r>
+          <a:r>
+            <a:rPr lang="en-US" sz="1300" dirty="0" smtClean="0"/>
+            <a:t> </a:t>
+          </a:r>
+          <a:r>
+            <a:rPr lang="en-US" sz="1300" dirty="0" err="1" smtClean="0"/>
+            <a:t>các</a:t>
+          </a:r>
+          <a:r>
+            <a:rPr lang="en-US" sz="1300" dirty="0" smtClean="0"/>
+            <a:t> </a:t>
+          </a:r>
+          <a:r>
+            <a:rPr lang="en-US" sz="1300" dirty="0" err="1" smtClean="0"/>
+            <a:t>Tài</a:t>
+          </a:r>
+          <a:r>
+            <a:rPr lang="en-US" sz="1300" dirty="0" smtClean="0"/>
+            <a:t> </a:t>
+          </a:r>
+          <a:r>
+            <a:rPr lang="en-US" sz="1300" dirty="0" err="1" smtClean="0"/>
+            <a:t>Xế</a:t>
+          </a:r>
+          <a:r>
+            <a:rPr lang="en-US" sz="1300" dirty="0" smtClean="0"/>
+            <a:t>.</a:t>
+          </a:r>
+          <a:endParaRPr lang="en-US" sz="1300" b="1" dirty="0"/>
+        </a:p>
+      </dgm:t>
+    </dgm:pt>
+    <dgm:pt modelId="{C6D78893-BE6C-4B2F-A4A5-F8565EB7D1B3}" type="parTrans" cxnId="{BCD1332E-B6B3-4706-BA00-2DA3CD6F0DAB}">
+      <dgm:prSet/>
+      <dgm:spPr/>
+      <dgm:t>
+        <a:bodyPr/>
+        <a:lstStyle/>
+        <a:p>
+          <a:endParaRPr lang="en-US"/>
+        </a:p>
+      </dgm:t>
+    </dgm:pt>
+    <dgm:pt modelId="{3A8FA43F-7B26-4D7E-BF31-21522E266DE8}" type="sibTrans" cxnId="{BCD1332E-B6B3-4706-BA00-2DA3CD6F0DAB}">
+      <dgm:prSet/>
+      <dgm:spPr/>
+      <dgm:t>
+        <a:bodyPr/>
+        <a:lstStyle/>
+        <a:p>
+          <a:endParaRPr lang="en-US"/>
+        </a:p>
+      </dgm:t>
+    </dgm:pt>
+    <dgm:pt modelId="{D605F798-4A8A-484C-9BAA-609D4C84EE61}">
+      <dgm:prSet phldrT="[Text]" custT="1"/>
+      <dgm:spPr/>
+      <dgm:t>
+        <a:bodyPr/>
+        <a:lstStyle/>
+        <a:p>
+          <a:r>
+            <a:rPr lang="en-US" sz="1300" dirty="0" err="1" smtClean="0"/>
+            <a:t>Thêm</a:t>
+          </a:r>
+          <a:r>
+            <a:rPr lang="en-US" sz="1300" dirty="0" smtClean="0"/>
+            <a:t>, </a:t>
+          </a:r>
+          <a:r>
+            <a:rPr lang="en-US" sz="1300" dirty="0" err="1" smtClean="0"/>
+            <a:t>xóa</a:t>
+          </a:r>
+          <a:r>
+            <a:rPr lang="en-US" sz="1300" dirty="0" smtClean="0"/>
+            <a:t>, </a:t>
+          </a:r>
+          <a:r>
+            <a:rPr lang="en-US" sz="1300" dirty="0" err="1" smtClean="0"/>
+            <a:t>sửa</a:t>
+          </a:r>
+          <a:r>
+            <a:rPr lang="en-US" sz="1300" dirty="0" smtClean="0"/>
+            <a:t> </a:t>
+          </a:r>
+          <a:r>
+            <a:rPr lang="en-US" sz="1300" dirty="0" err="1" smtClean="0"/>
+            <a:t>thông</a:t>
+          </a:r>
+          <a:r>
+            <a:rPr lang="en-US" sz="1300" dirty="0" smtClean="0"/>
+            <a:t> tin </a:t>
+          </a:r>
+          <a:r>
+            <a:rPr lang="en-US" sz="1300" dirty="0" err="1" smtClean="0"/>
+            <a:t>một</a:t>
+          </a:r>
+          <a:r>
+            <a:rPr lang="en-US" sz="1300" dirty="0" smtClean="0"/>
+            <a:t> </a:t>
+          </a:r>
+          <a:r>
+            <a:rPr lang="en-US" sz="1300" dirty="0" err="1" smtClean="0"/>
+            <a:t>Tài</a:t>
+          </a:r>
+          <a:r>
+            <a:rPr lang="en-US" sz="1300" dirty="0" smtClean="0"/>
+            <a:t> </a:t>
+          </a:r>
+          <a:r>
+            <a:rPr lang="en-US" sz="1300" dirty="0" err="1" smtClean="0"/>
+            <a:t>Xế</a:t>
+          </a:r>
+          <a:r>
+            <a:rPr lang="en-US" sz="1300" dirty="0" smtClean="0"/>
+            <a:t> </a:t>
+          </a:r>
+          <a:endParaRPr lang="en-US" sz="1300" b="1" dirty="0"/>
+        </a:p>
+      </dgm:t>
+    </dgm:pt>
+    <dgm:pt modelId="{9CB639B6-BA63-414F-A0C0-919122604BFE}" type="parTrans" cxnId="{16E60184-99DE-466B-962B-3ACE52097C54}">
+      <dgm:prSet/>
+      <dgm:spPr/>
+      <dgm:t>
+        <a:bodyPr/>
+        <a:lstStyle/>
+        <a:p>
+          <a:endParaRPr lang="en-US"/>
+        </a:p>
+      </dgm:t>
+    </dgm:pt>
+    <dgm:pt modelId="{6B06B8A5-6DF1-4DA4-86EC-BB4B5FE2F7F7}" type="sibTrans" cxnId="{16E60184-99DE-466B-962B-3ACE52097C54}">
+      <dgm:prSet/>
+      <dgm:spPr/>
+      <dgm:t>
+        <a:bodyPr/>
+        <a:lstStyle/>
+        <a:p>
+          <a:endParaRPr lang="en-US"/>
+        </a:p>
+      </dgm:t>
+    </dgm:pt>
+    <dgm:pt modelId="{504433A7-4F2C-44F8-AF52-AD05E8C3AF85}">
+      <dgm:prSet phldrT="[Text]" custT="1"/>
+      <dgm:spPr/>
+      <dgm:t>
+        <a:bodyPr/>
+        <a:lstStyle/>
+        <a:p>
+          <a:r>
+            <a:rPr lang="en-US" sz="1300" dirty="0" err="1" smtClean="0"/>
+            <a:t>Hiển</a:t>
+          </a:r>
+          <a:r>
+            <a:rPr lang="en-US" sz="1300" dirty="0" smtClean="0"/>
+            <a:t> </a:t>
+          </a:r>
+          <a:r>
+            <a:rPr lang="en-US" sz="1300" dirty="0" err="1" smtClean="0"/>
+            <a:t>thị</a:t>
+          </a:r>
+          <a:r>
+            <a:rPr lang="en-US" sz="1300" dirty="0" smtClean="0"/>
+            <a:t> </a:t>
+          </a:r>
+          <a:r>
+            <a:rPr lang="en-US" sz="1300" dirty="0" err="1" smtClean="0"/>
+            <a:t>hông</a:t>
+          </a:r>
+          <a:r>
+            <a:rPr lang="en-US" sz="1300" dirty="0" smtClean="0"/>
+            <a:t> tin </a:t>
+          </a:r>
+          <a:r>
+            <a:rPr lang="en-US" sz="1300" dirty="0" err="1" smtClean="0"/>
+            <a:t>các</a:t>
+          </a:r>
+          <a:r>
+            <a:rPr lang="en-US" sz="1300" dirty="0" smtClean="0"/>
+            <a:t> </a:t>
+          </a:r>
+          <a:r>
+            <a:rPr lang="en-US" sz="1300" dirty="0" err="1" smtClean="0"/>
+            <a:t>xe</a:t>
+          </a:r>
+          <a:r>
+            <a:rPr lang="en-US" sz="1300" dirty="0" smtClean="0"/>
+            <a:t> </a:t>
+          </a:r>
+          <a:r>
+            <a:rPr lang="en-US" sz="1300" dirty="0" err="1" smtClean="0"/>
+            <a:t>của</a:t>
+          </a:r>
+          <a:r>
+            <a:rPr lang="en-US" sz="1300" dirty="0" smtClean="0"/>
+            <a:t> </a:t>
+          </a:r>
+          <a:r>
+            <a:rPr lang="en-US" sz="1300" dirty="0" err="1" smtClean="0"/>
+            <a:t>Tài</a:t>
+          </a:r>
+          <a:r>
+            <a:rPr lang="en-US" sz="1300" dirty="0" smtClean="0"/>
+            <a:t> </a:t>
+          </a:r>
+          <a:r>
+            <a:rPr lang="en-US" sz="1300" dirty="0" err="1" smtClean="0"/>
+            <a:t>Xế</a:t>
+          </a:r>
+          <a:r>
+            <a:rPr lang="en-US" sz="1300" dirty="0" smtClean="0"/>
+            <a:t>  </a:t>
+          </a:r>
+          <a:r>
+            <a:rPr lang="en-US" sz="1300" dirty="0" err="1" smtClean="0"/>
+            <a:t>được</a:t>
+          </a:r>
+          <a:r>
+            <a:rPr lang="en-US" sz="1300" dirty="0" smtClean="0"/>
+            <a:t> </a:t>
+          </a:r>
+          <a:r>
+            <a:rPr lang="en-US" sz="1300" dirty="0" err="1" smtClean="0"/>
+            <a:t>chọn</a:t>
+          </a:r>
+          <a:r>
+            <a:rPr lang="en-US" sz="1300" dirty="0" smtClean="0"/>
+            <a:t>.</a:t>
+          </a:r>
+          <a:endParaRPr lang="en-US" sz="1300" b="1" dirty="0"/>
+        </a:p>
+      </dgm:t>
+    </dgm:pt>
+    <dgm:pt modelId="{4F895ED8-9EE1-48A4-A828-FDA805D8C252}" type="parTrans" cxnId="{3B1BFE40-CA98-40C3-B04E-C5330B5AC735}">
+      <dgm:prSet/>
+      <dgm:spPr/>
+      <dgm:t>
+        <a:bodyPr/>
+        <a:lstStyle/>
+        <a:p>
+          <a:endParaRPr lang="en-US"/>
+        </a:p>
+      </dgm:t>
+    </dgm:pt>
+    <dgm:pt modelId="{695A6939-A944-4B34-B09F-2F0E50F001D7}" type="sibTrans" cxnId="{3B1BFE40-CA98-40C3-B04E-C5330B5AC735}">
+      <dgm:prSet/>
+      <dgm:spPr/>
+      <dgm:t>
+        <a:bodyPr/>
+        <a:lstStyle/>
+        <a:p>
+          <a:endParaRPr lang="en-US"/>
+        </a:p>
+      </dgm:t>
+    </dgm:pt>
+    <dgm:pt modelId="{36771C4B-EDEC-4DE0-A54F-74287CC7F200}" type="pres">
+      <dgm:prSet presAssocID="{6B437A72-0934-4C24-825C-BF232426D980}" presName="linear" presStyleCnt="0">
+        <dgm:presLayoutVars>
+          <dgm:dir/>
+          <dgm:animLvl val="lvl"/>
+          <dgm:resizeHandles val="exact"/>
+        </dgm:presLayoutVars>
+      </dgm:prSet>
+      <dgm:spPr/>
+    </dgm:pt>
+    <dgm:pt modelId="{D8F56B20-1835-4BCC-923C-FCD232321775}" type="pres">
+      <dgm:prSet presAssocID="{1AB065B4-F95D-4170-8DF3-2696E993B48D}" presName="parentLin" presStyleCnt="0"/>
+      <dgm:spPr/>
+    </dgm:pt>
+    <dgm:pt modelId="{4CA4EF23-3538-471D-AF13-AD7E603F5BDF}" type="pres">
+      <dgm:prSet presAssocID="{1AB065B4-F95D-4170-8DF3-2696E993B48D}" presName="parentLeftMargin" presStyleLbl="node1" presStyleIdx="0" presStyleCnt="5"/>
+      <dgm:spPr/>
+    </dgm:pt>
+    <dgm:pt modelId="{CC799511-CE32-4515-832F-1D53852E47D9}" type="pres">
+      <dgm:prSet presAssocID="{1AB065B4-F95D-4170-8DF3-2696E993B48D}" presName="parentText" presStyleLbl="node1" presStyleIdx="0" presStyleCnt="5" custScaleX="12053">
+        <dgm:presLayoutVars>
+          <dgm:chMax val="0"/>
+          <dgm:bulletEnabled val="1"/>
+        </dgm:presLayoutVars>
+      </dgm:prSet>
+      <dgm:spPr/>
+      <dgm:t>
+        <a:bodyPr/>
+        <a:lstStyle/>
+        <a:p>
+          <a:endParaRPr lang="en-US"/>
+        </a:p>
+      </dgm:t>
+    </dgm:pt>
+    <dgm:pt modelId="{9F36A9CE-FF42-4E86-98E1-58A4DC9B8035}" type="pres">
+      <dgm:prSet presAssocID="{1AB065B4-F95D-4170-8DF3-2696E993B48D}" presName="negativeSpace" presStyleCnt="0"/>
+      <dgm:spPr/>
+    </dgm:pt>
+    <dgm:pt modelId="{AD0C8036-AF94-4175-955B-6AF36C16341C}" type="pres">
+      <dgm:prSet presAssocID="{1AB065B4-F95D-4170-8DF3-2696E993B48D}" presName="childText" presStyleLbl="conFgAcc1" presStyleIdx="0" presStyleCnt="5">
+        <dgm:presLayoutVars>
+          <dgm:bulletEnabled val="1"/>
+        </dgm:presLayoutVars>
+      </dgm:prSet>
+      <dgm:spPr/>
+      <dgm:t>
+        <a:bodyPr/>
+        <a:lstStyle/>
+        <a:p>
+          <a:endParaRPr lang="en-US"/>
+        </a:p>
+      </dgm:t>
+    </dgm:pt>
+    <dgm:pt modelId="{D5C7A9C8-A5EB-4FE6-9CFB-0DBAC0932591}" type="pres">
+      <dgm:prSet presAssocID="{1F75D1D1-7E70-46D6-9089-597C7F9E1E8F}" presName="spaceBetweenRectangles" presStyleCnt="0"/>
+      <dgm:spPr/>
+    </dgm:pt>
+    <dgm:pt modelId="{26A230E3-AB09-4137-A200-75F0127B1895}" type="pres">
+      <dgm:prSet presAssocID="{1BD5F2D6-F967-4157-8BA9-411C34AEE9B5}" presName="parentLin" presStyleCnt="0"/>
+      <dgm:spPr/>
+    </dgm:pt>
+    <dgm:pt modelId="{73005CFC-C43F-4ED1-A76A-85B6744DF6A6}" type="pres">
+      <dgm:prSet presAssocID="{1BD5F2D6-F967-4157-8BA9-411C34AEE9B5}" presName="parentLeftMargin" presStyleLbl="node1" presStyleIdx="0" presStyleCnt="5"/>
+      <dgm:spPr/>
+    </dgm:pt>
+    <dgm:pt modelId="{F672AC01-D8EF-4C41-98CB-416A5A043064}" type="pres">
+      <dgm:prSet presAssocID="{1BD5F2D6-F967-4157-8BA9-411C34AEE9B5}" presName="parentText" presStyleLbl="node1" presStyleIdx="1" presStyleCnt="5" custScaleX="12053">
+        <dgm:presLayoutVars>
+          <dgm:chMax val="0"/>
+          <dgm:bulletEnabled val="1"/>
+        </dgm:presLayoutVars>
+      </dgm:prSet>
+      <dgm:spPr/>
+      <dgm:t>
+        <a:bodyPr/>
+        <a:lstStyle/>
+        <a:p>
+          <a:endParaRPr lang="en-US"/>
+        </a:p>
+      </dgm:t>
+    </dgm:pt>
+    <dgm:pt modelId="{EA22CE22-9F76-44F5-A9E3-027AF9060AC1}" type="pres">
+      <dgm:prSet presAssocID="{1BD5F2D6-F967-4157-8BA9-411C34AEE9B5}" presName="negativeSpace" presStyleCnt="0"/>
+      <dgm:spPr/>
+    </dgm:pt>
+    <dgm:pt modelId="{EF3416E0-E53C-4B78-8DCD-F0B8575E5434}" type="pres">
+      <dgm:prSet presAssocID="{1BD5F2D6-F967-4157-8BA9-411C34AEE9B5}" presName="childText" presStyleLbl="conFgAcc1" presStyleIdx="1" presStyleCnt="5">
+        <dgm:presLayoutVars>
+          <dgm:bulletEnabled val="1"/>
+        </dgm:presLayoutVars>
+      </dgm:prSet>
+      <dgm:spPr/>
+    </dgm:pt>
+    <dgm:pt modelId="{ABB4F4EE-FF30-4B31-9287-5BF02A22DC80}" type="pres">
+      <dgm:prSet presAssocID="{DFFD898D-112C-4A50-B2E9-2E9D4157A2F6}" presName="spaceBetweenRectangles" presStyleCnt="0"/>
+      <dgm:spPr/>
+    </dgm:pt>
+    <dgm:pt modelId="{98E3C132-23AF-4A88-A41F-C0BE52C34F95}" type="pres">
+      <dgm:prSet presAssocID="{B0153280-07EB-40BA-984B-ADB15C1F4B6A}" presName="parentLin" presStyleCnt="0"/>
+      <dgm:spPr/>
+    </dgm:pt>
+    <dgm:pt modelId="{AD088BCA-7BFA-43B2-A273-63A40A848524}" type="pres">
+      <dgm:prSet presAssocID="{B0153280-07EB-40BA-984B-ADB15C1F4B6A}" presName="parentLeftMargin" presStyleLbl="node1" presStyleIdx="1" presStyleCnt="5"/>
+      <dgm:spPr/>
+    </dgm:pt>
+    <dgm:pt modelId="{C7A81F9F-9BD1-4872-86CF-1DCAF47CF83A}" type="pres">
+      <dgm:prSet presAssocID="{B0153280-07EB-40BA-984B-ADB15C1F4B6A}" presName="parentText" presStyleLbl="node1" presStyleIdx="2" presStyleCnt="5" custScaleX="12053">
+        <dgm:presLayoutVars>
+          <dgm:chMax val="0"/>
+          <dgm:bulletEnabled val="1"/>
+        </dgm:presLayoutVars>
+      </dgm:prSet>
+      <dgm:spPr/>
+      <dgm:t>
+        <a:bodyPr/>
+        <a:lstStyle/>
+        <a:p>
+          <a:endParaRPr lang="en-US"/>
+        </a:p>
+      </dgm:t>
+    </dgm:pt>
+    <dgm:pt modelId="{8D288AD7-FF31-4333-8DF4-8D78C199332B}" type="pres">
+      <dgm:prSet presAssocID="{B0153280-07EB-40BA-984B-ADB15C1F4B6A}" presName="negativeSpace" presStyleCnt="0"/>
+      <dgm:spPr/>
+    </dgm:pt>
+    <dgm:pt modelId="{18ABD94C-1B8F-4F26-9809-83B15B64A5CB}" type="pres">
+      <dgm:prSet presAssocID="{B0153280-07EB-40BA-984B-ADB15C1F4B6A}" presName="childText" presStyleLbl="conFgAcc1" presStyleIdx="2" presStyleCnt="5">
+        <dgm:presLayoutVars>
+          <dgm:bulletEnabled val="1"/>
+        </dgm:presLayoutVars>
+      </dgm:prSet>
+      <dgm:spPr/>
+      <dgm:t>
+        <a:bodyPr/>
+        <a:lstStyle/>
+        <a:p>
+          <a:endParaRPr lang="en-US"/>
+        </a:p>
+      </dgm:t>
+    </dgm:pt>
+    <dgm:pt modelId="{8F8EC9B1-B924-46C3-8B07-36B510AC8130}" type="pres">
+      <dgm:prSet presAssocID="{5AC956D2-9018-4A13-813D-70FF955E1CCA}" presName="spaceBetweenRectangles" presStyleCnt="0"/>
+      <dgm:spPr/>
+    </dgm:pt>
+    <dgm:pt modelId="{ECB6A55E-2209-40EC-A3A4-8317150922E6}" type="pres">
+      <dgm:prSet presAssocID="{718B5F25-A647-4166-AC48-9ABDCD322C30}" presName="parentLin" presStyleCnt="0"/>
+      <dgm:spPr/>
+    </dgm:pt>
+    <dgm:pt modelId="{9ADC97C6-CC20-458E-A390-DDE0765A16BB}" type="pres">
+      <dgm:prSet presAssocID="{718B5F25-A647-4166-AC48-9ABDCD322C30}" presName="parentLeftMargin" presStyleLbl="node1" presStyleIdx="2" presStyleCnt="5"/>
+      <dgm:spPr/>
+    </dgm:pt>
+    <dgm:pt modelId="{7236E7CB-C2BD-4E29-AD5D-331DF3B6F50C}" type="pres">
+      <dgm:prSet presAssocID="{718B5F25-A647-4166-AC48-9ABDCD322C30}" presName="parentText" presStyleLbl="node1" presStyleIdx="3" presStyleCnt="5" custScaleX="12053">
+        <dgm:presLayoutVars>
+          <dgm:chMax val="0"/>
+          <dgm:bulletEnabled val="1"/>
+        </dgm:presLayoutVars>
+      </dgm:prSet>
+      <dgm:spPr/>
+    </dgm:pt>
+    <dgm:pt modelId="{211386A8-1F2E-4A8B-9ABB-1113E912EC85}" type="pres">
+      <dgm:prSet presAssocID="{718B5F25-A647-4166-AC48-9ABDCD322C30}" presName="negativeSpace" presStyleCnt="0"/>
+      <dgm:spPr/>
+    </dgm:pt>
+    <dgm:pt modelId="{3998ECA1-FEA9-400F-ACEC-37025F130C1E}" type="pres">
+      <dgm:prSet presAssocID="{718B5F25-A647-4166-AC48-9ABDCD322C30}" presName="childText" presStyleLbl="conFgAcc1" presStyleIdx="3" presStyleCnt="5">
+        <dgm:presLayoutVars>
+          <dgm:bulletEnabled val="1"/>
+        </dgm:presLayoutVars>
+      </dgm:prSet>
+      <dgm:spPr/>
+      <dgm:t>
+        <a:bodyPr/>
+        <a:lstStyle/>
+        <a:p>
+          <a:endParaRPr lang="en-US"/>
+        </a:p>
+      </dgm:t>
+    </dgm:pt>
+    <dgm:pt modelId="{EEE785D5-E616-4803-922B-E83B9FAEEAB1}" type="pres">
+      <dgm:prSet presAssocID="{9FEA9859-90C0-469D-9C59-B80B83CBFB9C}" presName="spaceBetweenRectangles" presStyleCnt="0"/>
+      <dgm:spPr/>
+    </dgm:pt>
+    <dgm:pt modelId="{28FA6D31-FC34-4EB2-BC67-6BCC67FD5BEF}" type="pres">
+      <dgm:prSet presAssocID="{4D04B307-9954-4A45-8CF4-DC4A795A8570}" presName="parentLin" presStyleCnt="0"/>
+      <dgm:spPr/>
+    </dgm:pt>
+    <dgm:pt modelId="{24B3C431-9287-4A5A-8C61-D8512CF060D2}" type="pres">
+      <dgm:prSet presAssocID="{4D04B307-9954-4A45-8CF4-DC4A795A8570}" presName="parentLeftMargin" presStyleLbl="node1" presStyleIdx="3" presStyleCnt="5"/>
+      <dgm:spPr/>
+    </dgm:pt>
+    <dgm:pt modelId="{1E426CEE-3F3F-402B-8142-05FF609ADF90}" type="pres">
+      <dgm:prSet presAssocID="{4D04B307-9954-4A45-8CF4-DC4A795A8570}" presName="parentText" presStyleLbl="node1" presStyleIdx="4" presStyleCnt="5" custScaleX="12053">
+        <dgm:presLayoutVars>
+          <dgm:chMax val="0"/>
+          <dgm:bulletEnabled val="1"/>
+        </dgm:presLayoutVars>
+      </dgm:prSet>
+      <dgm:spPr/>
+    </dgm:pt>
+    <dgm:pt modelId="{43EDD4D2-FB53-4AAE-BAD3-2DF6DB17ED37}" type="pres">
+      <dgm:prSet presAssocID="{4D04B307-9954-4A45-8CF4-DC4A795A8570}" presName="negativeSpace" presStyleCnt="0"/>
+      <dgm:spPr/>
+    </dgm:pt>
+    <dgm:pt modelId="{55DEC588-669D-455A-B816-627915F6B463}" type="pres">
+      <dgm:prSet presAssocID="{4D04B307-9954-4A45-8CF4-DC4A795A8570}" presName="childText" presStyleLbl="conFgAcc1" presStyleIdx="4" presStyleCnt="5">
+        <dgm:presLayoutVars>
+          <dgm:bulletEnabled val="1"/>
+        </dgm:presLayoutVars>
+      </dgm:prSet>
+      <dgm:spPr/>
+      <dgm:t>
+        <a:bodyPr/>
+        <a:lstStyle/>
+        <a:p>
+          <a:endParaRPr lang="en-US"/>
+        </a:p>
+      </dgm:t>
+    </dgm:pt>
+  </dgm:ptLst>
+  <dgm:cxnLst>
+    <dgm:cxn modelId="{FCB85AEB-FEEB-4A91-A067-1D8E5CE5E963}" type="presOf" srcId="{B0153280-07EB-40BA-984B-ADB15C1F4B6A}" destId="{C7A81F9F-9BD1-4872-86CF-1DCAF47CF83A}" srcOrd="1" destOrd="0" presId="urn:microsoft.com/office/officeart/2005/8/layout/list1"/>
+    <dgm:cxn modelId="{66FA9547-6720-441B-B6D1-ED1947895864}" type="presOf" srcId="{504433A7-4F2C-44F8-AF52-AD05E8C3AF85}" destId="{55DEC588-669D-455A-B816-627915F6B463}" srcOrd="0" destOrd="0" presId="urn:microsoft.com/office/officeart/2005/8/layout/list1"/>
+    <dgm:cxn modelId="{0658CE74-0A4C-4BF3-B4B0-96B543955CBC}" type="presOf" srcId="{1BD5F2D6-F967-4157-8BA9-411C34AEE9B5}" destId="{F672AC01-D8EF-4C41-98CB-416A5A043064}" srcOrd="1" destOrd="0" presId="urn:microsoft.com/office/officeart/2005/8/layout/list1"/>
+    <dgm:cxn modelId="{7A4AAD7D-6F77-44CA-B763-85DEB8E88D98}" srcId="{1AB065B4-F95D-4170-8DF3-2696E993B48D}" destId="{DF33A3C3-AFCA-41F5-8E0E-6135691C914D}" srcOrd="0" destOrd="0" parTransId="{E2804D2D-A495-499D-AC12-E53F4BD0DE89}" sibTransId="{5BF386F3-6F07-4778-94A1-79914F2CD528}"/>
+    <dgm:cxn modelId="{DB66D7B3-7C4D-4FF4-AE42-2DA0CC608D26}" type="presOf" srcId="{18400216-BC7B-4FF7-952A-FF0FC308D875}" destId="{EF3416E0-E53C-4B78-8DCD-F0B8575E5434}" srcOrd="0" destOrd="0" presId="urn:microsoft.com/office/officeart/2005/8/layout/list1"/>
+    <dgm:cxn modelId="{89B920AD-FA07-432B-B069-D11A251F9A38}" type="presOf" srcId="{DF33A3C3-AFCA-41F5-8E0E-6135691C914D}" destId="{AD0C8036-AF94-4175-955B-6AF36C16341C}" srcOrd="0" destOrd="0" presId="urn:microsoft.com/office/officeart/2005/8/layout/list1"/>
+    <dgm:cxn modelId="{34DF4037-089A-443A-A387-C8E785B29435}" type="presOf" srcId="{6B437A72-0934-4C24-825C-BF232426D980}" destId="{36771C4B-EDEC-4DE0-A54F-74287CC7F200}" srcOrd="0" destOrd="0" presId="urn:microsoft.com/office/officeart/2005/8/layout/list1"/>
+    <dgm:cxn modelId="{098BE653-C681-471E-994C-7FE56B101BB2}" type="presOf" srcId="{4D04B307-9954-4A45-8CF4-DC4A795A8570}" destId="{24B3C431-9287-4A5A-8C61-D8512CF060D2}" srcOrd="0" destOrd="0" presId="urn:microsoft.com/office/officeart/2005/8/layout/list1"/>
+    <dgm:cxn modelId="{0418F599-989B-4A7C-87C7-87CC609B59E6}" type="presOf" srcId="{D605F798-4A8A-484C-9BAA-609D4C84EE61}" destId="{3998ECA1-FEA9-400F-ACEC-37025F130C1E}" srcOrd="0" destOrd="0" presId="urn:microsoft.com/office/officeart/2005/8/layout/list1"/>
+    <dgm:cxn modelId="{080EB18B-1EB3-4EFE-AE8D-0BD2AB2E0017}" type="presOf" srcId="{F9E8E87B-FD91-418C-A663-54D914016F5C}" destId="{18ABD94C-1B8F-4F26-9809-83B15B64A5CB}" srcOrd="0" destOrd="0" presId="urn:microsoft.com/office/officeart/2005/8/layout/list1"/>
+    <dgm:cxn modelId="{CAD3274B-BB37-433C-A632-48C4303D53BE}" srcId="{6B437A72-0934-4C24-825C-BF232426D980}" destId="{1BD5F2D6-F967-4157-8BA9-411C34AEE9B5}" srcOrd="1" destOrd="0" parTransId="{263ECF04-54D5-4C07-BC8C-89D5047E01D6}" sibTransId="{DFFD898D-112C-4A50-B2E9-2E9D4157A2F6}"/>
+    <dgm:cxn modelId="{4BF86358-85EC-43C7-8B88-8A4B4F50D964}" srcId="{6B437A72-0934-4C24-825C-BF232426D980}" destId="{4D04B307-9954-4A45-8CF4-DC4A795A8570}" srcOrd="4" destOrd="0" parTransId="{34B2BBD3-46C6-4F53-B7E0-D9AE8543800C}" sibTransId="{D892CCE9-9028-45A2-9D0B-BADEA90A3F25}"/>
+    <dgm:cxn modelId="{3B1BFE40-CA98-40C3-B04E-C5330B5AC735}" srcId="{4D04B307-9954-4A45-8CF4-DC4A795A8570}" destId="{504433A7-4F2C-44F8-AF52-AD05E8C3AF85}" srcOrd="0" destOrd="0" parTransId="{4F895ED8-9EE1-48A4-A828-FDA805D8C252}" sibTransId="{695A6939-A944-4B34-B09F-2F0E50F001D7}"/>
+    <dgm:cxn modelId="{B4368D10-2E7D-45F0-9FD2-4C64F11D46C3}" srcId="{1BD5F2D6-F967-4157-8BA9-411C34AEE9B5}" destId="{18400216-BC7B-4FF7-952A-FF0FC308D875}" srcOrd="0" destOrd="0" parTransId="{BE66D603-9357-4FD2-A85C-36FBF54423AA}" sibTransId="{5ACAD922-60F6-4033-BCD3-5ADBDE5BC323}"/>
+    <dgm:cxn modelId="{16E60184-99DE-466B-962B-3ACE52097C54}" srcId="{718B5F25-A647-4166-AC48-9ABDCD322C30}" destId="{D605F798-4A8A-484C-9BAA-609D4C84EE61}" srcOrd="0" destOrd="0" parTransId="{9CB639B6-BA63-414F-A0C0-919122604BFE}" sibTransId="{6B06B8A5-6DF1-4DA4-86EC-BB4B5FE2F7F7}"/>
+    <dgm:cxn modelId="{6A33F8BB-6F1A-43E0-92E1-04BD9C3EB8EE}" srcId="{6B437A72-0934-4C24-825C-BF232426D980}" destId="{1AB065B4-F95D-4170-8DF3-2696E993B48D}" srcOrd="0" destOrd="0" parTransId="{882C69E3-BF50-4426-BB85-37A03659E516}" sibTransId="{1F75D1D1-7E70-46D6-9089-597C7F9E1E8F}"/>
+    <dgm:cxn modelId="{3F789107-9931-4231-AD1D-89D603975B66}" srcId="{6B437A72-0934-4C24-825C-BF232426D980}" destId="{B0153280-07EB-40BA-984B-ADB15C1F4B6A}" srcOrd="2" destOrd="0" parTransId="{9ED8EC30-B815-4386-82B2-7682A798DAE0}" sibTransId="{5AC956D2-9018-4A13-813D-70FF955E1CCA}"/>
+    <dgm:cxn modelId="{BCD1332E-B6B3-4706-BA00-2DA3CD6F0DAB}" srcId="{B0153280-07EB-40BA-984B-ADB15C1F4B6A}" destId="{F9E8E87B-FD91-418C-A663-54D914016F5C}" srcOrd="0" destOrd="0" parTransId="{C6D78893-BE6C-4B2F-A4A5-F8565EB7D1B3}" sibTransId="{3A8FA43F-7B26-4D7E-BF31-21522E266DE8}"/>
+    <dgm:cxn modelId="{4087BA32-0E7C-4688-B715-855F430445E1}" type="presOf" srcId="{718B5F25-A647-4166-AC48-9ABDCD322C30}" destId="{9ADC97C6-CC20-458E-A390-DDE0765A16BB}" srcOrd="0" destOrd="0" presId="urn:microsoft.com/office/officeart/2005/8/layout/list1"/>
+    <dgm:cxn modelId="{1505BBD6-3AB0-4DFD-9879-399C0D86C44D}" type="presOf" srcId="{1AB065B4-F95D-4170-8DF3-2696E993B48D}" destId="{CC799511-CE32-4515-832F-1D53852E47D9}" srcOrd="1" destOrd="0" presId="urn:microsoft.com/office/officeart/2005/8/layout/list1"/>
+    <dgm:cxn modelId="{BEEF296F-F88F-4B80-B1AC-C4B69FB45CA9}" type="presOf" srcId="{718B5F25-A647-4166-AC48-9ABDCD322C30}" destId="{7236E7CB-C2BD-4E29-AD5D-331DF3B6F50C}" srcOrd="1" destOrd="0" presId="urn:microsoft.com/office/officeart/2005/8/layout/list1"/>
+    <dgm:cxn modelId="{744C7DD7-EBB8-4E95-82FD-7BE92BBB1D1A}" type="presOf" srcId="{1BD5F2D6-F967-4157-8BA9-411C34AEE9B5}" destId="{73005CFC-C43F-4ED1-A76A-85B6744DF6A6}" srcOrd="0" destOrd="0" presId="urn:microsoft.com/office/officeart/2005/8/layout/list1"/>
+    <dgm:cxn modelId="{8EFC9A7F-BF70-4752-85A3-941DC6C7B4CC}" type="presOf" srcId="{1AB065B4-F95D-4170-8DF3-2696E993B48D}" destId="{4CA4EF23-3538-471D-AF13-AD7E603F5BDF}" srcOrd="0" destOrd="0" presId="urn:microsoft.com/office/officeart/2005/8/layout/list1"/>
+    <dgm:cxn modelId="{8D37DC63-F2D3-41F1-8D92-949EEE8E5065}" srcId="{6B437A72-0934-4C24-825C-BF232426D980}" destId="{718B5F25-A647-4166-AC48-9ABDCD322C30}" srcOrd="3" destOrd="0" parTransId="{2D3B3DF5-67F1-4313-9110-2062ABD318C1}" sibTransId="{9FEA9859-90C0-469D-9C59-B80B83CBFB9C}"/>
+    <dgm:cxn modelId="{A36DC082-4968-406B-BE7F-C584971AE080}" type="presOf" srcId="{B0153280-07EB-40BA-984B-ADB15C1F4B6A}" destId="{AD088BCA-7BFA-43B2-A273-63A40A848524}" srcOrd="0" destOrd="0" presId="urn:microsoft.com/office/officeart/2005/8/layout/list1"/>
+    <dgm:cxn modelId="{D51686A1-BE74-4DBB-8D40-FC8EA84C87A6}" type="presOf" srcId="{4D04B307-9954-4A45-8CF4-DC4A795A8570}" destId="{1E426CEE-3F3F-402B-8142-05FF609ADF90}" srcOrd="1" destOrd="0" presId="urn:microsoft.com/office/officeart/2005/8/layout/list1"/>
+    <dgm:cxn modelId="{36F00F5F-E645-4846-AEEC-1470EE3E71D4}" type="presParOf" srcId="{36771C4B-EDEC-4DE0-A54F-74287CC7F200}" destId="{D8F56B20-1835-4BCC-923C-FCD232321775}" srcOrd="0" destOrd="0" presId="urn:microsoft.com/office/officeart/2005/8/layout/list1"/>
+    <dgm:cxn modelId="{C511D525-4AAD-4F04-BE8C-20A0CCCF9DF2}" type="presParOf" srcId="{D8F56B20-1835-4BCC-923C-FCD232321775}" destId="{4CA4EF23-3538-471D-AF13-AD7E603F5BDF}" srcOrd="0" destOrd="0" presId="urn:microsoft.com/office/officeart/2005/8/layout/list1"/>
+    <dgm:cxn modelId="{C89D917E-F094-4AE7-BD1B-89038DBA6332}" type="presParOf" srcId="{D8F56B20-1835-4BCC-923C-FCD232321775}" destId="{CC799511-CE32-4515-832F-1D53852E47D9}" srcOrd="1" destOrd="0" presId="urn:microsoft.com/office/officeart/2005/8/layout/list1"/>
+    <dgm:cxn modelId="{2B6C688D-8935-4FD2-801C-331B431F7267}" type="presParOf" srcId="{36771C4B-EDEC-4DE0-A54F-74287CC7F200}" destId="{9F36A9CE-FF42-4E86-98E1-58A4DC9B8035}" srcOrd="1" destOrd="0" presId="urn:microsoft.com/office/officeart/2005/8/layout/list1"/>
+    <dgm:cxn modelId="{3DFE27E0-6C9D-4BBA-ACFA-206EB5344E12}" type="presParOf" srcId="{36771C4B-EDEC-4DE0-A54F-74287CC7F200}" destId="{AD0C8036-AF94-4175-955B-6AF36C16341C}" srcOrd="2" destOrd="0" presId="urn:microsoft.com/office/officeart/2005/8/layout/list1"/>
+    <dgm:cxn modelId="{04B725BE-0F46-4502-83BF-4A768A4635F1}" type="presParOf" srcId="{36771C4B-EDEC-4DE0-A54F-74287CC7F200}" destId="{D5C7A9C8-A5EB-4FE6-9CFB-0DBAC0932591}" srcOrd="3" destOrd="0" presId="urn:microsoft.com/office/officeart/2005/8/layout/list1"/>
+    <dgm:cxn modelId="{06439525-D431-410F-9408-25EC36578E0E}" type="presParOf" srcId="{36771C4B-EDEC-4DE0-A54F-74287CC7F200}" destId="{26A230E3-AB09-4137-A200-75F0127B1895}" srcOrd="4" destOrd="0" presId="urn:microsoft.com/office/officeart/2005/8/layout/list1"/>
+    <dgm:cxn modelId="{51C63ECD-BE0D-4B49-9C01-13C6A7140A39}" type="presParOf" srcId="{26A230E3-AB09-4137-A200-75F0127B1895}" destId="{73005CFC-C43F-4ED1-A76A-85B6744DF6A6}" srcOrd="0" destOrd="0" presId="urn:microsoft.com/office/officeart/2005/8/layout/list1"/>
+    <dgm:cxn modelId="{A7BAA3D7-AD72-47CA-BB59-E7A1BF1BC617}" type="presParOf" srcId="{26A230E3-AB09-4137-A200-75F0127B1895}" destId="{F672AC01-D8EF-4C41-98CB-416A5A043064}" srcOrd="1" destOrd="0" presId="urn:microsoft.com/office/officeart/2005/8/layout/list1"/>
+    <dgm:cxn modelId="{C29D1013-FAC2-4653-9324-27D28770094D}" type="presParOf" srcId="{36771C4B-EDEC-4DE0-A54F-74287CC7F200}" destId="{EA22CE22-9F76-44F5-A9E3-027AF9060AC1}" srcOrd="5" destOrd="0" presId="urn:microsoft.com/office/officeart/2005/8/layout/list1"/>
+    <dgm:cxn modelId="{C904DE23-8210-428E-81D0-5F9DF5F52C8B}" type="presParOf" srcId="{36771C4B-EDEC-4DE0-A54F-74287CC7F200}" destId="{EF3416E0-E53C-4B78-8DCD-F0B8575E5434}" srcOrd="6" destOrd="0" presId="urn:microsoft.com/office/officeart/2005/8/layout/list1"/>
+    <dgm:cxn modelId="{8CC4B0AF-19D9-4E23-8624-7D3F4D3CFE9A}" type="presParOf" srcId="{36771C4B-EDEC-4DE0-A54F-74287CC7F200}" destId="{ABB4F4EE-FF30-4B31-9287-5BF02A22DC80}" srcOrd="7" destOrd="0" presId="urn:microsoft.com/office/officeart/2005/8/layout/list1"/>
+    <dgm:cxn modelId="{6FA00B20-BEC0-4453-9E33-D9837CADFB56}" type="presParOf" srcId="{36771C4B-EDEC-4DE0-A54F-74287CC7F200}" destId="{98E3C132-23AF-4A88-A41F-C0BE52C34F95}" srcOrd="8" destOrd="0" presId="urn:microsoft.com/office/officeart/2005/8/layout/list1"/>
+    <dgm:cxn modelId="{0271746B-DEEC-4992-87F5-81676123567D}" type="presParOf" srcId="{98E3C132-23AF-4A88-A41F-C0BE52C34F95}" destId="{AD088BCA-7BFA-43B2-A273-63A40A848524}" srcOrd="0" destOrd="0" presId="urn:microsoft.com/office/officeart/2005/8/layout/list1"/>
+    <dgm:cxn modelId="{C6356B73-1EB0-4061-97CE-8C78B8DDECDD}" type="presParOf" srcId="{98E3C132-23AF-4A88-A41F-C0BE52C34F95}" destId="{C7A81F9F-9BD1-4872-86CF-1DCAF47CF83A}" srcOrd="1" destOrd="0" presId="urn:microsoft.com/office/officeart/2005/8/layout/list1"/>
+    <dgm:cxn modelId="{3E7EC73B-359B-4C2B-B86D-228069C67019}" type="presParOf" srcId="{36771C4B-EDEC-4DE0-A54F-74287CC7F200}" destId="{8D288AD7-FF31-4333-8DF4-8D78C199332B}" srcOrd="9" destOrd="0" presId="urn:microsoft.com/office/officeart/2005/8/layout/list1"/>
+    <dgm:cxn modelId="{60E8C063-09FA-4CA7-90C1-56CD963D8C4D}" type="presParOf" srcId="{36771C4B-EDEC-4DE0-A54F-74287CC7F200}" destId="{18ABD94C-1B8F-4F26-9809-83B15B64A5CB}" srcOrd="10" destOrd="0" presId="urn:microsoft.com/office/officeart/2005/8/layout/list1"/>
+    <dgm:cxn modelId="{8FA2B59A-789B-42B8-B110-F99AA0BE9131}" type="presParOf" srcId="{36771C4B-EDEC-4DE0-A54F-74287CC7F200}" destId="{8F8EC9B1-B924-46C3-8B07-36B510AC8130}" srcOrd="11" destOrd="0" presId="urn:microsoft.com/office/officeart/2005/8/layout/list1"/>
+    <dgm:cxn modelId="{551D7517-C4E6-43B3-B248-35B835F9F511}" type="presParOf" srcId="{36771C4B-EDEC-4DE0-A54F-74287CC7F200}" destId="{ECB6A55E-2209-40EC-A3A4-8317150922E6}" srcOrd="12" destOrd="0" presId="urn:microsoft.com/office/officeart/2005/8/layout/list1"/>
+    <dgm:cxn modelId="{79BB42F5-EA32-4DE0-822C-17631E764F7D}" type="presParOf" srcId="{ECB6A55E-2209-40EC-A3A4-8317150922E6}" destId="{9ADC97C6-CC20-458E-A390-DDE0765A16BB}" srcOrd="0" destOrd="0" presId="urn:microsoft.com/office/officeart/2005/8/layout/list1"/>
+    <dgm:cxn modelId="{13553BBB-FBAD-479B-8E39-2DF89A682A79}" type="presParOf" srcId="{ECB6A55E-2209-40EC-A3A4-8317150922E6}" destId="{7236E7CB-C2BD-4E29-AD5D-331DF3B6F50C}" srcOrd="1" destOrd="0" presId="urn:microsoft.com/office/officeart/2005/8/layout/list1"/>
+    <dgm:cxn modelId="{45561132-CBD4-48C8-ADCC-77730962472D}" type="presParOf" srcId="{36771C4B-EDEC-4DE0-A54F-74287CC7F200}" destId="{211386A8-1F2E-4A8B-9ABB-1113E912EC85}" srcOrd="13" destOrd="0" presId="urn:microsoft.com/office/officeart/2005/8/layout/list1"/>
+    <dgm:cxn modelId="{8D457B92-F571-41AF-A329-3C668CA15EF7}" type="presParOf" srcId="{36771C4B-EDEC-4DE0-A54F-74287CC7F200}" destId="{3998ECA1-FEA9-400F-ACEC-37025F130C1E}" srcOrd="14" destOrd="0" presId="urn:microsoft.com/office/officeart/2005/8/layout/list1"/>
+    <dgm:cxn modelId="{DBEA3254-7140-47F0-99A6-DFA556AD6336}" type="presParOf" srcId="{36771C4B-EDEC-4DE0-A54F-74287CC7F200}" destId="{EEE785D5-E616-4803-922B-E83B9FAEEAB1}" srcOrd="15" destOrd="0" presId="urn:microsoft.com/office/officeart/2005/8/layout/list1"/>
+    <dgm:cxn modelId="{2E039F3B-6E8D-491E-B91C-DA4D10EC53BB}" type="presParOf" srcId="{36771C4B-EDEC-4DE0-A54F-74287CC7F200}" destId="{28FA6D31-FC34-4EB2-BC67-6BCC67FD5BEF}" srcOrd="16" destOrd="0" presId="urn:microsoft.com/office/officeart/2005/8/layout/list1"/>
+    <dgm:cxn modelId="{5FAE568D-2673-45F1-8453-B924A4445A20}" type="presParOf" srcId="{28FA6D31-FC34-4EB2-BC67-6BCC67FD5BEF}" destId="{24B3C431-9287-4A5A-8C61-D8512CF060D2}" srcOrd="0" destOrd="0" presId="urn:microsoft.com/office/officeart/2005/8/layout/list1"/>
+    <dgm:cxn modelId="{26A27464-7FE1-452B-A88F-553805847984}" type="presParOf" srcId="{28FA6D31-FC34-4EB2-BC67-6BCC67FD5BEF}" destId="{1E426CEE-3F3F-402B-8142-05FF609ADF90}" srcOrd="1" destOrd="0" presId="urn:microsoft.com/office/officeart/2005/8/layout/list1"/>
+    <dgm:cxn modelId="{59CA46ED-A2FA-4E9B-AB50-CE71F58D0899}" type="presParOf" srcId="{36771C4B-EDEC-4DE0-A54F-74287CC7F200}" destId="{43EDD4D2-FB53-4AAE-BAD3-2DF6DB17ED37}" srcOrd="17" destOrd="0" presId="urn:microsoft.com/office/officeart/2005/8/layout/list1"/>
+    <dgm:cxn modelId="{7AFF64AE-FCD6-4502-B19F-782B89226C67}" type="presParOf" srcId="{36771C4B-EDEC-4DE0-A54F-74287CC7F200}" destId="{55DEC588-669D-455A-B816-627915F6B463}" srcOrd="18" destOrd="0" presId="urn:microsoft.com/office/officeart/2005/8/layout/list1"/>
+  </dgm:cxnLst>
+  <dgm:bg/>
+  <dgm:whole/>
+  <dgm:extLst>
+    <a:ext uri="http://schemas.microsoft.com/office/drawing/2008/diagram">
+      <dsp:dataModelExt xmlns:dsp="http://schemas.microsoft.com/office/drawing/2008/diagram" relId="rId7" minVer="http://schemas.openxmlformats.org/drawingml/2006/diagram"/>
     </a:ext>
   </dgm:extLst>
 </dgm:dataModel>
@@ -7657,6 +9359,1341 @@
 </dsp:drawing>
 </file>
 
+<file path=ppt/diagrams/drawing5.xml><?xml version="1.0" encoding="utf-8"?>
+<dsp:drawing xmlns:dgm="http://schemas.openxmlformats.org/drawingml/2006/diagram" xmlns:dsp="http://schemas.microsoft.com/office/drawing/2008/diagram" xmlns:a="http://schemas.openxmlformats.org/drawingml/2006/main">
+  <dsp:spTree>
+    <dsp:nvGrpSpPr>
+      <dsp:cNvPr id="0" name=""/>
+      <dsp:cNvGrpSpPr/>
+    </dsp:nvGrpSpPr>
+    <dsp:grpSpPr/>
+    <dsp:sp modelId="{AD0C8036-AF94-4175-955B-6AF36C16341C}">
+      <dsp:nvSpPr>
+        <dsp:cNvPr id="0" name=""/>
+        <dsp:cNvSpPr/>
+      </dsp:nvSpPr>
+      <dsp:spPr>
+        <a:xfrm>
+          <a:off x="0" y="210502"/>
+          <a:ext cx="4648200" cy="467775"/>
+        </a:xfrm>
+        <a:prstGeom prst="rect">
+          <a:avLst/>
+        </a:prstGeom>
+        <a:solidFill>
+          <a:schemeClr val="lt1">
+            <a:alpha val="90000"/>
+            <a:hueOff val="0"/>
+            <a:satOff val="0"/>
+            <a:lumOff val="0"/>
+            <a:alphaOff val="0"/>
+          </a:schemeClr>
+        </a:solidFill>
+        <a:ln w="9525" cap="flat" cmpd="sng" algn="ctr">
+          <a:solidFill>
+            <a:schemeClr val="accent1">
+              <a:hueOff val="0"/>
+              <a:satOff val="0"/>
+              <a:lumOff val="0"/>
+              <a:alphaOff val="0"/>
+            </a:schemeClr>
+          </a:solidFill>
+          <a:prstDash val="solid"/>
+        </a:ln>
+        <a:effectLst>
+          <a:outerShdw blurRad="50800" dist="25400" dir="5400000" rotWithShape="0">
+            <a:srgbClr val="000000">
+              <a:alpha val="38000"/>
+            </a:srgbClr>
+          </a:outerShdw>
+        </a:effectLst>
+        <a:scene3d>
+          <a:camera prst="orthographicFront">
+            <a:rot lat="0" lon="0" rev="0"/>
+          </a:camera>
+          <a:lightRig rig="flat" dir="tl">
+            <a:rot lat="0" lon="0" rev="6360000"/>
+          </a:lightRig>
+        </a:scene3d>
+        <a:sp3d prstMaterial="flat">
+          <a:bevelT w="12700" h="12700"/>
+        </a:sp3d>
+      </dsp:spPr>
+      <dsp:style>
+        <a:lnRef idx="1">
+          <a:scrgbClr r="0" g="0" b="0"/>
+        </a:lnRef>
+        <a:fillRef idx="1">
+          <a:scrgbClr r="0" g="0" b="0"/>
+        </a:fillRef>
+        <a:effectRef idx="2">
+          <a:scrgbClr r="0" g="0" b="0"/>
+        </a:effectRef>
+        <a:fontRef idx="minor"/>
+      </dsp:style>
+      <dsp:txBody>
+        <a:bodyPr spcFirstLastPara="0" vert="horz" wrap="square" lIns="360752" tIns="187452" rIns="360752" bIns="92456" numCol="1" spcCol="1270" anchor="t" anchorCtr="0">
+          <a:noAutofit/>
+        </a:bodyPr>
+        <a:lstStyle/>
+        <a:p>
+          <a:pPr marL="114300" lvl="1" indent="-114300" algn="l" defTabSz="577850">
+            <a:lnSpc>
+              <a:spcPct val="90000"/>
+            </a:lnSpc>
+            <a:spcBef>
+              <a:spcPct val="0"/>
+            </a:spcBef>
+            <a:spcAft>
+              <a:spcPct val="15000"/>
+            </a:spcAft>
+            <a:buChar char="••"/>
+          </a:pPr>
+          <a:r>
+            <a:rPr lang="en-US" sz="1300" kern="1200" dirty="0" err="1" smtClean="0"/>
+            <a:t>Tìm</a:t>
+          </a:r>
+          <a:r>
+            <a:rPr lang="en-US" sz="1300" kern="1200" dirty="0" smtClean="0"/>
+            <a:t> </a:t>
+          </a:r>
+          <a:r>
+            <a:rPr lang="en-US" sz="1300" kern="1200" dirty="0" err="1" smtClean="0"/>
+            <a:t>kiếm</a:t>
+          </a:r>
+          <a:r>
+            <a:rPr lang="en-US" sz="1300" kern="1200" dirty="0" smtClean="0"/>
+            <a:t> </a:t>
+          </a:r>
+          <a:r>
+            <a:rPr lang="en-US" sz="1300" kern="1200" dirty="0" err="1" smtClean="0"/>
+            <a:t>một</a:t>
+          </a:r>
+          <a:r>
+            <a:rPr lang="en-US" sz="1300" kern="1200" dirty="0" smtClean="0"/>
+            <a:t> </a:t>
+          </a:r>
+          <a:r>
+            <a:rPr lang="en-US" sz="1300" kern="1200" dirty="0" err="1" smtClean="0"/>
+            <a:t>Tài</a:t>
+          </a:r>
+          <a:r>
+            <a:rPr lang="en-US" sz="1300" kern="1200" dirty="0" smtClean="0"/>
+            <a:t> </a:t>
+          </a:r>
+          <a:r>
+            <a:rPr lang="en-US" sz="1300" kern="1200" dirty="0" err="1" smtClean="0"/>
+            <a:t>Xế</a:t>
+          </a:r>
+          <a:r>
+            <a:rPr lang="en-US" sz="1300" kern="1200" dirty="0" smtClean="0"/>
+            <a:t> </a:t>
+          </a:r>
+          <a:endParaRPr lang="en-US" sz="1300" b="1" kern="1200" dirty="0" smtClean="0"/>
+        </a:p>
+      </dsp:txBody>
+      <dsp:txXfrm>
+        <a:off x="0" y="210502"/>
+        <a:ext cx="4648200" cy="467775"/>
+      </dsp:txXfrm>
+    </dsp:sp>
+    <dsp:sp modelId="{CC799511-CE32-4515-832F-1D53852E47D9}">
+      <dsp:nvSpPr>
+        <dsp:cNvPr id="0" name=""/>
+        <dsp:cNvSpPr/>
+      </dsp:nvSpPr>
+      <dsp:spPr>
+        <a:xfrm>
+          <a:off x="232410" y="77662"/>
+          <a:ext cx="392173" cy="265680"/>
+        </a:xfrm>
+        <a:prstGeom prst="roundRect">
+          <a:avLst/>
+        </a:prstGeom>
+        <a:gradFill rotWithShape="0">
+          <a:gsLst>
+            <a:gs pos="0">
+              <a:schemeClr val="accent1">
+                <a:hueOff val="0"/>
+                <a:satOff val="0"/>
+                <a:lumOff val="0"/>
+                <a:alphaOff val="0"/>
+                <a:tint val="96000"/>
+                <a:satMod val="120000"/>
+                <a:lumMod val="120000"/>
+              </a:schemeClr>
+            </a:gs>
+            <a:gs pos="100000">
+              <a:schemeClr val="accent1">
+                <a:hueOff val="0"/>
+                <a:satOff val="0"/>
+                <a:lumOff val="0"/>
+                <a:alphaOff val="0"/>
+                <a:shade val="89000"/>
+                <a:lumMod val="90000"/>
+              </a:schemeClr>
+            </a:gs>
+          </a:gsLst>
+          <a:lin ang="5400000" scaled="0"/>
+        </a:gradFill>
+        <a:ln>
+          <a:noFill/>
+        </a:ln>
+        <a:effectLst>
+          <a:outerShdw blurRad="50800" dist="25400" dir="5400000" rotWithShape="0">
+            <a:srgbClr val="000000">
+              <a:alpha val="38000"/>
+            </a:srgbClr>
+          </a:outerShdw>
+        </a:effectLst>
+        <a:scene3d>
+          <a:camera prst="orthographicFront">
+            <a:rot lat="0" lon="0" rev="0"/>
+          </a:camera>
+          <a:lightRig rig="flat" dir="tl">
+            <a:rot lat="0" lon="0" rev="6360000"/>
+          </a:lightRig>
+        </a:scene3d>
+        <a:sp3d contourW="19050" prstMaterial="flat">
+          <a:bevelT w="63500" h="63500"/>
+          <a:contourClr>
+            <a:schemeClr val="accent1">
+              <a:hueOff val="0"/>
+              <a:satOff val="0"/>
+              <a:lumOff val="0"/>
+              <a:alphaOff val="0"/>
+              <a:shade val="25000"/>
+              <a:satMod val="180000"/>
+            </a:schemeClr>
+          </a:contourClr>
+        </a:sp3d>
+      </dsp:spPr>
+      <dsp:style>
+        <a:lnRef idx="0">
+          <a:scrgbClr r="0" g="0" b="0"/>
+        </a:lnRef>
+        <a:fillRef idx="3">
+          <a:scrgbClr r="0" g="0" b="0"/>
+        </a:fillRef>
+        <a:effectRef idx="3">
+          <a:scrgbClr r="0" g="0" b="0"/>
+        </a:effectRef>
+        <a:fontRef idx="minor">
+          <a:schemeClr val="lt1"/>
+        </a:fontRef>
+      </dsp:style>
+      <dsp:txBody>
+        <a:bodyPr spcFirstLastPara="0" vert="horz" wrap="square" lIns="122984" tIns="0" rIns="122984" bIns="0" numCol="1" spcCol="1270" anchor="ctr" anchorCtr="0">
+          <a:noAutofit/>
+        </a:bodyPr>
+        <a:lstStyle/>
+        <a:p>
+          <a:pPr lvl="0" algn="l" defTabSz="800100">
+            <a:lnSpc>
+              <a:spcPct val="90000"/>
+            </a:lnSpc>
+            <a:spcBef>
+              <a:spcPct val="0"/>
+            </a:spcBef>
+            <a:spcAft>
+              <a:spcPct val="35000"/>
+            </a:spcAft>
+          </a:pPr>
+          <a:r>
+            <a:rPr lang="en-US" sz="1800" b="1" kern="1200" dirty="0" smtClean="0"/>
+            <a:t>1</a:t>
+          </a:r>
+        </a:p>
+      </dsp:txBody>
+      <dsp:txXfrm>
+        <a:off x="245379" y="90631"/>
+        <a:ext cx="366235" cy="239742"/>
+      </dsp:txXfrm>
+    </dsp:sp>
+    <dsp:sp modelId="{EF3416E0-E53C-4B78-8DCD-F0B8575E5434}">
+      <dsp:nvSpPr>
+        <dsp:cNvPr id="0" name=""/>
+        <dsp:cNvSpPr/>
+      </dsp:nvSpPr>
+      <dsp:spPr>
+        <a:xfrm>
+          <a:off x="0" y="859717"/>
+          <a:ext cx="4648200" cy="467775"/>
+        </a:xfrm>
+        <a:prstGeom prst="rect">
+          <a:avLst/>
+        </a:prstGeom>
+        <a:solidFill>
+          <a:schemeClr val="lt1">
+            <a:alpha val="90000"/>
+            <a:hueOff val="0"/>
+            <a:satOff val="0"/>
+            <a:lumOff val="0"/>
+            <a:alphaOff val="0"/>
+          </a:schemeClr>
+        </a:solidFill>
+        <a:ln w="9525" cap="flat" cmpd="sng" algn="ctr">
+          <a:solidFill>
+            <a:schemeClr val="accent1">
+              <a:hueOff val="0"/>
+              <a:satOff val="0"/>
+              <a:lumOff val="0"/>
+              <a:alphaOff val="0"/>
+            </a:schemeClr>
+          </a:solidFill>
+          <a:prstDash val="solid"/>
+        </a:ln>
+        <a:effectLst>
+          <a:outerShdw blurRad="50800" dist="25400" dir="5400000" rotWithShape="0">
+            <a:srgbClr val="000000">
+              <a:alpha val="38000"/>
+            </a:srgbClr>
+          </a:outerShdw>
+        </a:effectLst>
+        <a:scene3d>
+          <a:camera prst="orthographicFront">
+            <a:rot lat="0" lon="0" rev="0"/>
+          </a:camera>
+          <a:lightRig rig="flat" dir="tl">
+            <a:rot lat="0" lon="0" rev="6360000"/>
+          </a:lightRig>
+        </a:scene3d>
+        <a:sp3d prstMaterial="flat">
+          <a:bevelT w="12700" h="12700"/>
+        </a:sp3d>
+      </dsp:spPr>
+      <dsp:style>
+        <a:lnRef idx="1">
+          <a:scrgbClr r="0" g="0" b="0"/>
+        </a:lnRef>
+        <a:fillRef idx="1">
+          <a:scrgbClr r="0" g="0" b="0"/>
+        </a:fillRef>
+        <a:effectRef idx="2">
+          <a:scrgbClr r="0" g="0" b="0"/>
+        </a:effectRef>
+        <a:fontRef idx="minor"/>
+      </dsp:style>
+      <dsp:txBody>
+        <a:bodyPr spcFirstLastPara="0" vert="horz" wrap="square" lIns="360752" tIns="187452" rIns="360752" bIns="92456" numCol="1" spcCol="1270" anchor="t" anchorCtr="0">
+          <a:noAutofit/>
+        </a:bodyPr>
+        <a:lstStyle/>
+        <a:p>
+          <a:pPr marL="114300" lvl="1" indent="-114300" algn="l" defTabSz="577850">
+            <a:lnSpc>
+              <a:spcPct val="90000"/>
+            </a:lnSpc>
+            <a:spcBef>
+              <a:spcPct val="0"/>
+            </a:spcBef>
+            <a:spcAft>
+              <a:spcPct val="15000"/>
+            </a:spcAft>
+            <a:buChar char="••"/>
+          </a:pPr>
+          <a:r>
+            <a:rPr lang="en-US" sz="1300" kern="1200" dirty="0" err="1" smtClean="0"/>
+            <a:t>Hiển</a:t>
+          </a:r>
+          <a:r>
+            <a:rPr lang="en-US" sz="1300" kern="1200" dirty="0" smtClean="0"/>
+            <a:t> </a:t>
+          </a:r>
+          <a:r>
+            <a:rPr lang="en-US" sz="1300" kern="1200" dirty="0" err="1" smtClean="0"/>
+            <a:t>thị</a:t>
+          </a:r>
+          <a:r>
+            <a:rPr lang="en-US" sz="1300" kern="1200" dirty="0" smtClean="0"/>
+            <a:t> </a:t>
+          </a:r>
+          <a:r>
+            <a:rPr lang="en-US" sz="1300" kern="1200" dirty="0" err="1" smtClean="0"/>
+            <a:t>thông</a:t>
+          </a:r>
+          <a:r>
+            <a:rPr lang="en-US" sz="1300" kern="1200" dirty="0" smtClean="0"/>
+            <a:t> tin chi </a:t>
+          </a:r>
+          <a:r>
+            <a:rPr lang="en-US" sz="1300" kern="1200" dirty="0" err="1" smtClean="0"/>
+            <a:t>tiết</a:t>
+          </a:r>
+          <a:r>
+            <a:rPr lang="en-US" sz="1300" kern="1200" dirty="0" smtClean="0"/>
+            <a:t> </a:t>
+          </a:r>
+          <a:r>
+            <a:rPr lang="en-US" sz="1300" kern="1200" dirty="0" err="1" smtClean="0"/>
+            <a:t>một</a:t>
+          </a:r>
+          <a:r>
+            <a:rPr lang="en-US" sz="1300" kern="1200" dirty="0" smtClean="0"/>
+            <a:t> </a:t>
+          </a:r>
+          <a:r>
+            <a:rPr lang="en-US" sz="1300" kern="1200" dirty="0" err="1" smtClean="0"/>
+            <a:t>Tài</a:t>
+          </a:r>
+          <a:r>
+            <a:rPr lang="en-US" sz="1300" kern="1200" dirty="0" smtClean="0"/>
+            <a:t> </a:t>
+          </a:r>
+          <a:r>
+            <a:rPr lang="en-US" sz="1300" kern="1200" dirty="0" err="1" smtClean="0"/>
+            <a:t>Xế</a:t>
+          </a:r>
+          <a:r>
+            <a:rPr lang="en-US" sz="1300" kern="1200" dirty="0" smtClean="0"/>
+            <a:t> </a:t>
+          </a:r>
+          <a:r>
+            <a:rPr lang="en-US" sz="1300" kern="1200" dirty="0" err="1" smtClean="0"/>
+            <a:t>được</a:t>
+          </a:r>
+          <a:r>
+            <a:rPr lang="en-US" sz="1300" kern="1200" dirty="0" smtClean="0"/>
+            <a:t> </a:t>
+          </a:r>
+          <a:r>
+            <a:rPr lang="en-US" sz="1300" kern="1200" dirty="0" err="1" smtClean="0"/>
+            <a:t>chọn</a:t>
+          </a:r>
+          <a:r>
+            <a:rPr lang="en-US" sz="1300" kern="1200" dirty="0" smtClean="0"/>
+            <a:t> </a:t>
+          </a:r>
+          <a:endParaRPr lang="en-US" sz="1300" b="1" kern="1200" dirty="0"/>
+        </a:p>
+      </dsp:txBody>
+      <dsp:txXfrm>
+        <a:off x="0" y="859717"/>
+        <a:ext cx="4648200" cy="467775"/>
+      </dsp:txXfrm>
+    </dsp:sp>
+    <dsp:sp modelId="{F672AC01-D8EF-4C41-98CB-416A5A043064}">
+      <dsp:nvSpPr>
+        <dsp:cNvPr id="0" name=""/>
+        <dsp:cNvSpPr/>
+      </dsp:nvSpPr>
+      <dsp:spPr>
+        <a:xfrm>
+          <a:off x="232410" y="726877"/>
+          <a:ext cx="392173" cy="265680"/>
+        </a:xfrm>
+        <a:prstGeom prst="roundRect">
+          <a:avLst/>
+        </a:prstGeom>
+        <a:gradFill rotWithShape="0">
+          <a:gsLst>
+            <a:gs pos="0">
+              <a:schemeClr val="accent1">
+                <a:hueOff val="0"/>
+                <a:satOff val="0"/>
+                <a:lumOff val="0"/>
+                <a:alphaOff val="0"/>
+                <a:tint val="96000"/>
+                <a:satMod val="120000"/>
+                <a:lumMod val="120000"/>
+              </a:schemeClr>
+            </a:gs>
+            <a:gs pos="100000">
+              <a:schemeClr val="accent1">
+                <a:hueOff val="0"/>
+                <a:satOff val="0"/>
+                <a:lumOff val="0"/>
+                <a:alphaOff val="0"/>
+                <a:shade val="89000"/>
+                <a:lumMod val="90000"/>
+              </a:schemeClr>
+            </a:gs>
+          </a:gsLst>
+          <a:lin ang="5400000" scaled="0"/>
+        </a:gradFill>
+        <a:ln>
+          <a:noFill/>
+        </a:ln>
+        <a:effectLst>
+          <a:outerShdw blurRad="50800" dist="25400" dir="5400000" rotWithShape="0">
+            <a:srgbClr val="000000">
+              <a:alpha val="38000"/>
+            </a:srgbClr>
+          </a:outerShdw>
+        </a:effectLst>
+        <a:scene3d>
+          <a:camera prst="orthographicFront">
+            <a:rot lat="0" lon="0" rev="0"/>
+          </a:camera>
+          <a:lightRig rig="flat" dir="tl">
+            <a:rot lat="0" lon="0" rev="6360000"/>
+          </a:lightRig>
+        </a:scene3d>
+        <a:sp3d contourW="19050" prstMaterial="flat">
+          <a:bevelT w="63500" h="63500"/>
+          <a:contourClr>
+            <a:schemeClr val="accent1">
+              <a:hueOff val="0"/>
+              <a:satOff val="0"/>
+              <a:lumOff val="0"/>
+              <a:alphaOff val="0"/>
+              <a:shade val="25000"/>
+              <a:satMod val="180000"/>
+            </a:schemeClr>
+          </a:contourClr>
+        </a:sp3d>
+      </dsp:spPr>
+      <dsp:style>
+        <a:lnRef idx="0">
+          <a:scrgbClr r="0" g="0" b="0"/>
+        </a:lnRef>
+        <a:fillRef idx="3">
+          <a:scrgbClr r="0" g="0" b="0"/>
+        </a:fillRef>
+        <a:effectRef idx="3">
+          <a:scrgbClr r="0" g="0" b="0"/>
+        </a:effectRef>
+        <a:fontRef idx="minor">
+          <a:schemeClr val="lt1"/>
+        </a:fontRef>
+      </dsp:style>
+      <dsp:txBody>
+        <a:bodyPr spcFirstLastPara="0" vert="horz" wrap="square" lIns="122984" tIns="0" rIns="122984" bIns="0" numCol="1" spcCol="1270" anchor="ctr" anchorCtr="0">
+          <a:noAutofit/>
+        </a:bodyPr>
+        <a:lstStyle/>
+        <a:p>
+          <a:pPr lvl="0" algn="l" defTabSz="800100">
+            <a:lnSpc>
+              <a:spcPct val="90000"/>
+            </a:lnSpc>
+            <a:spcBef>
+              <a:spcPct val="0"/>
+            </a:spcBef>
+            <a:spcAft>
+              <a:spcPct val="35000"/>
+            </a:spcAft>
+          </a:pPr>
+          <a:r>
+            <a:rPr lang="en-US" sz="1800" b="1" kern="1200" dirty="0" smtClean="0"/>
+            <a:t>2</a:t>
+          </a:r>
+          <a:endParaRPr lang="en-US" sz="1800" b="1" kern="1200" dirty="0"/>
+        </a:p>
+      </dsp:txBody>
+      <dsp:txXfrm>
+        <a:off x="245379" y="739846"/>
+        <a:ext cx="366235" cy="239742"/>
+      </dsp:txXfrm>
+    </dsp:sp>
+    <dsp:sp modelId="{18ABD94C-1B8F-4F26-9809-83B15B64A5CB}">
+      <dsp:nvSpPr>
+        <dsp:cNvPr id="0" name=""/>
+        <dsp:cNvSpPr/>
+      </dsp:nvSpPr>
+      <dsp:spPr>
+        <a:xfrm>
+          <a:off x="0" y="1508932"/>
+          <a:ext cx="4648200" cy="467775"/>
+        </a:xfrm>
+        <a:prstGeom prst="rect">
+          <a:avLst/>
+        </a:prstGeom>
+        <a:solidFill>
+          <a:schemeClr val="lt1">
+            <a:alpha val="90000"/>
+            <a:hueOff val="0"/>
+            <a:satOff val="0"/>
+            <a:lumOff val="0"/>
+            <a:alphaOff val="0"/>
+          </a:schemeClr>
+        </a:solidFill>
+        <a:ln w="9525" cap="flat" cmpd="sng" algn="ctr">
+          <a:solidFill>
+            <a:schemeClr val="accent1">
+              <a:hueOff val="0"/>
+              <a:satOff val="0"/>
+              <a:lumOff val="0"/>
+              <a:alphaOff val="0"/>
+            </a:schemeClr>
+          </a:solidFill>
+          <a:prstDash val="solid"/>
+        </a:ln>
+        <a:effectLst>
+          <a:outerShdw blurRad="50800" dist="25400" dir="5400000" rotWithShape="0">
+            <a:srgbClr val="000000">
+              <a:alpha val="38000"/>
+            </a:srgbClr>
+          </a:outerShdw>
+        </a:effectLst>
+        <a:scene3d>
+          <a:camera prst="orthographicFront">
+            <a:rot lat="0" lon="0" rev="0"/>
+          </a:camera>
+          <a:lightRig rig="flat" dir="tl">
+            <a:rot lat="0" lon="0" rev="6360000"/>
+          </a:lightRig>
+        </a:scene3d>
+        <a:sp3d prstMaterial="flat">
+          <a:bevelT w="12700" h="12700"/>
+        </a:sp3d>
+      </dsp:spPr>
+      <dsp:style>
+        <a:lnRef idx="1">
+          <a:scrgbClr r="0" g="0" b="0"/>
+        </a:lnRef>
+        <a:fillRef idx="1">
+          <a:scrgbClr r="0" g="0" b="0"/>
+        </a:fillRef>
+        <a:effectRef idx="2">
+          <a:scrgbClr r="0" g="0" b="0"/>
+        </a:effectRef>
+        <a:fontRef idx="minor"/>
+      </dsp:style>
+      <dsp:txBody>
+        <a:bodyPr spcFirstLastPara="0" vert="horz" wrap="square" lIns="360752" tIns="187452" rIns="360752" bIns="92456" numCol="1" spcCol="1270" anchor="t" anchorCtr="0">
+          <a:noAutofit/>
+        </a:bodyPr>
+        <a:lstStyle/>
+        <a:p>
+          <a:pPr marL="114300" lvl="1" indent="-114300" algn="l" defTabSz="577850">
+            <a:lnSpc>
+              <a:spcPct val="90000"/>
+            </a:lnSpc>
+            <a:spcBef>
+              <a:spcPct val="0"/>
+            </a:spcBef>
+            <a:spcAft>
+              <a:spcPct val="15000"/>
+            </a:spcAft>
+            <a:buChar char="••"/>
+          </a:pPr>
+          <a:r>
+            <a:rPr lang="en-US" sz="1300" kern="1200" dirty="0" err="1" smtClean="0"/>
+            <a:t>Hiển</a:t>
+          </a:r>
+          <a:r>
+            <a:rPr lang="en-US" sz="1300" kern="1200" dirty="0" smtClean="0"/>
+            <a:t> </a:t>
+          </a:r>
+          <a:r>
+            <a:rPr lang="en-US" sz="1300" kern="1200" dirty="0" err="1" smtClean="0"/>
+            <a:t>thị</a:t>
+          </a:r>
+          <a:r>
+            <a:rPr lang="en-US" sz="1300" kern="1200" dirty="0" smtClean="0"/>
+            <a:t> </a:t>
+          </a:r>
+          <a:r>
+            <a:rPr lang="en-US" sz="1300" kern="1200" dirty="0" err="1" smtClean="0"/>
+            <a:t>danh</a:t>
+          </a:r>
+          <a:r>
+            <a:rPr lang="en-US" sz="1300" kern="1200" dirty="0" smtClean="0"/>
+            <a:t> </a:t>
+          </a:r>
+          <a:r>
+            <a:rPr lang="en-US" sz="1300" kern="1200" dirty="0" err="1" smtClean="0"/>
+            <a:t>sách</a:t>
+          </a:r>
+          <a:r>
+            <a:rPr lang="en-US" sz="1300" kern="1200" dirty="0" smtClean="0"/>
+            <a:t> </a:t>
+          </a:r>
+          <a:r>
+            <a:rPr lang="en-US" sz="1300" kern="1200" dirty="0" err="1" smtClean="0"/>
+            <a:t>các</a:t>
+          </a:r>
+          <a:r>
+            <a:rPr lang="en-US" sz="1300" kern="1200" dirty="0" smtClean="0"/>
+            <a:t> </a:t>
+          </a:r>
+          <a:r>
+            <a:rPr lang="en-US" sz="1300" kern="1200" dirty="0" err="1" smtClean="0"/>
+            <a:t>Tài</a:t>
+          </a:r>
+          <a:r>
+            <a:rPr lang="en-US" sz="1300" kern="1200" dirty="0" smtClean="0"/>
+            <a:t> </a:t>
+          </a:r>
+          <a:r>
+            <a:rPr lang="en-US" sz="1300" kern="1200" dirty="0" err="1" smtClean="0"/>
+            <a:t>Xế</a:t>
+          </a:r>
+          <a:r>
+            <a:rPr lang="en-US" sz="1300" kern="1200" dirty="0" smtClean="0"/>
+            <a:t>.</a:t>
+          </a:r>
+          <a:endParaRPr lang="en-US" sz="1300" b="1" kern="1200" dirty="0"/>
+        </a:p>
+      </dsp:txBody>
+      <dsp:txXfrm>
+        <a:off x="0" y="1508932"/>
+        <a:ext cx="4648200" cy="467775"/>
+      </dsp:txXfrm>
+    </dsp:sp>
+    <dsp:sp modelId="{C7A81F9F-9BD1-4872-86CF-1DCAF47CF83A}">
+      <dsp:nvSpPr>
+        <dsp:cNvPr id="0" name=""/>
+        <dsp:cNvSpPr/>
+      </dsp:nvSpPr>
+      <dsp:spPr>
+        <a:xfrm>
+          <a:off x="232410" y="1376092"/>
+          <a:ext cx="392173" cy="265680"/>
+        </a:xfrm>
+        <a:prstGeom prst="roundRect">
+          <a:avLst/>
+        </a:prstGeom>
+        <a:gradFill rotWithShape="0">
+          <a:gsLst>
+            <a:gs pos="0">
+              <a:schemeClr val="accent1">
+                <a:hueOff val="0"/>
+                <a:satOff val="0"/>
+                <a:lumOff val="0"/>
+                <a:alphaOff val="0"/>
+                <a:tint val="96000"/>
+                <a:satMod val="120000"/>
+                <a:lumMod val="120000"/>
+              </a:schemeClr>
+            </a:gs>
+            <a:gs pos="100000">
+              <a:schemeClr val="accent1">
+                <a:hueOff val="0"/>
+                <a:satOff val="0"/>
+                <a:lumOff val="0"/>
+                <a:alphaOff val="0"/>
+                <a:shade val="89000"/>
+                <a:lumMod val="90000"/>
+              </a:schemeClr>
+            </a:gs>
+          </a:gsLst>
+          <a:lin ang="5400000" scaled="0"/>
+        </a:gradFill>
+        <a:ln>
+          <a:noFill/>
+        </a:ln>
+        <a:effectLst>
+          <a:outerShdw blurRad="50800" dist="25400" dir="5400000" rotWithShape="0">
+            <a:srgbClr val="000000">
+              <a:alpha val="38000"/>
+            </a:srgbClr>
+          </a:outerShdw>
+        </a:effectLst>
+        <a:scene3d>
+          <a:camera prst="orthographicFront">
+            <a:rot lat="0" lon="0" rev="0"/>
+          </a:camera>
+          <a:lightRig rig="flat" dir="tl">
+            <a:rot lat="0" lon="0" rev="6360000"/>
+          </a:lightRig>
+        </a:scene3d>
+        <a:sp3d contourW="19050" prstMaterial="flat">
+          <a:bevelT w="63500" h="63500"/>
+          <a:contourClr>
+            <a:schemeClr val="accent1">
+              <a:hueOff val="0"/>
+              <a:satOff val="0"/>
+              <a:lumOff val="0"/>
+              <a:alphaOff val="0"/>
+              <a:shade val="25000"/>
+              <a:satMod val="180000"/>
+            </a:schemeClr>
+          </a:contourClr>
+        </a:sp3d>
+      </dsp:spPr>
+      <dsp:style>
+        <a:lnRef idx="0">
+          <a:scrgbClr r="0" g="0" b="0"/>
+        </a:lnRef>
+        <a:fillRef idx="3">
+          <a:scrgbClr r="0" g="0" b="0"/>
+        </a:fillRef>
+        <a:effectRef idx="3">
+          <a:scrgbClr r="0" g="0" b="0"/>
+        </a:effectRef>
+        <a:fontRef idx="minor">
+          <a:schemeClr val="lt1"/>
+        </a:fontRef>
+      </dsp:style>
+      <dsp:txBody>
+        <a:bodyPr spcFirstLastPara="0" vert="horz" wrap="square" lIns="122984" tIns="0" rIns="122984" bIns="0" numCol="1" spcCol="1270" anchor="ctr" anchorCtr="0">
+          <a:noAutofit/>
+        </a:bodyPr>
+        <a:lstStyle/>
+        <a:p>
+          <a:pPr lvl="0" algn="l" defTabSz="800100">
+            <a:lnSpc>
+              <a:spcPct val="90000"/>
+            </a:lnSpc>
+            <a:spcBef>
+              <a:spcPct val="0"/>
+            </a:spcBef>
+            <a:spcAft>
+              <a:spcPct val="35000"/>
+            </a:spcAft>
+          </a:pPr>
+          <a:r>
+            <a:rPr lang="en-US" sz="1800" b="1" kern="1200" dirty="0" smtClean="0"/>
+            <a:t>3</a:t>
+          </a:r>
+          <a:endParaRPr lang="en-US" sz="1800" b="1" kern="1200" dirty="0"/>
+        </a:p>
+      </dsp:txBody>
+      <dsp:txXfrm>
+        <a:off x="245379" y="1389061"/>
+        <a:ext cx="366235" cy="239742"/>
+      </dsp:txXfrm>
+    </dsp:sp>
+    <dsp:sp modelId="{3998ECA1-FEA9-400F-ACEC-37025F130C1E}">
+      <dsp:nvSpPr>
+        <dsp:cNvPr id="0" name=""/>
+        <dsp:cNvSpPr/>
+      </dsp:nvSpPr>
+      <dsp:spPr>
+        <a:xfrm>
+          <a:off x="0" y="2158147"/>
+          <a:ext cx="4648200" cy="467775"/>
+        </a:xfrm>
+        <a:prstGeom prst="rect">
+          <a:avLst/>
+        </a:prstGeom>
+        <a:solidFill>
+          <a:schemeClr val="lt1">
+            <a:alpha val="90000"/>
+            <a:hueOff val="0"/>
+            <a:satOff val="0"/>
+            <a:lumOff val="0"/>
+            <a:alphaOff val="0"/>
+          </a:schemeClr>
+        </a:solidFill>
+        <a:ln w="9525" cap="flat" cmpd="sng" algn="ctr">
+          <a:solidFill>
+            <a:schemeClr val="accent1">
+              <a:hueOff val="0"/>
+              <a:satOff val="0"/>
+              <a:lumOff val="0"/>
+              <a:alphaOff val="0"/>
+            </a:schemeClr>
+          </a:solidFill>
+          <a:prstDash val="solid"/>
+        </a:ln>
+        <a:effectLst>
+          <a:outerShdw blurRad="50800" dist="25400" dir="5400000" rotWithShape="0">
+            <a:srgbClr val="000000">
+              <a:alpha val="38000"/>
+            </a:srgbClr>
+          </a:outerShdw>
+        </a:effectLst>
+        <a:scene3d>
+          <a:camera prst="orthographicFront">
+            <a:rot lat="0" lon="0" rev="0"/>
+          </a:camera>
+          <a:lightRig rig="flat" dir="tl">
+            <a:rot lat="0" lon="0" rev="6360000"/>
+          </a:lightRig>
+        </a:scene3d>
+        <a:sp3d prstMaterial="flat">
+          <a:bevelT w="12700" h="12700"/>
+        </a:sp3d>
+      </dsp:spPr>
+      <dsp:style>
+        <a:lnRef idx="1">
+          <a:scrgbClr r="0" g="0" b="0"/>
+        </a:lnRef>
+        <a:fillRef idx="1">
+          <a:scrgbClr r="0" g="0" b="0"/>
+        </a:fillRef>
+        <a:effectRef idx="2">
+          <a:scrgbClr r="0" g="0" b="0"/>
+        </a:effectRef>
+        <a:fontRef idx="minor"/>
+      </dsp:style>
+      <dsp:txBody>
+        <a:bodyPr spcFirstLastPara="0" vert="horz" wrap="square" lIns="360752" tIns="187452" rIns="360752" bIns="92456" numCol="1" spcCol="1270" anchor="t" anchorCtr="0">
+          <a:noAutofit/>
+        </a:bodyPr>
+        <a:lstStyle/>
+        <a:p>
+          <a:pPr marL="114300" lvl="1" indent="-114300" algn="l" defTabSz="577850">
+            <a:lnSpc>
+              <a:spcPct val="90000"/>
+            </a:lnSpc>
+            <a:spcBef>
+              <a:spcPct val="0"/>
+            </a:spcBef>
+            <a:spcAft>
+              <a:spcPct val="15000"/>
+            </a:spcAft>
+            <a:buChar char="••"/>
+          </a:pPr>
+          <a:r>
+            <a:rPr lang="en-US" sz="1300" kern="1200" dirty="0" err="1" smtClean="0"/>
+            <a:t>Thêm</a:t>
+          </a:r>
+          <a:r>
+            <a:rPr lang="en-US" sz="1300" kern="1200" dirty="0" smtClean="0"/>
+            <a:t>, </a:t>
+          </a:r>
+          <a:r>
+            <a:rPr lang="en-US" sz="1300" kern="1200" dirty="0" err="1" smtClean="0"/>
+            <a:t>xóa</a:t>
+          </a:r>
+          <a:r>
+            <a:rPr lang="en-US" sz="1300" kern="1200" dirty="0" smtClean="0"/>
+            <a:t>, </a:t>
+          </a:r>
+          <a:r>
+            <a:rPr lang="en-US" sz="1300" kern="1200" dirty="0" err="1" smtClean="0"/>
+            <a:t>sửa</a:t>
+          </a:r>
+          <a:r>
+            <a:rPr lang="en-US" sz="1300" kern="1200" dirty="0" smtClean="0"/>
+            <a:t> </a:t>
+          </a:r>
+          <a:r>
+            <a:rPr lang="en-US" sz="1300" kern="1200" dirty="0" err="1" smtClean="0"/>
+            <a:t>thông</a:t>
+          </a:r>
+          <a:r>
+            <a:rPr lang="en-US" sz="1300" kern="1200" dirty="0" smtClean="0"/>
+            <a:t> tin </a:t>
+          </a:r>
+          <a:r>
+            <a:rPr lang="en-US" sz="1300" kern="1200" dirty="0" err="1" smtClean="0"/>
+            <a:t>một</a:t>
+          </a:r>
+          <a:r>
+            <a:rPr lang="en-US" sz="1300" kern="1200" dirty="0" smtClean="0"/>
+            <a:t> </a:t>
+          </a:r>
+          <a:r>
+            <a:rPr lang="en-US" sz="1300" kern="1200" dirty="0" err="1" smtClean="0"/>
+            <a:t>Tài</a:t>
+          </a:r>
+          <a:r>
+            <a:rPr lang="en-US" sz="1300" kern="1200" dirty="0" smtClean="0"/>
+            <a:t> </a:t>
+          </a:r>
+          <a:r>
+            <a:rPr lang="en-US" sz="1300" kern="1200" dirty="0" err="1" smtClean="0"/>
+            <a:t>Xế</a:t>
+          </a:r>
+          <a:r>
+            <a:rPr lang="en-US" sz="1300" kern="1200" dirty="0" smtClean="0"/>
+            <a:t> </a:t>
+          </a:r>
+          <a:endParaRPr lang="en-US" sz="1300" b="1" kern="1200" dirty="0"/>
+        </a:p>
+      </dsp:txBody>
+      <dsp:txXfrm>
+        <a:off x="0" y="2158147"/>
+        <a:ext cx="4648200" cy="467775"/>
+      </dsp:txXfrm>
+    </dsp:sp>
+    <dsp:sp modelId="{7236E7CB-C2BD-4E29-AD5D-331DF3B6F50C}">
+      <dsp:nvSpPr>
+        <dsp:cNvPr id="0" name=""/>
+        <dsp:cNvSpPr/>
+      </dsp:nvSpPr>
+      <dsp:spPr>
+        <a:xfrm>
+          <a:off x="232410" y="2025307"/>
+          <a:ext cx="392173" cy="265680"/>
+        </a:xfrm>
+        <a:prstGeom prst="roundRect">
+          <a:avLst/>
+        </a:prstGeom>
+        <a:gradFill rotWithShape="0">
+          <a:gsLst>
+            <a:gs pos="0">
+              <a:schemeClr val="accent1">
+                <a:hueOff val="0"/>
+                <a:satOff val="0"/>
+                <a:lumOff val="0"/>
+                <a:alphaOff val="0"/>
+                <a:tint val="96000"/>
+                <a:satMod val="120000"/>
+                <a:lumMod val="120000"/>
+              </a:schemeClr>
+            </a:gs>
+            <a:gs pos="100000">
+              <a:schemeClr val="accent1">
+                <a:hueOff val="0"/>
+                <a:satOff val="0"/>
+                <a:lumOff val="0"/>
+                <a:alphaOff val="0"/>
+                <a:shade val="89000"/>
+                <a:lumMod val="90000"/>
+              </a:schemeClr>
+            </a:gs>
+          </a:gsLst>
+          <a:lin ang="5400000" scaled="0"/>
+        </a:gradFill>
+        <a:ln>
+          <a:noFill/>
+        </a:ln>
+        <a:effectLst>
+          <a:outerShdw blurRad="50800" dist="25400" dir="5400000" rotWithShape="0">
+            <a:srgbClr val="000000">
+              <a:alpha val="38000"/>
+            </a:srgbClr>
+          </a:outerShdw>
+        </a:effectLst>
+        <a:scene3d>
+          <a:camera prst="orthographicFront">
+            <a:rot lat="0" lon="0" rev="0"/>
+          </a:camera>
+          <a:lightRig rig="flat" dir="tl">
+            <a:rot lat="0" lon="0" rev="6360000"/>
+          </a:lightRig>
+        </a:scene3d>
+        <a:sp3d contourW="19050" prstMaterial="flat">
+          <a:bevelT w="63500" h="63500"/>
+          <a:contourClr>
+            <a:schemeClr val="accent1">
+              <a:hueOff val="0"/>
+              <a:satOff val="0"/>
+              <a:lumOff val="0"/>
+              <a:alphaOff val="0"/>
+              <a:shade val="25000"/>
+              <a:satMod val="180000"/>
+            </a:schemeClr>
+          </a:contourClr>
+        </a:sp3d>
+      </dsp:spPr>
+      <dsp:style>
+        <a:lnRef idx="0">
+          <a:scrgbClr r="0" g="0" b="0"/>
+        </a:lnRef>
+        <a:fillRef idx="3">
+          <a:scrgbClr r="0" g="0" b="0"/>
+        </a:fillRef>
+        <a:effectRef idx="3">
+          <a:scrgbClr r="0" g="0" b="0"/>
+        </a:effectRef>
+        <a:fontRef idx="minor">
+          <a:schemeClr val="lt1"/>
+        </a:fontRef>
+      </dsp:style>
+      <dsp:txBody>
+        <a:bodyPr spcFirstLastPara="0" vert="horz" wrap="square" lIns="122984" tIns="0" rIns="122984" bIns="0" numCol="1" spcCol="1270" anchor="ctr" anchorCtr="0">
+          <a:noAutofit/>
+        </a:bodyPr>
+        <a:lstStyle/>
+        <a:p>
+          <a:pPr lvl="0" algn="l" defTabSz="800100">
+            <a:lnSpc>
+              <a:spcPct val="90000"/>
+            </a:lnSpc>
+            <a:spcBef>
+              <a:spcPct val="0"/>
+            </a:spcBef>
+            <a:spcAft>
+              <a:spcPct val="35000"/>
+            </a:spcAft>
+          </a:pPr>
+          <a:r>
+            <a:rPr lang="en-US" sz="1800" b="1" kern="1200" dirty="0" smtClean="0"/>
+            <a:t>4</a:t>
+          </a:r>
+          <a:endParaRPr lang="en-US" sz="1800" b="1" kern="1200" dirty="0"/>
+        </a:p>
+      </dsp:txBody>
+      <dsp:txXfrm>
+        <a:off x="245379" y="2038276"/>
+        <a:ext cx="366235" cy="239742"/>
+      </dsp:txXfrm>
+    </dsp:sp>
+    <dsp:sp modelId="{55DEC588-669D-455A-B816-627915F6B463}">
+      <dsp:nvSpPr>
+        <dsp:cNvPr id="0" name=""/>
+        <dsp:cNvSpPr/>
+      </dsp:nvSpPr>
+      <dsp:spPr>
+        <a:xfrm>
+          <a:off x="0" y="2807362"/>
+          <a:ext cx="4648200" cy="467775"/>
+        </a:xfrm>
+        <a:prstGeom prst="rect">
+          <a:avLst/>
+        </a:prstGeom>
+        <a:solidFill>
+          <a:schemeClr val="lt1">
+            <a:alpha val="90000"/>
+            <a:hueOff val="0"/>
+            <a:satOff val="0"/>
+            <a:lumOff val="0"/>
+            <a:alphaOff val="0"/>
+          </a:schemeClr>
+        </a:solidFill>
+        <a:ln w="9525" cap="flat" cmpd="sng" algn="ctr">
+          <a:solidFill>
+            <a:schemeClr val="accent1">
+              <a:hueOff val="0"/>
+              <a:satOff val="0"/>
+              <a:lumOff val="0"/>
+              <a:alphaOff val="0"/>
+            </a:schemeClr>
+          </a:solidFill>
+          <a:prstDash val="solid"/>
+        </a:ln>
+        <a:effectLst>
+          <a:outerShdw blurRad="50800" dist="25400" dir="5400000" rotWithShape="0">
+            <a:srgbClr val="000000">
+              <a:alpha val="38000"/>
+            </a:srgbClr>
+          </a:outerShdw>
+        </a:effectLst>
+        <a:scene3d>
+          <a:camera prst="orthographicFront">
+            <a:rot lat="0" lon="0" rev="0"/>
+          </a:camera>
+          <a:lightRig rig="flat" dir="tl">
+            <a:rot lat="0" lon="0" rev="6360000"/>
+          </a:lightRig>
+        </a:scene3d>
+        <a:sp3d prstMaterial="flat">
+          <a:bevelT w="12700" h="12700"/>
+        </a:sp3d>
+      </dsp:spPr>
+      <dsp:style>
+        <a:lnRef idx="1">
+          <a:scrgbClr r="0" g="0" b="0"/>
+        </a:lnRef>
+        <a:fillRef idx="1">
+          <a:scrgbClr r="0" g="0" b="0"/>
+        </a:fillRef>
+        <a:effectRef idx="2">
+          <a:scrgbClr r="0" g="0" b="0"/>
+        </a:effectRef>
+        <a:fontRef idx="minor"/>
+      </dsp:style>
+      <dsp:txBody>
+        <a:bodyPr spcFirstLastPara="0" vert="horz" wrap="square" lIns="360752" tIns="187452" rIns="360752" bIns="92456" numCol="1" spcCol="1270" anchor="t" anchorCtr="0">
+          <a:noAutofit/>
+        </a:bodyPr>
+        <a:lstStyle/>
+        <a:p>
+          <a:pPr marL="114300" lvl="1" indent="-114300" algn="l" defTabSz="577850">
+            <a:lnSpc>
+              <a:spcPct val="90000"/>
+            </a:lnSpc>
+            <a:spcBef>
+              <a:spcPct val="0"/>
+            </a:spcBef>
+            <a:spcAft>
+              <a:spcPct val="15000"/>
+            </a:spcAft>
+            <a:buChar char="••"/>
+          </a:pPr>
+          <a:r>
+            <a:rPr lang="en-US" sz="1300" kern="1200" dirty="0" err="1" smtClean="0"/>
+            <a:t>Hiển</a:t>
+          </a:r>
+          <a:r>
+            <a:rPr lang="en-US" sz="1300" kern="1200" dirty="0" smtClean="0"/>
+            <a:t> </a:t>
+          </a:r>
+          <a:r>
+            <a:rPr lang="en-US" sz="1300" kern="1200" dirty="0" err="1" smtClean="0"/>
+            <a:t>thị</a:t>
+          </a:r>
+          <a:r>
+            <a:rPr lang="en-US" sz="1300" kern="1200" dirty="0" smtClean="0"/>
+            <a:t> </a:t>
+          </a:r>
+          <a:r>
+            <a:rPr lang="en-US" sz="1300" kern="1200" dirty="0" err="1" smtClean="0"/>
+            <a:t>hông</a:t>
+          </a:r>
+          <a:r>
+            <a:rPr lang="en-US" sz="1300" kern="1200" dirty="0" smtClean="0"/>
+            <a:t> tin </a:t>
+          </a:r>
+          <a:r>
+            <a:rPr lang="en-US" sz="1300" kern="1200" dirty="0" err="1" smtClean="0"/>
+            <a:t>các</a:t>
+          </a:r>
+          <a:r>
+            <a:rPr lang="en-US" sz="1300" kern="1200" dirty="0" smtClean="0"/>
+            <a:t> </a:t>
+          </a:r>
+          <a:r>
+            <a:rPr lang="en-US" sz="1300" kern="1200" dirty="0" err="1" smtClean="0"/>
+            <a:t>xe</a:t>
+          </a:r>
+          <a:r>
+            <a:rPr lang="en-US" sz="1300" kern="1200" dirty="0" smtClean="0"/>
+            <a:t> </a:t>
+          </a:r>
+          <a:r>
+            <a:rPr lang="en-US" sz="1300" kern="1200" dirty="0" err="1" smtClean="0"/>
+            <a:t>của</a:t>
+          </a:r>
+          <a:r>
+            <a:rPr lang="en-US" sz="1300" kern="1200" dirty="0" smtClean="0"/>
+            <a:t> </a:t>
+          </a:r>
+          <a:r>
+            <a:rPr lang="en-US" sz="1300" kern="1200" dirty="0" err="1" smtClean="0"/>
+            <a:t>Tài</a:t>
+          </a:r>
+          <a:r>
+            <a:rPr lang="en-US" sz="1300" kern="1200" dirty="0" smtClean="0"/>
+            <a:t> </a:t>
+          </a:r>
+          <a:r>
+            <a:rPr lang="en-US" sz="1300" kern="1200" dirty="0" err="1" smtClean="0"/>
+            <a:t>Xế</a:t>
+          </a:r>
+          <a:r>
+            <a:rPr lang="en-US" sz="1300" kern="1200" dirty="0" smtClean="0"/>
+            <a:t>  </a:t>
+          </a:r>
+          <a:r>
+            <a:rPr lang="en-US" sz="1300" kern="1200" dirty="0" err="1" smtClean="0"/>
+            <a:t>được</a:t>
+          </a:r>
+          <a:r>
+            <a:rPr lang="en-US" sz="1300" kern="1200" dirty="0" smtClean="0"/>
+            <a:t> </a:t>
+          </a:r>
+          <a:r>
+            <a:rPr lang="en-US" sz="1300" kern="1200" dirty="0" err="1" smtClean="0"/>
+            <a:t>chọn</a:t>
+          </a:r>
+          <a:r>
+            <a:rPr lang="en-US" sz="1300" kern="1200" dirty="0" smtClean="0"/>
+            <a:t>.</a:t>
+          </a:r>
+          <a:endParaRPr lang="en-US" sz="1300" b="1" kern="1200" dirty="0"/>
+        </a:p>
+      </dsp:txBody>
+      <dsp:txXfrm>
+        <a:off x="0" y="2807362"/>
+        <a:ext cx="4648200" cy="467775"/>
+      </dsp:txXfrm>
+    </dsp:sp>
+    <dsp:sp modelId="{1E426CEE-3F3F-402B-8142-05FF609ADF90}">
+      <dsp:nvSpPr>
+        <dsp:cNvPr id="0" name=""/>
+        <dsp:cNvSpPr/>
+      </dsp:nvSpPr>
+      <dsp:spPr>
+        <a:xfrm>
+          <a:off x="232410" y="2674522"/>
+          <a:ext cx="392173" cy="265680"/>
+        </a:xfrm>
+        <a:prstGeom prst="roundRect">
+          <a:avLst/>
+        </a:prstGeom>
+        <a:gradFill rotWithShape="0">
+          <a:gsLst>
+            <a:gs pos="0">
+              <a:schemeClr val="accent1">
+                <a:hueOff val="0"/>
+                <a:satOff val="0"/>
+                <a:lumOff val="0"/>
+                <a:alphaOff val="0"/>
+                <a:tint val="96000"/>
+                <a:satMod val="120000"/>
+                <a:lumMod val="120000"/>
+              </a:schemeClr>
+            </a:gs>
+            <a:gs pos="100000">
+              <a:schemeClr val="accent1">
+                <a:hueOff val="0"/>
+                <a:satOff val="0"/>
+                <a:lumOff val="0"/>
+                <a:alphaOff val="0"/>
+                <a:shade val="89000"/>
+                <a:lumMod val="90000"/>
+              </a:schemeClr>
+            </a:gs>
+          </a:gsLst>
+          <a:lin ang="5400000" scaled="0"/>
+        </a:gradFill>
+        <a:ln>
+          <a:noFill/>
+        </a:ln>
+        <a:effectLst>
+          <a:outerShdw blurRad="50800" dist="25400" dir="5400000" rotWithShape="0">
+            <a:srgbClr val="000000">
+              <a:alpha val="38000"/>
+            </a:srgbClr>
+          </a:outerShdw>
+        </a:effectLst>
+        <a:scene3d>
+          <a:camera prst="orthographicFront">
+            <a:rot lat="0" lon="0" rev="0"/>
+          </a:camera>
+          <a:lightRig rig="flat" dir="tl">
+            <a:rot lat="0" lon="0" rev="6360000"/>
+          </a:lightRig>
+        </a:scene3d>
+        <a:sp3d contourW="19050" prstMaterial="flat">
+          <a:bevelT w="63500" h="63500"/>
+          <a:contourClr>
+            <a:schemeClr val="accent1">
+              <a:hueOff val="0"/>
+              <a:satOff val="0"/>
+              <a:lumOff val="0"/>
+              <a:alphaOff val="0"/>
+              <a:shade val="25000"/>
+              <a:satMod val="180000"/>
+            </a:schemeClr>
+          </a:contourClr>
+        </a:sp3d>
+      </dsp:spPr>
+      <dsp:style>
+        <a:lnRef idx="0">
+          <a:scrgbClr r="0" g="0" b="0"/>
+        </a:lnRef>
+        <a:fillRef idx="3">
+          <a:scrgbClr r="0" g="0" b="0"/>
+        </a:fillRef>
+        <a:effectRef idx="3">
+          <a:scrgbClr r="0" g="0" b="0"/>
+        </a:effectRef>
+        <a:fontRef idx="minor">
+          <a:schemeClr val="lt1"/>
+        </a:fontRef>
+      </dsp:style>
+      <dsp:txBody>
+        <a:bodyPr spcFirstLastPara="0" vert="horz" wrap="square" lIns="122984" tIns="0" rIns="122984" bIns="0" numCol="1" spcCol="1270" anchor="ctr" anchorCtr="0">
+          <a:noAutofit/>
+        </a:bodyPr>
+        <a:lstStyle/>
+        <a:p>
+          <a:pPr lvl="0" algn="l" defTabSz="800100">
+            <a:lnSpc>
+              <a:spcPct val="90000"/>
+            </a:lnSpc>
+            <a:spcBef>
+              <a:spcPct val="0"/>
+            </a:spcBef>
+            <a:spcAft>
+              <a:spcPct val="35000"/>
+            </a:spcAft>
+          </a:pPr>
+          <a:r>
+            <a:rPr lang="en-US" sz="1800" b="1" kern="1200" dirty="0" smtClean="0"/>
+            <a:t>5</a:t>
+          </a:r>
+          <a:endParaRPr lang="en-US" sz="1800" b="1" kern="1200" dirty="0"/>
+        </a:p>
+      </dsp:txBody>
+      <dsp:txXfrm>
+        <a:off x="245379" y="2687491"/>
+        <a:ext cx="366235" cy="239742"/>
+      </dsp:txXfrm>
+    </dsp:sp>
+  </dsp:spTree>
+</dsp:drawing>
+</file>
+
 <file path=ppt/diagrams/layout1.xml><?xml version="1.0" encoding="utf-8"?>
 <dgm:layoutDef xmlns:dgm="http://schemas.openxmlformats.org/drawingml/2006/diagram" xmlns:a="http://schemas.openxmlformats.org/drawingml/2006/main" uniqueId="urn:microsoft.com/office/officeart/2005/8/layout/chevron2">
   <dgm:title val=""/>
@@ -8805,6 +11842,231 @@
 </dgm:layoutDef>
 </file>
 
+<file path=ppt/diagrams/layout5.xml><?xml version="1.0" encoding="utf-8"?>
+<dgm:layoutDef xmlns:dgm="http://schemas.openxmlformats.org/drawingml/2006/diagram" xmlns:a="http://schemas.openxmlformats.org/drawingml/2006/main" uniqueId="urn:microsoft.com/office/officeart/2005/8/layout/list1">
+  <dgm:title val=""/>
+  <dgm:desc val=""/>
+  <dgm:catLst>
+    <dgm:cat type="list" pri="4000"/>
+  </dgm:catLst>
+  <dgm:sampData>
+    <dgm:dataModel>
+      <dgm:ptLst>
+        <dgm:pt modelId="0" type="doc"/>
+        <dgm:pt modelId="1">
+          <dgm:prSet phldr="1"/>
+        </dgm:pt>
+        <dgm:pt modelId="2">
+          <dgm:prSet phldr="1"/>
+        </dgm:pt>
+        <dgm:pt modelId="3">
+          <dgm:prSet phldr="1"/>
+        </dgm:pt>
+      </dgm:ptLst>
+      <dgm:cxnLst>
+        <dgm:cxn modelId="4" srcId="0" destId="1" srcOrd="0" destOrd="0"/>
+        <dgm:cxn modelId="5" srcId="0" destId="2" srcOrd="1" destOrd="0"/>
+        <dgm:cxn modelId="6" srcId="0" destId="3" srcOrd="2" destOrd="0"/>
+      </dgm:cxnLst>
+      <dgm:bg/>
+      <dgm:whole/>
+    </dgm:dataModel>
+  </dgm:sampData>
+  <dgm:styleData>
+    <dgm:dataModel>
+      <dgm:ptLst>
+        <dgm:pt modelId="0" type="doc"/>
+        <dgm:pt modelId="1"/>
+        <dgm:pt modelId="2"/>
+      </dgm:ptLst>
+      <dgm:cxnLst>
+        <dgm:cxn modelId="4" srcId="0" destId="1" srcOrd="0" destOrd="0"/>
+        <dgm:cxn modelId="5" srcId="0" destId="2" srcOrd="1" destOrd="0"/>
+      </dgm:cxnLst>
+      <dgm:bg/>
+      <dgm:whole/>
+    </dgm:dataModel>
+  </dgm:styleData>
+  <dgm:clrData>
+    <dgm:dataModel>
+      <dgm:ptLst>
+        <dgm:pt modelId="0" type="doc"/>
+        <dgm:pt modelId="1"/>
+        <dgm:pt modelId="2"/>
+        <dgm:pt modelId="3"/>
+        <dgm:pt modelId="4"/>
+      </dgm:ptLst>
+      <dgm:cxnLst>
+        <dgm:cxn modelId="5" srcId="0" destId="1" srcOrd="0" destOrd="0"/>
+        <dgm:cxn modelId="6" srcId="0" destId="2" srcOrd="1" destOrd="0"/>
+        <dgm:cxn modelId="7" srcId="0" destId="3" srcOrd="2" destOrd="0"/>
+        <dgm:cxn modelId="8" srcId="0" destId="4" srcOrd="3" destOrd="0"/>
+      </dgm:cxnLst>
+      <dgm:bg/>
+      <dgm:whole/>
+    </dgm:dataModel>
+  </dgm:clrData>
+  <dgm:layoutNode name="linear">
+    <dgm:varLst>
+      <dgm:dir/>
+      <dgm:animLvl val="lvl"/>
+      <dgm:resizeHandles val="exact"/>
+    </dgm:varLst>
+    <dgm:choose name="Name0">
+      <dgm:if name="Name1" func="var" arg="dir" op="equ" val="norm">
+        <dgm:alg type="lin">
+          <dgm:param type="linDir" val="fromT"/>
+          <dgm:param type="vertAlign" val="mid"/>
+          <dgm:param type="horzAlign" val="l"/>
+          <dgm:param type="nodeHorzAlign" val="l"/>
+        </dgm:alg>
+      </dgm:if>
+      <dgm:else name="Name2">
+        <dgm:alg type="lin">
+          <dgm:param type="linDir" val="fromT"/>
+          <dgm:param type="vertAlign" val="mid"/>
+          <dgm:param type="horzAlign" val="r"/>
+          <dgm:param type="nodeHorzAlign" val="r"/>
+        </dgm:alg>
+      </dgm:else>
+    </dgm:choose>
+    <dgm:shape xmlns:r="http://schemas.openxmlformats.org/officeDocument/2006/relationships" r:blip="">
+      <dgm:adjLst/>
+    </dgm:shape>
+    <dgm:presOf/>
+    <dgm:constrLst>
+      <dgm:constr type="w" for="ch" forName="parentLin" refType="w"/>
+      <dgm:constr type="h" for="ch" forName="parentLin" val="INF"/>
+      <dgm:constr type="w" for="des" forName="parentLeftMargin" refType="w" fact="0.05"/>
+      <dgm:constr type="w" for="des" forName="parentText" refType="w" fact="0.7"/>
+      <dgm:constr type="h" for="des" forName="parentText" refType="primFontSz" refFor="des" refForName="parentText" fact="0.82"/>
+      <dgm:constr type="h" for="ch" forName="negativeSpace" refType="primFontSz" refFor="des" refForName="parentText" fact="-0.41"/>
+      <dgm:constr type="h" for="ch" forName="negativeSpace" refType="h" refFor="des" refForName="parentText" op="lte" fact="-0.82"/>
+      <dgm:constr type="h" for="ch" forName="negativeSpace" refType="h" refFor="des" refForName="parentText" op="gte" fact="-0.82"/>
+      <dgm:constr type="w" for="ch" forName="childText" refType="w"/>
+      <dgm:constr type="h" for="ch" forName="childText" refType="primFontSz" refFor="des" refForName="parentText" fact="0.7"/>
+      <dgm:constr type="primFontSz" for="des" forName="parentText" val="65"/>
+      <dgm:constr type="primFontSz" for="ch" forName="childText" refType="primFontSz" refFor="des" refForName="parentText"/>
+      <dgm:constr type="tMarg" for="ch" forName="childText" refType="primFontSz" refFor="des" refForName="parentText" fact="1.64"/>
+      <dgm:constr type="tMarg" for="ch" forName="childText" refType="h" refFor="des" refForName="parentText" op="lte" fact="3.28"/>
+      <dgm:constr type="tMarg" for="ch" forName="childText" refType="h" refFor="des" refForName="parentText" op="gte" fact="3.28"/>
+      <dgm:constr type="lMarg" for="ch" forName="childText" refType="w" fact="0.22"/>
+      <dgm:constr type="rMarg" for="ch" forName="childText" refType="lMarg" refFor="ch" refForName="childText"/>
+      <dgm:constr type="lMarg" for="des" forName="parentText" refType="w" fact="0.075"/>
+      <dgm:constr type="rMarg" for="des" forName="parentText" refType="lMarg" refFor="des" refForName="parentText"/>
+      <dgm:constr type="h" for="ch" forName="spaceBetweenRectangles" refType="primFontSz" refFor="des" refForName="parentText" fact="0.15"/>
+    </dgm:constrLst>
+    <dgm:ruleLst>
+      <dgm:rule type="primFontSz" for="des" forName="parentText" val="5" fact="NaN" max="NaN"/>
+    </dgm:ruleLst>
+    <dgm:forEach name="Name3" axis="ch" ptType="node">
+      <dgm:layoutNode name="parentLin">
+        <dgm:choose name="Name4">
+          <dgm:if name="Name5" func="var" arg="dir" op="equ" val="norm">
+            <dgm:alg type="lin">
+              <dgm:param type="linDir" val="fromL"/>
+              <dgm:param type="horzAlign" val="l"/>
+              <dgm:param type="nodeHorzAlign" val="l"/>
+            </dgm:alg>
+          </dgm:if>
+          <dgm:else name="Name6">
+            <dgm:alg type="lin">
+              <dgm:param type="linDir" val="fromR"/>
+              <dgm:param type="horzAlign" val="r"/>
+              <dgm:param type="nodeHorzAlign" val="r"/>
+            </dgm:alg>
+          </dgm:else>
+        </dgm:choose>
+        <dgm:shape xmlns:r="http://schemas.openxmlformats.org/officeDocument/2006/relationships" r:blip="">
+          <dgm:adjLst/>
+        </dgm:shape>
+        <dgm:presOf/>
+        <dgm:constrLst/>
+        <dgm:ruleLst/>
+        <dgm:layoutNode name="parentLeftMargin">
+          <dgm:alg type="sp"/>
+          <dgm:shape xmlns:r="http://schemas.openxmlformats.org/officeDocument/2006/relationships" type="rect" r:blip="" hideGeom="1">
+            <dgm:adjLst/>
+          </dgm:shape>
+          <dgm:presOf axis="self"/>
+          <dgm:constrLst>
+            <dgm:constr type="h"/>
+          </dgm:constrLst>
+          <dgm:ruleLst/>
+        </dgm:layoutNode>
+        <dgm:layoutNode name="parentText" styleLbl="node1">
+          <dgm:varLst>
+            <dgm:chMax val="0"/>
+            <dgm:bulletEnabled val="1"/>
+          </dgm:varLst>
+          <dgm:choose name="Name7">
+            <dgm:if name="Name8" func="var" arg="dir" op="equ" val="norm">
+              <dgm:alg type="tx">
+                <dgm:param type="parTxLTRAlign" val="l"/>
+                <dgm:param type="parTxRTLAlign" val="l"/>
+              </dgm:alg>
+            </dgm:if>
+            <dgm:else name="Name9">
+              <dgm:alg type="tx">
+                <dgm:param type="parTxLTRAlign" val="r"/>
+                <dgm:param type="parTxRTLAlign" val="r"/>
+              </dgm:alg>
+            </dgm:else>
+          </dgm:choose>
+          <dgm:shape xmlns:r="http://schemas.openxmlformats.org/officeDocument/2006/relationships" type="roundRect" r:blip="">
+            <dgm:adjLst/>
+          </dgm:shape>
+          <dgm:presOf axis="self" ptType="node"/>
+          <dgm:constrLst>
+            <dgm:constr type="tMarg"/>
+            <dgm:constr type="bMarg"/>
+          </dgm:constrLst>
+          <dgm:ruleLst/>
+        </dgm:layoutNode>
+      </dgm:layoutNode>
+      <dgm:layoutNode name="negativeSpace">
+        <dgm:alg type="sp"/>
+        <dgm:shape xmlns:r="http://schemas.openxmlformats.org/officeDocument/2006/relationships" r:blip="">
+          <dgm:adjLst/>
+        </dgm:shape>
+        <dgm:presOf/>
+        <dgm:constrLst/>
+        <dgm:ruleLst/>
+      </dgm:layoutNode>
+      <dgm:layoutNode name="childText" styleLbl="conFgAcc1">
+        <dgm:varLst>
+          <dgm:bulletEnabled val="1"/>
+        </dgm:varLst>
+        <dgm:alg type="tx">
+          <dgm:param type="stBulletLvl" val="1"/>
+        </dgm:alg>
+        <dgm:shape xmlns:r="http://schemas.openxmlformats.org/officeDocument/2006/relationships" type="rect" r:blip="" zOrderOff="-2">
+          <dgm:adjLst/>
+        </dgm:shape>
+        <dgm:presOf axis="des" ptType="node"/>
+        <dgm:constrLst>
+          <dgm:constr type="secFontSz" refType="primFontSz"/>
+        </dgm:constrLst>
+        <dgm:ruleLst>
+          <dgm:rule type="h" val="INF" fact="NaN" max="NaN"/>
+        </dgm:ruleLst>
+      </dgm:layoutNode>
+      <dgm:forEach name="Name10" axis="followSib" ptType="sibTrans" cnt="1">
+        <dgm:layoutNode name="spaceBetweenRectangles">
+          <dgm:alg type="sp"/>
+          <dgm:shape xmlns:r="http://schemas.openxmlformats.org/officeDocument/2006/relationships" r:blip="">
+            <dgm:adjLst/>
+          </dgm:shape>
+          <dgm:presOf/>
+          <dgm:constrLst/>
+          <dgm:ruleLst/>
+        </dgm:layoutNode>
+      </dgm:forEach>
+    </dgm:forEach>
+  </dgm:layoutNode>
+</dgm:layoutDef>
+</file>
+
 <file path=ppt/diagrams/quickStyle1.xml><?xml version="1.0" encoding="utf-8"?>
 <dgm:styleDef xmlns:dgm="http://schemas.openxmlformats.org/drawingml/2006/diagram" xmlns:a="http://schemas.openxmlformats.org/drawingml/2006/main" uniqueId="urn:microsoft.com/office/officeart/2005/8/quickstyle/3d5">
   <dgm:title val=""/>
@@ -13161,6 +16423,1040 @@
     <dgm:txPr>
       <a:sp3d extrusionH="28000" prstMaterial="matte"/>
     </dgm:txPr>
+    <dgm:style>
+      <a:lnRef idx="0">
+        <a:scrgbClr r="0" g="0" b="0"/>
+      </a:lnRef>
+      <a:fillRef idx="0">
+        <a:scrgbClr r="0" g="0" b="0"/>
+      </a:fillRef>
+      <a:effectRef idx="0">
+        <a:scrgbClr r="0" g="0" b="0"/>
+      </a:effectRef>
+      <a:fontRef idx="minor"/>
+    </dgm:style>
+  </dgm:styleLbl>
+</dgm:styleDef>
+</file>
+
+<file path=ppt/diagrams/quickStyle5.xml><?xml version="1.0" encoding="utf-8"?>
+<dgm:styleDef xmlns:dgm="http://schemas.openxmlformats.org/drawingml/2006/diagram" xmlns:a="http://schemas.openxmlformats.org/drawingml/2006/main" uniqueId="urn:microsoft.com/office/officeart/2005/8/quickstyle/simple5">
+  <dgm:title val=""/>
+  <dgm:desc val=""/>
+  <dgm:catLst>
+    <dgm:cat type="simple" pri="10500"/>
+  </dgm:catLst>
+  <dgm:scene3d>
+    <a:camera prst="orthographicFront"/>
+    <a:lightRig rig="threePt" dir="t"/>
+  </dgm:scene3d>
+  <dgm:styleLbl name="node0">
+    <dgm:scene3d>
+      <a:camera prst="orthographicFront"/>
+      <a:lightRig rig="threePt" dir="t"/>
+    </dgm:scene3d>
+    <dgm:sp3d/>
+    <dgm:txPr/>
+    <dgm:style>
+      <a:lnRef idx="0">
+        <a:scrgbClr r="0" g="0" b="0"/>
+      </a:lnRef>
+      <a:fillRef idx="3">
+        <a:scrgbClr r="0" g="0" b="0"/>
+      </a:fillRef>
+      <a:effectRef idx="3">
+        <a:scrgbClr r="0" g="0" b="0"/>
+      </a:effectRef>
+      <a:fontRef idx="minor">
+        <a:schemeClr val="lt1"/>
+      </a:fontRef>
+    </dgm:style>
+  </dgm:styleLbl>
+  <dgm:styleLbl name="lnNode1">
+    <dgm:scene3d>
+      <a:camera prst="orthographicFront"/>
+      <a:lightRig rig="threePt" dir="t"/>
+    </dgm:scene3d>
+    <dgm:sp3d/>
+    <dgm:txPr/>
+    <dgm:style>
+      <a:lnRef idx="0">
+        <a:scrgbClr r="0" g="0" b="0"/>
+      </a:lnRef>
+      <a:fillRef idx="3">
+        <a:scrgbClr r="0" g="0" b="0"/>
+      </a:fillRef>
+      <a:effectRef idx="3">
+        <a:scrgbClr r="0" g="0" b="0"/>
+      </a:effectRef>
+      <a:fontRef idx="minor">
+        <a:schemeClr val="lt1"/>
+      </a:fontRef>
+    </dgm:style>
+  </dgm:styleLbl>
+  <dgm:styleLbl name="vennNode1">
+    <dgm:scene3d>
+      <a:camera prst="orthographicFront"/>
+      <a:lightRig rig="threePt" dir="t"/>
+    </dgm:scene3d>
+    <dgm:sp3d/>
+    <dgm:txPr/>
+    <dgm:style>
+      <a:lnRef idx="0">
+        <a:scrgbClr r="0" g="0" b="0"/>
+      </a:lnRef>
+      <a:fillRef idx="3">
+        <a:scrgbClr r="0" g="0" b="0"/>
+      </a:fillRef>
+      <a:effectRef idx="3">
+        <a:scrgbClr r="0" g="0" b="0"/>
+      </a:effectRef>
+      <a:fontRef idx="minor">
+        <a:schemeClr val="tx1"/>
+      </a:fontRef>
+    </dgm:style>
+  </dgm:styleLbl>
+  <dgm:styleLbl name="alignNode1">
+    <dgm:scene3d>
+      <a:camera prst="orthographicFront"/>
+      <a:lightRig rig="threePt" dir="t"/>
+    </dgm:scene3d>
+    <dgm:sp3d/>
+    <dgm:txPr/>
+    <dgm:style>
+      <a:lnRef idx="1">
+        <a:scrgbClr r="0" g="0" b="0"/>
+      </a:lnRef>
+      <a:fillRef idx="3">
+        <a:scrgbClr r="0" g="0" b="0"/>
+      </a:fillRef>
+      <a:effectRef idx="3">
+        <a:scrgbClr r="0" g="0" b="0"/>
+      </a:effectRef>
+      <a:fontRef idx="minor">
+        <a:schemeClr val="lt1"/>
+      </a:fontRef>
+    </dgm:style>
+  </dgm:styleLbl>
+  <dgm:styleLbl name="node1">
+    <dgm:scene3d>
+      <a:camera prst="orthographicFront"/>
+      <a:lightRig rig="threePt" dir="t"/>
+    </dgm:scene3d>
+    <dgm:sp3d/>
+    <dgm:txPr/>
+    <dgm:style>
+      <a:lnRef idx="0">
+        <a:scrgbClr r="0" g="0" b="0"/>
+      </a:lnRef>
+      <a:fillRef idx="3">
+        <a:scrgbClr r="0" g="0" b="0"/>
+      </a:fillRef>
+      <a:effectRef idx="3">
+        <a:scrgbClr r="0" g="0" b="0"/>
+      </a:effectRef>
+      <a:fontRef idx="minor">
+        <a:schemeClr val="lt1"/>
+      </a:fontRef>
+    </dgm:style>
+  </dgm:styleLbl>
+  <dgm:styleLbl name="node2">
+    <dgm:scene3d>
+      <a:camera prst="orthographicFront"/>
+      <a:lightRig rig="threePt" dir="t"/>
+    </dgm:scene3d>
+    <dgm:sp3d/>
+    <dgm:txPr/>
+    <dgm:style>
+      <a:lnRef idx="0">
+        <a:scrgbClr r="0" g="0" b="0"/>
+      </a:lnRef>
+      <a:fillRef idx="3">
+        <a:scrgbClr r="0" g="0" b="0"/>
+      </a:fillRef>
+      <a:effectRef idx="3">
+        <a:scrgbClr r="0" g="0" b="0"/>
+      </a:effectRef>
+      <a:fontRef idx="minor">
+        <a:schemeClr val="lt1"/>
+      </a:fontRef>
+    </dgm:style>
+  </dgm:styleLbl>
+  <dgm:styleLbl name="node3">
+    <dgm:scene3d>
+      <a:camera prst="orthographicFront"/>
+      <a:lightRig rig="threePt" dir="t"/>
+    </dgm:scene3d>
+    <dgm:sp3d/>
+    <dgm:txPr/>
+    <dgm:style>
+      <a:lnRef idx="0">
+        <a:scrgbClr r="0" g="0" b="0"/>
+      </a:lnRef>
+      <a:fillRef idx="3">
+        <a:scrgbClr r="0" g="0" b="0"/>
+      </a:fillRef>
+      <a:effectRef idx="3">
+        <a:scrgbClr r="0" g="0" b="0"/>
+      </a:effectRef>
+      <a:fontRef idx="minor">
+        <a:schemeClr val="lt1"/>
+      </a:fontRef>
+    </dgm:style>
+  </dgm:styleLbl>
+  <dgm:styleLbl name="node4">
+    <dgm:scene3d>
+      <a:camera prst="orthographicFront"/>
+      <a:lightRig rig="threePt" dir="t"/>
+    </dgm:scene3d>
+    <dgm:sp3d/>
+    <dgm:txPr/>
+    <dgm:style>
+      <a:lnRef idx="0">
+        <a:scrgbClr r="0" g="0" b="0"/>
+      </a:lnRef>
+      <a:fillRef idx="3">
+        <a:scrgbClr r="0" g="0" b="0"/>
+      </a:fillRef>
+      <a:effectRef idx="3">
+        <a:scrgbClr r="0" g="0" b="0"/>
+      </a:effectRef>
+      <a:fontRef idx="minor">
+        <a:schemeClr val="lt1"/>
+      </a:fontRef>
+    </dgm:style>
+  </dgm:styleLbl>
+  <dgm:styleLbl name="fgImgPlace1">
+    <dgm:scene3d>
+      <a:camera prst="orthographicFront"/>
+      <a:lightRig rig="threePt" dir="t"/>
+    </dgm:scene3d>
+    <dgm:sp3d/>
+    <dgm:txPr/>
+    <dgm:style>
+      <a:lnRef idx="0">
+        <a:scrgbClr r="0" g="0" b="0"/>
+      </a:lnRef>
+      <a:fillRef idx="1">
+        <a:scrgbClr r="0" g="0" b="0"/>
+      </a:fillRef>
+      <a:effectRef idx="3">
+        <a:scrgbClr r="0" g="0" b="0"/>
+      </a:effectRef>
+      <a:fontRef idx="minor"/>
+    </dgm:style>
+  </dgm:styleLbl>
+  <dgm:styleLbl name="alignImgPlace1">
+    <dgm:scene3d>
+      <a:camera prst="orthographicFront"/>
+      <a:lightRig rig="threePt" dir="t"/>
+    </dgm:scene3d>
+    <dgm:sp3d/>
+    <dgm:txPr/>
+    <dgm:style>
+      <a:lnRef idx="0">
+        <a:scrgbClr r="0" g="0" b="0"/>
+      </a:lnRef>
+      <a:fillRef idx="1">
+        <a:scrgbClr r="0" g="0" b="0"/>
+      </a:fillRef>
+      <a:effectRef idx="3">
+        <a:scrgbClr r="0" g="0" b="0"/>
+      </a:effectRef>
+      <a:fontRef idx="minor"/>
+    </dgm:style>
+  </dgm:styleLbl>
+  <dgm:styleLbl name="bgImgPlace1">
+    <dgm:scene3d>
+      <a:camera prst="orthographicFront"/>
+      <a:lightRig rig="threePt" dir="t"/>
+    </dgm:scene3d>
+    <dgm:sp3d/>
+    <dgm:txPr/>
+    <dgm:style>
+      <a:lnRef idx="0">
+        <a:scrgbClr r="0" g="0" b="0"/>
+      </a:lnRef>
+      <a:fillRef idx="1">
+        <a:scrgbClr r="0" g="0" b="0"/>
+      </a:fillRef>
+      <a:effectRef idx="3">
+        <a:scrgbClr r="0" g="0" b="0"/>
+      </a:effectRef>
+      <a:fontRef idx="minor"/>
+    </dgm:style>
+  </dgm:styleLbl>
+  <dgm:styleLbl name="sibTrans2D1">
+    <dgm:scene3d>
+      <a:camera prst="orthographicFront"/>
+      <a:lightRig rig="threePt" dir="t"/>
+    </dgm:scene3d>
+    <dgm:sp3d/>
+    <dgm:txPr/>
+    <dgm:style>
+      <a:lnRef idx="0">
+        <a:scrgbClr r="0" g="0" b="0"/>
+      </a:lnRef>
+      <a:fillRef idx="3">
+        <a:scrgbClr r="0" g="0" b="0"/>
+      </a:fillRef>
+      <a:effectRef idx="3">
+        <a:scrgbClr r="0" g="0" b="0"/>
+      </a:effectRef>
+      <a:fontRef idx="minor">
+        <a:schemeClr val="lt1"/>
+      </a:fontRef>
+    </dgm:style>
+  </dgm:styleLbl>
+  <dgm:styleLbl name="fgSibTrans2D1">
+    <dgm:scene3d>
+      <a:camera prst="orthographicFront"/>
+      <a:lightRig rig="threePt" dir="t"/>
+    </dgm:scene3d>
+    <dgm:sp3d/>
+    <dgm:txPr/>
+    <dgm:style>
+      <a:lnRef idx="0">
+        <a:scrgbClr r="0" g="0" b="0"/>
+      </a:lnRef>
+      <a:fillRef idx="3">
+        <a:scrgbClr r="0" g="0" b="0"/>
+      </a:fillRef>
+      <a:effectRef idx="3">
+        <a:scrgbClr r="0" g="0" b="0"/>
+      </a:effectRef>
+      <a:fontRef idx="minor">
+        <a:schemeClr val="lt1"/>
+      </a:fontRef>
+    </dgm:style>
+  </dgm:styleLbl>
+  <dgm:styleLbl name="bgSibTrans2D1">
+    <dgm:scene3d>
+      <a:camera prst="orthographicFront"/>
+      <a:lightRig rig="threePt" dir="t"/>
+    </dgm:scene3d>
+    <dgm:sp3d/>
+    <dgm:txPr/>
+    <dgm:style>
+      <a:lnRef idx="0">
+        <a:scrgbClr r="0" g="0" b="0"/>
+      </a:lnRef>
+      <a:fillRef idx="3">
+        <a:scrgbClr r="0" g="0" b="0"/>
+      </a:fillRef>
+      <a:effectRef idx="3">
+        <a:scrgbClr r="0" g="0" b="0"/>
+      </a:effectRef>
+      <a:fontRef idx="minor">
+        <a:schemeClr val="lt1"/>
+      </a:fontRef>
+    </dgm:style>
+  </dgm:styleLbl>
+  <dgm:styleLbl name="sibTrans1D1">
+    <dgm:scene3d>
+      <a:camera prst="orthographicFront"/>
+      <a:lightRig rig="threePt" dir="t"/>
+    </dgm:scene3d>
+    <dgm:sp3d/>
+    <dgm:txPr/>
+    <dgm:style>
+      <a:lnRef idx="1">
+        <a:scrgbClr r="0" g="0" b="0"/>
+      </a:lnRef>
+      <a:fillRef idx="0">
+        <a:scrgbClr r="0" g="0" b="0"/>
+      </a:fillRef>
+      <a:effectRef idx="0">
+        <a:scrgbClr r="0" g="0" b="0"/>
+      </a:effectRef>
+      <a:fontRef idx="minor"/>
+    </dgm:style>
+  </dgm:styleLbl>
+  <dgm:styleLbl name="callout">
+    <dgm:scene3d>
+      <a:camera prst="orthographicFront"/>
+      <a:lightRig rig="threePt" dir="t"/>
+    </dgm:scene3d>
+    <dgm:sp3d/>
+    <dgm:txPr/>
+    <dgm:style>
+      <a:lnRef idx="1">
+        <a:scrgbClr r="0" g="0" b="0"/>
+      </a:lnRef>
+      <a:fillRef idx="0">
+        <a:scrgbClr r="0" g="0" b="0"/>
+      </a:fillRef>
+      <a:effectRef idx="1">
+        <a:scrgbClr r="0" g="0" b="0"/>
+      </a:effectRef>
+      <a:fontRef idx="minor"/>
+    </dgm:style>
+  </dgm:styleLbl>
+  <dgm:styleLbl name="asst0">
+    <dgm:scene3d>
+      <a:camera prst="orthographicFront"/>
+      <a:lightRig rig="threePt" dir="t"/>
+    </dgm:scene3d>
+    <dgm:sp3d/>
+    <dgm:txPr/>
+    <dgm:style>
+      <a:lnRef idx="0">
+        <a:scrgbClr r="0" g="0" b="0"/>
+      </a:lnRef>
+      <a:fillRef idx="3">
+        <a:scrgbClr r="0" g="0" b="0"/>
+      </a:fillRef>
+      <a:effectRef idx="3">
+        <a:scrgbClr r="0" g="0" b="0"/>
+      </a:effectRef>
+      <a:fontRef idx="minor">
+        <a:schemeClr val="lt1"/>
+      </a:fontRef>
+    </dgm:style>
+  </dgm:styleLbl>
+  <dgm:styleLbl name="asst1">
+    <dgm:scene3d>
+      <a:camera prst="orthographicFront"/>
+      <a:lightRig rig="threePt" dir="t"/>
+    </dgm:scene3d>
+    <dgm:sp3d/>
+    <dgm:txPr/>
+    <dgm:style>
+      <a:lnRef idx="0">
+        <a:scrgbClr r="0" g="0" b="0"/>
+      </a:lnRef>
+      <a:fillRef idx="3">
+        <a:scrgbClr r="0" g="0" b="0"/>
+      </a:fillRef>
+      <a:effectRef idx="3">
+        <a:scrgbClr r="0" g="0" b="0"/>
+      </a:effectRef>
+      <a:fontRef idx="minor">
+        <a:schemeClr val="lt1"/>
+      </a:fontRef>
+    </dgm:style>
+  </dgm:styleLbl>
+  <dgm:styleLbl name="asst2">
+    <dgm:scene3d>
+      <a:camera prst="orthographicFront"/>
+      <a:lightRig rig="threePt" dir="t"/>
+    </dgm:scene3d>
+    <dgm:sp3d/>
+    <dgm:txPr/>
+    <dgm:style>
+      <a:lnRef idx="0">
+        <a:scrgbClr r="0" g="0" b="0"/>
+      </a:lnRef>
+      <a:fillRef idx="3">
+        <a:scrgbClr r="0" g="0" b="0"/>
+      </a:fillRef>
+      <a:effectRef idx="3">
+        <a:scrgbClr r="0" g="0" b="0"/>
+      </a:effectRef>
+      <a:fontRef idx="minor">
+        <a:schemeClr val="lt1"/>
+      </a:fontRef>
+    </dgm:style>
+  </dgm:styleLbl>
+  <dgm:styleLbl name="asst3">
+    <dgm:scene3d>
+      <a:camera prst="orthographicFront"/>
+      <a:lightRig rig="threePt" dir="t"/>
+    </dgm:scene3d>
+    <dgm:sp3d/>
+    <dgm:txPr/>
+    <dgm:style>
+      <a:lnRef idx="0">
+        <a:scrgbClr r="0" g="0" b="0"/>
+      </a:lnRef>
+      <a:fillRef idx="3">
+        <a:scrgbClr r="0" g="0" b="0"/>
+      </a:fillRef>
+      <a:effectRef idx="3">
+        <a:scrgbClr r="0" g="0" b="0"/>
+      </a:effectRef>
+      <a:fontRef idx="minor">
+        <a:schemeClr val="lt1"/>
+      </a:fontRef>
+    </dgm:style>
+  </dgm:styleLbl>
+  <dgm:styleLbl name="asst4">
+    <dgm:scene3d>
+      <a:camera prst="orthographicFront"/>
+      <a:lightRig rig="threePt" dir="t"/>
+    </dgm:scene3d>
+    <dgm:sp3d/>
+    <dgm:txPr/>
+    <dgm:style>
+      <a:lnRef idx="0">
+        <a:scrgbClr r="0" g="0" b="0"/>
+      </a:lnRef>
+      <a:fillRef idx="3">
+        <a:scrgbClr r="0" g="0" b="0"/>
+      </a:fillRef>
+      <a:effectRef idx="3">
+        <a:scrgbClr r="0" g="0" b="0"/>
+      </a:effectRef>
+      <a:fontRef idx="minor">
+        <a:schemeClr val="lt1"/>
+      </a:fontRef>
+    </dgm:style>
+  </dgm:styleLbl>
+  <dgm:styleLbl name="parChTrans2D1">
+    <dgm:scene3d>
+      <a:camera prst="orthographicFront"/>
+      <a:lightRig rig="threePt" dir="t"/>
+    </dgm:scene3d>
+    <dgm:sp3d/>
+    <dgm:txPr/>
+    <dgm:style>
+      <a:lnRef idx="0">
+        <a:scrgbClr r="0" g="0" b="0"/>
+      </a:lnRef>
+      <a:fillRef idx="3">
+        <a:scrgbClr r="0" g="0" b="0"/>
+      </a:fillRef>
+      <a:effectRef idx="3">
+        <a:scrgbClr r="0" g="0" b="0"/>
+      </a:effectRef>
+      <a:fontRef idx="minor">
+        <a:schemeClr val="lt1"/>
+      </a:fontRef>
+    </dgm:style>
+  </dgm:styleLbl>
+  <dgm:styleLbl name="parChTrans2D2">
+    <dgm:scene3d>
+      <a:camera prst="orthographicFront"/>
+      <a:lightRig rig="threePt" dir="t"/>
+    </dgm:scene3d>
+    <dgm:sp3d/>
+    <dgm:txPr/>
+    <dgm:style>
+      <a:lnRef idx="0">
+        <a:scrgbClr r="0" g="0" b="0"/>
+      </a:lnRef>
+      <a:fillRef idx="3">
+        <a:scrgbClr r="0" g="0" b="0"/>
+      </a:fillRef>
+      <a:effectRef idx="3">
+        <a:scrgbClr r="0" g="0" b="0"/>
+      </a:effectRef>
+      <a:fontRef idx="minor">
+        <a:schemeClr val="lt1"/>
+      </a:fontRef>
+    </dgm:style>
+  </dgm:styleLbl>
+  <dgm:styleLbl name="parChTrans2D3">
+    <dgm:scene3d>
+      <a:camera prst="orthographicFront"/>
+      <a:lightRig rig="threePt" dir="t"/>
+    </dgm:scene3d>
+    <dgm:sp3d/>
+    <dgm:txPr/>
+    <dgm:style>
+      <a:lnRef idx="0">
+        <a:scrgbClr r="0" g="0" b="0"/>
+      </a:lnRef>
+      <a:fillRef idx="3">
+        <a:scrgbClr r="0" g="0" b="0"/>
+      </a:fillRef>
+      <a:effectRef idx="3">
+        <a:scrgbClr r="0" g="0" b="0"/>
+      </a:effectRef>
+      <a:fontRef idx="minor">
+        <a:schemeClr val="lt1"/>
+      </a:fontRef>
+    </dgm:style>
+  </dgm:styleLbl>
+  <dgm:styleLbl name="parChTrans2D4">
+    <dgm:scene3d>
+      <a:camera prst="orthographicFront"/>
+      <a:lightRig rig="threePt" dir="t"/>
+    </dgm:scene3d>
+    <dgm:sp3d/>
+    <dgm:txPr/>
+    <dgm:style>
+      <a:lnRef idx="0">
+        <a:scrgbClr r="0" g="0" b="0"/>
+      </a:lnRef>
+      <a:fillRef idx="3">
+        <a:scrgbClr r="0" g="0" b="0"/>
+      </a:fillRef>
+      <a:effectRef idx="3">
+        <a:scrgbClr r="0" g="0" b="0"/>
+      </a:effectRef>
+      <a:fontRef idx="minor">
+        <a:schemeClr val="lt1"/>
+      </a:fontRef>
+    </dgm:style>
+  </dgm:styleLbl>
+  <dgm:styleLbl name="parChTrans1D1">
+    <dgm:scene3d>
+      <a:camera prst="orthographicFront"/>
+      <a:lightRig rig="threePt" dir="t"/>
+    </dgm:scene3d>
+    <dgm:sp3d/>
+    <dgm:txPr/>
+    <dgm:style>
+      <a:lnRef idx="2">
+        <a:scrgbClr r="0" g="0" b="0"/>
+      </a:lnRef>
+      <a:fillRef idx="0">
+        <a:scrgbClr r="0" g="0" b="0"/>
+      </a:fillRef>
+      <a:effectRef idx="0">
+        <a:scrgbClr r="0" g="0" b="0"/>
+      </a:effectRef>
+      <a:fontRef idx="minor"/>
+    </dgm:style>
+  </dgm:styleLbl>
+  <dgm:styleLbl name="parChTrans1D2">
+    <dgm:scene3d>
+      <a:camera prst="orthographicFront"/>
+      <a:lightRig rig="threePt" dir="t"/>
+    </dgm:scene3d>
+    <dgm:sp3d/>
+    <dgm:txPr/>
+    <dgm:style>
+      <a:lnRef idx="2">
+        <a:scrgbClr r="0" g="0" b="0"/>
+      </a:lnRef>
+      <a:fillRef idx="0">
+        <a:scrgbClr r="0" g="0" b="0"/>
+      </a:fillRef>
+      <a:effectRef idx="0">
+        <a:scrgbClr r="0" g="0" b="0"/>
+      </a:effectRef>
+      <a:fontRef idx="minor"/>
+    </dgm:style>
+  </dgm:styleLbl>
+  <dgm:styleLbl name="parChTrans1D3">
+    <dgm:scene3d>
+      <a:camera prst="orthographicFront"/>
+      <a:lightRig rig="threePt" dir="t"/>
+    </dgm:scene3d>
+    <dgm:sp3d/>
+    <dgm:txPr/>
+    <dgm:style>
+      <a:lnRef idx="2">
+        <a:scrgbClr r="0" g="0" b="0"/>
+      </a:lnRef>
+      <a:fillRef idx="0">
+        <a:scrgbClr r="0" g="0" b="0"/>
+      </a:fillRef>
+      <a:effectRef idx="0">
+        <a:scrgbClr r="0" g="0" b="0"/>
+      </a:effectRef>
+      <a:fontRef idx="minor"/>
+    </dgm:style>
+  </dgm:styleLbl>
+  <dgm:styleLbl name="parChTrans1D4">
+    <dgm:scene3d>
+      <a:camera prst="orthographicFront"/>
+      <a:lightRig rig="threePt" dir="t"/>
+    </dgm:scene3d>
+    <dgm:sp3d/>
+    <dgm:txPr/>
+    <dgm:style>
+      <a:lnRef idx="2">
+        <a:scrgbClr r="0" g="0" b="0"/>
+      </a:lnRef>
+      <a:fillRef idx="0">
+        <a:scrgbClr r="0" g="0" b="0"/>
+      </a:fillRef>
+      <a:effectRef idx="0">
+        <a:scrgbClr r="0" g="0" b="0"/>
+      </a:effectRef>
+      <a:fontRef idx="minor"/>
+    </dgm:style>
+  </dgm:styleLbl>
+  <dgm:styleLbl name="fgAcc1">
+    <dgm:scene3d>
+      <a:camera prst="orthographicFront"/>
+      <a:lightRig rig="threePt" dir="t"/>
+    </dgm:scene3d>
+    <dgm:sp3d/>
+    <dgm:txPr/>
+    <dgm:style>
+      <a:lnRef idx="1">
+        <a:scrgbClr r="0" g="0" b="0"/>
+      </a:lnRef>
+      <a:fillRef idx="1">
+        <a:scrgbClr r="0" g="0" b="0"/>
+      </a:fillRef>
+      <a:effectRef idx="2">
+        <a:scrgbClr r="0" g="0" b="0"/>
+      </a:effectRef>
+      <a:fontRef idx="minor"/>
+    </dgm:style>
+  </dgm:styleLbl>
+  <dgm:styleLbl name="conFgAcc1">
+    <dgm:scene3d>
+      <a:camera prst="orthographicFront"/>
+      <a:lightRig rig="threePt" dir="t"/>
+    </dgm:scene3d>
+    <dgm:sp3d/>
+    <dgm:txPr/>
+    <dgm:style>
+      <a:lnRef idx="1">
+        <a:scrgbClr r="0" g="0" b="0"/>
+      </a:lnRef>
+      <a:fillRef idx="1">
+        <a:scrgbClr r="0" g="0" b="0"/>
+      </a:fillRef>
+      <a:effectRef idx="2">
+        <a:scrgbClr r="0" g="0" b="0"/>
+      </a:effectRef>
+      <a:fontRef idx="minor"/>
+    </dgm:style>
+  </dgm:styleLbl>
+  <dgm:styleLbl name="alignAcc1">
+    <dgm:scene3d>
+      <a:camera prst="orthographicFront"/>
+      <a:lightRig rig="threePt" dir="t"/>
+    </dgm:scene3d>
+    <dgm:sp3d/>
+    <dgm:txPr/>
+    <dgm:style>
+      <a:lnRef idx="1">
+        <a:scrgbClr r="0" g="0" b="0"/>
+      </a:lnRef>
+      <a:fillRef idx="1">
+        <a:scrgbClr r="0" g="0" b="0"/>
+      </a:fillRef>
+      <a:effectRef idx="2">
+        <a:scrgbClr r="0" g="0" b="0"/>
+      </a:effectRef>
+      <a:fontRef idx="minor"/>
+    </dgm:style>
+  </dgm:styleLbl>
+  <dgm:styleLbl name="trAlignAcc1">
+    <dgm:scene3d>
+      <a:camera prst="orthographicFront"/>
+      <a:lightRig rig="threePt" dir="t"/>
+    </dgm:scene3d>
+    <dgm:sp3d/>
+    <dgm:txPr/>
+    <dgm:style>
+      <a:lnRef idx="1">
+        <a:scrgbClr r="0" g="0" b="0"/>
+      </a:lnRef>
+      <a:fillRef idx="1">
+        <a:scrgbClr r="0" g="0" b="0"/>
+      </a:fillRef>
+      <a:effectRef idx="0">
+        <a:scrgbClr r="0" g="0" b="0"/>
+      </a:effectRef>
+      <a:fontRef idx="minor"/>
+    </dgm:style>
+  </dgm:styleLbl>
+  <dgm:styleLbl name="bgAcc1">
+    <dgm:scene3d>
+      <a:camera prst="orthographicFront"/>
+      <a:lightRig rig="threePt" dir="t"/>
+    </dgm:scene3d>
+    <dgm:sp3d/>
+    <dgm:txPr/>
+    <dgm:style>
+      <a:lnRef idx="1">
+        <a:scrgbClr r="0" g="0" b="0"/>
+      </a:lnRef>
+      <a:fillRef idx="1">
+        <a:scrgbClr r="0" g="0" b="0"/>
+      </a:fillRef>
+      <a:effectRef idx="2">
+        <a:scrgbClr r="0" g="0" b="0"/>
+      </a:effectRef>
+      <a:fontRef idx="minor"/>
+    </dgm:style>
+  </dgm:styleLbl>
+  <dgm:styleLbl name="solidFgAcc1">
+    <dgm:scene3d>
+      <a:camera prst="orthographicFront"/>
+      <a:lightRig rig="threePt" dir="t"/>
+    </dgm:scene3d>
+    <dgm:sp3d/>
+    <dgm:txPr/>
+    <dgm:style>
+      <a:lnRef idx="1">
+        <a:scrgbClr r="0" g="0" b="0"/>
+      </a:lnRef>
+      <a:fillRef idx="1">
+        <a:scrgbClr r="0" g="0" b="0"/>
+      </a:fillRef>
+      <a:effectRef idx="2">
+        <a:scrgbClr r="0" g="0" b="0"/>
+      </a:effectRef>
+      <a:fontRef idx="minor"/>
+    </dgm:style>
+  </dgm:styleLbl>
+  <dgm:styleLbl name="solidAlignAcc1">
+    <dgm:scene3d>
+      <a:camera prst="orthographicFront"/>
+      <a:lightRig rig="threePt" dir="t"/>
+    </dgm:scene3d>
+    <dgm:sp3d/>
+    <dgm:txPr/>
+    <dgm:style>
+      <a:lnRef idx="1">
+        <a:scrgbClr r="0" g="0" b="0"/>
+      </a:lnRef>
+      <a:fillRef idx="1">
+        <a:scrgbClr r="0" g="0" b="0"/>
+      </a:fillRef>
+      <a:effectRef idx="3">
+        <a:scrgbClr r="0" g="0" b="0"/>
+      </a:effectRef>
+      <a:fontRef idx="minor"/>
+    </dgm:style>
+  </dgm:styleLbl>
+  <dgm:styleLbl name="solidBgAcc1">
+    <dgm:scene3d>
+      <a:camera prst="orthographicFront"/>
+      <a:lightRig rig="threePt" dir="t"/>
+    </dgm:scene3d>
+    <dgm:sp3d/>
+    <dgm:txPr/>
+    <dgm:style>
+      <a:lnRef idx="1">
+        <a:scrgbClr r="0" g="0" b="0"/>
+      </a:lnRef>
+      <a:fillRef idx="1">
+        <a:scrgbClr r="0" g="0" b="0"/>
+      </a:fillRef>
+      <a:effectRef idx="3">
+        <a:scrgbClr r="0" g="0" b="0"/>
+      </a:effectRef>
+      <a:fontRef idx="minor"/>
+    </dgm:style>
+  </dgm:styleLbl>
+  <dgm:styleLbl name="fgAccFollowNode1">
+    <dgm:scene3d>
+      <a:camera prst="orthographicFront"/>
+      <a:lightRig rig="threePt" dir="t"/>
+    </dgm:scene3d>
+    <dgm:sp3d/>
+    <dgm:txPr/>
+    <dgm:style>
+      <a:lnRef idx="1">
+        <a:scrgbClr r="0" g="0" b="0"/>
+      </a:lnRef>
+      <a:fillRef idx="1">
+        <a:scrgbClr r="0" g="0" b="0"/>
+      </a:fillRef>
+      <a:effectRef idx="2">
+        <a:scrgbClr r="0" g="0" b="0"/>
+      </a:effectRef>
+      <a:fontRef idx="minor"/>
+    </dgm:style>
+  </dgm:styleLbl>
+  <dgm:styleLbl name="alignAccFollowNode1">
+    <dgm:scene3d>
+      <a:camera prst="orthographicFront"/>
+      <a:lightRig rig="threePt" dir="t"/>
+    </dgm:scene3d>
+    <dgm:sp3d/>
+    <dgm:txPr/>
+    <dgm:style>
+      <a:lnRef idx="1">
+        <a:scrgbClr r="0" g="0" b="0"/>
+      </a:lnRef>
+      <a:fillRef idx="1">
+        <a:scrgbClr r="0" g="0" b="0"/>
+      </a:fillRef>
+      <a:effectRef idx="2">
+        <a:scrgbClr r="0" g="0" b="0"/>
+      </a:effectRef>
+      <a:fontRef idx="minor"/>
+    </dgm:style>
+  </dgm:styleLbl>
+  <dgm:styleLbl name="bgAccFollowNode1">
+    <dgm:scene3d>
+      <a:camera prst="orthographicFront"/>
+      <a:lightRig rig="threePt" dir="t"/>
+    </dgm:scene3d>
+    <dgm:sp3d/>
+    <dgm:txPr/>
+    <dgm:style>
+      <a:lnRef idx="1">
+        <a:scrgbClr r="0" g="0" b="0"/>
+      </a:lnRef>
+      <a:fillRef idx="1">
+        <a:scrgbClr r="0" g="0" b="0"/>
+      </a:fillRef>
+      <a:effectRef idx="2">
+        <a:scrgbClr r="0" g="0" b="0"/>
+      </a:effectRef>
+      <a:fontRef idx="minor"/>
+    </dgm:style>
+  </dgm:styleLbl>
+  <dgm:styleLbl name="fgAcc0">
+    <dgm:scene3d>
+      <a:camera prst="orthographicFront"/>
+      <a:lightRig rig="threePt" dir="t"/>
+    </dgm:scene3d>
+    <dgm:sp3d/>
+    <dgm:txPr/>
+    <dgm:style>
+      <a:lnRef idx="1">
+        <a:scrgbClr r="0" g="0" b="0"/>
+      </a:lnRef>
+      <a:fillRef idx="1">
+        <a:scrgbClr r="0" g="0" b="0"/>
+      </a:fillRef>
+      <a:effectRef idx="2">
+        <a:scrgbClr r="0" g="0" b="0"/>
+      </a:effectRef>
+      <a:fontRef idx="minor"/>
+    </dgm:style>
+  </dgm:styleLbl>
+  <dgm:styleLbl name="fgAcc2">
+    <dgm:scene3d>
+      <a:camera prst="orthographicFront"/>
+      <a:lightRig rig="threePt" dir="t"/>
+    </dgm:scene3d>
+    <dgm:sp3d/>
+    <dgm:txPr/>
+    <dgm:style>
+      <a:lnRef idx="1">
+        <a:scrgbClr r="0" g="0" b="0"/>
+      </a:lnRef>
+      <a:fillRef idx="1">
+        <a:scrgbClr r="0" g="0" b="0"/>
+      </a:fillRef>
+      <a:effectRef idx="2">
+        <a:scrgbClr r="0" g="0" b="0"/>
+      </a:effectRef>
+      <a:fontRef idx="minor"/>
+    </dgm:style>
+  </dgm:styleLbl>
+  <dgm:styleLbl name="fgAcc3">
+    <dgm:scene3d>
+      <a:camera prst="orthographicFront"/>
+      <a:lightRig rig="threePt" dir="t"/>
+    </dgm:scene3d>
+    <dgm:sp3d/>
+    <dgm:txPr/>
+    <dgm:style>
+      <a:lnRef idx="1">
+        <a:scrgbClr r="0" g="0" b="0"/>
+      </a:lnRef>
+      <a:fillRef idx="1">
+        <a:scrgbClr r="0" g="0" b="0"/>
+      </a:fillRef>
+      <a:effectRef idx="2">
+        <a:scrgbClr r="0" g="0" b="0"/>
+      </a:effectRef>
+      <a:fontRef idx="minor"/>
+    </dgm:style>
+  </dgm:styleLbl>
+  <dgm:styleLbl name="fgAcc4">
+    <dgm:scene3d>
+      <a:camera prst="orthographicFront"/>
+      <a:lightRig rig="threePt" dir="t"/>
+    </dgm:scene3d>
+    <dgm:sp3d/>
+    <dgm:txPr/>
+    <dgm:style>
+      <a:lnRef idx="1">
+        <a:scrgbClr r="0" g="0" b="0"/>
+      </a:lnRef>
+      <a:fillRef idx="1">
+        <a:scrgbClr r="0" g="0" b="0"/>
+      </a:fillRef>
+      <a:effectRef idx="2">
+        <a:scrgbClr r="0" g="0" b="0"/>
+      </a:effectRef>
+      <a:fontRef idx="minor"/>
+    </dgm:style>
+  </dgm:styleLbl>
+  <dgm:styleLbl name="bgShp">
+    <dgm:scene3d>
+      <a:camera prst="orthographicFront"/>
+      <a:lightRig rig="threePt" dir="t"/>
+    </dgm:scene3d>
+    <dgm:sp3d/>
+    <dgm:txPr/>
+    <dgm:style>
+      <a:lnRef idx="0">
+        <a:scrgbClr r="0" g="0" b="0"/>
+      </a:lnRef>
+      <a:fillRef idx="1">
+        <a:scrgbClr r="0" g="0" b="0"/>
+      </a:fillRef>
+      <a:effectRef idx="2">
+        <a:scrgbClr r="0" g="0" b="0"/>
+      </a:effectRef>
+      <a:fontRef idx="minor"/>
+    </dgm:style>
+  </dgm:styleLbl>
+  <dgm:styleLbl name="dkBgShp">
+    <dgm:scene3d>
+      <a:camera prst="orthographicFront"/>
+      <a:lightRig rig="threePt" dir="t"/>
+    </dgm:scene3d>
+    <dgm:sp3d/>
+    <dgm:txPr/>
+    <dgm:style>
+      <a:lnRef idx="0">
+        <a:scrgbClr r="0" g="0" b="0"/>
+      </a:lnRef>
+      <a:fillRef idx="1">
+        <a:scrgbClr r="0" g="0" b="0"/>
+      </a:fillRef>
+      <a:effectRef idx="3">
+        <a:scrgbClr r="0" g="0" b="0"/>
+      </a:effectRef>
+      <a:fontRef idx="minor"/>
+    </dgm:style>
+  </dgm:styleLbl>
+  <dgm:styleLbl name="trBgShp">
+    <dgm:scene3d>
+      <a:camera prst="orthographicFront"/>
+      <a:lightRig rig="threePt" dir="t"/>
+    </dgm:scene3d>
+    <dgm:sp3d/>
+    <dgm:txPr/>
+    <dgm:style>
+      <a:lnRef idx="0">
+        <a:scrgbClr r="0" g="0" b="0"/>
+      </a:lnRef>
+      <a:fillRef idx="1">
+        <a:scrgbClr r="0" g="0" b="0"/>
+      </a:fillRef>
+      <a:effectRef idx="0">
+        <a:scrgbClr r="0" g="0" b="0"/>
+      </a:effectRef>
+      <a:fontRef idx="minor"/>
+    </dgm:style>
+  </dgm:styleLbl>
+  <dgm:styleLbl name="fgShp">
+    <dgm:scene3d>
+      <a:camera prst="orthographicFront"/>
+      <a:lightRig rig="threePt" dir="t"/>
+    </dgm:scene3d>
+    <dgm:sp3d/>
+    <dgm:txPr/>
+    <dgm:style>
+      <a:lnRef idx="0">
+        <a:scrgbClr r="0" g="0" b="0"/>
+      </a:lnRef>
+      <a:fillRef idx="3">
+        <a:scrgbClr r="0" g="0" b="0"/>
+      </a:fillRef>
+      <a:effectRef idx="3">
+        <a:scrgbClr r="0" g="0" b="0"/>
+      </a:effectRef>
+      <a:fontRef idx="minor"/>
+    </dgm:style>
+  </dgm:styleLbl>
+  <dgm:styleLbl name="revTx">
+    <dgm:scene3d>
+      <a:camera prst="orthographicFront"/>
+      <a:lightRig rig="threePt" dir="t"/>
+    </dgm:scene3d>
+    <dgm:sp3d/>
+    <dgm:txPr/>
     <dgm:style>
       <a:lnRef idx="0">
         <a:scrgbClr r="0" g="0" b="0"/>
@@ -28217,19 +32513,11 @@
           <a:lstStyle/>
           <a:p>
             <a:r>
-              <a:rPr lang="en-US" dirty="0" err="1" smtClean="0">
-                <a:solidFill>
-                  <a:schemeClr val="bg1"/>
-                </a:solidFill>
-              </a:rPr>
+              <a:rPr lang="en-US" i="1" dirty="0" err="1" smtClean="0"/>
               <a:t>Nhóm</a:t>
             </a:r>
             <a:r>
-              <a:rPr lang="en-US" dirty="0" smtClean="0">
-                <a:solidFill>
-                  <a:schemeClr val="bg1"/>
-                </a:solidFill>
-              </a:rPr>
+              <a:rPr lang="en-US" i="1" dirty="0" smtClean="0"/>
               <a:t> :</a:t>
             </a:r>
           </a:p>
@@ -28238,286 +32526,400 @@
               <a:buAutoNum type="arabicPeriod"/>
             </a:pPr>
             <a:r>
-              <a:rPr lang="en-US" dirty="0" err="1" smtClean="0">
-                <a:solidFill>
-                  <a:schemeClr val="bg1"/>
-                </a:solidFill>
-              </a:rPr>
+              <a:rPr lang="en-US" i="1" dirty="0" err="1" smtClean="0"/>
               <a:t>Nguyễn</a:t>
             </a:r>
             <a:r>
-              <a:rPr lang="en-US" dirty="0" smtClean="0">
-                <a:solidFill>
-                  <a:schemeClr val="bg1"/>
-                </a:solidFill>
-              </a:rPr>
+              <a:rPr lang="en-US" i="1" dirty="0" smtClean="0"/>
               <a:t> </a:t>
             </a:r>
             <a:r>
-              <a:rPr lang="en-US" dirty="0" err="1" smtClean="0">
-                <a:solidFill>
-                  <a:schemeClr val="bg1"/>
-                </a:solidFill>
-              </a:rPr>
+              <a:rPr lang="en-US" i="1" dirty="0" err="1" smtClean="0"/>
               <a:t>Hữu</a:t>
             </a:r>
             <a:r>
-              <a:rPr lang="en-US" dirty="0" smtClean="0">
-                <a:solidFill>
-                  <a:schemeClr val="bg1"/>
-                </a:solidFill>
-              </a:rPr>
+              <a:rPr lang="en-US" i="1" dirty="0" smtClean="0"/>
               <a:t> </a:t>
             </a:r>
             <a:r>
-              <a:rPr lang="en-US" dirty="0" err="1" smtClean="0">
-                <a:solidFill>
-                  <a:schemeClr val="bg1"/>
-                </a:solidFill>
-              </a:rPr>
+              <a:rPr lang="en-US" i="1" dirty="0" err="1" smtClean="0"/>
               <a:t>Vỉ</a:t>
             </a:r>
-            <a:endParaRPr lang="en-US" dirty="0" smtClean="0">
-              <a:solidFill>
-                <a:schemeClr val="bg1"/>
-              </a:solidFill>
-            </a:endParaRPr>
+            <a:endParaRPr lang="en-US" i="1" dirty="0" smtClean="0"/>
           </a:p>
           <a:p>
             <a:pPr marL="342900" indent="-342900">
               <a:buAutoNum type="arabicPeriod"/>
             </a:pPr>
             <a:r>
-              <a:rPr lang="en-US" dirty="0" err="1" smtClean="0"/>
+              <a:rPr lang="en-US" i="1" dirty="0" err="1" smtClean="0"/>
               <a:t>Trần</a:t>
             </a:r>
             <a:r>
-              <a:rPr lang="en-US" dirty="0" smtClean="0"/>
+              <a:rPr lang="en-US" i="1" dirty="0" smtClean="0"/>
               <a:t> </a:t>
             </a:r>
             <a:r>
-              <a:rPr lang="en-US" dirty="0" err="1" smtClean="0"/>
+              <a:rPr lang="en-US" i="1" dirty="0" err="1" smtClean="0"/>
               <a:t>Thanh</a:t>
             </a:r>
             <a:r>
-              <a:rPr lang="en-US" dirty="0" smtClean="0"/>
+              <a:rPr lang="en-US" i="1" dirty="0" smtClean="0"/>
               <a:t> </a:t>
             </a:r>
             <a:r>
-              <a:rPr lang="en-US" dirty="0" err="1" smtClean="0"/>
+              <a:rPr lang="en-US" i="1" dirty="0" err="1" smtClean="0"/>
               <a:t>Quang</a:t>
             </a:r>
             <a:r>
-              <a:rPr lang="en-US" dirty="0" smtClean="0"/>
+              <a:rPr lang="en-US" i="1" dirty="0" smtClean="0"/>
               <a:t> </a:t>
             </a:r>
             <a:r>
-              <a:rPr lang="en-US" dirty="0" err="1" smtClean="0"/>
+              <a:rPr lang="en-US" i="1" dirty="0" err="1" smtClean="0"/>
               <a:t>Vinh</a:t>
             </a:r>
-            <a:endParaRPr lang="en-US" dirty="0" smtClean="0"/>
+            <a:endParaRPr lang="en-US" i="1" dirty="0" smtClean="0"/>
           </a:p>
           <a:p>
             <a:pPr marL="342900" indent="-342900">
               <a:buAutoNum type="arabicPeriod"/>
             </a:pPr>
             <a:r>
-              <a:rPr lang="en-US" dirty="0" err="1" smtClean="0"/>
+              <a:rPr lang="en-US" i="1" dirty="0" err="1" smtClean="0"/>
               <a:t>Đặng</a:t>
             </a:r>
             <a:r>
-              <a:rPr lang="en-US" dirty="0" smtClean="0"/>
+              <a:rPr lang="en-US" i="1" dirty="0" smtClean="0"/>
               <a:t> </a:t>
             </a:r>
             <a:r>
-              <a:rPr lang="en-US" dirty="0" err="1" smtClean="0"/>
+              <a:rPr lang="en-US" i="1" dirty="0" err="1" smtClean="0"/>
               <a:t>Hoàng</a:t>
             </a:r>
             <a:r>
-              <a:rPr lang="en-US" dirty="0" smtClean="0"/>
+              <a:rPr lang="en-US" i="1" dirty="0" smtClean="0"/>
               <a:t> </a:t>
             </a:r>
             <a:r>
-              <a:rPr lang="en-US" dirty="0" err="1" smtClean="0"/>
+              <a:rPr lang="en-US" i="1" dirty="0" err="1" smtClean="0"/>
               <a:t>Tuấn</a:t>
             </a:r>
-            <a:endParaRPr lang="en-US" dirty="0" smtClean="0"/>
+            <a:endParaRPr lang="en-US" i="1" dirty="0" smtClean="0"/>
           </a:p>
           <a:p>
             <a:pPr marL="342900" indent="-342900">
               <a:buAutoNum type="arabicPeriod"/>
             </a:pPr>
             <a:r>
-              <a:rPr lang="en-US" dirty="0" err="1" smtClean="0"/>
+              <a:rPr lang="en-US" i="1" dirty="0" err="1" smtClean="0"/>
               <a:t>Nguyễn</a:t>
             </a:r>
             <a:r>
-              <a:rPr lang="en-US" dirty="0" smtClean="0"/>
+              <a:rPr lang="en-US" i="1" dirty="0" smtClean="0"/>
               <a:t> </a:t>
             </a:r>
             <a:r>
-              <a:rPr lang="en-US" dirty="0" err="1" smtClean="0"/>
+              <a:rPr lang="en-US" i="1" dirty="0" err="1" smtClean="0"/>
               <a:t>Thanh</a:t>
             </a:r>
             <a:r>
-              <a:rPr lang="en-US" dirty="0" smtClean="0"/>
+              <a:rPr lang="en-US" i="1" dirty="0" smtClean="0"/>
               <a:t> </a:t>
             </a:r>
             <a:r>
-              <a:rPr lang="en-US" dirty="0" err="1" smtClean="0"/>
+              <a:rPr lang="en-US" i="1" dirty="0" err="1" smtClean="0"/>
               <a:t>Trung</a:t>
             </a:r>
-            <a:endParaRPr lang="en-US" dirty="0"/>
+            <a:endParaRPr lang="en-US" i="1" dirty="0"/>
           </a:p>
         </p:txBody>
       </p:sp>
-      <p:pic>
-        <p:nvPicPr>
-          <p:cNvPr id="2052" name="Picture 4" descr="Android-phone.png (669×1308)"/>
-          <p:cNvPicPr>
-            <a:picLocks noChangeAspect="1" noChangeArrowheads="1"/>
-          </p:cNvPicPr>
+      <p:grpSp>
+        <p:nvGrpSpPr>
+          <p:cNvPr id="20" name="Group 19"/>
+          <p:cNvGrpSpPr/>
           <p:nvPr/>
-        </p:nvPicPr>
-        <p:blipFill>
-          <a:blip r:embed="rId2" cstate="print">
+        </p:nvGrpSpPr>
+        <p:grpSpPr>
+          <a:xfrm>
+            <a:off x="4953000" y="891296"/>
+            <a:ext cx="3672971" cy="3305175"/>
+            <a:chOff x="2693736" y="1219908"/>
+            <a:chExt cx="3672971" cy="3305175"/>
+          </a:xfrm>
+        </p:grpSpPr>
+        <p:sp>
+          <p:nvSpPr>
+            <p:cNvPr id="21" name="Oval 20"/>
+            <p:cNvSpPr/>
+            <p:nvPr/>
+          </p:nvSpPr>
+          <p:spPr>
+            <a:xfrm>
+              <a:off x="2693736" y="1219908"/>
+              <a:ext cx="3619500" cy="3305175"/>
+            </a:xfrm>
+            <a:prstGeom prst="ellipse">
+              <a:avLst/>
+            </a:prstGeom>
+            <a:solidFill>
+              <a:schemeClr val="bg1"/>
+            </a:solidFill>
+            <a:ln>
+              <a:noFill/>
+            </a:ln>
+            <a:effectLst>
+              <a:outerShdw blurRad="44450" dist="27940" dir="5400000" algn="ctr">
+                <a:srgbClr val="000000">
+                  <a:alpha val="32000"/>
+                </a:srgbClr>
+              </a:outerShdw>
+            </a:effectLst>
+            <a:scene3d>
+              <a:camera prst="orthographicFront">
+                <a:rot lat="0" lon="0" rev="0"/>
+              </a:camera>
+              <a:lightRig rig="balanced" dir="t">
+                <a:rot lat="0" lon="0" rev="8700000"/>
+              </a:lightRig>
+            </a:scene3d>
+            <a:sp3d>
+              <a:bevelT w="190500" h="38100"/>
+            </a:sp3d>
+          </p:spPr>
+          <p:style>
+            <a:lnRef idx="2">
+              <a:schemeClr val="accent1">
+                <a:shade val="50000"/>
+              </a:schemeClr>
+            </a:lnRef>
+            <a:fillRef idx="1">
+              <a:schemeClr val="accent1"/>
+            </a:fillRef>
+            <a:effectRef idx="0">
+              <a:schemeClr val="accent1"/>
+            </a:effectRef>
+            <a:fontRef idx="minor">
+              <a:schemeClr val="lt1"/>
+            </a:fontRef>
+          </p:style>
+          <p:txBody>
+            <a:bodyPr rtlCol="0" anchor="ctr"/>
+            <a:lstStyle/>
+            <a:p>
+              <a:pPr algn="ctr"/>
+              <a:endParaRPr lang="en-US"/>
+            </a:p>
+          </p:txBody>
+        </p:sp>
+        <p:grpSp>
+          <p:nvGrpSpPr>
+            <p:cNvPr id="22" name="Group 21"/>
+            <p:cNvGrpSpPr/>
+            <p:nvPr/>
+          </p:nvGrpSpPr>
+          <p:grpSpPr>
+            <a:xfrm>
+              <a:off x="2693736" y="1296107"/>
+              <a:ext cx="3672971" cy="2218293"/>
+              <a:chOff x="1524000" y="1200150"/>
+              <a:chExt cx="5098106" cy="3057526"/>
+            </a:xfrm>
+            <a:effectLst/>
+            <a:scene3d>
+              <a:camera prst="orthographicFront">
+                <a:rot lat="0" lon="0" rev="0"/>
+              </a:camera>
+              <a:lightRig rig="threePt" dir="t"/>
+            </a:scene3d>
+          </p:grpSpPr>
+          <p:pic>
+            <p:nvPicPr>
+              <p:cNvPr id="24" name="Picture 2" descr="http://simpleeyemedia.com/wp-content/uploads/2015/05/SEM_Symbol_7i_Icon.png"/>
+              <p:cNvPicPr>
+                <a:picLocks noChangeAspect="1" noChangeArrowheads="1"/>
+              </p:cNvPicPr>
+              <p:nvPr/>
+            </p:nvPicPr>
+            <p:blipFill>
+              <a:blip r:embed="rId2">
+                <a:extLst>
+                  <a:ext uri="{28A0092B-C50C-407E-A947-70E740481C1C}">
+                    <a14:useLocalDpi xmlns:a14="http://schemas.microsoft.com/office/drawing/2010/main" val="0"/>
+                  </a:ext>
+                </a:extLst>
+              </a:blip>
+              <a:srcRect/>
+              <a:stretch>
+                <a:fillRect/>
+              </a:stretch>
+            </p:blipFill>
+            <p:spPr bwMode="auto">
+              <a:xfrm>
+                <a:off x="1524000" y="1200150"/>
+                <a:ext cx="5098106" cy="3057526"/>
+              </a:xfrm>
+              <a:prstGeom prst="rect">
+                <a:avLst/>
+              </a:prstGeom>
+              <a:noFill/>
+              <a:extLst>
+                <a:ext uri="{909E8E84-426E-40DD-AFC4-6F175D3DCCD1}">
+                  <a14:hiddenFill xmlns:a14="http://schemas.microsoft.com/office/drawing/2010/main">
+                    <a:solidFill>
+                      <a:srgbClr val="FFFFFF"/>
+                    </a:solidFill>
+                  </a14:hiddenFill>
+                </a:ext>
+              </a:extLst>
+            </p:spPr>
+          </p:pic>
+          <p:pic>
+            <p:nvPicPr>
+              <p:cNvPr id="25" name="Picture 10" descr="https://cdn0.iconfinder.com/data/icons/social-messaging-ui-color-shapes/128/graph-circle-blue-512.png"/>
+              <p:cNvPicPr>
+                <a:picLocks noChangeAspect="1" noChangeArrowheads="1"/>
+              </p:cNvPicPr>
+              <p:nvPr/>
+            </p:nvPicPr>
+            <p:blipFill>
+              <a:blip r:embed="rId3" cstate="print">
+                <a:extLst>
+                  <a:ext uri="{BEBA8EAE-BF5A-486C-A8C5-ECC9F3942E4B}">
+                    <a14:imgProps xmlns:a14="http://schemas.microsoft.com/office/drawing/2010/main">
+                      <a14:imgLayer r:embed="rId4">
+                        <a14:imgEffect>
+                          <a14:artisticCutout/>
+                        </a14:imgEffect>
+                        <a14:imgEffect>
+                          <a14:saturation sat="66000"/>
+                        </a14:imgEffect>
+                      </a14:imgLayer>
+                    </a14:imgProps>
+                  </a:ext>
+                  <a:ext uri="{28A0092B-C50C-407E-A947-70E740481C1C}">
+                    <a14:useLocalDpi xmlns:a14="http://schemas.microsoft.com/office/drawing/2010/main" val="0"/>
+                  </a:ext>
+                </a:extLst>
+              </a:blip>
+              <a:srcRect/>
+              <a:stretch>
+                <a:fillRect/>
+              </a:stretch>
+            </p:blipFill>
+            <p:spPr bwMode="auto">
+              <a:xfrm>
+                <a:off x="3505200" y="2419302"/>
+                <a:ext cx="1085882" cy="1085882"/>
+              </a:xfrm>
+              <a:prstGeom prst="ellipse">
+                <a:avLst/>
+              </a:prstGeom>
+              <a:ln>
+                <a:noFill/>
+              </a:ln>
+              <a:effectLst>
+                <a:softEdge rad="112500"/>
+              </a:effectLst>
+              <a:extLst>
+                <a:ext uri="{909E8E84-426E-40DD-AFC4-6F175D3DCCD1}">
+                  <a14:hiddenFill xmlns:a14="http://schemas.microsoft.com/office/drawing/2010/main">
+                    <a:solidFill>
+                      <a:srgbClr val="FFFFFF"/>
+                    </a:solidFill>
+                  </a14:hiddenFill>
+                </a:ext>
+              </a:extLst>
+            </p:spPr>
+          </p:pic>
+        </p:grpSp>
+        <p:pic>
+          <p:nvPicPr>
+            <p:cNvPr id="23" name="Picture 4" descr="https://hr.mst.edu/media/administrative/hr/images/icons/group_icon.png"/>
+            <p:cNvPicPr>
+              <a:picLocks noChangeAspect="1" noChangeArrowheads="1"/>
+            </p:cNvPicPr>
+            <p:nvPr/>
+          </p:nvPicPr>
+          <p:blipFill>
+            <a:blip r:embed="rId5">
+              <a:extLst>
+                <a:ext uri="{BEBA8EAE-BF5A-486C-A8C5-ECC9F3942E4B}">
+                  <a14:imgProps xmlns:a14="http://schemas.microsoft.com/office/drawing/2010/main">
+                    <a14:imgLayer r:embed="rId6">
+                      <a14:imgEffect>
+                        <a14:backgroundRemoval t="10000" b="90000" l="10000" r="90000">
+                          <a14:foregroundMark x1="20792" y1="40588" x2="20792" y2="40588"/>
+                          <a14:foregroundMark x1="27723" y1="30588" x2="27723" y2="30588"/>
+                          <a14:foregroundMark x1="36386" y1="19118" x2="36386" y2="19118"/>
+                          <a14:foregroundMark x1="42327" y1="29412" x2="42327" y2="29412"/>
+                          <a14:foregroundMark x1="35396" y1="40000" x2="35396" y2="40000"/>
+                          <a14:foregroundMark x1="49505" y1="42353" x2="49505" y2="42353"/>
+                          <a14:foregroundMark x1="57673" y1="31471" x2="57673" y2="31471"/>
+                          <a14:foregroundMark x1="49505" y1="16471" x2="49505" y2="16471"/>
+                          <a14:foregroundMark x1="62871" y1="18529" x2="62871" y2="18529"/>
+                          <a14:foregroundMark x1="72277" y1="30000" x2="72277" y2="30000"/>
+                          <a14:foregroundMark x1="66337" y1="38824" x2="66337" y2="38824"/>
+                          <a14:foregroundMark x1="78960" y1="40000" x2="78960" y2="40000"/>
+                        </a14:backgroundRemoval>
+                      </a14:imgEffect>
+                    </a14:imgLayer>
+                  </a14:imgProps>
+                </a:ext>
+                <a:ext uri="{28A0092B-C50C-407E-A947-70E740481C1C}">
+                  <a14:useLocalDpi xmlns:a14="http://schemas.microsoft.com/office/drawing/2010/main" val="0"/>
+                </a:ext>
+              </a:extLst>
+            </a:blip>
+            <a:srcRect/>
+            <a:stretch>
+              <a:fillRect/>
+            </a:stretch>
+          </p:blipFill>
+          <p:spPr bwMode="auto">
+            <a:xfrm>
+              <a:off x="3398428" y="2543884"/>
+              <a:ext cx="2263588" cy="1905000"/>
+            </a:xfrm>
+            <a:prstGeom prst="rect">
+              <a:avLst/>
+            </a:prstGeom>
+            <a:noFill/>
+            <a:ln>
+              <a:noFill/>
+            </a:ln>
+            <a:effectLst>
+              <a:outerShdw blurRad="57785" dist="33020" dir="3180000" algn="ctr">
+                <a:srgbClr val="000000">
+                  <a:alpha val="30000"/>
+                </a:srgbClr>
+              </a:outerShdw>
+              <a:softEdge rad="0"/>
+            </a:effectLst>
+            <a:scene3d>
+              <a:camera prst="orthographicFront">
+                <a:rot lat="0" lon="0" rev="0"/>
+              </a:camera>
+              <a:lightRig rig="brightRoom" dir="t">
+                <a:rot lat="0" lon="0" rev="600000"/>
+              </a:lightRig>
+            </a:scene3d>
+            <a:sp3d prstMaterial="metal">
+              <a:bevelT w="38100" h="57150" prst="angle"/>
+            </a:sp3d>
             <a:extLst>
-              <a:ext uri="{28A0092B-C50C-407E-A947-70E740481C1C}">
-                <a14:useLocalDpi xmlns:a14="http://schemas.microsoft.com/office/drawing/2010/main" val="0"/>
+              <a:ext uri="{909E8E84-426E-40DD-AFC4-6F175D3DCCD1}">
+                <a14:hiddenFill xmlns:a14="http://schemas.microsoft.com/office/drawing/2010/main">
+                  <a:solidFill>
+                    <a:srgbClr val="FFFFFF"/>
+                  </a:solidFill>
+                </a14:hiddenFill>
               </a:ext>
             </a:extLst>
-          </a:blip>
-          <a:srcRect/>
-          <a:stretch>
-            <a:fillRect/>
-          </a:stretch>
-        </p:blipFill>
-        <p:spPr bwMode="auto">
-          <a:xfrm rot="1196461">
-            <a:off x="5349058" y="2196751"/>
-            <a:ext cx="1243016" cy="1822719"/>
-          </a:xfrm>
-          <a:prstGeom prst="rect">
-            <a:avLst/>
-          </a:prstGeom>
-          <a:noFill/>
-          <a:ln w="34925">
-            <a:solidFill>
-              <a:srgbClr val="FFFFFF"/>
-            </a:solidFill>
-          </a:ln>
-          <a:effectLst>
-            <a:outerShdw blurRad="317500" dir="2700000" algn="ctr">
-              <a:srgbClr val="000000">
-                <a:alpha val="43000"/>
-              </a:srgbClr>
-            </a:outerShdw>
-          </a:effectLst>
-          <a:scene3d>
-            <a:camera prst="perspectiveFront" fov="2700000">
-              <a:rot lat="19086000" lon="19067999" rev="3108000"/>
-            </a:camera>
-            <a:lightRig rig="threePt" dir="t">
-              <a:rot lat="0" lon="0" rev="0"/>
-            </a:lightRig>
-          </a:scene3d>
-          <a:sp3d extrusionH="38100" prstMaterial="clear">
-            <a:bevelT w="260350" h="50800" prst="softRound"/>
-            <a:bevelB prst="softRound"/>
-          </a:sp3d>
-          <a:extLst>
-            <a:ext uri="{909E8E84-426E-40DD-AFC4-6F175D3DCCD1}">
-              <a14:hiddenFill xmlns:a14="http://schemas.microsoft.com/office/drawing/2010/main">
-                <a:solidFill>
-                  <a:srgbClr val="FFFFFF"/>
-                </a:solidFill>
-              </a14:hiddenFill>
-            </a:ext>
-          </a:extLst>
-        </p:spPr>
-      </p:pic>
-      <p:sp>
-        <p:nvSpPr>
-          <p:cNvPr id="4" name="Rectangular Callout 3"/>
-          <p:cNvSpPr/>
-          <p:nvPr/>
-        </p:nvSpPr>
-        <p:spPr>
-          <a:xfrm>
-            <a:off x="5863108" y="1714500"/>
-            <a:ext cx="1299693" cy="971550"/>
-          </a:xfrm>
-          <a:prstGeom prst="wedgeRectCallout">
-            <a:avLst>
-              <a:gd name="adj1" fmla="val -41468"/>
-              <a:gd name="adj2" fmla="val 85437"/>
-            </a:avLst>
-          </a:prstGeom>
-        </p:spPr>
-        <p:style>
-          <a:lnRef idx="2">
-            <a:schemeClr val="accent6"/>
-          </a:lnRef>
-          <a:fillRef idx="1">
-            <a:schemeClr val="lt1"/>
-          </a:fillRef>
-          <a:effectRef idx="0">
-            <a:schemeClr val="accent6"/>
-          </a:effectRef>
-          <a:fontRef idx="minor">
-            <a:schemeClr val="dk1"/>
-          </a:fontRef>
-        </p:style>
-        <p:txBody>
-          <a:bodyPr rtlCol="0" anchor="ctr"/>
-          <a:lstStyle/>
-          <a:p>
-            <a:pPr algn="ctr"/>
-            <a:endParaRPr lang="en-US"/>
-          </a:p>
-        </p:txBody>
-      </p:sp>
-      <p:pic>
-        <p:nvPicPr>
-          <p:cNvPr id="2054" name="Picture 6" descr="326800047.png (1500×1500)"/>
-          <p:cNvPicPr>
-            <a:picLocks noChangeAspect="1" noChangeArrowheads="1"/>
-          </p:cNvPicPr>
-          <p:nvPr/>
-        </p:nvPicPr>
-        <p:blipFill>
-          <a:blip r:embed="rId3" cstate="print">
-            <a:extLst>
-              <a:ext uri="{28A0092B-C50C-407E-A947-70E740481C1C}">
-                <a14:useLocalDpi xmlns:a14="http://schemas.microsoft.com/office/drawing/2010/main" val="0"/>
-              </a:ext>
-            </a:extLst>
-          </a:blip>
-          <a:srcRect/>
-          <a:stretch>
-            <a:fillRect/>
-          </a:stretch>
-        </p:blipFill>
-        <p:spPr bwMode="auto">
-          <a:xfrm>
-            <a:off x="5867400" y="1714500"/>
-            <a:ext cx="1295400" cy="971550"/>
-          </a:xfrm>
-          <a:prstGeom prst="rect">
-            <a:avLst/>
-          </a:prstGeom>
-          <a:noFill/>
-          <a:extLst>
-            <a:ext uri="{909E8E84-426E-40DD-AFC4-6F175D3DCCD1}">
-              <a14:hiddenFill xmlns:a14="http://schemas.microsoft.com/office/drawing/2010/main">
-                <a:solidFill>
-                  <a:srgbClr val="FFFFFF"/>
-                </a:solidFill>
-              </a14:hiddenFill>
-            </a:ext>
-          </a:extLst>
-        </p:spPr>
-      </p:pic>
+          </p:spPr>
+        </p:pic>
+      </p:grpSp>
     </p:spTree>
     <p:extLst>
       <p:ext uri="{BB962C8B-B14F-4D97-AF65-F5344CB8AC3E}">
@@ -29979,35 +34381,92 @@
           </a:p>
         </p:txBody>
       </p:sp>
-      <p:sp>
-        <p:nvSpPr>
-          <p:cNvPr id="4" name="TextBox 3"/>
-          <p:cNvSpPr txBox="1"/>
+      <p:pic>
+        <p:nvPicPr>
+          <p:cNvPr id="4098" name="Picture 2"/>
+          <p:cNvPicPr>
+            <a:picLocks noChangeAspect="1" noChangeArrowheads="1"/>
+          </p:cNvPicPr>
           <p:nvPr/>
-        </p:nvSpPr>
-        <p:spPr>
+        </p:nvPicPr>
+        <p:blipFill>
+          <a:blip r:embed="rId2">
+            <a:extLst>
+              <a:ext uri="{28A0092B-C50C-407E-A947-70E740481C1C}">
+                <a14:useLocalDpi xmlns:a14="http://schemas.microsoft.com/office/drawing/2010/main" val="0"/>
+              </a:ext>
+            </a:extLst>
+          </a:blip>
+          <a:srcRect/>
+          <a:stretch>
+            <a:fillRect/>
+          </a:stretch>
+        </p:blipFill>
+        <p:spPr bwMode="auto">
           <a:xfrm>
-            <a:off x="2362200" y="2800350"/>
-            <a:ext cx="2754280" cy="369332"/>
+            <a:off x="228600" y="1504950"/>
+            <a:ext cx="3696502" cy="3467100"/>
           </a:xfrm>
           <a:prstGeom prst="rect">
             <a:avLst/>
           </a:prstGeom>
           <a:noFill/>
+          <a:ln>
+            <a:noFill/>
+          </a:ln>
+          <a:effectLst/>
+          <a:extLst>
+            <a:ext uri="{909E8E84-426E-40DD-AFC4-6F175D3DCCD1}">
+              <a14:hiddenFill xmlns:a14="http://schemas.microsoft.com/office/drawing/2010/main">
+                <a:solidFill>
+                  <a:schemeClr val="accent1"/>
+                </a:solidFill>
+              </a14:hiddenFill>
+            </a:ext>
+            <a:ext uri="{91240B29-F687-4F45-9708-019B960494DF}">
+              <a14:hiddenLine xmlns:a14="http://schemas.microsoft.com/office/drawing/2010/main" w="9525">
+                <a:solidFill>
+                  <a:schemeClr val="tx1"/>
+                </a:solidFill>
+                <a:miter lim="800000"/>
+                <a:headEnd/>
+                <a:tailEnd/>
+              </a14:hiddenLine>
+            </a:ext>
+            <a:ext uri="{AF507438-7753-43E0-B8FC-AC1667EBCBE1}">
+              <a14:hiddenEffects xmlns:a14="http://schemas.microsoft.com/office/drawing/2010/main">
+                <a:effectLst>
+                  <a:outerShdw dist="35921" dir="2700000" algn="ctr" rotWithShape="0">
+                    <a:schemeClr val="bg2"/>
+                  </a:outerShdw>
+                </a:effectLst>
+              </a14:hiddenEffects>
+            </a:ext>
+          </a:extLst>
         </p:spPr>
-        <p:txBody>
-          <a:bodyPr wrap="none" rtlCol="0">
-            <a:spAutoFit/>
-          </a:bodyPr>
-          <a:lstStyle/>
-          <a:p>
-            <a:r>
-              <a:rPr lang="en-US" i="1" dirty="0" smtClean="0"/>
-              <a:t>THÊM HÌNH ẢNH MÌNH HỌA</a:t>
-            </a:r>
-          </a:p>
-        </p:txBody>
-      </p:sp>
+      </p:pic>
+      <p:graphicFrame>
+        <p:nvGraphicFramePr>
+          <p:cNvPr id="2" name="Diagram 1"/>
+          <p:cNvGraphicFramePr/>
+          <p:nvPr>
+            <p:extLst>
+              <p:ext uri="{D42A27DB-BD31-4B8C-83A1-F6EECF244321}">
+                <p14:modId xmlns:p14="http://schemas.microsoft.com/office/powerpoint/2010/main" val="467521517"/>
+              </p:ext>
+            </p:extLst>
+          </p:nvPr>
+        </p:nvGraphicFramePr>
+        <p:xfrm>
+          <a:off x="4114800" y="1504951"/>
+          <a:ext cx="4648200" cy="3352800"/>
+        </p:xfrm>
+        <a:graphic>
+          <a:graphicData uri="http://schemas.openxmlformats.org/drawingml/2006/diagram">
+            <dgm:relIds xmlns:dgm="http://schemas.openxmlformats.org/drawingml/2006/diagram" xmlns:r="http://schemas.openxmlformats.org/officeDocument/2006/relationships" r:dm="rId3" r:lo="rId4" r:qs="rId5" r:cs="rId6"/>
+          </a:graphicData>
+        </a:graphic>
+      </p:graphicFrame>
     </p:spTree>
     <p:extLst>
       <p:ext uri="{BB962C8B-B14F-4D97-AF65-F5344CB8AC3E}">
@@ -32264,211 +36723,13 @@
       </p:sp>
       <p:grpSp>
         <p:nvGrpSpPr>
-          <p:cNvPr id="6" name="Group 5"/>
-          <p:cNvGrpSpPr/>
-          <p:nvPr/>
-        </p:nvGrpSpPr>
-        <p:grpSpPr>
-          <a:xfrm>
-            <a:off x="372936" y="1521568"/>
-            <a:ext cx="2188637" cy="2094131"/>
-            <a:chOff x="162981" y="1504950"/>
-            <a:chExt cx="2188637" cy="2094131"/>
-          </a:xfrm>
-        </p:grpSpPr>
-        <p:sp>
-          <p:nvSpPr>
-            <p:cNvPr id="7" name="TextBox 6"/>
-            <p:cNvSpPr txBox="1"/>
-            <p:nvPr/>
-          </p:nvSpPr>
-          <p:spPr>
-            <a:xfrm>
-              <a:off x="162981" y="2952750"/>
-              <a:ext cx="2188637" cy="646331"/>
-            </a:xfrm>
-            <a:prstGeom prst="rect">
-              <a:avLst/>
-            </a:prstGeom>
-            <a:noFill/>
-          </p:spPr>
-          <p:txBody>
-            <a:bodyPr wrap="square" rtlCol="0">
-              <a:spAutoFit/>
-            </a:bodyPr>
-            <a:lstStyle/>
-            <a:p>
-              <a:pPr algn="ctr"/>
-              <a:r>
-                <a:rPr lang="en-US" dirty="0" err="1" smtClean="0"/>
-                <a:t>Tiết</a:t>
-              </a:r>
-              <a:r>
-                <a:rPr lang="en-US" dirty="0" smtClean="0"/>
-                <a:t> </a:t>
-              </a:r>
-              <a:r>
-                <a:rPr lang="en-US" dirty="0" err="1" smtClean="0"/>
-                <a:t>kiệm</a:t>
-              </a:r>
-              <a:r>
-                <a:rPr lang="en-US" dirty="0" smtClean="0"/>
-                <a:t> </a:t>
-              </a:r>
-              <a:r>
-                <a:rPr lang="en-US" dirty="0" err="1" smtClean="0"/>
-                <a:t>nhân</a:t>
-              </a:r>
-              <a:r>
-                <a:rPr lang="en-US" dirty="0" smtClean="0"/>
-                <a:t> </a:t>
-              </a:r>
-              <a:r>
-                <a:rPr lang="en-US" dirty="0" err="1" smtClean="0"/>
-                <a:t>lực</a:t>
-              </a:r>
-              <a:r>
-                <a:rPr lang="en-US" dirty="0" smtClean="0"/>
-                <a:t> </a:t>
-              </a:r>
-              <a:r>
-                <a:rPr lang="en-US" dirty="0" err="1" smtClean="0"/>
-                <a:t>và</a:t>
-              </a:r>
-              <a:r>
-                <a:rPr lang="en-US" dirty="0" smtClean="0"/>
-                <a:t> </a:t>
-              </a:r>
-              <a:r>
-                <a:rPr lang="en-US" dirty="0" err="1" smtClean="0"/>
-                <a:t>tài</a:t>
-              </a:r>
-              <a:r>
-                <a:rPr lang="en-US" dirty="0" smtClean="0"/>
-                <a:t> </a:t>
-              </a:r>
-              <a:r>
-                <a:rPr lang="en-US" dirty="0" err="1" smtClean="0"/>
-                <a:t>nguyên</a:t>
-              </a:r>
-              <a:endParaRPr lang="en-US" dirty="0"/>
-            </a:p>
-          </p:txBody>
-        </p:sp>
-        <p:grpSp>
-          <p:nvGrpSpPr>
-            <p:cNvPr id="10" name="Group 9"/>
-            <p:cNvGrpSpPr/>
-            <p:nvPr/>
-          </p:nvGrpSpPr>
-          <p:grpSpPr>
-            <a:xfrm>
-              <a:off x="162981" y="1504950"/>
-              <a:ext cx="2188637" cy="1447800"/>
-              <a:chOff x="162981" y="1504950"/>
-              <a:chExt cx="2188637" cy="1447800"/>
-            </a:xfrm>
-          </p:grpSpPr>
-          <p:pic>
-            <p:nvPicPr>
-              <p:cNvPr id="1026" name="Picture 2" descr="http://tech.co/wp-content/uploads/2013/09/JackOfAllTrades.jpg"/>
-              <p:cNvPicPr>
-                <a:picLocks noChangeAspect="1" noChangeArrowheads="1"/>
-              </p:cNvPicPr>
-              <p:nvPr/>
-            </p:nvPicPr>
-            <p:blipFill rotWithShape="1">
-              <a:blip r:embed="rId2">
-                <a:extLst>
-                  <a:ext uri="{28A0092B-C50C-407E-A947-70E740481C1C}">
-                    <a14:useLocalDpi xmlns:a14="http://schemas.microsoft.com/office/drawing/2010/main" val="0"/>
-                  </a:ext>
-                </a:extLst>
-              </a:blip>
-              <a:srcRect l="12207" r="12207"/>
-              <a:stretch/>
-            </p:blipFill>
-            <p:spPr bwMode="auto">
-              <a:xfrm>
-                <a:off x="162981" y="1504950"/>
-                <a:ext cx="2188637" cy="1447800"/>
-              </a:xfrm>
-              <a:prstGeom prst="rect">
-                <a:avLst/>
-              </a:prstGeom>
-              <a:noFill/>
-              <a:extLst>
-                <a:ext uri="{909E8E84-426E-40DD-AFC4-6F175D3DCCD1}">
-                  <a14:hiddenFill xmlns:a14="http://schemas.microsoft.com/office/drawing/2010/main">
-                    <a:solidFill>
-                      <a:srgbClr val="FFFFFF"/>
-                    </a:solidFill>
-                  </a14:hiddenFill>
-                </a:ext>
-              </a:extLst>
-            </p:spPr>
-          </p:pic>
-          <p:sp>
-            <p:nvSpPr>
-              <p:cNvPr id="8" name="Smiley Face 7"/>
-              <p:cNvSpPr/>
-              <p:nvPr/>
-            </p:nvSpPr>
-            <p:spPr>
-              <a:xfrm>
-                <a:off x="1010055" y="1579123"/>
-                <a:ext cx="457200" cy="430044"/>
-              </a:xfrm>
-              <a:prstGeom prst="smileyFace">
-                <a:avLst/>
-              </a:prstGeom>
-              <a:solidFill>
-                <a:schemeClr val="accent1"/>
-              </a:solidFill>
-              <a:ln>
-                <a:solidFill>
-                  <a:schemeClr val="tx2">
-                    <a:lumMod val="75000"/>
-                  </a:schemeClr>
-                </a:solidFill>
-              </a:ln>
-            </p:spPr>
-            <p:style>
-              <a:lnRef idx="2">
-                <a:schemeClr val="accent1">
-                  <a:shade val="50000"/>
-                </a:schemeClr>
-              </a:lnRef>
-              <a:fillRef idx="1">
-                <a:schemeClr val="accent1"/>
-              </a:fillRef>
-              <a:effectRef idx="0">
-                <a:schemeClr val="accent1"/>
-              </a:effectRef>
-              <a:fontRef idx="minor">
-                <a:schemeClr val="lt1"/>
-              </a:fontRef>
-            </p:style>
-            <p:txBody>
-              <a:bodyPr rtlCol="0" anchor="ctr"/>
-              <a:lstStyle/>
-              <a:p>
-                <a:pPr algn="ctr"/>
-                <a:endParaRPr lang="en-US"/>
-              </a:p>
-            </p:txBody>
-          </p:sp>
-        </p:grpSp>
-      </p:grpSp>
-      <p:grpSp>
-        <p:nvGrpSpPr>
           <p:cNvPr id="15" name="Group 14"/>
           <p:cNvGrpSpPr/>
           <p:nvPr/>
         </p:nvGrpSpPr>
         <p:grpSpPr>
           <a:xfrm>
-            <a:off x="2743200" y="1518451"/>
+            <a:off x="2971800" y="1594790"/>
             <a:ext cx="2885868" cy="2533711"/>
             <a:chOff x="1071873" y="1472803"/>
             <a:chExt cx="2885868" cy="2533711"/>
@@ -32497,7 +36758,7 @@
               <p:nvPr/>
             </p:nvPicPr>
             <p:blipFill rotWithShape="1">
-              <a:blip r:embed="rId3">
+              <a:blip r:embed="rId2">
                 <a:extLst>
                   <a:ext uri="{28A0092B-C50C-407E-A947-70E740481C1C}">
                     <a14:useLocalDpi xmlns:a14="http://schemas.microsoft.com/office/drawing/2010/main" val="0"/>
@@ -32536,7 +36797,7 @@
               <p:nvPr/>
             </p:nvPicPr>
             <p:blipFill>
-              <a:blip r:embed="rId4" cstate="print">
+              <a:blip r:embed="rId3" cstate="print">
                 <a:extLst>
                   <a:ext uri="{28A0092B-C50C-407E-A947-70E740481C1C}">
                     <a14:useLocalDpi xmlns:a14="http://schemas.microsoft.com/office/drawing/2010/main" val="0"/>
@@ -32653,7 +36914,7 @@
         </p:nvGrpSpPr>
         <p:grpSpPr>
           <a:xfrm>
-            <a:off x="6187264" y="1994900"/>
+            <a:off x="6196789" y="1994900"/>
             <a:ext cx="2438400" cy="2595266"/>
             <a:chOff x="5391150" y="1472803"/>
             <a:chExt cx="2438400" cy="2595266"/>
@@ -32668,7 +36929,7 @@
             <p:nvPr/>
           </p:nvPicPr>
           <p:blipFill>
-            <a:blip r:embed="rId5" cstate="print">
+            <a:blip r:embed="rId4" cstate="print">
               <a:extLst>
                 <a:ext uri="{28A0092B-C50C-407E-A947-70E740481C1C}">
                   <a14:useLocalDpi xmlns:a14="http://schemas.microsoft.com/office/drawing/2010/main" val="0"/>
@@ -32755,6 +37016,141 @@
             </a:p>
           </p:txBody>
         </p:sp>
+      </p:grpSp>
+      <p:grpSp>
+        <p:nvGrpSpPr>
+          <p:cNvPr id="4" name="Group 3"/>
+          <p:cNvGrpSpPr/>
+          <p:nvPr/>
+        </p:nvGrpSpPr>
+        <p:grpSpPr>
+          <a:xfrm>
+            <a:off x="382461" y="1349722"/>
+            <a:ext cx="2188637" cy="2502385"/>
+            <a:chOff x="372936" y="1113314"/>
+            <a:chExt cx="2188637" cy="2502385"/>
+          </a:xfrm>
+        </p:grpSpPr>
+        <p:sp>
+          <p:nvSpPr>
+            <p:cNvPr id="7" name="TextBox 6"/>
+            <p:cNvSpPr txBox="1"/>
+            <p:nvPr/>
+          </p:nvSpPr>
+          <p:spPr>
+            <a:xfrm>
+              <a:off x="372936" y="2969368"/>
+              <a:ext cx="2188637" cy="646331"/>
+            </a:xfrm>
+            <a:prstGeom prst="rect">
+              <a:avLst/>
+            </a:prstGeom>
+            <a:noFill/>
+          </p:spPr>
+          <p:txBody>
+            <a:bodyPr wrap="square" rtlCol="0">
+              <a:spAutoFit/>
+            </a:bodyPr>
+            <a:lstStyle/>
+            <a:p>
+              <a:pPr algn="ctr"/>
+              <a:r>
+                <a:rPr lang="en-US" dirty="0" err="1" smtClean="0"/>
+                <a:t>Tiết</a:t>
+              </a:r>
+              <a:r>
+                <a:rPr lang="en-US" dirty="0" smtClean="0"/>
+                <a:t> </a:t>
+              </a:r>
+              <a:r>
+                <a:rPr lang="en-US" dirty="0" err="1" smtClean="0"/>
+                <a:t>kiệm</a:t>
+              </a:r>
+              <a:r>
+                <a:rPr lang="en-US" dirty="0" smtClean="0"/>
+                <a:t> </a:t>
+              </a:r>
+              <a:r>
+                <a:rPr lang="en-US" dirty="0" err="1" smtClean="0"/>
+                <a:t>nhân</a:t>
+              </a:r>
+              <a:r>
+                <a:rPr lang="en-US" dirty="0" smtClean="0"/>
+                <a:t> </a:t>
+              </a:r>
+              <a:r>
+                <a:rPr lang="en-US" dirty="0" err="1" smtClean="0"/>
+                <a:t>lực</a:t>
+              </a:r>
+              <a:r>
+                <a:rPr lang="en-US" dirty="0" smtClean="0"/>
+                <a:t> </a:t>
+              </a:r>
+              <a:r>
+                <a:rPr lang="en-US" dirty="0" err="1" smtClean="0"/>
+                <a:t>và</a:t>
+              </a:r>
+              <a:r>
+                <a:rPr lang="en-US" dirty="0" smtClean="0"/>
+                <a:t> </a:t>
+              </a:r>
+              <a:r>
+                <a:rPr lang="en-US" dirty="0" err="1" smtClean="0"/>
+                <a:t>tài</a:t>
+              </a:r>
+              <a:r>
+                <a:rPr lang="en-US" dirty="0" smtClean="0"/>
+                <a:t> </a:t>
+              </a:r>
+              <a:r>
+                <a:rPr lang="en-US" dirty="0" err="1" smtClean="0"/>
+                <a:t>nguyên</a:t>
+              </a:r>
+              <a:endParaRPr lang="en-US" dirty="0"/>
+            </a:p>
+          </p:txBody>
+        </p:sp>
+        <p:pic>
+          <p:nvPicPr>
+            <p:cNvPr id="2" name="Picture 2" descr="http://us.123rf.com/450wm/harunatsukobo/harunatsukobo1502/harunatsukobo150200115/37125502-businessman-with-glasses-that-do-a-multi-task-as-good.jpg?ver=6"/>
+            <p:cNvPicPr>
+              <a:picLocks noChangeAspect="1" noChangeArrowheads="1"/>
+            </p:cNvPicPr>
+            <p:nvPr/>
+          </p:nvPicPr>
+          <p:blipFill>
+            <a:blip r:embed="rId5">
+              <a:extLst>
+                <a:ext uri="{28A0092B-C50C-407E-A947-70E740481C1C}">
+                  <a14:useLocalDpi xmlns:a14="http://schemas.microsoft.com/office/drawing/2010/main" val="0"/>
+                </a:ext>
+              </a:extLst>
+            </a:blip>
+            <a:srcRect/>
+            <a:stretch>
+              <a:fillRect/>
+            </a:stretch>
+          </p:blipFill>
+          <p:spPr bwMode="auto">
+            <a:xfrm>
+              <a:off x="501788" y="1113314"/>
+              <a:ext cx="1930932" cy="1930932"/>
+            </a:xfrm>
+            <a:prstGeom prst="rect">
+              <a:avLst/>
+            </a:prstGeom>
+            <a:noFill/>
+            <a:extLst>
+              <a:ext uri="{909E8E84-426E-40DD-AFC4-6F175D3DCCD1}">
+                <a14:hiddenFill xmlns:a14="http://schemas.microsoft.com/office/drawing/2010/main">
+                  <a:solidFill>
+                    <a:srgbClr val="FFFFFF"/>
+                  </a:solidFill>
+                </a14:hiddenFill>
+              </a:ext>
+            </a:extLst>
+          </p:spPr>
+        </p:pic>
       </p:grpSp>
     </p:spTree>
     <p:extLst>

--- a/BaoCao.pptx
+++ b/BaoCao.pptx
@@ -5,7 +5,7 @@
     <p:sldMasterId id="2147483684" r:id="rId1"/>
   </p:sldMasterIdLst>
   <p:notesMasterIdLst>
-    <p:notesMasterId r:id="rId20"/>
+    <p:notesMasterId r:id="rId19"/>
   </p:notesMasterIdLst>
   <p:sldIdLst>
     <p:sldId id="256" r:id="rId2"/>
@@ -21,11 +21,10 @@
     <p:sldId id="265" r:id="rId12"/>
     <p:sldId id="262" r:id="rId13"/>
     <p:sldId id="266" r:id="rId14"/>
-    <p:sldId id="267" r:id="rId15"/>
-    <p:sldId id="271" r:id="rId16"/>
-    <p:sldId id="272" r:id="rId17"/>
-    <p:sldId id="273" r:id="rId18"/>
-    <p:sldId id="268" r:id="rId19"/>
+    <p:sldId id="271" r:id="rId15"/>
+    <p:sldId id="272" r:id="rId16"/>
+    <p:sldId id="276" r:id="rId17"/>
+    <p:sldId id="268" r:id="rId18"/>
   </p:sldIdLst>
   <p:sldSz cx="9144000" cy="5143500" type="screen16x9"/>
   <p:notesSz cx="9144000" cy="6858000"/>
@@ -6548,6 +6547,13 @@
         </dgm:presLayoutVars>
       </dgm:prSet>
       <dgm:spPr/>
+      <dgm:t>
+        <a:bodyPr/>
+        <a:lstStyle/>
+        <a:p>
+          <a:endParaRPr lang="en-US"/>
+        </a:p>
+      </dgm:t>
     </dgm:pt>
     <dgm:pt modelId="{D8F56B20-1835-4BCC-923C-FCD232321775}" type="pres">
       <dgm:prSet presAssocID="{1AB065B4-F95D-4170-8DF3-2696E993B48D}" presName="parentLin" presStyleCnt="0"/>
@@ -6556,6 +6562,13 @@
     <dgm:pt modelId="{4CA4EF23-3538-471D-AF13-AD7E603F5BDF}" type="pres">
       <dgm:prSet presAssocID="{1AB065B4-F95D-4170-8DF3-2696E993B48D}" presName="parentLeftMargin" presStyleLbl="node1" presStyleIdx="0" presStyleCnt="5"/>
       <dgm:spPr/>
+      <dgm:t>
+        <a:bodyPr/>
+        <a:lstStyle/>
+        <a:p>
+          <a:endParaRPr lang="en-US"/>
+        </a:p>
+      </dgm:t>
     </dgm:pt>
     <dgm:pt modelId="{CC799511-CE32-4515-832F-1D53852E47D9}" type="pres">
       <dgm:prSet presAssocID="{1AB065B4-F95D-4170-8DF3-2696E993B48D}" presName="parentText" presStyleLbl="node1" presStyleIdx="0" presStyleCnt="5" custScaleX="12053">
@@ -6603,6 +6616,13 @@
     <dgm:pt modelId="{73005CFC-C43F-4ED1-A76A-85B6744DF6A6}" type="pres">
       <dgm:prSet presAssocID="{1BD5F2D6-F967-4157-8BA9-411C34AEE9B5}" presName="parentLeftMargin" presStyleLbl="node1" presStyleIdx="0" presStyleCnt="5"/>
       <dgm:spPr/>
+      <dgm:t>
+        <a:bodyPr/>
+        <a:lstStyle/>
+        <a:p>
+          <a:endParaRPr lang="en-US"/>
+        </a:p>
+      </dgm:t>
     </dgm:pt>
     <dgm:pt modelId="{F672AC01-D8EF-4C41-98CB-416A5A043064}" type="pres">
       <dgm:prSet presAssocID="{1BD5F2D6-F967-4157-8BA9-411C34AEE9B5}" presName="parentText" presStyleLbl="node1" presStyleIdx="1" presStyleCnt="5" custScaleX="12053">
@@ -6631,6 +6651,13 @@
         </dgm:presLayoutVars>
       </dgm:prSet>
       <dgm:spPr/>
+      <dgm:t>
+        <a:bodyPr/>
+        <a:lstStyle/>
+        <a:p>
+          <a:endParaRPr lang="en-US"/>
+        </a:p>
+      </dgm:t>
     </dgm:pt>
     <dgm:pt modelId="{ABB4F4EE-FF30-4B31-9287-5BF02A22DC80}" type="pres">
       <dgm:prSet presAssocID="{DFFD898D-112C-4A50-B2E9-2E9D4157A2F6}" presName="spaceBetweenRectangles" presStyleCnt="0"/>
@@ -6643,6 +6670,13 @@
     <dgm:pt modelId="{AD088BCA-7BFA-43B2-A273-63A40A848524}" type="pres">
       <dgm:prSet presAssocID="{B0153280-07EB-40BA-984B-ADB15C1F4B6A}" presName="parentLeftMargin" presStyleLbl="node1" presStyleIdx="1" presStyleCnt="5"/>
       <dgm:spPr/>
+      <dgm:t>
+        <a:bodyPr/>
+        <a:lstStyle/>
+        <a:p>
+          <a:endParaRPr lang="en-US"/>
+        </a:p>
+      </dgm:t>
     </dgm:pt>
     <dgm:pt modelId="{C7A81F9F-9BD1-4872-86CF-1DCAF47CF83A}" type="pres">
       <dgm:prSet presAssocID="{B0153280-07EB-40BA-984B-ADB15C1F4B6A}" presName="parentText" presStyleLbl="node1" presStyleIdx="2" presStyleCnt="5" custScaleX="12053">
@@ -6690,6 +6724,13 @@
     <dgm:pt modelId="{9ADC97C6-CC20-458E-A390-DDE0765A16BB}" type="pres">
       <dgm:prSet presAssocID="{718B5F25-A647-4166-AC48-9ABDCD322C30}" presName="parentLeftMargin" presStyleLbl="node1" presStyleIdx="2" presStyleCnt="5"/>
       <dgm:spPr/>
+      <dgm:t>
+        <a:bodyPr/>
+        <a:lstStyle/>
+        <a:p>
+          <a:endParaRPr lang="en-US"/>
+        </a:p>
+      </dgm:t>
     </dgm:pt>
     <dgm:pt modelId="{7236E7CB-C2BD-4E29-AD5D-331DF3B6F50C}" type="pres">
       <dgm:prSet presAssocID="{718B5F25-A647-4166-AC48-9ABDCD322C30}" presName="parentText" presStyleLbl="node1" presStyleIdx="3" presStyleCnt="5" custScaleX="12053">
@@ -6699,6 +6740,13 @@
         </dgm:presLayoutVars>
       </dgm:prSet>
       <dgm:spPr/>
+      <dgm:t>
+        <a:bodyPr/>
+        <a:lstStyle/>
+        <a:p>
+          <a:endParaRPr lang="en-US"/>
+        </a:p>
+      </dgm:t>
     </dgm:pt>
     <dgm:pt modelId="{211386A8-1F2E-4A8B-9ABB-1113E912EC85}" type="pres">
       <dgm:prSet presAssocID="{718B5F25-A647-4166-AC48-9ABDCD322C30}" presName="negativeSpace" presStyleCnt="0"/>
@@ -6730,6 +6778,13 @@
     <dgm:pt modelId="{24B3C431-9287-4A5A-8C61-D8512CF060D2}" type="pres">
       <dgm:prSet presAssocID="{4D04B307-9954-4A45-8CF4-DC4A795A8570}" presName="parentLeftMargin" presStyleLbl="node1" presStyleIdx="3" presStyleCnt="5"/>
       <dgm:spPr/>
+      <dgm:t>
+        <a:bodyPr/>
+        <a:lstStyle/>
+        <a:p>
+          <a:endParaRPr lang="en-US"/>
+        </a:p>
+      </dgm:t>
     </dgm:pt>
     <dgm:pt modelId="{1E426CEE-3F3F-402B-8142-05FF609ADF90}" type="pres">
       <dgm:prSet presAssocID="{4D04B307-9954-4A45-8CF4-DC4A795A8570}" presName="parentText" presStyleLbl="node1" presStyleIdx="4" presStyleCnt="5" custScaleX="12053">
@@ -6739,6 +6794,13 @@
         </dgm:presLayoutVars>
       </dgm:prSet>
       <dgm:spPr/>
+      <dgm:t>
+        <a:bodyPr/>
+        <a:lstStyle/>
+        <a:p>
+          <a:endParaRPr lang="en-US"/>
+        </a:p>
+      </dgm:t>
     </dgm:pt>
     <dgm:pt modelId="{43EDD4D2-FB53-4AAE-BAD3-2DF6DB17ED37}" type="pres">
       <dgm:prSet presAssocID="{4D04B307-9954-4A45-8CF4-DC4A795A8570}" presName="negativeSpace" presStyleCnt="0"/>
@@ -6761,32 +6823,32 @@
     </dgm:pt>
   </dgm:ptLst>
   <dgm:cxnLst>
+    <dgm:cxn modelId="{0658CE74-0A4C-4BF3-B4B0-96B543955CBC}" type="presOf" srcId="{1BD5F2D6-F967-4157-8BA9-411C34AEE9B5}" destId="{F672AC01-D8EF-4C41-98CB-416A5A043064}" srcOrd="1" destOrd="0" presId="urn:microsoft.com/office/officeart/2005/8/layout/list1"/>
+    <dgm:cxn modelId="{3B1BFE40-CA98-40C3-B04E-C5330B5AC735}" srcId="{4D04B307-9954-4A45-8CF4-DC4A795A8570}" destId="{504433A7-4F2C-44F8-AF52-AD05E8C3AF85}" srcOrd="0" destOrd="0" parTransId="{4F895ED8-9EE1-48A4-A828-FDA805D8C252}" sibTransId="{695A6939-A944-4B34-B09F-2F0E50F001D7}"/>
+    <dgm:cxn modelId="{66FA9547-6720-441B-B6D1-ED1947895864}" type="presOf" srcId="{504433A7-4F2C-44F8-AF52-AD05E8C3AF85}" destId="{55DEC588-669D-455A-B816-627915F6B463}" srcOrd="0" destOrd="0" presId="urn:microsoft.com/office/officeart/2005/8/layout/list1"/>
+    <dgm:cxn modelId="{8D37DC63-F2D3-41F1-8D92-949EEE8E5065}" srcId="{6B437A72-0934-4C24-825C-BF232426D980}" destId="{718B5F25-A647-4166-AC48-9ABDCD322C30}" srcOrd="3" destOrd="0" parTransId="{2D3B3DF5-67F1-4313-9110-2062ABD318C1}" sibTransId="{9FEA9859-90C0-469D-9C59-B80B83CBFB9C}"/>
+    <dgm:cxn modelId="{16E60184-99DE-466B-962B-3ACE52097C54}" srcId="{718B5F25-A647-4166-AC48-9ABDCD322C30}" destId="{D605F798-4A8A-484C-9BAA-609D4C84EE61}" srcOrd="0" destOrd="0" parTransId="{9CB639B6-BA63-414F-A0C0-919122604BFE}" sibTransId="{6B06B8A5-6DF1-4DA4-86EC-BB4B5FE2F7F7}"/>
+    <dgm:cxn modelId="{080EB18B-1EB3-4EFE-AE8D-0BD2AB2E0017}" type="presOf" srcId="{F9E8E87B-FD91-418C-A663-54D914016F5C}" destId="{18ABD94C-1B8F-4F26-9809-83B15B64A5CB}" srcOrd="0" destOrd="0" presId="urn:microsoft.com/office/officeart/2005/8/layout/list1"/>
+    <dgm:cxn modelId="{7A4AAD7D-6F77-44CA-B763-85DEB8E88D98}" srcId="{1AB065B4-F95D-4170-8DF3-2696E993B48D}" destId="{DF33A3C3-AFCA-41F5-8E0E-6135691C914D}" srcOrd="0" destOrd="0" parTransId="{E2804D2D-A495-499D-AC12-E53F4BD0DE89}" sibTransId="{5BF386F3-6F07-4778-94A1-79914F2CD528}"/>
+    <dgm:cxn modelId="{4087BA32-0E7C-4688-B715-855F430445E1}" type="presOf" srcId="{718B5F25-A647-4166-AC48-9ABDCD322C30}" destId="{9ADC97C6-CC20-458E-A390-DDE0765A16BB}" srcOrd="0" destOrd="0" presId="urn:microsoft.com/office/officeart/2005/8/layout/list1"/>
+    <dgm:cxn modelId="{D51686A1-BE74-4DBB-8D40-FC8EA84C87A6}" type="presOf" srcId="{4D04B307-9954-4A45-8CF4-DC4A795A8570}" destId="{1E426CEE-3F3F-402B-8142-05FF609ADF90}" srcOrd="1" destOrd="0" presId="urn:microsoft.com/office/officeart/2005/8/layout/list1"/>
+    <dgm:cxn modelId="{34DF4037-089A-443A-A387-C8E785B29435}" type="presOf" srcId="{6B437A72-0934-4C24-825C-BF232426D980}" destId="{36771C4B-EDEC-4DE0-A54F-74287CC7F200}" srcOrd="0" destOrd="0" presId="urn:microsoft.com/office/officeart/2005/8/layout/list1"/>
     <dgm:cxn modelId="{FCB85AEB-FEEB-4A91-A067-1D8E5CE5E963}" type="presOf" srcId="{B0153280-07EB-40BA-984B-ADB15C1F4B6A}" destId="{C7A81F9F-9BD1-4872-86CF-1DCAF47CF83A}" srcOrd="1" destOrd="0" presId="urn:microsoft.com/office/officeart/2005/8/layout/list1"/>
-    <dgm:cxn modelId="{66FA9547-6720-441B-B6D1-ED1947895864}" type="presOf" srcId="{504433A7-4F2C-44F8-AF52-AD05E8C3AF85}" destId="{55DEC588-669D-455A-B816-627915F6B463}" srcOrd="0" destOrd="0" presId="urn:microsoft.com/office/officeart/2005/8/layout/list1"/>
-    <dgm:cxn modelId="{0658CE74-0A4C-4BF3-B4B0-96B543955CBC}" type="presOf" srcId="{1BD5F2D6-F967-4157-8BA9-411C34AEE9B5}" destId="{F672AC01-D8EF-4C41-98CB-416A5A043064}" srcOrd="1" destOrd="0" presId="urn:microsoft.com/office/officeart/2005/8/layout/list1"/>
-    <dgm:cxn modelId="{7A4AAD7D-6F77-44CA-B763-85DEB8E88D98}" srcId="{1AB065B4-F95D-4170-8DF3-2696E993B48D}" destId="{DF33A3C3-AFCA-41F5-8E0E-6135691C914D}" srcOrd="0" destOrd="0" parTransId="{E2804D2D-A495-499D-AC12-E53F4BD0DE89}" sibTransId="{5BF386F3-6F07-4778-94A1-79914F2CD528}"/>
+    <dgm:cxn modelId="{3F789107-9931-4231-AD1D-89D603975B66}" srcId="{6B437A72-0934-4C24-825C-BF232426D980}" destId="{B0153280-07EB-40BA-984B-ADB15C1F4B6A}" srcOrd="2" destOrd="0" parTransId="{9ED8EC30-B815-4386-82B2-7682A798DAE0}" sibTransId="{5AC956D2-9018-4A13-813D-70FF955E1CCA}"/>
+    <dgm:cxn modelId="{89B920AD-FA07-432B-B069-D11A251F9A38}" type="presOf" srcId="{DF33A3C3-AFCA-41F5-8E0E-6135691C914D}" destId="{AD0C8036-AF94-4175-955B-6AF36C16341C}" srcOrd="0" destOrd="0" presId="urn:microsoft.com/office/officeart/2005/8/layout/list1"/>
+    <dgm:cxn modelId="{6A33F8BB-6F1A-43E0-92E1-04BD9C3EB8EE}" srcId="{6B437A72-0934-4C24-825C-BF232426D980}" destId="{1AB065B4-F95D-4170-8DF3-2696E993B48D}" srcOrd="0" destOrd="0" parTransId="{882C69E3-BF50-4426-BB85-37A03659E516}" sibTransId="{1F75D1D1-7E70-46D6-9089-597C7F9E1E8F}"/>
+    <dgm:cxn modelId="{CAD3274B-BB37-433C-A632-48C4303D53BE}" srcId="{6B437A72-0934-4C24-825C-BF232426D980}" destId="{1BD5F2D6-F967-4157-8BA9-411C34AEE9B5}" srcOrd="1" destOrd="0" parTransId="{263ECF04-54D5-4C07-BC8C-89D5047E01D6}" sibTransId="{DFFD898D-112C-4A50-B2E9-2E9D4157A2F6}"/>
+    <dgm:cxn modelId="{1505BBD6-3AB0-4DFD-9879-399C0D86C44D}" type="presOf" srcId="{1AB065B4-F95D-4170-8DF3-2696E993B48D}" destId="{CC799511-CE32-4515-832F-1D53852E47D9}" srcOrd="1" destOrd="0" presId="urn:microsoft.com/office/officeart/2005/8/layout/list1"/>
+    <dgm:cxn modelId="{098BE653-C681-471E-994C-7FE56B101BB2}" type="presOf" srcId="{4D04B307-9954-4A45-8CF4-DC4A795A8570}" destId="{24B3C431-9287-4A5A-8C61-D8512CF060D2}" srcOrd="0" destOrd="0" presId="urn:microsoft.com/office/officeart/2005/8/layout/list1"/>
+    <dgm:cxn modelId="{8EFC9A7F-BF70-4752-85A3-941DC6C7B4CC}" type="presOf" srcId="{1AB065B4-F95D-4170-8DF3-2696E993B48D}" destId="{4CA4EF23-3538-471D-AF13-AD7E603F5BDF}" srcOrd="0" destOrd="0" presId="urn:microsoft.com/office/officeart/2005/8/layout/list1"/>
+    <dgm:cxn modelId="{744C7DD7-EBB8-4E95-82FD-7BE92BBB1D1A}" type="presOf" srcId="{1BD5F2D6-F967-4157-8BA9-411C34AEE9B5}" destId="{73005CFC-C43F-4ED1-A76A-85B6744DF6A6}" srcOrd="0" destOrd="0" presId="urn:microsoft.com/office/officeart/2005/8/layout/list1"/>
+    <dgm:cxn modelId="{BEEF296F-F88F-4B80-B1AC-C4B69FB45CA9}" type="presOf" srcId="{718B5F25-A647-4166-AC48-9ABDCD322C30}" destId="{7236E7CB-C2BD-4E29-AD5D-331DF3B6F50C}" srcOrd="1" destOrd="0" presId="urn:microsoft.com/office/officeart/2005/8/layout/list1"/>
+    <dgm:cxn modelId="{0418F599-989B-4A7C-87C7-87CC609B59E6}" type="presOf" srcId="{D605F798-4A8A-484C-9BAA-609D4C84EE61}" destId="{3998ECA1-FEA9-400F-ACEC-37025F130C1E}" srcOrd="0" destOrd="0" presId="urn:microsoft.com/office/officeart/2005/8/layout/list1"/>
+    <dgm:cxn modelId="{A36DC082-4968-406B-BE7F-C584971AE080}" type="presOf" srcId="{B0153280-07EB-40BA-984B-ADB15C1F4B6A}" destId="{AD088BCA-7BFA-43B2-A273-63A40A848524}" srcOrd="0" destOrd="0" presId="urn:microsoft.com/office/officeart/2005/8/layout/list1"/>
+    <dgm:cxn modelId="{BCD1332E-B6B3-4706-BA00-2DA3CD6F0DAB}" srcId="{B0153280-07EB-40BA-984B-ADB15C1F4B6A}" destId="{F9E8E87B-FD91-418C-A663-54D914016F5C}" srcOrd="0" destOrd="0" parTransId="{C6D78893-BE6C-4B2F-A4A5-F8565EB7D1B3}" sibTransId="{3A8FA43F-7B26-4D7E-BF31-21522E266DE8}"/>
     <dgm:cxn modelId="{DB66D7B3-7C4D-4FF4-AE42-2DA0CC608D26}" type="presOf" srcId="{18400216-BC7B-4FF7-952A-FF0FC308D875}" destId="{EF3416E0-E53C-4B78-8DCD-F0B8575E5434}" srcOrd="0" destOrd="0" presId="urn:microsoft.com/office/officeart/2005/8/layout/list1"/>
-    <dgm:cxn modelId="{89B920AD-FA07-432B-B069-D11A251F9A38}" type="presOf" srcId="{DF33A3C3-AFCA-41F5-8E0E-6135691C914D}" destId="{AD0C8036-AF94-4175-955B-6AF36C16341C}" srcOrd="0" destOrd="0" presId="urn:microsoft.com/office/officeart/2005/8/layout/list1"/>
-    <dgm:cxn modelId="{34DF4037-089A-443A-A387-C8E785B29435}" type="presOf" srcId="{6B437A72-0934-4C24-825C-BF232426D980}" destId="{36771C4B-EDEC-4DE0-A54F-74287CC7F200}" srcOrd="0" destOrd="0" presId="urn:microsoft.com/office/officeart/2005/8/layout/list1"/>
-    <dgm:cxn modelId="{098BE653-C681-471E-994C-7FE56B101BB2}" type="presOf" srcId="{4D04B307-9954-4A45-8CF4-DC4A795A8570}" destId="{24B3C431-9287-4A5A-8C61-D8512CF060D2}" srcOrd="0" destOrd="0" presId="urn:microsoft.com/office/officeart/2005/8/layout/list1"/>
-    <dgm:cxn modelId="{0418F599-989B-4A7C-87C7-87CC609B59E6}" type="presOf" srcId="{D605F798-4A8A-484C-9BAA-609D4C84EE61}" destId="{3998ECA1-FEA9-400F-ACEC-37025F130C1E}" srcOrd="0" destOrd="0" presId="urn:microsoft.com/office/officeart/2005/8/layout/list1"/>
-    <dgm:cxn modelId="{080EB18B-1EB3-4EFE-AE8D-0BD2AB2E0017}" type="presOf" srcId="{F9E8E87B-FD91-418C-A663-54D914016F5C}" destId="{18ABD94C-1B8F-4F26-9809-83B15B64A5CB}" srcOrd="0" destOrd="0" presId="urn:microsoft.com/office/officeart/2005/8/layout/list1"/>
-    <dgm:cxn modelId="{CAD3274B-BB37-433C-A632-48C4303D53BE}" srcId="{6B437A72-0934-4C24-825C-BF232426D980}" destId="{1BD5F2D6-F967-4157-8BA9-411C34AEE9B5}" srcOrd="1" destOrd="0" parTransId="{263ECF04-54D5-4C07-BC8C-89D5047E01D6}" sibTransId="{DFFD898D-112C-4A50-B2E9-2E9D4157A2F6}"/>
     <dgm:cxn modelId="{4BF86358-85EC-43C7-8B88-8A4B4F50D964}" srcId="{6B437A72-0934-4C24-825C-BF232426D980}" destId="{4D04B307-9954-4A45-8CF4-DC4A795A8570}" srcOrd="4" destOrd="0" parTransId="{34B2BBD3-46C6-4F53-B7E0-D9AE8543800C}" sibTransId="{D892CCE9-9028-45A2-9D0B-BADEA90A3F25}"/>
-    <dgm:cxn modelId="{3B1BFE40-CA98-40C3-B04E-C5330B5AC735}" srcId="{4D04B307-9954-4A45-8CF4-DC4A795A8570}" destId="{504433A7-4F2C-44F8-AF52-AD05E8C3AF85}" srcOrd="0" destOrd="0" parTransId="{4F895ED8-9EE1-48A4-A828-FDA805D8C252}" sibTransId="{695A6939-A944-4B34-B09F-2F0E50F001D7}"/>
     <dgm:cxn modelId="{B4368D10-2E7D-45F0-9FD2-4C64F11D46C3}" srcId="{1BD5F2D6-F967-4157-8BA9-411C34AEE9B5}" destId="{18400216-BC7B-4FF7-952A-FF0FC308D875}" srcOrd="0" destOrd="0" parTransId="{BE66D603-9357-4FD2-A85C-36FBF54423AA}" sibTransId="{5ACAD922-60F6-4033-BCD3-5ADBDE5BC323}"/>
-    <dgm:cxn modelId="{16E60184-99DE-466B-962B-3ACE52097C54}" srcId="{718B5F25-A647-4166-AC48-9ABDCD322C30}" destId="{D605F798-4A8A-484C-9BAA-609D4C84EE61}" srcOrd="0" destOrd="0" parTransId="{9CB639B6-BA63-414F-A0C0-919122604BFE}" sibTransId="{6B06B8A5-6DF1-4DA4-86EC-BB4B5FE2F7F7}"/>
-    <dgm:cxn modelId="{6A33F8BB-6F1A-43E0-92E1-04BD9C3EB8EE}" srcId="{6B437A72-0934-4C24-825C-BF232426D980}" destId="{1AB065B4-F95D-4170-8DF3-2696E993B48D}" srcOrd="0" destOrd="0" parTransId="{882C69E3-BF50-4426-BB85-37A03659E516}" sibTransId="{1F75D1D1-7E70-46D6-9089-597C7F9E1E8F}"/>
-    <dgm:cxn modelId="{3F789107-9931-4231-AD1D-89D603975B66}" srcId="{6B437A72-0934-4C24-825C-BF232426D980}" destId="{B0153280-07EB-40BA-984B-ADB15C1F4B6A}" srcOrd="2" destOrd="0" parTransId="{9ED8EC30-B815-4386-82B2-7682A798DAE0}" sibTransId="{5AC956D2-9018-4A13-813D-70FF955E1CCA}"/>
-    <dgm:cxn modelId="{BCD1332E-B6B3-4706-BA00-2DA3CD6F0DAB}" srcId="{B0153280-07EB-40BA-984B-ADB15C1F4B6A}" destId="{F9E8E87B-FD91-418C-A663-54D914016F5C}" srcOrd="0" destOrd="0" parTransId="{C6D78893-BE6C-4B2F-A4A5-F8565EB7D1B3}" sibTransId="{3A8FA43F-7B26-4D7E-BF31-21522E266DE8}"/>
-    <dgm:cxn modelId="{4087BA32-0E7C-4688-B715-855F430445E1}" type="presOf" srcId="{718B5F25-A647-4166-AC48-9ABDCD322C30}" destId="{9ADC97C6-CC20-458E-A390-DDE0765A16BB}" srcOrd="0" destOrd="0" presId="urn:microsoft.com/office/officeart/2005/8/layout/list1"/>
-    <dgm:cxn modelId="{1505BBD6-3AB0-4DFD-9879-399C0D86C44D}" type="presOf" srcId="{1AB065B4-F95D-4170-8DF3-2696E993B48D}" destId="{CC799511-CE32-4515-832F-1D53852E47D9}" srcOrd="1" destOrd="0" presId="urn:microsoft.com/office/officeart/2005/8/layout/list1"/>
-    <dgm:cxn modelId="{BEEF296F-F88F-4B80-B1AC-C4B69FB45CA9}" type="presOf" srcId="{718B5F25-A647-4166-AC48-9ABDCD322C30}" destId="{7236E7CB-C2BD-4E29-AD5D-331DF3B6F50C}" srcOrd="1" destOrd="0" presId="urn:microsoft.com/office/officeart/2005/8/layout/list1"/>
-    <dgm:cxn modelId="{744C7DD7-EBB8-4E95-82FD-7BE92BBB1D1A}" type="presOf" srcId="{1BD5F2D6-F967-4157-8BA9-411C34AEE9B5}" destId="{73005CFC-C43F-4ED1-A76A-85B6744DF6A6}" srcOrd="0" destOrd="0" presId="urn:microsoft.com/office/officeart/2005/8/layout/list1"/>
-    <dgm:cxn modelId="{8EFC9A7F-BF70-4752-85A3-941DC6C7B4CC}" type="presOf" srcId="{1AB065B4-F95D-4170-8DF3-2696E993B48D}" destId="{4CA4EF23-3538-471D-AF13-AD7E603F5BDF}" srcOrd="0" destOrd="0" presId="urn:microsoft.com/office/officeart/2005/8/layout/list1"/>
-    <dgm:cxn modelId="{8D37DC63-F2D3-41F1-8D92-949EEE8E5065}" srcId="{6B437A72-0934-4C24-825C-BF232426D980}" destId="{718B5F25-A647-4166-AC48-9ABDCD322C30}" srcOrd="3" destOrd="0" parTransId="{2D3B3DF5-67F1-4313-9110-2062ABD318C1}" sibTransId="{9FEA9859-90C0-469D-9C59-B80B83CBFB9C}"/>
-    <dgm:cxn modelId="{A36DC082-4968-406B-BE7F-C584971AE080}" type="presOf" srcId="{B0153280-07EB-40BA-984B-ADB15C1F4B6A}" destId="{AD088BCA-7BFA-43B2-A273-63A40A848524}" srcOrd="0" destOrd="0" presId="urn:microsoft.com/office/officeart/2005/8/layout/list1"/>
-    <dgm:cxn modelId="{D51686A1-BE74-4DBB-8D40-FC8EA84C87A6}" type="presOf" srcId="{4D04B307-9954-4A45-8CF4-DC4A795A8570}" destId="{1E426CEE-3F3F-402B-8142-05FF609ADF90}" srcOrd="1" destOrd="0" presId="urn:microsoft.com/office/officeart/2005/8/layout/list1"/>
     <dgm:cxn modelId="{36F00F5F-E645-4846-AEEC-1470EE3E71D4}" type="presParOf" srcId="{36771C4B-EDEC-4DE0-A54F-74287CC7F200}" destId="{D8F56B20-1835-4BCC-923C-FCD232321775}" srcOrd="0" destOrd="0" presId="urn:microsoft.com/office/officeart/2005/8/layout/list1"/>
     <dgm:cxn modelId="{C511D525-4AAD-4F04-BE8C-20A0CCCF9DF2}" type="presParOf" srcId="{D8F56B20-1835-4BCC-923C-FCD232321775}" destId="{4CA4EF23-3538-471D-AF13-AD7E603F5BDF}" srcOrd="0" destOrd="0" presId="urn:microsoft.com/office/officeart/2005/8/layout/list1"/>
     <dgm:cxn modelId="{C89D917E-F094-4AE7-BD1B-89038DBA6332}" type="presParOf" srcId="{D8F56B20-1835-4BCC-923C-FCD232321775}" destId="{CC799511-CE32-4515-832F-1D53852E47D9}" srcOrd="1" destOrd="0" presId="urn:microsoft.com/office/officeart/2005/8/layout/list1"/>
@@ -17555,7 +17617,7 @@
           <a:p>
             <a:fld id="{3100DFEF-34F8-4D62-B8FA-A517A4CBCF74}" type="datetimeFigureOut">
               <a:rPr lang="en-US" smtClean="0"/>
-              <a:t>3/31/2016</a:t>
+              <a:t>4/1/2016</a:t>
             </a:fld>
             <a:endParaRPr lang="en-US"/>
           </a:p>
@@ -19725,7 +19787,7 @@
             <a:fld id="{1D8BD707-D9CF-40AE-B4C6-C98DA3205C09}" type="datetimeFigureOut">
               <a:rPr lang="en-US" smtClean="0"/>
               <a:pPr/>
-              <a:t>3/31/2016</a:t>
+              <a:t>4/1/2016</a:t>
             </a:fld>
             <a:endParaRPr lang="en-US"/>
           </a:p>
@@ -19908,7 +19970,7 @@
             <a:fld id="{1D8BD707-D9CF-40AE-B4C6-C98DA3205C09}" type="datetimeFigureOut">
               <a:rPr lang="en-US" smtClean="0"/>
               <a:pPr/>
-              <a:t>3/31/2016</a:t>
+              <a:t>4/1/2016</a:t>
             </a:fld>
             <a:endParaRPr lang="en-US"/>
           </a:p>
@@ -20061,7 +20123,7 @@
             <a:fld id="{1D8BD707-D9CF-40AE-B4C6-C98DA3205C09}" type="datetimeFigureOut">
               <a:rPr lang="en-US" smtClean="0"/>
               <a:pPr/>
-              <a:t>3/31/2016</a:t>
+              <a:t>4/1/2016</a:t>
             </a:fld>
             <a:endParaRPr lang="en-US"/>
           </a:p>
@@ -21889,7 +21951,7 @@
             <a:fld id="{1D8BD707-D9CF-40AE-B4C6-C98DA3205C09}" type="datetimeFigureOut">
               <a:rPr lang="en-US" smtClean="0"/>
               <a:pPr/>
-              <a:t>3/31/2016</a:t>
+              <a:t>4/1/2016</a:t>
             </a:fld>
             <a:endParaRPr lang="en-US"/>
           </a:p>
@@ -23761,7 +23823,7 @@
             <a:fld id="{1D8BD707-D9CF-40AE-B4C6-C98DA3205C09}" type="datetimeFigureOut">
               <a:rPr lang="en-US" smtClean="0"/>
               <a:pPr/>
-              <a:t>3/31/2016</a:t>
+              <a:t>4/1/2016</a:t>
             </a:fld>
             <a:endParaRPr lang="en-US"/>
           </a:p>
@@ -23876,7 +23938,7 @@
             <a:fld id="{1D8BD707-D9CF-40AE-B4C6-C98DA3205C09}" type="datetimeFigureOut">
               <a:rPr lang="en-US" smtClean="0"/>
               <a:pPr/>
-              <a:t>3/31/2016</a:t>
+              <a:t>4/1/2016</a:t>
             </a:fld>
             <a:endParaRPr lang="en-US"/>
           </a:p>
@@ -24419,7 +24481,7 @@
             <a:fld id="{1D8BD707-D9CF-40AE-B4C6-C98DA3205C09}" type="datetimeFigureOut">
               <a:rPr lang="en-US" smtClean="0"/>
               <a:pPr/>
-              <a:t>3/31/2016</a:t>
+              <a:t>4/1/2016</a:t>
             </a:fld>
             <a:endParaRPr lang="en-US"/>
           </a:p>
@@ -24534,7 +24596,7 @@
             <a:fld id="{1D8BD707-D9CF-40AE-B4C6-C98DA3205C09}" type="datetimeFigureOut">
               <a:rPr lang="en-US" smtClean="0"/>
               <a:pPr/>
-              <a:t>3/31/2016</a:t>
+              <a:t>4/1/2016</a:t>
             </a:fld>
             <a:endParaRPr lang="en-US"/>
           </a:p>
@@ -26247,7 +26309,7 @@
             <a:fld id="{1D8BD707-D9CF-40AE-B4C6-C98DA3205C09}" type="datetimeFigureOut">
               <a:rPr lang="en-US" smtClean="0"/>
               <a:pPr/>
-              <a:t>3/31/2016</a:t>
+              <a:t>4/1/2016</a:t>
             </a:fld>
             <a:endParaRPr lang="en-US"/>
           </a:p>
@@ -26400,7 +26462,7 @@
             <a:fld id="{1D8BD707-D9CF-40AE-B4C6-C98DA3205C09}" type="datetimeFigureOut">
               <a:rPr lang="en-US" smtClean="0"/>
               <a:pPr/>
-              <a:t>3/31/2016</a:t>
+              <a:t>4/1/2016</a:t>
             </a:fld>
             <a:endParaRPr lang="en-US"/>
           </a:p>
@@ -30017,7 +30079,7 @@
             <a:fld id="{1D8BD707-D9CF-40AE-B4C6-C98DA3205C09}" type="datetimeFigureOut">
               <a:rPr lang="en-US" smtClean="0"/>
               <a:pPr/>
-              <a:t>3/31/2016</a:t>
+              <a:t>4/1/2016</a:t>
             </a:fld>
             <a:endParaRPr lang="en-US"/>
           </a:p>
@@ -31878,7 +31940,7 @@
             <a:fld id="{1D8BD707-D9CF-40AE-B4C6-C98DA3205C09}" type="datetimeFigureOut">
               <a:rPr lang="en-US" smtClean="0"/>
               <a:pPr/>
-              <a:t>3/31/2016</a:t>
+              <a:t>4/1/2016</a:t>
             </a:fld>
             <a:endParaRPr lang="en-US"/>
           </a:p>
@@ -33887,487 +33949,6 @@
             <p:ph type="title"/>
           </p:nvPr>
         </p:nvSpPr>
-        <p:spPr>
-          <a:xfrm>
-            <a:off x="457200" y="253746"/>
-            <a:ext cx="8229600" cy="717804"/>
-          </a:xfrm>
-        </p:spPr>
-        <p:txBody>
-          <a:bodyPr>
-            <a:normAutofit fontScale="90000"/>
-          </a:bodyPr>
-          <a:lstStyle/>
-          <a:p>
-            <a:r>
-              <a:rPr lang="en-US" dirty="0"/>
-              <a:t>HIỆN THỰC HỆ THỐNG</a:t>
-            </a:r>
-          </a:p>
-        </p:txBody>
-      </p:sp>
-      <p:pic>
-        <p:nvPicPr>
-          <p:cNvPr id="6" name="Picture 5"/>
-          <p:cNvPicPr>
-            <a:picLocks noChangeAspect="1"/>
-          </p:cNvPicPr>
-          <p:nvPr/>
-        </p:nvPicPr>
-        <p:blipFill>
-          <a:blip r:embed="rId2">
-            <a:extLst>
-              <a:ext uri="{28A0092B-C50C-407E-A947-70E740481C1C}">
-                <a14:useLocalDpi xmlns:a14="http://schemas.microsoft.com/office/drawing/2010/main" val="0"/>
-              </a:ext>
-            </a:extLst>
-          </a:blip>
-          <a:stretch>
-            <a:fillRect/>
-          </a:stretch>
-        </p:blipFill>
-        <p:spPr>
-          <a:xfrm>
-            <a:off x="3657600" y="1123950"/>
-            <a:ext cx="1397000" cy="1047750"/>
-          </a:xfrm>
-          <a:prstGeom prst="rect">
-            <a:avLst/>
-          </a:prstGeom>
-        </p:spPr>
-      </p:pic>
-      <p:pic>
-        <p:nvPicPr>
-          <p:cNvPr id="20" name="Picture 2" descr="http://zizaza.com/cache/icon_256/iconset/579477/579484/PNG/512/taxi/driver_taxi_taxi_driver.png"/>
-          <p:cNvPicPr>
-            <a:picLocks noChangeAspect="1" noChangeArrowheads="1"/>
-          </p:cNvPicPr>
-          <p:nvPr/>
-        </p:nvPicPr>
-        <p:blipFill>
-          <a:blip r:embed="rId3">
-            <a:extLst>
-              <a:ext uri="{28A0092B-C50C-407E-A947-70E740481C1C}">
-                <a14:useLocalDpi xmlns:a14="http://schemas.microsoft.com/office/drawing/2010/main" val="0"/>
-              </a:ext>
-            </a:extLst>
-          </a:blip>
-          <a:srcRect/>
-          <a:stretch>
-            <a:fillRect/>
-          </a:stretch>
-        </p:blipFill>
-        <p:spPr bwMode="auto">
-          <a:xfrm>
-            <a:off x="304800" y="3486150"/>
-            <a:ext cx="1219200" cy="1219201"/>
-          </a:xfrm>
-          <a:prstGeom prst="rect">
-            <a:avLst/>
-          </a:prstGeom>
-          <a:noFill/>
-          <a:extLst>
-            <a:ext uri="{909E8E84-426E-40DD-AFC4-6F175D3DCCD1}">
-              <a14:hiddenFill xmlns:a14="http://schemas.microsoft.com/office/drawing/2010/main">
-                <a:solidFill>
-                  <a:srgbClr val="FFFFFF"/>
-                </a:solidFill>
-              </a14:hiddenFill>
-            </a:ext>
-          </a:extLst>
-        </p:spPr>
-      </p:pic>
-      <p:pic>
-        <p:nvPicPr>
-          <p:cNvPr id="21" name="Picture 4" descr="http://graphichive.net/uploaded/fordesigner/1313309281.jpg"/>
-          <p:cNvPicPr>
-            <a:picLocks noChangeAspect="1" noChangeArrowheads="1"/>
-          </p:cNvPicPr>
-          <p:nvPr/>
-        </p:nvPicPr>
-        <p:blipFill>
-          <a:blip r:embed="rId4" cstate="print">
-            <a:extLst>
-              <a:ext uri="{28A0092B-C50C-407E-A947-70E740481C1C}">
-                <a14:useLocalDpi xmlns:a14="http://schemas.microsoft.com/office/drawing/2010/main" val="0"/>
-              </a:ext>
-            </a:extLst>
-          </a:blip>
-          <a:srcRect/>
-          <a:stretch>
-            <a:fillRect/>
-          </a:stretch>
-        </p:blipFill>
-        <p:spPr bwMode="auto">
-          <a:xfrm>
-            <a:off x="914400" y="4022725"/>
-            <a:ext cx="975767" cy="975768"/>
-          </a:xfrm>
-          <a:prstGeom prst="rect">
-            <a:avLst/>
-          </a:prstGeom>
-          <a:noFill/>
-          <a:extLst>
-            <a:ext uri="{909E8E84-426E-40DD-AFC4-6F175D3DCCD1}">
-              <a14:hiddenFill xmlns:a14="http://schemas.microsoft.com/office/drawing/2010/main">
-                <a:solidFill>
-                  <a:srgbClr val="FFFFFF"/>
-                </a:solidFill>
-              </a14:hiddenFill>
-            </a:ext>
-          </a:extLst>
-        </p:spPr>
-      </p:pic>
-      <p:pic>
-        <p:nvPicPr>
-          <p:cNvPr id="4098" name="Picture 2" descr="http://www.solamac.com/assets/images/employee.png"/>
-          <p:cNvPicPr>
-            <a:picLocks noChangeAspect="1" noChangeArrowheads="1"/>
-          </p:cNvPicPr>
-          <p:nvPr/>
-        </p:nvPicPr>
-        <p:blipFill>
-          <a:blip r:embed="rId5" cstate="print">
-            <a:extLst>
-              <a:ext uri="{28A0092B-C50C-407E-A947-70E740481C1C}">
-                <a14:useLocalDpi xmlns:a14="http://schemas.microsoft.com/office/drawing/2010/main" val="0"/>
-              </a:ext>
-            </a:extLst>
-          </a:blip>
-          <a:srcRect/>
-          <a:stretch>
-            <a:fillRect/>
-          </a:stretch>
-        </p:blipFill>
-        <p:spPr bwMode="auto">
-          <a:xfrm>
-            <a:off x="1922391" y="2343150"/>
-            <a:ext cx="1270000" cy="1270000"/>
-          </a:xfrm>
-          <a:prstGeom prst="rect">
-            <a:avLst/>
-          </a:prstGeom>
-          <a:noFill/>
-          <a:extLst>
-            <a:ext uri="{909E8E84-426E-40DD-AFC4-6F175D3DCCD1}">
-              <a14:hiddenFill xmlns:a14="http://schemas.microsoft.com/office/drawing/2010/main">
-                <a:solidFill>
-                  <a:srgbClr val="FFFFFF"/>
-                </a:solidFill>
-              </a14:hiddenFill>
-            </a:ext>
-          </a:extLst>
-        </p:spPr>
-      </p:pic>
-      <p:pic>
-        <p:nvPicPr>
-          <p:cNvPr id="22" name="Picture 2" descr="http://www.solamac.com/assets/images/employee.png"/>
-          <p:cNvPicPr>
-            <a:picLocks noChangeAspect="1" noChangeArrowheads="1"/>
-          </p:cNvPicPr>
-          <p:nvPr/>
-        </p:nvPicPr>
-        <p:blipFill>
-          <a:blip r:embed="rId5" cstate="print">
-            <a:extLst>
-              <a:ext uri="{28A0092B-C50C-407E-A947-70E740481C1C}">
-                <a14:useLocalDpi xmlns:a14="http://schemas.microsoft.com/office/drawing/2010/main" val="0"/>
-              </a:ext>
-            </a:extLst>
-          </a:blip>
-          <a:srcRect/>
-          <a:stretch>
-            <a:fillRect/>
-          </a:stretch>
-        </p:blipFill>
-        <p:spPr bwMode="auto">
-          <a:xfrm>
-            <a:off x="5334000" y="2343150"/>
-            <a:ext cx="1270000" cy="1270000"/>
-          </a:xfrm>
-          <a:prstGeom prst="rect">
-            <a:avLst/>
-          </a:prstGeom>
-          <a:noFill/>
-          <a:extLst>
-            <a:ext uri="{909E8E84-426E-40DD-AFC4-6F175D3DCCD1}">
-              <a14:hiddenFill xmlns:a14="http://schemas.microsoft.com/office/drawing/2010/main">
-                <a:solidFill>
-                  <a:srgbClr val="FFFFFF"/>
-                </a:solidFill>
-              </a14:hiddenFill>
-            </a:ext>
-          </a:extLst>
-        </p:spPr>
-      </p:pic>
-      <p:pic>
-        <p:nvPicPr>
-          <p:cNvPr id="4102" name="Picture 6" descr="http://www.iconshock.com/img_jpg/XMac/business/jpg/256/graphic_report_icon.jpg"/>
-          <p:cNvPicPr>
-            <a:picLocks noChangeAspect="1" noChangeArrowheads="1"/>
-          </p:cNvPicPr>
-          <p:nvPr/>
-        </p:nvPicPr>
-        <p:blipFill>
-          <a:blip r:embed="rId6">
-            <a:extLst>
-              <a:ext uri="{28A0092B-C50C-407E-A947-70E740481C1C}">
-                <a14:useLocalDpi xmlns:a14="http://schemas.microsoft.com/office/drawing/2010/main" val="0"/>
-              </a:ext>
-            </a:extLst>
-          </a:blip>
-          <a:srcRect/>
-          <a:stretch>
-            <a:fillRect/>
-          </a:stretch>
-        </p:blipFill>
-        <p:spPr bwMode="auto">
-          <a:xfrm>
-            <a:off x="7162800" y="3635007"/>
-            <a:ext cx="1281363" cy="1281364"/>
-          </a:xfrm>
-          <a:prstGeom prst="rect">
-            <a:avLst/>
-          </a:prstGeom>
-          <a:noFill/>
-          <a:extLst>
-            <a:ext uri="{909E8E84-426E-40DD-AFC4-6F175D3DCCD1}">
-              <a14:hiddenFill xmlns:a14="http://schemas.microsoft.com/office/drawing/2010/main">
-                <a:solidFill>
-                  <a:srgbClr val="FFFFFF"/>
-                </a:solidFill>
-              </a14:hiddenFill>
-            </a:ext>
-          </a:extLst>
-        </p:spPr>
-      </p:pic>
-      <p:cxnSp>
-        <p:nvCxnSpPr>
-          <p:cNvPr id="5" name="Curved Connector 4"/>
-          <p:cNvCxnSpPr>
-            <a:stCxn id="20" idx="0"/>
-            <a:endCxn id="4098" idx="1"/>
-          </p:cNvCxnSpPr>
-          <p:nvPr/>
-        </p:nvCxnSpPr>
-        <p:spPr>
-          <a:xfrm rot="5400000" flipH="1" flipV="1">
-            <a:off x="1164395" y="2728155"/>
-            <a:ext cx="508000" cy="1007991"/>
-          </a:xfrm>
-          <a:prstGeom prst="curvedConnector2">
-            <a:avLst/>
-          </a:prstGeom>
-          <a:ln w="25400" cmpd="sng">
-            <a:tailEnd type="stealth" w="lg" len="lg"/>
-          </a:ln>
-        </p:spPr>
-        <p:style>
-          <a:lnRef idx="1">
-            <a:schemeClr val="accent1"/>
-          </a:lnRef>
-          <a:fillRef idx="0">
-            <a:schemeClr val="accent1"/>
-          </a:fillRef>
-          <a:effectRef idx="0">
-            <a:schemeClr val="accent1"/>
-          </a:effectRef>
-          <a:fontRef idx="minor">
-            <a:schemeClr val="tx1"/>
-          </a:fontRef>
-        </p:style>
-      </p:cxnSp>
-      <p:cxnSp>
-        <p:nvCxnSpPr>
-          <p:cNvPr id="9" name="Curved Connector 8"/>
-          <p:cNvCxnSpPr>
-            <a:stCxn id="4098" idx="0"/>
-            <a:endCxn id="6" idx="1"/>
-          </p:cNvCxnSpPr>
-          <p:nvPr/>
-        </p:nvCxnSpPr>
-        <p:spPr>
-          <a:xfrm rot="5400000" flipH="1" flipV="1">
-            <a:off x="2759833" y="1445384"/>
-            <a:ext cx="695325" cy="1100209"/>
-          </a:xfrm>
-          <a:prstGeom prst="curvedConnector2">
-            <a:avLst/>
-          </a:prstGeom>
-          <a:ln w="25400" cmpd="sng">
-            <a:tailEnd type="stealth" w="lg" len="lg"/>
-          </a:ln>
-        </p:spPr>
-        <p:style>
-          <a:lnRef idx="1">
-            <a:schemeClr val="accent1"/>
-          </a:lnRef>
-          <a:fillRef idx="0">
-            <a:schemeClr val="accent1"/>
-          </a:fillRef>
-          <a:effectRef idx="0">
-            <a:schemeClr val="accent1"/>
-          </a:effectRef>
-          <a:fontRef idx="minor">
-            <a:schemeClr val="tx1"/>
-          </a:fontRef>
-        </p:style>
-      </p:cxnSp>
-      <p:cxnSp>
-        <p:nvCxnSpPr>
-          <p:cNvPr id="11" name="Curved Connector 10"/>
-          <p:cNvCxnSpPr>
-            <a:stCxn id="6" idx="3"/>
-            <a:endCxn id="22" idx="0"/>
-          </p:cNvCxnSpPr>
-          <p:nvPr/>
-        </p:nvCxnSpPr>
-        <p:spPr>
-          <a:xfrm>
-            <a:off x="5054600" y="1647825"/>
-            <a:ext cx="914400" cy="695325"/>
-          </a:xfrm>
-          <a:prstGeom prst="curvedConnector2">
-            <a:avLst/>
-          </a:prstGeom>
-          <a:ln w="25400" cmpd="sng">
-            <a:tailEnd type="stealth" w="lg" len="lg"/>
-          </a:ln>
-        </p:spPr>
-        <p:style>
-          <a:lnRef idx="1">
-            <a:schemeClr val="accent1"/>
-          </a:lnRef>
-          <a:fillRef idx="0">
-            <a:schemeClr val="accent1"/>
-          </a:fillRef>
-          <a:effectRef idx="0">
-            <a:schemeClr val="accent1"/>
-          </a:effectRef>
-          <a:fontRef idx="minor">
-            <a:schemeClr val="tx1"/>
-          </a:fontRef>
-        </p:style>
-      </p:cxnSp>
-      <p:cxnSp>
-        <p:nvCxnSpPr>
-          <p:cNvPr id="13" name="Curved Connector 12"/>
-          <p:cNvCxnSpPr>
-            <a:stCxn id="22" idx="1"/>
-            <a:endCxn id="6" idx="2"/>
-          </p:cNvCxnSpPr>
-          <p:nvPr/>
-        </p:nvCxnSpPr>
-        <p:spPr>
-          <a:xfrm rot="10800000">
-            <a:off x="4356100" y="2171700"/>
-            <a:ext cx="977900" cy="806450"/>
-          </a:xfrm>
-          <a:prstGeom prst="curvedConnector2">
-            <a:avLst/>
-          </a:prstGeom>
-          <a:ln w="25400" cmpd="sng">
-            <a:tailEnd type="stealth" w="lg" len="lg"/>
-          </a:ln>
-        </p:spPr>
-        <p:style>
-          <a:lnRef idx="1">
-            <a:schemeClr val="accent1"/>
-          </a:lnRef>
-          <a:fillRef idx="0">
-            <a:schemeClr val="accent1"/>
-          </a:fillRef>
-          <a:effectRef idx="0">
-            <a:schemeClr val="accent1"/>
-          </a:effectRef>
-          <a:fontRef idx="minor">
-            <a:schemeClr val="tx1"/>
-          </a:fontRef>
-        </p:style>
-      </p:cxnSp>
-      <p:cxnSp>
-        <p:nvCxnSpPr>
-          <p:cNvPr id="15" name="Curved Connector 14"/>
-          <p:cNvCxnSpPr>
-            <a:stCxn id="22" idx="3"/>
-            <a:endCxn id="4102" idx="0"/>
-          </p:cNvCxnSpPr>
-          <p:nvPr/>
-        </p:nvCxnSpPr>
-        <p:spPr>
-          <a:xfrm>
-            <a:off x="6604000" y="2978150"/>
-            <a:ext cx="1199482" cy="656857"/>
-          </a:xfrm>
-          <a:prstGeom prst="curvedConnector2">
-            <a:avLst/>
-          </a:prstGeom>
-          <a:ln w="25400" cmpd="sng">
-            <a:tailEnd type="stealth" w="lg" len="lg"/>
-          </a:ln>
-        </p:spPr>
-        <p:style>
-          <a:lnRef idx="1">
-            <a:schemeClr val="accent1"/>
-          </a:lnRef>
-          <a:fillRef idx="0">
-            <a:schemeClr val="accent1"/>
-          </a:fillRef>
-          <a:effectRef idx="0">
-            <a:schemeClr val="accent1"/>
-          </a:effectRef>
-          <a:fontRef idx="minor">
-            <a:schemeClr val="tx1"/>
-          </a:fontRef>
-        </p:style>
-      </p:cxnSp>
-    </p:spTree>
-    <p:extLst>
-      <p:ext uri="{BB962C8B-B14F-4D97-AF65-F5344CB8AC3E}">
-        <p14:creationId xmlns:p14="http://schemas.microsoft.com/office/powerpoint/2010/main" val="744826468"/>
-      </p:ext>
-    </p:extLst>
-  </p:cSld>
-  <p:clrMapOvr>
-    <a:masterClrMapping/>
-  </p:clrMapOvr>
-  <p:timing>
-    <p:tnLst>
-      <p:par>
-        <p:cTn id="1" dur="indefinite" restart="never" nodeType="tmRoot"/>
-      </p:par>
-    </p:tnLst>
-  </p:timing>
-</p:sld>
-</file>
-
-<file path=ppt/slides/slide15.xml><?xml version="1.0" encoding="utf-8"?>
-<p:sld xmlns:a="http://schemas.openxmlformats.org/drawingml/2006/main" xmlns:r="http://schemas.openxmlformats.org/officeDocument/2006/relationships" xmlns:p="http://schemas.openxmlformats.org/presentationml/2006/main">
-  <p:cSld>
-    <p:spTree>
-      <p:nvGrpSpPr>
-        <p:cNvPr id="1" name=""/>
-        <p:cNvGrpSpPr/>
-        <p:nvPr/>
-      </p:nvGrpSpPr>
-      <p:grpSpPr>
-        <a:xfrm>
-          <a:off x="0" y="0"/>
-          <a:ext cx="0" cy="0"/>
-          <a:chOff x="0" y="0"/>
-          <a:chExt cx="0" cy="0"/>
-        </a:xfrm>
-      </p:grpSpPr>
-      <p:sp>
-        <p:nvSpPr>
-          <p:cNvPr id="3" name="Title 2"/>
-          <p:cNvSpPr>
-            <a:spLocks noGrp="1"/>
-          </p:cNvSpPr>
-          <p:nvPr>
-            <p:ph type="title"/>
-          </p:nvPr>
-        </p:nvSpPr>
         <p:spPr/>
         <p:txBody>
           <a:bodyPr/>
@@ -34487,7 +34068,7 @@
 </p:sld>
 </file>
 
-<file path=ppt/slides/slide16.xml><?xml version="1.0" encoding="utf-8"?>
+<file path=ppt/slides/slide15.xml><?xml version="1.0" encoding="utf-8"?>
 <p:sld xmlns:a="http://schemas.openxmlformats.org/drawingml/2006/main" xmlns:r="http://schemas.openxmlformats.org/officeDocument/2006/relationships" xmlns:p="http://schemas.openxmlformats.org/presentationml/2006/main">
   <p:cSld>
     <p:spTree>
@@ -34576,7 +34157,7 @@
 </p:sld>
 </file>
 
-<file path=ppt/slides/slide17.xml><?xml version="1.0" encoding="utf-8"?>
+<file path=ppt/slides/slide16.xml><?xml version="1.0" encoding="utf-8"?>
 <p:sld xmlns:a="http://schemas.openxmlformats.org/drawingml/2006/main" xmlns:r="http://schemas.openxmlformats.org/officeDocument/2006/relationships" xmlns:p="http://schemas.openxmlformats.org/presentationml/2006/main">
   <p:cSld>
     <p:spTree>
@@ -34616,39 +34197,645 @@
           </a:p>
         </p:txBody>
       </p:sp>
-      <p:sp>
-        <p:nvSpPr>
-          <p:cNvPr id="4" name="TextBox 3"/>
-          <p:cNvSpPr txBox="1"/>
+      <p:pic>
+        <p:nvPicPr>
+          <p:cNvPr id="2" name="Picture 1"/>
+          <p:cNvPicPr>
+            <a:picLocks noChangeAspect="1"/>
+          </p:cNvPicPr>
           <p:nvPr/>
-        </p:nvSpPr>
+        </p:nvPicPr>
+        <p:blipFill>
+          <a:blip r:embed="rId2">
+            <a:extLst>
+              <a:ext uri="{28A0092B-C50C-407E-A947-70E740481C1C}">
+                <a14:useLocalDpi xmlns:a14="http://schemas.microsoft.com/office/drawing/2010/main" val="0"/>
+              </a:ext>
+            </a:extLst>
+          </a:blip>
+          <a:stretch>
+            <a:fillRect/>
+          </a:stretch>
+        </p:blipFill>
         <p:spPr>
           <a:xfrm>
-            <a:off x="2362200" y="2800350"/>
-            <a:ext cx="2754280" cy="369332"/>
+            <a:off x="304800" y="1123950"/>
+            <a:ext cx="3668327" cy="4019550"/>
           </a:xfrm>
           <a:prstGeom prst="rect">
             <a:avLst/>
           </a:prstGeom>
-          <a:noFill/>
         </p:spPr>
-        <p:txBody>
-          <a:bodyPr wrap="none" rtlCol="0">
-            <a:spAutoFit/>
-          </a:bodyPr>
-          <a:lstStyle/>
-          <a:p>
-            <a:r>
-              <a:rPr lang="en-US" i="1" dirty="0" smtClean="0"/>
-              <a:t>THÊM HÌNH ẢNH MÌNH HỌA</a:t>
-            </a:r>
-          </a:p>
-        </p:txBody>
-      </p:sp>
+      </p:pic>
+      <p:grpSp>
+        <p:nvGrpSpPr>
+          <p:cNvPr id="8" name="Group 7"/>
+          <p:cNvGrpSpPr/>
+          <p:nvPr/>
+        </p:nvGrpSpPr>
+        <p:grpSpPr>
+          <a:xfrm>
+            <a:off x="4191000" y="1955346"/>
+            <a:ext cx="4648200" cy="467775"/>
+            <a:chOff x="0" y="210502"/>
+            <a:chExt cx="4648200" cy="467775"/>
+          </a:xfrm>
+        </p:grpSpPr>
+        <p:sp>
+          <p:nvSpPr>
+            <p:cNvPr id="12" name="Rectangle 11"/>
+            <p:cNvSpPr/>
+            <p:nvPr/>
+          </p:nvSpPr>
+          <p:spPr>
+            <a:xfrm>
+              <a:off x="0" y="210502"/>
+              <a:ext cx="4648200" cy="467775"/>
+            </a:xfrm>
+            <a:prstGeom prst="rect">
+              <a:avLst/>
+            </a:prstGeom>
+          </p:spPr>
+          <p:style>
+            <a:lnRef idx="1">
+              <a:schemeClr val="accent1">
+                <a:hueOff val="0"/>
+                <a:satOff val="0"/>
+                <a:lumOff val="0"/>
+                <a:alphaOff val="0"/>
+              </a:schemeClr>
+            </a:lnRef>
+            <a:fillRef idx="1">
+              <a:schemeClr val="lt1">
+                <a:alpha val="90000"/>
+                <a:hueOff val="0"/>
+                <a:satOff val="0"/>
+                <a:lumOff val="0"/>
+                <a:alphaOff val="0"/>
+              </a:schemeClr>
+            </a:fillRef>
+            <a:effectRef idx="2">
+              <a:schemeClr val="lt1">
+                <a:alpha val="90000"/>
+                <a:hueOff val="0"/>
+                <a:satOff val="0"/>
+                <a:lumOff val="0"/>
+                <a:alphaOff val="0"/>
+              </a:schemeClr>
+            </a:effectRef>
+            <a:fontRef idx="minor">
+              <a:schemeClr val="dk1">
+                <a:hueOff val="0"/>
+                <a:satOff val="0"/>
+                <a:lumOff val="0"/>
+                <a:alphaOff val="0"/>
+              </a:schemeClr>
+            </a:fontRef>
+          </p:style>
+        </p:sp>
+        <p:sp>
+          <p:nvSpPr>
+            <p:cNvPr id="13" name="Rectangle 12"/>
+            <p:cNvSpPr/>
+            <p:nvPr/>
+          </p:nvSpPr>
+          <p:spPr>
+            <a:xfrm>
+              <a:off x="0" y="210502"/>
+              <a:ext cx="4648200" cy="467775"/>
+            </a:xfrm>
+            <a:prstGeom prst="rect">
+              <a:avLst/>
+            </a:prstGeom>
+          </p:spPr>
+          <p:style>
+            <a:lnRef idx="0">
+              <a:scrgbClr r="0" g="0" b="0"/>
+            </a:lnRef>
+            <a:fillRef idx="0">
+              <a:scrgbClr r="0" g="0" b="0"/>
+            </a:fillRef>
+            <a:effectRef idx="0">
+              <a:scrgbClr r="0" g="0" b="0"/>
+            </a:effectRef>
+            <a:fontRef idx="minor">
+              <a:schemeClr val="dk1">
+                <a:hueOff val="0"/>
+                <a:satOff val="0"/>
+                <a:lumOff val="0"/>
+                <a:alphaOff val="0"/>
+              </a:schemeClr>
+            </a:fontRef>
+          </p:style>
+          <p:txBody>
+            <a:bodyPr spcFirstLastPara="0" vert="horz" wrap="square" lIns="360752" tIns="187452" rIns="360752" bIns="92456" numCol="1" spcCol="1270" anchor="t" anchorCtr="0">
+              <a:noAutofit/>
+            </a:bodyPr>
+            <a:lstStyle/>
+            <a:p>
+              <a:pPr marL="114300" lvl="1" indent="-114300" algn="l" defTabSz="577850">
+                <a:lnSpc>
+                  <a:spcPct val="90000"/>
+                </a:lnSpc>
+                <a:spcBef>
+                  <a:spcPct val="0"/>
+                </a:spcBef>
+                <a:spcAft>
+                  <a:spcPct val="15000"/>
+                </a:spcAft>
+                <a:buChar char="••"/>
+              </a:pPr>
+              <a:r>
+                <a:rPr lang="en-US" sz="1300" kern="1200" dirty="0" smtClean="0"/>
+                <a:t> </a:t>
+              </a:r>
+              <a:r>
+                <a:rPr lang="en-US" sz="1300" kern="1200" dirty="0" err="1" smtClean="0"/>
+                <a:t>Hiển</a:t>
+              </a:r>
+              <a:r>
+                <a:rPr lang="en-US" sz="1300" kern="1200" dirty="0" smtClean="0"/>
+                <a:t> </a:t>
+              </a:r>
+              <a:r>
+                <a:rPr lang="en-US" sz="1300" kern="1200" dirty="0" err="1" smtClean="0"/>
+                <a:t>thị</a:t>
+              </a:r>
+              <a:r>
+                <a:rPr lang="en-US" sz="1300" kern="1200" dirty="0" smtClean="0"/>
+                <a:t> </a:t>
+              </a:r>
+              <a:r>
+                <a:rPr lang="en-US" sz="1300" kern="1200" dirty="0" err="1" smtClean="0"/>
+                <a:t>Báo</a:t>
+              </a:r>
+              <a:r>
+                <a:rPr lang="en-US" sz="1300" kern="1200" dirty="0" smtClean="0"/>
+                <a:t> </a:t>
+              </a:r>
+              <a:r>
+                <a:rPr lang="en-US" sz="1300" kern="1200" dirty="0" err="1" smtClean="0"/>
+                <a:t>cáo</a:t>
+              </a:r>
+              <a:r>
+                <a:rPr lang="en-US" sz="1300" kern="1200" dirty="0" smtClean="0"/>
+                <a:t> </a:t>
+              </a:r>
+              <a:r>
+                <a:rPr lang="en-US" sz="1300" kern="1200" dirty="0" err="1" smtClean="0"/>
+                <a:t>thuộc</a:t>
+              </a:r>
+              <a:r>
+                <a:rPr lang="en-US" sz="1300" kern="1200" dirty="0" smtClean="0"/>
+                <a:t> </a:t>
+              </a:r>
+              <a:r>
+                <a:rPr lang="en-US" sz="1300" dirty="0" err="1"/>
+                <a:t>D</a:t>
+              </a:r>
+              <a:r>
+                <a:rPr lang="en-US" sz="1300" kern="1200" dirty="0" err="1" smtClean="0"/>
+                <a:t>ạng</a:t>
+              </a:r>
+              <a:r>
+                <a:rPr lang="en-US" sz="1300" kern="1200" dirty="0" smtClean="0"/>
+                <a:t> </a:t>
+              </a:r>
+              <a:r>
+                <a:rPr lang="en-US" sz="1300" kern="1200" dirty="0" err="1" smtClean="0"/>
+                <a:t>bảng</a:t>
+              </a:r>
+              <a:r>
+                <a:rPr lang="en-US" sz="1300" kern="1200" dirty="0" smtClean="0"/>
+                <a:t>.</a:t>
+              </a:r>
+              <a:endParaRPr lang="en-US" sz="1300" b="1" kern="1200" dirty="0" smtClean="0"/>
+            </a:p>
+          </p:txBody>
+        </p:sp>
+      </p:grpSp>
+      <p:grpSp>
+        <p:nvGrpSpPr>
+          <p:cNvPr id="9" name="Group 8"/>
+          <p:cNvGrpSpPr/>
+          <p:nvPr/>
+        </p:nvGrpSpPr>
+        <p:grpSpPr>
+          <a:xfrm>
+            <a:off x="4191000" y="2604561"/>
+            <a:ext cx="4648200" cy="467775"/>
+            <a:chOff x="0" y="859717"/>
+            <a:chExt cx="4648200" cy="467775"/>
+          </a:xfrm>
+        </p:grpSpPr>
+        <p:sp>
+          <p:nvSpPr>
+            <p:cNvPr id="10" name="Rectangle 9"/>
+            <p:cNvSpPr/>
+            <p:nvPr/>
+          </p:nvSpPr>
+          <p:spPr>
+            <a:xfrm>
+              <a:off x="0" y="859717"/>
+              <a:ext cx="4648200" cy="467775"/>
+            </a:xfrm>
+            <a:prstGeom prst="rect">
+              <a:avLst/>
+            </a:prstGeom>
+          </p:spPr>
+          <p:style>
+            <a:lnRef idx="1">
+              <a:schemeClr val="accent1">
+                <a:hueOff val="0"/>
+                <a:satOff val="0"/>
+                <a:lumOff val="0"/>
+                <a:alphaOff val="0"/>
+              </a:schemeClr>
+            </a:lnRef>
+            <a:fillRef idx="1">
+              <a:schemeClr val="lt1">
+                <a:alpha val="90000"/>
+                <a:hueOff val="0"/>
+                <a:satOff val="0"/>
+                <a:lumOff val="0"/>
+                <a:alphaOff val="0"/>
+              </a:schemeClr>
+            </a:fillRef>
+            <a:effectRef idx="2">
+              <a:schemeClr val="lt1">
+                <a:alpha val="90000"/>
+                <a:hueOff val="0"/>
+                <a:satOff val="0"/>
+                <a:lumOff val="0"/>
+                <a:alphaOff val="0"/>
+              </a:schemeClr>
+            </a:effectRef>
+            <a:fontRef idx="minor">
+              <a:schemeClr val="dk1">
+                <a:hueOff val="0"/>
+                <a:satOff val="0"/>
+                <a:lumOff val="0"/>
+                <a:alphaOff val="0"/>
+              </a:schemeClr>
+            </a:fontRef>
+          </p:style>
+        </p:sp>
+        <p:sp>
+          <p:nvSpPr>
+            <p:cNvPr id="11" name="Rectangle 10"/>
+            <p:cNvSpPr/>
+            <p:nvPr/>
+          </p:nvSpPr>
+          <p:spPr>
+            <a:xfrm>
+              <a:off x="0" y="859717"/>
+              <a:ext cx="4648200" cy="467775"/>
+            </a:xfrm>
+            <a:prstGeom prst="rect">
+              <a:avLst/>
+            </a:prstGeom>
+          </p:spPr>
+          <p:style>
+            <a:lnRef idx="0">
+              <a:scrgbClr r="0" g="0" b="0"/>
+            </a:lnRef>
+            <a:fillRef idx="0">
+              <a:scrgbClr r="0" g="0" b="0"/>
+            </a:fillRef>
+            <a:effectRef idx="0">
+              <a:scrgbClr r="0" g="0" b="0"/>
+            </a:effectRef>
+            <a:fontRef idx="minor">
+              <a:schemeClr val="dk1">
+                <a:hueOff val="0"/>
+                <a:satOff val="0"/>
+                <a:lumOff val="0"/>
+                <a:alphaOff val="0"/>
+              </a:schemeClr>
+            </a:fontRef>
+          </p:style>
+          <p:txBody>
+            <a:bodyPr spcFirstLastPara="0" vert="horz" wrap="square" lIns="360752" tIns="187452" rIns="360752" bIns="92456" numCol="1" spcCol="1270" anchor="t" anchorCtr="0">
+              <a:noAutofit/>
+            </a:bodyPr>
+            <a:lstStyle/>
+            <a:p>
+              <a:pPr marL="114300" lvl="1" indent="-114300" algn="l" defTabSz="577850">
+                <a:lnSpc>
+                  <a:spcPct val="90000"/>
+                </a:lnSpc>
+                <a:spcBef>
+                  <a:spcPct val="0"/>
+                </a:spcBef>
+                <a:spcAft>
+                  <a:spcPct val="15000"/>
+                </a:spcAft>
+                <a:buChar char="••"/>
+              </a:pPr>
+              <a:r>
+                <a:rPr lang="en-US" sz="1300" kern="1200" dirty="0" err="1" smtClean="0"/>
+                <a:t>Hiển</a:t>
+              </a:r>
+              <a:r>
+                <a:rPr lang="en-US" sz="1300" kern="1200" dirty="0" smtClean="0"/>
+                <a:t> </a:t>
+              </a:r>
+              <a:r>
+                <a:rPr lang="en-US" sz="1300" kern="1200" dirty="0" err="1" smtClean="0"/>
+                <a:t>thị</a:t>
+              </a:r>
+              <a:r>
+                <a:rPr lang="en-US" sz="1300" kern="1200" dirty="0" smtClean="0"/>
+                <a:t> </a:t>
+              </a:r>
+              <a:r>
+                <a:rPr lang="en-US" sz="1300" dirty="0" err="1" smtClean="0"/>
+                <a:t>Báo</a:t>
+              </a:r>
+              <a:r>
+                <a:rPr lang="en-US" sz="1300" dirty="0" smtClean="0"/>
+                <a:t> </a:t>
+              </a:r>
+              <a:r>
+                <a:rPr lang="en-US" sz="1300" dirty="0" err="1" smtClean="0"/>
+                <a:t>cáo</a:t>
+              </a:r>
+              <a:r>
+                <a:rPr lang="en-US" sz="1300" dirty="0" smtClean="0"/>
+                <a:t> </a:t>
+              </a:r>
+              <a:r>
+                <a:rPr lang="en-US" sz="1300" dirty="0" err="1" smtClean="0"/>
+                <a:t>thuộc</a:t>
+              </a:r>
+              <a:r>
+                <a:rPr lang="en-US" sz="1300" dirty="0" smtClean="0"/>
+                <a:t> </a:t>
+              </a:r>
+              <a:r>
+                <a:rPr lang="en-US" sz="1300" dirty="0" err="1"/>
+                <a:t>D</a:t>
+              </a:r>
+              <a:r>
+                <a:rPr lang="en-US" sz="1300" dirty="0" err="1" smtClean="0"/>
+                <a:t>ạng</a:t>
+              </a:r>
+              <a:r>
+                <a:rPr lang="en-US" sz="1300" dirty="0" smtClean="0"/>
+                <a:t> </a:t>
+              </a:r>
+              <a:r>
+                <a:rPr lang="en-US" sz="1300" dirty="0" err="1" smtClean="0"/>
+                <a:t>Đồ</a:t>
+              </a:r>
+              <a:r>
+                <a:rPr lang="en-US" sz="1300" dirty="0" smtClean="0"/>
+                <a:t> </a:t>
+              </a:r>
+              <a:r>
+                <a:rPr lang="en-US" sz="1300" dirty="0" err="1" smtClean="0"/>
+                <a:t>Thị</a:t>
+              </a:r>
+              <a:r>
+                <a:rPr lang="en-US" sz="1300" dirty="0"/>
+                <a:t>.</a:t>
+              </a:r>
+              <a:endParaRPr lang="en-US" sz="1300" b="1" kern="1200" dirty="0"/>
+            </a:p>
+          </p:txBody>
+        </p:sp>
+      </p:grpSp>
+      <p:grpSp>
+        <p:nvGrpSpPr>
+          <p:cNvPr id="14" name="Group 13"/>
+          <p:cNvGrpSpPr/>
+          <p:nvPr/>
+        </p:nvGrpSpPr>
+        <p:grpSpPr>
+          <a:xfrm>
+            <a:off x="4526517" y="1809537"/>
+            <a:ext cx="392173" cy="265680"/>
+            <a:chOff x="232410" y="77662"/>
+            <a:chExt cx="392173" cy="265680"/>
+          </a:xfrm>
+        </p:grpSpPr>
+        <p:sp>
+          <p:nvSpPr>
+            <p:cNvPr id="18" name="Rounded Rectangle 17"/>
+            <p:cNvSpPr/>
+            <p:nvPr/>
+          </p:nvSpPr>
+          <p:spPr>
+            <a:xfrm>
+              <a:off x="232410" y="77662"/>
+              <a:ext cx="392173" cy="265680"/>
+            </a:xfrm>
+            <a:prstGeom prst="roundRect">
+              <a:avLst/>
+            </a:prstGeom>
+          </p:spPr>
+          <p:style>
+            <a:lnRef idx="0">
+              <a:schemeClr val="lt1">
+                <a:hueOff val="0"/>
+                <a:satOff val="0"/>
+                <a:lumOff val="0"/>
+                <a:alphaOff val="0"/>
+              </a:schemeClr>
+            </a:lnRef>
+            <a:fillRef idx="3">
+              <a:schemeClr val="accent1">
+                <a:hueOff val="0"/>
+                <a:satOff val="0"/>
+                <a:lumOff val="0"/>
+                <a:alphaOff val="0"/>
+              </a:schemeClr>
+            </a:fillRef>
+            <a:effectRef idx="3">
+              <a:schemeClr val="accent1">
+                <a:hueOff val="0"/>
+                <a:satOff val="0"/>
+                <a:lumOff val="0"/>
+                <a:alphaOff val="0"/>
+              </a:schemeClr>
+            </a:effectRef>
+            <a:fontRef idx="minor">
+              <a:schemeClr val="lt1"/>
+            </a:fontRef>
+          </p:style>
+        </p:sp>
+        <p:sp>
+          <p:nvSpPr>
+            <p:cNvPr id="19" name="Rounded Rectangle 4"/>
+            <p:cNvSpPr/>
+            <p:nvPr/>
+          </p:nvSpPr>
+          <p:spPr>
+            <a:xfrm>
+              <a:off x="245379" y="90631"/>
+              <a:ext cx="366235" cy="239742"/>
+            </a:xfrm>
+            <a:prstGeom prst="rect">
+              <a:avLst/>
+            </a:prstGeom>
+          </p:spPr>
+          <p:style>
+            <a:lnRef idx="0">
+              <a:scrgbClr r="0" g="0" b="0"/>
+            </a:lnRef>
+            <a:fillRef idx="0">
+              <a:scrgbClr r="0" g="0" b="0"/>
+            </a:fillRef>
+            <a:effectRef idx="0">
+              <a:scrgbClr r="0" g="0" b="0"/>
+            </a:effectRef>
+            <a:fontRef idx="minor">
+              <a:schemeClr val="lt1"/>
+            </a:fontRef>
+          </p:style>
+          <p:txBody>
+            <a:bodyPr spcFirstLastPara="0" vert="horz" wrap="square" lIns="122984" tIns="0" rIns="122984" bIns="0" numCol="1" spcCol="1270" anchor="ctr" anchorCtr="0">
+              <a:noAutofit/>
+            </a:bodyPr>
+            <a:lstStyle/>
+            <a:p>
+              <a:pPr lvl="0" algn="l" defTabSz="800100">
+                <a:lnSpc>
+                  <a:spcPct val="90000"/>
+                </a:lnSpc>
+                <a:spcBef>
+                  <a:spcPct val="0"/>
+                </a:spcBef>
+                <a:spcAft>
+                  <a:spcPct val="35000"/>
+                </a:spcAft>
+              </a:pPr>
+              <a:r>
+                <a:rPr lang="en-US" sz="1800" b="1" kern="1200" dirty="0" smtClean="0"/>
+                <a:t>1</a:t>
+              </a:r>
+            </a:p>
+          </p:txBody>
+        </p:sp>
+      </p:grpSp>
+      <p:grpSp>
+        <p:nvGrpSpPr>
+          <p:cNvPr id="15" name="Group 14"/>
+          <p:cNvGrpSpPr/>
+          <p:nvPr/>
+        </p:nvGrpSpPr>
+        <p:grpSpPr>
+          <a:xfrm>
+            <a:off x="4526517" y="2458752"/>
+            <a:ext cx="392173" cy="265680"/>
+            <a:chOff x="232410" y="726877"/>
+            <a:chExt cx="392173" cy="265680"/>
+          </a:xfrm>
+        </p:grpSpPr>
+        <p:sp>
+          <p:nvSpPr>
+            <p:cNvPr id="16" name="Rounded Rectangle 15"/>
+            <p:cNvSpPr/>
+            <p:nvPr/>
+          </p:nvSpPr>
+          <p:spPr>
+            <a:xfrm>
+              <a:off x="232410" y="726877"/>
+              <a:ext cx="392173" cy="265680"/>
+            </a:xfrm>
+            <a:prstGeom prst="roundRect">
+              <a:avLst/>
+            </a:prstGeom>
+          </p:spPr>
+          <p:style>
+            <a:lnRef idx="0">
+              <a:schemeClr val="lt1">
+                <a:hueOff val="0"/>
+                <a:satOff val="0"/>
+                <a:lumOff val="0"/>
+                <a:alphaOff val="0"/>
+              </a:schemeClr>
+            </a:lnRef>
+            <a:fillRef idx="3">
+              <a:schemeClr val="accent1">
+                <a:hueOff val="0"/>
+                <a:satOff val="0"/>
+                <a:lumOff val="0"/>
+                <a:alphaOff val="0"/>
+              </a:schemeClr>
+            </a:fillRef>
+            <a:effectRef idx="3">
+              <a:schemeClr val="accent1">
+                <a:hueOff val="0"/>
+                <a:satOff val="0"/>
+                <a:lumOff val="0"/>
+                <a:alphaOff val="0"/>
+              </a:schemeClr>
+            </a:effectRef>
+            <a:fontRef idx="minor">
+              <a:schemeClr val="lt1"/>
+            </a:fontRef>
+          </p:style>
+        </p:sp>
+        <p:sp>
+          <p:nvSpPr>
+            <p:cNvPr id="17" name="Rounded Rectangle 6"/>
+            <p:cNvSpPr/>
+            <p:nvPr/>
+          </p:nvSpPr>
+          <p:spPr>
+            <a:xfrm>
+              <a:off x="245379" y="739846"/>
+              <a:ext cx="366235" cy="239742"/>
+            </a:xfrm>
+            <a:prstGeom prst="rect">
+              <a:avLst/>
+            </a:prstGeom>
+          </p:spPr>
+          <p:style>
+            <a:lnRef idx="0">
+              <a:scrgbClr r="0" g="0" b="0"/>
+            </a:lnRef>
+            <a:fillRef idx="0">
+              <a:scrgbClr r="0" g="0" b="0"/>
+            </a:fillRef>
+            <a:effectRef idx="0">
+              <a:scrgbClr r="0" g="0" b="0"/>
+            </a:effectRef>
+            <a:fontRef idx="minor">
+              <a:schemeClr val="lt1"/>
+            </a:fontRef>
+          </p:style>
+          <p:txBody>
+            <a:bodyPr spcFirstLastPara="0" vert="horz" wrap="square" lIns="122984" tIns="0" rIns="122984" bIns="0" numCol="1" spcCol="1270" anchor="ctr" anchorCtr="0">
+              <a:noAutofit/>
+            </a:bodyPr>
+            <a:lstStyle/>
+            <a:p>
+              <a:pPr lvl="0" algn="l" defTabSz="800100">
+                <a:lnSpc>
+                  <a:spcPct val="90000"/>
+                </a:lnSpc>
+                <a:spcBef>
+                  <a:spcPct val="0"/>
+                </a:spcBef>
+                <a:spcAft>
+                  <a:spcPct val="35000"/>
+                </a:spcAft>
+              </a:pPr>
+              <a:r>
+                <a:rPr lang="en-US" sz="1800" b="1" kern="1200" dirty="0" smtClean="0"/>
+                <a:t>2</a:t>
+              </a:r>
+              <a:endParaRPr lang="en-US" sz="1800" b="1" kern="1200" dirty="0"/>
+            </a:p>
+          </p:txBody>
+        </p:sp>
+      </p:grpSp>
     </p:spTree>
     <p:extLst>
       <p:ext uri="{BB962C8B-B14F-4D97-AF65-F5344CB8AC3E}">
-        <p14:creationId xmlns:p14="http://schemas.microsoft.com/office/powerpoint/2010/main" val="1910051488"/>
+        <p14:creationId xmlns:p14="http://schemas.microsoft.com/office/powerpoint/2010/main" val="3729351121"/>
       </p:ext>
     </p:extLst>
   </p:cSld>
@@ -34665,7 +34852,7 @@
 </p:sld>
 </file>
 
-<file path=ppt/slides/slide18.xml><?xml version="1.0" encoding="utf-8"?>
+<file path=ppt/slides/slide17.xml><?xml version="1.0" encoding="utf-8"?>
 <p:sld xmlns:a="http://schemas.openxmlformats.org/drawingml/2006/main" xmlns:r="http://schemas.openxmlformats.org/officeDocument/2006/relationships" xmlns:p="http://schemas.openxmlformats.org/presentationml/2006/main">
   <p:cSld>
     <p:spTree>

--- a/BaoCao.pptx
+++ b/BaoCao.pptx
@@ -5,26 +5,29 @@
     <p:sldMasterId id="2147483684" r:id="rId1"/>
   </p:sldMasterIdLst>
   <p:notesMasterIdLst>
-    <p:notesMasterId r:id="rId19"/>
+    <p:notesMasterId r:id="rId22"/>
   </p:notesMasterIdLst>
   <p:sldIdLst>
     <p:sldId id="256" r:id="rId2"/>
     <p:sldId id="257" r:id="rId3"/>
     <p:sldId id="260" r:id="rId4"/>
     <p:sldId id="258" r:id="rId5"/>
-    <p:sldId id="275" r:id="rId6"/>
-    <p:sldId id="259" r:id="rId7"/>
-    <p:sldId id="261" r:id="rId8"/>
-    <p:sldId id="270" r:id="rId9"/>
-    <p:sldId id="274" r:id="rId10"/>
-    <p:sldId id="269" r:id="rId11"/>
-    <p:sldId id="265" r:id="rId12"/>
-    <p:sldId id="262" r:id="rId13"/>
-    <p:sldId id="266" r:id="rId14"/>
-    <p:sldId id="271" r:id="rId15"/>
-    <p:sldId id="272" r:id="rId16"/>
-    <p:sldId id="276" r:id="rId17"/>
-    <p:sldId id="268" r:id="rId18"/>
+    <p:sldId id="278" r:id="rId6"/>
+    <p:sldId id="275" r:id="rId7"/>
+    <p:sldId id="259" r:id="rId8"/>
+    <p:sldId id="261" r:id="rId9"/>
+    <p:sldId id="270" r:id="rId10"/>
+    <p:sldId id="274" r:id="rId11"/>
+    <p:sldId id="269" r:id="rId12"/>
+    <p:sldId id="265" r:id="rId13"/>
+    <p:sldId id="262" r:id="rId14"/>
+    <p:sldId id="266" r:id="rId15"/>
+    <p:sldId id="271" r:id="rId16"/>
+    <p:sldId id="272" r:id="rId17"/>
+    <p:sldId id="276" r:id="rId18"/>
+    <p:sldId id="268" r:id="rId19"/>
+    <p:sldId id="277" r:id="rId20"/>
+    <p:sldId id="279" r:id="rId21"/>
   </p:sldIdLst>
   <p:sldSz cx="9144000" cy="5143500" type="screen16x9"/>
   <p:notesSz cx="9144000" cy="6858000"/>
@@ -32699,7 +32702,7 @@
       </p:sp>
       <p:grpSp>
         <p:nvGrpSpPr>
-          <p:cNvPr id="20" name="Group 19"/>
+          <p:cNvPr id="4" name="Group 3"/>
           <p:cNvGrpSpPr/>
           <p:nvPr/>
         </p:nvGrpSpPr>
@@ -32707,9 +32710,10 @@
           <a:xfrm>
             <a:off x="4953000" y="891296"/>
             <a:ext cx="3672971" cy="3305175"/>
-            <a:chOff x="2693736" y="1219908"/>
+            <a:chOff x="4953000" y="891296"/>
             <a:chExt cx="3672971" cy="3305175"/>
           </a:xfrm>
+          <a:effectLst/>
         </p:grpSpPr>
         <p:sp>
           <p:nvSpPr>
@@ -32719,7 +32723,7 @@
           </p:nvSpPr>
           <p:spPr>
             <a:xfrm>
-              <a:off x="2693736" y="1219908"/>
+              <a:off x="4953000" y="891296"/>
               <a:ext cx="3619500" cy="3305175"/>
             </a:xfrm>
             <a:prstGeom prst="ellipse">
@@ -32783,7 +32787,7 @@
           </p:nvGrpSpPr>
           <p:grpSpPr>
             <a:xfrm>
-              <a:off x="2693736" y="1296107"/>
+              <a:off x="4953000" y="967495"/>
               <a:ext cx="3672971" cy="2218293"/>
               <a:chOff x="1524000" y="1200150"/>
               <a:chExt cx="5098106" cy="3057526"/>
@@ -32898,32 +32902,41 @@
         </p:grpSp>
         <p:pic>
           <p:nvPicPr>
-            <p:cNvPr id="23" name="Picture 4" descr="https://hr.mst.edu/media/administrative/hr/images/icons/group_icon.png"/>
+            <p:cNvPr id="5122" name="Picture 2" descr="https://image.freepik.com/free-icon/crowd-of-users_318-50125.png"/>
             <p:cNvPicPr>
               <a:picLocks noChangeAspect="1" noChangeArrowheads="1"/>
             </p:cNvPicPr>
             <p:nvPr/>
           </p:nvPicPr>
           <p:blipFill>
-            <a:blip r:embed="rId5">
+            <a:blip r:embed="rId5" cstate="print">
+              <a:duotone>
+                <a:schemeClr val="accent1">
+                  <a:shade val="45000"/>
+                  <a:satMod val="135000"/>
+                </a:schemeClr>
+                <a:prstClr val="white"/>
+              </a:duotone>
               <a:extLst>
                 <a:ext uri="{BEBA8EAE-BF5A-486C-A8C5-ECC9F3942E4B}">
                   <a14:imgProps xmlns:a14="http://schemas.microsoft.com/office/drawing/2010/main">
                     <a14:imgLayer r:embed="rId6">
                       <a14:imgEffect>
-                        <a14:backgroundRemoval t="10000" b="90000" l="10000" r="90000">
-                          <a14:foregroundMark x1="20792" y1="40588" x2="20792" y2="40588"/>
-                          <a14:foregroundMark x1="27723" y1="30588" x2="27723" y2="30588"/>
-                          <a14:foregroundMark x1="36386" y1="19118" x2="36386" y2="19118"/>
-                          <a14:foregroundMark x1="42327" y1="29412" x2="42327" y2="29412"/>
-                          <a14:foregroundMark x1="35396" y1="40000" x2="35396" y2="40000"/>
-                          <a14:foregroundMark x1="49505" y1="42353" x2="49505" y2="42353"/>
-                          <a14:foregroundMark x1="57673" y1="31471" x2="57673" y2="31471"/>
-                          <a14:foregroundMark x1="49505" y1="16471" x2="49505" y2="16471"/>
-                          <a14:foregroundMark x1="62871" y1="18529" x2="62871" y2="18529"/>
-                          <a14:foregroundMark x1="72277" y1="30000" x2="72277" y2="30000"/>
-                          <a14:foregroundMark x1="66337" y1="38824" x2="66337" y2="38824"/>
-                          <a14:foregroundMark x1="78960" y1="40000" x2="78960" y2="40000"/>
+                        <a14:backgroundRemoval t="0" b="100000" l="0" r="100000">
+                          <a14:foregroundMark x1="10703" y1="50799" x2="10703" y2="50799"/>
+                          <a14:foregroundMark x1="25240" y1="61502" x2="25240" y2="61502"/>
+                          <a14:foregroundMark x1="33067" y1="45847" x2="33067" y2="45847"/>
+                          <a14:foregroundMark x1="18530" y1="33546" x2="18530" y2="33546"/>
+                          <a14:foregroundMark x1="32428" y1="21725" x2="32428" y2="21725"/>
+                          <a14:foregroundMark x1="46486" y1="23482" x2="46486" y2="23482"/>
+                          <a14:foregroundMark x1="50319" y1="38019" x2="50319" y2="38019"/>
+                          <a14:foregroundMark x1="50958" y1="47444" x2="50958" y2="47444"/>
+                          <a14:foregroundMark x1="63898" y1="44728" x2="63898" y2="44728"/>
+                          <a14:foregroundMark x1="76677" y1="63099" x2="76677" y2="63099"/>
+                          <a14:foregroundMark x1="93450" y1="54153" x2="93450" y2="54153"/>
+                          <a14:foregroundMark x1="92332" y1="53674" x2="92332" y2="53674"/>
+                          <a14:foregroundMark x1="86262" y1="34665" x2="86262" y2="34665"/>
+                          <a14:foregroundMark x1="69968" y1="20128" x2="69968" y2="20128"/>
                         </a14:backgroundRemoval>
                       </a14:imgEffect>
                     </a14:imgLayer>
@@ -32941,35 +32954,27 @@
           </p:blipFill>
           <p:spPr bwMode="auto">
             <a:xfrm>
-              <a:off x="3398428" y="2543884"/>
-              <a:ext cx="2263588" cy="1905000"/>
+              <a:off x="5912289" y="2243847"/>
+              <a:ext cx="1700921" cy="1700921"/>
             </a:xfrm>
             <a:prstGeom prst="rect">
               <a:avLst/>
             </a:prstGeom>
             <a:noFill/>
-            <a:ln>
-              <a:noFill/>
-            </a:ln>
             <a:effectLst>
-              <a:outerShdw blurRad="57785" dist="33020" dir="3180000" algn="ctr">
-                <a:srgbClr val="000000">
-                  <a:alpha val="30000"/>
-                </a:srgbClr>
+              <a:glow rad="63500">
+                <a:schemeClr val="accent6">
+                  <a:satMod val="175000"/>
+                  <a:alpha val="40000"/>
+                </a:schemeClr>
+              </a:glow>
+              <a:outerShdw blurRad="50800" dist="38100" dir="2700000" algn="tl" rotWithShape="0">
+                <a:prstClr val="black">
+                  <a:alpha val="40000"/>
+                </a:prstClr>
               </a:outerShdw>
               <a:softEdge rad="0"/>
             </a:effectLst>
-            <a:scene3d>
-              <a:camera prst="orthographicFront">
-                <a:rot lat="0" lon="0" rev="0"/>
-              </a:camera>
-              <a:lightRig rig="brightRoom" dir="t">
-                <a:rot lat="0" lon="0" rev="600000"/>
-              </a:lightRig>
-            </a:scene3d>
-            <a:sp3d prstMaterial="metal">
-              <a:bevelT w="38100" h="57150" prst="angle"/>
-            </a:sp3d>
             <a:extLst>
               <a:ext uri="{909E8E84-426E-40DD-AFC4-6F175D3DCCD1}">
                 <a14:hiddenFill xmlns:a14="http://schemas.microsoft.com/office/drawing/2010/main">
@@ -33003,6 +33008,372 @@
 </file>
 
 <file path=ppt/slides/slide10.xml><?xml version="1.0" encoding="utf-8"?>
+<p:sld xmlns:a="http://schemas.openxmlformats.org/drawingml/2006/main" xmlns:r="http://schemas.openxmlformats.org/officeDocument/2006/relationships" xmlns:p="http://schemas.openxmlformats.org/presentationml/2006/main">
+  <p:cSld>
+    <p:spTree>
+      <p:nvGrpSpPr>
+        <p:cNvPr id="1" name=""/>
+        <p:cNvGrpSpPr/>
+        <p:nvPr/>
+      </p:nvGrpSpPr>
+      <p:grpSpPr>
+        <a:xfrm>
+          <a:off x="0" y="0"/>
+          <a:ext cx="0" cy="0"/>
+          <a:chOff x="0" y="0"/>
+          <a:chExt cx="0" cy="0"/>
+        </a:xfrm>
+      </p:grpSpPr>
+      <p:sp>
+        <p:nvSpPr>
+          <p:cNvPr id="3" name="Title 2"/>
+          <p:cNvSpPr>
+            <a:spLocks noGrp="1"/>
+          </p:cNvSpPr>
+          <p:nvPr>
+            <p:ph type="title"/>
+          </p:nvPr>
+        </p:nvSpPr>
+        <p:spPr/>
+        <p:txBody>
+          <a:bodyPr/>
+          <a:lstStyle/>
+          <a:p>
+            <a:r>
+              <a:rPr lang="en-US" dirty="0" smtClean="0"/>
+              <a:t>MỤC TIÊU ĐỀ TÀI</a:t>
+            </a:r>
+            <a:endParaRPr lang="en-US" dirty="0"/>
+          </a:p>
+        </p:txBody>
+      </p:sp>
+      <p:grpSp>
+        <p:nvGrpSpPr>
+          <p:cNvPr id="14" name="Group 13"/>
+          <p:cNvGrpSpPr/>
+          <p:nvPr/>
+        </p:nvGrpSpPr>
+        <p:grpSpPr>
+          <a:xfrm>
+            <a:off x="1447800" y="1550041"/>
+            <a:ext cx="2112661" cy="2499371"/>
+            <a:chOff x="3221476" y="1504950"/>
+            <a:chExt cx="2112661" cy="2499371"/>
+          </a:xfrm>
+        </p:grpSpPr>
+        <p:sp>
+          <p:nvSpPr>
+            <p:cNvPr id="15" name="TextBox 14"/>
+            <p:cNvSpPr txBox="1"/>
+            <p:nvPr/>
+          </p:nvSpPr>
+          <p:spPr>
+            <a:xfrm>
+              <a:off x="3221476" y="3634989"/>
+              <a:ext cx="2112661" cy="369332"/>
+            </a:xfrm>
+            <a:prstGeom prst="rect">
+              <a:avLst/>
+            </a:prstGeom>
+            <a:noFill/>
+          </p:spPr>
+          <p:txBody>
+            <a:bodyPr wrap="square" rtlCol="0">
+              <a:spAutoFit/>
+            </a:bodyPr>
+            <a:lstStyle/>
+            <a:p>
+              <a:pPr algn="ctr"/>
+              <a:r>
+                <a:rPr lang="en-US" dirty="0" err="1" smtClean="0"/>
+                <a:t>Báo</a:t>
+              </a:r>
+              <a:r>
+                <a:rPr lang="en-US" dirty="0" smtClean="0"/>
+                <a:t> </a:t>
+              </a:r>
+              <a:r>
+                <a:rPr lang="en-US" dirty="0" err="1" smtClean="0"/>
+                <a:t>cáo</a:t>
+              </a:r>
+              <a:r>
+                <a:rPr lang="en-US" dirty="0" smtClean="0"/>
+                <a:t> </a:t>
+              </a:r>
+              <a:r>
+                <a:rPr lang="en-US" dirty="0" err="1" smtClean="0"/>
+                <a:t>hiệu</a:t>
+              </a:r>
+              <a:r>
+                <a:rPr lang="en-US" dirty="0" smtClean="0"/>
+                <a:t> </a:t>
+              </a:r>
+              <a:r>
+                <a:rPr lang="en-US" dirty="0" err="1" smtClean="0"/>
+                <a:t>quả</a:t>
+              </a:r>
+              <a:endParaRPr lang="en-US" dirty="0" smtClean="0"/>
+            </a:p>
+          </p:txBody>
+        </p:sp>
+        <p:pic>
+          <p:nvPicPr>
+            <p:cNvPr id="16" name="Picture 4" descr="http://ec.europa.eu/environment/waste/reporting/images/173649127.jpg"/>
+            <p:cNvPicPr>
+              <a:picLocks noChangeAspect="1" noChangeArrowheads="1"/>
+            </p:cNvPicPr>
+            <p:nvPr/>
+          </p:nvPicPr>
+          <p:blipFill rotWithShape="1">
+            <a:blip r:embed="rId2">
+              <a:extLst>
+                <a:ext uri="{28A0092B-C50C-407E-A947-70E740481C1C}">
+                  <a14:useLocalDpi xmlns:a14="http://schemas.microsoft.com/office/drawing/2010/main" val="0"/>
+                </a:ext>
+              </a:extLst>
+            </a:blip>
+            <a:srcRect l="8267" t="8248" r="8734" b="8010"/>
+            <a:stretch/>
+          </p:blipFill>
+          <p:spPr bwMode="auto">
+            <a:xfrm>
+              <a:off x="3221476" y="1504950"/>
+              <a:ext cx="2112661" cy="2131574"/>
+            </a:xfrm>
+            <a:prstGeom prst="rect">
+              <a:avLst/>
+            </a:prstGeom>
+            <a:noFill/>
+            <a:extLst>
+              <a:ext uri="{909E8E84-426E-40DD-AFC4-6F175D3DCCD1}">
+                <a14:hiddenFill xmlns:a14="http://schemas.microsoft.com/office/drawing/2010/main">
+                  <a:solidFill>
+                    <a:srgbClr val="FFFFFF"/>
+                  </a:solidFill>
+                </a14:hiddenFill>
+              </a:ext>
+            </a:extLst>
+          </p:spPr>
+        </p:pic>
+      </p:grpSp>
+      <p:grpSp>
+        <p:nvGrpSpPr>
+          <p:cNvPr id="17" name="Group 16"/>
+          <p:cNvGrpSpPr/>
+          <p:nvPr/>
+        </p:nvGrpSpPr>
+        <p:grpSpPr>
+          <a:xfrm>
+            <a:off x="5510943" y="1937715"/>
+            <a:ext cx="1906621" cy="2093357"/>
+            <a:chOff x="6581572" y="2170646"/>
+            <a:chExt cx="1906621" cy="2093357"/>
+          </a:xfrm>
+        </p:grpSpPr>
+        <p:pic>
+          <p:nvPicPr>
+            <p:cNvPr id="18" name="Picture 6" descr="guider.jpg (200×181)"/>
+            <p:cNvPicPr>
+              <a:picLocks noChangeAspect="1" noChangeArrowheads="1"/>
+            </p:cNvPicPr>
+            <p:nvPr/>
+          </p:nvPicPr>
+          <p:blipFill>
+            <a:blip r:embed="rId3">
+              <a:extLst>
+                <a:ext uri="{28A0092B-C50C-407E-A947-70E740481C1C}">
+                  <a14:useLocalDpi xmlns:a14="http://schemas.microsoft.com/office/drawing/2010/main" val="0"/>
+                </a:ext>
+              </a:extLst>
+            </a:blip>
+            <a:srcRect/>
+            <a:stretch>
+              <a:fillRect/>
+            </a:stretch>
+          </p:blipFill>
+          <p:spPr bwMode="auto">
+            <a:xfrm>
+              <a:off x="6581572" y="2170646"/>
+              <a:ext cx="1905000" cy="1724025"/>
+            </a:xfrm>
+            <a:prstGeom prst="rect">
+              <a:avLst/>
+            </a:prstGeom>
+            <a:noFill/>
+            <a:extLst>
+              <a:ext uri="{909E8E84-426E-40DD-AFC4-6F175D3DCCD1}">
+                <a14:hiddenFill xmlns:a14="http://schemas.microsoft.com/office/drawing/2010/main">
+                  <a:solidFill>
+                    <a:srgbClr val="FFFFFF"/>
+                  </a:solidFill>
+                </a14:hiddenFill>
+              </a:ext>
+            </a:extLst>
+          </p:spPr>
+        </p:pic>
+        <p:sp>
+          <p:nvSpPr>
+            <p:cNvPr id="19" name="TextBox 18"/>
+            <p:cNvSpPr txBox="1"/>
+            <p:nvPr/>
+          </p:nvSpPr>
+          <p:spPr>
+            <a:xfrm>
+              <a:off x="6583193" y="3894671"/>
+              <a:ext cx="1905000" cy="369332"/>
+            </a:xfrm>
+            <a:prstGeom prst="rect">
+              <a:avLst/>
+            </a:prstGeom>
+            <a:noFill/>
+          </p:spPr>
+          <p:txBody>
+            <a:bodyPr wrap="square" rtlCol="0">
+              <a:spAutoFit/>
+            </a:bodyPr>
+            <a:lstStyle/>
+            <a:p>
+              <a:r>
+                <a:rPr lang="en-US" dirty="0" err="1" smtClean="0"/>
+                <a:t>Hỗ</a:t>
+              </a:r>
+              <a:r>
+                <a:rPr lang="en-US" dirty="0" smtClean="0"/>
+                <a:t> </a:t>
+              </a:r>
+              <a:r>
+                <a:rPr lang="en-US" dirty="0" err="1" smtClean="0"/>
+                <a:t>trợ</a:t>
+              </a:r>
+              <a:r>
+                <a:rPr lang="en-US" dirty="0" smtClean="0"/>
+                <a:t> </a:t>
+              </a:r>
+              <a:r>
+                <a:rPr lang="en-US" dirty="0" err="1" smtClean="0"/>
+                <a:t>quyết</a:t>
+              </a:r>
+              <a:r>
+                <a:rPr lang="en-US" dirty="0" smtClean="0"/>
+                <a:t> </a:t>
+              </a:r>
+              <a:r>
+                <a:rPr lang="en-US" dirty="0" err="1" smtClean="0"/>
+                <a:t>định</a:t>
+              </a:r>
+              <a:endParaRPr lang="en-US" dirty="0"/>
+            </a:p>
+          </p:txBody>
+        </p:sp>
+        <p:sp>
+          <p:nvSpPr>
+            <p:cNvPr id="20" name="Down Arrow 19"/>
+            <p:cNvSpPr/>
+            <p:nvPr/>
+          </p:nvSpPr>
+          <p:spPr>
+            <a:xfrm rot="16495792">
+              <a:off x="6942734" y="1892140"/>
+              <a:ext cx="304800" cy="1014412"/>
+            </a:xfrm>
+            <a:prstGeom prst="downArrow">
+              <a:avLst>
+                <a:gd name="adj1" fmla="val 36297"/>
+                <a:gd name="adj2" fmla="val 81523"/>
+              </a:avLst>
+            </a:prstGeom>
+            <a:scene3d>
+              <a:camera prst="isometricOffAxis1Top"/>
+              <a:lightRig rig="threePt" dir="t"/>
+            </a:scene3d>
+          </p:spPr>
+          <p:style>
+            <a:lnRef idx="2">
+              <a:schemeClr val="accent1">
+                <a:shade val="50000"/>
+              </a:schemeClr>
+            </a:lnRef>
+            <a:fillRef idx="1">
+              <a:schemeClr val="accent1"/>
+            </a:fillRef>
+            <a:effectRef idx="0">
+              <a:schemeClr val="accent1"/>
+            </a:effectRef>
+            <a:fontRef idx="minor">
+              <a:schemeClr val="lt1"/>
+            </a:fontRef>
+          </p:style>
+          <p:txBody>
+            <a:bodyPr rtlCol="0" anchor="ctr"/>
+            <a:lstStyle/>
+            <a:p>
+              <a:pPr algn="ctr"/>
+              <a:endParaRPr lang="en-US"/>
+            </a:p>
+          </p:txBody>
+        </p:sp>
+      </p:grpSp>
+      <p:sp>
+        <p:nvSpPr>
+          <p:cNvPr id="9" name="Right Arrow 8"/>
+          <p:cNvSpPr/>
+          <p:nvPr/>
+        </p:nvSpPr>
+        <p:spPr>
+          <a:xfrm>
+            <a:off x="3962400" y="2615828"/>
+            <a:ext cx="1066800" cy="641722"/>
+          </a:xfrm>
+          <a:prstGeom prst="rightArrow">
+            <a:avLst/>
+          </a:prstGeom>
+        </p:spPr>
+        <p:style>
+          <a:lnRef idx="2">
+            <a:schemeClr val="accent1">
+              <a:shade val="50000"/>
+            </a:schemeClr>
+          </a:lnRef>
+          <a:fillRef idx="1">
+            <a:schemeClr val="accent1"/>
+          </a:fillRef>
+          <a:effectRef idx="0">
+            <a:schemeClr val="accent1"/>
+          </a:effectRef>
+          <a:fontRef idx="minor">
+            <a:schemeClr val="lt1"/>
+          </a:fontRef>
+        </p:style>
+        <p:txBody>
+          <a:bodyPr rtlCol="0" anchor="ctr"/>
+          <a:lstStyle/>
+          <a:p>
+            <a:pPr algn="ctr"/>
+            <a:endParaRPr lang="en-US"/>
+          </a:p>
+        </p:txBody>
+      </p:sp>
+    </p:spTree>
+    <p:extLst>
+      <p:ext uri="{BB962C8B-B14F-4D97-AF65-F5344CB8AC3E}">
+        <p14:creationId xmlns:p14="http://schemas.microsoft.com/office/powerpoint/2010/main" val="1332570013"/>
+      </p:ext>
+    </p:extLst>
+  </p:cSld>
+  <p:clrMapOvr>
+    <a:masterClrMapping/>
+  </p:clrMapOvr>
+  <p:timing>
+    <p:tnLst>
+      <p:par>
+        <p:cTn id="1" dur="indefinite" restart="never" nodeType="tmRoot"/>
+      </p:par>
+    </p:tnLst>
+  </p:timing>
+</p:sld>
+</file>
+
+<file path=ppt/slides/slide11.xml><?xml version="1.0" encoding="utf-8"?>
 <p:sld xmlns:a="http://schemas.openxmlformats.org/drawingml/2006/main" xmlns:r="http://schemas.openxmlformats.org/officeDocument/2006/relationships" xmlns:p="http://schemas.openxmlformats.org/presentationml/2006/main">
   <p:cSld>
     <p:spTree>
@@ -33125,7 +33496,7 @@
 </p:sld>
 </file>
 
-<file path=ppt/slides/slide11.xml><?xml version="1.0" encoding="utf-8"?>
+<file path=ppt/slides/slide12.xml><?xml version="1.0" encoding="utf-8"?>
 <p:sld xmlns:a="http://schemas.openxmlformats.org/drawingml/2006/main" xmlns:r="http://schemas.openxmlformats.org/officeDocument/2006/relationships" xmlns:p="http://schemas.openxmlformats.org/presentationml/2006/main">
   <p:cSld>
     <p:spTree>
@@ -33200,7 +33571,7 @@
 </p:sld>
 </file>
 
-<file path=ppt/slides/slide12.xml><?xml version="1.0" encoding="utf-8"?>
+<file path=ppt/slides/slide13.xml><?xml version="1.0" encoding="utf-8"?>
 <p:sld xmlns:a="http://schemas.openxmlformats.org/drawingml/2006/main" xmlns:r="http://schemas.openxmlformats.org/officeDocument/2006/relationships" xmlns:p="http://schemas.openxmlformats.org/presentationml/2006/main">
   <p:cSld>
     <p:spTree>
@@ -33488,7 +33859,7 @@
 </p:sld>
 </file>
 
-<file path=ppt/slides/slide13.xml><?xml version="1.0" encoding="utf-8"?>
+<file path=ppt/slides/slide14.xml><?xml version="1.0" encoding="utf-8"?>
 <p:sld xmlns:a="http://schemas.openxmlformats.org/drawingml/2006/main" xmlns:r="http://schemas.openxmlformats.org/officeDocument/2006/relationships" xmlns:p="http://schemas.openxmlformats.org/presentationml/2006/main">
   <p:cSld>
     <p:spTree>
@@ -33922,7 +34293,7 @@
 </p:sld>
 </file>
 
-<file path=ppt/slides/slide14.xml><?xml version="1.0" encoding="utf-8"?>
+<file path=ppt/slides/slide15.xml><?xml version="1.0" encoding="utf-8"?>
 <p:sld xmlns:a="http://schemas.openxmlformats.org/drawingml/2006/main" xmlns:r="http://schemas.openxmlformats.org/officeDocument/2006/relationships" xmlns:p="http://schemas.openxmlformats.org/presentationml/2006/main">
   <p:cSld>
     <p:spTree>
@@ -34068,7 +34439,7 @@
 </p:sld>
 </file>
 
-<file path=ppt/slides/slide15.xml><?xml version="1.0" encoding="utf-8"?>
+<file path=ppt/slides/slide16.xml><?xml version="1.0" encoding="utf-8"?>
 <p:sld xmlns:a="http://schemas.openxmlformats.org/drawingml/2006/main" xmlns:r="http://schemas.openxmlformats.org/officeDocument/2006/relationships" xmlns:p="http://schemas.openxmlformats.org/presentationml/2006/main">
   <p:cSld>
     <p:spTree>
@@ -34157,7 +34528,7 @@
 </p:sld>
 </file>
 
-<file path=ppt/slides/slide16.xml><?xml version="1.0" encoding="utf-8"?>
+<file path=ppt/slides/slide17.xml><?xml version="1.0" encoding="utf-8"?>
 <p:sld xmlns:a="http://schemas.openxmlformats.org/drawingml/2006/main" xmlns:r="http://schemas.openxmlformats.org/officeDocument/2006/relationships" xmlns:p="http://schemas.openxmlformats.org/presentationml/2006/main">
   <p:cSld>
     <p:spTree>
@@ -34852,7 +35223,7 @@
 </p:sld>
 </file>
 
-<file path=ppt/slides/slide17.xml><?xml version="1.0" encoding="utf-8"?>
+<file path=ppt/slides/slide18.xml><?xml version="1.0" encoding="utf-8"?>
 <p:sld xmlns:a="http://schemas.openxmlformats.org/drawingml/2006/main" xmlns:r="http://schemas.openxmlformats.org/officeDocument/2006/relationships" xmlns:p="http://schemas.openxmlformats.org/presentationml/2006/main">
   <p:cSld>
     <p:spTree>
@@ -34871,23 +35242,71 @@
       </p:grpSpPr>
       <p:sp>
         <p:nvSpPr>
-          <p:cNvPr id="2" name="Content Placeholder 1"/>
+          <p:cNvPr id="3" name="Title 2"/>
           <p:cNvSpPr>
             <a:spLocks noGrp="1"/>
           </p:cNvSpPr>
           <p:nvPr>
-            <p:ph idx="1"/>
+            <p:ph type="title"/>
           </p:nvPr>
         </p:nvSpPr>
-        <p:spPr/>
+        <p:spPr>
+          <a:xfrm>
+            <a:off x="381000" y="2190750"/>
+            <a:ext cx="8229600" cy="939546"/>
+          </a:xfrm>
+        </p:spPr>
         <p:txBody>
-          <a:bodyPr/>
+          <a:bodyPr>
+            <a:normAutofit/>
+          </a:bodyPr>
           <a:lstStyle/>
           <a:p>
-            <a:endParaRPr lang="en-US"/>
+            <a:r>
+              <a:rPr lang="en-US" sz="5400" b="1" dirty="0" smtClean="0"/>
+              <a:t>CẢI TIẾN VÀ PHÁT TRIỂN</a:t>
+            </a:r>
+            <a:endParaRPr lang="en-US" sz="5400" b="1" dirty="0"/>
           </a:p>
         </p:txBody>
       </p:sp>
+    </p:spTree>
+    <p:extLst>
+      <p:ext uri="{BB962C8B-B14F-4D97-AF65-F5344CB8AC3E}">
+        <p14:creationId xmlns:p14="http://schemas.microsoft.com/office/powerpoint/2010/main" val="1407152994"/>
+      </p:ext>
+    </p:extLst>
+  </p:cSld>
+  <p:clrMapOvr>
+    <a:masterClrMapping/>
+  </p:clrMapOvr>
+  <p:timing>
+    <p:tnLst>
+      <p:par>
+        <p:cTn id="1" dur="indefinite" restart="never" nodeType="tmRoot"/>
+      </p:par>
+    </p:tnLst>
+  </p:timing>
+</p:sld>
+</file>
+
+<file path=ppt/slides/slide19.xml><?xml version="1.0" encoding="utf-8"?>
+<p:sld xmlns:a="http://schemas.openxmlformats.org/drawingml/2006/main" xmlns:r="http://schemas.openxmlformats.org/officeDocument/2006/relationships" xmlns:p="http://schemas.openxmlformats.org/presentationml/2006/main">
+  <p:cSld>
+    <p:spTree>
+      <p:nvGrpSpPr>
+        <p:cNvPr id="1" name=""/>
+        <p:cNvGrpSpPr/>
+        <p:nvPr/>
+      </p:nvGrpSpPr>
+      <p:grpSpPr>
+        <a:xfrm>
+          <a:off x="0" y="0"/>
+          <a:ext cx="0" cy="0"/>
+          <a:chOff x="0" y="0"/>
+          <a:chExt cx="0" cy="0"/>
+        </a:xfrm>
+      </p:grpSpPr>
       <p:sp>
         <p:nvSpPr>
           <p:cNvPr id="3" name="Title 2"/>
@@ -34903,14 +35322,513 @@
           <a:bodyPr/>
           <a:lstStyle/>
           <a:p>
-            <a:endParaRPr lang="en-US"/>
+            <a:r>
+              <a:rPr lang="en-US" dirty="0" smtClean="0"/>
+              <a:t>HƯỚNG PHÁT TRIỂN</a:t>
+            </a:r>
+            <a:endParaRPr lang="en-US" dirty="0"/>
           </a:p>
         </p:txBody>
       </p:sp>
+      <p:grpSp>
+        <p:nvGrpSpPr>
+          <p:cNvPr id="5" name="Group 4"/>
+          <p:cNvGrpSpPr/>
+          <p:nvPr/>
+        </p:nvGrpSpPr>
+        <p:grpSpPr>
+          <a:xfrm>
+            <a:off x="476250" y="1419225"/>
+            <a:ext cx="2438400" cy="2453389"/>
+            <a:chOff x="533400" y="1200150"/>
+            <a:chExt cx="2895600" cy="2763216"/>
+          </a:xfrm>
+        </p:grpSpPr>
+        <p:pic>
+          <p:nvPicPr>
+            <p:cNvPr id="2050" name="Picture 2" descr="http://christcenteredfamily.net/wp-content/uploads/GPS.jpg"/>
+            <p:cNvPicPr>
+              <a:picLocks noChangeAspect="1" noChangeArrowheads="1"/>
+            </p:cNvPicPr>
+            <p:nvPr/>
+          </p:nvPicPr>
+          <p:blipFill>
+            <a:blip r:embed="rId2" cstate="print">
+              <a:extLst>
+                <a:ext uri="{BEBA8EAE-BF5A-486C-A8C5-ECC9F3942E4B}">
+                  <a14:imgProps xmlns:a14="http://schemas.microsoft.com/office/drawing/2010/main">
+                    <a14:imgLayer r:embed="rId3">
+                      <a14:imgEffect>
+                        <a14:backgroundRemoval t="3839" b="90000" l="10000" r="90000"/>
+                      </a14:imgEffect>
+                    </a14:imgLayer>
+                  </a14:imgProps>
+                </a:ext>
+                <a:ext uri="{28A0092B-C50C-407E-A947-70E740481C1C}">
+                  <a14:useLocalDpi xmlns:a14="http://schemas.microsoft.com/office/drawing/2010/main" val="0"/>
+                </a:ext>
+              </a:extLst>
+            </a:blip>
+            <a:srcRect/>
+            <a:stretch>
+              <a:fillRect/>
+            </a:stretch>
+          </p:blipFill>
+          <p:spPr bwMode="auto">
+            <a:xfrm>
+              <a:off x="533400" y="1200150"/>
+              <a:ext cx="2895600" cy="2494671"/>
+            </a:xfrm>
+            <a:prstGeom prst="rect">
+              <a:avLst/>
+            </a:prstGeom>
+            <a:noFill/>
+            <a:extLst>
+              <a:ext uri="{909E8E84-426E-40DD-AFC4-6F175D3DCCD1}">
+                <a14:hiddenFill xmlns:a14="http://schemas.microsoft.com/office/drawing/2010/main">
+                  <a:solidFill>
+                    <a:srgbClr val="FFFFFF"/>
+                  </a:solidFill>
+                </a14:hiddenFill>
+              </a:ext>
+            </a:extLst>
+          </p:spPr>
+        </p:pic>
+        <p:sp>
+          <p:nvSpPr>
+            <p:cNvPr id="4" name="TextBox 3"/>
+            <p:cNvSpPr txBox="1"/>
+            <p:nvPr/>
+          </p:nvSpPr>
+          <p:spPr>
+            <a:xfrm>
+              <a:off x="590550" y="3304743"/>
+              <a:ext cx="2781301" cy="658623"/>
+            </a:xfrm>
+            <a:prstGeom prst="rect">
+              <a:avLst/>
+            </a:prstGeom>
+            <a:noFill/>
+          </p:spPr>
+          <p:txBody>
+            <a:bodyPr wrap="square" rtlCol="0">
+              <a:spAutoFit/>
+            </a:bodyPr>
+            <a:lstStyle/>
+            <a:p>
+              <a:r>
+                <a:rPr lang="en-US" sz="1600" dirty="0" err="1" smtClean="0"/>
+                <a:t>Nghiên</a:t>
+              </a:r>
+              <a:r>
+                <a:rPr lang="en-US" sz="1600" dirty="0" smtClean="0"/>
+                <a:t> </a:t>
+              </a:r>
+              <a:r>
+                <a:rPr lang="en-US" sz="1600" dirty="0" err="1" smtClean="0"/>
+                <a:t>cứu</a:t>
+              </a:r>
+              <a:r>
+                <a:rPr lang="en-US" sz="1600" dirty="0" smtClean="0"/>
+                <a:t> </a:t>
+              </a:r>
+              <a:r>
+                <a:rPr lang="en-US" sz="1600" dirty="0" err="1" smtClean="0"/>
+                <a:t>và</a:t>
+              </a:r>
+              <a:r>
+                <a:rPr lang="en-US" sz="1600" dirty="0" smtClean="0"/>
+                <a:t> </a:t>
+              </a:r>
+              <a:r>
+                <a:rPr lang="en-US" sz="1600" dirty="0" err="1" smtClean="0"/>
+                <a:t>áp</a:t>
+              </a:r>
+              <a:r>
+                <a:rPr lang="en-US" sz="1600" dirty="0" smtClean="0"/>
+                <a:t> </a:t>
+              </a:r>
+              <a:r>
+                <a:rPr lang="en-US" sz="1600" dirty="0" err="1" smtClean="0"/>
+                <a:t>dụng</a:t>
+              </a:r>
+              <a:r>
+                <a:rPr lang="en-US" sz="1600" dirty="0" smtClean="0"/>
+                <a:t> GPS </a:t>
+              </a:r>
+              <a:r>
+                <a:rPr lang="en-US" sz="1600" dirty="0" err="1" smtClean="0"/>
+                <a:t>để</a:t>
+              </a:r>
+              <a:r>
+                <a:rPr lang="en-US" sz="1600" dirty="0" smtClean="0"/>
+                <a:t> </a:t>
+              </a:r>
+              <a:r>
+                <a:rPr lang="en-US" sz="1600" dirty="0" err="1" smtClean="0"/>
+                <a:t>tính</a:t>
+              </a:r>
+              <a:r>
+                <a:rPr lang="en-US" sz="1600" dirty="0" smtClean="0"/>
+                <a:t> </a:t>
+              </a:r>
+              <a:r>
+                <a:rPr lang="en-US" sz="1600" dirty="0" err="1" smtClean="0"/>
+                <a:t>toán</a:t>
+              </a:r>
+              <a:r>
+                <a:rPr lang="en-US" sz="1600" dirty="0" smtClean="0"/>
+                <a:t> </a:t>
+              </a:r>
+              <a:r>
+                <a:rPr lang="en-US" sz="1600" dirty="0" err="1" smtClean="0"/>
+                <a:t>vị</a:t>
+              </a:r>
+              <a:r>
+                <a:rPr lang="en-US" sz="1600" dirty="0" smtClean="0"/>
+                <a:t> </a:t>
+              </a:r>
+              <a:r>
+                <a:rPr lang="en-US" sz="1600" dirty="0" err="1" smtClean="0"/>
+                <a:t>trí</a:t>
+              </a:r>
+              <a:r>
+                <a:rPr lang="en-US" sz="1600" dirty="0" smtClean="0"/>
+                <a:t> </a:t>
+              </a:r>
+              <a:r>
+                <a:rPr lang="en-US" sz="1600" dirty="0" err="1" smtClean="0"/>
+                <a:t>xe</a:t>
+              </a:r>
+              <a:r>
+                <a:rPr lang="en-US" sz="1600" dirty="0" smtClean="0"/>
+                <a:t>.</a:t>
+              </a:r>
+              <a:endParaRPr lang="en-US" sz="1600" dirty="0"/>
+            </a:p>
+          </p:txBody>
+        </p:sp>
+      </p:grpSp>
+      <p:grpSp>
+        <p:nvGrpSpPr>
+          <p:cNvPr id="7" name="Group 6"/>
+          <p:cNvGrpSpPr/>
+          <p:nvPr/>
+        </p:nvGrpSpPr>
+        <p:grpSpPr>
+          <a:xfrm>
+            <a:off x="3409949" y="1537275"/>
+            <a:ext cx="2228851" cy="2335337"/>
+            <a:chOff x="3390899" y="1565849"/>
+            <a:chExt cx="2434140" cy="2505947"/>
+          </a:xfrm>
+        </p:grpSpPr>
+        <p:pic>
+          <p:nvPicPr>
+            <p:cNvPr id="2052" name="Picture 4" descr="http://www.osinet.com/wp-content/uploads/2014/08/IaaS-icon.png"/>
+            <p:cNvPicPr>
+              <a:picLocks noChangeAspect="1" noChangeArrowheads="1"/>
+            </p:cNvPicPr>
+            <p:nvPr/>
+          </p:nvPicPr>
+          <p:blipFill>
+            <a:blip r:embed="rId4">
+              <a:extLst>
+                <a:ext uri="{BEBA8EAE-BF5A-486C-A8C5-ECC9F3942E4B}">
+                  <a14:imgProps xmlns:a14="http://schemas.microsoft.com/office/drawing/2010/main">
+                    <a14:imgLayer r:embed="rId5">
+                      <a14:imgEffect>
+                        <a14:backgroundRemoval t="0" b="100000" l="0" r="100000">
+                          <a14:foregroundMark x1="44082" y1="73029" x2="44082" y2="73029"/>
+                          <a14:foregroundMark x1="3673" y1="67635" x2="3673" y2="67635"/>
+                        </a14:backgroundRemoval>
+                      </a14:imgEffect>
+                    </a14:imgLayer>
+                  </a14:imgProps>
+                </a:ext>
+                <a:ext uri="{28A0092B-C50C-407E-A947-70E740481C1C}">
+                  <a14:useLocalDpi xmlns:a14="http://schemas.microsoft.com/office/drawing/2010/main" val="0"/>
+                </a:ext>
+              </a:extLst>
+            </a:blip>
+            <a:srcRect/>
+            <a:stretch>
+              <a:fillRect/>
+            </a:stretch>
+          </p:blipFill>
+          <p:spPr bwMode="auto">
+            <a:xfrm>
+              <a:off x="3409950" y="1565849"/>
+              <a:ext cx="2333625" cy="2295526"/>
+            </a:xfrm>
+            <a:prstGeom prst="rect">
+              <a:avLst/>
+            </a:prstGeom>
+            <a:noFill/>
+            <a:extLst>
+              <a:ext uri="{909E8E84-426E-40DD-AFC4-6F175D3DCCD1}">
+                <a14:hiddenFill xmlns:a14="http://schemas.microsoft.com/office/drawing/2010/main">
+                  <a:solidFill>
+                    <a:srgbClr val="FFFFFF"/>
+                  </a:solidFill>
+                </a14:hiddenFill>
+              </a:ext>
+            </a:extLst>
+          </p:spPr>
+        </p:pic>
+        <p:sp>
+          <p:nvSpPr>
+            <p:cNvPr id="6" name="TextBox 5"/>
+            <p:cNvSpPr txBox="1"/>
+            <p:nvPr/>
+          </p:nvSpPr>
+          <p:spPr>
+            <a:xfrm>
+              <a:off x="3390899" y="3444300"/>
+              <a:ext cx="2434140" cy="627496"/>
+            </a:xfrm>
+            <a:prstGeom prst="rect">
+              <a:avLst/>
+            </a:prstGeom>
+            <a:noFill/>
+          </p:spPr>
+          <p:txBody>
+            <a:bodyPr wrap="square" rtlCol="0">
+              <a:spAutoFit/>
+            </a:bodyPr>
+            <a:lstStyle/>
+            <a:p>
+              <a:r>
+                <a:rPr lang="en-US" sz="1600" dirty="0" err="1" smtClean="0"/>
+                <a:t>Áp</a:t>
+              </a:r>
+              <a:r>
+                <a:rPr lang="en-US" sz="1600" dirty="0" smtClean="0"/>
+                <a:t> </a:t>
+              </a:r>
+              <a:r>
+                <a:rPr lang="en-US" sz="1600" dirty="0" err="1" smtClean="0"/>
+                <a:t>dụng</a:t>
+              </a:r>
+              <a:r>
+                <a:rPr lang="en-US" sz="1600" dirty="0" smtClean="0"/>
+                <a:t> </a:t>
+              </a:r>
+              <a:r>
+                <a:rPr lang="en-US" sz="1600" dirty="0" err="1" smtClean="0"/>
+                <a:t>điện</a:t>
+              </a:r>
+              <a:r>
+                <a:rPr lang="en-US" sz="1600" dirty="0" smtClean="0"/>
+                <a:t> </a:t>
+              </a:r>
+              <a:r>
+                <a:rPr lang="en-US" sz="1600" dirty="0" err="1" smtClean="0"/>
+                <a:t>toán</a:t>
+              </a:r>
+              <a:r>
+                <a:rPr lang="en-US" sz="1600" dirty="0" smtClean="0"/>
+                <a:t> </a:t>
+              </a:r>
+              <a:r>
+                <a:rPr lang="en-US" sz="1600" dirty="0" err="1" smtClean="0"/>
+                <a:t>đám</a:t>
+              </a:r>
+              <a:r>
+                <a:rPr lang="en-US" sz="1600" dirty="0" smtClean="0"/>
+                <a:t> </a:t>
+              </a:r>
+              <a:r>
+                <a:rPr lang="en-US" sz="1600" dirty="0" err="1" smtClean="0"/>
+                <a:t>mây</a:t>
+              </a:r>
+              <a:r>
+                <a:rPr lang="en-US" sz="1600" dirty="0" smtClean="0"/>
+                <a:t> </a:t>
+              </a:r>
+              <a:r>
+                <a:rPr lang="en-US" sz="1600" dirty="0" err="1" smtClean="0"/>
+                <a:t>để</a:t>
+              </a:r>
+              <a:r>
+                <a:rPr lang="en-US" sz="1600" dirty="0" smtClean="0"/>
+                <a:t> </a:t>
+              </a:r>
+              <a:r>
+                <a:rPr lang="en-US" sz="1600" dirty="0" err="1" smtClean="0"/>
+                <a:t>giảm</a:t>
+              </a:r>
+              <a:r>
+                <a:rPr lang="en-US" sz="1600" dirty="0" smtClean="0"/>
+                <a:t> chi </a:t>
+              </a:r>
+              <a:r>
+                <a:rPr lang="en-US" sz="1600" dirty="0" err="1" smtClean="0"/>
+                <a:t>phí</a:t>
+              </a:r>
+              <a:r>
+                <a:rPr lang="en-US" sz="1600" dirty="0" smtClean="0"/>
+                <a:t>.</a:t>
+              </a:r>
+              <a:endParaRPr lang="en-US" sz="1600" dirty="0"/>
+            </a:p>
+          </p:txBody>
+        </p:sp>
+      </p:grpSp>
+      <p:grpSp>
+        <p:nvGrpSpPr>
+          <p:cNvPr id="9" name="Group 8"/>
+          <p:cNvGrpSpPr/>
+          <p:nvPr/>
+        </p:nvGrpSpPr>
+        <p:grpSpPr>
+          <a:xfrm>
+            <a:off x="6446755" y="1419225"/>
+            <a:ext cx="2362200" cy="2554006"/>
+            <a:chOff x="6446755" y="1599024"/>
+            <a:chExt cx="2362200" cy="2554006"/>
+          </a:xfrm>
+        </p:grpSpPr>
+        <p:pic>
+          <p:nvPicPr>
+            <p:cNvPr id="2054" name="Picture 6" descr="https://d5chq2g6mzy9v.cloudfront.net/assets/images/salespics/streaming-cross-platform-1eed6394a2d9a4121babacfa1d38b71d.png"/>
+            <p:cNvPicPr>
+              <a:picLocks noChangeAspect="1" noChangeArrowheads="1"/>
+            </p:cNvPicPr>
+            <p:nvPr/>
+          </p:nvPicPr>
+          <p:blipFill>
+            <a:blip r:embed="rId6">
+              <a:extLst>
+                <a:ext uri="{28A0092B-C50C-407E-A947-70E740481C1C}">
+                  <a14:useLocalDpi xmlns:a14="http://schemas.microsoft.com/office/drawing/2010/main" val="0"/>
+                </a:ext>
+              </a:extLst>
+            </a:blip>
+            <a:srcRect/>
+            <a:stretch>
+              <a:fillRect/>
+            </a:stretch>
+          </p:blipFill>
+          <p:spPr bwMode="auto">
+            <a:xfrm>
+              <a:off x="6591300" y="1599024"/>
+              <a:ext cx="2073111" cy="1981200"/>
+            </a:xfrm>
+            <a:prstGeom prst="rect">
+              <a:avLst/>
+            </a:prstGeom>
+            <a:noFill/>
+            <a:extLst>
+              <a:ext uri="{909E8E84-426E-40DD-AFC4-6F175D3DCCD1}">
+                <a14:hiddenFill xmlns:a14="http://schemas.microsoft.com/office/drawing/2010/main">
+                  <a:solidFill>
+                    <a:srgbClr val="FFFFFF"/>
+                  </a:solidFill>
+                </a14:hiddenFill>
+              </a:ext>
+            </a:extLst>
+          </p:spPr>
+        </p:pic>
+        <p:sp>
+          <p:nvSpPr>
+            <p:cNvPr id="8" name="TextBox 7"/>
+            <p:cNvSpPr txBox="1"/>
+            <p:nvPr/>
+          </p:nvSpPr>
+          <p:spPr>
+            <a:xfrm>
+              <a:off x="6446755" y="3629810"/>
+              <a:ext cx="2362200" cy="523220"/>
+            </a:xfrm>
+            <a:prstGeom prst="rect">
+              <a:avLst/>
+            </a:prstGeom>
+            <a:noFill/>
+          </p:spPr>
+          <p:txBody>
+            <a:bodyPr wrap="square" rtlCol="0">
+              <a:spAutoFit/>
+            </a:bodyPr>
+            <a:lstStyle/>
+            <a:p>
+              <a:r>
+                <a:rPr lang="en-US" sz="1400" dirty="0" err="1" smtClean="0"/>
+                <a:t>Phát</a:t>
+              </a:r>
+              <a:r>
+                <a:rPr lang="en-US" sz="1400" dirty="0" smtClean="0"/>
+                <a:t> </a:t>
+              </a:r>
+              <a:r>
+                <a:rPr lang="en-US" sz="1400" dirty="0" err="1" smtClean="0"/>
+                <a:t>triển</a:t>
+              </a:r>
+              <a:r>
+                <a:rPr lang="en-US" sz="1400" dirty="0" smtClean="0"/>
+                <a:t> </a:t>
+              </a:r>
+              <a:r>
+                <a:rPr lang="en-US" sz="1400" dirty="0" err="1" smtClean="0"/>
+                <a:t>ứng</a:t>
+              </a:r>
+              <a:r>
+                <a:rPr lang="en-US" sz="1400" dirty="0" smtClean="0"/>
+                <a:t> </a:t>
+              </a:r>
+              <a:r>
+                <a:rPr lang="en-US" sz="1400" dirty="0" err="1" smtClean="0"/>
+                <a:t>dụng</a:t>
+              </a:r>
+              <a:r>
+                <a:rPr lang="en-US" sz="1400" dirty="0" smtClean="0"/>
+                <a:t> </a:t>
+              </a:r>
+              <a:r>
+                <a:rPr lang="en-US" sz="1400" dirty="0" err="1" smtClean="0"/>
+                <a:t>trên</a:t>
+              </a:r>
+              <a:r>
+                <a:rPr lang="en-US" sz="1400" dirty="0" smtClean="0"/>
+                <a:t> </a:t>
+              </a:r>
+              <a:r>
+                <a:rPr lang="en-US" sz="1400" dirty="0" err="1" smtClean="0"/>
+                <a:t>nền</a:t>
+              </a:r>
+              <a:r>
+                <a:rPr lang="en-US" sz="1400" dirty="0" smtClean="0"/>
+                <a:t> </a:t>
+              </a:r>
+              <a:r>
+                <a:rPr lang="en-US" sz="1400" dirty="0" err="1" smtClean="0"/>
+                <a:t>tảng</a:t>
+              </a:r>
+              <a:r>
+                <a:rPr lang="en-US" sz="1400" dirty="0" smtClean="0"/>
+                <a:t> </a:t>
+              </a:r>
+              <a:r>
+                <a:rPr lang="en-US" sz="1400" dirty="0" err="1" smtClean="0"/>
+                <a:t>khác</a:t>
+              </a:r>
+              <a:r>
+                <a:rPr lang="en-US" sz="1400" dirty="0" smtClean="0"/>
+                <a:t> </a:t>
+              </a:r>
+              <a:r>
+                <a:rPr lang="en-US" sz="1400" dirty="0" err="1" smtClean="0"/>
+                <a:t>nhau</a:t>
+              </a:r>
+              <a:endParaRPr lang="en-US" sz="1400" dirty="0"/>
+            </a:p>
+          </p:txBody>
+        </p:sp>
+      </p:grpSp>
     </p:spTree>
     <p:extLst>
       <p:ext uri="{BB962C8B-B14F-4D97-AF65-F5344CB8AC3E}">
-        <p14:creationId xmlns:p14="http://schemas.microsoft.com/office/powerpoint/2010/main" val="1407152994"/>
+        <p14:creationId xmlns:p14="http://schemas.microsoft.com/office/powerpoint/2010/main" val="1234422716"/>
       </p:ext>
     </p:extLst>
   </p:cSld>
@@ -35007,6 +35925,59 @@
       </p:par>
     </p:tnLst>
   </p:timing>
+</p:sld>
+</file>
+
+<file path=ppt/slides/slide20.xml><?xml version="1.0" encoding="utf-8"?>
+<p:sld xmlns:a="http://schemas.openxmlformats.org/drawingml/2006/main" xmlns:r="http://schemas.openxmlformats.org/officeDocument/2006/relationships" xmlns:p="http://schemas.openxmlformats.org/presentationml/2006/main">
+  <p:cSld>
+    <p:spTree>
+      <p:nvGrpSpPr>
+        <p:cNvPr id="1" name=""/>
+        <p:cNvGrpSpPr/>
+        <p:nvPr/>
+      </p:nvGrpSpPr>
+      <p:grpSpPr>
+        <a:xfrm>
+          <a:off x="0" y="0"/>
+          <a:ext cx="0" cy="0"/>
+          <a:chOff x="0" y="0"/>
+          <a:chExt cx="0" cy="0"/>
+        </a:xfrm>
+      </p:grpSpPr>
+      <p:sp>
+        <p:nvSpPr>
+          <p:cNvPr id="3" name="Title 2"/>
+          <p:cNvSpPr>
+            <a:spLocks noGrp="1"/>
+          </p:cNvSpPr>
+          <p:nvPr>
+            <p:ph type="title"/>
+          </p:nvPr>
+        </p:nvSpPr>
+        <p:spPr/>
+        <p:txBody>
+          <a:bodyPr/>
+          <a:lstStyle/>
+          <a:p>
+            <a:r>
+              <a:rPr lang="en-US" dirty="0" smtClean="0"/>
+              <a:t>ĐÓNG GÓP</a:t>
+            </a:r>
+            <a:endParaRPr lang="en-US" dirty="0"/>
+          </a:p>
+        </p:txBody>
+      </p:sp>
+    </p:spTree>
+    <p:extLst>
+      <p:ext uri="{BB962C8B-B14F-4D97-AF65-F5344CB8AC3E}">
+        <p14:creationId xmlns:p14="http://schemas.microsoft.com/office/powerpoint/2010/main" val="3248176122"/>
+      </p:ext>
+    </p:extLst>
+  </p:cSld>
+  <p:clrMapOvr>
+    <a:masterClrMapping/>
+  </p:clrMapOvr>
 </p:sld>
 </file>
 
@@ -35812,6 +36783,362 @@
           <a:p>
             <a:r>
               <a:rPr lang="en-US" dirty="0" smtClean="0"/>
+              <a:t>GIẢI PHÁP TRUYỀN THỐNG</a:t>
+            </a:r>
+            <a:endParaRPr lang="en-US" dirty="0"/>
+          </a:p>
+        </p:txBody>
+      </p:sp>
+      <p:grpSp>
+        <p:nvGrpSpPr>
+          <p:cNvPr id="8" name="Group 7"/>
+          <p:cNvGrpSpPr/>
+          <p:nvPr/>
+        </p:nvGrpSpPr>
+        <p:grpSpPr>
+          <a:xfrm>
+            <a:off x="533400" y="1428750"/>
+            <a:ext cx="6653998" cy="1575317"/>
+            <a:chOff x="1066801" y="2105024"/>
+            <a:chExt cx="5232837" cy="1607583"/>
+          </a:xfrm>
+        </p:grpSpPr>
+        <p:sp>
+          <p:nvSpPr>
+            <p:cNvPr id="5" name="TextBox 4"/>
+            <p:cNvSpPr txBox="1"/>
+            <p:nvPr/>
+          </p:nvSpPr>
+          <p:spPr>
+            <a:xfrm>
+              <a:off x="2600082" y="2720367"/>
+              <a:ext cx="3699556" cy="471121"/>
+            </a:xfrm>
+            <a:prstGeom prst="rect">
+              <a:avLst/>
+            </a:prstGeom>
+            <a:noFill/>
+          </p:spPr>
+          <p:txBody>
+            <a:bodyPr wrap="none" rtlCol="0">
+              <a:spAutoFit/>
+            </a:bodyPr>
+            <a:lstStyle/>
+            <a:p>
+              <a:r>
+                <a:rPr lang="en-US" sz="2400" i="1" dirty="0" err="1" smtClean="0"/>
+                <a:t>Tạo</a:t>
+              </a:r>
+              <a:r>
+                <a:rPr lang="en-US" sz="2400" i="1" dirty="0" smtClean="0"/>
+                <a:t> </a:t>
+              </a:r>
+              <a:r>
+                <a:rPr lang="en-US" sz="2400" i="1" dirty="0" err="1" smtClean="0"/>
+                <a:t>các</a:t>
+              </a:r>
+              <a:r>
+                <a:rPr lang="en-US" sz="2400" i="1" dirty="0" smtClean="0"/>
+                <a:t> </a:t>
+              </a:r>
+              <a:r>
+                <a:rPr lang="en-US" sz="2400" i="1" dirty="0" err="1" smtClean="0"/>
+                <a:t>khóa</a:t>
+              </a:r>
+              <a:r>
+                <a:rPr lang="en-US" sz="2400" i="1" dirty="0" smtClean="0"/>
+                <a:t> </a:t>
+              </a:r>
+              <a:r>
+                <a:rPr lang="en-US" sz="2400" i="1" dirty="0" err="1" smtClean="0"/>
+                <a:t>đào</a:t>
+              </a:r>
+              <a:r>
+                <a:rPr lang="en-US" sz="2400" i="1" dirty="0" smtClean="0"/>
+                <a:t> </a:t>
+              </a:r>
+              <a:r>
+                <a:rPr lang="en-US" sz="2400" i="1" dirty="0" err="1" smtClean="0"/>
+                <a:t>tạo</a:t>
+              </a:r>
+              <a:r>
+                <a:rPr lang="en-US" sz="2400" i="1" dirty="0" smtClean="0"/>
+                <a:t> </a:t>
+              </a:r>
+              <a:r>
+                <a:rPr lang="en-US" sz="2400" i="1" dirty="0" err="1" smtClean="0"/>
+                <a:t>cho</a:t>
+              </a:r>
+              <a:r>
+                <a:rPr lang="en-US" sz="2400" i="1" dirty="0" smtClean="0"/>
+                <a:t> </a:t>
+              </a:r>
+              <a:r>
+                <a:rPr lang="en-US" sz="2400" i="1" dirty="0" err="1" smtClean="0"/>
+                <a:t>nhân</a:t>
+              </a:r>
+              <a:r>
+                <a:rPr lang="en-US" sz="2400" i="1" dirty="0" smtClean="0"/>
+                <a:t> </a:t>
+              </a:r>
+              <a:r>
+                <a:rPr lang="en-US" sz="2400" i="1" dirty="0" err="1" smtClean="0"/>
+                <a:t>viên</a:t>
+              </a:r>
+              <a:r>
+                <a:rPr lang="en-US" sz="2400" i="1" dirty="0" smtClean="0"/>
+                <a:t>.</a:t>
+              </a:r>
+              <a:endParaRPr lang="en-US" sz="2400" i="1" dirty="0"/>
+            </a:p>
+          </p:txBody>
+        </p:sp>
+        <p:pic>
+          <p:nvPicPr>
+            <p:cNvPr id="4100" name="Picture 4" descr="http://superdigitaltechnology.com/imgs/web-trainning.png"/>
+            <p:cNvPicPr>
+              <a:picLocks noChangeAspect="1" noChangeArrowheads="1"/>
+            </p:cNvPicPr>
+            <p:nvPr/>
+          </p:nvPicPr>
+          <p:blipFill>
+            <a:blip r:embed="rId2">
+              <a:extLst>
+                <a:ext uri="{28A0092B-C50C-407E-A947-70E740481C1C}">
+                  <a14:useLocalDpi xmlns:a14="http://schemas.microsoft.com/office/drawing/2010/main" val="0"/>
+                </a:ext>
+              </a:extLst>
+            </a:blip>
+            <a:srcRect/>
+            <a:stretch>
+              <a:fillRect/>
+            </a:stretch>
+          </p:blipFill>
+          <p:spPr bwMode="auto">
+            <a:xfrm>
+              <a:off x="1066801" y="2105024"/>
+              <a:ext cx="1318354" cy="1607583"/>
+            </a:xfrm>
+            <a:prstGeom prst="rect">
+              <a:avLst/>
+            </a:prstGeom>
+            <a:noFill/>
+            <a:extLst>
+              <a:ext uri="{909E8E84-426E-40DD-AFC4-6F175D3DCCD1}">
+                <a14:hiddenFill xmlns:a14="http://schemas.microsoft.com/office/drawing/2010/main">
+                  <a:solidFill>
+                    <a:srgbClr val="FFFFFF"/>
+                  </a:solidFill>
+                </a14:hiddenFill>
+              </a:ext>
+            </a:extLst>
+          </p:spPr>
+        </p:pic>
+      </p:grpSp>
+      <p:grpSp>
+        <p:nvGrpSpPr>
+          <p:cNvPr id="7" name="Group 6"/>
+          <p:cNvGrpSpPr/>
+          <p:nvPr/>
+        </p:nvGrpSpPr>
+        <p:grpSpPr>
+          <a:xfrm>
+            <a:off x="1044298" y="3105150"/>
+            <a:ext cx="7696199" cy="1745218"/>
+            <a:chOff x="1818516" y="1096149"/>
+            <a:chExt cx="6578180" cy="1403866"/>
+          </a:xfrm>
+        </p:grpSpPr>
+        <p:sp>
+          <p:nvSpPr>
+            <p:cNvPr id="4" name="TextBox 3"/>
+            <p:cNvSpPr txBox="1"/>
+            <p:nvPr/>
+          </p:nvSpPr>
+          <p:spPr>
+            <a:xfrm>
+              <a:off x="1818516" y="1505694"/>
+              <a:ext cx="4568938" cy="321851"/>
+            </a:xfrm>
+            <a:prstGeom prst="rect">
+              <a:avLst/>
+            </a:prstGeom>
+            <a:noFill/>
+          </p:spPr>
+          <p:txBody>
+            <a:bodyPr wrap="square" rtlCol="0">
+              <a:spAutoFit/>
+            </a:bodyPr>
+            <a:lstStyle/>
+            <a:p>
+              <a:r>
+                <a:rPr lang="en-US" sz="2000" i="1" dirty="0" err="1" smtClean="0"/>
+                <a:t>Thuê</a:t>
+              </a:r>
+              <a:r>
+                <a:rPr lang="en-US" sz="2000" i="1" dirty="0" smtClean="0"/>
+                <a:t> </a:t>
+              </a:r>
+              <a:r>
+                <a:rPr lang="en-US" sz="2000" i="1" dirty="0" err="1" smtClean="0"/>
+                <a:t>thêm</a:t>
+              </a:r>
+              <a:r>
+                <a:rPr lang="en-US" sz="2000" i="1" dirty="0" smtClean="0"/>
+                <a:t> </a:t>
+              </a:r>
+              <a:r>
+                <a:rPr lang="en-US" sz="2000" i="1" dirty="0" err="1" smtClean="0"/>
+                <a:t>nhân</a:t>
+              </a:r>
+              <a:r>
+                <a:rPr lang="en-US" sz="2000" i="1" dirty="0" smtClean="0"/>
+                <a:t> </a:t>
+              </a:r>
+              <a:r>
+                <a:rPr lang="en-US" sz="2000" i="1" dirty="0" err="1" smtClean="0"/>
+                <a:t>công</a:t>
+              </a:r>
+              <a:r>
+                <a:rPr lang="en-US" sz="2000" i="1" dirty="0" smtClean="0"/>
+                <a:t> </a:t>
+              </a:r>
+              <a:r>
+                <a:rPr lang="en-US" sz="2000" i="1" dirty="0" err="1" smtClean="0"/>
+                <a:t>có</a:t>
+              </a:r>
+              <a:r>
+                <a:rPr lang="en-US" sz="2000" i="1" dirty="0" smtClean="0"/>
+                <a:t> </a:t>
+              </a:r>
+              <a:r>
+                <a:rPr lang="en-US" sz="2000" i="1" dirty="0" err="1" smtClean="0"/>
+                <a:t>tay</a:t>
+              </a:r>
+              <a:r>
+                <a:rPr lang="en-US" sz="2000" i="1" dirty="0" smtClean="0"/>
+                <a:t> </a:t>
+              </a:r>
+              <a:r>
+                <a:rPr lang="en-US" sz="2000" i="1" dirty="0" err="1" smtClean="0"/>
+                <a:t>nghề</a:t>
+              </a:r>
+              <a:r>
+                <a:rPr lang="en-US" sz="2000" i="1" dirty="0" smtClean="0"/>
+                <a:t>, </a:t>
+              </a:r>
+              <a:r>
+                <a:rPr lang="en-US" sz="2000" i="1" dirty="0" err="1" smtClean="0"/>
+                <a:t>kinh</a:t>
+              </a:r>
+              <a:r>
+                <a:rPr lang="en-US" sz="2000" i="1" dirty="0" smtClean="0"/>
+                <a:t> </a:t>
+              </a:r>
+              <a:r>
+                <a:rPr lang="en-US" sz="2000" i="1" dirty="0" err="1" smtClean="0"/>
+                <a:t>nghiệm</a:t>
+              </a:r>
+              <a:endParaRPr lang="en-US" sz="2000" i="1" dirty="0"/>
+            </a:p>
+          </p:txBody>
+        </p:sp>
+        <p:pic>
+          <p:nvPicPr>
+            <p:cNvPr id="4102" name="Picture 6" descr="http://us.123rf.com/450wm/jirsak/jirsak1307/jirsak130700004/20708182-human-resources-crm-data-mining-assessment-center-and-social-media-concept--officer-looking-for-empl.jpg?ver=6"/>
+            <p:cNvPicPr>
+              <a:picLocks noChangeAspect="1" noChangeArrowheads="1"/>
+            </p:cNvPicPr>
+            <p:nvPr/>
+          </p:nvPicPr>
+          <p:blipFill>
+            <a:blip r:embed="rId3">
+              <a:extLst>
+                <a:ext uri="{28A0092B-C50C-407E-A947-70E740481C1C}">
+                  <a14:useLocalDpi xmlns:a14="http://schemas.microsoft.com/office/drawing/2010/main" val="0"/>
+                </a:ext>
+              </a:extLst>
+            </a:blip>
+            <a:srcRect/>
+            <a:stretch>
+              <a:fillRect/>
+            </a:stretch>
+          </p:blipFill>
+          <p:spPr bwMode="auto">
+            <a:xfrm>
+              <a:off x="6566017" y="1096149"/>
+              <a:ext cx="1830679" cy="1403866"/>
+            </a:xfrm>
+            <a:prstGeom prst="rect">
+              <a:avLst/>
+            </a:prstGeom>
+            <a:noFill/>
+            <a:extLst>
+              <a:ext uri="{909E8E84-426E-40DD-AFC4-6F175D3DCCD1}">
+                <a14:hiddenFill xmlns:a14="http://schemas.microsoft.com/office/drawing/2010/main">
+                  <a:solidFill>
+                    <a:srgbClr val="FFFFFF"/>
+                  </a:solidFill>
+                </a14:hiddenFill>
+              </a:ext>
+            </a:extLst>
+          </p:spPr>
+        </p:pic>
+      </p:grpSp>
+    </p:spTree>
+    <p:extLst>
+      <p:ext uri="{BB962C8B-B14F-4D97-AF65-F5344CB8AC3E}">
+        <p14:creationId xmlns:p14="http://schemas.microsoft.com/office/powerpoint/2010/main" val="304462114"/>
+      </p:ext>
+    </p:extLst>
+  </p:cSld>
+  <p:clrMapOvr>
+    <a:masterClrMapping/>
+  </p:clrMapOvr>
+  <p:timing>
+    <p:tnLst>
+      <p:par>
+        <p:cTn id="1" dur="indefinite" restart="never" nodeType="tmRoot"/>
+      </p:par>
+    </p:tnLst>
+  </p:timing>
+</p:sld>
+</file>
+
+<file path=ppt/slides/slide6.xml><?xml version="1.0" encoding="utf-8"?>
+<p:sld xmlns:a="http://schemas.openxmlformats.org/drawingml/2006/main" xmlns:r="http://schemas.openxmlformats.org/officeDocument/2006/relationships" xmlns:p="http://schemas.openxmlformats.org/presentationml/2006/main">
+  <p:cSld>
+    <p:spTree>
+      <p:nvGrpSpPr>
+        <p:cNvPr id="1" name=""/>
+        <p:cNvGrpSpPr/>
+        <p:nvPr/>
+      </p:nvGrpSpPr>
+      <p:grpSpPr>
+        <a:xfrm>
+          <a:off x="0" y="0"/>
+          <a:ext cx="0" cy="0"/>
+          <a:chOff x="0" y="0"/>
+          <a:chExt cx="0" cy="0"/>
+        </a:xfrm>
+      </p:grpSpPr>
+      <p:sp>
+        <p:nvSpPr>
+          <p:cNvPr id="3" name="Title 2"/>
+          <p:cNvSpPr>
+            <a:spLocks noGrp="1"/>
+          </p:cNvSpPr>
+          <p:nvPr>
+            <p:ph type="title"/>
+          </p:nvPr>
+        </p:nvSpPr>
+        <p:spPr/>
+        <p:txBody>
+          <a:bodyPr/>
+          <a:lstStyle/>
+          <a:p>
+            <a:r>
+              <a:rPr lang="en-US" dirty="0" smtClean="0"/>
               <a:t>HỆ QUẢ</a:t>
             </a:r>
             <a:endParaRPr lang="en-US" dirty="0"/>
@@ -35863,68 +37190,6 @@
           </a:p>
         </p:txBody>
       </p:sp>
-      <p:pic>
-        <p:nvPicPr>
-          <p:cNvPr id="1028" name="Picture 4"/>
-          <p:cNvPicPr>
-            <a:picLocks noChangeAspect="1" noChangeArrowheads="1"/>
-          </p:cNvPicPr>
-          <p:nvPr/>
-        </p:nvPicPr>
-        <p:blipFill rotWithShape="1">
-          <a:blip r:embed="rId2">
-            <a:extLst>
-              <a:ext uri="{28A0092B-C50C-407E-A947-70E740481C1C}">
-                <a14:useLocalDpi xmlns:a14="http://schemas.microsoft.com/office/drawing/2010/main" val="0"/>
-              </a:ext>
-            </a:extLst>
-          </a:blip>
-          <a:srcRect l="6016" t="16349" r="10965" b="6974"/>
-          <a:stretch/>
-        </p:blipFill>
-        <p:spPr bwMode="auto">
-          <a:xfrm>
-            <a:off x="2286000" y="1733550"/>
-            <a:ext cx="4427512" cy="2057400"/>
-          </a:xfrm>
-          <a:prstGeom prst="rect">
-            <a:avLst/>
-          </a:prstGeom>
-          <a:noFill/>
-          <a:ln>
-            <a:noFill/>
-          </a:ln>
-          <a:effectLst/>
-          <a:extLst>
-            <a:ext uri="{909E8E84-426E-40DD-AFC4-6F175D3DCCD1}">
-              <a14:hiddenFill xmlns:a14="http://schemas.microsoft.com/office/drawing/2010/main">
-                <a:solidFill>
-                  <a:schemeClr val="accent1"/>
-                </a:solidFill>
-              </a14:hiddenFill>
-            </a:ext>
-            <a:ext uri="{91240B29-F687-4F45-9708-019B960494DF}">
-              <a14:hiddenLine xmlns:a14="http://schemas.microsoft.com/office/drawing/2010/main" w="9525">
-                <a:solidFill>
-                  <a:schemeClr val="tx1"/>
-                </a:solidFill>
-                <a:miter lim="800000"/>
-                <a:headEnd/>
-                <a:tailEnd/>
-              </a14:hiddenLine>
-            </a:ext>
-            <a:ext uri="{AF507438-7753-43E0-B8FC-AC1667EBCBE1}">
-              <a14:hiddenEffects xmlns:a14="http://schemas.microsoft.com/office/drawing/2010/main">
-                <a:effectLst>
-                  <a:outerShdw dist="35921" dir="2700000" algn="ctr" rotWithShape="0">
-                    <a:schemeClr val="bg2"/>
-                  </a:outerShdw>
-                </a:effectLst>
-              </a14:hiddenEffects>
-            </a:ext>
-          </a:extLst>
-        </p:spPr>
-      </p:pic>
       <p:grpSp>
         <p:nvGrpSpPr>
           <p:cNvPr id="9" name="Group 8"/>
@@ -35933,7 +37198,7 @@
         </p:nvGrpSpPr>
         <p:grpSpPr>
           <a:xfrm>
-            <a:off x="1961156" y="4062036"/>
+            <a:off x="1318700" y="3779687"/>
             <a:ext cx="2172723" cy="441159"/>
             <a:chOff x="1642684" y="4062036"/>
             <a:chExt cx="2172723" cy="441159"/>
@@ -35948,7 +37213,7 @@
             <p:nvPr/>
           </p:nvPicPr>
           <p:blipFill>
-            <a:blip r:embed="rId3" cstate="print">
+            <a:blip r:embed="rId2" cstate="print">
               <a:extLst>
                 <a:ext uri="{28A0092B-C50C-407E-A947-70E740481C1C}">
                   <a14:useLocalDpi xmlns:a14="http://schemas.microsoft.com/office/drawing/2010/main" val="0"/>
@@ -36043,7 +37308,7 @@
         </p:nvGrpSpPr>
         <p:grpSpPr>
           <a:xfrm>
-            <a:off x="4958590" y="4064786"/>
+            <a:off x="5496539" y="3802864"/>
             <a:ext cx="2875182" cy="441159"/>
             <a:chOff x="4832340" y="4075744"/>
             <a:chExt cx="2875182" cy="441159"/>
@@ -36121,7 +37386,7 @@
             <p:nvPr/>
           </p:nvPicPr>
           <p:blipFill>
-            <a:blip r:embed="rId3" cstate="print">
+            <a:blip r:embed="rId2" cstate="print">
               <a:extLst>
                 <a:ext uri="{28A0092B-C50C-407E-A947-70E740481C1C}">
                   <a14:useLocalDpi xmlns:a14="http://schemas.microsoft.com/office/drawing/2010/main" val="0"/>
@@ -36157,6 +37422,86 @@
           </p:spPr>
         </p:pic>
       </p:grpSp>
+      <p:pic>
+        <p:nvPicPr>
+          <p:cNvPr id="3074" name="Picture 2" descr="http://f3y.com/wp-content/uploads/2010/11/business-increase-profits.jpg"/>
+          <p:cNvPicPr>
+            <a:picLocks noChangeAspect="1" noChangeArrowheads="1"/>
+          </p:cNvPicPr>
+          <p:nvPr/>
+        </p:nvPicPr>
+        <p:blipFill>
+          <a:blip r:embed="rId3">
+            <a:extLst>
+              <a:ext uri="{28A0092B-C50C-407E-A947-70E740481C1C}">
+                <a14:useLocalDpi xmlns:a14="http://schemas.microsoft.com/office/drawing/2010/main" val="0"/>
+              </a:ext>
+            </a:extLst>
+          </a:blip>
+          <a:srcRect/>
+          <a:stretch>
+            <a:fillRect/>
+          </a:stretch>
+        </p:blipFill>
+        <p:spPr bwMode="auto">
+          <a:xfrm>
+            <a:off x="1091257" y="1665137"/>
+            <a:ext cx="2743200" cy="2057400"/>
+          </a:xfrm>
+          <a:prstGeom prst="rect">
+            <a:avLst/>
+          </a:prstGeom>
+          <a:noFill/>
+          <a:extLst>
+            <a:ext uri="{909E8E84-426E-40DD-AFC4-6F175D3DCCD1}">
+              <a14:hiddenFill xmlns:a14="http://schemas.microsoft.com/office/drawing/2010/main">
+                <a:solidFill>
+                  <a:srgbClr val="FFFFFF"/>
+                </a:solidFill>
+              </a14:hiddenFill>
+            </a:ext>
+          </a:extLst>
+        </p:spPr>
+      </p:pic>
+      <p:pic>
+        <p:nvPicPr>
+          <p:cNvPr id="3076" name="Picture 4" descr="http://www.biz2credit.com/blog/wp-content/uploads/2014/11/Why-Your-Sales-Are-Decreasing.png"/>
+          <p:cNvPicPr>
+            <a:picLocks noChangeAspect="1" noChangeArrowheads="1"/>
+          </p:cNvPicPr>
+          <p:nvPr/>
+        </p:nvPicPr>
+        <p:blipFill rotWithShape="1">
+          <a:blip r:embed="rId4">
+            <a:extLst>
+              <a:ext uri="{28A0092B-C50C-407E-A947-70E740481C1C}">
+                <a14:useLocalDpi xmlns:a14="http://schemas.microsoft.com/office/drawing/2010/main" val="0"/>
+              </a:ext>
+            </a:extLst>
+          </a:blip>
+          <a:srcRect l="16210" r="13815"/>
+          <a:stretch/>
+        </p:blipFill>
+        <p:spPr bwMode="auto">
+          <a:xfrm>
+            <a:off x="5732953" y="1828800"/>
+            <a:ext cx="2537072" cy="1893737"/>
+          </a:xfrm>
+          <a:prstGeom prst="rect">
+            <a:avLst/>
+          </a:prstGeom>
+          <a:noFill/>
+          <a:extLst>
+            <a:ext uri="{909E8E84-426E-40DD-AFC4-6F175D3DCCD1}">
+              <a14:hiddenFill xmlns:a14="http://schemas.microsoft.com/office/drawing/2010/main">
+                <a:solidFill>
+                  <a:srgbClr val="FFFFFF"/>
+                </a:solidFill>
+              </a14:hiddenFill>
+            </a:ext>
+          </a:extLst>
+        </p:spPr>
+      </p:pic>
     </p:spTree>
     <p:extLst>
       <p:ext uri="{BB962C8B-B14F-4D97-AF65-F5344CB8AC3E}">
@@ -36177,7 +37522,7 @@
 </p:sld>
 </file>
 
-<file path=ppt/slides/slide6.xml><?xml version="1.0" encoding="utf-8"?>
+<file path=ppt/slides/slide7.xml><?xml version="1.0" encoding="utf-8"?>
 <p:sld xmlns:a="http://schemas.openxmlformats.org/drawingml/2006/main" xmlns:r="http://schemas.openxmlformats.org/officeDocument/2006/relationships" xmlns:p="http://schemas.openxmlformats.org/presentationml/2006/main">
   <p:cSld>
     <p:spTree>
@@ -36408,7 +37753,7 @@
 </p:sld>
 </file>
 
-<file path=ppt/slides/slide7.xml><?xml version="1.0" encoding="utf-8"?>
+<file path=ppt/slides/slide8.xml><?xml version="1.0" encoding="utf-8"?>
 <p:sld xmlns:a="http://schemas.openxmlformats.org/drawingml/2006/main" xmlns:r="http://schemas.openxmlformats.org/officeDocument/2006/relationships" xmlns:p="http://schemas.openxmlformats.org/presentationml/2006/main">
   <p:cSld>
     <p:spTree>
@@ -36864,7 +38209,7 @@
 </p:sld>
 </file>
 
-<file path=ppt/slides/slide8.xml><?xml version="1.0" encoding="utf-8"?>
+<file path=ppt/slides/slide9.xml><?xml version="1.0" encoding="utf-8"?>
 <p:sld xmlns:a="http://schemas.openxmlformats.org/drawingml/2006/main" xmlns:r="http://schemas.openxmlformats.org/officeDocument/2006/relationships" xmlns:p="http://schemas.openxmlformats.org/presentationml/2006/main">
   <p:cSld>
     <p:spTree>
@@ -37343,372 +38688,6 @@
     <p:extLst>
       <p:ext uri="{BB962C8B-B14F-4D97-AF65-F5344CB8AC3E}">
         <p14:creationId xmlns:p14="http://schemas.microsoft.com/office/powerpoint/2010/main" val="3361453668"/>
-      </p:ext>
-    </p:extLst>
-  </p:cSld>
-  <p:clrMapOvr>
-    <a:masterClrMapping/>
-  </p:clrMapOvr>
-  <p:timing>
-    <p:tnLst>
-      <p:par>
-        <p:cTn id="1" dur="indefinite" restart="never" nodeType="tmRoot"/>
-      </p:par>
-    </p:tnLst>
-  </p:timing>
-</p:sld>
-</file>
-
-<file path=ppt/slides/slide9.xml><?xml version="1.0" encoding="utf-8"?>
-<p:sld xmlns:a="http://schemas.openxmlformats.org/drawingml/2006/main" xmlns:r="http://schemas.openxmlformats.org/officeDocument/2006/relationships" xmlns:p="http://schemas.openxmlformats.org/presentationml/2006/main">
-  <p:cSld>
-    <p:spTree>
-      <p:nvGrpSpPr>
-        <p:cNvPr id="1" name=""/>
-        <p:cNvGrpSpPr/>
-        <p:nvPr/>
-      </p:nvGrpSpPr>
-      <p:grpSpPr>
-        <a:xfrm>
-          <a:off x="0" y="0"/>
-          <a:ext cx="0" cy="0"/>
-          <a:chOff x="0" y="0"/>
-          <a:chExt cx="0" cy="0"/>
-        </a:xfrm>
-      </p:grpSpPr>
-      <p:sp>
-        <p:nvSpPr>
-          <p:cNvPr id="3" name="Title 2"/>
-          <p:cNvSpPr>
-            <a:spLocks noGrp="1"/>
-          </p:cNvSpPr>
-          <p:nvPr>
-            <p:ph type="title"/>
-          </p:nvPr>
-        </p:nvSpPr>
-        <p:spPr/>
-        <p:txBody>
-          <a:bodyPr/>
-          <a:lstStyle/>
-          <a:p>
-            <a:r>
-              <a:rPr lang="en-US" dirty="0" smtClean="0"/>
-              <a:t>MỤC TIÊU ĐỀ TÀI</a:t>
-            </a:r>
-            <a:endParaRPr lang="en-US" dirty="0"/>
-          </a:p>
-        </p:txBody>
-      </p:sp>
-      <p:grpSp>
-        <p:nvGrpSpPr>
-          <p:cNvPr id="14" name="Group 13"/>
-          <p:cNvGrpSpPr/>
-          <p:nvPr/>
-        </p:nvGrpSpPr>
-        <p:grpSpPr>
-          <a:xfrm>
-            <a:off x="1447800" y="1550041"/>
-            <a:ext cx="2112661" cy="2499371"/>
-            <a:chOff x="3221476" y="1504950"/>
-            <a:chExt cx="2112661" cy="2499371"/>
-          </a:xfrm>
-        </p:grpSpPr>
-        <p:sp>
-          <p:nvSpPr>
-            <p:cNvPr id="15" name="TextBox 14"/>
-            <p:cNvSpPr txBox="1"/>
-            <p:nvPr/>
-          </p:nvSpPr>
-          <p:spPr>
-            <a:xfrm>
-              <a:off x="3221476" y="3634989"/>
-              <a:ext cx="2112661" cy="369332"/>
-            </a:xfrm>
-            <a:prstGeom prst="rect">
-              <a:avLst/>
-            </a:prstGeom>
-            <a:noFill/>
-          </p:spPr>
-          <p:txBody>
-            <a:bodyPr wrap="square" rtlCol="0">
-              <a:spAutoFit/>
-            </a:bodyPr>
-            <a:lstStyle/>
-            <a:p>
-              <a:pPr algn="ctr"/>
-              <a:r>
-                <a:rPr lang="en-US" dirty="0" err="1" smtClean="0"/>
-                <a:t>Báo</a:t>
-              </a:r>
-              <a:r>
-                <a:rPr lang="en-US" dirty="0" smtClean="0"/>
-                <a:t> </a:t>
-              </a:r>
-              <a:r>
-                <a:rPr lang="en-US" dirty="0" err="1" smtClean="0"/>
-                <a:t>cáo</a:t>
-              </a:r>
-              <a:r>
-                <a:rPr lang="en-US" dirty="0" smtClean="0"/>
-                <a:t> </a:t>
-              </a:r>
-              <a:r>
-                <a:rPr lang="en-US" dirty="0" err="1" smtClean="0"/>
-                <a:t>hiệu</a:t>
-              </a:r>
-              <a:r>
-                <a:rPr lang="en-US" dirty="0" smtClean="0"/>
-                <a:t> </a:t>
-              </a:r>
-              <a:r>
-                <a:rPr lang="en-US" dirty="0" err="1" smtClean="0"/>
-                <a:t>quả</a:t>
-              </a:r>
-              <a:endParaRPr lang="en-US" dirty="0" smtClean="0"/>
-            </a:p>
-          </p:txBody>
-        </p:sp>
-        <p:pic>
-          <p:nvPicPr>
-            <p:cNvPr id="16" name="Picture 4" descr="http://ec.europa.eu/environment/waste/reporting/images/173649127.jpg"/>
-            <p:cNvPicPr>
-              <a:picLocks noChangeAspect="1" noChangeArrowheads="1"/>
-            </p:cNvPicPr>
-            <p:nvPr/>
-          </p:nvPicPr>
-          <p:blipFill rotWithShape="1">
-            <a:blip r:embed="rId2">
-              <a:extLst>
-                <a:ext uri="{28A0092B-C50C-407E-A947-70E740481C1C}">
-                  <a14:useLocalDpi xmlns:a14="http://schemas.microsoft.com/office/drawing/2010/main" val="0"/>
-                </a:ext>
-              </a:extLst>
-            </a:blip>
-            <a:srcRect l="8267" t="8248" r="8734" b="8010"/>
-            <a:stretch/>
-          </p:blipFill>
-          <p:spPr bwMode="auto">
-            <a:xfrm>
-              <a:off x="3221476" y="1504950"/>
-              <a:ext cx="2112661" cy="2131574"/>
-            </a:xfrm>
-            <a:prstGeom prst="rect">
-              <a:avLst/>
-            </a:prstGeom>
-            <a:noFill/>
-            <a:extLst>
-              <a:ext uri="{909E8E84-426E-40DD-AFC4-6F175D3DCCD1}">
-                <a14:hiddenFill xmlns:a14="http://schemas.microsoft.com/office/drawing/2010/main">
-                  <a:solidFill>
-                    <a:srgbClr val="FFFFFF"/>
-                  </a:solidFill>
-                </a14:hiddenFill>
-              </a:ext>
-            </a:extLst>
-          </p:spPr>
-        </p:pic>
-      </p:grpSp>
-      <p:grpSp>
-        <p:nvGrpSpPr>
-          <p:cNvPr id="17" name="Group 16"/>
-          <p:cNvGrpSpPr/>
-          <p:nvPr/>
-        </p:nvGrpSpPr>
-        <p:grpSpPr>
-          <a:xfrm>
-            <a:off x="5510943" y="1937715"/>
-            <a:ext cx="1906621" cy="2093357"/>
-            <a:chOff x="6581572" y="2170646"/>
-            <a:chExt cx="1906621" cy="2093357"/>
-          </a:xfrm>
-        </p:grpSpPr>
-        <p:pic>
-          <p:nvPicPr>
-            <p:cNvPr id="18" name="Picture 6" descr="guider.jpg (200×181)"/>
-            <p:cNvPicPr>
-              <a:picLocks noChangeAspect="1" noChangeArrowheads="1"/>
-            </p:cNvPicPr>
-            <p:nvPr/>
-          </p:nvPicPr>
-          <p:blipFill>
-            <a:blip r:embed="rId3">
-              <a:extLst>
-                <a:ext uri="{28A0092B-C50C-407E-A947-70E740481C1C}">
-                  <a14:useLocalDpi xmlns:a14="http://schemas.microsoft.com/office/drawing/2010/main" val="0"/>
-                </a:ext>
-              </a:extLst>
-            </a:blip>
-            <a:srcRect/>
-            <a:stretch>
-              <a:fillRect/>
-            </a:stretch>
-          </p:blipFill>
-          <p:spPr bwMode="auto">
-            <a:xfrm>
-              <a:off x="6581572" y="2170646"/>
-              <a:ext cx="1905000" cy="1724025"/>
-            </a:xfrm>
-            <a:prstGeom prst="rect">
-              <a:avLst/>
-            </a:prstGeom>
-            <a:noFill/>
-            <a:extLst>
-              <a:ext uri="{909E8E84-426E-40DD-AFC4-6F175D3DCCD1}">
-                <a14:hiddenFill xmlns:a14="http://schemas.microsoft.com/office/drawing/2010/main">
-                  <a:solidFill>
-                    <a:srgbClr val="FFFFFF"/>
-                  </a:solidFill>
-                </a14:hiddenFill>
-              </a:ext>
-            </a:extLst>
-          </p:spPr>
-        </p:pic>
-        <p:sp>
-          <p:nvSpPr>
-            <p:cNvPr id="19" name="TextBox 18"/>
-            <p:cNvSpPr txBox="1"/>
-            <p:nvPr/>
-          </p:nvSpPr>
-          <p:spPr>
-            <a:xfrm>
-              <a:off x="6583193" y="3894671"/>
-              <a:ext cx="1905000" cy="369332"/>
-            </a:xfrm>
-            <a:prstGeom prst="rect">
-              <a:avLst/>
-            </a:prstGeom>
-            <a:noFill/>
-          </p:spPr>
-          <p:txBody>
-            <a:bodyPr wrap="square" rtlCol="0">
-              <a:spAutoFit/>
-            </a:bodyPr>
-            <a:lstStyle/>
-            <a:p>
-              <a:r>
-                <a:rPr lang="en-US" dirty="0" err="1" smtClean="0"/>
-                <a:t>Hỗ</a:t>
-              </a:r>
-              <a:r>
-                <a:rPr lang="en-US" dirty="0" smtClean="0"/>
-                <a:t> </a:t>
-              </a:r>
-              <a:r>
-                <a:rPr lang="en-US" dirty="0" err="1" smtClean="0"/>
-                <a:t>trợ</a:t>
-              </a:r>
-              <a:r>
-                <a:rPr lang="en-US" dirty="0" smtClean="0"/>
-                <a:t> </a:t>
-              </a:r>
-              <a:r>
-                <a:rPr lang="en-US" dirty="0" err="1" smtClean="0"/>
-                <a:t>quyết</a:t>
-              </a:r>
-              <a:r>
-                <a:rPr lang="en-US" dirty="0" smtClean="0"/>
-                <a:t> </a:t>
-              </a:r>
-              <a:r>
-                <a:rPr lang="en-US" dirty="0" err="1" smtClean="0"/>
-                <a:t>định</a:t>
-              </a:r>
-              <a:endParaRPr lang="en-US" dirty="0"/>
-            </a:p>
-          </p:txBody>
-        </p:sp>
-        <p:sp>
-          <p:nvSpPr>
-            <p:cNvPr id="20" name="Down Arrow 19"/>
-            <p:cNvSpPr/>
-            <p:nvPr/>
-          </p:nvSpPr>
-          <p:spPr>
-            <a:xfrm rot="16495792">
-              <a:off x="6942734" y="1892140"/>
-              <a:ext cx="304800" cy="1014412"/>
-            </a:xfrm>
-            <a:prstGeom prst="downArrow">
-              <a:avLst>
-                <a:gd name="adj1" fmla="val 36297"/>
-                <a:gd name="adj2" fmla="val 81523"/>
-              </a:avLst>
-            </a:prstGeom>
-            <a:scene3d>
-              <a:camera prst="isometricOffAxis1Top"/>
-              <a:lightRig rig="threePt" dir="t"/>
-            </a:scene3d>
-          </p:spPr>
-          <p:style>
-            <a:lnRef idx="2">
-              <a:schemeClr val="accent1">
-                <a:shade val="50000"/>
-              </a:schemeClr>
-            </a:lnRef>
-            <a:fillRef idx="1">
-              <a:schemeClr val="accent1"/>
-            </a:fillRef>
-            <a:effectRef idx="0">
-              <a:schemeClr val="accent1"/>
-            </a:effectRef>
-            <a:fontRef idx="minor">
-              <a:schemeClr val="lt1"/>
-            </a:fontRef>
-          </p:style>
-          <p:txBody>
-            <a:bodyPr rtlCol="0" anchor="ctr"/>
-            <a:lstStyle/>
-            <a:p>
-              <a:pPr algn="ctr"/>
-              <a:endParaRPr lang="en-US"/>
-            </a:p>
-          </p:txBody>
-        </p:sp>
-      </p:grpSp>
-      <p:sp>
-        <p:nvSpPr>
-          <p:cNvPr id="9" name="Right Arrow 8"/>
-          <p:cNvSpPr/>
-          <p:nvPr/>
-        </p:nvSpPr>
-        <p:spPr>
-          <a:xfrm>
-            <a:off x="3962400" y="2615828"/>
-            <a:ext cx="1066800" cy="641722"/>
-          </a:xfrm>
-          <a:prstGeom prst="rightArrow">
-            <a:avLst/>
-          </a:prstGeom>
-        </p:spPr>
-        <p:style>
-          <a:lnRef idx="2">
-            <a:schemeClr val="accent1">
-              <a:shade val="50000"/>
-            </a:schemeClr>
-          </a:lnRef>
-          <a:fillRef idx="1">
-            <a:schemeClr val="accent1"/>
-          </a:fillRef>
-          <a:effectRef idx="0">
-            <a:schemeClr val="accent1"/>
-          </a:effectRef>
-          <a:fontRef idx="minor">
-            <a:schemeClr val="lt1"/>
-          </a:fontRef>
-        </p:style>
-        <p:txBody>
-          <a:bodyPr rtlCol="0" anchor="ctr"/>
-          <a:lstStyle/>
-          <a:p>
-            <a:pPr algn="ctr"/>
-            <a:endParaRPr lang="en-US"/>
-          </a:p>
-        </p:txBody>
-      </p:sp>
-    </p:spTree>
-    <p:extLst>
-      <p:ext uri="{BB962C8B-B14F-4D97-AF65-F5344CB8AC3E}">
-        <p14:creationId xmlns:p14="http://schemas.microsoft.com/office/powerpoint/2010/main" val="1332570013"/>
       </p:ext>
     </p:extLst>
   </p:cSld>

--- a/BaoCao.pptx
+++ b/BaoCao.pptx
@@ -5,7 +5,7 @@
     <p:sldMasterId id="2147483684" r:id="rId1"/>
   </p:sldMasterIdLst>
   <p:notesMasterIdLst>
-    <p:notesMasterId r:id="rId22"/>
+    <p:notesMasterId r:id="rId25"/>
   </p:notesMasterIdLst>
   <p:sldIdLst>
     <p:sldId id="256" r:id="rId2"/>
@@ -23,11 +23,14 @@
     <p:sldId id="262" r:id="rId14"/>
     <p:sldId id="266" r:id="rId15"/>
     <p:sldId id="271" r:id="rId16"/>
-    <p:sldId id="272" r:id="rId17"/>
-    <p:sldId id="276" r:id="rId18"/>
-    <p:sldId id="268" r:id="rId19"/>
-    <p:sldId id="277" r:id="rId20"/>
-    <p:sldId id="279" r:id="rId21"/>
+    <p:sldId id="283" r:id="rId17"/>
+    <p:sldId id="272" r:id="rId18"/>
+    <p:sldId id="276" r:id="rId19"/>
+    <p:sldId id="268" r:id="rId20"/>
+    <p:sldId id="277" r:id="rId21"/>
+    <p:sldId id="279" r:id="rId22"/>
+    <p:sldId id="281" r:id="rId23"/>
+    <p:sldId id="282" r:id="rId24"/>
   </p:sldIdLst>
   <p:sldSz cx="9144000" cy="5143500" type="screen16x9"/>
   <p:notesSz cx="9144000" cy="6858000"/>
@@ -5833,23 +5836,23 @@
     </dgm:pt>
   </dgm:ptLst>
   <dgm:cxnLst>
+    <dgm:cxn modelId="{CBA81FF0-A1BD-4AA4-B38F-F8FE00BD876B}" type="presOf" srcId="{53CEAADD-4EB2-4CE7-B4D1-A037D48D5793}" destId="{BBDBCD52-8786-4B9E-8A43-2383B6C376C5}" srcOrd="1" destOrd="0" presId="urn:microsoft.com/office/officeart/2005/8/layout/gear1"/>
+    <dgm:cxn modelId="{FCD5BE2B-3347-4DA7-8D5C-CF6DF14AADC2}" type="presOf" srcId="{53CEAADD-4EB2-4CE7-B4D1-A037D48D5793}" destId="{2655A7B7-5846-4512-B636-ED91F3FF926F}" srcOrd="3" destOrd="0" presId="urn:microsoft.com/office/officeart/2005/8/layout/gear1"/>
+    <dgm:cxn modelId="{665F1E75-E7EE-4A86-902F-A3427F63B328}" type="presOf" srcId="{BF5A2988-F64B-4AFC-B736-E22956E9D8AC}" destId="{C38685B0-85E9-469D-93DB-5302C413EA0B}" srcOrd="0" destOrd="0" presId="urn:microsoft.com/office/officeart/2005/8/layout/gear1"/>
+    <dgm:cxn modelId="{2F3ABC0D-81B2-4A04-A27D-D5632C0A0F08}" type="presOf" srcId="{53CEAADD-4EB2-4CE7-B4D1-A037D48D5793}" destId="{0A0923BA-C845-40C0-B46F-3C71D0F6716F}" srcOrd="2" destOrd="0" presId="urn:microsoft.com/office/officeart/2005/8/layout/gear1"/>
+    <dgm:cxn modelId="{571D6EFC-32AB-444F-B188-33A4AFC5EB6A}" srcId="{AE528707-D4DF-4196-A4E9-692EE3A161A4}" destId="{53CEAADD-4EB2-4CE7-B4D1-A037D48D5793}" srcOrd="2" destOrd="0" parTransId="{DB4D930F-7A32-4E4B-9A59-BD0ACFF49C95}" sibTransId="{FE9A5AE8-2067-4040-84AA-10E1BFE8CD7C}"/>
+    <dgm:cxn modelId="{E403665D-4BDC-4290-8BF7-ED9EE356C521}" type="presOf" srcId="{BF5A2988-F64B-4AFC-B736-E22956E9D8AC}" destId="{83D7B1B2-E216-49C0-A017-363ADD501863}" srcOrd="2" destOrd="0" presId="urn:microsoft.com/office/officeart/2005/8/layout/gear1"/>
+    <dgm:cxn modelId="{A5CBC35F-4B0A-41BB-9B30-E42576278E17}" type="presOf" srcId="{3EBE44F1-222F-4141-85CA-8B5F3B15EF7D}" destId="{40B760AE-7C75-45E2-8999-DC6342DBAEC9}" srcOrd="0" destOrd="0" presId="urn:microsoft.com/office/officeart/2005/8/layout/gear1"/>
     <dgm:cxn modelId="{489023AD-AF26-4F16-85E7-AD84A6F03781}" type="presOf" srcId="{16B538C6-9D48-4074-8A32-B0A7D6CD2612}" destId="{473AE54B-7632-44EA-92B4-6B5C0BFD7ABB}" srcOrd="0" destOrd="0" presId="urn:microsoft.com/office/officeart/2005/8/layout/gear1"/>
-    <dgm:cxn modelId="{B558166A-1B3A-4159-B80D-AFA69DDC1164}" type="presOf" srcId="{53CEAADD-4EB2-4CE7-B4D1-A037D48D5793}" destId="{FAC9C855-E720-47C9-956A-AC249672B1D5}" srcOrd="0" destOrd="0" presId="urn:microsoft.com/office/officeart/2005/8/layout/gear1"/>
+    <dgm:cxn modelId="{E38BE99B-06AE-4C7F-A5D6-C1A1C1098689}" srcId="{AE528707-D4DF-4196-A4E9-692EE3A161A4}" destId="{BF5A2988-F64B-4AFC-B736-E22956E9D8AC}" srcOrd="1" destOrd="0" parTransId="{595CC658-B749-40B5-A6C3-25366A92F64E}" sibTransId="{3EBE44F1-222F-4141-85CA-8B5F3B15EF7D}"/>
+    <dgm:cxn modelId="{A4C10893-8098-4453-805F-73060029E7A4}" type="presOf" srcId="{FE9A5AE8-2067-4040-84AA-10E1BFE8CD7C}" destId="{09087A55-524B-4921-8B5F-BB905B2FB6AB}" srcOrd="0" destOrd="0" presId="urn:microsoft.com/office/officeart/2005/8/layout/gear1"/>
+    <dgm:cxn modelId="{DC6DC596-1BF9-4460-89F7-13CFBCEA18B5}" type="presOf" srcId="{AE528707-D4DF-4196-A4E9-692EE3A161A4}" destId="{01A0A183-F75B-49BE-B928-78AFF0273F77}" srcOrd="0" destOrd="0" presId="urn:microsoft.com/office/officeart/2005/8/layout/gear1"/>
     <dgm:cxn modelId="{8FA80E96-B431-40FB-B3C9-DC5F8EA1DB53}" type="presOf" srcId="{16B538C6-9D48-4074-8A32-B0A7D6CD2612}" destId="{97B20F31-71C6-4937-9230-9B7562DC73FD}" srcOrd="1" destOrd="0" presId="urn:microsoft.com/office/officeart/2005/8/layout/gear1"/>
-    <dgm:cxn modelId="{665F1E75-E7EE-4A86-902F-A3427F63B328}" type="presOf" srcId="{BF5A2988-F64B-4AFC-B736-E22956E9D8AC}" destId="{C38685B0-85E9-469D-93DB-5302C413EA0B}" srcOrd="0" destOrd="0" presId="urn:microsoft.com/office/officeart/2005/8/layout/gear1"/>
-    <dgm:cxn modelId="{A5CBC35F-4B0A-41BB-9B30-E42576278E17}" type="presOf" srcId="{3EBE44F1-222F-4141-85CA-8B5F3B15EF7D}" destId="{40B760AE-7C75-45E2-8999-DC6342DBAEC9}" srcOrd="0" destOrd="0" presId="urn:microsoft.com/office/officeart/2005/8/layout/gear1"/>
-    <dgm:cxn modelId="{52EDDBE6-8C03-431D-AE68-3780AF53B11E}" type="presOf" srcId="{1286F462-9413-46D6-8AC1-9FFA3A6421AA}" destId="{2E4B0C8F-8AB1-4552-8B50-A4BE1BED4425}" srcOrd="0" destOrd="0" presId="urn:microsoft.com/office/officeart/2005/8/layout/gear1"/>
-    <dgm:cxn modelId="{E38BE99B-06AE-4C7F-A5D6-C1A1C1098689}" srcId="{AE528707-D4DF-4196-A4E9-692EE3A161A4}" destId="{BF5A2988-F64B-4AFC-B736-E22956E9D8AC}" srcOrd="1" destOrd="0" parTransId="{595CC658-B749-40B5-A6C3-25366A92F64E}" sibTransId="{3EBE44F1-222F-4141-85CA-8B5F3B15EF7D}"/>
-    <dgm:cxn modelId="{2F3ABC0D-81B2-4A04-A27D-D5632C0A0F08}" type="presOf" srcId="{53CEAADD-4EB2-4CE7-B4D1-A037D48D5793}" destId="{0A0923BA-C845-40C0-B46F-3C71D0F6716F}" srcOrd="2" destOrd="0" presId="urn:microsoft.com/office/officeart/2005/8/layout/gear1"/>
     <dgm:cxn modelId="{726632AA-4A5D-417F-AD6D-D140DF2A3926}" srcId="{AE528707-D4DF-4196-A4E9-692EE3A161A4}" destId="{16B538C6-9D48-4074-8A32-B0A7D6CD2612}" srcOrd="0" destOrd="0" parTransId="{319A7764-102F-476D-86BE-4EAC988DAC5A}" sibTransId="{1286F462-9413-46D6-8AC1-9FFA3A6421AA}"/>
     <dgm:cxn modelId="{0DF0A5F4-2F69-4746-BBC9-DFEFA700E42C}" type="presOf" srcId="{16B538C6-9D48-4074-8A32-B0A7D6CD2612}" destId="{C55812C2-5E89-4FFE-AC70-C63D02789ADC}" srcOrd="2" destOrd="0" presId="urn:microsoft.com/office/officeart/2005/8/layout/gear1"/>
-    <dgm:cxn modelId="{A4C10893-8098-4453-805F-73060029E7A4}" type="presOf" srcId="{FE9A5AE8-2067-4040-84AA-10E1BFE8CD7C}" destId="{09087A55-524B-4921-8B5F-BB905B2FB6AB}" srcOrd="0" destOrd="0" presId="urn:microsoft.com/office/officeart/2005/8/layout/gear1"/>
+    <dgm:cxn modelId="{52EDDBE6-8C03-431D-AE68-3780AF53B11E}" type="presOf" srcId="{1286F462-9413-46D6-8AC1-9FFA3A6421AA}" destId="{2E4B0C8F-8AB1-4552-8B50-A4BE1BED4425}" srcOrd="0" destOrd="0" presId="urn:microsoft.com/office/officeart/2005/8/layout/gear1"/>
     <dgm:cxn modelId="{06B92BFC-BE6C-4F50-BC31-D4A34116E05B}" type="presOf" srcId="{BF5A2988-F64B-4AFC-B736-E22956E9D8AC}" destId="{C550B2D3-D262-46A0-BA8F-9144DC298A45}" srcOrd="1" destOrd="0" presId="urn:microsoft.com/office/officeart/2005/8/layout/gear1"/>
-    <dgm:cxn modelId="{571D6EFC-32AB-444F-B188-33A4AFC5EB6A}" srcId="{AE528707-D4DF-4196-A4E9-692EE3A161A4}" destId="{53CEAADD-4EB2-4CE7-B4D1-A037D48D5793}" srcOrd="2" destOrd="0" parTransId="{DB4D930F-7A32-4E4B-9A59-BD0ACFF49C95}" sibTransId="{FE9A5AE8-2067-4040-84AA-10E1BFE8CD7C}"/>
-    <dgm:cxn modelId="{CBA81FF0-A1BD-4AA4-B38F-F8FE00BD876B}" type="presOf" srcId="{53CEAADD-4EB2-4CE7-B4D1-A037D48D5793}" destId="{BBDBCD52-8786-4B9E-8A43-2383B6C376C5}" srcOrd="1" destOrd="0" presId="urn:microsoft.com/office/officeart/2005/8/layout/gear1"/>
-    <dgm:cxn modelId="{FCD5BE2B-3347-4DA7-8D5C-CF6DF14AADC2}" type="presOf" srcId="{53CEAADD-4EB2-4CE7-B4D1-A037D48D5793}" destId="{2655A7B7-5846-4512-B636-ED91F3FF926F}" srcOrd="3" destOrd="0" presId="urn:microsoft.com/office/officeart/2005/8/layout/gear1"/>
-    <dgm:cxn modelId="{DC6DC596-1BF9-4460-89F7-13CFBCEA18B5}" type="presOf" srcId="{AE528707-D4DF-4196-A4E9-692EE3A161A4}" destId="{01A0A183-F75B-49BE-B928-78AFF0273F77}" srcOrd="0" destOrd="0" presId="urn:microsoft.com/office/officeart/2005/8/layout/gear1"/>
-    <dgm:cxn modelId="{E403665D-4BDC-4290-8BF7-ED9EE356C521}" type="presOf" srcId="{BF5A2988-F64B-4AFC-B736-E22956E9D8AC}" destId="{83D7B1B2-E216-49C0-A017-363ADD501863}" srcOrd="2" destOrd="0" presId="urn:microsoft.com/office/officeart/2005/8/layout/gear1"/>
+    <dgm:cxn modelId="{B558166A-1B3A-4159-B80D-AFA69DDC1164}" type="presOf" srcId="{53CEAADD-4EB2-4CE7-B4D1-A037D48D5793}" destId="{FAC9C855-E720-47C9-956A-AC249672B1D5}" srcOrd="0" destOrd="0" presId="urn:microsoft.com/office/officeart/2005/8/layout/gear1"/>
     <dgm:cxn modelId="{D180DBD3-A0E6-40CD-80C4-BADA24B7D1D6}" type="presParOf" srcId="{01A0A183-F75B-49BE-B928-78AFF0273F77}" destId="{473AE54B-7632-44EA-92B4-6B5C0BFD7ABB}" srcOrd="0" destOrd="0" presId="urn:microsoft.com/office/officeart/2005/8/layout/gear1"/>
     <dgm:cxn modelId="{F5DE331A-FA8B-4916-8BF7-FB51F3C6D5BC}" type="presParOf" srcId="{01A0A183-F75B-49BE-B928-78AFF0273F77}" destId="{97B20F31-71C6-4937-9230-9B7562DC73FD}" srcOrd="1" destOrd="0" presId="urn:microsoft.com/office/officeart/2005/8/layout/gear1"/>
     <dgm:cxn modelId="{2811ADFD-9ED3-4F00-9AA2-58051E3CB8FB}" type="presParOf" srcId="{01A0A183-F75B-49BE-B928-78AFF0273F77}" destId="{C55812C2-5E89-4FFE-AC70-C63D02789ADC}" srcOrd="2" destOrd="0" presId="urn:microsoft.com/office/officeart/2005/8/layout/gear1"/>
@@ -32963,8 +32966,7 @@
             <a:noFill/>
             <a:effectLst>
               <a:glow rad="63500">
-                <a:schemeClr val="accent6">
-                  <a:satMod val="175000"/>
+                <a:schemeClr val="bg1">
                   <a:alpha val="40000"/>
                 </a:schemeClr>
               </a:glow>
@@ -34473,6 +34475,606 @@
           <a:p>
             <a:r>
               <a:rPr lang="en-US" dirty="0" smtClean="0"/>
+              <a:t>QUẢN LÝ TÀI XẾ</a:t>
+            </a:r>
+            <a:endParaRPr lang="en-US" dirty="0"/>
+          </a:p>
+        </p:txBody>
+      </p:sp>
+      <p:sp>
+        <p:nvSpPr>
+          <p:cNvPr id="12" name="Rectangle 11"/>
+          <p:cNvSpPr/>
+          <p:nvPr/>
+        </p:nvSpPr>
+        <p:spPr>
+          <a:xfrm>
+            <a:off x="395284" y="3889045"/>
+            <a:ext cx="1752600" cy="424793"/>
+          </a:xfrm>
+          <a:prstGeom prst="rect">
+            <a:avLst/>
+          </a:prstGeom>
+        </p:spPr>
+        <p:style>
+          <a:lnRef idx="1">
+            <a:schemeClr val="accent1"/>
+          </a:lnRef>
+          <a:fillRef idx="3">
+            <a:schemeClr val="accent1"/>
+          </a:fillRef>
+          <a:effectRef idx="2">
+            <a:schemeClr val="accent1"/>
+          </a:effectRef>
+          <a:fontRef idx="minor">
+            <a:schemeClr val="lt1"/>
+          </a:fontRef>
+        </p:style>
+        <p:txBody>
+          <a:bodyPr rtlCol="0" anchor="ctr"/>
+          <a:lstStyle/>
+          <a:p>
+            <a:pPr algn="ctr"/>
+            <a:r>
+              <a:rPr lang="en-US" dirty="0" err="1" smtClean="0"/>
+              <a:t>Sửa</a:t>
+            </a:r>
+            <a:r>
+              <a:rPr lang="en-US" dirty="0" smtClean="0"/>
+              <a:t> </a:t>
+            </a:r>
+            <a:r>
+              <a:rPr lang="en-US" dirty="0" err="1" smtClean="0"/>
+              <a:t>đổi</a:t>
+            </a:r>
+            <a:r>
+              <a:rPr lang="en-US" dirty="0" smtClean="0"/>
+              <a:t> </a:t>
+            </a:r>
+            <a:r>
+              <a:rPr lang="en-US" dirty="0" err="1" smtClean="0"/>
+              <a:t>dữ</a:t>
+            </a:r>
+            <a:r>
+              <a:rPr lang="en-US" dirty="0" smtClean="0"/>
+              <a:t> </a:t>
+            </a:r>
+            <a:r>
+              <a:rPr lang="en-US" dirty="0" err="1" smtClean="0"/>
+              <a:t>liệu</a:t>
+            </a:r>
+            <a:endParaRPr lang="en-US" dirty="0"/>
+          </a:p>
+        </p:txBody>
+      </p:sp>
+      <p:sp>
+        <p:nvSpPr>
+          <p:cNvPr id="4" name="Rectangle 3"/>
+          <p:cNvSpPr/>
+          <p:nvPr/>
+        </p:nvSpPr>
+        <p:spPr>
+          <a:xfrm>
+            <a:off x="542922" y="1464477"/>
+            <a:ext cx="1457325" cy="390958"/>
+          </a:xfrm>
+          <a:prstGeom prst="rect">
+            <a:avLst/>
+          </a:prstGeom>
+        </p:spPr>
+        <p:style>
+          <a:lnRef idx="1">
+            <a:schemeClr val="accent1"/>
+          </a:lnRef>
+          <a:fillRef idx="3">
+            <a:schemeClr val="accent1"/>
+          </a:fillRef>
+          <a:effectRef idx="2">
+            <a:schemeClr val="accent1"/>
+          </a:effectRef>
+          <a:fontRef idx="minor">
+            <a:schemeClr val="lt1"/>
+          </a:fontRef>
+        </p:style>
+        <p:txBody>
+          <a:bodyPr rtlCol="0" anchor="ctr"/>
+          <a:lstStyle/>
+          <a:p>
+            <a:pPr algn="ctr"/>
+            <a:r>
+              <a:rPr lang="en-US" dirty="0" err="1" smtClean="0"/>
+              <a:t>Xem</a:t>
+            </a:r>
+            <a:r>
+              <a:rPr lang="en-US" dirty="0" smtClean="0"/>
+              <a:t> </a:t>
+            </a:r>
+            <a:r>
+              <a:rPr lang="en-US" dirty="0" err="1" smtClean="0"/>
+              <a:t>dữ</a:t>
+            </a:r>
+            <a:r>
+              <a:rPr lang="en-US" dirty="0" smtClean="0"/>
+              <a:t> </a:t>
+            </a:r>
+            <a:r>
+              <a:rPr lang="en-US" dirty="0" err="1" smtClean="0"/>
+              <a:t>liệu</a:t>
+            </a:r>
+            <a:endParaRPr lang="en-US" dirty="0"/>
+          </a:p>
+        </p:txBody>
+      </p:sp>
+      <p:grpSp>
+        <p:nvGrpSpPr>
+          <p:cNvPr id="32" name="Group 31"/>
+          <p:cNvGrpSpPr/>
+          <p:nvPr/>
+        </p:nvGrpSpPr>
+        <p:grpSpPr>
+          <a:xfrm>
+            <a:off x="1828800" y="1341175"/>
+            <a:ext cx="6919914" cy="2950767"/>
+            <a:chOff x="828675" y="1381122"/>
+            <a:chExt cx="7151337" cy="3005935"/>
+          </a:xfrm>
+        </p:grpSpPr>
+        <p:pic>
+          <p:nvPicPr>
+            <p:cNvPr id="5122" name="Picture 2" descr="https://cdn2.iconfinder.com/data/icons/commerce-4/512/boss-512.png"/>
+            <p:cNvPicPr>
+              <a:picLocks noChangeAspect="1" noChangeArrowheads="1"/>
+            </p:cNvPicPr>
+            <p:nvPr/>
+          </p:nvPicPr>
+          <p:blipFill>
+            <a:blip r:embed="rId2" cstate="print">
+              <a:extLst>
+                <a:ext uri="{28A0092B-C50C-407E-A947-70E740481C1C}">
+                  <a14:useLocalDpi xmlns:a14="http://schemas.microsoft.com/office/drawing/2010/main" val="0"/>
+                </a:ext>
+              </a:extLst>
+            </a:blip>
+            <a:srcRect/>
+            <a:stretch>
+              <a:fillRect/>
+            </a:stretch>
+          </p:blipFill>
+          <p:spPr bwMode="auto">
+            <a:xfrm>
+              <a:off x="828675" y="2562225"/>
+              <a:ext cx="914400" cy="914400"/>
+            </a:xfrm>
+            <a:prstGeom prst="rect">
+              <a:avLst/>
+            </a:prstGeom>
+            <a:noFill/>
+            <a:extLst>
+              <a:ext uri="{909E8E84-426E-40DD-AFC4-6F175D3DCCD1}">
+                <a14:hiddenFill xmlns:a14="http://schemas.microsoft.com/office/drawing/2010/main">
+                  <a:solidFill>
+                    <a:srgbClr val="FFFFFF"/>
+                  </a:solidFill>
+                </a14:hiddenFill>
+              </a:ext>
+            </a:extLst>
+          </p:spPr>
+        </p:pic>
+        <p:pic>
+          <p:nvPicPr>
+            <p:cNvPr id="5124" name="Picture 4" descr="https://cdn2.iconfinder.com/data/icons/windows-8-metro-style/512/windows_client.png"/>
+            <p:cNvPicPr>
+              <a:picLocks noChangeAspect="1" noChangeArrowheads="1"/>
+            </p:cNvPicPr>
+            <p:nvPr/>
+          </p:nvPicPr>
+          <p:blipFill>
+            <a:blip r:embed="rId3" cstate="print">
+              <a:extLst>
+                <a:ext uri="{28A0092B-C50C-407E-A947-70E740481C1C}">
+                  <a14:useLocalDpi xmlns:a14="http://schemas.microsoft.com/office/drawing/2010/main" val="0"/>
+                </a:ext>
+              </a:extLst>
+            </a:blip>
+            <a:srcRect/>
+            <a:stretch>
+              <a:fillRect/>
+            </a:stretch>
+          </p:blipFill>
+          <p:spPr bwMode="auto">
+            <a:xfrm>
+              <a:off x="2095499" y="1381122"/>
+              <a:ext cx="1047751" cy="1047751"/>
+            </a:xfrm>
+            <a:prstGeom prst="rect">
+              <a:avLst/>
+            </a:prstGeom>
+            <a:noFill/>
+            <a:extLst>
+              <a:ext uri="{909E8E84-426E-40DD-AFC4-6F175D3DCCD1}">
+                <a14:hiddenFill xmlns:a14="http://schemas.microsoft.com/office/drawing/2010/main">
+                  <a:solidFill>
+                    <a:srgbClr val="FFFFFF"/>
+                  </a:solidFill>
+                </a14:hiddenFill>
+              </a:ext>
+            </a:extLst>
+          </p:spPr>
+        </p:pic>
+        <p:pic>
+          <p:nvPicPr>
+            <p:cNvPr id="14" name="Picture 13"/>
+            <p:cNvPicPr>
+              <a:picLocks noChangeAspect="1"/>
+            </p:cNvPicPr>
+            <p:nvPr/>
+          </p:nvPicPr>
+          <p:blipFill>
+            <a:blip r:embed="rId4">
+              <a:extLst>
+                <a:ext uri="{28A0092B-C50C-407E-A947-70E740481C1C}">
+                  <a14:useLocalDpi xmlns:a14="http://schemas.microsoft.com/office/drawing/2010/main" val="0"/>
+                </a:ext>
+              </a:extLst>
+            </a:blip>
+            <a:stretch>
+              <a:fillRect/>
+            </a:stretch>
+          </p:blipFill>
+          <p:spPr>
+            <a:xfrm>
+              <a:off x="6553201" y="2428875"/>
+              <a:ext cx="1426811" cy="1047750"/>
+            </a:xfrm>
+            <a:prstGeom prst="rect">
+              <a:avLst/>
+            </a:prstGeom>
+          </p:spPr>
+        </p:pic>
+        <p:pic>
+          <p:nvPicPr>
+            <p:cNvPr id="5126" name="Picture 6" descr="http://icons.iconarchive.com/icons/paomedia/small-n-flat/1024/database-icon.png"/>
+            <p:cNvPicPr>
+              <a:picLocks noChangeAspect="1" noChangeArrowheads="1"/>
+            </p:cNvPicPr>
+            <p:nvPr/>
+          </p:nvPicPr>
+          <p:blipFill>
+            <a:blip r:embed="rId5" cstate="print">
+              <a:extLst>
+                <a:ext uri="{28A0092B-C50C-407E-A947-70E740481C1C}">
+                  <a14:useLocalDpi xmlns:a14="http://schemas.microsoft.com/office/drawing/2010/main" val="0"/>
+                </a:ext>
+              </a:extLst>
+            </a:blip>
+            <a:srcRect/>
+            <a:stretch>
+              <a:fillRect/>
+            </a:stretch>
+          </p:blipFill>
+          <p:spPr bwMode="auto">
+            <a:xfrm>
+              <a:off x="2135585" y="3476625"/>
+              <a:ext cx="910432" cy="910432"/>
+            </a:xfrm>
+            <a:prstGeom prst="rect">
+              <a:avLst/>
+            </a:prstGeom>
+            <a:noFill/>
+            <a:extLst>
+              <a:ext uri="{909E8E84-426E-40DD-AFC4-6F175D3DCCD1}">
+                <a14:hiddenFill xmlns:a14="http://schemas.microsoft.com/office/drawing/2010/main">
+                  <a:solidFill>
+                    <a:srgbClr val="FFFFFF"/>
+                  </a:solidFill>
+                </a14:hiddenFill>
+              </a:ext>
+            </a:extLst>
+          </p:spPr>
+        </p:pic>
+      </p:grpSp>
+      <p:cxnSp>
+        <p:nvCxnSpPr>
+          <p:cNvPr id="5121" name="Curved Connector 5120"/>
+          <p:cNvCxnSpPr>
+            <a:stCxn id="14" idx="0"/>
+            <a:endCxn id="5124" idx="3"/>
+          </p:cNvCxnSpPr>
+          <p:nvPr/>
+        </p:nvCxnSpPr>
+        <p:spPr>
+          <a:xfrm rot="16200000" flipV="1">
+            <a:off x="5806304" y="117607"/>
+            <a:ext cx="514263" cy="3989921"/>
+          </a:xfrm>
+          <a:prstGeom prst="curvedConnector2">
+            <a:avLst/>
+          </a:prstGeom>
+          <a:ln w="50800">
+            <a:tailEnd type="triangle"/>
+          </a:ln>
+        </p:spPr>
+        <p:style>
+          <a:lnRef idx="1">
+            <a:schemeClr val="accent1"/>
+          </a:lnRef>
+          <a:fillRef idx="0">
+            <a:schemeClr val="accent1"/>
+          </a:fillRef>
+          <a:effectRef idx="0">
+            <a:schemeClr val="accent1"/>
+          </a:effectRef>
+          <a:fontRef idx="minor">
+            <a:schemeClr val="tx1"/>
+          </a:fontRef>
+        </p:style>
+      </p:cxnSp>
+      <p:cxnSp>
+        <p:nvCxnSpPr>
+          <p:cNvPr id="37" name="Curved Connector 36"/>
+          <p:cNvCxnSpPr>
+            <a:stCxn id="14" idx="2"/>
+            <a:endCxn id="5126" idx="3"/>
+          </p:cNvCxnSpPr>
+          <p:nvPr/>
+        </p:nvCxnSpPr>
+        <p:spPr>
+          <a:xfrm rot="5400000">
+            <a:off x="5792961" y="1579646"/>
+            <a:ext cx="446861" cy="4084008"/>
+          </a:xfrm>
+          <a:prstGeom prst="curvedConnector2">
+            <a:avLst/>
+          </a:prstGeom>
+          <a:ln w="88900" cmpd="dbl">
+            <a:headEnd type="triangle" w="sm" len="sm"/>
+            <a:tailEnd type="triangle" w="sm" len="sm"/>
+          </a:ln>
+        </p:spPr>
+        <p:style>
+          <a:lnRef idx="1">
+            <a:schemeClr val="accent1"/>
+          </a:lnRef>
+          <a:fillRef idx="0">
+            <a:schemeClr val="accent1"/>
+          </a:fillRef>
+          <a:effectRef idx="0">
+            <a:schemeClr val="accent1"/>
+          </a:effectRef>
+          <a:fontRef idx="minor">
+            <a:schemeClr val="tx1"/>
+          </a:fontRef>
+        </p:style>
+      </p:cxnSp>
+      <p:cxnSp>
+        <p:nvCxnSpPr>
+          <p:cNvPr id="43" name="Curved Connector 42"/>
+          <p:cNvCxnSpPr>
+            <a:stCxn id="5126" idx="1"/>
+            <a:endCxn id="5122" idx="2"/>
+          </p:cNvCxnSpPr>
+          <p:nvPr/>
+        </p:nvCxnSpPr>
+        <p:spPr>
+          <a:xfrm rot="10800000">
+            <a:off x="2271205" y="3398219"/>
+            <a:ext cx="822212" cy="446862"/>
+          </a:xfrm>
+          <a:prstGeom prst="curvedConnector2">
+            <a:avLst/>
+          </a:prstGeom>
+          <a:ln w="88900" cmpd="dbl">
+            <a:headEnd type="triangle" w="sm" len="sm"/>
+            <a:tailEnd type="triangle" w="sm" len="sm"/>
+          </a:ln>
+        </p:spPr>
+        <p:style>
+          <a:lnRef idx="1">
+            <a:schemeClr val="accent1"/>
+          </a:lnRef>
+          <a:fillRef idx="0">
+            <a:schemeClr val="accent1"/>
+          </a:fillRef>
+          <a:effectRef idx="0">
+            <a:schemeClr val="accent1"/>
+          </a:effectRef>
+          <a:fontRef idx="minor">
+            <a:schemeClr val="tx1"/>
+          </a:fontRef>
+        </p:style>
+      </p:cxnSp>
+      <p:cxnSp>
+        <p:nvCxnSpPr>
+          <p:cNvPr id="46" name="Curved Connector 45"/>
+          <p:cNvCxnSpPr>
+            <a:stCxn id="5124" idx="1"/>
+            <a:endCxn id="5122" idx="0"/>
+          </p:cNvCxnSpPr>
+          <p:nvPr/>
+        </p:nvCxnSpPr>
+        <p:spPr>
+          <a:xfrm rot="10800000" flipV="1">
+            <a:off x="2271205" y="1855435"/>
+            <a:ext cx="783424" cy="645165"/>
+          </a:xfrm>
+          <a:prstGeom prst="curvedConnector2">
+            <a:avLst/>
+          </a:prstGeom>
+          <a:ln w="50800">
+            <a:tailEnd type="triangle"/>
+          </a:ln>
+        </p:spPr>
+        <p:style>
+          <a:lnRef idx="1">
+            <a:schemeClr val="accent1"/>
+          </a:lnRef>
+          <a:fillRef idx="0">
+            <a:schemeClr val="accent1"/>
+          </a:fillRef>
+          <a:effectRef idx="0">
+            <a:schemeClr val="accent1"/>
+          </a:effectRef>
+          <a:fontRef idx="minor">
+            <a:schemeClr val="tx1"/>
+          </a:fontRef>
+        </p:style>
+      </p:cxnSp>
+      <p:sp>
+        <p:nvSpPr>
+          <p:cNvPr id="33" name="TextBox 32"/>
+          <p:cNvSpPr txBox="1"/>
+          <p:nvPr/>
+        </p:nvSpPr>
+        <p:spPr>
+          <a:xfrm>
+            <a:off x="3869928" y="4455717"/>
+            <a:ext cx="5016117" cy="369332"/>
+          </a:xfrm>
+          <a:prstGeom prst="rect">
+            <a:avLst/>
+          </a:prstGeom>
+          <a:noFill/>
+        </p:spPr>
+        <p:txBody>
+          <a:bodyPr wrap="none" rtlCol="0">
+            <a:spAutoFit/>
+          </a:bodyPr>
+          <a:lstStyle/>
+          <a:p>
+            <a:r>
+              <a:rPr lang="en-US" b="1" i="1" dirty="0" err="1" smtClean="0"/>
+              <a:t>Áp</a:t>
+            </a:r>
+            <a:r>
+              <a:rPr lang="en-US" b="1" i="1" dirty="0" smtClean="0"/>
+              <a:t> </a:t>
+            </a:r>
+            <a:r>
+              <a:rPr lang="en-US" b="1" i="1" dirty="0" err="1" smtClean="0"/>
+              <a:t>dụng</a:t>
+            </a:r>
+            <a:r>
+              <a:rPr lang="en-US" b="1" i="1" dirty="0" smtClean="0"/>
+              <a:t> </a:t>
+            </a:r>
+            <a:r>
+              <a:rPr lang="en-US" b="1" i="1" dirty="0" err="1" smtClean="0"/>
+              <a:t>cả</a:t>
+            </a:r>
+            <a:r>
+              <a:rPr lang="en-US" b="1" i="1" dirty="0" smtClean="0"/>
+              <a:t> 2 </a:t>
+            </a:r>
+            <a:r>
+              <a:rPr lang="en-US" b="1" i="1" dirty="0" err="1" smtClean="0"/>
+              <a:t>phướng</a:t>
+            </a:r>
+            <a:r>
+              <a:rPr lang="en-US" b="1" i="1" dirty="0" smtClean="0"/>
+              <a:t> </a:t>
+            </a:r>
+            <a:r>
+              <a:rPr lang="en-US" b="1" i="1" dirty="0" err="1" smtClean="0"/>
+              <a:t>phép</a:t>
+            </a:r>
+            <a:r>
+              <a:rPr lang="en-US" b="1" i="1" dirty="0" smtClean="0"/>
+              <a:t> : </a:t>
+            </a:r>
+            <a:r>
+              <a:rPr lang="en-US" b="1" i="1" dirty="0" err="1" smtClean="0"/>
+              <a:t>Kết</a:t>
+            </a:r>
+            <a:r>
+              <a:rPr lang="en-US" b="1" i="1" dirty="0" smtClean="0"/>
+              <a:t> </a:t>
+            </a:r>
+            <a:r>
+              <a:rPr lang="en-US" b="1" i="1" dirty="0" err="1" smtClean="0"/>
+              <a:t>nối</a:t>
+            </a:r>
+            <a:r>
+              <a:rPr lang="en-US" b="1" i="1" dirty="0" smtClean="0"/>
+              <a:t> </a:t>
+            </a:r>
+            <a:r>
+              <a:rPr lang="en-US" b="1" i="1" dirty="0" err="1" smtClean="0"/>
+              <a:t>và</a:t>
+            </a:r>
+            <a:r>
+              <a:rPr lang="en-US" b="1" i="1" dirty="0" smtClean="0"/>
+              <a:t> Phi </a:t>
+            </a:r>
+            <a:r>
+              <a:rPr lang="en-US" b="1" i="1" dirty="0" err="1" smtClean="0"/>
+              <a:t>kết</a:t>
+            </a:r>
+            <a:r>
+              <a:rPr lang="en-US" b="1" i="1" dirty="0" smtClean="0"/>
+              <a:t> </a:t>
+            </a:r>
+            <a:r>
+              <a:rPr lang="en-US" b="1" i="1" dirty="0" err="1" smtClean="0"/>
+              <a:t>nối</a:t>
+            </a:r>
+            <a:endParaRPr lang="en-US" b="1" i="1" dirty="0"/>
+          </a:p>
+        </p:txBody>
+      </p:sp>
+    </p:spTree>
+    <p:extLst>
+      <p:ext uri="{BB962C8B-B14F-4D97-AF65-F5344CB8AC3E}">
+        <p14:creationId xmlns:p14="http://schemas.microsoft.com/office/powerpoint/2010/main" val="2505871949"/>
+      </p:ext>
+    </p:extLst>
+  </p:cSld>
+  <p:clrMapOvr>
+    <a:masterClrMapping/>
+  </p:clrMapOvr>
+  <p:timing>
+    <p:tnLst>
+      <p:par>
+        <p:cTn id="1" dur="indefinite" restart="never" nodeType="tmRoot"/>
+      </p:par>
+    </p:tnLst>
+  </p:timing>
+</p:sld>
+</file>
+
+<file path=ppt/slides/slide17.xml><?xml version="1.0" encoding="utf-8"?>
+<p:sld xmlns:a="http://schemas.openxmlformats.org/drawingml/2006/main" xmlns:r="http://schemas.openxmlformats.org/officeDocument/2006/relationships" xmlns:p="http://schemas.openxmlformats.org/presentationml/2006/main">
+  <p:cSld>
+    <p:spTree>
+      <p:nvGrpSpPr>
+        <p:cNvPr id="1" name=""/>
+        <p:cNvGrpSpPr/>
+        <p:nvPr/>
+      </p:nvGrpSpPr>
+      <p:grpSpPr>
+        <a:xfrm>
+          <a:off x="0" y="0"/>
+          <a:ext cx="0" cy="0"/>
+          <a:chOff x="0" y="0"/>
+          <a:chExt cx="0" cy="0"/>
+        </a:xfrm>
+      </p:grpSpPr>
+      <p:sp>
+        <p:nvSpPr>
+          <p:cNvPr id="3" name="Title 2"/>
+          <p:cNvSpPr>
+            <a:spLocks noGrp="1"/>
+          </p:cNvSpPr>
+          <p:nvPr>
+            <p:ph type="title"/>
+          </p:nvPr>
+        </p:nvSpPr>
+        <p:spPr/>
+        <p:txBody>
+          <a:bodyPr/>
+          <a:lstStyle/>
+          <a:p>
+            <a:r>
+              <a:rPr lang="en-US" dirty="0" smtClean="0"/>
               <a:t>QUẢN LÝ XE</a:t>
             </a:r>
             <a:endParaRPr lang="en-US" dirty="0"/>
@@ -34528,7 +35130,7 @@
 </p:sld>
 </file>
 
-<file path=ppt/slides/slide17.xml><?xml version="1.0" encoding="utf-8"?>
+<file path=ppt/slides/slide18.xml><?xml version="1.0" encoding="utf-8"?>
 <p:sld xmlns:a="http://schemas.openxmlformats.org/drawingml/2006/main" xmlns:r="http://schemas.openxmlformats.org/officeDocument/2006/relationships" xmlns:p="http://schemas.openxmlformats.org/presentationml/2006/main">
   <p:cSld>
     <p:spTree>
@@ -35223,7 +35825,7 @@
 </p:sld>
 </file>
 
-<file path=ppt/slides/slide18.xml><?xml version="1.0" encoding="utf-8"?>
+<file path=ppt/slides/slide19.xml><?xml version="1.0" encoding="utf-8"?>
 <p:sld xmlns:a="http://schemas.openxmlformats.org/drawingml/2006/main" xmlns:r="http://schemas.openxmlformats.org/officeDocument/2006/relationships" xmlns:p="http://schemas.openxmlformats.org/presentationml/2006/main">
   <p:cSld>
     <p:spTree>
@@ -35290,7 +35892,90 @@
 </p:sld>
 </file>
 
-<file path=ppt/slides/slide19.xml><?xml version="1.0" encoding="utf-8"?>
+<file path=ppt/slides/slide2.xml><?xml version="1.0" encoding="utf-8"?>
+<p:sld xmlns:a="http://schemas.openxmlformats.org/drawingml/2006/main" xmlns:r="http://schemas.openxmlformats.org/officeDocument/2006/relationships" xmlns:p="http://schemas.openxmlformats.org/presentationml/2006/main">
+  <p:cSld>
+    <p:spTree>
+      <p:nvGrpSpPr>
+        <p:cNvPr id="1" name=""/>
+        <p:cNvGrpSpPr/>
+        <p:nvPr/>
+      </p:nvGrpSpPr>
+      <p:grpSpPr>
+        <a:xfrm>
+          <a:off x="0" y="0"/>
+          <a:ext cx="0" cy="0"/>
+          <a:chOff x="0" y="0"/>
+          <a:chExt cx="0" cy="0"/>
+        </a:xfrm>
+      </p:grpSpPr>
+      <p:sp>
+        <p:nvSpPr>
+          <p:cNvPr id="3" name="Title 2"/>
+          <p:cNvSpPr>
+            <a:spLocks noGrp="1"/>
+          </p:cNvSpPr>
+          <p:nvPr>
+            <p:ph type="title"/>
+          </p:nvPr>
+        </p:nvSpPr>
+        <p:spPr/>
+        <p:txBody>
+          <a:bodyPr/>
+          <a:lstStyle/>
+          <a:p>
+            <a:pPr algn="l"/>
+            <a:r>
+              <a:rPr lang="en-US" dirty="0" smtClean="0"/>
+              <a:t>NỘI DUNG :</a:t>
+            </a:r>
+            <a:endParaRPr lang="en-US" dirty="0"/>
+          </a:p>
+        </p:txBody>
+      </p:sp>
+      <p:graphicFrame>
+        <p:nvGraphicFramePr>
+          <p:cNvPr id="5" name="Diagram 4"/>
+          <p:cNvGraphicFramePr/>
+          <p:nvPr>
+            <p:extLst>
+              <p:ext uri="{D42A27DB-BD31-4B8C-83A1-F6EECF244321}">
+                <p14:modId xmlns:p14="http://schemas.microsoft.com/office/powerpoint/2010/main" val="623381431"/>
+              </p:ext>
+            </p:extLst>
+          </p:nvPr>
+        </p:nvGraphicFramePr>
+        <p:xfrm>
+          <a:off x="914400" y="1428750"/>
+          <a:ext cx="6934200" cy="3505200"/>
+        </p:xfrm>
+        <a:graphic>
+          <a:graphicData uri="http://schemas.openxmlformats.org/drawingml/2006/diagram">
+            <dgm:relIds xmlns:dgm="http://schemas.openxmlformats.org/drawingml/2006/diagram" xmlns:r="http://schemas.openxmlformats.org/officeDocument/2006/relationships" r:dm="rId2" r:lo="rId3" r:qs="rId4" r:cs="rId5"/>
+          </a:graphicData>
+        </a:graphic>
+      </p:graphicFrame>
+    </p:spTree>
+    <p:extLst>
+      <p:ext uri="{BB962C8B-B14F-4D97-AF65-F5344CB8AC3E}">
+        <p14:creationId xmlns:p14="http://schemas.microsoft.com/office/powerpoint/2010/main" val="1479002020"/>
+      </p:ext>
+    </p:extLst>
+  </p:cSld>
+  <p:clrMapOvr>
+    <a:masterClrMapping/>
+  </p:clrMapOvr>
+  <p:timing>
+    <p:tnLst>
+      <p:par>
+        <p:cTn id="1" dur="indefinite" restart="never" nodeType="tmRoot"/>
+      </p:par>
+    </p:tnLst>
+  </p:timing>
+</p:sld>
+</file>
+
+<file path=ppt/slides/slide20.xml><?xml version="1.0" encoding="utf-8"?>
 <p:sld xmlns:a="http://schemas.openxmlformats.org/drawingml/2006/main" xmlns:r="http://schemas.openxmlformats.org/officeDocument/2006/relationships" xmlns:p="http://schemas.openxmlformats.org/presentationml/2006/main">
   <p:cSld>
     <p:spTree>
@@ -35845,7 +36530,7 @@
 </p:sld>
 </file>
 
-<file path=ppt/slides/slide2.xml><?xml version="1.0" encoding="utf-8"?>
+<file path=ppt/slides/slide21.xml><?xml version="1.0" encoding="utf-8"?>
 <p:sld xmlns:a="http://schemas.openxmlformats.org/drawingml/2006/main" xmlns:r="http://schemas.openxmlformats.org/officeDocument/2006/relationships" xmlns:p="http://schemas.openxmlformats.org/presentationml/2006/main">
   <p:cSld>
     <p:spTree>
@@ -35872,46 +36557,38 @@
             <p:ph type="title"/>
           </p:nvPr>
         </p:nvSpPr>
-        <p:spPr/>
+        <p:spPr>
+          <a:xfrm>
+            <a:off x="533400" y="1962150"/>
+            <a:ext cx="8229600" cy="939546"/>
+          </a:xfrm>
+        </p:spPr>
         <p:txBody>
-          <a:bodyPr/>
+          <a:bodyPr>
+            <a:normAutofit/>
+          </a:bodyPr>
           <a:lstStyle/>
           <a:p>
-            <a:pPr algn="l"/>
             <a:r>
-              <a:rPr lang="en-US" dirty="0" smtClean="0"/>
-              <a:t>NỘI DUNG :</a:t>
+              <a:rPr lang="en-US" sz="5400" b="1" dirty="0" smtClean="0">
+                <a:solidFill>
+                  <a:schemeClr val="accent2"/>
+                </a:solidFill>
+              </a:rPr>
+              <a:t>DEMO</a:t>
             </a:r>
-            <a:endParaRPr lang="en-US" dirty="0"/>
+            <a:endParaRPr lang="en-US" sz="5400" b="1" dirty="0">
+              <a:solidFill>
+                <a:schemeClr val="accent2"/>
+              </a:solidFill>
+            </a:endParaRPr>
           </a:p>
         </p:txBody>
       </p:sp>
-      <p:graphicFrame>
-        <p:nvGraphicFramePr>
-          <p:cNvPr id="5" name="Diagram 4"/>
-          <p:cNvGraphicFramePr/>
-          <p:nvPr>
-            <p:extLst>
-              <p:ext uri="{D42A27DB-BD31-4B8C-83A1-F6EECF244321}">
-                <p14:modId xmlns:p14="http://schemas.microsoft.com/office/powerpoint/2010/main" val="623381431"/>
-              </p:ext>
-            </p:extLst>
-          </p:nvPr>
-        </p:nvGraphicFramePr>
-        <p:xfrm>
-          <a:off x="914400" y="1428750"/>
-          <a:ext cx="6934200" cy="3505200"/>
-        </p:xfrm>
-        <a:graphic>
-          <a:graphicData uri="http://schemas.openxmlformats.org/drawingml/2006/diagram">
-            <dgm:relIds xmlns:dgm="http://schemas.openxmlformats.org/drawingml/2006/diagram" xmlns:r="http://schemas.openxmlformats.org/officeDocument/2006/relationships" r:dm="rId2" r:lo="rId3" r:qs="rId4" r:cs="rId5"/>
-          </a:graphicData>
-        </a:graphic>
-      </p:graphicFrame>
     </p:spTree>
     <p:extLst>
       <p:ext uri="{BB962C8B-B14F-4D97-AF65-F5344CB8AC3E}">
-        <p14:creationId xmlns:p14="http://schemas.microsoft.com/office/powerpoint/2010/main" val="1479002020"/>
+        <p14:creationId xmlns:p14="http://schemas.microsoft.com/office/powerpoint/2010/main" val="2746381519"/>
       </p:ext>
     </p:extLst>
   </p:cSld>
@@ -35928,7 +36605,7 @@
 </p:sld>
 </file>
 
-<file path=ppt/slides/slide20.xml><?xml version="1.0" encoding="utf-8"?>
+<file path=ppt/slides/slide22.xml><?xml version="1.0" encoding="utf-8"?>
 <p:sld xmlns:a="http://schemas.openxmlformats.org/drawingml/2006/main" xmlns:r="http://schemas.openxmlformats.org/officeDocument/2006/relationships" xmlns:p="http://schemas.openxmlformats.org/presentationml/2006/main">
   <p:cSld>
     <p:spTree>
@@ -35947,7 +36624,7 @@
       </p:grpSpPr>
       <p:sp>
         <p:nvSpPr>
-          <p:cNvPr id="3" name="Title 2"/>
+          <p:cNvPr id="4" name="Title 2"/>
           <p:cNvSpPr>
             <a:spLocks noGrp="1"/>
           </p:cNvSpPr>
@@ -35955,29 +36632,200 @@
             <p:ph type="title"/>
           </p:nvPr>
         </p:nvSpPr>
-        <p:spPr/>
+        <p:spPr>
+          <a:xfrm>
+            <a:off x="457200" y="438150"/>
+            <a:ext cx="8229600" cy="939546"/>
+          </a:xfrm>
+        </p:spPr>
         <p:txBody>
           <a:bodyPr/>
           <a:lstStyle/>
           <a:p>
+            <a:pPr algn="l"/>
+            <a:r>
+              <a:rPr lang="en-US" i="1" dirty="0" err="1" smtClean="0"/>
+              <a:t>Nguồn</a:t>
+            </a:r>
+            <a:r>
+              <a:rPr lang="en-US" i="1" dirty="0" smtClean="0"/>
+              <a:t> :</a:t>
+            </a:r>
+            <a:endParaRPr lang="en-US" i="1" dirty="0"/>
+          </a:p>
+        </p:txBody>
+      </p:sp>
+      <p:sp>
+        <p:nvSpPr>
+          <p:cNvPr id="5" name="TextBox 4"/>
+          <p:cNvSpPr txBox="1"/>
+          <p:nvPr/>
+        </p:nvSpPr>
+        <p:spPr>
+          <a:xfrm>
+            <a:off x="1104900" y="2577942"/>
+            <a:ext cx="7467600" cy="1477328"/>
+          </a:xfrm>
+          <a:prstGeom prst="rect">
+            <a:avLst/>
+          </a:prstGeom>
+          <a:noFill/>
+        </p:spPr>
+        <p:txBody>
+          <a:bodyPr wrap="square" rtlCol="0">
+            <a:spAutoFit/>
+          </a:bodyPr>
+          <a:lstStyle/>
+          <a:p>
+            <a:pPr marL="285750" indent="-285750">
+              <a:buFont typeface="Arial" pitchFamily="34" charset="0"/>
+              <a:buChar char="•"/>
+            </a:pPr>
+            <a:r>
+              <a:rPr lang="en-US" dirty="0">
+                <a:hlinkClick r:id="rId2"/>
+              </a:rPr>
+              <a:t>http://</a:t>
+            </a:r>
+            <a:r>
+              <a:rPr lang="en-US" dirty="0" smtClean="0">
+                <a:hlinkClick r:id="rId2"/>
+              </a:rPr>
+              <a:t>www.giaxaydung.vn/diendan/showthread.php?t=128834</a:t>
+            </a:r>
+            <a:endParaRPr lang="en-US" dirty="0" smtClean="0"/>
+          </a:p>
+          <a:p>
+            <a:pPr marL="285750" indent="-285750">
+              <a:buFont typeface="Arial" pitchFamily="34" charset="0"/>
+              <a:buChar char="•"/>
+            </a:pPr>
+            <a:endParaRPr lang="en-US" dirty="0" smtClean="0"/>
+          </a:p>
+          <a:p>
+            <a:pPr marL="285750" indent="-285750">
+              <a:buFont typeface="Arial" pitchFamily="34" charset="0"/>
+              <a:buChar char="•"/>
+            </a:pPr>
             <a:r>
               <a:rPr lang="en-US" dirty="0" smtClean="0"/>
-              <a:t>ĐÓNG GÓP</a:t>
+              <a:t>Google Image</a:t>
             </a:r>
+          </a:p>
+          <a:p>
+            <a:pPr marL="285750" indent="-285750">
+              <a:buFont typeface="Arial" pitchFamily="34" charset="0"/>
+              <a:buChar char="•"/>
+            </a:pPr>
             <a:endParaRPr lang="en-US" dirty="0"/>
+          </a:p>
+          <a:p>
+            <a:pPr marL="285750" indent="-285750">
+              <a:buFont typeface="Arial" pitchFamily="34" charset="0"/>
+              <a:buChar char="•"/>
+            </a:pPr>
+            <a:r>
+              <a:rPr lang="en-US" dirty="0" smtClean="0"/>
+              <a:t>Wikipedia</a:t>
+            </a:r>
           </a:p>
         </p:txBody>
       </p:sp>
     </p:spTree>
     <p:extLst>
       <p:ext uri="{BB962C8B-B14F-4D97-AF65-F5344CB8AC3E}">
-        <p14:creationId xmlns:p14="http://schemas.microsoft.com/office/powerpoint/2010/main" val="3248176122"/>
+        <p14:creationId xmlns:p14="http://schemas.microsoft.com/office/powerpoint/2010/main" val="3656426776"/>
       </p:ext>
     </p:extLst>
   </p:cSld>
   <p:clrMapOvr>
     <a:masterClrMapping/>
   </p:clrMapOvr>
+  <p:timing>
+    <p:tnLst>
+      <p:par>
+        <p:cTn id="1" dur="indefinite" restart="never" nodeType="tmRoot"/>
+      </p:par>
+    </p:tnLst>
+  </p:timing>
+</p:sld>
+</file>
+
+<file path=ppt/slides/slide23.xml><?xml version="1.0" encoding="utf-8"?>
+<p:sld xmlns:a="http://schemas.openxmlformats.org/drawingml/2006/main" xmlns:r="http://schemas.openxmlformats.org/officeDocument/2006/relationships" xmlns:p="http://schemas.openxmlformats.org/presentationml/2006/main">
+  <p:cSld>
+    <p:spTree>
+      <p:nvGrpSpPr>
+        <p:cNvPr id="1" name=""/>
+        <p:cNvGrpSpPr/>
+        <p:nvPr/>
+      </p:nvGrpSpPr>
+      <p:grpSpPr>
+        <a:xfrm>
+          <a:off x="0" y="0"/>
+          <a:ext cx="0" cy="0"/>
+          <a:chOff x="0" y="0"/>
+          <a:chExt cx="0" cy="0"/>
+        </a:xfrm>
+      </p:grpSpPr>
+      <p:pic>
+        <p:nvPicPr>
+          <p:cNvPr id="4098" name="Picture 2" descr="https://www.ezaccess.com/uploads/userfiles/files/QandA.png"/>
+          <p:cNvPicPr>
+            <a:picLocks noChangeAspect="1" noChangeArrowheads="1"/>
+          </p:cNvPicPr>
+          <p:nvPr/>
+        </p:nvPicPr>
+        <p:blipFill>
+          <a:blip r:embed="rId2">
+            <a:extLst>
+              <a:ext uri="{28A0092B-C50C-407E-A947-70E740481C1C}">
+                <a14:useLocalDpi xmlns:a14="http://schemas.microsoft.com/office/drawing/2010/main" val="0"/>
+              </a:ext>
+            </a:extLst>
+          </a:blip>
+          <a:srcRect/>
+          <a:stretch>
+            <a:fillRect/>
+          </a:stretch>
+        </p:blipFill>
+        <p:spPr bwMode="auto">
+          <a:xfrm>
+            <a:off x="1981200" y="1447800"/>
+            <a:ext cx="5238750" cy="2476501"/>
+          </a:xfrm>
+          <a:prstGeom prst="rect">
+            <a:avLst/>
+          </a:prstGeom>
+          <a:noFill/>
+          <a:extLst>
+            <a:ext uri="{909E8E84-426E-40DD-AFC4-6F175D3DCCD1}">
+              <a14:hiddenFill xmlns:a14="http://schemas.microsoft.com/office/drawing/2010/main">
+                <a:solidFill>
+                  <a:srgbClr val="FFFFFF"/>
+                </a:solidFill>
+              </a14:hiddenFill>
+            </a:ext>
+          </a:extLst>
+        </p:spPr>
+      </p:pic>
+    </p:spTree>
+    <p:extLst>
+      <p:ext uri="{BB962C8B-B14F-4D97-AF65-F5344CB8AC3E}">
+        <p14:creationId xmlns:p14="http://schemas.microsoft.com/office/powerpoint/2010/main" val="4167364064"/>
+      </p:ext>
+    </p:extLst>
+  </p:cSld>
+  <p:clrMapOvr>
+    <a:masterClrMapping/>
+  </p:clrMapOvr>
+  <p:timing>
+    <p:tnLst>
+      <p:par>
+        <p:cTn id="1" dur="indefinite" restart="never" nodeType="tmRoot"/>
+      </p:par>
+    </p:tnLst>
+  </p:timing>
 </p:sld>
 </file>
 
@@ -36797,10 +37645,10 @@
         </p:nvGrpSpPr>
         <p:grpSpPr>
           <a:xfrm>
-            <a:off x="533400" y="1428750"/>
-            <a:ext cx="6653998" cy="1575317"/>
+            <a:off x="523128" y="1428748"/>
+            <a:ext cx="5222586" cy="1064657"/>
             <a:chOff x="1066801" y="2105024"/>
-            <a:chExt cx="5232837" cy="1607583"/>
+            <a:chExt cx="3516152" cy="1607583"/>
           </a:xfrm>
         </p:grpSpPr>
         <p:sp>
@@ -36811,8 +37659,8 @@
           </p:nvSpPr>
           <p:spPr>
             <a:xfrm>
-              <a:off x="2600082" y="2720367"/>
-              <a:ext cx="3699556" cy="471121"/>
+              <a:off x="2176213" y="2629978"/>
+              <a:ext cx="2406740" cy="557674"/>
             </a:xfrm>
             <a:prstGeom prst="rect">
               <a:avLst/>
@@ -36826,70 +37674,70 @@
             <a:lstStyle/>
             <a:p>
               <a:r>
-                <a:rPr lang="en-US" sz="2400" i="1" dirty="0" err="1" smtClean="0"/>
+                <a:rPr lang="en-US" i="1" dirty="0" err="1" smtClean="0"/>
                 <a:t>Tạo</a:t>
               </a:r>
               <a:r>
-                <a:rPr lang="en-US" sz="2400" i="1" dirty="0" smtClean="0"/>
+                <a:rPr lang="en-US" i="1" dirty="0" smtClean="0"/>
                 <a:t> </a:t>
               </a:r>
               <a:r>
-                <a:rPr lang="en-US" sz="2400" i="1" dirty="0" err="1" smtClean="0"/>
+                <a:rPr lang="en-US" i="1" dirty="0" err="1" smtClean="0"/>
                 <a:t>các</a:t>
               </a:r>
               <a:r>
-                <a:rPr lang="en-US" sz="2400" i="1" dirty="0" smtClean="0"/>
+                <a:rPr lang="en-US" i="1" dirty="0" smtClean="0"/>
                 <a:t> </a:t>
               </a:r>
               <a:r>
-                <a:rPr lang="en-US" sz="2400" i="1" dirty="0" err="1" smtClean="0"/>
+                <a:rPr lang="en-US" i="1" dirty="0" err="1" smtClean="0"/>
                 <a:t>khóa</a:t>
               </a:r>
               <a:r>
-                <a:rPr lang="en-US" sz="2400" i="1" dirty="0" smtClean="0"/>
+                <a:rPr lang="en-US" i="1" dirty="0" smtClean="0"/>
                 <a:t> </a:t>
               </a:r>
               <a:r>
-                <a:rPr lang="en-US" sz="2400" i="1" dirty="0" err="1" smtClean="0"/>
+                <a:rPr lang="en-US" i="1" dirty="0" err="1" smtClean="0"/>
                 <a:t>đào</a:t>
               </a:r>
               <a:r>
-                <a:rPr lang="en-US" sz="2400" i="1" dirty="0" smtClean="0"/>
+                <a:rPr lang="en-US" i="1" dirty="0" smtClean="0"/>
                 <a:t> </a:t>
               </a:r>
               <a:r>
-                <a:rPr lang="en-US" sz="2400" i="1" dirty="0" err="1" smtClean="0"/>
+                <a:rPr lang="en-US" i="1" dirty="0" err="1" smtClean="0"/>
                 <a:t>tạo</a:t>
               </a:r>
               <a:r>
-                <a:rPr lang="en-US" sz="2400" i="1" dirty="0" smtClean="0"/>
+                <a:rPr lang="en-US" i="1" dirty="0" smtClean="0"/>
                 <a:t> </a:t>
               </a:r>
               <a:r>
-                <a:rPr lang="en-US" sz="2400" i="1" dirty="0" err="1" smtClean="0"/>
+                <a:rPr lang="en-US" i="1" dirty="0" err="1" smtClean="0"/>
                 <a:t>cho</a:t>
               </a:r>
               <a:r>
-                <a:rPr lang="en-US" sz="2400" i="1" dirty="0" smtClean="0"/>
+                <a:rPr lang="en-US" i="1" dirty="0" smtClean="0"/>
                 <a:t> </a:t>
               </a:r>
               <a:r>
-                <a:rPr lang="en-US" sz="2400" i="1" dirty="0" err="1" smtClean="0"/>
+                <a:rPr lang="en-US" i="1" dirty="0" err="1" smtClean="0"/>
                 <a:t>nhân</a:t>
               </a:r>
               <a:r>
-                <a:rPr lang="en-US" sz="2400" i="1" dirty="0" smtClean="0"/>
+                <a:rPr lang="en-US" i="1" dirty="0" smtClean="0"/>
                 <a:t> </a:t>
               </a:r>
               <a:r>
-                <a:rPr lang="en-US" sz="2400" i="1" dirty="0" err="1" smtClean="0"/>
+                <a:rPr lang="en-US" i="1" dirty="0" err="1" smtClean="0"/>
                 <a:t>viên</a:t>
               </a:r>
               <a:r>
-                <a:rPr lang="en-US" sz="2400" i="1" dirty="0" smtClean="0"/>
+                <a:rPr lang="en-US" i="1" dirty="0" smtClean="0"/>
                 <a:t>.</a:t>
               </a:r>
-              <a:endParaRPr lang="en-US" sz="2400" i="1" dirty="0"/>
+              <a:endParaRPr lang="en-US" i="1" dirty="0"/>
             </a:p>
           </p:txBody>
         </p:sp>
@@ -36917,7 +37765,7 @@
           <p:spPr bwMode="auto">
             <a:xfrm>
               <a:off x="1066801" y="2105024"/>
-              <a:ext cx="1318354" cy="1607583"/>
+              <a:ext cx="1026046" cy="1607583"/>
             </a:xfrm>
             <a:prstGeom prst="rect">
               <a:avLst/>
@@ -36943,10 +37791,10 @@
         </p:nvGrpSpPr>
         <p:grpSpPr>
           <a:xfrm>
-            <a:off x="1044298" y="3105150"/>
-            <a:ext cx="7696199" cy="1745218"/>
-            <a:chOff x="1818516" y="1096149"/>
-            <a:chExt cx="6578180" cy="1403866"/>
+            <a:off x="2047127" y="2512351"/>
+            <a:ext cx="6531443" cy="1036037"/>
+            <a:chOff x="2505184" y="1096149"/>
+            <a:chExt cx="5891511" cy="1403866"/>
           </a:xfrm>
         </p:grpSpPr>
         <p:sp>
@@ -36957,8 +37805,8 @@
           </p:nvSpPr>
           <p:spPr>
             <a:xfrm>
-              <a:off x="1818516" y="1505694"/>
-              <a:ext cx="4568938" cy="321851"/>
+              <a:off x="2505184" y="1547852"/>
+              <a:ext cx="4186796" cy="500458"/>
             </a:xfrm>
             <a:prstGeom prst="rect">
               <a:avLst/>
@@ -36972,74 +37820,74 @@
             <a:lstStyle/>
             <a:p>
               <a:r>
-                <a:rPr lang="en-US" sz="2000" i="1" dirty="0" err="1" smtClean="0"/>
+                <a:rPr lang="en-US" i="1" dirty="0" err="1" smtClean="0"/>
                 <a:t>Thuê</a:t>
               </a:r>
               <a:r>
-                <a:rPr lang="en-US" sz="2000" i="1" dirty="0" smtClean="0"/>
+                <a:rPr lang="en-US" i="1" dirty="0" smtClean="0"/>
                 <a:t> </a:t>
               </a:r>
               <a:r>
-                <a:rPr lang="en-US" sz="2000" i="1" dirty="0" err="1" smtClean="0"/>
+                <a:rPr lang="en-US" i="1" dirty="0" err="1" smtClean="0"/>
                 <a:t>thêm</a:t>
               </a:r>
               <a:r>
-                <a:rPr lang="en-US" sz="2000" i="1" dirty="0" smtClean="0"/>
+                <a:rPr lang="en-US" i="1" dirty="0" smtClean="0"/>
                 <a:t> </a:t>
               </a:r>
               <a:r>
-                <a:rPr lang="en-US" sz="2000" i="1" dirty="0" err="1" smtClean="0"/>
+                <a:rPr lang="en-US" i="1" dirty="0" err="1" smtClean="0"/>
                 <a:t>nhân</a:t>
               </a:r>
               <a:r>
-                <a:rPr lang="en-US" sz="2000" i="1" dirty="0" smtClean="0"/>
+                <a:rPr lang="en-US" i="1" dirty="0" smtClean="0"/>
                 <a:t> </a:t>
               </a:r>
               <a:r>
-                <a:rPr lang="en-US" sz="2000" i="1" dirty="0" err="1" smtClean="0"/>
+                <a:rPr lang="en-US" i="1" dirty="0" err="1" smtClean="0"/>
                 <a:t>công</a:t>
               </a:r>
               <a:r>
-                <a:rPr lang="en-US" sz="2000" i="1" dirty="0" smtClean="0"/>
+                <a:rPr lang="en-US" i="1" dirty="0" smtClean="0"/>
                 <a:t> </a:t>
               </a:r>
               <a:r>
-                <a:rPr lang="en-US" sz="2000" i="1" dirty="0" err="1" smtClean="0"/>
+                <a:rPr lang="en-US" i="1" dirty="0" err="1" smtClean="0"/>
                 <a:t>có</a:t>
               </a:r>
               <a:r>
-                <a:rPr lang="en-US" sz="2000" i="1" dirty="0" smtClean="0"/>
+                <a:rPr lang="en-US" i="1" dirty="0" smtClean="0"/>
                 <a:t> </a:t>
               </a:r>
               <a:r>
-                <a:rPr lang="en-US" sz="2000" i="1" dirty="0" err="1" smtClean="0"/>
+                <a:rPr lang="en-US" i="1" dirty="0" err="1" smtClean="0"/>
                 <a:t>tay</a:t>
               </a:r>
               <a:r>
-                <a:rPr lang="en-US" sz="2000" i="1" dirty="0" smtClean="0"/>
+                <a:rPr lang="en-US" i="1" dirty="0" smtClean="0"/>
                 <a:t> </a:t>
               </a:r>
               <a:r>
-                <a:rPr lang="en-US" sz="2000" i="1" dirty="0" err="1" smtClean="0"/>
+                <a:rPr lang="en-US" i="1" dirty="0" err="1" smtClean="0"/>
                 <a:t>nghề</a:t>
               </a:r>
               <a:r>
-                <a:rPr lang="en-US" sz="2000" i="1" dirty="0" smtClean="0"/>
+                <a:rPr lang="en-US" i="1" dirty="0" smtClean="0"/>
                 <a:t>, </a:t>
               </a:r>
               <a:r>
-                <a:rPr lang="en-US" sz="2000" i="1" dirty="0" err="1" smtClean="0"/>
+                <a:rPr lang="en-US" i="1" dirty="0" err="1" smtClean="0"/>
                 <a:t>kinh</a:t>
               </a:r>
               <a:r>
-                <a:rPr lang="en-US" sz="2000" i="1" dirty="0" smtClean="0"/>
+                <a:rPr lang="en-US" i="1" dirty="0" smtClean="0"/>
                 <a:t> </a:t>
               </a:r>
               <a:r>
-                <a:rPr lang="en-US" sz="2000" i="1" dirty="0" err="1" smtClean="0"/>
+                <a:rPr lang="en-US" i="1" dirty="0" err="1" smtClean="0"/>
                 <a:t>nghiệm</a:t>
               </a:r>
-              <a:endParaRPr lang="en-US" sz="2000" i="1" dirty="0"/>
+              <a:endParaRPr lang="en-US" i="1" dirty="0"/>
             </a:p>
           </p:txBody>
         </p:sp>
@@ -37066,8 +37914,8 @@
           </p:blipFill>
           <p:spPr bwMode="auto">
             <a:xfrm>
-              <a:off x="6566017" y="1096149"/>
-              <a:ext cx="1830679" cy="1403866"/>
+              <a:off x="6775966" y="1096149"/>
+              <a:ext cx="1620729" cy="1403866"/>
             </a:xfrm>
             <a:prstGeom prst="rect">
               <a:avLst/>
@@ -37084,6 +37932,136 @@
             </a:extLst>
           </p:spPr>
         </p:pic>
+      </p:grpSp>
+      <p:grpSp>
+        <p:nvGrpSpPr>
+          <p:cNvPr id="6" name="Group 5"/>
+          <p:cNvGrpSpPr/>
+          <p:nvPr/>
+        </p:nvGrpSpPr>
+        <p:grpSpPr>
+          <a:xfrm>
+            <a:off x="762000" y="3486148"/>
+            <a:ext cx="4453400" cy="1446307"/>
+            <a:chOff x="381000" y="3486150"/>
+            <a:chExt cx="4453400" cy="1446307"/>
+          </a:xfrm>
+        </p:grpSpPr>
+        <p:pic>
+          <p:nvPicPr>
+            <p:cNvPr id="2050" name="Picture 2" descr="http://bpmgp.com/wp-content/uploads/2014/01/icon1.png"/>
+            <p:cNvPicPr>
+              <a:picLocks noChangeAspect="1" noChangeArrowheads="1"/>
+            </p:cNvPicPr>
+            <p:nvPr/>
+          </p:nvPicPr>
+          <p:blipFill>
+            <a:blip r:embed="rId4">
+              <a:extLst>
+                <a:ext uri="{28A0092B-C50C-407E-A947-70E740481C1C}">
+                  <a14:useLocalDpi xmlns:a14="http://schemas.microsoft.com/office/drawing/2010/main" val="0"/>
+                </a:ext>
+              </a:extLst>
+            </a:blip>
+            <a:srcRect/>
+            <a:stretch>
+              <a:fillRect/>
+            </a:stretch>
+          </p:blipFill>
+          <p:spPr bwMode="auto">
+            <a:xfrm>
+              <a:off x="381000" y="3486150"/>
+              <a:ext cx="1446307" cy="1446307"/>
+            </a:xfrm>
+            <a:prstGeom prst="rect">
+              <a:avLst/>
+            </a:prstGeom>
+            <a:noFill/>
+            <a:extLst>
+              <a:ext uri="{909E8E84-426E-40DD-AFC4-6F175D3DCCD1}">
+                <a14:hiddenFill xmlns:a14="http://schemas.microsoft.com/office/drawing/2010/main">
+                  <a:solidFill>
+                    <a:srgbClr val="FFFFFF"/>
+                  </a:solidFill>
+                </a14:hiddenFill>
+              </a:ext>
+            </a:extLst>
+          </p:spPr>
+        </p:pic>
+        <p:sp>
+          <p:nvSpPr>
+            <p:cNvPr id="2" name="TextBox 1"/>
+            <p:cNvSpPr txBox="1"/>
+            <p:nvPr/>
+          </p:nvSpPr>
+          <p:spPr>
+            <a:xfrm>
+              <a:off x="2028824" y="4024637"/>
+              <a:ext cx="2805576" cy="369332"/>
+            </a:xfrm>
+            <a:prstGeom prst="rect">
+              <a:avLst/>
+            </a:prstGeom>
+            <a:noFill/>
+          </p:spPr>
+          <p:txBody>
+            <a:bodyPr wrap="none" rtlCol="0">
+              <a:spAutoFit/>
+            </a:bodyPr>
+            <a:lstStyle/>
+            <a:p>
+              <a:r>
+                <a:rPr lang="en-US" i="1" dirty="0"/>
+                <a:t> </a:t>
+              </a:r>
+              <a:r>
+                <a:rPr lang="en-US" i="1" dirty="0" err="1" smtClean="0"/>
+                <a:t>Cải</a:t>
+              </a:r>
+              <a:r>
+                <a:rPr lang="en-US" i="1" dirty="0" smtClean="0"/>
+                <a:t> </a:t>
+              </a:r>
+              <a:r>
+                <a:rPr lang="en-US" i="1" dirty="0" err="1"/>
+                <a:t>tiến</a:t>
+              </a:r>
+              <a:r>
+                <a:rPr lang="en-US" i="1" dirty="0"/>
+                <a:t> </a:t>
+              </a:r>
+              <a:r>
+                <a:rPr lang="en-US" i="1" dirty="0" err="1"/>
+                <a:t>quy</a:t>
+              </a:r>
+              <a:r>
+                <a:rPr lang="en-US" i="1" dirty="0"/>
+                <a:t> </a:t>
+              </a:r>
+              <a:r>
+                <a:rPr lang="en-US" i="1" dirty="0" err="1"/>
+                <a:t>trình</a:t>
+              </a:r>
+              <a:r>
+                <a:rPr lang="en-US" i="1" dirty="0"/>
+                <a:t> </a:t>
+              </a:r>
+              <a:r>
+                <a:rPr lang="en-US" i="1" dirty="0" err="1"/>
+                <a:t>nghiệp</a:t>
+              </a:r>
+              <a:r>
+                <a:rPr lang="en-US" i="1" dirty="0"/>
+                <a:t> </a:t>
+              </a:r>
+              <a:r>
+                <a:rPr lang="en-US" i="1" dirty="0" err="1" smtClean="0"/>
+                <a:t>vụ</a:t>
+              </a:r>
+              <a:endParaRPr lang="en-US" i="1" dirty="0"/>
+            </a:p>
+          </p:txBody>
+        </p:sp>
       </p:grpSp>
     </p:spTree>
     <p:extLst>
@@ -37308,10 +38286,10 @@
         </p:nvGrpSpPr>
         <p:grpSpPr>
           <a:xfrm>
-            <a:off x="5496539" y="3802864"/>
-            <a:ext cx="2875182" cy="441159"/>
-            <a:chOff x="4832340" y="4075744"/>
-            <a:chExt cx="2875182" cy="441159"/>
+            <a:off x="5512373" y="3825069"/>
+            <a:ext cx="2815266" cy="646331"/>
+            <a:chOff x="4848174" y="4097949"/>
+            <a:chExt cx="2815266" cy="646331"/>
           </a:xfrm>
         </p:grpSpPr>
         <p:sp>
@@ -37322,8 +38300,8 @@
           </p:nvSpPr>
           <p:spPr>
             <a:xfrm>
-              <a:off x="5206516" y="4097949"/>
-              <a:ext cx="2501006" cy="369332"/>
+              <a:off x="5250600" y="4097949"/>
+              <a:ext cx="2412840" cy="646331"/>
             </a:xfrm>
             <a:prstGeom prst="rect">
               <a:avLst/>
@@ -37339,7 +38317,42 @@
               <a:pPr algn="ctr"/>
               <a:r>
                 <a:rPr lang="en-US" b="1" i="1" dirty="0" err="1" smtClean="0"/>
-                <a:t>Hiệu</a:t>
+                <a:t>Tiêu</a:t>
+              </a:r>
+              <a:r>
+                <a:rPr lang="en-US" b="1" i="1" dirty="0" smtClean="0"/>
+                <a:t> </a:t>
+              </a:r>
+              <a:r>
+                <a:rPr lang="en-US" b="1" i="1" dirty="0" err="1" smtClean="0"/>
+                <a:t>hao</a:t>
+              </a:r>
+              <a:r>
+                <a:rPr lang="en-US" b="1" i="1" dirty="0" smtClean="0"/>
+                <a:t> </a:t>
+              </a:r>
+              <a:r>
+                <a:rPr lang="en-US" b="1" i="1" dirty="0" err="1" smtClean="0"/>
+                <a:t>tài</a:t>
+              </a:r>
+              <a:r>
+                <a:rPr lang="en-US" b="1" i="1" dirty="0" smtClean="0"/>
+                <a:t> </a:t>
+              </a:r>
+              <a:r>
+                <a:rPr lang="en-US" b="1" i="1" dirty="0" err="1" smtClean="0"/>
+                <a:t>nguyên</a:t>
+              </a:r>
+              <a:r>
+                <a:rPr lang="en-US" b="1" i="1" dirty="0" smtClean="0"/>
+                <a:t>, </a:t>
+              </a:r>
+            </a:p>
+            <a:p>
+              <a:pPr algn="ctr"/>
+              <a:r>
+                <a:rPr lang="en-US" b="1" i="1" dirty="0" err="1" smtClean="0"/>
+                <a:t>hiệu</a:t>
               </a:r>
               <a:r>
                 <a:rPr lang="en-US" b="1" i="1" dirty="0" smtClean="0"/>
@@ -37400,7 +38413,7 @@
           </p:blipFill>
           <p:spPr bwMode="auto">
             <a:xfrm>
-              <a:off x="4832340" y="4075744"/>
+              <a:off x="4848174" y="4200534"/>
               <a:ext cx="441159" cy="441159"/>
             </a:xfrm>
             <a:prstGeom prst="rect">

--- a/BaoCao.pptx
+++ b/BaoCao.pptx
@@ -35865,10 +35865,18 @@
           <a:lstStyle/>
           <a:p>
             <a:r>
-              <a:rPr lang="en-US" sz="5400" b="1" dirty="0" smtClean="0"/>
+              <a:rPr lang="en-US" sz="5400" b="1" dirty="0" smtClean="0">
+                <a:solidFill>
+                  <a:schemeClr val="accent2"/>
+                </a:solidFill>
+              </a:rPr>
               <a:t>CẢI TIẾN VÀ PHÁT TRIỂN</a:t>
             </a:r>
-            <a:endParaRPr lang="en-US" sz="5400" b="1" dirty="0"/>
+            <a:endParaRPr lang="en-US" sz="5400" b="1" dirty="0">
+              <a:solidFill>
+                <a:schemeClr val="accent2"/>
+              </a:solidFill>
+            </a:endParaRPr>
           </a:p>
         </p:txBody>
       </p:sp>
@@ -37791,7 +37799,7 @@
         </p:nvGrpSpPr>
         <p:grpSpPr>
           <a:xfrm>
-            <a:off x="2047127" y="2512351"/>
+            <a:off x="2066177" y="2571750"/>
             <a:ext cx="6531443" cy="1036037"/>
             <a:chOff x="2505184" y="1096149"/>
             <a:chExt cx="5891511" cy="1403866"/>
@@ -37941,7 +37949,7 @@
         </p:nvGrpSpPr>
         <p:grpSpPr>
           <a:xfrm>
-            <a:off x="762000" y="3486148"/>
+            <a:off x="523128" y="3486148"/>
             <a:ext cx="4453400" cy="1446307"/>
             <a:chOff x="381000" y="3486150"/>
             <a:chExt cx="4453400" cy="1446307"/>
